--- a/doc/09.场外交易.pptx
+++ b/doc/09.场外交易.pptx
@@ -274,7 +274,7 @@
           <a:p>
             <a:fld id="{1B7BBEA4-24BC-4F9A-BA49-26A596A24E96}" type="datetimeFigureOut">
               <a:rPr lang="zh-CN" altLang="en-US" smtClean="0"/>
-              <a:t>2021/4/14</a:t>
+              <a:t>2021/4/18</a:t>
             </a:fld>
             <a:endParaRPr lang="zh-CN" altLang="en-US"/>
           </a:p>
@@ -472,7 +472,7 @@
           <a:p>
             <a:fld id="{1B7BBEA4-24BC-4F9A-BA49-26A596A24E96}" type="datetimeFigureOut">
               <a:rPr lang="zh-CN" altLang="en-US" smtClean="0"/>
-              <a:t>2021/4/14</a:t>
+              <a:t>2021/4/18</a:t>
             </a:fld>
             <a:endParaRPr lang="zh-CN" altLang="en-US"/>
           </a:p>
@@ -680,7 +680,7 @@
           <a:p>
             <a:fld id="{1B7BBEA4-24BC-4F9A-BA49-26A596A24E96}" type="datetimeFigureOut">
               <a:rPr lang="zh-CN" altLang="en-US" smtClean="0"/>
-              <a:t>2021/4/14</a:t>
+              <a:t>2021/4/18</a:t>
             </a:fld>
             <a:endParaRPr lang="zh-CN" altLang="en-US"/>
           </a:p>
@@ -878,7 +878,7 @@
           <a:p>
             <a:fld id="{1B7BBEA4-24BC-4F9A-BA49-26A596A24E96}" type="datetimeFigureOut">
               <a:rPr lang="zh-CN" altLang="en-US" smtClean="0"/>
-              <a:t>2021/4/14</a:t>
+              <a:t>2021/4/18</a:t>
             </a:fld>
             <a:endParaRPr lang="zh-CN" altLang="en-US"/>
           </a:p>
@@ -1153,7 +1153,7 @@
           <a:p>
             <a:fld id="{1B7BBEA4-24BC-4F9A-BA49-26A596A24E96}" type="datetimeFigureOut">
               <a:rPr lang="zh-CN" altLang="en-US" smtClean="0"/>
-              <a:t>2021/4/14</a:t>
+              <a:t>2021/4/18</a:t>
             </a:fld>
             <a:endParaRPr lang="zh-CN" altLang="en-US"/>
           </a:p>
@@ -1418,7 +1418,7 @@
           <a:p>
             <a:fld id="{1B7BBEA4-24BC-4F9A-BA49-26A596A24E96}" type="datetimeFigureOut">
               <a:rPr lang="zh-CN" altLang="en-US" smtClean="0"/>
-              <a:t>2021/4/14</a:t>
+              <a:t>2021/4/18</a:t>
             </a:fld>
             <a:endParaRPr lang="zh-CN" altLang="en-US"/>
           </a:p>
@@ -1830,7 +1830,7 @@
           <a:p>
             <a:fld id="{1B7BBEA4-24BC-4F9A-BA49-26A596A24E96}" type="datetimeFigureOut">
               <a:rPr lang="zh-CN" altLang="en-US" smtClean="0"/>
-              <a:t>2021/4/14</a:t>
+              <a:t>2021/4/18</a:t>
             </a:fld>
             <a:endParaRPr lang="zh-CN" altLang="en-US"/>
           </a:p>
@@ -1971,7 +1971,7 @@
           <a:p>
             <a:fld id="{1B7BBEA4-24BC-4F9A-BA49-26A596A24E96}" type="datetimeFigureOut">
               <a:rPr lang="zh-CN" altLang="en-US" smtClean="0"/>
-              <a:t>2021/4/14</a:t>
+              <a:t>2021/4/18</a:t>
             </a:fld>
             <a:endParaRPr lang="zh-CN" altLang="en-US"/>
           </a:p>
@@ -2084,7 +2084,7 @@
           <a:p>
             <a:fld id="{1B7BBEA4-24BC-4F9A-BA49-26A596A24E96}" type="datetimeFigureOut">
               <a:rPr lang="zh-CN" altLang="en-US" smtClean="0"/>
-              <a:t>2021/4/14</a:t>
+              <a:t>2021/4/18</a:t>
             </a:fld>
             <a:endParaRPr lang="zh-CN" altLang="en-US"/>
           </a:p>
@@ -2395,7 +2395,7 @@
           <a:p>
             <a:fld id="{1B7BBEA4-24BC-4F9A-BA49-26A596A24E96}" type="datetimeFigureOut">
               <a:rPr lang="zh-CN" altLang="en-US" smtClean="0"/>
-              <a:t>2021/4/14</a:t>
+              <a:t>2021/4/18</a:t>
             </a:fld>
             <a:endParaRPr lang="zh-CN" altLang="en-US"/>
           </a:p>
@@ -2683,7 +2683,7 @@
           <a:p>
             <a:fld id="{1B7BBEA4-24BC-4F9A-BA49-26A596A24E96}" type="datetimeFigureOut">
               <a:rPr lang="zh-CN" altLang="en-US" smtClean="0"/>
-              <a:t>2021/4/14</a:t>
+              <a:t>2021/4/18</a:t>
             </a:fld>
             <a:endParaRPr lang="zh-CN" altLang="en-US"/>
           </a:p>
@@ -2924,7 +2924,7 @@
           <a:p>
             <a:fld id="{1B7BBEA4-24BC-4F9A-BA49-26A596A24E96}" type="datetimeFigureOut">
               <a:rPr lang="zh-CN" altLang="en-US" smtClean="0"/>
-              <a:t>2021/4/14</a:t>
+              <a:t>2021/4/18</a:t>
             </a:fld>
             <a:endParaRPr lang="zh-CN" altLang="en-US"/>
           </a:p>
@@ -4275,7 +4275,7 @@
                 <a:latin typeface="微软雅黑" panose="020B0503020204020204" pitchFamily="34" charset="-122"/>
                 <a:ea typeface="微软雅黑" panose="020B0503020204020204" pitchFamily="34" charset="-122"/>
               </a:rPr>
-              <a:t>guaranty</a:t>
+              <a:t>Guaranty</a:t>
             </a:r>
             <a:endParaRPr lang="zh-CN" altLang="en-US" sz="1600" b="1">
               <a:solidFill>
@@ -4461,7 +4461,7 @@
                 <a:latin typeface="微软雅黑" panose="020B0503020204020204" pitchFamily="34" charset="-122"/>
                 <a:ea typeface="微软雅黑" panose="020B0503020204020204" pitchFamily="34" charset="-122"/>
               </a:rPr>
-              <a:t>guarant_history</a:t>
+              <a:t>GuarantyLog</a:t>
             </a:r>
             <a:endParaRPr lang="zh-CN" altLang="en-US" sz="1600" b="1">
               <a:solidFill>
@@ -4488,7 +4488,7 @@
         <p:spPr>
           <a:xfrm>
             <a:off x="3359007" y="1970049"/>
-            <a:ext cx="2687759" cy="919789"/>
+            <a:ext cx="2687759" cy="1221016"/>
           </a:xfrm>
           <a:prstGeom prst="roundRect">
             <a:avLst>
@@ -4523,6 +4523,37 @@
           <a:bodyPr rtlCol="0" anchor="b" anchorCtr="0"/>
           <a:lstStyle/>
           <a:p>
+            <a:endParaRPr lang="en-US" altLang="zh-CN" sz="1200" b="1">
+              <a:solidFill>
+                <a:schemeClr val="tx1"/>
+              </a:solidFill>
+              <a:latin typeface="微软雅黑" panose="020B0503020204020204" pitchFamily="34" charset="-122"/>
+              <a:ea typeface="微软雅黑" panose="020B0503020204020204" pitchFamily="34" charset="-122"/>
+            </a:endParaRPr>
+          </a:p>
+          <a:p>
+            <a:r>
+              <a:rPr lang="zh-CN" altLang="en-US" sz="1200" b="1">
+                <a:solidFill>
+                  <a:schemeClr val="tx1"/>
+                </a:solidFill>
+                <a:latin typeface="微软雅黑" panose="020B0503020204020204" pitchFamily="34" charset="-122"/>
+                <a:ea typeface="微软雅黑" panose="020B0503020204020204" pitchFamily="34" charset="-122"/>
+              </a:rPr>
+              <a:t>日志</a:t>
+            </a:r>
+            <a:r>
+              <a:rPr lang="en-US" altLang="zh-CN" sz="1200" b="1">
+                <a:solidFill>
+                  <a:schemeClr val="tx1"/>
+                </a:solidFill>
+                <a:latin typeface="微软雅黑" panose="020B0503020204020204" pitchFamily="34" charset="-122"/>
+                <a:ea typeface="微软雅黑" panose="020B0503020204020204" pitchFamily="34" charset="-122"/>
+              </a:rPr>
+              <a:t>id</a:t>
+            </a:r>
+          </a:p>
+          <a:p>
             <a:r>
               <a:rPr lang="zh-CN" altLang="en-US" sz="1200" b="1">
                 <a:solidFill>
@@ -4563,7 +4594,7 @@
                 <a:latin typeface="微软雅黑" panose="020B0503020204020204" pitchFamily="34" charset="-122"/>
                 <a:ea typeface="微软雅黑" panose="020B0503020204020204" pitchFamily="34" charset="-122"/>
               </a:rPr>
-              <a:t>[1~3] [</a:t>
+              <a:t>[1</a:t>
             </a:r>
             <a:r>
               <a:rPr lang="zh-CN" altLang="en-US" sz="1200" b="1">
@@ -4583,7 +4614,7 @@
                 <a:latin typeface="微软雅黑" panose="020B0503020204020204" pitchFamily="34" charset="-122"/>
                 <a:ea typeface="微软雅黑" panose="020B0503020204020204" pitchFamily="34" charset="-122"/>
               </a:rPr>
-              <a:t>,</a:t>
+              <a:t>,2</a:t>
             </a:r>
             <a:r>
               <a:rPr lang="zh-CN" altLang="en-US" sz="1200" b="1">
@@ -4603,8 +4634,10 @@
                 <a:latin typeface="微软雅黑" panose="020B0503020204020204" pitchFamily="34" charset="-122"/>
                 <a:ea typeface="微软雅黑" panose="020B0503020204020204" pitchFamily="34" charset="-122"/>
               </a:rPr>
-              <a:t>,</a:t>
-            </a:r>
+              <a:t>]</a:t>
+            </a:r>
+          </a:p>
+          <a:p>
             <a:r>
               <a:rPr lang="zh-CN" altLang="en-US" sz="1200" b="1">
                 <a:solidFill>
@@ -4613,7 +4646,199 @@
                 <a:latin typeface="微软雅黑" panose="020B0503020204020204" pitchFamily="34" charset="-122"/>
                 <a:ea typeface="微软雅黑" panose="020B0503020204020204" pitchFamily="34" charset="-122"/>
               </a:rPr>
-              <a:t>售出</a:t>
+              <a:t>时间戳</a:t>
+            </a:r>
+            <a:endParaRPr lang="en-US" altLang="zh-CN" sz="1200" b="1">
+              <a:solidFill>
+                <a:schemeClr val="tx1"/>
+              </a:solidFill>
+              <a:latin typeface="微软雅黑" panose="020B0503020204020204" pitchFamily="34" charset="-122"/>
+              <a:ea typeface="微软雅黑" panose="020B0503020204020204" pitchFamily="34" charset="-122"/>
+            </a:endParaRPr>
+          </a:p>
+          <a:p>
+            <a:r>
+              <a:rPr lang="zh-CN" altLang="en-US" sz="1200" b="1">
+                <a:solidFill>
+                  <a:schemeClr val="tx1"/>
+                </a:solidFill>
+                <a:latin typeface="微软雅黑" panose="020B0503020204020204" pitchFamily="34" charset="-122"/>
+                <a:ea typeface="微软雅黑" panose="020B0503020204020204" pitchFamily="34" charset="-122"/>
+              </a:rPr>
+              <a:t>数量</a:t>
+            </a:r>
+            <a:endParaRPr lang="en-US" altLang="zh-CN" sz="1200" b="1">
+              <a:solidFill>
+                <a:schemeClr val="tx1"/>
+              </a:solidFill>
+              <a:latin typeface="微软雅黑" panose="020B0503020204020204" pitchFamily="34" charset="-122"/>
+              <a:ea typeface="微软雅黑" panose="020B0503020204020204" pitchFamily="34" charset="-122"/>
+            </a:endParaRPr>
+          </a:p>
+        </p:txBody>
+      </p:sp>
+      <p:sp>
+        <p:nvSpPr>
+          <p:cNvPr id="9" name="矩形: 圆角 8">
+            <a:extLst>
+              <a:ext uri="{FF2B5EF4-FFF2-40B4-BE49-F238E27FC236}">
+                <a16:creationId xmlns:a16="http://schemas.microsoft.com/office/drawing/2014/main" id="{D44E7F41-4F7B-4571-9A58-0FCD4597B84E}"/>
+              </a:ext>
+            </a:extLst>
+          </p:cNvPr>
+          <p:cNvSpPr/>
+          <p:nvPr/>
+        </p:nvSpPr>
+        <p:spPr>
+          <a:xfrm>
+            <a:off x="7486248" y="1322049"/>
+            <a:ext cx="2180394" cy="648000"/>
+          </a:xfrm>
+          <a:prstGeom prst="roundRect">
+            <a:avLst>
+              <a:gd name="adj" fmla="val 13139"/>
+            </a:avLst>
+          </a:prstGeom>
+          <a:solidFill>
+            <a:schemeClr val="bg1">
+              <a:lumMod val="95000"/>
+            </a:schemeClr>
+          </a:solidFill>
+          <a:ln>
+            <a:solidFill>
+              <a:schemeClr val="tx1"/>
+            </a:solidFill>
+          </a:ln>
+        </p:spPr>
+        <p:style>
+          <a:lnRef idx="2">
+            <a:schemeClr val="accent1">
+              <a:shade val="50000"/>
+            </a:schemeClr>
+          </a:lnRef>
+          <a:fillRef idx="1">
+            <a:schemeClr val="accent1"/>
+          </a:fillRef>
+          <a:effectRef idx="0">
+            <a:schemeClr val="accent1"/>
+          </a:effectRef>
+          <a:fontRef idx="minor">
+            <a:schemeClr val="lt1"/>
+          </a:fontRef>
+        </p:style>
+        <p:txBody>
+          <a:bodyPr wrap="none" lIns="36000" tIns="36000" rIns="36000" bIns="36000" rtlCol="0" anchor="ctr" anchorCtr="0"/>
+          <a:lstStyle/>
+          <a:p>
+            <a:pPr algn="ctr"/>
+            <a:r>
+              <a:rPr lang="zh-CN" altLang="en-US" sz="1600" b="1">
+                <a:solidFill>
+                  <a:schemeClr val="tx1"/>
+                </a:solidFill>
+                <a:latin typeface="微软雅黑" panose="020B0503020204020204" pitchFamily="34" charset="-122"/>
+                <a:ea typeface="微软雅黑" panose="020B0503020204020204" pitchFamily="34" charset="-122"/>
+              </a:rPr>
+              <a:t>售出表</a:t>
+            </a:r>
+            <a:endParaRPr lang="en-US" altLang="zh-CN" sz="1600" b="1">
+              <a:solidFill>
+                <a:schemeClr val="tx1"/>
+              </a:solidFill>
+              <a:latin typeface="微软雅黑" panose="020B0503020204020204" pitchFamily="34" charset="-122"/>
+              <a:ea typeface="微软雅黑" panose="020B0503020204020204" pitchFamily="34" charset="-122"/>
+            </a:endParaRPr>
+          </a:p>
+          <a:p>
+            <a:pPr algn="ctr"/>
+            <a:r>
+              <a:rPr lang="en-US" altLang="zh-CN" sz="1600" b="1">
+                <a:solidFill>
+                  <a:schemeClr val="tx1"/>
+                </a:solidFill>
+                <a:latin typeface="微软雅黑" panose="020B0503020204020204" pitchFamily="34" charset="-122"/>
+                <a:ea typeface="微软雅黑" panose="020B0503020204020204" pitchFamily="34" charset="-122"/>
+              </a:rPr>
+              <a:t>SaleLog</a:t>
+            </a:r>
+            <a:endParaRPr lang="zh-CN" altLang="en-US" sz="1600" b="1">
+              <a:solidFill>
+                <a:schemeClr val="tx1"/>
+              </a:solidFill>
+              <a:latin typeface="微软雅黑" panose="020B0503020204020204" pitchFamily="34" charset="-122"/>
+              <a:ea typeface="微软雅黑" panose="020B0503020204020204" pitchFamily="34" charset="-122"/>
+            </a:endParaRPr>
+          </a:p>
+        </p:txBody>
+      </p:sp>
+      <p:sp>
+        <p:nvSpPr>
+          <p:cNvPr id="10" name="矩形: 圆角 9">
+            <a:extLst>
+              <a:ext uri="{FF2B5EF4-FFF2-40B4-BE49-F238E27FC236}">
+                <a16:creationId xmlns:a16="http://schemas.microsoft.com/office/drawing/2014/main" id="{998EFC57-75B4-4980-8D6F-DD8086068F7B}"/>
+              </a:ext>
+            </a:extLst>
+          </p:cNvPr>
+          <p:cNvSpPr/>
+          <p:nvPr/>
+        </p:nvSpPr>
+        <p:spPr>
+          <a:xfrm>
+            <a:off x="7486248" y="1970049"/>
+            <a:ext cx="2687759" cy="1221016"/>
+          </a:xfrm>
+          <a:prstGeom prst="roundRect">
+            <a:avLst>
+              <a:gd name="adj" fmla="val 5494"/>
+            </a:avLst>
+          </a:prstGeom>
+          <a:noFill/>
+          <a:ln>
+            <a:solidFill>
+              <a:schemeClr val="tx2"/>
+            </a:solidFill>
+            <a:prstDash val="dash"/>
+          </a:ln>
+        </p:spPr>
+        <p:style>
+          <a:lnRef idx="2">
+            <a:schemeClr val="accent1">
+              <a:shade val="50000"/>
+            </a:schemeClr>
+          </a:lnRef>
+          <a:fillRef idx="1">
+            <a:schemeClr val="accent1"/>
+          </a:fillRef>
+          <a:effectRef idx="0">
+            <a:schemeClr val="accent1"/>
+          </a:effectRef>
+          <a:fontRef idx="minor">
+            <a:schemeClr val="lt1"/>
+          </a:fontRef>
+        </p:style>
+        <p:txBody>
+          <a:bodyPr rtlCol="0" anchor="b" anchorCtr="0"/>
+          <a:lstStyle/>
+          <a:p>
+            <a:endParaRPr lang="en-US" altLang="zh-CN" sz="1200" b="1">
+              <a:solidFill>
+                <a:schemeClr val="tx1"/>
+              </a:solidFill>
+              <a:latin typeface="微软雅黑" panose="020B0503020204020204" pitchFamily="34" charset="-122"/>
+              <a:ea typeface="微软雅黑" panose="020B0503020204020204" pitchFamily="34" charset="-122"/>
+            </a:endParaRPr>
+          </a:p>
+          <a:p>
+            <a:r>
+              <a:rPr lang="zh-CN" altLang="en-US" sz="1200" b="1">
+                <a:solidFill>
+                  <a:schemeClr val="tx1"/>
+                </a:solidFill>
+                <a:latin typeface="微软雅黑" panose="020B0503020204020204" pitchFamily="34" charset="-122"/>
+                <a:ea typeface="微软雅黑" panose="020B0503020204020204" pitchFamily="34" charset="-122"/>
+              </a:rPr>
+              <a:t>日志</a:t>
             </a:r>
             <a:r>
               <a:rPr lang="en-US" altLang="zh-CN" sz="1200" b="1">
@@ -4623,7 +4848,51 @@
                 <a:latin typeface="微软雅黑" panose="020B0503020204020204" pitchFamily="34" charset="-122"/>
                 <a:ea typeface="微软雅黑" panose="020B0503020204020204" pitchFamily="34" charset="-122"/>
               </a:rPr>
-              <a:t>]</a:t>
+              <a:t>id</a:t>
+            </a:r>
+          </a:p>
+          <a:p>
+            <a:r>
+              <a:rPr lang="zh-CN" altLang="en-US" sz="1200" b="1">
+                <a:solidFill>
+                  <a:schemeClr val="tx1"/>
+                </a:solidFill>
+                <a:latin typeface="微软雅黑" panose="020B0503020204020204" pitchFamily="34" charset="-122"/>
+                <a:ea typeface="微软雅黑" panose="020B0503020204020204" pitchFamily="34" charset="-122"/>
+              </a:rPr>
+              <a:t>卖家</a:t>
+            </a:r>
+            <a:r>
+              <a:rPr lang="en-US" altLang="zh-CN" sz="1200" b="1">
+                <a:solidFill>
+                  <a:schemeClr val="tx1"/>
+                </a:solidFill>
+                <a:latin typeface="微软雅黑" panose="020B0503020204020204" pitchFamily="34" charset="-122"/>
+                <a:ea typeface="微软雅黑" panose="020B0503020204020204" pitchFamily="34" charset="-122"/>
+              </a:rPr>
+              <a:t>id</a:t>
+            </a:r>
+          </a:p>
+          <a:p>
+            <a:r>
+              <a:rPr lang="zh-CN" altLang="en-US" sz="1200" b="1">
+                <a:solidFill>
+                  <a:schemeClr val="tx1"/>
+                </a:solidFill>
+                <a:latin typeface="微软雅黑" panose="020B0503020204020204" pitchFamily="34" charset="-122"/>
+                <a:ea typeface="微软雅黑" panose="020B0503020204020204" pitchFamily="34" charset="-122"/>
+              </a:rPr>
+              <a:t>买家</a:t>
+            </a:r>
+            <a:r>
+              <a:rPr lang="en-US" altLang="zh-CN" sz="1200" b="1">
+                <a:solidFill>
+                  <a:schemeClr val="tx1"/>
+                </a:solidFill>
+                <a:latin typeface="微软雅黑" panose="020B0503020204020204" pitchFamily="34" charset="-122"/>
+                <a:ea typeface="微软雅黑" panose="020B0503020204020204" pitchFamily="34" charset="-122"/>
+              </a:rPr>
+              <a:t>id</a:t>
             </a:r>
           </a:p>
           <a:p>

--- a/doc/09.场外交易.pptx
+++ b/doc/09.场外交易.pptx
@@ -274,7 +274,7 @@
           <a:p>
             <a:fld id="{1B7BBEA4-24BC-4F9A-BA49-26A596A24E96}" type="datetimeFigureOut">
               <a:rPr lang="zh-CN" altLang="en-US" smtClean="0"/>
-              <a:t>2021/4/18</a:t>
+              <a:t>2021/4/21</a:t>
             </a:fld>
             <a:endParaRPr lang="zh-CN" altLang="en-US"/>
           </a:p>
@@ -472,7 +472,7 @@
           <a:p>
             <a:fld id="{1B7BBEA4-24BC-4F9A-BA49-26A596A24E96}" type="datetimeFigureOut">
               <a:rPr lang="zh-CN" altLang="en-US" smtClean="0"/>
-              <a:t>2021/4/18</a:t>
+              <a:t>2021/4/21</a:t>
             </a:fld>
             <a:endParaRPr lang="zh-CN" altLang="en-US"/>
           </a:p>
@@ -680,7 +680,7 @@
           <a:p>
             <a:fld id="{1B7BBEA4-24BC-4F9A-BA49-26A596A24E96}" type="datetimeFigureOut">
               <a:rPr lang="zh-CN" altLang="en-US" smtClean="0"/>
-              <a:t>2021/4/18</a:t>
+              <a:t>2021/4/21</a:t>
             </a:fld>
             <a:endParaRPr lang="zh-CN" altLang="en-US"/>
           </a:p>
@@ -878,7 +878,7 @@
           <a:p>
             <a:fld id="{1B7BBEA4-24BC-4F9A-BA49-26A596A24E96}" type="datetimeFigureOut">
               <a:rPr lang="zh-CN" altLang="en-US" smtClean="0"/>
-              <a:t>2021/4/18</a:t>
+              <a:t>2021/4/21</a:t>
             </a:fld>
             <a:endParaRPr lang="zh-CN" altLang="en-US"/>
           </a:p>
@@ -1153,7 +1153,7 @@
           <a:p>
             <a:fld id="{1B7BBEA4-24BC-4F9A-BA49-26A596A24E96}" type="datetimeFigureOut">
               <a:rPr lang="zh-CN" altLang="en-US" smtClean="0"/>
-              <a:t>2021/4/18</a:t>
+              <a:t>2021/4/21</a:t>
             </a:fld>
             <a:endParaRPr lang="zh-CN" altLang="en-US"/>
           </a:p>
@@ -1418,7 +1418,7 @@
           <a:p>
             <a:fld id="{1B7BBEA4-24BC-4F9A-BA49-26A596A24E96}" type="datetimeFigureOut">
               <a:rPr lang="zh-CN" altLang="en-US" smtClean="0"/>
-              <a:t>2021/4/18</a:t>
+              <a:t>2021/4/21</a:t>
             </a:fld>
             <a:endParaRPr lang="zh-CN" altLang="en-US"/>
           </a:p>
@@ -1830,7 +1830,7 @@
           <a:p>
             <a:fld id="{1B7BBEA4-24BC-4F9A-BA49-26A596A24E96}" type="datetimeFigureOut">
               <a:rPr lang="zh-CN" altLang="en-US" smtClean="0"/>
-              <a:t>2021/4/18</a:t>
+              <a:t>2021/4/21</a:t>
             </a:fld>
             <a:endParaRPr lang="zh-CN" altLang="en-US"/>
           </a:p>
@@ -1971,7 +1971,7 @@
           <a:p>
             <a:fld id="{1B7BBEA4-24BC-4F9A-BA49-26A596A24E96}" type="datetimeFigureOut">
               <a:rPr lang="zh-CN" altLang="en-US" smtClean="0"/>
-              <a:t>2021/4/18</a:t>
+              <a:t>2021/4/21</a:t>
             </a:fld>
             <a:endParaRPr lang="zh-CN" altLang="en-US"/>
           </a:p>
@@ -2084,7 +2084,7 @@
           <a:p>
             <a:fld id="{1B7BBEA4-24BC-4F9A-BA49-26A596A24E96}" type="datetimeFigureOut">
               <a:rPr lang="zh-CN" altLang="en-US" smtClean="0"/>
-              <a:t>2021/4/18</a:t>
+              <a:t>2021/4/21</a:t>
             </a:fld>
             <a:endParaRPr lang="zh-CN" altLang="en-US"/>
           </a:p>
@@ -2395,7 +2395,7 @@
           <a:p>
             <a:fld id="{1B7BBEA4-24BC-4F9A-BA49-26A596A24E96}" type="datetimeFigureOut">
               <a:rPr lang="zh-CN" altLang="en-US" smtClean="0"/>
-              <a:t>2021/4/18</a:t>
+              <a:t>2021/4/21</a:t>
             </a:fld>
             <a:endParaRPr lang="zh-CN" altLang="en-US"/>
           </a:p>
@@ -2683,7 +2683,7 @@
           <a:p>
             <a:fld id="{1B7BBEA4-24BC-4F9A-BA49-26A596A24E96}" type="datetimeFigureOut">
               <a:rPr lang="zh-CN" altLang="en-US" smtClean="0"/>
-              <a:t>2021/4/18</a:t>
+              <a:t>2021/4/21</a:t>
             </a:fld>
             <a:endParaRPr lang="zh-CN" altLang="en-US"/>
           </a:p>
@@ -2924,7 +2924,7 @@
           <a:p>
             <a:fld id="{1B7BBEA4-24BC-4F9A-BA49-26A596A24E96}" type="datetimeFigureOut">
               <a:rPr lang="zh-CN" altLang="en-US" smtClean="0"/>
-              <a:t>2021/4/18</a:t>
+              <a:t>2021/4/21</a:t>
             </a:fld>
             <a:endParaRPr lang="zh-CN" altLang="en-US"/>
           </a:p>
@@ -4301,8 +4301,8 @@
         </p:nvSpPr>
         <p:spPr>
           <a:xfrm>
-            <a:off x="712380" y="1970049"/>
-            <a:ext cx="1885630" cy="488381"/>
+            <a:off x="712380" y="1970050"/>
+            <a:ext cx="1885630" cy="1314327"/>
           </a:xfrm>
           <a:prstGeom prst="roundRect">
             <a:avLst>
@@ -4345,7 +4345,7 @@
                 <a:latin typeface="微软雅黑" panose="020B0503020204020204" pitchFamily="34" charset="-122"/>
                 <a:ea typeface="微软雅黑" panose="020B0503020204020204" pitchFamily="34" charset="-122"/>
               </a:rPr>
-              <a:t>账户</a:t>
+              <a:t>抵押</a:t>
             </a:r>
             <a:r>
               <a:rPr lang="en-US" altLang="zh-CN" sz="1200" b="1">
@@ -4367,7 +4367,86 @@
                 <a:latin typeface="微软雅黑" panose="020B0503020204020204" pitchFamily="34" charset="-122"/>
                 <a:ea typeface="微软雅黑" panose="020B0503020204020204" pitchFamily="34" charset="-122"/>
               </a:rPr>
-              <a:t>总抵押额</a:t>
+              <a:t>账户</a:t>
+            </a:r>
+            <a:r>
+              <a:rPr lang="en-US" altLang="zh-CN" sz="1200" b="1">
+                <a:solidFill>
+                  <a:schemeClr val="tx1"/>
+                </a:solidFill>
+                <a:latin typeface="微软雅黑" panose="020B0503020204020204" pitchFamily="34" charset="-122"/>
+                <a:ea typeface="微软雅黑" panose="020B0503020204020204" pitchFamily="34" charset="-122"/>
+              </a:rPr>
+              <a:t>id</a:t>
+            </a:r>
+          </a:p>
+          <a:p>
+            <a:r>
+              <a:rPr lang="zh-CN" altLang="en-US" sz="1200" b="1">
+                <a:solidFill>
+                  <a:schemeClr val="tx1"/>
+                </a:solidFill>
+                <a:latin typeface="微软雅黑" panose="020B0503020204020204" pitchFamily="34" charset="-122"/>
+                <a:ea typeface="微软雅黑" panose="020B0503020204020204" pitchFamily="34" charset="-122"/>
+              </a:rPr>
+              <a:t>时间戳</a:t>
+            </a:r>
+            <a:endParaRPr lang="en-US" altLang="zh-CN" sz="1200" b="1">
+              <a:solidFill>
+                <a:schemeClr val="tx1"/>
+              </a:solidFill>
+              <a:latin typeface="微软雅黑" panose="020B0503020204020204" pitchFamily="34" charset="-122"/>
+              <a:ea typeface="微软雅黑" panose="020B0503020204020204" pitchFamily="34" charset="-122"/>
+            </a:endParaRPr>
+          </a:p>
+          <a:p>
+            <a:r>
+              <a:rPr lang="zh-CN" altLang="en-US" sz="1200" b="1">
+                <a:solidFill>
+                  <a:schemeClr val="tx1"/>
+                </a:solidFill>
+                <a:latin typeface="微软雅黑" panose="020B0503020204020204" pitchFamily="34" charset="-122"/>
+                <a:ea typeface="微软雅黑" panose="020B0503020204020204" pitchFamily="34" charset="-122"/>
+              </a:rPr>
+              <a:t>数量</a:t>
+            </a:r>
+            <a:endParaRPr lang="en-US" altLang="zh-CN" sz="1200" b="1">
+              <a:solidFill>
+                <a:schemeClr val="tx1"/>
+              </a:solidFill>
+              <a:latin typeface="微软雅黑" panose="020B0503020204020204" pitchFamily="34" charset="-122"/>
+              <a:ea typeface="微软雅黑" panose="020B0503020204020204" pitchFamily="34" charset="-122"/>
+            </a:endParaRPr>
+          </a:p>
+          <a:p>
+            <a:r>
+              <a:rPr lang="zh-CN" altLang="en-US" sz="1200" b="1">
+                <a:solidFill>
+                  <a:schemeClr val="tx1"/>
+                </a:solidFill>
+                <a:latin typeface="微软雅黑" panose="020B0503020204020204" pitchFamily="34" charset="-122"/>
+                <a:ea typeface="微软雅黑" panose="020B0503020204020204" pitchFamily="34" charset="-122"/>
+              </a:rPr>
+              <a:t>剩余量</a:t>
+            </a:r>
+            <a:endParaRPr lang="en-US" altLang="zh-CN" sz="1200" b="1">
+              <a:solidFill>
+                <a:schemeClr val="tx1"/>
+              </a:solidFill>
+              <a:latin typeface="微软雅黑" panose="020B0503020204020204" pitchFamily="34" charset="-122"/>
+              <a:ea typeface="微软雅黑" panose="020B0503020204020204" pitchFamily="34" charset="-122"/>
+            </a:endParaRPr>
+          </a:p>
+          <a:p>
+            <a:r>
+              <a:rPr lang="zh-CN" altLang="en-US" sz="1200" b="1">
+                <a:solidFill>
+                  <a:schemeClr val="tx1"/>
+                </a:solidFill>
+                <a:latin typeface="微软雅黑" panose="020B0503020204020204" pitchFamily="34" charset="-122"/>
+                <a:ea typeface="微软雅黑" panose="020B0503020204020204" pitchFamily="34" charset="-122"/>
+              </a:rPr>
+              <a:t>单价</a:t>
             </a:r>
             <a:endParaRPr lang="en-US" altLang="zh-CN" sz="1200" b="1">
               <a:solidFill>
@@ -4441,7 +4520,7 @@
                 <a:latin typeface="微软雅黑" panose="020B0503020204020204" pitchFamily="34" charset="-122"/>
                 <a:ea typeface="微软雅黑" panose="020B0503020204020204" pitchFamily="34" charset="-122"/>
               </a:rPr>
-              <a:t>抵押历史表</a:t>
+              <a:t>赎回表</a:t>
             </a:r>
             <a:endParaRPr lang="en-US" altLang="zh-CN" sz="1600" b="1">
               <a:solidFill>
@@ -4461,7 +4540,7 @@
                 <a:latin typeface="微软雅黑" panose="020B0503020204020204" pitchFamily="34" charset="-122"/>
                 <a:ea typeface="微软雅黑" panose="020B0503020204020204" pitchFamily="34" charset="-122"/>
               </a:rPr>
-              <a:t>GuarantyLog</a:t>
+              <a:t>Redeem</a:t>
             </a:r>
             <a:endParaRPr lang="zh-CN" altLang="en-US" sz="1600" b="1">
               <a:solidFill>
@@ -4487,8 +4566,8 @@
         </p:nvSpPr>
         <p:spPr>
           <a:xfrm>
-            <a:off x="3359007" y="1970049"/>
-            <a:ext cx="2687759" cy="1221016"/>
+            <a:off x="3359008" y="1970049"/>
+            <a:ext cx="2180394" cy="717167"/>
           </a:xfrm>
           <a:prstGeom prst="roundRect">
             <a:avLst>
@@ -4540,7 +4619,7 @@
                 <a:latin typeface="微软雅黑" panose="020B0503020204020204" pitchFamily="34" charset="-122"/>
                 <a:ea typeface="微软雅黑" panose="020B0503020204020204" pitchFamily="34" charset="-122"/>
               </a:rPr>
-              <a:t>日志</a:t>
+              <a:t>抵押</a:t>
             </a:r>
             <a:r>
               <a:rPr lang="en-US" altLang="zh-CN" sz="1200" b="1">
@@ -4562,90 +4641,6 @@
                 <a:latin typeface="微软雅黑" panose="020B0503020204020204" pitchFamily="34" charset="-122"/>
                 <a:ea typeface="微软雅黑" panose="020B0503020204020204" pitchFamily="34" charset="-122"/>
               </a:rPr>
-              <a:t>账户</a:t>
-            </a:r>
-            <a:r>
-              <a:rPr lang="en-US" altLang="zh-CN" sz="1200" b="1">
-                <a:solidFill>
-                  <a:schemeClr val="tx1"/>
-                </a:solidFill>
-                <a:latin typeface="微软雅黑" panose="020B0503020204020204" pitchFamily="34" charset="-122"/>
-                <a:ea typeface="微软雅黑" panose="020B0503020204020204" pitchFamily="34" charset="-122"/>
-              </a:rPr>
-              <a:t>id</a:t>
-            </a:r>
-          </a:p>
-          <a:p>
-            <a:r>
-              <a:rPr lang="zh-CN" altLang="en-US" sz="1200" b="1">
-                <a:solidFill>
-                  <a:schemeClr val="tx1"/>
-                </a:solidFill>
-                <a:latin typeface="微软雅黑" panose="020B0503020204020204" pitchFamily="34" charset="-122"/>
-                <a:ea typeface="微软雅黑" panose="020B0503020204020204" pitchFamily="34" charset="-122"/>
-              </a:rPr>
-              <a:t>操作类型 </a:t>
-            </a:r>
-            <a:r>
-              <a:rPr lang="en-US" altLang="zh-CN" sz="1200" b="1">
-                <a:solidFill>
-                  <a:schemeClr val="tx1"/>
-                </a:solidFill>
-                <a:latin typeface="微软雅黑" panose="020B0503020204020204" pitchFamily="34" charset="-122"/>
-                <a:ea typeface="微软雅黑" panose="020B0503020204020204" pitchFamily="34" charset="-122"/>
-              </a:rPr>
-              <a:t>[1</a:t>
-            </a:r>
-            <a:r>
-              <a:rPr lang="zh-CN" altLang="en-US" sz="1200" b="1">
-                <a:solidFill>
-                  <a:schemeClr val="tx1"/>
-                </a:solidFill>
-                <a:latin typeface="微软雅黑" panose="020B0503020204020204" pitchFamily="34" charset="-122"/>
-                <a:ea typeface="微软雅黑" panose="020B0503020204020204" pitchFamily="34" charset="-122"/>
-              </a:rPr>
-              <a:t>抵押</a:t>
-            </a:r>
-            <a:r>
-              <a:rPr lang="en-US" altLang="zh-CN" sz="1200" b="1">
-                <a:solidFill>
-                  <a:schemeClr val="tx1"/>
-                </a:solidFill>
-                <a:latin typeface="微软雅黑" panose="020B0503020204020204" pitchFamily="34" charset="-122"/>
-                <a:ea typeface="微软雅黑" panose="020B0503020204020204" pitchFamily="34" charset="-122"/>
-              </a:rPr>
-              <a:t>,2</a:t>
-            </a:r>
-            <a:r>
-              <a:rPr lang="zh-CN" altLang="en-US" sz="1200" b="1">
-                <a:solidFill>
-                  <a:schemeClr val="tx1"/>
-                </a:solidFill>
-                <a:latin typeface="微软雅黑" panose="020B0503020204020204" pitchFamily="34" charset="-122"/>
-                <a:ea typeface="微软雅黑" panose="020B0503020204020204" pitchFamily="34" charset="-122"/>
-              </a:rPr>
-              <a:t>赎回</a:t>
-            </a:r>
-            <a:r>
-              <a:rPr lang="en-US" altLang="zh-CN" sz="1200" b="1">
-                <a:solidFill>
-                  <a:schemeClr val="tx1"/>
-                </a:solidFill>
-                <a:latin typeface="微软雅黑" panose="020B0503020204020204" pitchFamily="34" charset="-122"/>
-                <a:ea typeface="微软雅黑" panose="020B0503020204020204" pitchFamily="34" charset="-122"/>
-              </a:rPr>
-              <a:t>]</a:t>
-            </a:r>
-          </a:p>
-          <a:p>
-            <a:r>
-              <a:rPr lang="zh-CN" altLang="en-US" sz="1200" b="1">
-                <a:solidFill>
-                  <a:schemeClr val="tx1"/>
-                </a:solidFill>
-                <a:latin typeface="微软雅黑" panose="020B0503020204020204" pitchFamily="34" charset="-122"/>
-                <a:ea typeface="微软雅黑" panose="020B0503020204020204" pitchFamily="34" charset="-122"/>
-              </a:rPr>
               <a:t>时间戳</a:t>
             </a:r>
             <a:endParaRPr lang="en-US" altLang="zh-CN" sz="1200" b="1">
@@ -4691,7 +4686,7 @@
         </p:nvSpPr>
         <p:spPr>
           <a:xfrm>
-            <a:off x="7486248" y="1322049"/>
+            <a:off x="6375905" y="1322049"/>
             <a:ext cx="2180394" cy="648000"/>
           </a:xfrm>
           <a:prstGeom prst="roundRect">
@@ -4739,7 +4734,7 @@
                 <a:latin typeface="微软雅黑" panose="020B0503020204020204" pitchFamily="34" charset="-122"/>
                 <a:ea typeface="微软雅黑" panose="020B0503020204020204" pitchFamily="34" charset="-122"/>
               </a:rPr>
-              <a:t>售出表</a:t>
+              <a:t>订单表</a:t>
             </a:r>
             <a:endParaRPr lang="en-US" altLang="zh-CN" sz="1600" b="1">
               <a:solidFill>
@@ -4759,7 +4754,7 @@
                 <a:latin typeface="微软雅黑" panose="020B0503020204020204" pitchFamily="34" charset="-122"/>
                 <a:ea typeface="微软雅黑" panose="020B0503020204020204" pitchFamily="34" charset="-122"/>
               </a:rPr>
-              <a:t>SaleLog</a:t>
+              <a:t>Order</a:t>
             </a:r>
             <a:endParaRPr lang="zh-CN" altLang="en-US" sz="1600" b="1">
               <a:solidFill>
@@ -4785,8 +4780,8 @@
         </p:nvSpPr>
         <p:spPr>
           <a:xfrm>
-            <a:off x="7486248" y="1970049"/>
-            <a:ext cx="2687759" cy="1221016"/>
+            <a:off x="6375906" y="1970048"/>
+            <a:ext cx="2180394" cy="1458950"/>
           </a:xfrm>
           <a:prstGeom prst="roundRect">
             <a:avLst>
@@ -4838,7 +4833,7 @@
                 <a:latin typeface="微软雅黑" panose="020B0503020204020204" pitchFamily="34" charset="-122"/>
                 <a:ea typeface="微软雅黑" panose="020B0503020204020204" pitchFamily="34" charset="-122"/>
               </a:rPr>
-              <a:t>日志</a:t>
+              <a:t>订单</a:t>
             </a:r>
             <a:r>
               <a:rPr lang="en-US" altLang="zh-CN" sz="1200" b="1">
@@ -4860,7 +4855,7 @@
                 <a:latin typeface="微软雅黑" panose="020B0503020204020204" pitchFamily="34" charset="-122"/>
                 <a:ea typeface="微软雅黑" panose="020B0503020204020204" pitchFamily="34" charset="-122"/>
               </a:rPr>
-              <a:t>卖家</a:t>
+              <a:t>抵押</a:t>
             </a:r>
             <a:r>
               <a:rPr lang="en-US" altLang="zh-CN" sz="1200" b="1">
@@ -4932,6 +4927,87 @@
               <a:latin typeface="微软雅黑" panose="020B0503020204020204" pitchFamily="34" charset="-122"/>
               <a:ea typeface="微软雅黑" panose="020B0503020204020204" pitchFamily="34" charset="-122"/>
             </a:endParaRPr>
+          </a:p>
+          <a:p>
+            <a:r>
+              <a:rPr lang="zh-CN" altLang="en-US" sz="1200" b="1">
+                <a:solidFill>
+                  <a:schemeClr val="tx1"/>
+                </a:solidFill>
+                <a:latin typeface="微软雅黑" panose="020B0503020204020204" pitchFamily="34" charset="-122"/>
+                <a:ea typeface="微软雅黑" panose="020B0503020204020204" pitchFamily="34" charset="-122"/>
+              </a:rPr>
+              <a:t>单价</a:t>
+            </a:r>
+            <a:endParaRPr lang="en-US" altLang="zh-CN" sz="1200" b="1">
+              <a:solidFill>
+                <a:schemeClr val="tx1"/>
+              </a:solidFill>
+              <a:latin typeface="微软雅黑" panose="020B0503020204020204" pitchFamily="34" charset="-122"/>
+              <a:ea typeface="微软雅黑" panose="020B0503020204020204" pitchFamily="34" charset="-122"/>
+            </a:endParaRPr>
+          </a:p>
+          <a:p>
+            <a:r>
+              <a:rPr lang="zh-CN" altLang="en-US" sz="1200" b="1">
+                <a:solidFill>
+                  <a:schemeClr val="tx1"/>
+                </a:solidFill>
+                <a:latin typeface="微软雅黑" panose="020B0503020204020204" pitchFamily="34" charset="-122"/>
+                <a:ea typeface="微软雅黑" panose="020B0503020204020204" pitchFamily="34" charset="-122"/>
+              </a:rPr>
+              <a:t>状态</a:t>
+            </a:r>
+            <a:r>
+              <a:rPr lang="en-US" altLang="zh-CN" sz="1200" b="1">
+                <a:solidFill>
+                  <a:schemeClr val="tx1"/>
+                </a:solidFill>
+                <a:latin typeface="微软雅黑" panose="020B0503020204020204" pitchFamily="34" charset="-122"/>
+                <a:ea typeface="微软雅黑" panose="020B0503020204020204" pitchFamily="34" charset="-122"/>
+              </a:rPr>
+              <a:t>[1</a:t>
+            </a:r>
+            <a:r>
+              <a:rPr lang="zh-CN" altLang="en-US" sz="1200" b="1">
+                <a:solidFill>
+                  <a:schemeClr val="tx1"/>
+                </a:solidFill>
+                <a:latin typeface="微软雅黑" panose="020B0503020204020204" pitchFamily="34" charset="-122"/>
+                <a:ea typeface="微软雅黑" panose="020B0503020204020204" pitchFamily="34" charset="-122"/>
+              </a:rPr>
+              <a:t>发起</a:t>
+            </a:r>
+            <a:r>
+              <a:rPr lang="en-US" altLang="zh-CN" sz="1200" b="1">
+                <a:solidFill>
+                  <a:schemeClr val="tx1"/>
+                </a:solidFill>
+                <a:latin typeface="微软雅黑" panose="020B0503020204020204" pitchFamily="34" charset="-122"/>
+                <a:ea typeface="微软雅黑" panose="020B0503020204020204" pitchFamily="34" charset="-122"/>
+              </a:rPr>
+              <a:t>,2</a:t>
+            </a:r>
+            <a:r>
+              <a:rPr lang="zh-CN" altLang="en-US" sz="1200" b="1">
+                <a:solidFill>
+                  <a:schemeClr val="tx1"/>
+                </a:solidFill>
+                <a:latin typeface="微软雅黑" panose="020B0503020204020204" pitchFamily="34" charset="-122"/>
+                <a:ea typeface="微软雅黑" panose="020B0503020204020204" pitchFamily="34" charset="-122"/>
+              </a:rPr>
+              <a:t>确认</a:t>
+            </a:r>
+            <a:r>
+              <a:rPr lang="en-US" altLang="zh-CN" sz="1200" b="1">
+                <a:solidFill>
+                  <a:schemeClr val="tx1"/>
+                </a:solidFill>
+                <a:latin typeface="微软雅黑" panose="020B0503020204020204" pitchFamily="34" charset="-122"/>
+                <a:ea typeface="微软雅黑" panose="020B0503020204020204" pitchFamily="34" charset="-122"/>
+              </a:rPr>
+              <a:t>]</a:t>
+            </a:r>
           </a:p>
         </p:txBody>
       </p:sp>
@@ -5181,7 +5257,7 @@
         </p:nvSpPr>
         <p:spPr>
           <a:xfrm>
-            <a:off x="3695896" y="1202926"/>
+            <a:off x="3277932" y="1202926"/>
             <a:ext cx="1512000" cy="648000"/>
           </a:xfrm>
           <a:prstGeom prst="roundRect">
@@ -5275,8 +5351,8 @@
         </p:nvCxnSpPr>
         <p:spPr>
           <a:xfrm>
-            <a:off x="5207896" y="1526926"/>
-            <a:ext cx="1515236" cy="0"/>
+            <a:off x="4789932" y="1526926"/>
+            <a:ext cx="1392943" cy="0"/>
           </a:xfrm>
           <a:prstGeom prst="straightConnector1">
             <a:avLst/>
@@ -5317,7 +5393,7 @@
         </p:nvSpPr>
         <p:spPr>
           <a:xfrm>
-            <a:off x="6723132" y="1238926"/>
+            <a:off x="6182875" y="1238926"/>
             <a:ext cx="1620000" cy="576000"/>
           </a:xfrm>
           <a:prstGeom prst="roundRect">
@@ -5385,7 +5461,7 @@
         <p:spPr>
           <a:xfrm>
             <a:off x="1884989" y="1526926"/>
-            <a:ext cx="1810907" cy="0"/>
+            <a:ext cx="1392943" cy="0"/>
           </a:xfrm>
           <a:prstGeom prst="straightConnector1">
             <a:avLst/>
@@ -5426,7 +5502,7 @@
         </p:nvSpPr>
         <p:spPr>
           <a:xfrm>
-            <a:off x="804989" y="2407233"/>
+            <a:off x="804989" y="3105495"/>
             <a:ext cx="1080000" cy="432000"/>
           </a:xfrm>
           <a:prstGeom prst="roundRect">
@@ -5493,8 +5569,8 @@
         </p:nvCxnSpPr>
         <p:spPr>
           <a:xfrm>
-            <a:off x="8235132" y="2623233"/>
-            <a:ext cx="1531746" cy="0"/>
+            <a:off x="6875867" y="3321495"/>
+            <a:ext cx="929439" cy="0"/>
           </a:xfrm>
           <a:prstGeom prst="straightConnector1">
             <a:avLst/>
@@ -5535,7 +5611,7 @@
         </p:nvSpPr>
         <p:spPr>
           <a:xfrm>
-            <a:off x="3695896" y="2335233"/>
+            <a:off x="2814428" y="3033495"/>
             <a:ext cx="1620000" cy="576000"/>
           </a:xfrm>
           <a:prstGeom prst="roundRect">
@@ -5602,8 +5678,8 @@
         </p:nvCxnSpPr>
         <p:spPr>
           <a:xfrm>
-            <a:off x="1884989" y="2623233"/>
-            <a:ext cx="1810907" cy="0"/>
+            <a:off x="1884989" y="3321495"/>
+            <a:ext cx="929439" cy="0"/>
           </a:xfrm>
           <a:prstGeom prst="straightConnector1">
             <a:avLst/>
@@ -5644,7 +5720,7 @@
         </p:nvSpPr>
         <p:spPr>
           <a:xfrm>
-            <a:off x="9766878" y="2407233"/>
+            <a:off x="7805306" y="3105495"/>
             <a:ext cx="1080000" cy="432000"/>
           </a:xfrm>
           <a:prstGeom prst="roundRect">
@@ -5707,7 +5783,7 @@
         </p:nvSpPr>
         <p:spPr>
           <a:xfrm>
-            <a:off x="804989" y="3436535"/>
+            <a:off x="804989" y="5265336"/>
             <a:ext cx="1080000" cy="432000"/>
           </a:xfrm>
           <a:prstGeom prst="roundRect">
@@ -5770,7 +5846,7 @@
         </p:nvSpPr>
         <p:spPr>
           <a:xfrm>
-            <a:off x="3695896" y="3328535"/>
+            <a:off x="2814428" y="5157336"/>
             <a:ext cx="1512000" cy="648000"/>
           </a:xfrm>
           <a:prstGeom prst="roundRect">
@@ -5864,8 +5940,8 @@
         </p:nvCxnSpPr>
         <p:spPr>
           <a:xfrm>
-            <a:off x="5207896" y="3652535"/>
-            <a:ext cx="1515236" cy="0"/>
+            <a:off x="4326428" y="5481336"/>
+            <a:ext cx="929439" cy="0"/>
           </a:xfrm>
           <a:prstGeom prst="straightConnector1">
             <a:avLst/>
@@ -5906,7 +5982,7 @@
         </p:nvSpPr>
         <p:spPr>
           <a:xfrm>
-            <a:off x="6723132" y="3364535"/>
+            <a:off x="5255867" y="5193336"/>
             <a:ext cx="1620000" cy="576000"/>
           </a:xfrm>
           <a:prstGeom prst="roundRect">
@@ -5973,8 +6049,8 @@
         </p:nvCxnSpPr>
         <p:spPr>
           <a:xfrm>
-            <a:off x="1884989" y="3652535"/>
-            <a:ext cx="1810907" cy="0"/>
+            <a:off x="1884989" y="5481336"/>
+            <a:ext cx="929439" cy="0"/>
           </a:xfrm>
           <a:prstGeom prst="straightConnector1">
             <a:avLst/>
@@ -6015,7 +6091,7 @@
         </p:nvSpPr>
         <p:spPr>
           <a:xfrm>
-            <a:off x="9766878" y="3431540"/>
+            <a:off x="7805306" y="5260341"/>
             <a:ext cx="1080000" cy="432000"/>
           </a:xfrm>
           <a:prstGeom prst="roundRect">
@@ -6082,8 +6158,8 @@
         </p:nvCxnSpPr>
         <p:spPr>
           <a:xfrm flipV="1">
-            <a:off x="8343132" y="3647540"/>
-            <a:ext cx="1423746" cy="4995"/>
+            <a:off x="6875867" y="5476341"/>
+            <a:ext cx="929439" cy="4995"/>
           </a:xfrm>
           <a:prstGeom prst="straightConnector1">
             <a:avLst/>
@@ -6124,7 +6200,7 @@
         </p:nvSpPr>
         <p:spPr>
           <a:xfrm>
-            <a:off x="6723132" y="2299233"/>
+            <a:off x="5363867" y="2997495"/>
             <a:ext cx="1512000" cy="648000"/>
           </a:xfrm>
           <a:prstGeom prst="roundRect">
@@ -6218,8 +6294,8 @@
         </p:nvCxnSpPr>
         <p:spPr>
           <a:xfrm>
-            <a:off x="5315896" y="2623233"/>
-            <a:ext cx="1407236" cy="0"/>
+            <a:off x="4434428" y="3321495"/>
+            <a:ext cx="929439" cy="0"/>
           </a:xfrm>
           <a:prstGeom prst="straightConnector1">
             <a:avLst/>
@@ -6246,6 +6322,499 @@
           </a:fontRef>
         </p:style>
       </p:cxnSp>
+      <p:cxnSp>
+        <p:nvCxnSpPr>
+          <p:cNvPr id="24" name="直接箭头连接符 23">
+            <a:extLst>
+              <a:ext uri="{FF2B5EF4-FFF2-40B4-BE49-F238E27FC236}">
+                <a16:creationId xmlns:a16="http://schemas.microsoft.com/office/drawing/2014/main" id="{0390D8FB-A80C-4DC7-AE3A-2044A63368B0}"/>
+              </a:ext>
+            </a:extLst>
+          </p:cNvPr>
+          <p:cNvCxnSpPr>
+            <a:cxnSpLocks/>
+            <a:stCxn id="42" idx="3"/>
+            <a:endCxn id="25" idx="1"/>
+          </p:cNvCxnSpPr>
+          <p:nvPr/>
+        </p:nvCxnSpPr>
+        <p:spPr>
+          <a:xfrm>
+            <a:off x="7802875" y="1526926"/>
+            <a:ext cx="2011871" cy="0"/>
+          </a:xfrm>
+          <a:prstGeom prst="straightConnector1">
+            <a:avLst/>
+          </a:prstGeom>
+          <a:ln w="57150">
+            <a:solidFill>
+              <a:srgbClr val="FFC000"/>
+            </a:solidFill>
+            <a:tailEnd type="triangle"/>
+          </a:ln>
+        </p:spPr>
+        <p:style>
+          <a:lnRef idx="1">
+            <a:schemeClr val="accent1"/>
+          </a:lnRef>
+          <a:fillRef idx="0">
+            <a:schemeClr val="accent1"/>
+          </a:fillRef>
+          <a:effectRef idx="0">
+            <a:schemeClr val="accent1"/>
+          </a:effectRef>
+          <a:fontRef idx="minor">
+            <a:schemeClr val="tx1"/>
+          </a:fontRef>
+        </p:style>
+      </p:cxnSp>
+      <p:sp>
+        <p:nvSpPr>
+          <p:cNvPr id="25" name="矩形: 圆角 24">
+            <a:extLst>
+              <a:ext uri="{FF2B5EF4-FFF2-40B4-BE49-F238E27FC236}">
+                <a16:creationId xmlns:a16="http://schemas.microsoft.com/office/drawing/2014/main" id="{B2649A17-FD43-4472-B117-B164C4C96A36}"/>
+              </a:ext>
+            </a:extLst>
+          </p:cNvPr>
+          <p:cNvSpPr/>
+          <p:nvPr/>
+        </p:nvSpPr>
+        <p:spPr>
+          <a:xfrm>
+            <a:off x="9814746" y="1310926"/>
+            <a:ext cx="1728000" cy="432000"/>
+          </a:xfrm>
+          <a:prstGeom prst="roundRect">
+            <a:avLst/>
+          </a:prstGeom>
+          <a:solidFill>
+            <a:schemeClr val="bg1">
+              <a:lumMod val="95000"/>
+            </a:schemeClr>
+          </a:solidFill>
+          <a:ln>
+            <a:solidFill>
+              <a:schemeClr val="tx1"/>
+            </a:solidFill>
+          </a:ln>
+        </p:spPr>
+        <p:style>
+          <a:lnRef idx="2">
+            <a:schemeClr val="accent1">
+              <a:shade val="50000"/>
+            </a:schemeClr>
+          </a:lnRef>
+          <a:fillRef idx="1">
+            <a:schemeClr val="accent1"/>
+          </a:fillRef>
+          <a:effectRef idx="0">
+            <a:schemeClr val="accent1"/>
+          </a:effectRef>
+          <a:fontRef idx="minor">
+            <a:schemeClr val="lt1"/>
+          </a:fontRef>
+        </p:style>
+        <p:txBody>
+          <a:bodyPr wrap="none" lIns="36000" tIns="36000" rIns="36000" bIns="36000" rtlCol="0" anchor="ctr" anchorCtr="0"/>
+          <a:lstStyle/>
+          <a:p>
+            <a:pPr algn="ctr"/>
+            <a:r>
+              <a:rPr lang="zh-CN" altLang="en-US" sz="1600" b="1">
+                <a:solidFill>
+                  <a:schemeClr val="tx1"/>
+                </a:solidFill>
+                <a:latin typeface="微软雅黑" panose="020B0503020204020204" pitchFamily="34" charset="-122"/>
+                <a:ea typeface="微软雅黑" panose="020B0503020204020204" pitchFamily="34" charset="-122"/>
+              </a:rPr>
+              <a:t>抵押表</a:t>
+            </a:r>
+            <a:endParaRPr lang="en-US" altLang="zh-CN" sz="1600" b="1">
+              <a:solidFill>
+                <a:schemeClr val="tx1"/>
+              </a:solidFill>
+              <a:latin typeface="微软雅黑" panose="020B0503020204020204" pitchFamily="34" charset="-122"/>
+              <a:ea typeface="微软雅黑" panose="020B0503020204020204" pitchFamily="34" charset="-122"/>
+            </a:endParaRPr>
+          </a:p>
+        </p:txBody>
+      </p:sp>
+      <p:cxnSp>
+        <p:nvCxnSpPr>
+          <p:cNvPr id="27" name="直接箭头连接符 26">
+            <a:extLst>
+              <a:ext uri="{FF2B5EF4-FFF2-40B4-BE49-F238E27FC236}">
+                <a16:creationId xmlns:a16="http://schemas.microsoft.com/office/drawing/2014/main" id="{848F891A-B509-4AB0-B91A-D6F52D2CCEB6}"/>
+              </a:ext>
+            </a:extLst>
+          </p:cNvPr>
+          <p:cNvCxnSpPr>
+            <a:cxnSpLocks/>
+            <a:stCxn id="63" idx="3"/>
+            <a:endCxn id="28" idx="1"/>
+          </p:cNvCxnSpPr>
+          <p:nvPr/>
+        </p:nvCxnSpPr>
+        <p:spPr>
+          <a:xfrm flipV="1">
+            <a:off x="8885306" y="5044341"/>
+            <a:ext cx="929440" cy="432000"/>
+          </a:xfrm>
+          <a:prstGeom prst="straightConnector1">
+            <a:avLst/>
+          </a:prstGeom>
+          <a:ln w="57150">
+            <a:solidFill>
+              <a:srgbClr val="FFC000"/>
+            </a:solidFill>
+            <a:tailEnd type="triangle"/>
+          </a:ln>
+        </p:spPr>
+        <p:style>
+          <a:lnRef idx="1">
+            <a:schemeClr val="accent1"/>
+          </a:lnRef>
+          <a:fillRef idx="0">
+            <a:schemeClr val="accent1"/>
+          </a:fillRef>
+          <a:effectRef idx="0">
+            <a:schemeClr val="accent1"/>
+          </a:effectRef>
+          <a:fontRef idx="minor">
+            <a:schemeClr val="tx1"/>
+          </a:fontRef>
+        </p:style>
+      </p:cxnSp>
+      <p:cxnSp>
+        <p:nvCxnSpPr>
+          <p:cNvPr id="29" name="直接箭头连接符 28">
+            <a:extLst>
+              <a:ext uri="{FF2B5EF4-FFF2-40B4-BE49-F238E27FC236}">
+                <a16:creationId xmlns:a16="http://schemas.microsoft.com/office/drawing/2014/main" id="{F37CC6C4-2015-45DA-B730-929041DEC6E9}"/>
+              </a:ext>
+            </a:extLst>
+          </p:cNvPr>
+          <p:cNvCxnSpPr>
+            <a:cxnSpLocks/>
+            <a:stCxn id="55" idx="3"/>
+            <a:endCxn id="30" idx="1"/>
+          </p:cNvCxnSpPr>
+          <p:nvPr/>
+        </p:nvCxnSpPr>
+        <p:spPr>
+          <a:xfrm>
+            <a:off x="8885306" y="3321495"/>
+            <a:ext cx="929440" cy="0"/>
+          </a:xfrm>
+          <a:prstGeom prst="straightConnector1">
+            <a:avLst/>
+          </a:prstGeom>
+          <a:ln w="57150">
+            <a:solidFill>
+              <a:srgbClr val="FFC000"/>
+            </a:solidFill>
+            <a:tailEnd type="triangle"/>
+          </a:ln>
+        </p:spPr>
+        <p:style>
+          <a:lnRef idx="1">
+            <a:schemeClr val="accent1"/>
+          </a:lnRef>
+          <a:fillRef idx="0">
+            <a:schemeClr val="accent1"/>
+          </a:fillRef>
+          <a:effectRef idx="0">
+            <a:schemeClr val="accent1"/>
+          </a:effectRef>
+          <a:fontRef idx="minor">
+            <a:schemeClr val="tx1"/>
+          </a:fontRef>
+        </p:style>
+      </p:cxnSp>
+      <p:sp>
+        <p:nvSpPr>
+          <p:cNvPr id="30" name="矩形: 圆角 29">
+            <a:extLst>
+              <a:ext uri="{FF2B5EF4-FFF2-40B4-BE49-F238E27FC236}">
+                <a16:creationId xmlns:a16="http://schemas.microsoft.com/office/drawing/2014/main" id="{91506958-E49E-4576-BFCF-9A8F00E73CA4}"/>
+              </a:ext>
+            </a:extLst>
+          </p:cNvPr>
+          <p:cNvSpPr/>
+          <p:nvPr/>
+        </p:nvSpPr>
+        <p:spPr>
+          <a:xfrm>
+            <a:off x="9814746" y="3105495"/>
+            <a:ext cx="1728000" cy="432000"/>
+          </a:xfrm>
+          <a:prstGeom prst="roundRect">
+            <a:avLst/>
+          </a:prstGeom>
+          <a:solidFill>
+            <a:schemeClr val="bg1">
+              <a:lumMod val="95000"/>
+            </a:schemeClr>
+          </a:solidFill>
+          <a:ln>
+            <a:solidFill>
+              <a:schemeClr val="tx1"/>
+            </a:solidFill>
+          </a:ln>
+        </p:spPr>
+        <p:style>
+          <a:lnRef idx="2">
+            <a:schemeClr val="accent1">
+              <a:shade val="50000"/>
+            </a:schemeClr>
+          </a:lnRef>
+          <a:fillRef idx="1">
+            <a:schemeClr val="accent1"/>
+          </a:fillRef>
+          <a:effectRef idx="0">
+            <a:schemeClr val="accent1"/>
+          </a:effectRef>
+          <a:fontRef idx="minor">
+            <a:schemeClr val="lt1"/>
+          </a:fontRef>
+        </p:style>
+        <p:txBody>
+          <a:bodyPr wrap="none" lIns="36000" tIns="36000" rIns="36000" bIns="36000" rtlCol="0" anchor="ctr" anchorCtr="0"/>
+          <a:lstStyle/>
+          <a:p>
+            <a:pPr algn="ctr"/>
+            <a:r>
+              <a:rPr lang="zh-CN" altLang="en-US" sz="1600" b="1">
+                <a:solidFill>
+                  <a:schemeClr val="tx1"/>
+                </a:solidFill>
+                <a:latin typeface="微软雅黑" panose="020B0503020204020204" pitchFamily="34" charset="-122"/>
+                <a:ea typeface="微软雅黑" panose="020B0503020204020204" pitchFamily="34" charset="-122"/>
+              </a:rPr>
+              <a:t>订单表</a:t>
+            </a:r>
+            <a:endParaRPr lang="en-US" altLang="zh-CN" sz="1600" b="1">
+              <a:solidFill>
+                <a:schemeClr val="tx1"/>
+              </a:solidFill>
+              <a:latin typeface="微软雅黑" panose="020B0503020204020204" pitchFamily="34" charset="-122"/>
+              <a:ea typeface="微软雅黑" panose="020B0503020204020204" pitchFamily="34" charset="-122"/>
+            </a:endParaRPr>
+          </a:p>
+        </p:txBody>
+      </p:sp>
+      <p:cxnSp>
+        <p:nvCxnSpPr>
+          <p:cNvPr id="36" name="直接箭头连接符 35">
+            <a:extLst>
+              <a:ext uri="{FF2B5EF4-FFF2-40B4-BE49-F238E27FC236}">
+                <a16:creationId xmlns:a16="http://schemas.microsoft.com/office/drawing/2014/main" id="{BF60387A-F6EE-4893-B8F0-0EFE87190D14}"/>
+              </a:ext>
+            </a:extLst>
+          </p:cNvPr>
+          <p:cNvCxnSpPr>
+            <a:cxnSpLocks/>
+            <a:stCxn id="63" idx="3"/>
+            <a:endCxn id="37" idx="1"/>
+          </p:cNvCxnSpPr>
+          <p:nvPr/>
+        </p:nvCxnSpPr>
+        <p:spPr>
+          <a:xfrm>
+            <a:off x="8885306" y="5476341"/>
+            <a:ext cx="929440" cy="432000"/>
+          </a:xfrm>
+          <a:prstGeom prst="straightConnector1">
+            <a:avLst/>
+          </a:prstGeom>
+          <a:ln w="57150">
+            <a:solidFill>
+              <a:srgbClr val="FFC000"/>
+            </a:solidFill>
+            <a:tailEnd type="triangle"/>
+          </a:ln>
+        </p:spPr>
+        <p:style>
+          <a:lnRef idx="1">
+            <a:schemeClr val="accent1"/>
+          </a:lnRef>
+          <a:fillRef idx="0">
+            <a:schemeClr val="accent1"/>
+          </a:fillRef>
+          <a:effectRef idx="0">
+            <a:schemeClr val="accent1"/>
+          </a:effectRef>
+          <a:fontRef idx="minor">
+            <a:schemeClr val="tx1"/>
+          </a:fontRef>
+        </p:style>
+      </p:cxnSp>
+      <p:grpSp>
+        <p:nvGrpSpPr>
+          <p:cNvPr id="11" name="组合 10">
+            <a:extLst>
+              <a:ext uri="{FF2B5EF4-FFF2-40B4-BE49-F238E27FC236}">
+                <a16:creationId xmlns:a16="http://schemas.microsoft.com/office/drawing/2014/main" id="{2C5C3309-B9D2-41BF-A7B9-D0C3A5AD8F6C}"/>
+              </a:ext>
+            </a:extLst>
+          </p:cNvPr>
+          <p:cNvGrpSpPr/>
+          <p:nvPr/>
+        </p:nvGrpSpPr>
+        <p:grpSpPr>
+          <a:xfrm>
+            <a:off x="9814746" y="4828341"/>
+            <a:ext cx="1728000" cy="1296000"/>
+            <a:chOff x="9814746" y="4828341"/>
+            <a:chExt cx="1728000" cy="1296000"/>
+          </a:xfrm>
+        </p:grpSpPr>
+        <p:sp>
+          <p:nvSpPr>
+            <p:cNvPr id="28" name="矩形: 圆角 27">
+              <a:extLst>
+                <a:ext uri="{FF2B5EF4-FFF2-40B4-BE49-F238E27FC236}">
+                  <a16:creationId xmlns:a16="http://schemas.microsoft.com/office/drawing/2014/main" id="{827DBB4E-F9A3-4DE7-8CDA-BBACBCB1E162}"/>
+                </a:ext>
+              </a:extLst>
+            </p:cNvPr>
+            <p:cNvSpPr/>
+            <p:nvPr/>
+          </p:nvSpPr>
+          <p:spPr>
+            <a:xfrm>
+              <a:off x="9814746" y="4828341"/>
+              <a:ext cx="1728000" cy="432000"/>
+            </a:xfrm>
+            <a:prstGeom prst="roundRect">
+              <a:avLst/>
+            </a:prstGeom>
+            <a:solidFill>
+              <a:schemeClr val="bg1">
+                <a:lumMod val="95000"/>
+              </a:schemeClr>
+            </a:solidFill>
+            <a:ln>
+              <a:solidFill>
+                <a:schemeClr val="tx1"/>
+              </a:solidFill>
+            </a:ln>
+          </p:spPr>
+          <p:style>
+            <a:lnRef idx="2">
+              <a:schemeClr val="accent1">
+                <a:shade val="50000"/>
+              </a:schemeClr>
+            </a:lnRef>
+            <a:fillRef idx="1">
+              <a:schemeClr val="accent1"/>
+            </a:fillRef>
+            <a:effectRef idx="0">
+              <a:schemeClr val="accent1"/>
+            </a:effectRef>
+            <a:fontRef idx="minor">
+              <a:schemeClr val="lt1"/>
+            </a:fontRef>
+          </p:style>
+          <p:txBody>
+            <a:bodyPr wrap="none" lIns="36000" tIns="36000" rIns="36000" bIns="36000" rtlCol="0" anchor="ctr" anchorCtr="0"/>
+            <a:lstStyle/>
+            <a:p>
+              <a:pPr algn="ctr"/>
+              <a:r>
+                <a:rPr lang="zh-CN" altLang="en-US" sz="1600" b="1">
+                  <a:solidFill>
+                    <a:schemeClr val="tx1"/>
+                  </a:solidFill>
+                  <a:latin typeface="微软雅黑" panose="020B0503020204020204" pitchFamily="34" charset="-122"/>
+                  <a:ea typeface="微软雅黑" panose="020B0503020204020204" pitchFamily="34" charset="-122"/>
+                </a:rPr>
+                <a:t>抵押表</a:t>
+              </a:r>
+              <a:endParaRPr lang="en-US" altLang="zh-CN" sz="1600" b="1">
+                <a:solidFill>
+                  <a:schemeClr val="tx1"/>
+                </a:solidFill>
+                <a:latin typeface="微软雅黑" panose="020B0503020204020204" pitchFamily="34" charset="-122"/>
+                <a:ea typeface="微软雅黑" panose="020B0503020204020204" pitchFamily="34" charset="-122"/>
+              </a:endParaRPr>
+            </a:p>
+          </p:txBody>
+        </p:sp>
+        <p:sp>
+          <p:nvSpPr>
+            <p:cNvPr id="37" name="矩形: 圆角 36">
+              <a:extLst>
+                <a:ext uri="{FF2B5EF4-FFF2-40B4-BE49-F238E27FC236}">
+                  <a16:creationId xmlns:a16="http://schemas.microsoft.com/office/drawing/2014/main" id="{AA3F2E7A-C257-4797-A65E-719DB4B6551B}"/>
+                </a:ext>
+              </a:extLst>
+            </p:cNvPr>
+            <p:cNvSpPr/>
+            <p:nvPr/>
+          </p:nvSpPr>
+          <p:spPr>
+            <a:xfrm>
+              <a:off x="9814746" y="5692341"/>
+              <a:ext cx="1728000" cy="432000"/>
+            </a:xfrm>
+            <a:prstGeom prst="roundRect">
+              <a:avLst/>
+            </a:prstGeom>
+            <a:solidFill>
+              <a:schemeClr val="bg1">
+                <a:lumMod val="95000"/>
+              </a:schemeClr>
+            </a:solidFill>
+            <a:ln>
+              <a:solidFill>
+                <a:schemeClr val="tx1"/>
+              </a:solidFill>
+            </a:ln>
+          </p:spPr>
+          <p:style>
+            <a:lnRef idx="2">
+              <a:schemeClr val="accent1">
+                <a:shade val="50000"/>
+              </a:schemeClr>
+            </a:lnRef>
+            <a:fillRef idx="1">
+              <a:schemeClr val="accent1"/>
+            </a:fillRef>
+            <a:effectRef idx="0">
+              <a:schemeClr val="accent1"/>
+            </a:effectRef>
+            <a:fontRef idx="minor">
+              <a:schemeClr val="lt1"/>
+            </a:fontRef>
+          </p:style>
+          <p:txBody>
+            <a:bodyPr wrap="none" lIns="36000" tIns="36000" rIns="36000" bIns="36000" rtlCol="0" anchor="ctr" anchorCtr="0"/>
+            <a:lstStyle/>
+            <a:p>
+              <a:pPr algn="ctr"/>
+              <a:r>
+                <a:rPr lang="zh-CN" altLang="en-US" sz="1600" b="1">
+                  <a:solidFill>
+                    <a:schemeClr val="tx1"/>
+                  </a:solidFill>
+                  <a:latin typeface="微软雅黑" panose="020B0503020204020204" pitchFamily="34" charset="-122"/>
+                  <a:ea typeface="微软雅黑" panose="020B0503020204020204" pitchFamily="34" charset="-122"/>
+                </a:rPr>
+                <a:t>订单表</a:t>
+              </a:r>
+              <a:endParaRPr lang="en-US" altLang="zh-CN" sz="1600" b="1">
+                <a:solidFill>
+                  <a:schemeClr val="tx1"/>
+                </a:solidFill>
+                <a:latin typeface="微软雅黑" panose="020B0503020204020204" pitchFamily="34" charset="-122"/>
+                <a:ea typeface="微软雅黑" panose="020B0503020204020204" pitchFamily="34" charset="-122"/>
+              </a:endParaRPr>
+            </a:p>
+          </p:txBody>
+        </p:sp>
+      </p:grpSp>
     </p:spTree>
     <p:extLst>
       <p:ext uri="{BB962C8B-B14F-4D97-AF65-F5344CB8AC3E}">
@@ -6492,7 +7061,7 @@
         </p:nvSpPr>
         <p:spPr>
           <a:xfrm>
-            <a:off x="3787387" y="1505354"/>
+            <a:off x="2733307" y="1505354"/>
             <a:ext cx="1512000" cy="648000"/>
           </a:xfrm>
           <a:prstGeom prst="roundRect">
@@ -6586,8 +7155,8 @@
         </p:nvCxnSpPr>
         <p:spPr>
           <a:xfrm>
-            <a:off x="5299387" y="1829354"/>
-            <a:ext cx="1423745" cy="0"/>
+            <a:off x="4245307" y="1829354"/>
+            <a:ext cx="940928" cy="0"/>
           </a:xfrm>
           <a:prstGeom prst="straightConnector1">
             <a:avLst/>
@@ -6628,7 +7197,7 @@
         </p:nvSpPr>
         <p:spPr>
           <a:xfrm>
-            <a:off x="6723132" y="1541354"/>
+            <a:off x="5186235" y="1541354"/>
             <a:ext cx="1620000" cy="576000"/>
           </a:xfrm>
           <a:prstGeom prst="roundRect">
@@ -6696,7 +7265,7 @@
         <p:spPr>
           <a:xfrm>
             <a:off x="1792379" y="1829354"/>
-            <a:ext cx="1995008" cy="0"/>
+            <a:ext cx="940928" cy="0"/>
           </a:xfrm>
           <a:prstGeom prst="straightConnector1">
             <a:avLst/>
@@ -6737,7 +7306,7 @@
         </p:nvSpPr>
         <p:spPr>
           <a:xfrm>
-            <a:off x="9766878" y="1613354"/>
+            <a:off x="7747163" y="1613354"/>
             <a:ext cx="1080000" cy="432000"/>
           </a:xfrm>
           <a:prstGeom prst="roundRect">
@@ -6804,8 +7373,8 @@
         </p:nvCxnSpPr>
         <p:spPr>
           <a:xfrm>
-            <a:off x="8343132" y="1829354"/>
-            <a:ext cx="1423746" cy="0"/>
+            <a:off x="6806235" y="1829354"/>
+            <a:ext cx="940928" cy="0"/>
           </a:xfrm>
           <a:prstGeom prst="straightConnector1">
             <a:avLst/>
@@ -6832,6 +7401,124 @@
           </a:fontRef>
         </p:style>
       </p:cxnSp>
+      <p:cxnSp>
+        <p:nvCxnSpPr>
+          <p:cNvPr id="12" name="直接箭头连接符 11">
+            <a:extLst>
+              <a:ext uri="{FF2B5EF4-FFF2-40B4-BE49-F238E27FC236}">
+                <a16:creationId xmlns:a16="http://schemas.microsoft.com/office/drawing/2014/main" id="{BD16381B-9415-485F-ADB1-1FA826784D19}"/>
+              </a:ext>
+            </a:extLst>
+          </p:cNvPr>
+          <p:cNvCxnSpPr>
+            <a:cxnSpLocks/>
+            <a:stCxn id="63" idx="3"/>
+            <a:endCxn id="13" idx="1"/>
+          </p:cNvCxnSpPr>
+          <p:nvPr/>
+        </p:nvCxnSpPr>
+        <p:spPr>
+          <a:xfrm>
+            <a:off x="8827163" y="1829354"/>
+            <a:ext cx="940928" cy="0"/>
+          </a:xfrm>
+          <a:prstGeom prst="straightConnector1">
+            <a:avLst/>
+          </a:prstGeom>
+          <a:ln w="57150">
+            <a:solidFill>
+              <a:srgbClr val="FFC000"/>
+            </a:solidFill>
+            <a:tailEnd type="triangle"/>
+          </a:ln>
+        </p:spPr>
+        <p:style>
+          <a:lnRef idx="1">
+            <a:schemeClr val="accent1"/>
+          </a:lnRef>
+          <a:fillRef idx="0">
+            <a:schemeClr val="accent1"/>
+          </a:fillRef>
+          <a:effectRef idx="0">
+            <a:schemeClr val="accent1"/>
+          </a:effectRef>
+          <a:fontRef idx="minor">
+            <a:schemeClr val="tx1"/>
+          </a:fontRef>
+        </p:style>
+      </p:cxnSp>
+      <p:sp>
+        <p:nvSpPr>
+          <p:cNvPr id="13" name="矩形: 圆角 12">
+            <a:extLst>
+              <a:ext uri="{FF2B5EF4-FFF2-40B4-BE49-F238E27FC236}">
+                <a16:creationId xmlns:a16="http://schemas.microsoft.com/office/drawing/2014/main" id="{F4BD1E31-E772-4628-B49F-0653F75229A2}"/>
+              </a:ext>
+            </a:extLst>
+          </p:cNvPr>
+          <p:cNvSpPr/>
+          <p:nvPr/>
+        </p:nvSpPr>
+        <p:spPr>
+          <a:xfrm>
+            <a:off x="9768091" y="1613354"/>
+            <a:ext cx="1728000" cy="432000"/>
+          </a:xfrm>
+          <a:prstGeom prst="roundRect">
+            <a:avLst/>
+          </a:prstGeom>
+          <a:solidFill>
+            <a:schemeClr val="bg1">
+              <a:lumMod val="95000"/>
+            </a:schemeClr>
+          </a:solidFill>
+          <a:ln>
+            <a:solidFill>
+              <a:schemeClr val="tx1"/>
+            </a:solidFill>
+          </a:ln>
+        </p:spPr>
+        <p:style>
+          <a:lnRef idx="2">
+            <a:schemeClr val="accent1">
+              <a:shade val="50000"/>
+            </a:schemeClr>
+          </a:lnRef>
+          <a:fillRef idx="1">
+            <a:schemeClr val="accent1"/>
+          </a:fillRef>
+          <a:effectRef idx="0">
+            <a:schemeClr val="accent1"/>
+          </a:effectRef>
+          <a:fontRef idx="minor">
+            <a:schemeClr val="lt1"/>
+          </a:fontRef>
+        </p:style>
+        <p:txBody>
+          <a:bodyPr wrap="none" lIns="36000" tIns="36000" rIns="36000" bIns="36000" rtlCol="0" anchor="ctr" anchorCtr="0"/>
+          <a:lstStyle/>
+          <a:p>
+            <a:pPr algn="ctr"/>
+            <a:r>
+              <a:rPr lang="zh-CN" altLang="en-US" sz="1600" b="1">
+                <a:solidFill>
+                  <a:schemeClr val="tx1"/>
+                </a:solidFill>
+                <a:latin typeface="微软雅黑" panose="020B0503020204020204" pitchFamily="34" charset="-122"/>
+                <a:ea typeface="微软雅黑" panose="020B0503020204020204" pitchFamily="34" charset="-122"/>
+              </a:rPr>
+              <a:t>赎回表</a:t>
+            </a:r>
+            <a:endParaRPr lang="en-US" altLang="zh-CN" sz="1600" b="1">
+              <a:solidFill>
+                <a:schemeClr val="tx1"/>
+              </a:solidFill>
+              <a:latin typeface="微软雅黑" panose="020B0503020204020204" pitchFamily="34" charset="-122"/>
+              <a:ea typeface="微软雅黑" panose="020B0503020204020204" pitchFamily="34" charset="-122"/>
+            </a:endParaRPr>
+          </a:p>
+        </p:txBody>
+      </p:sp>
     </p:spTree>
     <p:extLst>
       <p:ext uri="{BB962C8B-B14F-4D97-AF65-F5344CB8AC3E}">

--- a/doc/09.场外交易.pptx
+++ b/doc/09.场外交易.pptx
@@ -7,8 +7,11 @@
   <p:sldIdLst>
     <p:sldId id="258" r:id="rId2"/>
     <p:sldId id="278" r:id="rId3"/>
-    <p:sldId id="279" r:id="rId4"/>
-    <p:sldId id="281" r:id="rId5"/>
+    <p:sldId id="282" r:id="rId4"/>
+    <p:sldId id="283" r:id="rId5"/>
+    <p:sldId id="279" r:id="rId6"/>
+    <p:sldId id="281" r:id="rId7"/>
+    <p:sldId id="284" r:id="rId8"/>
   </p:sldIdLst>
   <p:sldSz cx="12192000" cy="6858000"/>
   <p:notesSz cx="6858000" cy="9144000"/>
@@ -3711,7 +3714,7 @@
         </p:nvGrpSpPr>
         <p:grpSpPr>
           <a:xfrm>
-            <a:off x="1199043" y="2306796"/>
+            <a:off x="1199043" y="2931948"/>
             <a:ext cx="6634783" cy="369332"/>
             <a:chOff x="1199043" y="4720702"/>
             <a:chExt cx="6634783" cy="369332"/>
@@ -3824,7 +3827,7 @@
         </p:nvGrpSpPr>
         <p:grpSpPr>
           <a:xfrm>
-            <a:off x="1628272" y="2824368"/>
+            <a:off x="1628272" y="4223959"/>
             <a:ext cx="6485472" cy="369332"/>
             <a:chOff x="1628272" y="3360729"/>
             <a:chExt cx="6485472" cy="369332"/>
@@ -3864,7 +3867,7 @@
                   <a:ea typeface="微软雅黑" panose="020B0503020204020204" pitchFamily="34" charset="-122"/>
                   <a:hlinkClick r:id="rId3" action="ppaction://hlinksldjump"/>
                 </a:rPr>
-                <a:t>场外交易流程</a:t>
+                <a:t>场外交易</a:t>
               </a:r>
               <a:endParaRPr lang="zh-CN" altLang="en-US"/>
             </a:p>
@@ -3931,7 +3934,7 @@
         </p:nvGrpSpPr>
         <p:grpSpPr>
           <a:xfrm>
-            <a:off x="1628272" y="3248874"/>
+            <a:off x="1628272" y="3855363"/>
             <a:ext cx="6485472" cy="369332"/>
             <a:chOff x="1628272" y="3689578"/>
             <a:chExt cx="6485472" cy="369332"/>
@@ -3971,7 +3974,7 @@
                   <a:ea typeface="微软雅黑" panose="020B0503020204020204" pitchFamily="34" charset="-122"/>
                   <a:hlinkClick r:id="rId4" action="ppaction://hlinksldjump"/>
                 </a:rPr>
-                <a:t>卖家赎回流程</a:t>
+                <a:t>卖家赎回</a:t>
               </a:r>
               <a:endParaRPr lang="zh-CN" altLang="en-US"/>
             </a:p>
@@ -3983,6 +3986,327 @@
               <a:extLst>
                 <a:ext uri="{FF2B5EF4-FFF2-40B4-BE49-F238E27FC236}">
                   <a16:creationId xmlns:a16="http://schemas.microsoft.com/office/drawing/2014/main" id="{67217B3D-DD83-4C1B-8BA1-8475D074D077}"/>
+                </a:ext>
+              </a:extLst>
+            </p:cNvPr>
+            <p:cNvSpPr/>
+            <p:nvPr/>
+          </p:nvSpPr>
+          <p:spPr>
+            <a:xfrm>
+              <a:off x="1628272" y="3766244"/>
+              <a:ext cx="216000" cy="216000"/>
+            </a:xfrm>
+            <a:prstGeom prst="diamond">
+              <a:avLst/>
+            </a:prstGeom>
+          </p:spPr>
+          <p:style>
+            <a:lnRef idx="2">
+              <a:schemeClr val="accent1">
+                <a:shade val="50000"/>
+              </a:schemeClr>
+            </a:lnRef>
+            <a:fillRef idx="1">
+              <a:schemeClr val="accent1"/>
+            </a:fillRef>
+            <a:effectRef idx="0">
+              <a:schemeClr val="accent1"/>
+            </a:effectRef>
+            <a:fontRef idx="minor">
+              <a:schemeClr val="lt1"/>
+            </a:fontRef>
+          </p:style>
+          <p:txBody>
+            <a:bodyPr rtlCol="0" anchor="ctr"/>
+            <a:lstStyle/>
+            <a:p>
+              <a:pPr algn="ctr"/>
+              <a:endParaRPr lang="zh-CN" altLang="en-US"/>
+            </a:p>
+          </p:txBody>
+        </p:sp>
+      </p:grpSp>
+      <p:grpSp>
+        <p:nvGrpSpPr>
+          <p:cNvPr id="29" name="组合 28">
+            <a:extLst>
+              <a:ext uri="{FF2B5EF4-FFF2-40B4-BE49-F238E27FC236}">
+                <a16:creationId xmlns:a16="http://schemas.microsoft.com/office/drawing/2014/main" id="{A73FA3E8-45CF-4B76-AF23-17B452228CC6}"/>
+              </a:ext>
+            </a:extLst>
+          </p:cNvPr>
+          <p:cNvGrpSpPr/>
+          <p:nvPr/>
+        </p:nvGrpSpPr>
+        <p:grpSpPr>
+          <a:xfrm>
+            <a:off x="1628272" y="1949427"/>
+            <a:ext cx="6485472" cy="369332"/>
+            <a:chOff x="1628272" y="1548091"/>
+            <a:chExt cx="6485472" cy="369332"/>
+          </a:xfrm>
+        </p:grpSpPr>
+        <p:sp>
+          <p:nvSpPr>
+            <p:cNvPr id="30" name="文本框 29">
+              <a:extLst>
+                <a:ext uri="{FF2B5EF4-FFF2-40B4-BE49-F238E27FC236}">
+                  <a16:creationId xmlns:a16="http://schemas.microsoft.com/office/drawing/2014/main" id="{1358D915-9F20-460E-A286-5A348B20D82D}"/>
+                </a:ext>
+              </a:extLst>
+            </p:cNvPr>
+            <p:cNvSpPr txBox="1"/>
+            <p:nvPr/>
+          </p:nvSpPr>
+          <p:spPr>
+            <a:xfrm>
+              <a:off x="2016190" y="1548091"/>
+              <a:ext cx="6097554" cy="369332"/>
+            </a:xfrm>
+            <a:prstGeom prst="rect">
+              <a:avLst/>
+            </a:prstGeom>
+            <a:noFill/>
+          </p:spPr>
+          <p:txBody>
+            <a:bodyPr wrap="square">
+              <a:spAutoFit/>
+            </a:bodyPr>
+            <a:lstStyle/>
+            <a:p>
+              <a:r>
+                <a:rPr lang="zh-CN" altLang="en-US" b="1">
+                  <a:latin typeface="Consolas" panose="020B0609020204030204" pitchFamily="49" charset="0"/>
+                  <a:ea typeface="微软雅黑" panose="020B0503020204020204" pitchFamily="34" charset="-122"/>
+                  <a:hlinkClick r:id="rId5" action="ppaction://hlinksldjump"/>
+                </a:rPr>
+                <a:t>赎回</a:t>
+              </a:r>
+              <a:endParaRPr lang="zh-CN" altLang="en-US"/>
+            </a:p>
+          </p:txBody>
+        </p:sp>
+        <p:sp>
+          <p:nvSpPr>
+            <p:cNvPr id="31" name="菱形 30">
+              <a:extLst>
+                <a:ext uri="{FF2B5EF4-FFF2-40B4-BE49-F238E27FC236}">
+                  <a16:creationId xmlns:a16="http://schemas.microsoft.com/office/drawing/2014/main" id="{169B342D-A02A-4644-83CB-CA8902AAAD4E}"/>
+                </a:ext>
+              </a:extLst>
+            </p:cNvPr>
+            <p:cNvSpPr/>
+            <p:nvPr/>
+          </p:nvSpPr>
+          <p:spPr>
+            <a:xfrm>
+              <a:off x="1628272" y="1624757"/>
+              <a:ext cx="216000" cy="216000"/>
+            </a:xfrm>
+            <a:prstGeom prst="diamond">
+              <a:avLst/>
+            </a:prstGeom>
+          </p:spPr>
+          <p:style>
+            <a:lnRef idx="2">
+              <a:schemeClr val="accent1">
+                <a:shade val="50000"/>
+              </a:schemeClr>
+            </a:lnRef>
+            <a:fillRef idx="1">
+              <a:schemeClr val="accent1"/>
+            </a:fillRef>
+            <a:effectRef idx="0">
+              <a:schemeClr val="accent1"/>
+            </a:effectRef>
+            <a:fontRef idx="minor">
+              <a:schemeClr val="lt1"/>
+            </a:fontRef>
+          </p:style>
+          <p:txBody>
+            <a:bodyPr rtlCol="0" anchor="ctr"/>
+            <a:lstStyle/>
+            <a:p>
+              <a:pPr algn="ctr"/>
+              <a:endParaRPr lang="zh-CN" altLang="en-US"/>
+            </a:p>
+          </p:txBody>
+        </p:sp>
+      </p:grpSp>
+      <p:grpSp>
+        <p:nvGrpSpPr>
+          <p:cNvPr id="32" name="组合 31">
+            <a:extLst>
+              <a:ext uri="{FF2B5EF4-FFF2-40B4-BE49-F238E27FC236}">
+                <a16:creationId xmlns:a16="http://schemas.microsoft.com/office/drawing/2014/main" id="{3407DB4D-D92B-4777-9DC3-3913902052BE}"/>
+              </a:ext>
+            </a:extLst>
+          </p:cNvPr>
+          <p:cNvGrpSpPr/>
+          <p:nvPr/>
+        </p:nvGrpSpPr>
+        <p:grpSpPr>
+          <a:xfrm>
+            <a:off x="1628272" y="2351402"/>
+            <a:ext cx="6485472" cy="369332"/>
+            <a:chOff x="1628272" y="1548091"/>
+            <a:chExt cx="6485472" cy="369332"/>
+          </a:xfrm>
+        </p:grpSpPr>
+        <p:sp>
+          <p:nvSpPr>
+            <p:cNvPr id="33" name="文本框 32">
+              <a:extLst>
+                <a:ext uri="{FF2B5EF4-FFF2-40B4-BE49-F238E27FC236}">
+                  <a16:creationId xmlns:a16="http://schemas.microsoft.com/office/drawing/2014/main" id="{6EC5CCC3-C9AD-4708-8E3E-BC0DBA3319BD}"/>
+                </a:ext>
+              </a:extLst>
+            </p:cNvPr>
+            <p:cNvSpPr txBox="1"/>
+            <p:nvPr/>
+          </p:nvSpPr>
+          <p:spPr>
+            <a:xfrm>
+              <a:off x="2016190" y="1548091"/>
+              <a:ext cx="6097554" cy="369332"/>
+            </a:xfrm>
+            <a:prstGeom prst="rect">
+              <a:avLst/>
+            </a:prstGeom>
+            <a:noFill/>
+          </p:spPr>
+          <p:txBody>
+            <a:bodyPr wrap="square">
+              <a:spAutoFit/>
+            </a:bodyPr>
+            <a:lstStyle/>
+            <a:p>
+              <a:r>
+                <a:rPr lang="zh-CN" altLang="en-US" b="1">
+                  <a:latin typeface="Consolas" panose="020B0609020204030204" pitchFamily="49" charset="0"/>
+                  <a:ea typeface="微软雅黑" panose="020B0503020204020204" pitchFamily="34" charset="-122"/>
+                  <a:hlinkClick r:id="rId6" action="ppaction://hlinksldjump"/>
+                </a:rPr>
+                <a:t>订单</a:t>
+              </a:r>
+              <a:endParaRPr lang="zh-CN" altLang="en-US"/>
+            </a:p>
+          </p:txBody>
+        </p:sp>
+        <p:sp>
+          <p:nvSpPr>
+            <p:cNvPr id="34" name="菱形 33">
+              <a:extLst>
+                <a:ext uri="{FF2B5EF4-FFF2-40B4-BE49-F238E27FC236}">
+                  <a16:creationId xmlns:a16="http://schemas.microsoft.com/office/drawing/2014/main" id="{18E785F7-AED3-45AA-A321-AE6ADFEF65DA}"/>
+                </a:ext>
+              </a:extLst>
+            </p:cNvPr>
+            <p:cNvSpPr/>
+            <p:nvPr/>
+          </p:nvSpPr>
+          <p:spPr>
+            <a:xfrm>
+              <a:off x="1628272" y="1624757"/>
+              <a:ext cx="216000" cy="216000"/>
+            </a:xfrm>
+            <a:prstGeom prst="diamond">
+              <a:avLst/>
+            </a:prstGeom>
+          </p:spPr>
+          <p:style>
+            <a:lnRef idx="2">
+              <a:schemeClr val="accent1">
+                <a:shade val="50000"/>
+              </a:schemeClr>
+            </a:lnRef>
+            <a:fillRef idx="1">
+              <a:schemeClr val="accent1"/>
+            </a:fillRef>
+            <a:effectRef idx="0">
+              <a:schemeClr val="accent1"/>
+            </a:effectRef>
+            <a:fontRef idx="minor">
+              <a:schemeClr val="lt1"/>
+            </a:fontRef>
+          </p:style>
+          <p:txBody>
+            <a:bodyPr rtlCol="0" anchor="ctr"/>
+            <a:lstStyle/>
+            <a:p>
+              <a:pPr algn="ctr"/>
+              <a:endParaRPr lang="zh-CN" altLang="en-US"/>
+            </a:p>
+          </p:txBody>
+        </p:sp>
+      </p:grpSp>
+      <p:grpSp>
+        <p:nvGrpSpPr>
+          <p:cNvPr id="35" name="组合 34">
+            <a:extLst>
+              <a:ext uri="{FF2B5EF4-FFF2-40B4-BE49-F238E27FC236}">
+                <a16:creationId xmlns:a16="http://schemas.microsoft.com/office/drawing/2014/main" id="{BB1A6981-829C-4376-B86D-3078C74A982E}"/>
+              </a:ext>
+            </a:extLst>
+          </p:cNvPr>
+          <p:cNvGrpSpPr/>
+          <p:nvPr/>
+        </p:nvGrpSpPr>
+        <p:grpSpPr>
+          <a:xfrm>
+            <a:off x="1628272" y="3453388"/>
+            <a:ext cx="6485472" cy="369332"/>
+            <a:chOff x="1628272" y="3689578"/>
+            <a:chExt cx="6485472" cy="369332"/>
+          </a:xfrm>
+        </p:grpSpPr>
+        <p:sp>
+          <p:nvSpPr>
+            <p:cNvPr id="36" name="文本框 35">
+              <a:extLst>
+                <a:ext uri="{FF2B5EF4-FFF2-40B4-BE49-F238E27FC236}">
+                  <a16:creationId xmlns:a16="http://schemas.microsoft.com/office/drawing/2014/main" id="{AE8CE526-4180-41E6-8CA5-0B3E9AFF07F9}"/>
+                </a:ext>
+              </a:extLst>
+            </p:cNvPr>
+            <p:cNvSpPr txBox="1"/>
+            <p:nvPr/>
+          </p:nvSpPr>
+          <p:spPr>
+            <a:xfrm>
+              <a:off x="2016190" y="3689578"/>
+              <a:ext cx="6097554" cy="369332"/>
+            </a:xfrm>
+            <a:prstGeom prst="rect">
+              <a:avLst/>
+            </a:prstGeom>
+            <a:noFill/>
+          </p:spPr>
+          <p:txBody>
+            <a:bodyPr wrap="square">
+              <a:spAutoFit/>
+            </a:bodyPr>
+            <a:lstStyle/>
+            <a:p>
+              <a:r>
+                <a:rPr lang="zh-CN" altLang="en-US" b="1">
+                  <a:latin typeface="Consolas" panose="020B0609020204030204" pitchFamily="49" charset="0"/>
+                  <a:ea typeface="微软雅黑" panose="020B0503020204020204" pitchFamily="34" charset="-122"/>
+                  <a:hlinkClick r:id="rId7" action="ppaction://hlinksldjump"/>
+                </a:rPr>
+                <a:t>卖家抵押</a:t>
+              </a:r>
+              <a:endParaRPr lang="zh-CN" altLang="en-US"/>
+            </a:p>
+          </p:txBody>
+        </p:sp>
+        <p:sp>
+          <p:nvSpPr>
+            <p:cNvPr id="37" name="菱形 36">
+              <a:extLst>
+                <a:ext uri="{FF2B5EF4-FFF2-40B4-BE49-F238E27FC236}">
+                  <a16:creationId xmlns:a16="http://schemas.microsoft.com/office/drawing/2014/main" id="{B073E99F-B9DE-4D54-B3AE-E534BE95BD92}"/>
                 </a:ext>
               </a:extLst>
             </p:cNvPr>
@@ -4458,559 +4782,6 @@
           </a:p>
         </p:txBody>
       </p:sp>
-      <p:sp>
-        <p:nvSpPr>
-          <p:cNvPr id="20" name="矩形: 圆角 19">
-            <a:extLst>
-              <a:ext uri="{FF2B5EF4-FFF2-40B4-BE49-F238E27FC236}">
-                <a16:creationId xmlns:a16="http://schemas.microsoft.com/office/drawing/2014/main" id="{A0A99EFB-83D3-44D9-AD9A-877A72D17173}"/>
-              </a:ext>
-            </a:extLst>
-          </p:cNvPr>
-          <p:cNvSpPr/>
-          <p:nvPr/>
-        </p:nvSpPr>
-        <p:spPr>
-          <a:xfrm>
-            <a:off x="3359007" y="1322049"/>
-            <a:ext cx="2180394" cy="648000"/>
-          </a:xfrm>
-          <a:prstGeom prst="roundRect">
-            <a:avLst>
-              <a:gd name="adj" fmla="val 13139"/>
-            </a:avLst>
-          </a:prstGeom>
-          <a:solidFill>
-            <a:schemeClr val="bg1">
-              <a:lumMod val="95000"/>
-            </a:schemeClr>
-          </a:solidFill>
-          <a:ln>
-            <a:solidFill>
-              <a:schemeClr val="tx1"/>
-            </a:solidFill>
-          </a:ln>
-        </p:spPr>
-        <p:style>
-          <a:lnRef idx="2">
-            <a:schemeClr val="accent1">
-              <a:shade val="50000"/>
-            </a:schemeClr>
-          </a:lnRef>
-          <a:fillRef idx="1">
-            <a:schemeClr val="accent1"/>
-          </a:fillRef>
-          <a:effectRef idx="0">
-            <a:schemeClr val="accent1"/>
-          </a:effectRef>
-          <a:fontRef idx="minor">
-            <a:schemeClr val="lt1"/>
-          </a:fontRef>
-        </p:style>
-        <p:txBody>
-          <a:bodyPr wrap="none" lIns="36000" tIns="36000" rIns="36000" bIns="36000" rtlCol="0" anchor="ctr" anchorCtr="0"/>
-          <a:lstStyle/>
-          <a:p>
-            <a:pPr algn="ctr"/>
-            <a:r>
-              <a:rPr lang="zh-CN" altLang="en-US" sz="1600" b="1">
-                <a:solidFill>
-                  <a:schemeClr val="tx1"/>
-                </a:solidFill>
-                <a:latin typeface="微软雅黑" panose="020B0503020204020204" pitchFamily="34" charset="-122"/>
-                <a:ea typeface="微软雅黑" panose="020B0503020204020204" pitchFamily="34" charset="-122"/>
-              </a:rPr>
-              <a:t>赎回表</a:t>
-            </a:r>
-            <a:endParaRPr lang="en-US" altLang="zh-CN" sz="1600" b="1">
-              <a:solidFill>
-                <a:schemeClr val="tx1"/>
-              </a:solidFill>
-              <a:latin typeface="微软雅黑" panose="020B0503020204020204" pitchFamily="34" charset="-122"/>
-              <a:ea typeface="微软雅黑" panose="020B0503020204020204" pitchFamily="34" charset="-122"/>
-            </a:endParaRPr>
-          </a:p>
-          <a:p>
-            <a:pPr algn="ctr"/>
-            <a:r>
-              <a:rPr lang="en-US" altLang="zh-CN" sz="1600" b="1">
-                <a:solidFill>
-                  <a:schemeClr val="tx1"/>
-                </a:solidFill>
-                <a:latin typeface="微软雅黑" panose="020B0503020204020204" pitchFamily="34" charset="-122"/>
-                <a:ea typeface="微软雅黑" panose="020B0503020204020204" pitchFamily="34" charset="-122"/>
-              </a:rPr>
-              <a:t>Redeem</a:t>
-            </a:r>
-            <a:endParaRPr lang="zh-CN" altLang="en-US" sz="1600" b="1">
-              <a:solidFill>
-                <a:schemeClr val="tx1"/>
-              </a:solidFill>
-              <a:latin typeface="微软雅黑" panose="020B0503020204020204" pitchFamily="34" charset="-122"/>
-              <a:ea typeface="微软雅黑" panose="020B0503020204020204" pitchFamily="34" charset="-122"/>
-            </a:endParaRPr>
-          </a:p>
-        </p:txBody>
-      </p:sp>
-      <p:sp>
-        <p:nvSpPr>
-          <p:cNvPr id="21" name="矩形: 圆角 20">
-            <a:extLst>
-              <a:ext uri="{FF2B5EF4-FFF2-40B4-BE49-F238E27FC236}">
-                <a16:creationId xmlns:a16="http://schemas.microsoft.com/office/drawing/2014/main" id="{CA55F188-DECC-43FB-99A3-87113B2A6069}"/>
-              </a:ext>
-            </a:extLst>
-          </p:cNvPr>
-          <p:cNvSpPr/>
-          <p:nvPr/>
-        </p:nvSpPr>
-        <p:spPr>
-          <a:xfrm>
-            <a:off x="3359008" y="1970049"/>
-            <a:ext cx="2180394" cy="717167"/>
-          </a:xfrm>
-          <a:prstGeom prst="roundRect">
-            <a:avLst>
-              <a:gd name="adj" fmla="val 5494"/>
-            </a:avLst>
-          </a:prstGeom>
-          <a:noFill/>
-          <a:ln>
-            <a:solidFill>
-              <a:schemeClr val="tx2"/>
-            </a:solidFill>
-            <a:prstDash val="dash"/>
-          </a:ln>
-        </p:spPr>
-        <p:style>
-          <a:lnRef idx="2">
-            <a:schemeClr val="accent1">
-              <a:shade val="50000"/>
-            </a:schemeClr>
-          </a:lnRef>
-          <a:fillRef idx="1">
-            <a:schemeClr val="accent1"/>
-          </a:fillRef>
-          <a:effectRef idx="0">
-            <a:schemeClr val="accent1"/>
-          </a:effectRef>
-          <a:fontRef idx="minor">
-            <a:schemeClr val="lt1"/>
-          </a:fontRef>
-        </p:style>
-        <p:txBody>
-          <a:bodyPr rtlCol="0" anchor="b" anchorCtr="0"/>
-          <a:lstStyle/>
-          <a:p>
-            <a:endParaRPr lang="en-US" altLang="zh-CN" sz="1200" b="1">
-              <a:solidFill>
-                <a:schemeClr val="tx1"/>
-              </a:solidFill>
-              <a:latin typeface="微软雅黑" panose="020B0503020204020204" pitchFamily="34" charset="-122"/>
-              <a:ea typeface="微软雅黑" panose="020B0503020204020204" pitchFamily="34" charset="-122"/>
-            </a:endParaRPr>
-          </a:p>
-          <a:p>
-            <a:r>
-              <a:rPr lang="zh-CN" altLang="en-US" sz="1200" b="1">
-                <a:solidFill>
-                  <a:schemeClr val="tx1"/>
-                </a:solidFill>
-                <a:latin typeface="微软雅黑" panose="020B0503020204020204" pitchFamily="34" charset="-122"/>
-                <a:ea typeface="微软雅黑" panose="020B0503020204020204" pitchFamily="34" charset="-122"/>
-              </a:rPr>
-              <a:t>抵押</a:t>
-            </a:r>
-            <a:r>
-              <a:rPr lang="en-US" altLang="zh-CN" sz="1200" b="1">
-                <a:solidFill>
-                  <a:schemeClr val="tx1"/>
-                </a:solidFill>
-                <a:latin typeface="微软雅黑" panose="020B0503020204020204" pitchFamily="34" charset="-122"/>
-                <a:ea typeface="微软雅黑" panose="020B0503020204020204" pitchFamily="34" charset="-122"/>
-              </a:rPr>
-              <a:t>id</a:t>
-            </a:r>
-          </a:p>
-          <a:p>
-            <a:r>
-              <a:rPr lang="zh-CN" altLang="en-US" sz="1200" b="1">
-                <a:solidFill>
-                  <a:schemeClr val="tx1"/>
-                </a:solidFill>
-                <a:latin typeface="微软雅黑" panose="020B0503020204020204" pitchFamily="34" charset="-122"/>
-                <a:ea typeface="微软雅黑" panose="020B0503020204020204" pitchFamily="34" charset="-122"/>
-              </a:rPr>
-              <a:t>时间戳</a:t>
-            </a:r>
-            <a:endParaRPr lang="en-US" altLang="zh-CN" sz="1200" b="1">
-              <a:solidFill>
-                <a:schemeClr val="tx1"/>
-              </a:solidFill>
-              <a:latin typeface="微软雅黑" panose="020B0503020204020204" pitchFamily="34" charset="-122"/>
-              <a:ea typeface="微软雅黑" panose="020B0503020204020204" pitchFamily="34" charset="-122"/>
-            </a:endParaRPr>
-          </a:p>
-          <a:p>
-            <a:r>
-              <a:rPr lang="zh-CN" altLang="en-US" sz="1200" b="1">
-                <a:solidFill>
-                  <a:schemeClr val="tx1"/>
-                </a:solidFill>
-                <a:latin typeface="微软雅黑" panose="020B0503020204020204" pitchFamily="34" charset="-122"/>
-                <a:ea typeface="微软雅黑" panose="020B0503020204020204" pitchFamily="34" charset="-122"/>
-              </a:rPr>
-              <a:t>数量</a:t>
-            </a:r>
-            <a:endParaRPr lang="en-US" altLang="zh-CN" sz="1200" b="1">
-              <a:solidFill>
-                <a:schemeClr val="tx1"/>
-              </a:solidFill>
-              <a:latin typeface="微软雅黑" panose="020B0503020204020204" pitchFamily="34" charset="-122"/>
-              <a:ea typeface="微软雅黑" panose="020B0503020204020204" pitchFamily="34" charset="-122"/>
-            </a:endParaRPr>
-          </a:p>
-        </p:txBody>
-      </p:sp>
-      <p:sp>
-        <p:nvSpPr>
-          <p:cNvPr id="9" name="矩形: 圆角 8">
-            <a:extLst>
-              <a:ext uri="{FF2B5EF4-FFF2-40B4-BE49-F238E27FC236}">
-                <a16:creationId xmlns:a16="http://schemas.microsoft.com/office/drawing/2014/main" id="{D44E7F41-4F7B-4571-9A58-0FCD4597B84E}"/>
-              </a:ext>
-            </a:extLst>
-          </p:cNvPr>
-          <p:cNvSpPr/>
-          <p:nvPr/>
-        </p:nvSpPr>
-        <p:spPr>
-          <a:xfrm>
-            <a:off x="6375905" y="1322049"/>
-            <a:ext cx="2180394" cy="648000"/>
-          </a:xfrm>
-          <a:prstGeom prst="roundRect">
-            <a:avLst>
-              <a:gd name="adj" fmla="val 13139"/>
-            </a:avLst>
-          </a:prstGeom>
-          <a:solidFill>
-            <a:schemeClr val="bg1">
-              <a:lumMod val="95000"/>
-            </a:schemeClr>
-          </a:solidFill>
-          <a:ln>
-            <a:solidFill>
-              <a:schemeClr val="tx1"/>
-            </a:solidFill>
-          </a:ln>
-        </p:spPr>
-        <p:style>
-          <a:lnRef idx="2">
-            <a:schemeClr val="accent1">
-              <a:shade val="50000"/>
-            </a:schemeClr>
-          </a:lnRef>
-          <a:fillRef idx="1">
-            <a:schemeClr val="accent1"/>
-          </a:fillRef>
-          <a:effectRef idx="0">
-            <a:schemeClr val="accent1"/>
-          </a:effectRef>
-          <a:fontRef idx="minor">
-            <a:schemeClr val="lt1"/>
-          </a:fontRef>
-        </p:style>
-        <p:txBody>
-          <a:bodyPr wrap="none" lIns="36000" tIns="36000" rIns="36000" bIns="36000" rtlCol="0" anchor="ctr" anchorCtr="0"/>
-          <a:lstStyle/>
-          <a:p>
-            <a:pPr algn="ctr"/>
-            <a:r>
-              <a:rPr lang="zh-CN" altLang="en-US" sz="1600" b="1">
-                <a:solidFill>
-                  <a:schemeClr val="tx1"/>
-                </a:solidFill>
-                <a:latin typeface="微软雅黑" panose="020B0503020204020204" pitchFamily="34" charset="-122"/>
-                <a:ea typeface="微软雅黑" panose="020B0503020204020204" pitchFamily="34" charset="-122"/>
-              </a:rPr>
-              <a:t>订单表</a:t>
-            </a:r>
-            <a:endParaRPr lang="en-US" altLang="zh-CN" sz="1600" b="1">
-              <a:solidFill>
-                <a:schemeClr val="tx1"/>
-              </a:solidFill>
-              <a:latin typeface="微软雅黑" panose="020B0503020204020204" pitchFamily="34" charset="-122"/>
-              <a:ea typeface="微软雅黑" panose="020B0503020204020204" pitchFamily="34" charset="-122"/>
-            </a:endParaRPr>
-          </a:p>
-          <a:p>
-            <a:pPr algn="ctr"/>
-            <a:r>
-              <a:rPr lang="en-US" altLang="zh-CN" sz="1600" b="1">
-                <a:solidFill>
-                  <a:schemeClr val="tx1"/>
-                </a:solidFill>
-                <a:latin typeface="微软雅黑" panose="020B0503020204020204" pitchFamily="34" charset="-122"/>
-                <a:ea typeface="微软雅黑" panose="020B0503020204020204" pitchFamily="34" charset="-122"/>
-              </a:rPr>
-              <a:t>Order</a:t>
-            </a:r>
-            <a:endParaRPr lang="zh-CN" altLang="en-US" sz="1600" b="1">
-              <a:solidFill>
-                <a:schemeClr val="tx1"/>
-              </a:solidFill>
-              <a:latin typeface="微软雅黑" panose="020B0503020204020204" pitchFamily="34" charset="-122"/>
-              <a:ea typeface="微软雅黑" panose="020B0503020204020204" pitchFamily="34" charset="-122"/>
-            </a:endParaRPr>
-          </a:p>
-        </p:txBody>
-      </p:sp>
-      <p:sp>
-        <p:nvSpPr>
-          <p:cNvPr id="10" name="矩形: 圆角 9">
-            <a:extLst>
-              <a:ext uri="{FF2B5EF4-FFF2-40B4-BE49-F238E27FC236}">
-                <a16:creationId xmlns:a16="http://schemas.microsoft.com/office/drawing/2014/main" id="{998EFC57-75B4-4980-8D6F-DD8086068F7B}"/>
-              </a:ext>
-            </a:extLst>
-          </p:cNvPr>
-          <p:cNvSpPr/>
-          <p:nvPr/>
-        </p:nvSpPr>
-        <p:spPr>
-          <a:xfrm>
-            <a:off x="6375906" y="1970048"/>
-            <a:ext cx="2180394" cy="1458950"/>
-          </a:xfrm>
-          <a:prstGeom prst="roundRect">
-            <a:avLst>
-              <a:gd name="adj" fmla="val 5494"/>
-            </a:avLst>
-          </a:prstGeom>
-          <a:noFill/>
-          <a:ln>
-            <a:solidFill>
-              <a:schemeClr val="tx2"/>
-            </a:solidFill>
-            <a:prstDash val="dash"/>
-          </a:ln>
-        </p:spPr>
-        <p:style>
-          <a:lnRef idx="2">
-            <a:schemeClr val="accent1">
-              <a:shade val="50000"/>
-            </a:schemeClr>
-          </a:lnRef>
-          <a:fillRef idx="1">
-            <a:schemeClr val="accent1"/>
-          </a:fillRef>
-          <a:effectRef idx="0">
-            <a:schemeClr val="accent1"/>
-          </a:effectRef>
-          <a:fontRef idx="minor">
-            <a:schemeClr val="lt1"/>
-          </a:fontRef>
-        </p:style>
-        <p:txBody>
-          <a:bodyPr rtlCol="0" anchor="b" anchorCtr="0"/>
-          <a:lstStyle/>
-          <a:p>
-            <a:endParaRPr lang="en-US" altLang="zh-CN" sz="1200" b="1">
-              <a:solidFill>
-                <a:schemeClr val="tx1"/>
-              </a:solidFill>
-              <a:latin typeface="微软雅黑" panose="020B0503020204020204" pitchFamily="34" charset="-122"/>
-              <a:ea typeface="微软雅黑" panose="020B0503020204020204" pitchFamily="34" charset="-122"/>
-            </a:endParaRPr>
-          </a:p>
-          <a:p>
-            <a:r>
-              <a:rPr lang="zh-CN" altLang="en-US" sz="1200" b="1">
-                <a:solidFill>
-                  <a:schemeClr val="tx1"/>
-                </a:solidFill>
-                <a:latin typeface="微软雅黑" panose="020B0503020204020204" pitchFamily="34" charset="-122"/>
-                <a:ea typeface="微软雅黑" panose="020B0503020204020204" pitchFamily="34" charset="-122"/>
-              </a:rPr>
-              <a:t>订单</a:t>
-            </a:r>
-            <a:r>
-              <a:rPr lang="en-US" altLang="zh-CN" sz="1200" b="1">
-                <a:solidFill>
-                  <a:schemeClr val="tx1"/>
-                </a:solidFill>
-                <a:latin typeface="微软雅黑" panose="020B0503020204020204" pitchFamily="34" charset="-122"/>
-                <a:ea typeface="微软雅黑" panose="020B0503020204020204" pitchFamily="34" charset="-122"/>
-              </a:rPr>
-              <a:t>id</a:t>
-            </a:r>
-          </a:p>
-          <a:p>
-            <a:r>
-              <a:rPr lang="zh-CN" altLang="en-US" sz="1200" b="1">
-                <a:solidFill>
-                  <a:schemeClr val="tx1"/>
-                </a:solidFill>
-                <a:latin typeface="微软雅黑" panose="020B0503020204020204" pitchFamily="34" charset="-122"/>
-                <a:ea typeface="微软雅黑" panose="020B0503020204020204" pitchFamily="34" charset="-122"/>
-              </a:rPr>
-              <a:t>抵押</a:t>
-            </a:r>
-            <a:r>
-              <a:rPr lang="en-US" altLang="zh-CN" sz="1200" b="1">
-                <a:solidFill>
-                  <a:schemeClr val="tx1"/>
-                </a:solidFill>
-                <a:latin typeface="微软雅黑" panose="020B0503020204020204" pitchFamily="34" charset="-122"/>
-                <a:ea typeface="微软雅黑" panose="020B0503020204020204" pitchFamily="34" charset="-122"/>
-              </a:rPr>
-              <a:t>id</a:t>
-            </a:r>
-          </a:p>
-          <a:p>
-            <a:r>
-              <a:rPr lang="zh-CN" altLang="en-US" sz="1200" b="1">
-                <a:solidFill>
-                  <a:schemeClr val="tx1"/>
-                </a:solidFill>
-                <a:latin typeface="微软雅黑" panose="020B0503020204020204" pitchFamily="34" charset="-122"/>
-                <a:ea typeface="微软雅黑" panose="020B0503020204020204" pitchFamily="34" charset="-122"/>
-              </a:rPr>
-              <a:t>买家</a:t>
-            </a:r>
-            <a:r>
-              <a:rPr lang="en-US" altLang="zh-CN" sz="1200" b="1">
-                <a:solidFill>
-                  <a:schemeClr val="tx1"/>
-                </a:solidFill>
-                <a:latin typeface="微软雅黑" panose="020B0503020204020204" pitchFamily="34" charset="-122"/>
-                <a:ea typeface="微软雅黑" panose="020B0503020204020204" pitchFamily="34" charset="-122"/>
-              </a:rPr>
-              <a:t>id</a:t>
-            </a:r>
-          </a:p>
-          <a:p>
-            <a:r>
-              <a:rPr lang="zh-CN" altLang="en-US" sz="1200" b="1">
-                <a:solidFill>
-                  <a:schemeClr val="tx1"/>
-                </a:solidFill>
-                <a:latin typeface="微软雅黑" panose="020B0503020204020204" pitchFamily="34" charset="-122"/>
-                <a:ea typeface="微软雅黑" panose="020B0503020204020204" pitchFamily="34" charset="-122"/>
-              </a:rPr>
-              <a:t>时间戳</a:t>
-            </a:r>
-            <a:endParaRPr lang="en-US" altLang="zh-CN" sz="1200" b="1">
-              <a:solidFill>
-                <a:schemeClr val="tx1"/>
-              </a:solidFill>
-              <a:latin typeface="微软雅黑" panose="020B0503020204020204" pitchFamily="34" charset="-122"/>
-              <a:ea typeface="微软雅黑" panose="020B0503020204020204" pitchFamily="34" charset="-122"/>
-            </a:endParaRPr>
-          </a:p>
-          <a:p>
-            <a:r>
-              <a:rPr lang="zh-CN" altLang="en-US" sz="1200" b="1">
-                <a:solidFill>
-                  <a:schemeClr val="tx1"/>
-                </a:solidFill>
-                <a:latin typeface="微软雅黑" panose="020B0503020204020204" pitchFamily="34" charset="-122"/>
-                <a:ea typeface="微软雅黑" panose="020B0503020204020204" pitchFamily="34" charset="-122"/>
-              </a:rPr>
-              <a:t>数量</a:t>
-            </a:r>
-            <a:endParaRPr lang="en-US" altLang="zh-CN" sz="1200" b="1">
-              <a:solidFill>
-                <a:schemeClr val="tx1"/>
-              </a:solidFill>
-              <a:latin typeface="微软雅黑" panose="020B0503020204020204" pitchFamily="34" charset="-122"/>
-              <a:ea typeface="微软雅黑" panose="020B0503020204020204" pitchFamily="34" charset="-122"/>
-            </a:endParaRPr>
-          </a:p>
-          <a:p>
-            <a:r>
-              <a:rPr lang="zh-CN" altLang="en-US" sz="1200" b="1">
-                <a:solidFill>
-                  <a:schemeClr val="tx1"/>
-                </a:solidFill>
-                <a:latin typeface="微软雅黑" panose="020B0503020204020204" pitchFamily="34" charset="-122"/>
-                <a:ea typeface="微软雅黑" panose="020B0503020204020204" pitchFamily="34" charset="-122"/>
-              </a:rPr>
-              <a:t>单价</a:t>
-            </a:r>
-            <a:endParaRPr lang="en-US" altLang="zh-CN" sz="1200" b="1">
-              <a:solidFill>
-                <a:schemeClr val="tx1"/>
-              </a:solidFill>
-              <a:latin typeface="微软雅黑" panose="020B0503020204020204" pitchFamily="34" charset="-122"/>
-              <a:ea typeface="微软雅黑" panose="020B0503020204020204" pitchFamily="34" charset="-122"/>
-            </a:endParaRPr>
-          </a:p>
-          <a:p>
-            <a:r>
-              <a:rPr lang="zh-CN" altLang="en-US" sz="1200" b="1">
-                <a:solidFill>
-                  <a:schemeClr val="tx1"/>
-                </a:solidFill>
-                <a:latin typeface="微软雅黑" panose="020B0503020204020204" pitchFamily="34" charset="-122"/>
-                <a:ea typeface="微软雅黑" panose="020B0503020204020204" pitchFamily="34" charset="-122"/>
-              </a:rPr>
-              <a:t>状态</a:t>
-            </a:r>
-            <a:r>
-              <a:rPr lang="en-US" altLang="zh-CN" sz="1200" b="1">
-                <a:solidFill>
-                  <a:schemeClr val="tx1"/>
-                </a:solidFill>
-                <a:latin typeface="微软雅黑" panose="020B0503020204020204" pitchFamily="34" charset="-122"/>
-                <a:ea typeface="微软雅黑" panose="020B0503020204020204" pitchFamily="34" charset="-122"/>
-              </a:rPr>
-              <a:t>[1</a:t>
-            </a:r>
-            <a:r>
-              <a:rPr lang="zh-CN" altLang="en-US" sz="1200" b="1">
-                <a:solidFill>
-                  <a:schemeClr val="tx1"/>
-                </a:solidFill>
-                <a:latin typeface="微软雅黑" panose="020B0503020204020204" pitchFamily="34" charset="-122"/>
-                <a:ea typeface="微软雅黑" panose="020B0503020204020204" pitchFamily="34" charset="-122"/>
-              </a:rPr>
-              <a:t>发起</a:t>
-            </a:r>
-            <a:r>
-              <a:rPr lang="en-US" altLang="zh-CN" sz="1200" b="1">
-                <a:solidFill>
-                  <a:schemeClr val="tx1"/>
-                </a:solidFill>
-                <a:latin typeface="微软雅黑" panose="020B0503020204020204" pitchFamily="34" charset="-122"/>
-                <a:ea typeface="微软雅黑" panose="020B0503020204020204" pitchFamily="34" charset="-122"/>
-              </a:rPr>
-              <a:t>,2</a:t>
-            </a:r>
-            <a:r>
-              <a:rPr lang="zh-CN" altLang="en-US" sz="1200" b="1">
-                <a:solidFill>
-                  <a:schemeClr val="tx1"/>
-                </a:solidFill>
-                <a:latin typeface="微软雅黑" panose="020B0503020204020204" pitchFamily="34" charset="-122"/>
-                <a:ea typeface="微软雅黑" panose="020B0503020204020204" pitchFamily="34" charset="-122"/>
-              </a:rPr>
-              <a:t>确认</a:t>
-            </a:r>
-            <a:r>
-              <a:rPr lang="en-US" altLang="zh-CN" sz="1200" b="1">
-                <a:solidFill>
-                  <a:schemeClr val="tx1"/>
-                </a:solidFill>
-                <a:latin typeface="微软雅黑" panose="020B0503020204020204" pitchFamily="34" charset="-122"/>
-                <a:ea typeface="微软雅黑" panose="020B0503020204020204" pitchFamily="34" charset="-122"/>
-              </a:rPr>
-              <a:t>]</a:t>
-            </a:r>
-          </a:p>
-        </p:txBody>
-      </p:sp>
     </p:spTree>
     <p:extLst>
       <p:ext uri="{BB962C8B-B14F-4D97-AF65-F5344CB8AC3E}">
@@ -5157,7 +4928,7 @@
         <p:spPr>
           <a:xfrm>
             <a:off x="712379" y="173975"/>
-            <a:ext cx="2646878" cy="584775"/>
+            <a:ext cx="1005403" cy="584775"/>
           </a:xfrm>
           <a:prstGeom prst="rect">
             <a:avLst/>
@@ -5175,17 +4946,17 @@
                 <a:latin typeface="Consolas" panose="020B0609020204030204" pitchFamily="49" charset="0"/>
                 <a:ea typeface="微软雅黑" panose="020B0503020204020204" pitchFamily="34" charset="-122"/>
               </a:rPr>
-              <a:t>场外交易流程</a:t>
-            </a:r>
-          </a:p>
-        </p:txBody>
-      </p:sp>
-      <p:sp>
-        <p:nvSpPr>
-          <p:cNvPr id="61" name="矩形: 圆角 60">
-            <a:extLst>
-              <a:ext uri="{FF2B5EF4-FFF2-40B4-BE49-F238E27FC236}">
-                <a16:creationId xmlns:a16="http://schemas.microsoft.com/office/drawing/2014/main" id="{E3777F73-EAAB-43DE-8A90-6B6D895B1B1F}"/>
+              <a:t>赎回</a:t>
+            </a:r>
+          </a:p>
+        </p:txBody>
+      </p:sp>
+      <p:sp>
+        <p:nvSpPr>
+          <p:cNvPr id="20" name="矩形: 圆角 19">
+            <a:extLst>
+              <a:ext uri="{FF2B5EF4-FFF2-40B4-BE49-F238E27FC236}">
+                <a16:creationId xmlns:a16="http://schemas.microsoft.com/office/drawing/2014/main" id="{A0A99EFB-83D3-44D9-AD9A-877A72D17173}"/>
               </a:ext>
             </a:extLst>
           </p:cNvPr>
@@ -5194,7 +4965,898 @@
         </p:nvSpPr>
         <p:spPr>
           <a:xfrm>
-            <a:off x="804989" y="1310926"/>
+            <a:off x="712379" y="1359371"/>
+            <a:ext cx="2180394" cy="648000"/>
+          </a:xfrm>
+          <a:prstGeom prst="roundRect">
+            <a:avLst>
+              <a:gd name="adj" fmla="val 13139"/>
+            </a:avLst>
+          </a:prstGeom>
+          <a:solidFill>
+            <a:schemeClr val="bg1">
+              <a:lumMod val="95000"/>
+            </a:schemeClr>
+          </a:solidFill>
+          <a:ln>
+            <a:solidFill>
+              <a:schemeClr val="tx1"/>
+            </a:solidFill>
+          </a:ln>
+        </p:spPr>
+        <p:style>
+          <a:lnRef idx="2">
+            <a:schemeClr val="accent1">
+              <a:shade val="50000"/>
+            </a:schemeClr>
+          </a:lnRef>
+          <a:fillRef idx="1">
+            <a:schemeClr val="accent1"/>
+          </a:fillRef>
+          <a:effectRef idx="0">
+            <a:schemeClr val="accent1"/>
+          </a:effectRef>
+          <a:fontRef idx="minor">
+            <a:schemeClr val="lt1"/>
+          </a:fontRef>
+        </p:style>
+        <p:txBody>
+          <a:bodyPr wrap="none" lIns="36000" tIns="36000" rIns="36000" bIns="36000" rtlCol="0" anchor="ctr" anchorCtr="0"/>
+          <a:lstStyle/>
+          <a:p>
+            <a:pPr algn="ctr"/>
+            <a:r>
+              <a:rPr lang="zh-CN" altLang="en-US" sz="1600" b="1">
+                <a:solidFill>
+                  <a:schemeClr val="tx1"/>
+                </a:solidFill>
+                <a:latin typeface="微软雅黑" panose="020B0503020204020204" pitchFamily="34" charset="-122"/>
+                <a:ea typeface="微软雅黑" panose="020B0503020204020204" pitchFamily="34" charset="-122"/>
+              </a:rPr>
+              <a:t>赎回表</a:t>
+            </a:r>
+            <a:endParaRPr lang="en-US" altLang="zh-CN" sz="1600" b="1">
+              <a:solidFill>
+                <a:schemeClr val="tx1"/>
+              </a:solidFill>
+              <a:latin typeface="微软雅黑" panose="020B0503020204020204" pitchFamily="34" charset="-122"/>
+              <a:ea typeface="微软雅黑" panose="020B0503020204020204" pitchFamily="34" charset="-122"/>
+            </a:endParaRPr>
+          </a:p>
+          <a:p>
+            <a:pPr algn="ctr"/>
+            <a:r>
+              <a:rPr lang="en-US" altLang="zh-CN" sz="1600" b="1">
+                <a:solidFill>
+                  <a:schemeClr val="tx1"/>
+                </a:solidFill>
+                <a:latin typeface="微软雅黑" panose="020B0503020204020204" pitchFamily="34" charset="-122"/>
+                <a:ea typeface="微软雅黑" panose="020B0503020204020204" pitchFamily="34" charset="-122"/>
+              </a:rPr>
+              <a:t>Redeem</a:t>
+            </a:r>
+            <a:endParaRPr lang="zh-CN" altLang="en-US" sz="1600" b="1">
+              <a:solidFill>
+                <a:schemeClr val="tx1"/>
+              </a:solidFill>
+              <a:latin typeface="微软雅黑" panose="020B0503020204020204" pitchFamily="34" charset="-122"/>
+              <a:ea typeface="微软雅黑" panose="020B0503020204020204" pitchFamily="34" charset="-122"/>
+            </a:endParaRPr>
+          </a:p>
+        </p:txBody>
+      </p:sp>
+      <p:sp>
+        <p:nvSpPr>
+          <p:cNvPr id="21" name="矩形: 圆角 20">
+            <a:extLst>
+              <a:ext uri="{FF2B5EF4-FFF2-40B4-BE49-F238E27FC236}">
+                <a16:creationId xmlns:a16="http://schemas.microsoft.com/office/drawing/2014/main" id="{CA55F188-DECC-43FB-99A3-87113B2A6069}"/>
+              </a:ext>
+            </a:extLst>
+          </p:cNvPr>
+          <p:cNvSpPr/>
+          <p:nvPr/>
+        </p:nvSpPr>
+        <p:spPr>
+          <a:xfrm>
+            <a:off x="712380" y="2007371"/>
+            <a:ext cx="2180394" cy="717167"/>
+          </a:xfrm>
+          <a:prstGeom prst="roundRect">
+            <a:avLst>
+              <a:gd name="adj" fmla="val 5494"/>
+            </a:avLst>
+          </a:prstGeom>
+          <a:noFill/>
+          <a:ln>
+            <a:solidFill>
+              <a:schemeClr val="tx2"/>
+            </a:solidFill>
+            <a:prstDash val="dash"/>
+          </a:ln>
+        </p:spPr>
+        <p:style>
+          <a:lnRef idx="2">
+            <a:schemeClr val="accent1">
+              <a:shade val="50000"/>
+            </a:schemeClr>
+          </a:lnRef>
+          <a:fillRef idx="1">
+            <a:schemeClr val="accent1"/>
+          </a:fillRef>
+          <a:effectRef idx="0">
+            <a:schemeClr val="accent1"/>
+          </a:effectRef>
+          <a:fontRef idx="minor">
+            <a:schemeClr val="lt1"/>
+          </a:fontRef>
+        </p:style>
+        <p:txBody>
+          <a:bodyPr rtlCol="0" anchor="b" anchorCtr="0"/>
+          <a:lstStyle/>
+          <a:p>
+            <a:endParaRPr lang="en-US" altLang="zh-CN" sz="1200" b="1">
+              <a:solidFill>
+                <a:schemeClr val="tx1"/>
+              </a:solidFill>
+              <a:latin typeface="微软雅黑" panose="020B0503020204020204" pitchFamily="34" charset="-122"/>
+              <a:ea typeface="微软雅黑" panose="020B0503020204020204" pitchFamily="34" charset="-122"/>
+            </a:endParaRPr>
+          </a:p>
+          <a:p>
+            <a:r>
+              <a:rPr lang="zh-CN" altLang="en-US" sz="1200" b="1">
+                <a:solidFill>
+                  <a:schemeClr val="tx1"/>
+                </a:solidFill>
+                <a:latin typeface="微软雅黑" panose="020B0503020204020204" pitchFamily="34" charset="-122"/>
+                <a:ea typeface="微软雅黑" panose="020B0503020204020204" pitchFamily="34" charset="-122"/>
+              </a:rPr>
+              <a:t>抵押</a:t>
+            </a:r>
+            <a:r>
+              <a:rPr lang="en-US" altLang="zh-CN" sz="1200" b="1">
+                <a:solidFill>
+                  <a:schemeClr val="tx1"/>
+                </a:solidFill>
+                <a:latin typeface="微软雅黑" panose="020B0503020204020204" pitchFamily="34" charset="-122"/>
+                <a:ea typeface="微软雅黑" panose="020B0503020204020204" pitchFamily="34" charset="-122"/>
+              </a:rPr>
+              <a:t>id</a:t>
+            </a:r>
+          </a:p>
+          <a:p>
+            <a:r>
+              <a:rPr lang="zh-CN" altLang="en-US" sz="1200" b="1">
+                <a:solidFill>
+                  <a:schemeClr val="tx1"/>
+                </a:solidFill>
+                <a:latin typeface="微软雅黑" panose="020B0503020204020204" pitchFamily="34" charset="-122"/>
+                <a:ea typeface="微软雅黑" panose="020B0503020204020204" pitchFamily="34" charset="-122"/>
+              </a:rPr>
+              <a:t>时间戳</a:t>
+            </a:r>
+            <a:endParaRPr lang="en-US" altLang="zh-CN" sz="1200" b="1">
+              <a:solidFill>
+                <a:schemeClr val="tx1"/>
+              </a:solidFill>
+              <a:latin typeface="微软雅黑" panose="020B0503020204020204" pitchFamily="34" charset="-122"/>
+              <a:ea typeface="微软雅黑" panose="020B0503020204020204" pitchFamily="34" charset="-122"/>
+            </a:endParaRPr>
+          </a:p>
+          <a:p>
+            <a:r>
+              <a:rPr lang="zh-CN" altLang="en-US" sz="1200" b="1">
+                <a:solidFill>
+                  <a:schemeClr val="tx1"/>
+                </a:solidFill>
+                <a:latin typeface="微软雅黑" panose="020B0503020204020204" pitchFamily="34" charset="-122"/>
+                <a:ea typeface="微软雅黑" panose="020B0503020204020204" pitchFamily="34" charset="-122"/>
+              </a:rPr>
+              <a:t>数量</a:t>
+            </a:r>
+            <a:endParaRPr lang="en-US" altLang="zh-CN" sz="1200" b="1">
+              <a:solidFill>
+                <a:schemeClr val="tx1"/>
+              </a:solidFill>
+              <a:latin typeface="微软雅黑" panose="020B0503020204020204" pitchFamily="34" charset="-122"/>
+              <a:ea typeface="微软雅黑" panose="020B0503020204020204" pitchFamily="34" charset="-122"/>
+            </a:endParaRPr>
+          </a:p>
+        </p:txBody>
+      </p:sp>
+    </p:spTree>
+    <p:extLst>
+      <p:ext uri="{BB962C8B-B14F-4D97-AF65-F5344CB8AC3E}">
+        <p14:creationId xmlns:p14="http://schemas.microsoft.com/office/powerpoint/2010/main" val="3670524425"/>
+      </p:ext>
+    </p:extLst>
+  </p:cSld>
+  <p:clrMapOvr>
+    <a:masterClrMapping/>
+  </p:clrMapOvr>
+</p:sld>
+</file>
+
+<file path=ppt/slides/slide4.xml><?xml version="1.0" encoding="utf-8"?>
+<p:sld xmlns:a="http://schemas.openxmlformats.org/drawingml/2006/main" xmlns:r="http://schemas.openxmlformats.org/officeDocument/2006/relationships" xmlns:p="http://schemas.openxmlformats.org/presentationml/2006/main">
+  <p:cSld>
+    <p:spTree>
+      <p:nvGrpSpPr>
+        <p:cNvPr id="1" name=""/>
+        <p:cNvGrpSpPr/>
+        <p:nvPr/>
+      </p:nvGrpSpPr>
+      <p:grpSpPr>
+        <a:xfrm>
+          <a:off x="0" y="0"/>
+          <a:ext cx="0" cy="0"/>
+          <a:chOff x="0" y="0"/>
+          <a:chExt cx="0" cy="0"/>
+        </a:xfrm>
+      </p:grpSpPr>
+      <p:cxnSp>
+        <p:nvCxnSpPr>
+          <p:cNvPr id="239" name="直接连接符 238">
+            <a:extLst>
+              <a:ext uri="{FF2B5EF4-FFF2-40B4-BE49-F238E27FC236}">
+                <a16:creationId xmlns:a16="http://schemas.microsoft.com/office/drawing/2014/main" id="{05CC9636-A076-48A7-9A94-4E0212BA0C59}"/>
+              </a:ext>
+            </a:extLst>
+          </p:cNvPr>
+          <p:cNvCxnSpPr>
+            <a:cxnSpLocks/>
+          </p:cNvCxnSpPr>
+          <p:nvPr/>
+        </p:nvCxnSpPr>
+        <p:spPr>
+          <a:xfrm flipH="1">
+            <a:off x="433388" y="866051"/>
+            <a:ext cx="11325225" cy="1"/>
+          </a:xfrm>
+          <a:prstGeom prst="line">
+            <a:avLst/>
+          </a:prstGeom>
+          <a:ln w="19050">
+            <a:solidFill>
+              <a:srgbClr val="00576E"/>
+            </a:solidFill>
+          </a:ln>
+          <a:effectLst>
+            <a:outerShdw blurRad="50800" dist="12700" dir="5400000" algn="t" rotWithShape="0">
+              <a:prstClr val="black">
+                <a:alpha val="40000"/>
+              </a:prstClr>
+            </a:outerShdw>
+          </a:effectLst>
+        </p:spPr>
+        <p:style>
+          <a:lnRef idx="2">
+            <a:schemeClr val="accent1"/>
+          </a:lnRef>
+          <a:fillRef idx="0">
+            <a:schemeClr val="accent1"/>
+          </a:fillRef>
+          <a:effectRef idx="1">
+            <a:schemeClr val="accent1"/>
+          </a:effectRef>
+          <a:fontRef idx="minor">
+            <a:schemeClr val="tx1"/>
+          </a:fontRef>
+        </p:style>
+      </p:cxnSp>
+      <p:sp>
+        <p:nvSpPr>
+          <p:cNvPr id="240" name="矩形 239">
+            <a:extLst>
+              <a:ext uri="{FF2B5EF4-FFF2-40B4-BE49-F238E27FC236}">
+                <a16:creationId xmlns:a16="http://schemas.microsoft.com/office/drawing/2014/main" id="{CE6D800A-2E58-40A9-AF4D-2C92406102BA}"/>
+              </a:ext>
+            </a:extLst>
+          </p:cNvPr>
+          <p:cNvSpPr/>
+          <p:nvPr/>
+        </p:nvSpPr>
+        <p:spPr>
+          <a:xfrm>
+            <a:off x="471489" y="209549"/>
+            <a:ext cx="119062" cy="513626"/>
+          </a:xfrm>
+          <a:prstGeom prst="rect">
+            <a:avLst/>
+          </a:prstGeom>
+          <a:solidFill>
+            <a:srgbClr val="00576E"/>
+          </a:solidFill>
+        </p:spPr>
+        <p:style>
+          <a:lnRef idx="2">
+            <a:schemeClr val="accent1">
+              <a:shade val="50000"/>
+            </a:schemeClr>
+          </a:lnRef>
+          <a:fillRef idx="1">
+            <a:schemeClr val="accent1"/>
+          </a:fillRef>
+          <a:effectRef idx="0">
+            <a:schemeClr val="accent1"/>
+          </a:effectRef>
+          <a:fontRef idx="minor">
+            <a:schemeClr val="lt1"/>
+          </a:fontRef>
+        </p:style>
+        <p:txBody>
+          <a:bodyPr rtlCol="0" anchor="ctr"/>
+          <a:lstStyle/>
+          <a:p>
+            <a:pPr algn="ctr"/>
+            <a:endParaRPr lang="zh-CN" altLang="en-US">
+              <a:latin typeface="Consolas" panose="020B0609020204030204" pitchFamily="49" charset="0"/>
+            </a:endParaRPr>
+          </a:p>
+        </p:txBody>
+      </p:sp>
+      <p:sp>
+        <p:nvSpPr>
+          <p:cNvPr id="241" name="文本框 240">
+            <a:extLst>
+              <a:ext uri="{FF2B5EF4-FFF2-40B4-BE49-F238E27FC236}">
+                <a16:creationId xmlns:a16="http://schemas.microsoft.com/office/drawing/2014/main" id="{90ABBAE7-6707-4A6F-819E-32C1CFD4250B}"/>
+              </a:ext>
+            </a:extLst>
+          </p:cNvPr>
+          <p:cNvSpPr txBox="1"/>
+          <p:nvPr/>
+        </p:nvSpPr>
+        <p:spPr>
+          <a:xfrm>
+            <a:off x="712379" y="173975"/>
+            <a:ext cx="1005403" cy="584775"/>
+          </a:xfrm>
+          <a:prstGeom prst="rect">
+            <a:avLst/>
+          </a:prstGeom>
+          <a:noFill/>
+        </p:spPr>
+        <p:txBody>
+          <a:bodyPr wrap="none" rtlCol="0">
+            <a:spAutoFit/>
+          </a:bodyPr>
+          <a:lstStyle/>
+          <a:p>
+            <a:r>
+              <a:rPr lang="zh-CN" altLang="en-US" sz="3200" b="1">
+                <a:latin typeface="Consolas" panose="020B0609020204030204" pitchFamily="49" charset="0"/>
+                <a:ea typeface="微软雅黑" panose="020B0503020204020204" pitchFamily="34" charset="-122"/>
+              </a:rPr>
+              <a:t>订单</a:t>
+            </a:r>
+          </a:p>
+        </p:txBody>
+      </p:sp>
+      <p:sp>
+        <p:nvSpPr>
+          <p:cNvPr id="9" name="矩形: 圆角 8">
+            <a:extLst>
+              <a:ext uri="{FF2B5EF4-FFF2-40B4-BE49-F238E27FC236}">
+                <a16:creationId xmlns:a16="http://schemas.microsoft.com/office/drawing/2014/main" id="{D44E7F41-4F7B-4571-9A58-0FCD4597B84E}"/>
+              </a:ext>
+            </a:extLst>
+          </p:cNvPr>
+          <p:cNvSpPr/>
+          <p:nvPr/>
+        </p:nvSpPr>
+        <p:spPr>
+          <a:xfrm>
+            <a:off x="712379" y="1219412"/>
+            <a:ext cx="2180394" cy="648000"/>
+          </a:xfrm>
+          <a:prstGeom prst="roundRect">
+            <a:avLst>
+              <a:gd name="adj" fmla="val 13139"/>
+            </a:avLst>
+          </a:prstGeom>
+          <a:solidFill>
+            <a:schemeClr val="bg1">
+              <a:lumMod val="95000"/>
+            </a:schemeClr>
+          </a:solidFill>
+          <a:ln>
+            <a:solidFill>
+              <a:schemeClr val="tx1"/>
+            </a:solidFill>
+          </a:ln>
+        </p:spPr>
+        <p:style>
+          <a:lnRef idx="2">
+            <a:schemeClr val="accent1">
+              <a:shade val="50000"/>
+            </a:schemeClr>
+          </a:lnRef>
+          <a:fillRef idx="1">
+            <a:schemeClr val="accent1"/>
+          </a:fillRef>
+          <a:effectRef idx="0">
+            <a:schemeClr val="accent1"/>
+          </a:effectRef>
+          <a:fontRef idx="minor">
+            <a:schemeClr val="lt1"/>
+          </a:fontRef>
+        </p:style>
+        <p:txBody>
+          <a:bodyPr wrap="none" lIns="36000" tIns="36000" rIns="36000" bIns="36000" rtlCol="0" anchor="ctr" anchorCtr="0"/>
+          <a:lstStyle/>
+          <a:p>
+            <a:pPr algn="ctr"/>
+            <a:r>
+              <a:rPr lang="zh-CN" altLang="en-US" sz="1600" b="1">
+                <a:solidFill>
+                  <a:schemeClr val="tx1"/>
+                </a:solidFill>
+                <a:latin typeface="微软雅黑" panose="020B0503020204020204" pitchFamily="34" charset="-122"/>
+                <a:ea typeface="微软雅黑" panose="020B0503020204020204" pitchFamily="34" charset="-122"/>
+              </a:rPr>
+              <a:t>订单表</a:t>
+            </a:r>
+            <a:endParaRPr lang="en-US" altLang="zh-CN" sz="1600" b="1">
+              <a:solidFill>
+                <a:schemeClr val="tx1"/>
+              </a:solidFill>
+              <a:latin typeface="微软雅黑" panose="020B0503020204020204" pitchFamily="34" charset="-122"/>
+              <a:ea typeface="微软雅黑" panose="020B0503020204020204" pitchFamily="34" charset="-122"/>
+            </a:endParaRPr>
+          </a:p>
+          <a:p>
+            <a:pPr algn="ctr"/>
+            <a:r>
+              <a:rPr lang="en-US" altLang="zh-CN" sz="1600" b="1">
+                <a:solidFill>
+                  <a:schemeClr val="tx1"/>
+                </a:solidFill>
+                <a:latin typeface="微软雅黑" panose="020B0503020204020204" pitchFamily="34" charset="-122"/>
+                <a:ea typeface="微软雅黑" panose="020B0503020204020204" pitchFamily="34" charset="-122"/>
+              </a:rPr>
+              <a:t>Order</a:t>
+            </a:r>
+            <a:endParaRPr lang="zh-CN" altLang="en-US" sz="1600" b="1">
+              <a:solidFill>
+                <a:schemeClr val="tx1"/>
+              </a:solidFill>
+              <a:latin typeface="微软雅黑" panose="020B0503020204020204" pitchFamily="34" charset="-122"/>
+              <a:ea typeface="微软雅黑" panose="020B0503020204020204" pitchFamily="34" charset="-122"/>
+            </a:endParaRPr>
+          </a:p>
+        </p:txBody>
+      </p:sp>
+      <p:sp>
+        <p:nvSpPr>
+          <p:cNvPr id="10" name="矩形: 圆角 9">
+            <a:extLst>
+              <a:ext uri="{FF2B5EF4-FFF2-40B4-BE49-F238E27FC236}">
+                <a16:creationId xmlns:a16="http://schemas.microsoft.com/office/drawing/2014/main" id="{998EFC57-75B4-4980-8D6F-DD8086068F7B}"/>
+              </a:ext>
+            </a:extLst>
+          </p:cNvPr>
+          <p:cNvSpPr/>
+          <p:nvPr/>
+        </p:nvSpPr>
+        <p:spPr>
+          <a:xfrm>
+            <a:off x="712380" y="1867411"/>
+            <a:ext cx="2180394" cy="1458950"/>
+          </a:xfrm>
+          <a:prstGeom prst="roundRect">
+            <a:avLst>
+              <a:gd name="adj" fmla="val 5494"/>
+            </a:avLst>
+          </a:prstGeom>
+          <a:noFill/>
+          <a:ln>
+            <a:solidFill>
+              <a:schemeClr val="tx2"/>
+            </a:solidFill>
+            <a:prstDash val="dash"/>
+          </a:ln>
+        </p:spPr>
+        <p:style>
+          <a:lnRef idx="2">
+            <a:schemeClr val="accent1">
+              <a:shade val="50000"/>
+            </a:schemeClr>
+          </a:lnRef>
+          <a:fillRef idx="1">
+            <a:schemeClr val="accent1"/>
+          </a:fillRef>
+          <a:effectRef idx="0">
+            <a:schemeClr val="accent1"/>
+          </a:effectRef>
+          <a:fontRef idx="minor">
+            <a:schemeClr val="lt1"/>
+          </a:fontRef>
+        </p:style>
+        <p:txBody>
+          <a:bodyPr rtlCol="0" anchor="b" anchorCtr="0"/>
+          <a:lstStyle/>
+          <a:p>
+            <a:endParaRPr lang="en-US" altLang="zh-CN" sz="1200" b="1">
+              <a:solidFill>
+                <a:schemeClr val="tx1"/>
+              </a:solidFill>
+              <a:latin typeface="微软雅黑" panose="020B0503020204020204" pitchFamily="34" charset="-122"/>
+              <a:ea typeface="微软雅黑" panose="020B0503020204020204" pitchFamily="34" charset="-122"/>
+            </a:endParaRPr>
+          </a:p>
+          <a:p>
+            <a:r>
+              <a:rPr lang="zh-CN" altLang="en-US" sz="1200" b="1">
+                <a:solidFill>
+                  <a:schemeClr val="tx1"/>
+                </a:solidFill>
+                <a:latin typeface="微软雅黑" panose="020B0503020204020204" pitchFamily="34" charset="-122"/>
+                <a:ea typeface="微软雅黑" panose="020B0503020204020204" pitchFamily="34" charset="-122"/>
+              </a:rPr>
+              <a:t>订单</a:t>
+            </a:r>
+            <a:r>
+              <a:rPr lang="en-US" altLang="zh-CN" sz="1200" b="1">
+                <a:solidFill>
+                  <a:schemeClr val="tx1"/>
+                </a:solidFill>
+                <a:latin typeface="微软雅黑" panose="020B0503020204020204" pitchFamily="34" charset="-122"/>
+                <a:ea typeface="微软雅黑" panose="020B0503020204020204" pitchFamily="34" charset="-122"/>
+              </a:rPr>
+              <a:t>id</a:t>
+            </a:r>
+          </a:p>
+          <a:p>
+            <a:r>
+              <a:rPr lang="zh-CN" altLang="en-US" sz="1200" b="1">
+                <a:solidFill>
+                  <a:schemeClr val="tx1"/>
+                </a:solidFill>
+                <a:latin typeface="微软雅黑" panose="020B0503020204020204" pitchFamily="34" charset="-122"/>
+                <a:ea typeface="微软雅黑" panose="020B0503020204020204" pitchFamily="34" charset="-122"/>
+              </a:rPr>
+              <a:t>抵押</a:t>
+            </a:r>
+            <a:r>
+              <a:rPr lang="en-US" altLang="zh-CN" sz="1200" b="1">
+                <a:solidFill>
+                  <a:schemeClr val="tx1"/>
+                </a:solidFill>
+                <a:latin typeface="微软雅黑" panose="020B0503020204020204" pitchFamily="34" charset="-122"/>
+                <a:ea typeface="微软雅黑" panose="020B0503020204020204" pitchFamily="34" charset="-122"/>
+              </a:rPr>
+              <a:t>id</a:t>
+            </a:r>
+          </a:p>
+          <a:p>
+            <a:r>
+              <a:rPr lang="zh-CN" altLang="en-US" sz="1200" b="1">
+                <a:solidFill>
+                  <a:schemeClr val="tx1"/>
+                </a:solidFill>
+                <a:latin typeface="微软雅黑" panose="020B0503020204020204" pitchFamily="34" charset="-122"/>
+                <a:ea typeface="微软雅黑" panose="020B0503020204020204" pitchFamily="34" charset="-122"/>
+              </a:rPr>
+              <a:t>买家</a:t>
+            </a:r>
+            <a:r>
+              <a:rPr lang="en-US" altLang="zh-CN" sz="1200" b="1">
+                <a:solidFill>
+                  <a:schemeClr val="tx1"/>
+                </a:solidFill>
+                <a:latin typeface="微软雅黑" panose="020B0503020204020204" pitchFamily="34" charset="-122"/>
+                <a:ea typeface="微软雅黑" panose="020B0503020204020204" pitchFamily="34" charset="-122"/>
+              </a:rPr>
+              <a:t>id</a:t>
+            </a:r>
+          </a:p>
+          <a:p>
+            <a:r>
+              <a:rPr lang="zh-CN" altLang="en-US" sz="1200" b="1">
+                <a:solidFill>
+                  <a:schemeClr val="tx1"/>
+                </a:solidFill>
+                <a:latin typeface="微软雅黑" panose="020B0503020204020204" pitchFamily="34" charset="-122"/>
+                <a:ea typeface="微软雅黑" panose="020B0503020204020204" pitchFamily="34" charset="-122"/>
+              </a:rPr>
+              <a:t>时间戳</a:t>
+            </a:r>
+            <a:endParaRPr lang="en-US" altLang="zh-CN" sz="1200" b="1">
+              <a:solidFill>
+                <a:schemeClr val="tx1"/>
+              </a:solidFill>
+              <a:latin typeface="微软雅黑" panose="020B0503020204020204" pitchFamily="34" charset="-122"/>
+              <a:ea typeface="微软雅黑" panose="020B0503020204020204" pitchFamily="34" charset="-122"/>
+            </a:endParaRPr>
+          </a:p>
+          <a:p>
+            <a:r>
+              <a:rPr lang="zh-CN" altLang="en-US" sz="1200" b="1">
+                <a:solidFill>
+                  <a:schemeClr val="tx1"/>
+                </a:solidFill>
+                <a:latin typeface="微软雅黑" panose="020B0503020204020204" pitchFamily="34" charset="-122"/>
+                <a:ea typeface="微软雅黑" panose="020B0503020204020204" pitchFamily="34" charset="-122"/>
+              </a:rPr>
+              <a:t>数量</a:t>
+            </a:r>
+            <a:endParaRPr lang="en-US" altLang="zh-CN" sz="1200" b="1">
+              <a:solidFill>
+                <a:schemeClr val="tx1"/>
+              </a:solidFill>
+              <a:latin typeface="微软雅黑" panose="020B0503020204020204" pitchFamily="34" charset="-122"/>
+              <a:ea typeface="微软雅黑" panose="020B0503020204020204" pitchFamily="34" charset="-122"/>
+            </a:endParaRPr>
+          </a:p>
+          <a:p>
+            <a:r>
+              <a:rPr lang="zh-CN" altLang="en-US" sz="1200" b="1">
+                <a:solidFill>
+                  <a:schemeClr val="tx1"/>
+                </a:solidFill>
+                <a:latin typeface="微软雅黑" panose="020B0503020204020204" pitchFamily="34" charset="-122"/>
+                <a:ea typeface="微软雅黑" panose="020B0503020204020204" pitchFamily="34" charset="-122"/>
+              </a:rPr>
+              <a:t>单价</a:t>
+            </a:r>
+            <a:endParaRPr lang="en-US" altLang="zh-CN" sz="1200" b="1">
+              <a:solidFill>
+                <a:schemeClr val="tx1"/>
+              </a:solidFill>
+              <a:latin typeface="微软雅黑" panose="020B0503020204020204" pitchFamily="34" charset="-122"/>
+              <a:ea typeface="微软雅黑" panose="020B0503020204020204" pitchFamily="34" charset="-122"/>
+            </a:endParaRPr>
+          </a:p>
+          <a:p>
+            <a:r>
+              <a:rPr lang="zh-CN" altLang="en-US" sz="1200" b="1">
+                <a:solidFill>
+                  <a:schemeClr val="tx1"/>
+                </a:solidFill>
+                <a:latin typeface="微软雅黑" panose="020B0503020204020204" pitchFamily="34" charset="-122"/>
+                <a:ea typeface="微软雅黑" panose="020B0503020204020204" pitchFamily="34" charset="-122"/>
+              </a:rPr>
+              <a:t>状态</a:t>
+            </a:r>
+            <a:r>
+              <a:rPr lang="en-US" altLang="zh-CN" sz="1200" b="1">
+                <a:solidFill>
+                  <a:schemeClr val="tx1"/>
+                </a:solidFill>
+                <a:latin typeface="微软雅黑" panose="020B0503020204020204" pitchFamily="34" charset="-122"/>
+                <a:ea typeface="微软雅黑" panose="020B0503020204020204" pitchFamily="34" charset="-122"/>
+              </a:rPr>
+              <a:t>[1</a:t>
+            </a:r>
+            <a:r>
+              <a:rPr lang="zh-CN" altLang="en-US" sz="1200" b="1">
+                <a:solidFill>
+                  <a:schemeClr val="tx1"/>
+                </a:solidFill>
+                <a:latin typeface="微软雅黑" panose="020B0503020204020204" pitchFamily="34" charset="-122"/>
+                <a:ea typeface="微软雅黑" panose="020B0503020204020204" pitchFamily="34" charset="-122"/>
+              </a:rPr>
+              <a:t>发起</a:t>
+            </a:r>
+            <a:r>
+              <a:rPr lang="en-US" altLang="zh-CN" sz="1200" b="1">
+                <a:solidFill>
+                  <a:schemeClr val="tx1"/>
+                </a:solidFill>
+                <a:latin typeface="微软雅黑" panose="020B0503020204020204" pitchFamily="34" charset="-122"/>
+                <a:ea typeface="微软雅黑" panose="020B0503020204020204" pitchFamily="34" charset="-122"/>
+              </a:rPr>
+              <a:t>,2</a:t>
+            </a:r>
+            <a:r>
+              <a:rPr lang="zh-CN" altLang="en-US" sz="1200" b="1">
+                <a:solidFill>
+                  <a:schemeClr val="tx1"/>
+                </a:solidFill>
+                <a:latin typeface="微软雅黑" panose="020B0503020204020204" pitchFamily="34" charset="-122"/>
+                <a:ea typeface="微软雅黑" panose="020B0503020204020204" pitchFamily="34" charset="-122"/>
+              </a:rPr>
+              <a:t>确认</a:t>
+            </a:r>
+            <a:r>
+              <a:rPr lang="en-US" altLang="zh-CN" sz="1200" b="1">
+                <a:solidFill>
+                  <a:schemeClr val="tx1"/>
+                </a:solidFill>
+                <a:latin typeface="微软雅黑" panose="020B0503020204020204" pitchFamily="34" charset="-122"/>
+                <a:ea typeface="微软雅黑" panose="020B0503020204020204" pitchFamily="34" charset="-122"/>
+              </a:rPr>
+              <a:t>]</a:t>
+            </a:r>
+          </a:p>
+        </p:txBody>
+      </p:sp>
+    </p:spTree>
+    <p:extLst>
+      <p:ext uri="{BB962C8B-B14F-4D97-AF65-F5344CB8AC3E}">
+        <p14:creationId xmlns:p14="http://schemas.microsoft.com/office/powerpoint/2010/main" val="2177246343"/>
+      </p:ext>
+    </p:extLst>
+  </p:cSld>
+  <p:clrMapOvr>
+    <a:masterClrMapping/>
+  </p:clrMapOvr>
+</p:sld>
+</file>
+
+<file path=ppt/slides/slide5.xml><?xml version="1.0" encoding="utf-8"?>
+<p:sld xmlns:a="http://schemas.openxmlformats.org/drawingml/2006/main" xmlns:r="http://schemas.openxmlformats.org/officeDocument/2006/relationships" xmlns:p="http://schemas.openxmlformats.org/presentationml/2006/main">
+  <p:cSld>
+    <p:spTree>
+      <p:nvGrpSpPr>
+        <p:cNvPr id="1" name=""/>
+        <p:cNvGrpSpPr/>
+        <p:nvPr/>
+      </p:nvGrpSpPr>
+      <p:grpSpPr>
+        <a:xfrm>
+          <a:off x="0" y="0"/>
+          <a:ext cx="0" cy="0"/>
+          <a:chOff x="0" y="0"/>
+          <a:chExt cx="0" cy="0"/>
+        </a:xfrm>
+      </p:grpSpPr>
+      <p:cxnSp>
+        <p:nvCxnSpPr>
+          <p:cNvPr id="239" name="直接连接符 238">
+            <a:extLst>
+              <a:ext uri="{FF2B5EF4-FFF2-40B4-BE49-F238E27FC236}">
+                <a16:creationId xmlns:a16="http://schemas.microsoft.com/office/drawing/2014/main" id="{05CC9636-A076-48A7-9A94-4E0212BA0C59}"/>
+              </a:ext>
+            </a:extLst>
+          </p:cNvPr>
+          <p:cNvCxnSpPr>
+            <a:cxnSpLocks/>
+          </p:cNvCxnSpPr>
+          <p:nvPr/>
+        </p:nvCxnSpPr>
+        <p:spPr>
+          <a:xfrm flipH="1">
+            <a:off x="433388" y="866051"/>
+            <a:ext cx="11325225" cy="1"/>
+          </a:xfrm>
+          <a:prstGeom prst="line">
+            <a:avLst/>
+          </a:prstGeom>
+          <a:ln w="19050">
+            <a:solidFill>
+              <a:srgbClr val="00576E"/>
+            </a:solidFill>
+          </a:ln>
+          <a:effectLst>
+            <a:outerShdw blurRad="50800" dist="12700" dir="5400000" algn="t" rotWithShape="0">
+              <a:prstClr val="black">
+                <a:alpha val="40000"/>
+              </a:prstClr>
+            </a:outerShdw>
+          </a:effectLst>
+        </p:spPr>
+        <p:style>
+          <a:lnRef idx="2">
+            <a:schemeClr val="accent1"/>
+          </a:lnRef>
+          <a:fillRef idx="0">
+            <a:schemeClr val="accent1"/>
+          </a:fillRef>
+          <a:effectRef idx="1">
+            <a:schemeClr val="accent1"/>
+          </a:effectRef>
+          <a:fontRef idx="minor">
+            <a:schemeClr val="tx1"/>
+          </a:fontRef>
+        </p:style>
+      </p:cxnSp>
+      <p:sp>
+        <p:nvSpPr>
+          <p:cNvPr id="240" name="矩形 239">
+            <a:extLst>
+              <a:ext uri="{FF2B5EF4-FFF2-40B4-BE49-F238E27FC236}">
+                <a16:creationId xmlns:a16="http://schemas.microsoft.com/office/drawing/2014/main" id="{CE6D800A-2E58-40A9-AF4D-2C92406102BA}"/>
+              </a:ext>
+            </a:extLst>
+          </p:cNvPr>
+          <p:cNvSpPr/>
+          <p:nvPr/>
+        </p:nvSpPr>
+        <p:spPr>
+          <a:xfrm>
+            <a:off x="471489" y="209549"/>
+            <a:ext cx="119062" cy="513626"/>
+          </a:xfrm>
+          <a:prstGeom prst="rect">
+            <a:avLst/>
+          </a:prstGeom>
+          <a:solidFill>
+            <a:srgbClr val="00576E"/>
+          </a:solidFill>
+        </p:spPr>
+        <p:style>
+          <a:lnRef idx="2">
+            <a:schemeClr val="accent1">
+              <a:shade val="50000"/>
+            </a:schemeClr>
+          </a:lnRef>
+          <a:fillRef idx="1">
+            <a:schemeClr val="accent1"/>
+          </a:fillRef>
+          <a:effectRef idx="0">
+            <a:schemeClr val="accent1"/>
+          </a:effectRef>
+          <a:fontRef idx="minor">
+            <a:schemeClr val="lt1"/>
+          </a:fontRef>
+        </p:style>
+        <p:txBody>
+          <a:bodyPr rtlCol="0" anchor="ctr"/>
+          <a:lstStyle/>
+          <a:p>
+            <a:pPr algn="ctr"/>
+            <a:endParaRPr lang="zh-CN" altLang="en-US">
+              <a:latin typeface="Consolas" panose="020B0609020204030204" pitchFamily="49" charset="0"/>
+            </a:endParaRPr>
+          </a:p>
+        </p:txBody>
+      </p:sp>
+      <p:sp>
+        <p:nvSpPr>
+          <p:cNvPr id="241" name="文本框 240">
+            <a:extLst>
+              <a:ext uri="{FF2B5EF4-FFF2-40B4-BE49-F238E27FC236}">
+                <a16:creationId xmlns:a16="http://schemas.microsoft.com/office/drawing/2014/main" id="{90ABBAE7-6707-4A6F-819E-32C1CFD4250B}"/>
+              </a:ext>
+            </a:extLst>
+          </p:cNvPr>
+          <p:cNvSpPr txBox="1"/>
+          <p:nvPr/>
+        </p:nvSpPr>
+        <p:spPr>
+          <a:xfrm>
+            <a:off x="712379" y="173975"/>
+            <a:ext cx="1826141" cy="584775"/>
+          </a:xfrm>
+          <a:prstGeom prst="rect">
+            <a:avLst/>
+          </a:prstGeom>
+          <a:noFill/>
+        </p:spPr>
+        <p:txBody>
+          <a:bodyPr wrap="none" rtlCol="0">
+            <a:spAutoFit/>
+          </a:bodyPr>
+          <a:lstStyle/>
+          <a:p>
+            <a:r>
+              <a:rPr lang="zh-CN" altLang="en-US" sz="3200" b="1">
+                <a:latin typeface="Consolas" panose="020B0609020204030204" pitchFamily="49" charset="0"/>
+                <a:ea typeface="微软雅黑" panose="020B0503020204020204" pitchFamily="34" charset="-122"/>
+              </a:rPr>
+              <a:t>卖家抵押</a:t>
+            </a:r>
+          </a:p>
+        </p:txBody>
+      </p:sp>
+      <p:sp>
+        <p:nvSpPr>
+          <p:cNvPr id="61" name="矩形: 圆角 60">
+            <a:extLst>
+              <a:ext uri="{FF2B5EF4-FFF2-40B4-BE49-F238E27FC236}">
+                <a16:creationId xmlns:a16="http://schemas.microsoft.com/office/drawing/2014/main" id="{E3777F73-EAAB-43DE-8A90-6B6D895B1B1F}"/>
+              </a:ext>
+            </a:extLst>
+          </p:cNvPr>
+          <p:cNvSpPr/>
+          <p:nvPr/>
+        </p:nvSpPr>
+        <p:spPr>
+          <a:xfrm>
+            <a:off x="804989" y="1693481"/>
             <a:ext cx="1080000" cy="432000"/>
           </a:xfrm>
           <a:prstGeom prst="roundRect">
@@ -5257,7 +5919,7 @@
         </p:nvSpPr>
         <p:spPr>
           <a:xfrm>
-            <a:off x="3277932" y="1202926"/>
+            <a:off x="3277932" y="1585481"/>
             <a:ext cx="1512000" cy="648000"/>
           </a:xfrm>
           <a:prstGeom prst="roundRect">
@@ -5351,7 +6013,7 @@
         </p:nvCxnSpPr>
         <p:spPr>
           <a:xfrm>
-            <a:off x="4789932" y="1526926"/>
+            <a:off x="4789932" y="1909481"/>
             <a:ext cx="1392943" cy="0"/>
           </a:xfrm>
           <a:prstGeom prst="straightConnector1">
@@ -5393,7 +6055,7 @@
         </p:nvSpPr>
         <p:spPr>
           <a:xfrm>
-            <a:off x="6182875" y="1238926"/>
+            <a:off x="6182875" y="1621481"/>
             <a:ext cx="1620000" cy="576000"/>
           </a:xfrm>
           <a:prstGeom prst="roundRect">
@@ -5460,7 +6122,7 @@
         </p:nvCxnSpPr>
         <p:spPr>
           <a:xfrm>
-            <a:off x="1884989" y="1526926"/>
+            <a:off x="1884989" y="1909481"/>
             <a:ext cx="1392943" cy="0"/>
           </a:xfrm>
           <a:prstGeom prst="straightConnector1">
@@ -5488,840 +6150,6 @@
           </a:fontRef>
         </p:style>
       </p:cxnSp>
-      <p:sp>
-        <p:nvSpPr>
-          <p:cNvPr id="49" name="矩形: 圆角 48">
-            <a:extLst>
-              <a:ext uri="{FF2B5EF4-FFF2-40B4-BE49-F238E27FC236}">
-                <a16:creationId xmlns:a16="http://schemas.microsoft.com/office/drawing/2014/main" id="{412BE305-D42D-4A74-94DC-D1DE6FBE1C09}"/>
-              </a:ext>
-            </a:extLst>
-          </p:cNvPr>
-          <p:cNvSpPr/>
-          <p:nvPr/>
-        </p:nvSpPr>
-        <p:spPr>
-          <a:xfrm>
-            <a:off x="804989" y="3105495"/>
-            <a:ext cx="1080000" cy="432000"/>
-          </a:xfrm>
-          <a:prstGeom prst="roundRect">
-            <a:avLst/>
-          </a:prstGeom>
-          <a:solidFill>
-            <a:srgbClr val="00B0F0"/>
-          </a:solidFill>
-          <a:ln>
-            <a:solidFill>
-              <a:schemeClr val="tx1"/>
-            </a:solidFill>
-          </a:ln>
-        </p:spPr>
-        <p:style>
-          <a:lnRef idx="2">
-            <a:schemeClr val="accent1">
-              <a:shade val="50000"/>
-            </a:schemeClr>
-          </a:lnRef>
-          <a:fillRef idx="1">
-            <a:schemeClr val="accent1"/>
-          </a:fillRef>
-          <a:effectRef idx="0">
-            <a:schemeClr val="accent1"/>
-          </a:effectRef>
-          <a:fontRef idx="minor">
-            <a:schemeClr val="lt1"/>
-          </a:fontRef>
-        </p:style>
-        <p:txBody>
-          <a:bodyPr wrap="none" lIns="36000" tIns="36000" rIns="36000" bIns="36000" rtlCol="0" anchor="ctr" anchorCtr="0"/>
-          <a:lstStyle/>
-          <a:p>
-            <a:pPr algn="ctr"/>
-            <a:r>
-              <a:rPr lang="zh-CN" altLang="en-US" sz="1600" b="1">
-                <a:solidFill>
-                  <a:schemeClr val="tx1"/>
-                </a:solidFill>
-                <a:latin typeface="微软雅黑" panose="020B0503020204020204" pitchFamily="34" charset="-122"/>
-                <a:ea typeface="微软雅黑" panose="020B0503020204020204" pitchFamily="34" charset="-122"/>
-              </a:rPr>
-              <a:t>买单用户</a:t>
-            </a:r>
-          </a:p>
-        </p:txBody>
-      </p:sp>
-      <p:cxnSp>
-        <p:nvCxnSpPr>
-          <p:cNvPr id="51" name="直接箭头连接符 50">
-            <a:extLst>
-              <a:ext uri="{FF2B5EF4-FFF2-40B4-BE49-F238E27FC236}">
-                <a16:creationId xmlns:a16="http://schemas.microsoft.com/office/drawing/2014/main" id="{B26E3E05-7D02-4551-9073-5CBF0CA8489A}"/>
-              </a:ext>
-            </a:extLst>
-          </p:cNvPr>
-          <p:cNvCxnSpPr>
-            <a:cxnSpLocks/>
-            <a:stCxn id="34" idx="3"/>
-            <a:endCxn id="55" idx="1"/>
-          </p:cNvCxnSpPr>
-          <p:nvPr/>
-        </p:nvCxnSpPr>
-        <p:spPr>
-          <a:xfrm>
-            <a:off x="6875867" y="3321495"/>
-            <a:ext cx="929439" cy="0"/>
-          </a:xfrm>
-          <a:prstGeom prst="straightConnector1">
-            <a:avLst/>
-          </a:prstGeom>
-          <a:ln w="31750">
-            <a:solidFill>
-              <a:schemeClr val="tx1"/>
-            </a:solidFill>
-            <a:tailEnd type="triangle"/>
-          </a:ln>
-        </p:spPr>
-        <p:style>
-          <a:lnRef idx="1">
-            <a:schemeClr val="accent1"/>
-          </a:lnRef>
-          <a:fillRef idx="0">
-            <a:schemeClr val="accent1"/>
-          </a:fillRef>
-          <a:effectRef idx="0">
-            <a:schemeClr val="accent1"/>
-          </a:effectRef>
-          <a:fontRef idx="minor">
-            <a:schemeClr val="tx1"/>
-          </a:fontRef>
-        </p:style>
-      </p:cxnSp>
-      <p:sp>
-        <p:nvSpPr>
-          <p:cNvPr id="52" name="矩形: 圆角 51">
-            <a:extLst>
-              <a:ext uri="{FF2B5EF4-FFF2-40B4-BE49-F238E27FC236}">
-                <a16:creationId xmlns:a16="http://schemas.microsoft.com/office/drawing/2014/main" id="{47091E74-4263-45AC-96A0-F48249A1428D}"/>
-              </a:ext>
-            </a:extLst>
-          </p:cNvPr>
-          <p:cNvSpPr/>
-          <p:nvPr/>
-        </p:nvSpPr>
-        <p:spPr>
-          <a:xfrm>
-            <a:off x="2814428" y="3033495"/>
-            <a:ext cx="1620000" cy="576000"/>
-          </a:xfrm>
-          <a:prstGeom prst="roundRect">
-            <a:avLst/>
-          </a:prstGeom>
-          <a:solidFill>
-            <a:schemeClr val="bg1"/>
-          </a:solidFill>
-          <a:ln>
-            <a:solidFill>
-              <a:schemeClr val="tx1"/>
-            </a:solidFill>
-          </a:ln>
-        </p:spPr>
-        <p:style>
-          <a:lnRef idx="2">
-            <a:schemeClr val="accent1">
-              <a:shade val="50000"/>
-            </a:schemeClr>
-          </a:lnRef>
-          <a:fillRef idx="1">
-            <a:schemeClr val="accent1"/>
-          </a:fillRef>
-          <a:effectRef idx="0">
-            <a:schemeClr val="accent1"/>
-          </a:effectRef>
-          <a:fontRef idx="minor">
-            <a:schemeClr val="lt1"/>
-          </a:fontRef>
-        </p:style>
-        <p:txBody>
-          <a:bodyPr wrap="none" lIns="36000" tIns="36000" rIns="36000" bIns="36000" rtlCol="0" anchor="ctr" anchorCtr="0"/>
-          <a:lstStyle/>
-          <a:p>
-            <a:pPr algn="ctr"/>
-            <a:r>
-              <a:rPr lang="zh-CN" altLang="en-US" sz="1600" b="1">
-                <a:solidFill>
-                  <a:schemeClr val="tx1"/>
-                </a:solidFill>
-                <a:latin typeface="微软雅黑" panose="020B0503020204020204" pitchFamily="34" charset="-122"/>
-                <a:ea typeface="微软雅黑" panose="020B0503020204020204" pitchFamily="34" charset="-122"/>
-              </a:rPr>
-              <a:t>场外支付</a:t>
-            </a:r>
-          </a:p>
-        </p:txBody>
-      </p:sp>
-      <p:cxnSp>
-        <p:nvCxnSpPr>
-          <p:cNvPr id="53" name="直接箭头连接符 52">
-            <a:extLst>
-              <a:ext uri="{FF2B5EF4-FFF2-40B4-BE49-F238E27FC236}">
-                <a16:creationId xmlns:a16="http://schemas.microsoft.com/office/drawing/2014/main" id="{34743039-6C7C-4A83-9F14-70E4F511ACFC}"/>
-              </a:ext>
-            </a:extLst>
-          </p:cNvPr>
-          <p:cNvCxnSpPr>
-            <a:cxnSpLocks/>
-            <a:stCxn id="49" idx="3"/>
-            <a:endCxn id="52" idx="1"/>
-          </p:cNvCxnSpPr>
-          <p:nvPr/>
-        </p:nvCxnSpPr>
-        <p:spPr>
-          <a:xfrm>
-            <a:off x="1884989" y="3321495"/>
-            <a:ext cx="929439" cy="0"/>
-          </a:xfrm>
-          <a:prstGeom prst="straightConnector1">
-            <a:avLst/>
-          </a:prstGeom>
-          <a:ln w="31750">
-            <a:solidFill>
-              <a:schemeClr val="tx1"/>
-            </a:solidFill>
-            <a:tailEnd type="triangle"/>
-          </a:ln>
-        </p:spPr>
-        <p:style>
-          <a:lnRef idx="1">
-            <a:schemeClr val="accent1"/>
-          </a:lnRef>
-          <a:fillRef idx="0">
-            <a:schemeClr val="accent1"/>
-          </a:fillRef>
-          <a:effectRef idx="0">
-            <a:schemeClr val="accent1"/>
-          </a:effectRef>
-          <a:fontRef idx="minor">
-            <a:schemeClr val="tx1"/>
-          </a:fontRef>
-        </p:style>
-      </p:cxnSp>
-      <p:sp>
-        <p:nvSpPr>
-          <p:cNvPr id="55" name="矩形: 圆角 54">
-            <a:extLst>
-              <a:ext uri="{FF2B5EF4-FFF2-40B4-BE49-F238E27FC236}">
-                <a16:creationId xmlns:a16="http://schemas.microsoft.com/office/drawing/2014/main" id="{51E46C4A-7DFB-40C1-B3C2-2F680522A617}"/>
-              </a:ext>
-            </a:extLst>
-          </p:cNvPr>
-          <p:cNvSpPr/>
-          <p:nvPr/>
-        </p:nvSpPr>
-        <p:spPr>
-          <a:xfrm>
-            <a:off x="7805306" y="3105495"/>
-            <a:ext cx="1080000" cy="432000"/>
-          </a:xfrm>
-          <a:prstGeom prst="roundRect">
-            <a:avLst/>
-          </a:prstGeom>
-          <a:solidFill>
-            <a:srgbClr val="00B0F0"/>
-          </a:solidFill>
-          <a:ln>
-            <a:solidFill>
-              <a:schemeClr val="tx1"/>
-            </a:solidFill>
-          </a:ln>
-        </p:spPr>
-        <p:style>
-          <a:lnRef idx="2">
-            <a:schemeClr val="accent1">
-              <a:shade val="50000"/>
-            </a:schemeClr>
-          </a:lnRef>
-          <a:fillRef idx="1">
-            <a:schemeClr val="accent1"/>
-          </a:fillRef>
-          <a:effectRef idx="0">
-            <a:schemeClr val="accent1"/>
-          </a:effectRef>
-          <a:fontRef idx="minor">
-            <a:schemeClr val="lt1"/>
-          </a:fontRef>
-        </p:style>
-        <p:txBody>
-          <a:bodyPr wrap="none" lIns="36000" tIns="36000" rIns="36000" bIns="36000" rtlCol="0" anchor="ctr" anchorCtr="0"/>
-          <a:lstStyle/>
-          <a:p>
-            <a:pPr algn="ctr"/>
-            <a:r>
-              <a:rPr lang="zh-CN" altLang="en-US" sz="1600" b="1">
-                <a:solidFill>
-                  <a:schemeClr val="tx1"/>
-                </a:solidFill>
-                <a:latin typeface="微软雅黑" panose="020B0503020204020204" pitchFamily="34" charset="-122"/>
-                <a:ea typeface="微软雅黑" panose="020B0503020204020204" pitchFamily="34" charset="-122"/>
-              </a:rPr>
-              <a:t>卖单用户</a:t>
-            </a:r>
-          </a:p>
-        </p:txBody>
-      </p:sp>
-      <p:sp>
-        <p:nvSpPr>
-          <p:cNvPr id="57" name="矩形: 圆角 56">
-            <a:extLst>
-              <a:ext uri="{FF2B5EF4-FFF2-40B4-BE49-F238E27FC236}">
-                <a16:creationId xmlns:a16="http://schemas.microsoft.com/office/drawing/2014/main" id="{65E9B693-9316-4E9F-82F7-2796C6B9FCD2}"/>
-              </a:ext>
-            </a:extLst>
-          </p:cNvPr>
-          <p:cNvSpPr/>
-          <p:nvPr/>
-        </p:nvSpPr>
-        <p:spPr>
-          <a:xfrm>
-            <a:off x="804989" y="5265336"/>
-            <a:ext cx="1080000" cy="432000"/>
-          </a:xfrm>
-          <a:prstGeom prst="roundRect">
-            <a:avLst/>
-          </a:prstGeom>
-          <a:solidFill>
-            <a:srgbClr val="00B0F0"/>
-          </a:solidFill>
-          <a:ln>
-            <a:solidFill>
-              <a:schemeClr val="tx1"/>
-            </a:solidFill>
-          </a:ln>
-        </p:spPr>
-        <p:style>
-          <a:lnRef idx="2">
-            <a:schemeClr val="accent1">
-              <a:shade val="50000"/>
-            </a:schemeClr>
-          </a:lnRef>
-          <a:fillRef idx="1">
-            <a:schemeClr val="accent1"/>
-          </a:fillRef>
-          <a:effectRef idx="0">
-            <a:schemeClr val="accent1"/>
-          </a:effectRef>
-          <a:fontRef idx="minor">
-            <a:schemeClr val="lt1"/>
-          </a:fontRef>
-        </p:style>
-        <p:txBody>
-          <a:bodyPr wrap="none" lIns="36000" tIns="36000" rIns="36000" bIns="36000" rtlCol="0" anchor="ctr" anchorCtr="0"/>
-          <a:lstStyle/>
-          <a:p>
-            <a:pPr algn="ctr"/>
-            <a:r>
-              <a:rPr lang="zh-CN" altLang="en-US" sz="1600" b="1">
-                <a:solidFill>
-                  <a:schemeClr val="tx1"/>
-                </a:solidFill>
-                <a:latin typeface="微软雅黑" panose="020B0503020204020204" pitchFamily="34" charset="-122"/>
-                <a:ea typeface="微软雅黑" panose="020B0503020204020204" pitchFamily="34" charset="-122"/>
-              </a:rPr>
-              <a:t>卖单用户</a:t>
-            </a:r>
-          </a:p>
-        </p:txBody>
-      </p:sp>
-      <p:sp>
-        <p:nvSpPr>
-          <p:cNvPr id="58" name="矩形: 圆角 57">
-            <a:extLst>
-              <a:ext uri="{FF2B5EF4-FFF2-40B4-BE49-F238E27FC236}">
-                <a16:creationId xmlns:a16="http://schemas.microsoft.com/office/drawing/2014/main" id="{1A415BD8-5740-4984-A8EF-0B45AE86E344}"/>
-              </a:ext>
-            </a:extLst>
-          </p:cNvPr>
-          <p:cNvSpPr/>
-          <p:nvPr/>
-        </p:nvSpPr>
-        <p:spPr>
-          <a:xfrm>
-            <a:off x="2814428" y="5157336"/>
-            <a:ext cx="1512000" cy="648000"/>
-          </a:xfrm>
-          <a:prstGeom prst="roundRect">
-            <a:avLst/>
-          </a:prstGeom>
-          <a:solidFill>
-            <a:srgbClr val="00B050"/>
-          </a:solidFill>
-          <a:ln>
-            <a:solidFill>
-              <a:schemeClr val="tx1"/>
-            </a:solidFill>
-          </a:ln>
-        </p:spPr>
-        <p:style>
-          <a:lnRef idx="2">
-            <a:schemeClr val="accent1">
-              <a:shade val="50000"/>
-            </a:schemeClr>
-          </a:lnRef>
-          <a:fillRef idx="1">
-            <a:schemeClr val="accent1"/>
-          </a:fillRef>
-          <a:effectRef idx="0">
-            <a:schemeClr val="accent1"/>
-          </a:effectRef>
-          <a:fontRef idx="minor">
-            <a:schemeClr val="lt1"/>
-          </a:fontRef>
-        </p:style>
-        <p:txBody>
-          <a:bodyPr wrap="none" lIns="36000" tIns="36000" rIns="36000" bIns="36000" rtlCol="0" anchor="ctr" anchorCtr="0"/>
-          <a:lstStyle/>
-          <a:p>
-            <a:pPr algn="ctr"/>
-            <a:r>
-              <a:rPr lang="zh-CN" altLang="en-US" sz="1600" b="1">
-                <a:solidFill>
-                  <a:schemeClr val="tx1"/>
-                </a:solidFill>
-                <a:latin typeface="微软雅黑" panose="020B0503020204020204" pitchFamily="34" charset="-122"/>
-                <a:ea typeface="微软雅黑" panose="020B0503020204020204" pitchFamily="34" charset="-122"/>
-              </a:rPr>
-              <a:t>确认收款</a:t>
-            </a:r>
-            <a:endParaRPr lang="en-US" altLang="zh-CN" sz="1600" b="1">
-              <a:solidFill>
-                <a:schemeClr val="tx1"/>
-              </a:solidFill>
-              <a:latin typeface="微软雅黑" panose="020B0503020204020204" pitchFamily="34" charset="-122"/>
-              <a:ea typeface="微软雅黑" panose="020B0503020204020204" pitchFamily="34" charset="-122"/>
-            </a:endParaRPr>
-          </a:p>
-          <a:p>
-            <a:pPr algn="ctr"/>
-            <a:r>
-              <a:rPr lang="en-US" altLang="zh-CN" sz="1600" b="1">
-                <a:solidFill>
-                  <a:schemeClr val="tx1"/>
-                </a:solidFill>
-                <a:latin typeface="微软雅黑" panose="020B0503020204020204" pitchFamily="34" charset="-122"/>
-                <a:ea typeface="微软雅黑" panose="020B0503020204020204" pitchFamily="34" charset="-122"/>
-              </a:rPr>
-              <a:t>confirm</a:t>
-            </a:r>
-            <a:endParaRPr lang="zh-CN" altLang="en-US" sz="1600" b="1">
-              <a:solidFill>
-                <a:schemeClr val="tx1"/>
-              </a:solidFill>
-              <a:latin typeface="微软雅黑" panose="020B0503020204020204" pitchFamily="34" charset="-122"/>
-              <a:ea typeface="微软雅黑" panose="020B0503020204020204" pitchFamily="34" charset="-122"/>
-            </a:endParaRPr>
-          </a:p>
-        </p:txBody>
-      </p:sp>
-      <p:cxnSp>
-        <p:nvCxnSpPr>
-          <p:cNvPr id="59" name="直接箭头连接符 58">
-            <a:extLst>
-              <a:ext uri="{FF2B5EF4-FFF2-40B4-BE49-F238E27FC236}">
-                <a16:creationId xmlns:a16="http://schemas.microsoft.com/office/drawing/2014/main" id="{E8CE606D-E7F8-4193-A90B-32217CC6FE96}"/>
-              </a:ext>
-            </a:extLst>
-          </p:cNvPr>
-          <p:cNvCxnSpPr>
-            <a:cxnSpLocks/>
-            <a:stCxn id="58" idx="3"/>
-            <a:endCxn id="60" idx="1"/>
-          </p:cNvCxnSpPr>
-          <p:nvPr/>
-        </p:nvCxnSpPr>
-        <p:spPr>
-          <a:xfrm>
-            <a:off x="4326428" y="5481336"/>
-            <a:ext cx="929439" cy="0"/>
-          </a:xfrm>
-          <a:prstGeom prst="straightConnector1">
-            <a:avLst/>
-          </a:prstGeom>
-          <a:ln w="31750">
-            <a:solidFill>
-              <a:schemeClr val="tx1"/>
-            </a:solidFill>
-            <a:tailEnd type="triangle"/>
-          </a:ln>
-        </p:spPr>
-        <p:style>
-          <a:lnRef idx="1">
-            <a:schemeClr val="accent1"/>
-          </a:lnRef>
-          <a:fillRef idx="0">
-            <a:schemeClr val="accent1"/>
-          </a:fillRef>
-          <a:effectRef idx="0">
-            <a:schemeClr val="accent1"/>
-          </a:effectRef>
-          <a:fontRef idx="minor">
-            <a:schemeClr val="tx1"/>
-          </a:fontRef>
-        </p:style>
-      </p:cxnSp>
-      <p:sp>
-        <p:nvSpPr>
-          <p:cNvPr id="60" name="矩形: 圆角 59">
-            <a:extLst>
-              <a:ext uri="{FF2B5EF4-FFF2-40B4-BE49-F238E27FC236}">
-                <a16:creationId xmlns:a16="http://schemas.microsoft.com/office/drawing/2014/main" id="{439E5E02-6BA2-41DE-AC3B-ECEDEFD1F385}"/>
-              </a:ext>
-            </a:extLst>
-          </p:cNvPr>
-          <p:cNvSpPr/>
-          <p:nvPr/>
-        </p:nvSpPr>
-        <p:spPr>
-          <a:xfrm>
-            <a:off x="5255867" y="5193336"/>
-            <a:ext cx="1620000" cy="576000"/>
-          </a:xfrm>
-          <a:prstGeom prst="roundRect">
-            <a:avLst/>
-          </a:prstGeom>
-          <a:solidFill>
-            <a:schemeClr val="bg1"/>
-          </a:solidFill>
-          <a:ln>
-            <a:solidFill>
-              <a:schemeClr val="tx1"/>
-            </a:solidFill>
-          </a:ln>
-        </p:spPr>
-        <p:style>
-          <a:lnRef idx="2">
-            <a:schemeClr val="accent1">
-              <a:shade val="50000"/>
-            </a:schemeClr>
-          </a:lnRef>
-          <a:fillRef idx="1">
-            <a:schemeClr val="accent1"/>
-          </a:fillRef>
-          <a:effectRef idx="0">
-            <a:schemeClr val="accent1"/>
-          </a:effectRef>
-          <a:fontRef idx="minor">
-            <a:schemeClr val="lt1"/>
-          </a:fontRef>
-        </p:style>
-        <p:txBody>
-          <a:bodyPr wrap="none" lIns="36000" tIns="36000" rIns="36000" bIns="36000" rtlCol="0" anchor="ctr" anchorCtr="0"/>
-          <a:lstStyle/>
-          <a:p>
-            <a:pPr algn="ctr"/>
-            <a:r>
-              <a:rPr lang="zh-CN" altLang="en-US" sz="1600" b="1">
-                <a:solidFill>
-                  <a:schemeClr val="tx1"/>
-                </a:solidFill>
-                <a:latin typeface="微软雅黑" panose="020B0503020204020204" pitchFamily="34" charset="-122"/>
-                <a:ea typeface="微软雅黑" panose="020B0503020204020204" pitchFamily="34" charset="-122"/>
-              </a:rPr>
-              <a:t>合约账户转账</a:t>
-            </a:r>
-          </a:p>
-        </p:txBody>
-      </p:sp>
-      <p:cxnSp>
-        <p:nvCxnSpPr>
-          <p:cNvPr id="62" name="直接箭头连接符 61">
-            <a:extLst>
-              <a:ext uri="{FF2B5EF4-FFF2-40B4-BE49-F238E27FC236}">
-                <a16:creationId xmlns:a16="http://schemas.microsoft.com/office/drawing/2014/main" id="{5E333993-C0A6-4C5E-86E9-7F2027329CE7}"/>
-              </a:ext>
-            </a:extLst>
-          </p:cNvPr>
-          <p:cNvCxnSpPr>
-            <a:cxnSpLocks/>
-            <a:stCxn id="57" idx="3"/>
-            <a:endCxn id="58" idx="1"/>
-          </p:cNvCxnSpPr>
-          <p:nvPr/>
-        </p:nvCxnSpPr>
-        <p:spPr>
-          <a:xfrm>
-            <a:off x="1884989" y="5481336"/>
-            <a:ext cx="929439" cy="0"/>
-          </a:xfrm>
-          <a:prstGeom prst="straightConnector1">
-            <a:avLst/>
-          </a:prstGeom>
-          <a:ln w="31750">
-            <a:solidFill>
-              <a:schemeClr val="tx1"/>
-            </a:solidFill>
-            <a:tailEnd type="triangle"/>
-          </a:ln>
-        </p:spPr>
-        <p:style>
-          <a:lnRef idx="1">
-            <a:schemeClr val="accent1"/>
-          </a:lnRef>
-          <a:fillRef idx="0">
-            <a:schemeClr val="accent1"/>
-          </a:fillRef>
-          <a:effectRef idx="0">
-            <a:schemeClr val="accent1"/>
-          </a:effectRef>
-          <a:fontRef idx="minor">
-            <a:schemeClr val="tx1"/>
-          </a:fontRef>
-        </p:style>
-      </p:cxnSp>
-      <p:sp>
-        <p:nvSpPr>
-          <p:cNvPr id="63" name="矩形: 圆角 62">
-            <a:extLst>
-              <a:ext uri="{FF2B5EF4-FFF2-40B4-BE49-F238E27FC236}">
-                <a16:creationId xmlns:a16="http://schemas.microsoft.com/office/drawing/2014/main" id="{277DE9D7-2400-47B2-8AB5-32DC77E2F2B6}"/>
-              </a:ext>
-            </a:extLst>
-          </p:cNvPr>
-          <p:cNvSpPr/>
-          <p:nvPr/>
-        </p:nvSpPr>
-        <p:spPr>
-          <a:xfrm>
-            <a:off x="7805306" y="5260341"/>
-            <a:ext cx="1080000" cy="432000"/>
-          </a:xfrm>
-          <a:prstGeom prst="roundRect">
-            <a:avLst/>
-          </a:prstGeom>
-          <a:solidFill>
-            <a:srgbClr val="00B0F0"/>
-          </a:solidFill>
-          <a:ln>
-            <a:solidFill>
-              <a:schemeClr val="tx1"/>
-            </a:solidFill>
-          </a:ln>
-        </p:spPr>
-        <p:style>
-          <a:lnRef idx="2">
-            <a:schemeClr val="accent1">
-              <a:shade val="50000"/>
-            </a:schemeClr>
-          </a:lnRef>
-          <a:fillRef idx="1">
-            <a:schemeClr val="accent1"/>
-          </a:fillRef>
-          <a:effectRef idx="0">
-            <a:schemeClr val="accent1"/>
-          </a:effectRef>
-          <a:fontRef idx="minor">
-            <a:schemeClr val="lt1"/>
-          </a:fontRef>
-        </p:style>
-        <p:txBody>
-          <a:bodyPr wrap="none" lIns="36000" tIns="36000" rIns="36000" bIns="36000" rtlCol="0" anchor="ctr" anchorCtr="0"/>
-          <a:lstStyle/>
-          <a:p>
-            <a:pPr algn="ctr"/>
-            <a:r>
-              <a:rPr lang="zh-CN" altLang="en-US" sz="1600" b="1">
-                <a:solidFill>
-                  <a:schemeClr val="tx1"/>
-                </a:solidFill>
-                <a:latin typeface="微软雅黑" panose="020B0503020204020204" pitchFamily="34" charset="-122"/>
-                <a:ea typeface="微软雅黑" panose="020B0503020204020204" pitchFamily="34" charset="-122"/>
-              </a:rPr>
-              <a:t>买单用户</a:t>
-            </a:r>
-          </a:p>
-        </p:txBody>
-      </p:sp>
-      <p:cxnSp>
-        <p:nvCxnSpPr>
-          <p:cNvPr id="64" name="直接箭头连接符 63">
-            <a:extLst>
-              <a:ext uri="{FF2B5EF4-FFF2-40B4-BE49-F238E27FC236}">
-                <a16:creationId xmlns:a16="http://schemas.microsoft.com/office/drawing/2014/main" id="{5E3981A5-3200-4516-8486-750739C1C0F0}"/>
-              </a:ext>
-            </a:extLst>
-          </p:cNvPr>
-          <p:cNvCxnSpPr>
-            <a:cxnSpLocks/>
-            <a:stCxn id="60" idx="3"/>
-            <a:endCxn id="63" idx="1"/>
-          </p:cNvCxnSpPr>
-          <p:nvPr/>
-        </p:nvCxnSpPr>
-        <p:spPr>
-          <a:xfrm flipV="1">
-            <a:off x="6875867" y="5476341"/>
-            <a:ext cx="929439" cy="4995"/>
-          </a:xfrm>
-          <a:prstGeom prst="straightConnector1">
-            <a:avLst/>
-          </a:prstGeom>
-          <a:ln w="31750">
-            <a:solidFill>
-              <a:schemeClr val="tx1"/>
-            </a:solidFill>
-            <a:tailEnd type="triangle"/>
-          </a:ln>
-        </p:spPr>
-        <p:style>
-          <a:lnRef idx="1">
-            <a:schemeClr val="accent1"/>
-          </a:lnRef>
-          <a:fillRef idx="0">
-            <a:schemeClr val="accent1"/>
-          </a:fillRef>
-          <a:effectRef idx="0">
-            <a:schemeClr val="accent1"/>
-          </a:effectRef>
-          <a:fontRef idx="minor">
-            <a:schemeClr val="tx1"/>
-          </a:fontRef>
-        </p:style>
-      </p:cxnSp>
-      <p:sp>
-        <p:nvSpPr>
-          <p:cNvPr id="34" name="矩形: 圆角 33">
-            <a:extLst>
-              <a:ext uri="{FF2B5EF4-FFF2-40B4-BE49-F238E27FC236}">
-                <a16:creationId xmlns:a16="http://schemas.microsoft.com/office/drawing/2014/main" id="{8868123B-109E-4A9F-8E31-973B05EF89EF}"/>
-              </a:ext>
-            </a:extLst>
-          </p:cNvPr>
-          <p:cNvSpPr/>
-          <p:nvPr/>
-        </p:nvSpPr>
-        <p:spPr>
-          <a:xfrm>
-            <a:off x="5363867" y="2997495"/>
-            <a:ext cx="1512000" cy="648000"/>
-          </a:xfrm>
-          <a:prstGeom prst="roundRect">
-            <a:avLst/>
-          </a:prstGeom>
-          <a:solidFill>
-            <a:srgbClr val="00B050"/>
-          </a:solidFill>
-          <a:ln>
-            <a:solidFill>
-              <a:schemeClr val="tx1"/>
-            </a:solidFill>
-          </a:ln>
-        </p:spPr>
-        <p:style>
-          <a:lnRef idx="2">
-            <a:schemeClr val="accent1">
-              <a:shade val="50000"/>
-            </a:schemeClr>
-          </a:lnRef>
-          <a:fillRef idx="1">
-            <a:schemeClr val="accent1"/>
-          </a:fillRef>
-          <a:effectRef idx="0">
-            <a:schemeClr val="accent1"/>
-          </a:effectRef>
-          <a:fontRef idx="minor">
-            <a:schemeClr val="lt1"/>
-          </a:fontRef>
-        </p:style>
-        <p:txBody>
-          <a:bodyPr wrap="none" lIns="36000" tIns="36000" rIns="36000" bIns="36000" rtlCol="0" anchor="ctr" anchorCtr="0"/>
-          <a:lstStyle/>
-          <a:p>
-            <a:pPr algn="ctr"/>
-            <a:r>
-              <a:rPr lang="zh-CN" altLang="en-US" sz="1600" b="1">
-                <a:solidFill>
-                  <a:schemeClr val="tx1"/>
-                </a:solidFill>
-                <a:latin typeface="微软雅黑" panose="020B0503020204020204" pitchFamily="34" charset="-122"/>
-                <a:ea typeface="微软雅黑" panose="020B0503020204020204" pitchFamily="34" charset="-122"/>
-              </a:rPr>
-              <a:t>购买</a:t>
-            </a:r>
-            <a:endParaRPr lang="en-US" altLang="zh-CN" sz="1600" b="1">
-              <a:solidFill>
-                <a:schemeClr val="tx1"/>
-              </a:solidFill>
-              <a:latin typeface="微软雅黑" panose="020B0503020204020204" pitchFamily="34" charset="-122"/>
-              <a:ea typeface="微软雅黑" panose="020B0503020204020204" pitchFamily="34" charset="-122"/>
-            </a:endParaRPr>
-          </a:p>
-          <a:p>
-            <a:pPr algn="ctr"/>
-            <a:r>
-              <a:rPr lang="en-US" altLang="zh-CN" sz="1600" b="1">
-                <a:solidFill>
-                  <a:schemeClr val="tx1"/>
-                </a:solidFill>
-                <a:latin typeface="微软雅黑" panose="020B0503020204020204" pitchFamily="34" charset="-122"/>
-                <a:ea typeface="微软雅黑" panose="020B0503020204020204" pitchFamily="34" charset="-122"/>
-              </a:rPr>
-              <a:t>buy</a:t>
-            </a:r>
-            <a:endParaRPr lang="zh-CN" altLang="en-US" sz="1600" b="1">
-              <a:solidFill>
-                <a:schemeClr val="tx1"/>
-              </a:solidFill>
-              <a:latin typeface="微软雅黑" panose="020B0503020204020204" pitchFamily="34" charset="-122"/>
-              <a:ea typeface="微软雅黑" panose="020B0503020204020204" pitchFamily="34" charset="-122"/>
-            </a:endParaRPr>
-          </a:p>
-        </p:txBody>
-      </p:sp>
-      <p:cxnSp>
-        <p:nvCxnSpPr>
-          <p:cNvPr id="35" name="直接箭头连接符 34">
-            <a:extLst>
-              <a:ext uri="{FF2B5EF4-FFF2-40B4-BE49-F238E27FC236}">
-                <a16:creationId xmlns:a16="http://schemas.microsoft.com/office/drawing/2014/main" id="{DD8FB0D5-3E4D-4843-B59D-8853752077EA}"/>
-              </a:ext>
-            </a:extLst>
-          </p:cNvPr>
-          <p:cNvCxnSpPr>
-            <a:cxnSpLocks/>
-            <a:stCxn id="52" idx="3"/>
-            <a:endCxn id="34" idx="1"/>
-          </p:cNvCxnSpPr>
-          <p:nvPr/>
-        </p:nvCxnSpPr>
-        <p:spPr>
-          <a:xfrm>
-            <a:off x="4434428" y="3321495"/>
-            <a:ext cx="929439" cy="0"/>
-          </a:xfrm>
-          <a:prstGeom prst="straightConnector1">
-            <a:avLst/>
-          </a:prstGeom>
-          <a:ln w="31750">
-            <a:solidFill>
-              <a:schemeClr val="tx1"/>
-            </a:solidFill>
-            <a:tailEnd type="triangle"/>
-          </a:ln>
-        </p:spPr>
-        <p:style>
-          <a:lnRef idx="1">
-            <a:schemeClr val="accent1"/>
-          </a:lnRef>
-          <a:fillRef idx="0">
-            <a:schemeClr val="accent1"/>
-          </a:fillRef>
-          <a:effectRef idx="0">
-            <a:schemeClr val="accent1"/>
-          </a:effectRef>
-          <a:fontRef idx="minor">
-            <a:schemeClr val="tx1"/>
-          </a:fontRef>
-        </p:style>
-      </p:cxnSp>
       <p:cxnSp>
         <p:nvCxnSpPr>
           <p:cNvPr id="24" name="直接箭头连接符 23">
@@ -6340,8 +6168,8 @@
         </p:nvCxnSpPr>
         <p:spPr>
           <a:xfrm>
-            <a:off x="7802875" y="1526926"/>
-            <a:ext cx="2011871" cy="0"/>
+            <a:off x="7802875" y="1909481"/>
+            <a:ext cx="1526679" cy="0"/>
           </a:xfrm>
           <a:prstGeom prst="straightConnector1">
             <a:avLst/>
@@ -6382,7 +6210,7 @@
         </p:nvSpPr>
         <p:spPr>
           <a:xfrm>
-            <a:off x="9814746" y="1310926"/>
+            <a:off x="9329554" y="1693481"/>
             <a:ext cx="1728000" cy="432000"/>
           </a:xfrm>
           <a:prstGeom prst="roundRect">
@@ -6440,26 +6268,612 @@
           </a:p>
         </p:txBody>
       </p:sp>
+    </p:spTree>
+    <p:extLst>
+      <p:ext uri="{BB962C8B-B14F-4D97-AF65-F5344CB8AC3E}">
+        <p14:creationId xmlns:p14="http://schemas.microsoft.com/office/powerpoint/2010/main" val="4071845704"/>
+      </p:ext>
+    </p:extLst>
+  </p:cSld>
+  <p:clrMapOvr>
+    <a:masterClrMapping/>
+  </p:clrMapOvr>
+</p:sld>
+</file>
+
+<file path=ppt/slides/slide6.xml><?xml version="1.0" encoding="utf-8"?>
+<p:sld xmlns:a="http://schemas.openxmlformats.org/drawingml/2006/main" xmlns:r="http://schemas.openxmlformats.org/officeDocument/2006/relationships" xmlns:p="http://schemas.openxmlformats.org/presentationml/2006/main">
+  <p:cSld>
+    <p:spTree>
+      <p:nvGrpSpPr>
+        <p:cNvPr id="1" name=""/>
+        <p:cNvGrpSpPr/>
+        <p:nvPr/>
+      </p:nvGrpSpPr>
+      <p:grpSpPr>
+        <a:xfrm>
+          <a:off x="0" y="0"/>
+          <a:ext cx="0" cy="0"/>
+          <a:chOff x="0" y="0"/>
+          <a:chExt cx="0" cy="0"/>
+        </a:xfrm>
+      </p:grpSpPr>
       <p:cxnSp>
         <p:nvCxnSpPr>
-          <p:cNvPr id="27" name="直接箭头连接符 26">
-            <a:extLst>
-              <a:ext uri="{FF2B5EF4-FFF2-40B4-BE49-F238E27FC236}">
-                <a16:creationId xmlns:a16="http://schemas.microsoft.com/office/drawing/2014/main" id="{848F891A-B509-4AB0-B91A-D6F52D2CCEB6}"/>
+          <p:cNvPr id="239" name="直接连接符 238">
+            <a:extLst>
+              <a:ext uri="{FF2B5EF4-FFF2-40B4-BE49-F238E27FC236}">
+                <a16:creationId xmlns:a16="http://schemas.microsoft.com/office/drawing/2014/main" id="{05CC9636-A076-48A7-9A94-4E0212BA0C59}"/>
               </a:ext>
             </a:extLst>
           </p:cNvPr>
           <p:cNvCxnSpPr>
             <a:cxnSpLocks/>
-            <a:stCxn id="63" idx="3"/>
-            <a:endCxn id="28" idx="1"/>
           </p:cNvCxnSpPr>
           <p:nvPr/>
         </p:nvCxnSpPr>
         <p:spPr>
-          <a:xfrm flipV="1">
-            <a:off x="8885306" y="5044341"/>
-            <a:ext cx="929440" cy="432000"/>
+          <a:xfrm flipH="1">
+            <a:off x="433388" y="866051"/>
+            <a:ext cx="11325225" cy="1"/>
+          </a:xfrm>
+          <a:prstGeom prst="line">
+            <a:avLst/>
+          </a:prstGeom>
+          <a:ln w="19050">
+            <a:solidFill>
+              <a:srgbClr val="00576E"/>
+            </a:solidFill>
+          </a:ln>
+          <a:effectLst>
+            <a:outerShdw blurRad="50800" dist="12700" dir="5400000" algn="t" rotWithShape="0">
+              <a:prstClr val="black">
+                <a:alpha val="40000"/>
+              </a:prstClr>
+            </a:outerShdw>
+          </a:effectLst>
+        </p:spPr>
+        <p:style>
+          <a:lnRef idx="2">
+            <a:schemeClr val="accent1"/>
+          </a:lnRef>
+          <a:fillRef idx="0">
+            <a:schemeClr val="accent1"/>
+          </a:fillRef>
+          <a:effectRef idx="1">
+            <a:schemeClr val="accent1"/>
+          </a:effectRef>
+          <a:fontRef idx="minor">
+            <a:schemeClr val="tx1"/>
+          </a:fontRef>
+        </p:style>
+      </p:cxnSp>
+      <p:sp>
+        <p:nvSpPr>
+          <p:cNvPr id="240" name="矩形 239">
+            <a:extLst>
+              <a:ext uri="{FF2B5EF4-FFF2-40B4-BE49-F238E27FC236}">
+                <a16:creationId xmlns:a16="http://schemas.microsoft.com/office/drawing/2014/main" id="{CE6D800A-2E58-40A9-AF4D-2C92406102BA}"/>
+              </a:ext>
+            </a:extLst>
+          </p:cNvPr>
+          <p:cNvSpPr/>
+          <p:nvPr/>
+        </p:nvSpPr>
+        <p:spPr>
+          <a:xfrm>
+            <a:off x="471489" y="209549"/>
+            <a:ext cx="119062" cy="513626"/>
+          </a:xfrm>
+          <a:prstGeom prst="rect">
+            <a:avLst/>
+          </a:prstGeom>
+          <a:solidFill>
+            <a:srgbClr val="00576E"/>
+          </a:solidFill>
+        </p:spPr>
+        <p:style>
+          <a:lnRef idx="2">
+            <a:schemeClr val="accent1">
+              <a:shade val="50000"/>
+            </a:schemeClr>
+          </a:lnRef>
+          <a:fillRef idx="1">
+            <a:schemeClr val="accent1"/>
+          </a:fillRef>
+          <a:effectRef idx="0">
+            <a:schemeClr val="accent1"/>
+          </a:effectRef>
+          <a:fontRef idx="minor">
+            <a:schemeClr val="lt1"/>
+          </a:fontRef>
+        </p:style>
+        <p:txBody>
+          <a:bodyPr rtlCol="0" anchor="ctr"/>
+          <a:lstStyle/>
+          <a:p>
+            <a:pPr algn="ctr"/>
+            <a:endParaRPr lang="zh-CN" altLang="en-US">
+              <a:latin typeface="Consolas" panose="020B0609020204030204" pitchFamily="49" charset="0"/>
+            </a:endParaRPr>
+          </a:p>
+        </p:txBody>
+      </p:sp>
+      <p:sp>
+        <p:nvSpPr>
+          <p:cNvPr id="241" name="文本框 240">
+            <a:extLst>
+              <a:ext uri="{FF2B5EF4-FFF2-40B4-BE49-F238E27FC236}">
+                <a16:creationId xmlns:a16="http://schemas.microsoft.com/office/drawing/2014/main" id="{90ABBAE7-6707-4A6F-819E-32C1CFD4250B}"/>
+              </a:ext>
+            </a:extLst>
+          </p:cNvPr>
+          <p:cNvSpPr txBox="1"/>
+          <p:nvPr/>
+        </p:nvSpPr>
+        <p:spPr>
+          <a:xfrm>
+            <a:off x="712379" y="173975"/>
+            <a:ext cx="1826141" cy="584775"/>
+          </a:xfrm>
+          <a:prstGeom prst="rect">
+            <a:avLst/>
+          </a:prstGeom>
+          <a:noFill/>
+        </p:spPr>
+        <p:txBody>
+          <a:bodyPr wrap="none" rtlCol="0">
+            <a:spAutoFit/>
+          </a:bodyPr>
+          <a:lstStyle/>
+          <a:p>
+            <a:r>
+              <a:rPr lang="zh-CN" altLang="en-US" sz="3200" b="1">
+                <a:latin typeface="Consolas" panose="020B0609020204030204" pitchFamily="49" charset="0"/>
+                <a:ea typeface="微软雅黑" panose="020B0503020204020204" pitchFamily="34" charset="-122"/>
+              </a:rPr>
+              <a:t>卖家赎回</a:t>
+            </a:r>
+          </a:p>
+        </p:txBody>
+      </p:sp>
+      <p:sp>
+        <p:nvSpPr>
+          <p:cNvPr id="57" name="矩形: 圆角 56">
+            <a:extLst>
+              <a:ext uri="{FF2B5EF4-FFF2-40B4-BE49-F238E27FC236}">
+                <a16:creationId xmlns:a16="http://schemas.microsoft.com/office/drawing/2014/main" id="{65E9B693-9316-4E9F-82F7-2796C6B9FCD2}"/>
+              </a:ext>
+            </a:extLst>
+          </p:cNvPr>
+          <p:cNvSpPr/>
+          <p:nvPr/>
+        </p:nvSpPr>
+        <p:spPr>
+          <a:xfrm>
+            <a:off x="712379" y="1827959"/>
+            <a:ext cx="1080000" cy="432000"/>
+          </a:xfrm>
+          <a:prstGeom prst="roundRect">
+            <a:avLst/>
+          </a:prstGeom>
+          <a:solidFill>
+            <a:srgbClr val="00B0F0"/>
+          </a:solidFill>
+          <a:ln>
+            <a:solidFill>
+              <a:schemeClr val="tx1"/>
+            </a:solidFill>
+          </a:ln>
+        </p:spPr>
+        <p:style>
+          <a:lnRef idx="2">
+            <a:schemeClr val="accent1">
+              <a:shade val="50000"/>
+            </a:schemeClr>
+          </a:lnRef>
+          <a:fillRef idx="1">
+            <a:schemeClr val="accent1"/>
+          </a:fillRef>
+          <a:effectRef idx="0">
+            <a:schemeClr val="accent1"/>
+          </a:effectRef>
+          <a:fontRef idx="minor">
+            <a:schemeClr val="lt1"/>
+          </a:fontRef>
+        </p:style>
+        <p:txBody>
+          <a:bodyPr wrap="none" lIns="36000" tIns="36000" rIns="36000" bIns="36000" rtlCol="0" anchor="ctr" anchorCtr="0"/>
+          <a:lstStyle/>
+          <a:p>
+            <a:pPr algn="ctr"/>
+            <a:r>
+              <a:rPr lang="zh-CN" altLang="en-US" sz="1600" b="1">
+                <a:solidFill>
+                  <a:schemeClr val="tx1"/>
+                </a:solidFill>
+                <a:latin typeface="微软雅黑" panose="020B0503020204020204" pitchFamily="34" charset="-122"/>
+                <a:ea typeface="微软雅黑" panose="020B0503020204020204" pitchFamily="34" charset="-122"/>
+              </a:rPr>
+              <a:t>卖单用户</a:t>
+            </a:r>
+          </a:p>
+        </p:txBody>
+      </p:sp>
+      <p:sp>
+        <p:nvSpPr>
+          <p:cNvPr id="58" name="矩形: 圆角 57">
+            <a:extLst>
+              <a:ext uri="{FF2B5EF4-FFF2-40B4-BE49-F238E27FC236}">
+                <a16:creationId xmlns:a16="http://schemas.microsoft.com/office/drawing/2014/main" id="{1A415BD8-5740-4984-A8EF-0B45AE86E344}"/>
+              </a:ext>
+            </a:extLst>
+          </p:cNvPr>
+          <p:cNvSpPr/>
+          <p:nvPr/>
+        </p:nvSpPr>
+        <p:spPr>
+          <a:xfrm>
+            <a:off x="2733307" y="1719959"/>
+            <a:ext cx="1512000" cy="648000"/>
+          </a:xfrm>
+          <a:prstGeom prst="roundRect">
+            <a:avLst/>
+          </a:prstGeom>
+          <a:solidFill>
+            <a:srgbClr val="00B050"/>
+          </a:solidFill>
+          <a:ln>
+            <a:solidFill>
+              <a:schemeClr val="tx1"/>
+            </a:solidFill>
+          </a:ln>
+        </p:spPr>
+        <p:style>
+          <a:lnRef idx="2">
+            <a:schemeClr val="accent1">
+              <a:shade val="50000"/>
+            </a:schemeClr>
+          </a:lnRef>
+          <a:fillRef idx="1">
+            <a:schemeClr val="accent1"/>
+          </a:fillRef>
+          <a:effectRef idx="0">
+            <a:schemeClr val="accent1"/>
+          </a:effectRef>
+          <a:fontRef idx="minor">
+            <a:schemeClr val="lt1"/>
+          </a:fontRef>
+        </p:style>
+        <p:txBody>
+          <a:bodyPr wrap="none" lIns="36000" tIns="36000" rIns="36000" bIns="36000" rtlCol="0" anchor="ctr" anchorCtr="0"/>
+          <a:lstStyle/>
+          <a:p>
+            <a:pPr algn="ctr"/>
+            <a:r>
+              <a:rPr lang="zh-CN" altLang="en-US" sz="1600" b="1">
+                <a:solidFill>
+                  <a:schemeClr val="tx1"/>
+                </a:solidFill>
+                <a:latin typeface="微软雅黑" panose="020B0503020204020204" pitchFamily="34" charset="-122"/>
+                <a:ea typeface="微软雅黑" panose="020B0503020204020204" pitchFamily="34" charset="-122"/>
+              </a:rPr>
+              <a:t>赎回</a:t>
+            </a:r>
+            <a:endParaRPr lang="en-US" altLang="zh-CN" sz="1600" b="1">
+              <a:solidFill>
+                <a:schemeClr val="tx1"/>
+              </a:solidFill>
+              <a:latin typeface="微软雅黑" panose="020B0503020204020204" pitchFamily="34" charset="-122"/>
+              <a:ea typeface="微软雅黑" panose="020B0503020204020204" pitchFamily="34" charset="-122"/>
+            </a:endParaRPr>
+          </a:p>
+          <a:p>
+            <a:pPr algn="ctr"/>
+            <a:r>
+              <a:rPr lang="en-US" altLang="zh-CN" sz="1600" b="1">
+                <a:solidFill>
+                  <a:schemeClr val="tx1"/>
+                </a:solidFill>
+                <a:latin typeface="微软雅黑" panose="020B0503020204020204" pitchFamily="34" charset="-122"/>
+                <a:ea typeface="微软雅黑" panose="020B0503020204020204" pitchFamily="34" charset="-122"/>
+              </a:rPr>
+              <a:t>redeem</a:t>
+            </a:r>
+            <a:endParaRPr lang="zh-CN" altLang="en-US" sz="1600" b="1">
+              <a:solidFill>
+                <a:schemeClr val="tx1"/>
+              </a:solidFill>
+              <a:latin typeface="微软雅黑" panose="020B0503020204020204" pitchFamily="34" charset="-122"/>
+              <a:ea typeface="微软雅黑" panose="020B0503020204020204" pitchFamily="34" charset="-122"/>
+            </a:endParaRPr>
+          </a:p>
+        </p:txBody>
+      </p:sp>
+      <p:cxnSp>
+        <p:nvCxnSpPr>
+          <p:cNvPr id="59" name="直接箭头连接符 58">
+            <a:extLst>
+              <a:ext uri="{FF2B5EF4-FFF2-40B4-BE49-F238E27FC236}">
+                <a16:creationId xmlns:a16="http://schemas.microsoft.com/office/drawing/2014/main" id="{E8CE606D-E7F8-4193-A90B-32217CC6FE96}"/>
+              </a:ext>
+            </a:extLst>
+          </p:cNvPr>
+          <p:cNvCxnSpPr>
+            <a:cxnSpLocks/>
+            <a:stCxn id="58" idx="3"/>
+            <a:endCxn id="60" idx="1"/>
+          </p:cNvCxnSpPr>
+          <p:nvPr/>
+        </p:nvCxnSpPr>
+        <p:spPr>
+          <a:xfrm>
+            <a:off x="4245307" y="2043959"/>
+            <a:ext cx="940928" cy="0"/>
+          </a:xfrm>
+          <a:prstGeom prst="straightConnector1">
+            <a:avLst/>
+          </a:prstGeom>
+          <a:ln w="31750">
+            <a:solidFill>
+              <a:schemeClr val="tx1"/>
+            </a:solidFill>
+            <a:tailEnd type="triangle"/>
+          </a:ln>
+        </p:spPr>
+        <p:style>
+          <a:lnRef idx="1">
+            <a:schemeClr val="accent1"/>
+          </a:lnRef>
+          <a:fillRef idx="0">
+            <a:schemeClr val="accent1"/>
+          </a:fillRef>
+          <a:effectRef idx="0">
+            <a:schemeClr val="accent1"/>
+          </a:effectRef>
+          <a:fontRef idx="minor">
+            <a:schemeClr val="tx1"/>
+          </a:fontRef>
+        </p:style>
+      </p:cxnSp>
+      <p:sp>
+        <p:nvSpPr>
+          <p:cNvPr id="60" name="矩形: 圆角 59">
+            <a:extLst>
+              <a:ext uri="{FF2B5EF4-FFF2-40B4-BE49-F238E27FC236}">
+                <a16:creationId xmlns:a16="http://schemas.microsoft.com/office/drawing/2014/main" id="{439E5E02-6BA2-41DE-AC3B-ECEDEFD1F385}"/>
+              </a:ext>
+            </a:extLst>
+          </p:cNvPr>
+          <p:cNvSpPr/>
+          <p:nvPr/>
+        </p:nvSpPr>
+        <p:spPr>
+          <a:xfrm>
+            <a:off x="5186235" y="1755959"/>
+            <a:ext cx="1620000" cy="576000"/>
+          </a:xfrm>
+          <a:prstGeom prst="roundRect">
+            <a:avLst/>
+          </a:prstGeom>
+          <a:solidFill>
+            <a:schemeClr val="bg1"/>
+          </a:solidFill>
+          <a:ln>
+            <a:solidFill>
+              <a:schemeClr val="tx1"/>
+            </a:solidFill>
+          </a:ln>
+        </p:spPr>
+        <p:style>
+          <a:lnRef idx="2">
+            <a:schemeClr val="accent1">
+              <a:shade val="50000"/>
+            </a:schemeClr>
+          </a:lnRef>
+          <a:fillRef idx="1">
+            <a:schemeClr val="accent1"/>
+          </a:fillRef>
+          <a:effectRef idx="0">
+            <a:schemeClr val="accent1"/>
+          </a:effectRef>
+          <a:fontRef idx="minor">
+            <a:schemeClr val="lt1"/>
+          </a:fontRef>
+        </p:style>
+        <p:txBody>
+          <a:bodyPr wrap="none" lIns="36000" tIns="36000" rIns="36000" bIns="36000" rtlCol="0" anchor="ctr" anchorCtr="0"/>
+          <a:lstStyle/>
+          <a:p>
+            <a:pPr algn="ctr"/>
+            <a:r>
+              <a:rPr lang="zh-CN" altLang="en-US" sz="1600" b="1">
+                <a:solidFill>
+                  <a:schemeClr val="tx1"/>
+                </a:solidFill>
+                <a:latin typeface="微软雅黑" panose="020B0503020204020204" pitchFamily="34" charset="-122"/>
+                <a:ea typeface="微软雅黑" panose="020B0503020204020204" pitchFamily="34" charset="-122"/>
+              </a:rPr>
+              <a:t>合约账户转账</a:t>
+            </a:r>
+          </a:p>
+        </p:txBody>
+      </p:sp>
+      <p:cxnSp>
+        <p:nvCxnSpPr>
+          <p:cNvPr id="62" name="直接箭头连接符 61">
+            <a:extLst>
+              <a:ext uri="{FF2B5EF4-FFF2-40B4-BE49-F238E27FC236}">
+                <a16:creationId xmlns:a16="http://schemas.microsoft.com/office/drawing/2014/main" id="{5E333993-C0A6-4C5E-86E9-7F2027329CE7}"/>
+              </a:ext>
+            </a:extLst>
+          </p:cNvPr>
+          <p:cNvCxnSpPr>
+            <a:cxnSpLocks/>
+            <a:stCxn id="57" idx="3"/>
+            <a:endCxn id="58" idx="1"/>
+          </p:cNvCxnSpPr>
+          <p:nvPr/>
+        </p:nvCxnSpPr>
+        <p:spPr>
+          <a:xfrm>
+            <a:off x="1792379" y="2043959"/>
+            <a:ext cx="940928" cy="0"/>
+          </a:xfrm>
+          <a:prstGeom prst="straightConnector1">
+            <a:avLst/>
+          </a:prstGeom>
+          <a:ln w="31750">
+            <a:solidFill>
+              <a:schemeClr val="tx1"/>
+            </a:solidFill>
+            <a:tailEnd type="triangle"/>
+          </a:ln>
+        </p:spPr>
+        <p:style>
+          <a:lnRef idx="1">
+            <a:schemeClr val="accent1"/>
+          </a:lnRef>
+          <a:fillRef idx="0">
+            <a:schemeClr val="accent1"/>
+          </a:fillRef>
+          <a:effectRef idx="0">
+            <a:schemeClr val="accent1"/>
+          </a:effectRef>
+          <a:fontRef idx="minor">
+            <a:schemeClr val="tx1"/>
+          </a:fontRef>
+        </p:style>
+      </p:cxnSp>
+      <p:sp>
+        <p:nvSpPr>
+          <p:cNvPr id="63" name="矩形: 圆角 62">
+            <a:extLst>
+              <a:ext uri="{FF2B5EF4-FFF2-40B4-BE49-F238E27FC236}">
+                <a16:creationId xmlns:a16="http://schemas.microsoft.com/office/drawing/2014/main" id="{277DE9D7-2400-47B2-8AB5-32DC77E2F2B6}"/>
+              </a:ext>
+            </a:extLst>
+          </p:cNvPr>
+          <p:cNvSpPr/>
+          <p:nvPr/>
+        </p:nvSpPr>
+        <p:spPr>
+          <a:xfrm>
+            <a:off x="7747163" y="1827959"/>
+            <a:ext cx="1080000" cy="432000"/>
+          </a:xfrm>
+          <a:prstGeom prst="roundRect">
+            <a:avLst/>
+          </a:prstGeom>
+          <a:solidFill>
+            <a:srgbClr val="00B0F0"/>
+          </a:solidFill>
+          <a:ln>
+            <a:solidFill>
+              <a:schemeClr val="tx1"/>
+            </a:solidFill>
+          </a:ln>
+        </p:spPr>
+        <p:style>
+          <a:lnRef idx="2">
+            <a:schemeClr val="accent1">
+              <a:shade val="50000"/>
+            </a:schemeClr>
+          </a:lnRef>
+          <a:fillRef idx="1">
+            <a:schemeClr val="accent1"/>
+          </a:fillRef>
+          <a:effectRef idx="0">
+            <a:schemeClr val="accent1"/>
+          </a:effectRef>
+          <a:fontRef idx="minor">
+            <a:schemeClr val="lt1"/>
+          </a:fontRef>
+        </p:style>
+        <p:txBody>
+          <a:bodyPr wrap="none" lIns="36000" tIns="36000" rIns="36000" bIns="36000" rtlCol="0" anchor="ctr" anchorCtr="0"/>
+          <a:lstStyle/>
+          <a:p>
+            <a:pPr algn="ctr"/>
+            <a:r>
+              <a:rPr lang="zh-CN" altLang="en-US" sz="1600" b="1">
+                <a:solidFill>
+                  <a:schemeClr val="tx1"/>
+                </a:solidFill>
+                <a:latin typeface="微软雅黑" panose="020B0503020204020204" pitchFamily="34" charset="-122"/>
+                <a:ea typeface="微软雅黑" panose="020B0503020204020204" pitchFamily="34" charset="-122"/>
+              </a:rPr>
+              <a:t>卖单用户</a:t>
+            </a:r>
+          </a:p>
+        </p:txBody>
+      </p:sp>
+      <p:cxnSp>
+        <p:nvCxnSpPr>
+          <p:cNvPr id="64" name="直接箭头连接符 63">
+            <a:extLst>
+              <a:ext uri="{FF2B5EF4-FFF2-40B4-BE49-F238E27FC236}">
+                <a16:creationId xmlns:a16="http://schemas.microsoft.com/office/drawing/2014/main" id="{5E3981A5-3200-4516-8486-750739C1C0F0}"/>
+              </a:ext>
+            </a:extLst>
+          </p:cNvPr>
+          <p:cNvCxnSpPr>
+            <a:cxnSpLocks/>
+            <a:stCxn id="60" idx="3"/>
+            <a:endCxn id="63" idx="1"/>
+          </p:cNvCxnSpPr>
+          <p:nvPr/>
+        </p:nvCxnSpPr>
+        <p:spPr>
+          <a:xfrm>
+            <a:off x="6806235" y="2043959"/>
+            <a:ext cx="940928" cy="0"/>
+          </a:xfrm>
+          <a:prstGeom prst="straightConnector1">
+            <a:avLst/>
+          </a:prstGeom>
+          <a:ln w="31750">
+            <a:solidFill>
+              <a:schemeClr val="tx1"/>
+            </a:solidFill>
+            <a:tailEnd type="triangle"/>
+          </a:ln>
+        </p:spPr>
+        <p:style>
+          <a:lnRef idx="1">
+            <a:schemeClr val="accent1"/>
+          </a:lnRef>
+          <a:fillRef idx="0">
+            <a:schemeClr val="accent1"/>
+          </a:fillRef>
+          <a:effectRef idx="0">
+            <a:schemeClr val="accent1"/>
+          </a:effectRef>
+          <a:fontRef idx="minor">
+            <a:schemeClr val="tx1"/>
+          </a:fontRef>
+        </p:style>
+      </p:cxnSp>
+      <p:cxnSp>
+        <p:nvCxnSpPr>
+          <p:cNvPr id="12" name="直接箭头连接符 11">
+            <a:extLst>
+              <a:ext uri="{FF2B5EF4-FFF2-40B4-BE49-F238E27FC236}">
+                <a16:creationId xmlns:a16="http://schemas.microsoft.com/office/drawing/2014/main" id="{BD16381B-9415-485F-ADB1-1FA826784D19}"/>
+              </a:ext>
+            </a:extLst>
+          </p:cNvPr>
+          <p:cNvCxnSpPr>
+            <a:cxnSpLocks/>
+            <a:stCxn id="63" idx="3"/>
+            <a:endCxn id="13" idx="1"/>
+          </p:cNvCxnSpPr>
+          <p:nvPr/>
+        </p:nvCxnSpPr>
+        <p:spPr>
+          <a:xfrm>
+            <a:off x="8827163" y="2043959"/>
+            <a:ext cx="940928" cy="0"/>
           </a:xfrm>
           <a:prstGeom prst="straightConnector1">
             <a:avLst/>
@@ -6486,67 +6900,21 @@
           </a:fontRef>
         </p:style>
       </p:cxnSp>
-      <p:cxnSp>
-        <p:nvCxnSpPr>
-          <p:cNvPr id="29" name="直接箭头连接符 28">
-            <a:extLst>
-              <a:ext uri="{FF2B5EF4-FFF2-40B4-BE49-F238E27FC236}">
-                <a16:creationId xmlns:a16="http://schemas.microsoft.com/office/drawing/2014/main" id="{F37CC6C4-2015-45DA-B730-929041DEC6E9}"/>
-              </a:ext>
-            </a:extLst>
-          </p:cNvPr>
-          <p:cNvCxnSpPr>
-            <a:cxnSpLocks/>
-            <a:stCxn id="55" idx="3"/>
-            <a:endCxn id="30" idx="1"/>
-          </p:cNvCxnSpPr>
+      <p:sp>
+        <p:nvSpPr>
+          <p:cNvPr id="13" name="矩形: 圆角 12">
+            <a:extLst>
+              <a:ext uri="{FF2B5EF4-FFF2-40B4-BE49-F238E27FC236}">
+                <a16:creationId xmlns:a16="http://schemas.microsoft.com/office/drawing/2014/main" id="{F4BD1E31-E772-4628-B49F-0653F75229A2}"/>
+              </a:ext>
+            </a:extLst>
+          </p:cNvPr>
+          <p:cNvSpPr/>
           <p:nvPr/>
-        </p:nvCxnSpPr>
+        </p:nvSpPr>
         <p:spPr>
           <a:xfrm>
-            <a:off x="8885306" y="3321495"/>
-            <a:ext cx="929440" cy="0"/>
-          </a:xfrm>
-          <a:prstGeom prst="straightConnector1">
-            <a:avLst/>
-          </a:prstGeom>
-          <a:ln w="57150">
-            <a:solidFill>
-              <a:srgbClr val="FFC000"/>
-            </a:solidFill>
-            <a:tailEnd type="triangle"/>
-          </a:ln>
-        </p:spPr>
-        <p:style>
-          <a:lnRef idx="1">
-            <a:schemeClr val="accent1"/>
-          </a:lnRef>
-          <a:fillRef idx="0">
-            <a:schemeClr val="accent1"/>
-          </a:fillRef>
-          <a:effectRef idx="0">
-            <a:schemeClr val="accent1"/>
-          </a:effectRef>
-          <a:fontRef idx="minor">
-            <a:schemeClr val="tx1"/>
-          </a:fontRef>
-        </p:style>
-      </p:cxnSp>
-      <p:sp>
-        <p:nvSpPr>
-          <p:cNvPr id="30" name="矩形: 圆角 29">
-            <a:extLst>
-              <a:ext uri="{FF2B5EF4-FFF2-40B4-BE49-F238E27FC236}">
-                <a16:creationId xmlns:a16="http://schemas.microsoft.com/office/drawing/2014/main" id="{91506958-E49E-4576-BFCF-9A8F00E73CA4}"/>
-              </a:ext>
-            </a:extLst>
-          </p:cNvPr>
-          <p:cNvSpPr/>
-          <p:nvPr/>
-        </p:nvSpPr>
-        <p:spPr>
-          <a:xfrm>
-            <a:off x="9814746" y="3105495"/>
+            <a:off x="9768091" y="1827959"/>
             <a:ext cx="1728000" cy="432000"/>
           </a:xfrm>
           <a:prstGeom prst="roundRect">
@@ -6592,7 +6960,7 @@
                 <a:latin typeface="微软雅黑" panose="020B0503020204020204" pitchFamily="34" charset="-122"/>
                 <a:ea typeface="微软雅黑" panose="020B0503020204020204" pitchFamily="34" charset="-122"/>
               </a:rPr>
-              <a:t>订单表</a:t>
+              <a:t>赎回表</a:t>
             </a:r>
             <a:endParaRPr lang="en-US" altLang="zh-CN" sz="1600" b="1">
               <a:solidFill>
@@ -6604,25 +6972,1028 @@
           </a:p>
         </p:txBody>
       </p:sp>
+    </p:spTree>
+    <p:extLst>
+      <p:ext uri="{BB962C8B-B14F-4D97-AF65-F5344CB8AC3E}">
+        <p14:creationId xmlns:p14="http://schemas.microsoft.com/office/powerpoint/2010/main" val="3750757397"/>
+      </p:ext>
+    </p:extLst>
+  </p:cSld>
+  <p:clrMapOvr>
+    <a:masterClrMapping/>
+  </p:clrMapOvr>
+</p:sld>
+</file>
+
+<file path=ppt/slides/slide7.xml><?xml version="1.0" encoding="utf-8"?>
+<p:sld xmlns:a="http://schemas.openxmlformats.org/drawingml/2006/main" xmlns:r="http://schemas.openxmlformats.org/officeDocument/2006/relationships" xmlns:p="http://schemas.openxmlformats.org/presentationml/2006/main">
+  <p:cSld>
+    <p:spTree>
+      <p:nvGrpSpPr>
+        <p:cNvPr id="1" name=""/>
+        <p:cNvGrpSpPr/>
+        <p:nvPr/>
+      </p:nvGrpSpPr>
+      <p:grpSpPr>
+        <a:xfrm>
+          <a:off x="0" y="0"/>
+          <a:ext cx="0" cy="0"/>
+          <a:chOff x="0" y="0"/>
+          <a:chExt cx="0" cy="0"/>
+        </a:xfrm>
+      </p:grpSpPr>
       <p:cxnSp>
         <p:nvCxnSpPr>
-          <p:cNvPr id="36" name="直接箭头连接符 35">
-            <a:extLst>
-              <a:ext uri="{FF2B5EF4-FFF2-40B4-BE49-F238E27FC236}">
-                <a16:creationId xmlns:a16="http://schemas.microsoft.com/office/drawing/2014/main" id="{BF60387A-F6EE-4893-B8F0-0EFE87190D14}"/>
+          <p:cNvPr id="239" name="直接连接符 238">
+            <a:extLst>
+              <a:ext uri="{FF2B5EF4-FFF2-40B4-BE49-F238E27FC236}">
+                <a16:creationId xmlns:a16="http://schemas.microsoft.com/office/drawing/2014/main" id="{05CC9636-A076-48A7-9A94-4E0212BA0C59}"/>
               </a:ext>
             </a:extLst>
           </p:cNvPr>
           <p:cNvCxnSpPr>
             <a:cxnSpLocks/>
-            <a:stCxn id="63" idx="3"/>
-            <a:endCxn id="37" idx="1"/>
+          </p:cNvCxnSpPr>
+          <p:nvPr/>
+        </p:nvCxnSpPr>
+        <p:spPr>
+          <a:xfrm flipH="1">
+            <a:off x="433388" y="866051"/>
+            <a:ext cx="11325225" cy="1"/>
+          </a:xfrm>
+          <a:prstGeom prst="line">
+            <a:avLst/>
+          </a:prstGeom>
+          <a:ln w="19050">
+            <a:solidFill>
+              <a:srgbClr val="00576E"/>
+            </a:solidFill>
+          </a:ln>
+          <a:effectLst>
+            <a:outerShdw blurRad="50800" dist="12700" dir="5400000" algn="t" rotWithShape="0">
+              <a:prstClr val="black">
+                <a:alpha val="40000"/>
+              </a:prstClr>
+            </a:outerShdw>
+          </a:effectLst>
+        </p:spPr>
+        <p:style>
+          <a:lnRef idx="2">
+            <a:schemeClr val="accent1"/>
+          </a:lnRef>
+          <a:fillRef idx="0">
+            <a:schemeClr val="accent1"/>
+          </a:fillRef>
+          <a:effectRef idx="1">
+            <a:schemeClr val="accent1"/>
+          </a:effectRef>
+          <a:fontRef idx="minor">
+            <a:schemeClr val="tx1"/>
+          </a:fontRef>
+        </p:style>
+      </p:cxnSp>
+      <p:sp>
+        <p:nvSpPr>
+          <p:cNvPr id="240" name="矩形 239">
+            <a:extLst>
+              <a:ext uri="{FF2B5EF4-FFF2-40B4-BE49-F238E27FC236}">
+                <a16:creationId xmlns:a16="http://schemas.microsoft.com/office/drawing/2014/main" id="{CE6D800A-2E58-40A9-AF4D-2C92406102BA}"/>
+              </a:ext>
+            </a:extLst>
+          </p:cNvPr>
+          <p:cNvSpPr/>
+          <p:nvPr/>
+        </p:nvSpPr>
+        <p:spPr>
+          <a:xfrm>
+            <a:off x="471489" y="209549"/>
+            <a:ext cx="119062" cy="513626"/>
+          </a:xfrm>
+          <a:prstGeom prst="rect">
+            <a:avLst/>
+          </a:prstGeom>
+          <a:solidFill>
+            <a:srgbClr val="00576E"/>
+          </a:solidFill>
+        </p:spPr>
+        <p:style>
+          <a:lnRef idx="2">
+            <a:schemeClr val="accent1">
+              <a:shade val="50000"/>
+            </a:schemeClr>
+          </a:lnRef>
+          <a:fillRef idx="1">
+            <a:schemeClr val="accent1"/>
+          </a:fillRef>
+          <a:effectRef idx="0">
+            <a:schemeClr val="accent1"/>
+          </a:effectRef>
+          <a:fontRef idx="minor">
+            <a:schemeClr val="lt1"/>
+          </a:fontRef>
+        </p:style>
+        <p:txBody>
+          <a:bodyPr rtlCol="0" anchor="ctr"/>
+          <a:lstStyle/>
+          <a:p>
+            <a:pPr algn="ctr"/>
+            <a:endParaRPr lang="zh-CN" altLang="en-US">
+              <a:latin typeface="Consolas" panose="020B0609020204030204" pitchFamily="49" charset="0"/>
+            </a:endParaRPr>
+          </a:p>
+        </p:txBody>
+      </p:sp>
+      <p:sp>
+        <p:nvSpPr>
+          <p:cNvPr id="241" name="文本框 240">
+            <a:extLst>
+              <a:ext uri="{FF2B5EF4-FFF2-40B4-BE49-F238E27FC236}">
+                <a16:creationId xmlns:a16="http://schemas.microsoft.com/office/drawing/2014/main" id="{90ABBAE7-6707-4A6F-819E-32C1CFD4250B}"/>
+              </a:ext>
+            </a:extLst>
+          </p:cNvPr>
+          <p:cNvSpPr txBox="1"/>
+          <p:nvPr/>
+        </p:nvSpPr>
+        <p:spPr>
+          <a:xfrm>
+            <a:off x="712379" y="173975"/>
+            <a:ext cx="1826141" cy="584775"/>
+          </a:xfrm>
+          <a:prstGeom prst="rect">
+            <a:avLst/>
+          </a:prstGeom>
+          <a:noFill/>
+        </p:spPr>
+        <p:txBody>
+          <a:bodyPr wrap="none" rtlCol="0">
+            <a:spAutoFit/>
+          </a:bodyPr>
+          <a:lstStyle/>
+          <a:p>
+            <a:r>
+              <a:rPr lang="zh-CN" altLang="en-US" sz="3200" b="1">
+                <a:latin typeface="Consolas" panose="020B0609020204030204" pitchFamily="49" charset="0"/>
+                <a:ea typeface="微软雅黑" panose="020B0503020204020204" pitchFamily="34" charset="-122"/>
+              </a:rPr>
+              <a:t>场外交易</a:t>
+            </a:r>
+          </a:p>
+        </p:txBody>
+      </p:sp>
+      <p:sp>
+        <p:nvSpPr>
+          <p:cNvPr id="49" name="矩形: 圆角 48">
+            <a:extLst>
+              <a:ext uri="{FF2B5EF4-FFF2-40B4-BE49-F238E27FC236}">
+                <a16:creationId xmlns:a16="http://schemas.microsoft.com/office/drawing/2014/main" id="{412BE305-D42D-4A74-94DC-D1DE6FBE1C09}"/>
+              </a:ext>
+            </a:extLst>
+          </p:cNvPr>
+          <p:cNvSpPr/>
+          <p:nvPr/>
+        </p:nvSpPr>
+        <p:spPr>
+          <a:xfrm>
+            <a:off x="804989" y="1911176"/>
+            <a:ext cx="1080000" cy="432000"/>
+          </a:xfrm>
+          <a:prstGeom prst="roundRect">
+            <a:avLst/>
+          </a:prstGeom>
+          <a:solidFill>
+            <a:srgbClr val="00B0F0"/>
+          </a:solidFill>
+          <a:ln>
+            <a:solidFill>
+              <a:schemeClr val="tx1"/>
+            </a:solidFill>
+          </a:ln>
+        </p:spPr>
+        <p:style>
+          <a:lnRef idx="2">
+            <a:schemeClr val="accent1">
+              <a:shade val="50000"/>
+            </a:schemeClr>
+          </a:lnRef>
+          <a:fillRef idx="1">
+            <a:schemeClr val="accent1"/>
+          </a:fillRef>
+          <a:effectRef idx="0">
+            <a:schemeClr val="accent1"/>
+          </a:effectRef>
+          <a:fontRef idx="minor">
+            <a:schemeClr val="lt1"/>
+          </a:fontRef>
+        </p:style>
+        <p:txBody>
+          <a:bodyPr wrap="none" lIns="36000" tIns="36000" rIns="36000" bIns="36000" rtlCol="0" anchor="ctr" anchorCtr="0"/>
+          <a:lstStyle/>
+          <a:p>
+            <a:pPr algn="ctr"/>
+            <a:r>
+              <a:rPr lang="zh-CN" altLang="en-US" sz="1600" b="1">
+                <a:solidFill>
+                  <a:schemeClr val="tx1"/>
+                </a:solidFill>
+                <a:latin typeface="微软雅黑" panose="020B0503020204020204" pitchFamily="34" charset="-122"/>
+                <a:ea typeface="微软雅黑" panose="020B0503020204020204" pitchFamily="34" charset="-122"/>
+              </a:rPr>
+              <a:t>买单用户</a:t>
+            </a:r>
+          </a:p>
+        </p:txBody>
+      </p:sp>
+      <p:cxnSp>
+        <p:nvCxnSpPr>
+          <p:cNvPr id="51" name="直接箭头连接符 50">
+            <a:extLst>
+              <a:ext uri="{FF2B5EF4-FFF2-40B4-BE49-F238E27FC236}">
+                <a16:creationId xmlns:a16="http://schemas.microsoft.com/office/drawing/2014/main" id="{B26E3E05-7D02-4551-9073-5CBF0CA8489A}"/>
+              </a:ext>
+            </a:extLst>
+          </p:cNvPr>
+          <p:cNvCxnSpPr>
+            <a:cxnSpLocks/>
+            <a:stCxn id="34" idx="3"/>
+            <a:endCxn id="55" idx="1"/>
           </p:cNvCxnSpPr>
           <p:nvPr/>
         </p:nvCxnSpPr>
         <p:spPr>
           <a:xfrm>
-            <a:off x="8885306" y="5476341"/>
+            <a:off x="6875867" y="2127176"/>
+            <a:ext cx="929439" cy="0"/>
+          </a:xfrm>
+          <a:prstGeom prst="straightConnector1">
+            <a:avLst/>
+          </a:prstGeom>
+          <a:ln w="31750">
+            <a:solidFill>
+              <a:schemeClr val="tx1"/>
+            </a:solidFill>
+            <a:tailEnd type="triangle"/>
+          </a:ln>
+        </p:spPr>
+        <p:style>
+          <a:lnRef idx="1">
+            <a:schemeClr val="accent1"/>
+          </a:lnRef>
+          <a:fillRef idx="0">
+            <a:schemeClr val="accent1"/>
+          </a:fillRef>
+          <a:effectRef idx="0">
+            <a:schemeClr val="accent1"/>
+          </a:effectRef>
+          <a:fontRef idx="minor">
+            <a:schemeClr val="tx1"/>
+          </a:fontRef>
+        </p:style>
+      </p:cxnSp>
+      <p:sp>
+        <p:nvSpPr>
+          <p:cNvPr id="52" name="矩形: 圆角 51">
+            <a:extLst>
+              <a:ext uri="{FF2B5EF4-FFF2-40B4-BE49-F238E27FC236}">
+                <a16:creationId xmlns:a16="http://schemas.microsoft.com/office/drawing/2014/main" id="{47091E74-4263-45AC-96A0-F48249A1428D}"/>
+              </a:ext>
+            </a:extLst>
+          </p:cNvPr>
+          <p:cNvSpPr/>
+          <p:nvPr/>
+        </p:nvSpPr>
+        <p:spPr>
+          <a:xfrm>
+            <a:off x="2814428" y="1839176"/>
+            <a:ext cx="1620000" cy="576000"/>
+          </a:xfrm>
+          <a:prstGeom prst="roundRect">
+            <a:avLst/>
+          </a:prstGeom>
+          <a:solidFill>
+            <a:schemeClr val="bg1"/>
+          </a:solidFill>
+          <a:ln>
+            <a:solidFill>
+              <a:schemeClr val="tx1"/>
+            </a:solidFill>
+          </a:ln>
+        </p:spPr>
+        <p:style>
+          <a:lnRef idx="2">
+            <a:schemeClr val="accent1">
+              <a:shade val="50000"/>
+            </a:schemeClr>
+          </a:lnRef>
+          <a:fillRef idx="1">
+            <a:schemeClr val="accent1"/>
+          </a:fillRef>
+          <a:effectRef idx="0">
+            <a:schemeClr val="accent1"/>
+          </a:effectRef>
+          <a:fontRef idx="minor">
+            <a:schemeClr val="lt1"/>
+          </a:fontRef>
+        </p:style>
+        <p:txBody>
+          <a:bodyPr wrap="none" lIns="36000" tIns="36000" rIns="36000" bIns="36000" rtlCol="0" anchor="ctr" anchorCtr="0"/>
+          <a:lstStyle/>
+          <a:p>
+            <a:pPr algn="ctr"/>
+            <a:r>
+              <a:rPr lang="zh-CN" altLang="en-US" sz="1600" b="1">
+                <a:solidFill>
+                  <a:schemeClr val="tx1"/>
+                </a:solidFill>
+                <a:latin typeface="微软雅黑" panose="020B0503020204020204" pitchFamily="34" charset="-122"/>
+                <a:ea typeface="微软雅黑" panose="020B0503020204020204" pitchFamily="34" charset="-122"/>
+              </a:rPr>
+              <a:t>场外支付</a:t>
+            </a:r>
+          </a:p>
+        </p:txBody>
+      </p:sp>
+      <p:cxnSp>
+        <p:nvCxnSpPr>
+          <p:cNvPr id="53" name="直接箭头连接符 52">
+            <a:extLst>
+              <a:ext uri="{FF2B5EF4-FFF2-40B4-BE49-F238E27FC236}">
+                <a16:creationId xmlns:a16="http://schemas.microsoft.com/office/drawing/2014/main" id="{34743039-6C7C-4A83-9F14-70E4F511ACFC}"/>
+              </a:ext>
+            </a:extLst>
+          </p:cNvPr>
+          <p:cNvCxnSpPr>
+            <a:cxnSpLocks/>
+            <a:stCxn id="49" idx="3"/>
+            <a:endCxn id="52" idx="1"/>
+          </p:cNvCxnSpPr>
+          <p:nvPr/>
+        </p:nvCxnSpPr>
+        <p:spPr>
+          <a:xfrm>
+            <a:off x="1884989" y="2127176"/>
+            <a:ext cx="929439" cy="0"/>
+          </a:xfrm>
+          <a:prstGeom prst="straightConnector1">
+            <a:avLst/>
+          </a:prstGeom>
+          <a:ln w="31750">
+            <a:solidFill>
+              <a:schemeClr val="tx1"/>
+            </a:solidFill>
+            <a:tailEnd type="triangle"/>
+          </a:ln>
+        </p:spPr>
+        <p:style>
+          <a:lnRef idx="1">
+            <a:schemeClr val="accent1"/>
+          </a:lnRef>
+          <a:fillRef idx="0">
+            <a:schemeClr val="accent1"/>
+          </a:fillRef>
+          <a:effectRef idx="0">
+            <a:schemeClr val="accent1"/>
+          </a:effectRef>
+          <a:fontRef idx="minor">
+            <a:schemeClr val="tx1"/>
+          </a:fontRef>
+        </p:style>
+      </p:cxnSp>
+      <p:sp>
+        <p:nvSpPr>
+          <p:cNvPr id="55" name="矩形: 圆角 54">
+            <a:extLst>
+              <a:ext uri="{FF2B5EF4-FFF2-40B4-BE49-F238E27FC236}">
+                <a16:creationId xmlns:a16="http://schemas.microsoft.com/office/drawing/2014/main" id="{51E46C4A-7DFB-40C1-B3C2-2F680522A617}"/>
+              </a:ext>
+            </a:extLst>
+          </p:cNvPr>
+          <p:cNvSpPr/>
+          <p:nvPr/>
+        </p:nvSpPr>
+        <p:spPr>
+          <a:xfrm>
+            <a:off x="7805306" y="1911176"/>
+            <a:ext cx="1080000" cy="432000"/>
+          </a:xfrm>
+          <a:prstGeom prst="roundRect">
+            <a:avLst/>
+          </a:prstGeom>
+          <a:solidFill>
+            <a:srgbClr val="00B0F0"/>
+          </a:solidFill>
+          <a:ln>
+            <a:solidFill>
+              <a:schemeClr val="tx1"/>
+            </a:solidFill>
+          </a:ln>
+        </p:spPr>
+        <p:style>
+          <a:lnRef idx="2">
+            <a:schemeClr val="accent1">
+              <a:shade val="50000"/>
+            </a:schemeClr>
+          </a:lnRef>
+          <a:fillRef idx="1">
+            <a:schemeClr val="accent1"/>
+          </a:fillRef>
+          <a:effectRef idx="0">
+            <a:schemeClr val="accent1"/>
+          </a:effectRef>
+          <a:fontRef idx="minor">
+            <a:schemeClr val="lt1"/>
+          </a:fontRef>
+        </p:style>
+        <p:txBody>
+          <a:bodyPr wrap="none" lIns="36000" tIns="36000" rIns="36000" bIns="36000" rtlCol="0" anchor="ctr" anchorCtr="0"/>
+          <a:lstStyle/>
+          <a:p>
+            <a:pPr algn="ctr"/>
+            <a:r>
+              <a:rPr lang="zh-CN" altLang="en-US" sz="1600" b="1">
+                <a:solidFill>
+                  <a:schemeClr val="tx1"/>
+                </a:solidFill>
+                <a:latin typeface="微软雅黑" panose="020B0503020204020204" pitchFamily="34" charset="-122"/>
+                <a:ea typeface="微软雅黑" panose="020B0503020204020204" pitchFamily="34" charset="-122"/>
+              </a:rPr>
+              <a:t>卖单用户</a:t>
+            </a:r>
+          </a:p>
+        </p:txBody>
+      </p:sp>
+      <p:sp>
+        <p:nvSpPr>
+          <p:cNvPr id="57" name="矩形: 圆角 56">
+            <a:extLst>
+              <a:ext uri="{FF2B5EF4-FFF2-40B4-BE49-F238E27FC236}">
+                <a16:creationId xmlns:a16="http://schemas.microsoft.com/office/drawing/2014/main" id="{65E9B693-9316-4E9F-82F7-2796C6B9FCD2}"/>
+              </a:ext>
+            </a:extLst>
+          </p:cNvPr>
+          <p:cNvSpPr/>
+          <p:nvPr/>
+        </p:nvSpPr>
+        <p:spPr>
+          <a:xfrm>
+            <a:off x="804989" y="4071017"/>
+            <a:ext cx="1080000" cy="432000"/>
+          </a:xfrm>
+          <a:prstGeom prst="roundRect">
+            <a:avLst/>
+          </a:prstGeom>
+          <a:solidFill>
+            <a:srgbClr val="00B0F0"/>
+          </a:solidFill>
+          <a:ln>
+            <a:solidFill>
+              <a:schemeClr val="tx1"/>
+            </a:solidFill>
+          </a:ln>
+        </p:spPr>
+        <p:style>
+          <a:lnRef idx="2">
+            <a:schemeClr val="accent1">
+              <a:shade val="50000"/>
+            </a:schemeClr>
+          </a:lnRef>
+          <a:fillRef idx="1">
+            <a:schemeClr val="accent1"/>
+          </a:fillRef>
+          <a:effectRef idx="0">
+            <a:schemeClr val="accent1"/>
+          </a:effectRef>
+          <a:fontRef idx="minor">
+            <a:schemeClr val="lt1"/>
+          </a:fontRef>
+        </p:style>
+        <p:txBody>
+          <a:bodyPr wrap="none" lIns="36000" tIns="36000" rIns="36000" bIns="36000" rtlCol="0" anchor="ctr" anchorCtr="0"/>
+          <a:lstStyle/>
+          <a:p>
+            <a:pPr algn="ctr"/>
+            <a:r>
+              <a:rPr lang="zh-CN" altLang="en-US" sz="1600" b="1">
+                <a:solidFill>
+                  <a:schemeClr val="tx1"/>
+                </a:solidFill>
+                <a:latin typeface="微软雅黑" panose="020B0503020204020204" pitchFamily="34" charset="-122"/>
+                <a:ea typeface="微软雅黑" panose="020B0503020204020204" pitchFamily="34" charset="-122"/>
+              </a:rPr>
+              <a:t>卖单用户</a:t>
+            </a:r>
+          </a:p>
+        </p:txBody>
+      </p:sp>
+      <p:sp>
+        <p:nvSpPr>
+          <p:cNvPr id="58" name="矩形: 圆角 57">
+            <a:extLst>
+              <a:ext uri="{FF2B5EF4-FFF2-40B4-BE49-F238E27FC236}">
+                <a16:creationId xmlns:a16="http://schemas.microsoft.com/office/drawing/2014/main" id="{1A415BD8-5740-4984-A8EF-0B45AE86E344}"/>
+              </a:ext>
+            </a:extLst>
+          </p:cNvPr>
+          <p:cNvSpPr/>
+          <p:nvPr/>
+        </p:nvSpPr>
+        <p:spPr>
+          <a:xfrm>
+            <a:off x="2814428" y="3963017"/>
+            <a:ext cx="1512000" cy="648000"/>
+          </a:xfrm>
+          <a:prstGeom prst="roundRect">
+            <a:avLst/>
+          </a:prstGeom>
+          <a:solidFill>
+            <a:srgbClr val="00B050"/>
+          </a:solidFill>
+          <a:ln>
+            <a:solidFill>
+              <a:schemeClr val="tx1"/>
+            </a:solidFill>
+          </a:ln>
+        </p:spPr>
+        <p:style>
+          <a:lnRef idx="2">
+            <a:schemeClr val="accent1">
+              <a:shade val="50000"/>
+            </a:schemeClr>
+          </a:lnRef>
+          <a:fillRef idx="1">
+            <a:schemeClr val="accent1"/>
+          </a:fillRef>
+          <a:effectRef idx="0">
+            <a:schemeClr val="accent1"/>
+          </a:effectRef>
+          <a:fontRef idx="minor">
+            <a:schemeClr val="lt1"/>
+          </a:fontRef>
+        </p:style>
+        <p:txBody>
+          <a:bodyPr wrap="none" lIns="36000" tIns="36000" rIns="36000" bIns="36000" rtlCol="0" anchor="ctr" anchorCtr="0"/>
+          <a:lstStyle/>
+          <a:p>
+            <a:pPr algn="ctr"/>
+            <a:r>
+              <a:rPr lang="zh-CN" altLang="en-US" sz="1600" b="1">
+                <a:solidFill>
+                  <a:schemeClr val="tx1"/>
+                </a:solidFill>
+                <a:latin typeface="微软雅黑" panose="020B0503020204020204" pitchFamily="34" charset="-122"/>
+                <a:ea typeface="微软雅黑" panose="020B0503020204020204" pitchFamily="34" charset="-122"/>
+              </a:rPr>
+              <a:t>确认收款</a:t>
+            </a:r>
+            <a:endParaRPr lang="en-US" altLang="zh-CN" sz="1600" b="1">
+              <a:solidFill>
+                <a:schemeClr val="tx1"/>
+              </a:solidFill>
+              <a:latin typeface="微软雅黑" panose="020B0503020204020204" pitchFamily="34" charset="-122"/>
+              <a:ea typeface="微软雅黑" panose="020B0503020204020204" pitchFamily="34" charset="-122"/>
+            </a:endParaRPr>
+          </a:p>
+          <a:p>
+            <a:pPr algn="ctr"/>
+            <a:r>
+              <a:rPr lang="en-US" altLang="zh-CN" sz="1600" b="1">
+                <a:solidFill>
+                  <a:schemeClr val="tx1"/>
+                </a:solidFill>
+                <a:latin typeface="微软雅黑" panose="020B0503020204020204" pitchFamily="34" charset="-122"/>
+                <a:ea typeface="微软雅黑" panose="020B0503020204020204" pitchFamily="34" charset="-122"/>
+              </a:rPr>
+              <a:t>confirm</a:t>
+            </a:r>
+            <a:endParaRPr lang="zh-CN" altLang="en-US" sz="1600" b="1">
+              <a:solidFill>
+                <a:schemeClr val="tx1"/>
+              </a:solidFill>
+              <a:latin typeface="微软雅黑" panose="020B0503020204020204" pitchFamily="34" charset="-122"/>
+              <a:ea typeface="微软雅黑" panose="020B0503020204020204" pitchFamily="34" charset="-122"/>
+            </a:endParaRPr>
+          </a:p>
+        </p:txBody>
+      </p:sp>
+      <p:cxnSp>
+        <p:nvCxnSpPr>
+          <p:cNvPr id="59" name="直接箭头连接符 58">
+            <a:extLst>
+              <a:ext uri="{FF2B5EF4-FFF2-40B4-BE49-F238E27FC236}">
+                <a16:creationId xmlns:a16="http://schemas.microsoft.com/office/drawing/2014/main" id="{E8CE606D-E7F8-4193-A90B-32217CC6FE96}"/>
+              </a:ext>
+            </a:extLst>
+          </p:cNvPr>
+          <p:cNvCxnSpPr>
+            <a:cxnSpLocks/>
+            <a:stCxn id="58" idx="3"/>
+            <a:endCxn id="60" idx="1"/>
+          </p:cNvCxnSpPr>
+          <p:nvPr/>
+        </p:nvCxnSpPr>
+        <p:spPr>
+          <a:xfrm>
+            <a:off x="4326428" y="4287017"/>
+            <a:ext cx="929439" cy="0"/>
+          </a:xfrm>
+          <a:prstGeom prst="straightConnector1">
+            <a:avLst/>
+          </a:prstGeom>
+          <a:ln w="31750">
+            <a:solidFill>
+              <a:schemeClr val="tx1"/>
+            </a:solidFill>
+            <a:tailEnd type="triangle"/>
+          </a:ln>
+        </p:spPr>
+        <p:style>
+          <a:lnRef idx="1">
+            <a:schemeClr val="accent1"/>
+          </a:lnRef>
+          <a:fillRef idx="0">
+            <a:schemeClr val="accent1"/>
+          </a:fillRef>
+          <a:effectRef idx="0">
+            <a:schemeClr val="accent1"/>
+          </a:effectRef>
+          <a:fontRef idx="minor">
+            <a:schemeClr val="tx1"/>
+          </a:fontRef>
+        </p:style>
+      </p:cxnSp>
+      <p:sp>
+        <p:nvSpPr>
+          <p:cNvPr id="60" name="矩形: 圆角 59">
+            <a:extLst>
+              <a:ext uri="{FF2B5EF4-FFF2-40B4-BE49-F238E27FC236}">
+                <a16:creationId xmlns:a16="http://schemas.microsoft.com/office/drawing/2014/main" id="{439E5E02-6BA2-41DE-AC3B-ECEDEFD1F385}"/>
+              </a:ext>
+            </a:extLst>
+          </p:cNvPr>
+          <p:cNvSpPr/>
+          <p:nvPr/>
+        </p:nvSpPr>
+        <p:spPr>
+          <a:xfrm>
+            <a:off x="5255867" y="3999017"/>
+            <a:ext cx="1620000" cy="576000"/>
+          </a:xfrm>
+          <a:prstGeom prst="roundRect">
+            <a:avLst/>
+          </a:prstGeom>
+          <a:solidFill>
+            <a:schemeClr val="bg1"/>
+          </a:solidFill>
+          <a:ln>
+            <a:solidFill>
+              <a:schemeClr val="tx1"/>
+            </a:solidFill>
+          </a:ln>
+        </p:spPr>
+        <p:style>
+          <a:lnRef idx="2">
+            <a:schemeClr val="accent1">
+              <a:shade val="50000"/>
+            </a:schemeClr>
+          </a:lnRef>
+          <a:fillRef idx="1">
+            <a:schemeClr val="accent1"/>
+          </a:fillRef>
+          <a:effectRef idx="0">
+            <a:schemeClr val="accent1"/>
+          </a:effectRef>
+          <a:fontRef idx="minor">
+            <a:schemeClr val="lt1"/>
+          </a:fontRef>
+        </p:style>
+        <p:txBody>
+          <a:bodyPr wrap="none" lIns="36000" tIns="36000" rIns="36000" bIns="36000" rtlCol="0" anchor="ctr" anchorCtr="0"/>
+          <a:lstStyle/>
+          <a:p>
+            <a:pPr algn="ctr"/>
+            <a:r>
+              <a:rPr lang="zh-CN" altLang="en-US" sz="1600" b="1">
+                <a:solidFill>
+                  <a:schemeClr val="tx1"/>
+                </a:solidFill>
+                <a:latin typeface="微软雅黑" panose="020B0503020204020204" pitchFamily="34" charset="-122"/>
+                <a:ea typeface="微软雅黑" panose="020B0503020204020204" pitchFamily="34" charset="-122"/>
+              </a:rPr>
+              <a:t>合约账户转账</a:t>
+            </a:r>
+          </a:p>
+        </p:txBody>
+      </p:sp>
+      <p:cxnSp>
+        <p:nvCxnSpPr>
+          <p:cNvPr id="62" name="直接箭头连接符 61">
+            <a:extLst>
+              <a:ext uri="{FF2B5EF4-FFF2-40B4-BE49-F238E27FC236}">
+                <a16:creationId xmlns:a16="http://schemas.microsoft.com/office/drawing/2014/main" id="{5E333993-C0A6-4C5E-86E9-7F2027329CE7}"/>
+              </a:ext>
+            </a:extLst>
+          </p:cNvPr>
+          <p:cNvCxnSpPr>
+            <a:cxnSpLocks/>
+            <a:stCxn id="57" idx="3"/>
+            <a:endCxn id="58" idx="1"/>
+          </p:cNvCxnSpPr>
+          <p:nvPr/>
+        </p:nvCxnSpPr>
+        <p:spPr>
+          <a:xfrm>
+            <a:off x="1884989" y="4287017"/>
+            <a:ext cx="929439" cy="0"/>
+          </a:xfrm>
+          <a:prstGeom prst="straightConnector1">
+            <a:avLst/>
+          </a:prstGeom>
+          <a:ln w="31750">
+            <a:solidFill>
+              <a:schemeClr val="tx1"/>
+            </a:solidFill>
+            <a:tailEnd type="triangle"/>
+          </a:ln>
+        </p:spPr>
+        <p:style>
+          <a:lnRef idx="1">
+            <a:schemeClr val="accent1"/>
+          </a:lnRef>
+          <a:fillRef idx="0">
+            <a:schemeClr val="accent1"/>
+          </a:fillRef>
+          <a:effectRef idx="0">
+            <a:schemeClr val="accent1"/>
+          </a:effectRef>
+          <a:fontRef idx="minor">
+            <a:schemeClr val="tx1"/>
+          </a:fontRef>
+        </p:style>
+      </p:cxnSp>
+      <p:sp>
+        <p:nvSpPr>
+          <p:cNvPr id="63" name="矩形: 圆角 62">
+            <a:extLst>
+              <a:ext uri="{FF2B5EF4-FFF2-40B4-BE49-F238E27FC236}">
+                <a16:creationId xmlns:a16="http://schemas.microsoft.com/office/drawing/2014/main" id="{277DE9D7-2400-47B2-8AB5-32DC77E2F2B6}"/>
+              </a:ext>
+            </a:extLst>
+          </p:cNvPr>
+          <p:cNvSpPr/>
+          <p:nvPr/>
+        </p:nvSpPr>
+        <p:spPr>
+          <a:xfrm>
+            <a:off x="7805306" y="4066022"/>
+            <a:ext cx="1080000" cy="432000"/>
+          </a:xfrm>
+          <a:prstGeom prst="roundRect">
+            <a:avLst/>
+          </a:prstGeom>
+          <a:solidFill>
+            <a:srgbClr val="00B0F0"/>
+          </a:solidFill>
+          <a:ln>
+            <a:solidFill>
+              <a:schemeClr val="tx1"/>
+            </a:solidFill>
+          </a:ln>
+        </p:spPr>
+        <p:style>
+          <a:lnRef idx="2">
+            <a:schemeClr val="accent1">
+              <a:shade val="50000"/>
+            </a:schemeClr>
+          </a:lnRef>
+          <a:fillRef idx="1">
+            <a:schemeClr val="accent1"/>
+          </a:fillRef>
+          <a:effectRef idx="0">
+            <a:schemeClr val="accent1"/>
+          </a:effectRef>
+          <a:fontRef idx="minor">
+            <a:schemeClr val="lt1"/>
+          </a:fontRef>
+        </p:style>
+        <p:txBody>
+          <a:bodyPr wrap="none" lIns="36000" tIns="36000" rIns="36000" bIns="36000" rtlCol="0" anchor="ctr" anchorCtr="0"/>
+          <a:lstStyle/>
+          <a:p>
+            <a:pPr algn="ctr"/>
+            <a:r>
+              <a:rPr lang="zh-CN" altLang="en-US" sz="1600" b="1">
+                <a:solidFill>
+                  <a:schemeClr val="tx1"/>
+                </a:solidFill>
+                <a:latin typeface="微软雅黑" panose="020B0503020204020204" pitchFamily="34" charset="-122"/>
+                <a:ea typeface="微软雅黑" panose="020B0503020204020204" pitchFamily="34" charset="-122"/>
+              </a:rPr>
+              <a:t>买单用户</a:t>
+            </a:r>
+          </a:p>
+        </p:txBody>
+      </p:sp>
+      <p:cxnSp>
+        <p:nvCxnSpPr>
+          <p:cNvPr id="64" name="直接箭头连接符 63">
+            <a:extLst>
+              <a:ext uri="{FF2B5EF4-FFF2-40B4-BE49-F238E27FC236}">
+                <a16:creationId xmlns:a16="http://schemas.microsoft.com/office/drawing/2014/main" id="{5E3981A5-3200-4516-8486-750739C1C0F0}"/>
+              </a:ext>
+            </a:extLst>
+          </p:cNvPr>
+          <p:cNvCxnSpPr>
+            <a:cxnSpLocks/>
+            <a:stCxn id="60" idx="3"/>
+            <a:endCxn id="63" idx="1"/>
+          </p:cNvCxnSpPr>
+          <p:nvPr/>
+        </p:nvCxnSpPr>
+        <p:spPr>
+          <a:xfrm flipV="1">
+            <a:off x="6875867" y="4282022"/>
+            <a:ext cx="929439" cy="4995"/>
+          </a:xfrm>
+          <a:prstGeom prst="straightConnector1">
+            <a:avLst/>
+          </a:prstGeom>
+          <a:ln w="31750">
+            <a:solidFill>
+              <a:schemeClr val="tx1"/>
+            </a:solidFill>
+            <a:tailEnd type="triangle"/>
+          </a:ln>
+        </p:spPr>
+        <p:style>
+          <a:lnRef idx="1">
+            <a:schemeClr val="accent1"/>
+          </a:lnRef>
+          <a:fillRef idx="0">
+            <a:schemeClr val="accent1"/>
+          </a:fillRef>
+          <a:effectRef idx="0">
+            <a:schemeClr val="accent1"/>
+          </a:effectRef>
+          <a:fontRef idx="minor">
+            <a:schemeClr val="tx1"/>
+          </a:fontRef>
+        </p:style>
+      </p:cxnSp>
+      <p:sp>
+        <p:nvSpPr>
+          <p:cNvPr id="34" name="矩形: 圆角 33">
+            <a:extLst>
+              <a:ext uri="{FF2B5EF4-FFF2-40B4-BE49-F238E27FC236}">
+                <a16:creationId xmlns:a16="http://schemas.microsoft.com/office/drawing/2014/main" id="{8868123B-109E-4A9F-8E31-973B05EF89EF}"/>
+              </a:ext>
+            </a:extLst>
+          </p:cNvPr>
+          <p:cNvSpPr/>
+          <p:nvPr/>
+        </p:nvSpPr>
+        <p:spPr>
+          <a:xfrm>
+            <a:off x="5363867" y="1803176"/>
+            <a:ext cx="1512000" cy="648000"/>
+          </a:xfrm>
+          <a:prstGeom prst="roundRect">
+            <a:avLst/>
+          </a:prstGeom>
+          <a:solidFill>
+            <a:srgbClr val="00B050"/>
+          </a:solidFill>
+          <a:ln>
+            <a:solidFill>
+              <a:schemeClr val="tx1"/>
+            </a:solidFill>
+          </a:ln>
+        </p:spPr>
+        <p:style>
+          <a:lnRef idx="2">
+            <a:schemeClr val="accent1">
+              <a:shade val="50000"/>
+            </a:schemeClr>
+          </a:lnRef>
+          <a:fillRef idx="1">
+            <a:schemeClr val="accent1"/>
+          </a:fillRef>
+          <a:effectRef idx="0">
+            <a:schemeClr val="accent1"/>
+          </a:effectRef>
+          <a:fontRef idx="minor">
+            <a:schemeClr val="lt1"/>
+          </a:fontRef>
+        </p:style>
+        <p:txBody>
+          <a:bodyPr wrap="none" lIns="36000" tIns="36000" rIns="36000" bIns="36000" rtlCol="0" anchor="ctr" anchorCtr="0"/>
+          <a:lstStyle/>
+          <a:p>
+            <a:pPr algn="ctr"/>
+            <a:r>
+              <a:rPr lang="zh-CN" altLang="en-US" sz="1600" b="1">
+                <a:solidFill>
+                  <a:schemeClr val="tx1"/>
+                </a:solidFill>
+                <a:latin typeface="微软雅黑" panose="020B0503020204020204" pitchFamily="34" charset="-122"/>
+                <a:ea typeface="微软雅黑" panose="020B0503020204020204" pitchFamily="34" charset="-122"/>
+              </a:rPr>
+              <a:t>购买</a:t>
+            </a:r>
+            <a:endParaRPr lang="en-US" altLang="zh-CN" sz="1600" b="1">
+              <a:solidFill>
+                <a:schemeClr val="tx1"/>
+              </a:solidFill>
+              <a:latin typeface="微软雅黑" panose="020B0503020204020204" pitchFamily="34" charset="-122"/>
+              <a:ea typeface="微软雅黑" panose="020B0503020204020204" pitchFamily="34" charset="-122"/>
+            </a:endParaRPr>
+          </a:p>
+          <a:p>
+            <a:pPr algn="ctr"/>
+            <a:r>
+              <a:rPr lang="en-US" altLang="zh-CN" sz="1600" b="1">
+                <a:solidFill>
+                  <a:schemeClr val="tx1"/>
+                </a:solidFill>
+                <a:latin typeface="微软雅黑" panose="020B0503020204020204" pitchFamily="34" charset="-122"/>
+                <a:ea typeface="微软雅黑" panose="020B0503020204020204" pitchFamily="34" charset="-122"/>
+              </a:rPr>
+              <a:t>buy</a:t>
+            </a:r>
+            <a:endParaRPr lang="zh-CN" altLang="en-US" sz="1600" b="1">
+              <a:solidFill>
+                <a:schemeClr val="tx1"/>
+              </a:solidFill>
+              <a:latin typeface="微软雅黑" panose="020B0503020204020204" pitchFamily="34" charset="-122"/>
+              <a:ea typeface="微软雅黑" panose="020B0503020204020204" pitchFamily="34" charset="-122"/>
+            </a:endParaRPr>
+          </a:p>
+        </p:txBody>
+      </p:sp>
+      <p:cxnSp>
+        <p:nvCxnSpPr>
+          <p:cNvPr id="35" name="直接箭头连接符 34">
+            <a:extLst>
+              <a:ext uri="{FF2B5EF4-FFF2-40B4-BE49-F238E27FC236}">
+                <a16:creationId xmlns:a16="http://schemas.microsoft.com/office/drawing/2014/main" id="{DD8FB0D5-3E4D-4843-B59D-8853752077EA}"/>
+              </a:ext>
+            </a:extLst>
+          </p:cNvPr>
+          <p:cNvCxnSpPr>
+            <a:cxnSpLocks/>
+            <a:stCxn id="52" idx="3"/>
+            <a:endCxn id="34" idx="1"/>
+          </p:cNvCxnSpPr>
+          <p:nvPr/>
+        </p:nvCxnSpPr>
+        <p:spPr>
+          <a:xfrm>
+            <a:off x="4434428" y="2127176"/>
+            <a:ext cx="929439" cy="0"/>
+          </a:xfrm>
+          <a:prstGeom prst="straightConnector1">
+            <a:avLst/>
+          </a:prstGeom>
+          <a:ln w="31750">
+            <a:solidFill>
+              <a:schemeClr val="tx1"/>
+            </a:solidFill>
+            <a:tailEnd type="triangle"/>
+          </a:ln>
+        </p:spPr>
+        <p:style>
+          <a:lnRef idx="1">
+            <a:schemeClr val="accent1"/>
+          </a:lnRef>
+          <a:fillRef idx="0">
+            <a:schemeClr val="accent1"/>
+          </a:fillRef>
+          <a:effectRef idx="0">
+            <a:schemeClr val="accent1"/>
+          </a:effectRef>
+          <a:fontRef idx="minor">
+            <a:schemeClr val="tx1"/>
+          </a:fontRef>
+        </p:style>
+      </p:cxnSp>
+      <p:cxnSp>
+        <p:nvCxnSpPr>
+          <p:cNvPr id="27" name="直接箭头连接符 26">
+            <a:extLst>
+              <a:ext uri="{FF2B5EF4-FFF2-40B4-BE49-F238E27FC236}">
+                <a16:creationId xmlns:a16="http://schemas.microsoft.com/office/drawing/2014/main" id="{848F891A-B509-4AB0-B91A-D6F52D2CCEB6}"/>
+              </a:ext>
+            </a:extLst>
+          </p:cNvPr>
+          <p:cNvCxnSpPr>
+            <a:cxnSpLocks/>
+            <a:stCxn id="63" idx="3"/>
+            <a:endCxn id="28" idx="1"/>
+          </p:cNvCxnSpPr>
+          <p:nvPr/>
+        </p:nvCxnSpPr>
+        <p:spPr>
+          <a:xfrm flipV="1">
+            <a:off x="8885306" y="3850022"/>
             <a:ext cx="929440" cy="432000"/>
           </a:xfrm>
           <a:prstGeom prst="straightConnector1">
@@ -6650,6 +8021,170 @@
           </a:fontRef>
         </p:style>
       </p:cxnSp>
+      <p:cxnSp>
+        <p:nvCxnSpPr>
+          <p:cNvPr id="29" name="直接箭头连接符 28">
+            <a:extLst>
+              <a:ext uri="{FF2B5EF4-FFF2-40B4-BE49-F238E27FC236}">
+                <a16:creationId xmlns:a16="http://schemas.microsoft.com/office/drawing/2014/main" id="{F37CC6C4-2015-45DA-B730-929041DEC6E9}"/>
+              </a:ext>
+            </a:extLst>
+          </p:cNvPr>
+          <p:cNvCxnSpPr>
+            <a:cxnSpLocks/>
+            <a:stCxn id="55" idx="3"/>
+            <a:endCxn id="30" idx="1"/>
+          </p:cNvCxnSpPr>
+          <p:nvPr/>
+        </p:nvCxnSpPr>
+        <p:spPr>
+          <a:xfrm>
+            <a:off x="8885306" y="2127176"/>
+            <a:ext cx="929440" cy="0"/>
+          </a:xfrm>
+          <a:prstGeom prst="straightConnector1">
+            <a:avLst/>
+          </a:prstGeom>
+          <a:ln w="57150">
+            <a:solidFill>
+              <a:srgbClr val="FFC000"/>
+            </a:solidFill>
+            <a:tailEnd type="triangle"/>
+          </a:ln>
+        </p:spPr>
+        <p:style>
+          <a:lnRef idx="1">
+            <a:schemeClr val="accent1"/>
+          </a:lnRef>
+          <a:fillRef idx="0">
+            <a:schemeClr val="accent1"/>
+          </a:fillRef>
+          <a:effectRef idx="0">
+            <a:schemeClr val="accent1"/>
+          </a:effectRef>
+          <a:fontRef idx="minor">
+            <a:schemeClr val="tx1"/>
+          </a:fontRef>
+        </p:style>
+      </p:cxnSp>
+      <p:sp>
+        <p:nvSpPr>
+          <p:cNvPr id="30" name="矩形: 圆角 29">
+            <a:extLst>
+              <a:ext uri="{FF2B5EF4-FFF2-40B4-BE49-F238E27FC236}">
+                <a16:creationId xmlns:a16="http://schemas.microsoft.com/office/drawing/2014/main" id="{91506958-E49E-4576-BFCF-9A8F00E73CA4}"/>
+              </a:ext>
+            </a:extLst>
+          </p:cNvPr>
+          <p:cNvSpPr/>
+          <p:nvPr/>
+        </p:nvSpPr>
+        <p:spPr>
+          <a:xfrm>
+            <a:off x="9814746" y="1911176"/>
+            <a:ext cx="1728000" cy="432000"/>
+          </a:xfrm>
+          <a:prstGeom prst="roundRect">
+            <a:avLst/>
+          </a:prstGeom>
+          <a:solidFill>
+            <a:schemeClr val="bg1">
+              <a:lumMod val="95000"/>
+            </a:schemeClr>
+          </a:solidFill>
+          <a:ln>
+            <a:solidFill>
+              <a:schemeClr val="tx1"/>
+            </a:solidFill>
+          </a:ln>
+        </p:spPr>
+        <p:style>
+          <a:lnRef idx="2">
+            <a:schemeClr val="accent1">
+              <a:shade val="50000"/>
+            </a:schemeClr>
+          </a:lnRef>
+          <a:fillRef idx="1">
+            <a:schemeClr val="accent1"/>
+          </a:fillRef>
+          <a:effectRef idx="0">
+            <a:schemeClr val="accent1"/>
+          </a:effectRef>
+          <a:fontRef idx="minor">
+            <a:schemeClr val="lt1"/>
+          </a:fontRef>
+        </p:style>
+        <p:txBody>
+          <a:bodyPr wrap="none" lIns="36000" tIns="36000" rIns="36000" bIns="36000" rtlCol="0" anchor="ctr" anchorCtr="0"/>
+          <a:lstStyle/>
+          <a:p>
+            <a:pPr algn="ctr"/>
+            <a:r>
+              <a:rPr lang="zh-CN" altLang="en-US" sz="1600" b="1">
+                <a:solidFill>
+                  <a:schemeClr val="tx1"/>
+                </a:solidFill>
+                <a:latin typeface="微软雅黑" panose="020B0503020204020204" pitchFamily="34" charset="-122"/>
+                <a:ea typeface="微软雅黑" panose="020B0503020204020204" pitchFamily="34" charset="-122"/>
+              </a:rPr>
+              <a:t>订单表</a:t>
+            </a:r>
+            <a:endParaRPr lang="en-US" altLang="zh-CN" sz="1600" b="1">
+              <a:solidFill>
+                <a:schemeClr val="tx1"/>
+              </a:solidFill>
+              <a:latin typeface="微软雅黑" panose="020B0503020204020204" pitchFamily="34" charset="-122"/>
+              <a:ea typeface="微软雅黑" panose="020B0503020204020204" pitchFamily="34" charset="-122"/>
+            </a:endParaRPr>
+          </a:p>
+        </p:txBody>
+      </p:sp>
+      <p:cxnSp>
+        <p:nvCxnSpPr>
+          <p:cNvPr id="36" name="直接箭头连接符 35">
+            <a:extLst>
+              <a:ext uri="{FF2B5EF4-FFF2-40B4-BE49-F238E27FC236}">
+                <a16:creationId xmlns:a16="http://schemas.microsoft.com/office/drawing/2014/main" id="{BF60387A-F6EE-4893-B8F0-0EFE87190D14}"/>
+              </a:ext>
+            </a:extLst>
+          </p:cNvPr>
+          <p:cNvCxnSpPr>
+            <a:cxnSpLocks/>
+            <a:stCxn id="63" idx="3"/>
+            <a:endCxn id="37" idx="1"/>
+          </p:cNvCxnSpPr>
+          <p:nvPr/>
+        </p:nvCxnSpPr>
+        <p:spPr>
+          <a:xfrm>
+            <a:off x="8885306" y="4282022"/>
+            <a:ext cx="929440" cy="432000"/>
+          </a:xfrm>
+          <a:prstGeom prst="straightConnector1">
+            <a:avLst/>
+          </a:prstGeom>
+          <a:ln w="57150">
+            <a:solidFill>
+              <a:srgbClr val="FFC000"/>
+            </a:solidFill>
+            <a:tailEnd type="triangle"/>
+          </a:ln>
+        </p:spPr>
+        <p:style>
+          <a:lnRef idx="1">
+            <a:schemeClr val="accent1"/>
+          </a:lnRef>
+          <a:fillRef idx="0">
+            <a:schemeClr val="accent1"/>
+          </a:fillRef>
+          <a:effectRef idx="0">
+            <a:schemeClr val="accent1"/>
+          </a:effectRef>
+          <a:fontRef idx="minor">
+            <a:schemeClr val="tx1"/>
+          </a:fontRef>
+        </p:style>
+      </p:cxnSp>
       <p:grpSp>
         <p:nvGrpSpPr>
           <p:cNvPr id="11" name="组合 10">
@@ -6664,7 +8199,7 @@
         </p:nvGrpSpPr>
         <p:grpSpPr>
           <a:xfrm>
-            <a:off x="9814746" y="4828341"/>
+            <a:off x="9814746" y="3634022"/>
             <a:ext cx="1728000" cy="1296000"/>
             <a:chOff x="9814746" y="4828341"/>
             <a:chExt cx="1728000" cy="1296000"/>
@@ -6818,711 +8353,7 @@
     </p:spTree>
     <p:extLst>
       <p:ext uri="{BB962C8B-B14F-4D97-AF65-F5344CB8AC3E}">
-        <p14:creationId xmlns:p14="http://schemas.microsoft.com/office/powerpoint/2010/main" val="4071845704"/>
-      </p:ext>
-    </p:extLst>
-  </p:cSld>
-  <p:clrMapOvr>
-    <a:masterClrMapping/>
-  </p:clrMapOvr>
-</p:sld>
-</file>
-
-<file path=ppt/slides/slide4.xml><?xml version="1.0" encoding="utf-8"?>
-<p:sld xmlns:a="http://schemas.openxmlformats.org/drawingml/2006/main" xmlns:r="http://schemas.openxmlformats.org/officeDocument/2006/relationships" xmlns:p="http://schemas.openxmlformats.org/presentationml/2006/main">
-  <p:cSld>
-    <p:spTree>
-      <p:nvGrpSpPr>
-        <p:cNvPr id="1" name=""/>
-        <p:cNvGrpSpPr/>
-        <p:nvPr/>
-      </p:nvGrpSpPr>
-      <p:grpSpPr>
-        <a:xfrm>
-          <a:off x="0" y="0"/>
-          <a:ext cx="0" cy="0"/>
-          <a:chOff x="0" y="0"/>
-          <a:chExt cx="0" cy="0"/>
-        </a:xfrm>
-      </p:grpSpPr>
-      <p:cxnSp>
-        <p:nvCxnSpPr>
-          <p:cNvPr id="239" name="直接连接符 238">
-            <a:extLst>
-              <a:ext uri="{FF2B5EF4-FFF2-40B4-BE49-F238E27FC236}">
-                <a16:creationId xmlns:a16="http://schemas.microsoft.com/office/drawing/2014/main" id="{05CC9636-A076-48A7-9A94-4E0212BA0C59}"/>
-              </a:ext>
-            </a:extLst>
-          </p:cNvPr>
-          <p:cNvCxnSpPr>
-            <a:cxnSpLocks/>
-          </p:cNvCxnSpPr>
-          <p:nvPr/>
-        </p:nvCxnSpPr>
-        <p:spPr>
-          <a:xfrm flipH="1">
-            <a:off x="433388" y="866051"/>
-            <a:ext cx="11325225" cy="1"/>
-          </a:xfrm>
-          <a:prstGeom prst="line">
-            <a:avLst/>
-          </a:prstGeom>
-          <a:ln w="19050">
-            <a:solidFill>
-              <a:srgbClr val="00576E"/>
-            </a:solidFill>
-          </a:ln>
-          <a:effectLst>
-            <a:outerShdw blurRad="50800" dist="12700" dir="5400000" algn="t" rotWithShape="0">
-              <a:prstClr val="black">
-                <a:alpha val="40000"/>
-              </a:prstClr>
-            </a:outerShdw>
-          </a:effectLst>
-        </p:spPr>
-        <p:style>
-          <a:lnRef idx="2">
-            <a:schemeClr val="accent1"/>
-          </a:lnRef>
-          <a:fillRef idx="0">
-            <a:schemeClr val="accent1"/>
-          </a:fillRef>
-          <a:effectRef idx="1">
-            <a:schemeClr val="accent1"/>
-          </a:effectRef>
-          <a:fontRef idx="minor">
-            <a:schemeClr val="tx1"/>
-          </a:fontRef>
-        </p:style>
-      </p:cxnSp>
-      <p:sp>
-        <p:nvSpPr>
-          <p:cNvPr id="240" name="矩形 239">
-            <a:extLst>
-              <a:ext uri="{FF2B5EF4-FFF2-40B4-BE49-F238E27FC236}">
-                <a16:creationId xmlns:a16="http://schemas.microsoft.com/office/drawing/2014/main" id="{CE6D800A-2E58-40A9-AF4D-2C92406102BA}"/>
-              </a:ext>
-            </a:extLst>
-          </p:cNvPr>
-          <p:cNvSpPr/>
-          <p:nvPr/>
-        </p:nvSpPr>
-        <p:spPr>
-          <a:xfrm>
-            <a:off x="471489" y="209549"/>
-            <a:ext cx="119062" cy="513626"/>
-          </a:xfrm>
-          <a:prstGeom prst="rect">
-            <a:avLst/>
-          </a:prstGeom>
-          <a:solidFill>
-            <a:srgbClr val="00576E"/>
-          </a:solidFill>
-        </p:spPr>
-        <p:style>
-          <a:lnRef idx="2">
-            <a:schemeClr val="accent1">
-              <a:shade val="50000"/>
-            </a:schemeClr>
-          </a:lnRef>
-          <a:fillRef idx="1">
-            <a:schemeClr val="accent1"/>
-          </a:fillRef>
-          <a:effectRef idx="0">
-            <a:schemeClr val="accent1"/>
-          </a:effectRef>
-          <a:fontRef idx="minor">
-            <a:schemeClr val="lt1"/>
-          </a:fontRef>
-        </p:style>
-        <p:txBody>
-          <a:bodyPr rtlCol="0" anchor="ctr"/>
-          <a:lstStyle/>
-          <a:p>
-            <a:pPr algn="ctr"/>
-            <a:endParaRPr lang="zh-CN" altLang="en-US">
-              <a:latin typeface="Consolas" panose="020B0609020204030204" pitchFamily="49" charset="0"/>
-            </a:endParaRPr>
-          </a:p>
-        </p:txBody>
-      </p:sp>
-      <p:sp>
-        <p:nvSpPr>
-          <p:cNvPr id="241" name="文本框 240">
-            <a:extLst>
-              <a:ext uri="{FF2B5EF4-FFF2-40B4-BE49-F238E27FC236}">
-                <a16:creationId xmlns:a16="http://schemas.microsoft.com/office/drawing/2014/main" id="{90ABBAE7-6707-4A6F-819E-32C1CFD4250B}"/>
-              </a:ext>
-            </a:extLst>
-          </p:cNvPr>
-          <p:cNvSpPr txBox="1"/>
-          <p:nvPr/>
-        </p:nvSpPr>
-        <p:spPr>
-          <a:xfrm>
-            <a:off x="712379" y="173975"/>
-            <a:ext cx="2646878" cy="584775"/>
-          </a:xfrm>
-          <a:prstGeom prst="rect">
-            <a:avLst/>
-          </a:prstGeom>
-          <a:noFill/>
-        </p:spPr>
-        <p:txBody>
-          <a:bodyPr wrap="none" rtlCol="0">
-            <a:spAutoFit/>
-          </a:bodyPr>
-          <a:lstStyle/>
-          <a:p>
-            <a:r>
-              <a:rPr lang="zh-CN" altLang="en-US" sz="3200" b="1">
-                <a:latin typeface="Consolas" panose="020B0609020204030204" pitchFamily="49" charset="0"/>
-                <a:ea typeface="微软雅黑" panose="020B0503020204020204" pitchFamily="34" charset="-122"/>
-              </a:rPr>
-              <a:t>卖家赎回流程</a:t>
-            </a:r>
-          </a:p>
-        </p:txBody>
-      </p:sp>
-      <p:sp>
-        <p:nvSpPr>
-          <p:cNvPr id="57" name="矩形: 圆角 56">
-            <a:extLst>
-              <a:ext uri="{FF2B5EF4-FFF2-40B4-BE49-F238E27FC236}">
-                <a16:creationId xmlns:a16="http://schemas.microsoft.com/office/drawing/2014/main" id="{65E9B693-9316-4E9F-82F7-2796C6B9FCD2}"/>
-              </a:ext>
-            </a:extLst>
-          </p:cNvPr>
-          <p:cNvSpPr/>
-          <p:nvPr/>
-        </p:nvSpPr>
-        <p:spPr>
-          <a:xfrm>
-            <a:off x="712379" y="1613354"/>
-            <a:ext cx="1080000" cy="432000"/>
-          </a:xfrm>
-          <a:prstGeom prst="roundRect">
-            <a:avLst/>
-          </a:prstGeom>
-          <a:solidFill>
-            <a:srgbClr val="00B0F0"/>
-          </a:solidFill>
-          <a:ln>
-            <a:solidFill>
-              <a:schemeClr val="tx1"/>
-            </a:solidFill>
-          </a:ln>
-        </p:spPr>
-        <p:style>
-          <a:lnRef idx="2">
-            <a:schemeClr val="accent1">
-              <a:shade val="50000"/>
-            </a:schemeClr>
-          </a:lnRef>
-          <a:fillRef idx="1">
-            <a:schemeClr val="accent1"/>
-          </a:fillRef>
-          <a:effectRef idx="0">
-            <a:schemeClr val="accent1"/>
-          </a:effectRef>
-          <a:fontRef idx="minor">
-            <a:schemeClr val="lt1"/>
-          </a:fontRef>
-        </p:style>
-        <p:txBody>
-          <a:bodyPr wrap="none" lIns="36000" tIns="36000" rIns="36000" bIns="36000" rtlCol="0" anchor="ctr" anchorCtr="0"/>
-          <a:lstStyle/>
-          <a:p>
-            <a:pPr algn="ctr"/>
-            <a:r>
-              <a:rPr lang="zh-CN" altLang="en-US" sz="1600" b="1">
-                <a:solidFill>
-                  <a:schemeClr val="tx1"/>
-                </a:solidFill>
-                <a:latin typeface="微软雅黑" panose="020B0503020204020204" pitchFamily="34" charset="-122"/>
-                <a:ea typeface="微软雅黑" panose="020B0503020204020204" pitchFamily="34" charset="-122"/>
-              </a:rPr>
-              <a:t>卖单用户</a:t>
-            </a:r>
-          </a:p>
-        </p:txBody>
-      </p:sp>
-      <p:sp>
-        <p:nvSpPr>
-          <p:cNvPr id="58" name="矩形: 圆角 57">
-            <a:extLst>
-              <a:ext uri="{FF2B5EF4-FFF2-40B4-BE49-F238E27FC236}">
-                <a16:creationId xmlns:a16="http://schemas.microsoft.com/office/drawing/2014/main" id="{1A415BD8-5740-4984-A8EF-0B45AE86E344}"/>
-              </a:ext>
-            </a:extLst>
-          </p:cNvPr>
-          <p:cNvSpPr/>
-          <p:nvPr/>
-        </p:nvSpPr>
-        <p:spPr>
-          <a:xfrm>
-            <a:off x="2733307" y="1505354"/>
-            <a:ext cx="1512000" cy="648000"/>
-          </a:xfrm>
-          <a:prstGeom prst="roundRect">
-            <a:avLst/>
-          </a:prstGeom>
-          <a:solidFill>
-            <a:srgbClr val="00B050"/>
-          </a:solidFill>
-          <a:ln>
-            <a:solidFill>
-              <a:schemeClr val="tx1"/>
-            </a:solidFill>
-          </a:ln>
-        </p:spPr>
-        <p:style>
-          <a:lnRef idx="2">
-            <a:schemeClr val="accent1">
-              <a:shade val="50000"/>
-            </a:schemeClr>
-          </a:lnRef>
-          <a:fillRef idx="1">
-            <a:schemeClr val="accent1"/>
-          </a:fillRef>
-          <a:effectRef idx="0">
-            <a:schemeClr val="accent1"/>
-          </a:effectRef>
-          <a:fontRef idx="minor">
-            <a:schemeClr val="lt1"/>
-          </a:fontRef>
-        </p:style>
-        <p:txBody>
-          <a:bodyPr wrap="none" lIns="36000" tIns="36000" rIns="36000" bIns="36000" rtlCol="0" anchor="ctr" anchorCtr="0"/>
-          <a:lstStyle/>
-          <a:p>
-            <a:pPr algn="ctr"/>
-            <a:r>
-              <a:rPr lang="zh-CN" altLang="en-US" sz="1600" b="1">
-                <a:solidFill>
-                  <a:schemeClr val="tx1"/>
-                </a:solidFill>
-                <a:latin typeface="微软雅黑" panose="020B0503020204020204" pitchFamily="34" charset="-122"/>
-                <a:ea typeface="微软雅黑" panose="020B0503020204020204" pitchFamily="34" charset="-122"/>
-              </a:rPr>
-              <a:t>赎回</a:t>
-            </a:r>
-            <a:endParaRPr lang="en-US" altLang="zh-CN" sz="1600" b="1">
-              <a:solidFill>
-                <a:schemeClr val="tx1"/>
-              </a:solidFill>
-              <a:latin typeface="微软雅黑" panose="020B0503020204020204" pitchFamily="34" charset="-122"/>
-              <a:ea typeface="微软雅黑" panose="020B0503020204020204" pitchFamily="34" charset="-122"/>
-            </a:endParaRPr>
-          </a:p>
-          <a:p>
-            <a:pPr algn="ctr"/>
-            <a:r>
-              <a:rPr lang="en-US" altLang="zh-CN" sz="1600" b="1">
-                <a:solidFill>
-                  <a:schemeClr val="tx1"/>
-                </a:solidFill>
-                <a:latin typeface="微软雅黑" panose="020B0503020204020204" pitchFamily="34" charset="-122"/>
-                <a:ea typeface="微软雅黑" panose="020B0503020204020204" pitchFamily="34" charset="-122"/>
-              </a:rPr>
-              <a:t>redeem</a:t>
-            </a:r>
-            <a:endParaRPr lang="zh-CN" altLang="en-US" sz="1600" b="1">
-              <a:solidFill>
-                <a:schemeClr val="tx1"/>
-              </a:solidFill>
-              <a:latin typeface="微软雅黑" panose="020B0503020204020204" pitchFamily="34" charset="-122"/>
-              <a:ea typeface="微软雅黑" panose="020B0503020204020204" pitchFamily="34" charset="-122"/>
-            </a:endParaRPr>
-          </a:p>
-        </p:txBody>
-      </p:sp>
-      <p:cxnSp>
-        <p:nvCxnSpPr>
-          <p:cNvPr id="59" name="直接箭头连接符 58">
-            <a:extLst>
-              <a:ext uri="{FF2B5EF4-FFF2-40B4-BE49-F238E27FC236}">
-                <a16:creationId xmlns:a16="http://schemas.microsoft.com/office/drawing/2014/main" id="{E8CE606D-E7F8-4193-A90B-32217CC6FE96}"/>
-              </a:ext>
-            </a:extLst>
-          </p:cNvPr>
-          <p:cNvCxnSpPr>
-            <a:cxnSpLocks/>
-            <a:stCxn id="58" idx="3"/>
-            <a:endCxn id="60" idx="1"/>
-          </p:cNvCxnSpPr>
-          <p:nvPr/>
-        </p:nvCxnSpPr>
-        <p:spPr>
-          <a:xfrm>
-            <a:off x="4245307" y="1829354"/>
-            <a:ext cx="940928" cy="0"/>
-          </a:xfrm>
-          <a:prstGeom prst="straightConnector1">
-            <a:avLst/>
-          </a:prstGeom>
-          <a:ln w="31750">
-            <a:solidFill>
-              <a:schemeClr val="tx1"/>
-            </a:solidFill>
-            <a:tailEnd type="triangle"/>
-          </a:ln>
-        </p:spPr>
-        <p:style>
-          <a:lnRef idx="1">
-            <a:schemeClr val="accent1"/>
-          </a:lnRef>
-          <a:fillRef idx="0">
-            <a:schemeClr val="accent1"/>
-          </a:fillRef>
-          <a:effectRef idx="0">
-            <a:schemeClr val="accent1"/>
-          </a:effectRef>
-          <a:fontRef idx="minor">
-            <a:schemeClr val="tx1"/>
-          </a:fontRef>
-        </p:style>
-      </p:cxnSp>
-      <p:sp>
-        <p:nvSpPr>
-          <p:cNvPr id="60" name="矩形: 圆角 59">
-            <a:extLst>
-              <a:ext uri="{FF2B5EF4-FFF2-40B4-BE49-F238E27FC236}">
-                <a16:creationId xmlns:a16="http://schemas.microsoft.com/office/drawing/2014/main" id="{439E5E02-6BA2-41DE-AC3B-ECEDEFD1F385}"/>
-              </a:ext>
-            </a:extLst>
-          </p:cNvPr>
-          <p:cNvSpPr/>
-          <p:nvPr/>
-        </p:nvSpPr>
-        <p:spPr>
-          <a:xfrm>
-            <a:off x="5186235" y="1541354"/>
-            <a:ext cx="1620000" cy="576000"/>
-          </a:xfrm>
-          <a:prstGeom prst="roundRect">
-            <a:avLst/>
-          </a:prstGeom>
-          <a:solidFill>
-            <a:schemeClr val="bg1"/>
-          </a:solidFill>
-          <a:ln>
-            <a:solidFill>
-              <a:schemeClr val="tx1"/>
-            </a:solidFill>
-          </a:ln>
-        </p:spPr>
-        <p:style>
-          <a:lnRef idx="2">
-            <a:schemeClr val="accent1">
-              <a:shade val="50000"/>
-            </a:schemeClr>
-          </a:lnRef>
-          <a:fillRef idx="1">
-            <a:schemeClr val="accent1"/>
-          </a:fillRef>
-          <a:effectRef idx="0">
-            <a:schemeClr val="accent1"/>
-          </a:effectRef>
-          <a:fontRef idx="minor">
-            <a:schemeClr val="lt1"/>
-          </a:fontRef>
-        </p:style>
-        <p:txBody>
-          <a:bodyPr wrap="none" lIns="36000" tIns="36000" rIns="36000" bIns="36000" rtlCol="0" anchor="ctr" anchorCtr="0"/>
-          <a:lstStyle/>
-          <a:p>
-            <a:pPr algn="ctr"/>
-            <a:r>
-              <a:rPr lang="zh-CN" altLang="en-US" sz="1600" b="1">
-                <a:solidFill>
-                  <a:schemeClr val="tx1"/>
-                </a:solidFill>
-                <a:latin typeface="微软雅黑" panose="020B0503020204020204" pitchFamily="34" charset="-122"/>
-                <a:ea typeface="微软雅黑" panose="020B0503020204020204" pitchFamily="34" charset="-122"/>
-              </a:rPr>
-              <a:t>合约账户转账</a:t>
-            </a:r>
-          </a:p>
-        </p:txBody>
-      </p:sp>
-      <p:cxnSp>
-        <p:nvCxnSpPr>
-          <p:cNvPr id="62" name="直接箭头连接符 61">
-            <a:extLst>
-              <a:ext uri="{FF2B5EF4-FFF2-40B4-BE49-F238E27FC236}">
-                <a16:creationId xmlns:a16="http://schemas.microsoft.com/office/drawing/2014/main" id="{5E333993-C0A6-4C5E-86E9-7F2027329CE7}"/>
-              </a:ext>
-            </a:extLst>
-          </p:cNvPr>
-          <p:cNvCxnSpPr>
-            <a:cxnSpLocks/>
-            <a:stCxn id="57" idx="3"/>
-            <a:endCxn id="58" idx="1"/>
-          </p:cNvCxnSpPr>
-          <p:nvPr/>
-        </p:nvCxnSpPr>
-        <p:spPr>
-          <a:xfrm>
-            <a:off x="1792379" y="1829354"/>
-            <a:ext cx="940928" cy="0"/>
-          </a:xfrm>
-          <a:prstGeom prst="straightConnector1">
-            <a:avLst/>
-          </a:prstGeom>
-          <a:ln w="31750">
-            <a:solidFill>
-              <a:schemeClr val="tx1"/>
-            </a:solidFill>
-            <a:tailEnd type="triangle"/>
-          </a:ln>
-        </p:spPr>
-        <p:style>
-          <a:lnRef idx="1">
-            <a:schemeClr val="accent1"/>
-          </a:lnRef>
-          <a:fillRef idx="0">
-            <a:schemeClr val="accent1"/>
-          </a:fillRef>
-          <a:effectRef idx="0">
-            <a:schemeClr val="accent1"/>
-          </a:effectRef>
-          <a:fontRef idx="minor">
-            <a:schemeClr val="tx1"/>
-          </a:fontRef>
-        </p:style>
-      </p:cxnSp>
-      <p:sp>
-        <p:nvSpPr>
-          <p:cNvPr id="63" name="矩形: 圆角 62">
-            <a:extLst>
-              <a:ext uri="{FF2B5EF4-FFF2-40B4-BE49-F238E27FC236}">
-                <a16:creationId xmlns:a16="http://schemas.microsoft.com/office/drawing/2014/main" id="{277DE9D7-2400-47B2-8AB5-32DC77E2F2B6}"/>
-              </a:ext>
-            </a:extLst>
-          </p:cNvPr>
-          <p:cNvSpPr/>
-          <p:nvPr/>
-        </p:nvSpPr>
-        <p:spPr>
-          <a:xfrm>
-            <a:off x="7747163" y="1613354"/>
-            <a:ext cx="1080000" cy="432000"/>
-          </a:xfrm>
-          <a:prstGeom prst="roundRect">
-            <a:avLst/>
-          </a:prstGeom>
-          <a:solidFill>
-            <a:srgbClr val="00B0F0"/>
-          </a:solidFill>
-          <a:ln>
-            <a:solidFill>
-              <a:schemeClr val="tx1"/>
-            </a:solidFill>
-          </a:ln>
-        </p:spPr>
-        <p:style>
-          <a:lnRef idx="2">
-            <a:schemeClr val="accent1">
-              <a:shade val="50000"/>
-            </a:schemeClr>
-          </a:lnRef>
-          <a:fillRef idx="1">
-            <a:schemeClr val="accent1"/>
-          </a:fillRef>
-          <a:effectRef idx="0">
-            <a:schemeClr val="accent1"/>
-          </a:effectRef>
-          <a:fontRef idx="minor">
-            <a:schemeClr val="lt1"/>
-          </a:fontRef>
-        </p:style>
-        <p:txBody>
-          <a:bodyPr wrap="none" lIns="36000" tIns="36000" rIns="36000" bIns="36000" rtlCol="0" anchor="ctr" anchorCtr="0"/>
-          <a:lstStyle/>
-          <a:p>
-            <a:pPr algn="ctr"/>
-            <a:r>
-              <a:rPr lang="zh-CN" altLang="en-US" sz="1600" b="1">
-                <a:solidFill>
-                  <a:schemeClr val="tx1"/>
-                </a:solidFill>
-                <a:latin typeface="微软雅黑" panose="020B0503020204020204" pitchFamily="34" charset="-122"/>
-                <a:ea typeface="微软雅黑" panose="020B0503020204020204" pitchFamily="34" charset="-122"/>
-              </a:rPr>
-              <a:t>卖单用户</a:t>
-            </a:r>
-          </a:p>
-        </p:txBody>
-      </p:sp>
-      <p:cxnSp>
-        <p:nvCxnSpPr>
-          <p:cNvPr id="64" name="直接箭头连接符 63">
-            <a:extLst>
-              <a:ext uri="{FF2B5EF4-FFF2-40B4-BE49-F238E27FC236}">
-                <a16:creationId xmlns:a16="http://schemas.microsoft.com/office/drawing/2014/main" id="{5E3981A5-3200-4516-8486-750739C1C0F0}"/>
-              </a:ext>
-            </a:extLst>
-          </p:cNvPr>
-          <p:cNvCxnSpPr>
-            <a:cxnSpLocks/>
-            <a:stCxn id="60" idx="3"/>
-            <a:endCxn id="63" idx="1"/>
-          </p:cNvCxnSpPr>
-          <p:nvPr/>
-        </p:nvCxnSpPr>
-        <p:spPr>
-          <a:xfrm>
-            <a:off x="6806235" y="1829354"/>
-            <a:ext cx="940928" cy="0"/>
-          </a:xfrm>
-          <a:prstGeom prst="straightConnector1">
-            <a:avLst/>
-          </a:prstGeom>
-          <a:ln w="31750">
-            <a:solidFill>
-              <a:schemeClr val="tx1"/>
-            </a:solidFill>
-            <a:tailEnd type="triangle"/>
-          </a:ln>
-        </p:spPr>
-        <p:style>
-          <a:lnRef idx="1">
-            <a:schemeClr val="accent1"/>
-          </a:lnRef>
-          <a:fillRef idx="0">
-            <a:schemeClr val="accent1"/>
-          </a:fillRef>
-          <a:effectRef idx="0">
-            <a:schemeClr val="accent1"/>
-          </a:effectRef>
-          <a:fontRef idx="minor">
-            <a:schemeClr val="tx1"/>
-          </a:fontRef>
-        </p:style>
-      </p:cxnSp>
-      <p:cxnSp>
-        <p:nvCxnSpPr>
-          <p:cNvPr id="12" name="直接箭头连接符 11">
-            <a:extLst>
-              <a:ext uri="{FF2B5EF4-FFF2-40B4-BE49-F238E27FC236}">
-                <a16:creationId xmlns:a16="http://schemas.microsoft.com/office/drawing/2014/main" id="{BD16381B-9415-485F-ADB1-1FA826784D19}"/>
-              </a:ext>
-            </a:extLst>
-          </p:cNvPr>
-          <p:cNvCxnSpPr>
-            <a:cxnSpLocks/>
-            <a:stCxn id="63" idx="3"/>
-            <a:endCxn id="13" idx="1"/>
-          </p:cNvCxnSpPr>
-          <p:nvPr/>
-        </p:nvCxnSpPr>
-        <p:spPr>
-          <a:xfrm>
-            <a:off x="8827163" y="1829354"/>
-            <a:ext cx="940928" cy="0"/>
-          </a:xfrm>
-          <a:prstGeom prst="straightConnector1">
-            <a:avLst/>
-          </a:prstGeom>
-          <a:ln w="57150">
-            <a:solidFill>
-              <a:srgbClr val="FFC000"/>
-            </a:solidFill>
-            <a:tailEnd type="triangle"/>
-          </a:ln>
-        </p:spPr>
-        <p:style>
-          <a:lnRef idx="1">
-            <a:schemeClr val="accent1"/>
-          </a:lnRef>
-          <a:fillRef idx="0">
-            <a:schemeClr val="accent1"/>
-          </a:fillRef>
-          <a:effectRef idx="0">
-            <a:schemeClr val="accent1"/>
-          </a:effectRef>
-          <a:fontRef idx="minor">
-            <a:schemeClr val="tx1"/>
-          </a:fontRef>
-        </p:style>
-      </p:cxnSp>
-      <p:sp>
-        <p:nvSpPr>
-          <p:cNvPr id="13" name="矩形: 圆角 12">
-            <a:extLst>
-              <a:ext uri="{FF2B5EF4-FFF2-40B4-BE49-F238E27FC236}">
-                <a16:creationId xmlns:a16="http://schemas.microsoft.com/office/drawing/2014/main" id="{F4BD1E31-E772-4628-B49F-0653F75229A2}"/>
-              </a:ext>
-            </a:extLst>
-          </p:cNvPr>
-          <p:cNvSpPr/>
-          <p:nvPr/>
-        </p:nvSpPr>
-        <p:spPr>
-          <a:xfrm>
-            <a:off x="9768091" y="1613354"/>
-            <a:ext cx="1728000" cy="432000"/>
-          </a:xfrm>
-          <a:prstGeom prst="roundRect">
-            <a:avLst/>
-          </a:prstGeom>
-          <a:solidFill>
-            <a:schemeClr val="bg1">
-              <a:lumMod val="95000"/>
-            </a:schemeClr>
-          </a:solidFill>
-          <a:ln>
-            <a:solidFill>
-              <a:schemeClr val="tx1"/>
-            </a:solidFill>
-          </a:ln>
-        </p:spPr>
-        <p:style>
-          <a:lnRef idx="2">
-            <a:schemeClr val="accent1">
-              <a:shade val="50000"/>
-            </a:schemeClr>
-          </a:lnRef>
-          <a:fillRef idx="1">
-            <a:schemeClr val="accent1"/>
-          </a:fillRef>
-          <a:effectRef idx="0">
-            <a:schemeClr val="accent1"/>
-          </a:effectRef>
-          <a:fontRef idx="minor">
-            <a:schemeClr val="lt1"/>
-          </a:fontRef>
-        </p:style>
-        <p:txBody>
-          <a:bodyPr wrap="none" lIns="36000" tIns="36000" rIns="36000" bIns="36000" rtlCol="0" anchor="ctr" anchorCtr="0"/>
-          <a:lstStyle/>
-          <a:p>
-            <a:pPr algn="ctr"/>
-            <a:r>
-              <a:rPr lang="zh-CN" altLang="en-US" sz="1600" b="1">
-                <a:solidFill>
-                  <a:schemeClr val="tx1"/>
-                </a:solidFill>
-                <a:latin typeface="微软雅黑" panose="020B0503020204020204" pitchFamily="34" charset="-122"/>
-                <a:ea typeface="微软雅黑" panose="020B0503020204020204" pitchFamily="34" charset="-122"/>
-              </a:rPr>
-              <a:t>赎回表</a:t>
-            </a:r>
-            <a:endParaRPr lang="en-US" altLang="zh-CN" sz="1600" b="1">
-              <a:solidFill>
-                <a:schemeClr val="tx1"/>
-              </a:solidFill>
-              <a:latin typeface="微软雅黑" panose="020B0503020204020204" pitchFamily="34" charset="-122"/>
-              <a:ea typeface="微软雅黑" panose="020B0503020204020204" pitchFamily="34" charset="-122"/>
-            </a:endParaRPr>
-          </a:p>
-        </p:txBody>
-      </p:sp>
-    </p:spTree>
-    <p:extLst>
-      <p:ext uri="{BB962C8B-B14F-4D97-AF65-F5344CB8AC3E}">
-        <p14:creationId xmlns:p14="http://schemas.microsoft.com/office/powerpoint/2010/main" val="3750757397"/>
+        <p14:creationId xmlns:p14="http://schemas.microsoft.com/office/powerpoint/2010/main" val="3940676795"/>
       </p:ext>
     </p:extLst>
   </p:cSld>

--- a/doc/09.场外交易.pptx
+++ b/doc/09.场外交易.pptx
@@ -277,7 +277,7 @@
           <a:p>
             <a:fld id="{1B7BBEA4-24BC-4F9A-BA49-26A596A24E96}" type="datetimeFigureOut">
               <a:rPr lang="zh-CN" altLang="en-US" smtClean="0"/>
-              <a:t>2021/4/21</a:t>
+              <a:t>2021/4/23</a:t>
             </a:fld>
             <a:endParaRPr lang="zh-CN" altLang="en-US"/>
           </a:p>
@@ -475,7 +475,7 @@
           <a:p>
             <a:fld id="{1B7BBEA4-24BC-4F9A-BA49-26A596A24E96}" type="datetimeFigureOut">
               <a:rPr lang="zh-CN" altLang="en-US" smtClean="0"/>
-              <a:t>2021/4/21</a:t>
+              <a:t>2021/4/23</a:t>
             </a:fld>
             <a:endParaRPr lang="zh-CN" altLang="en-US"/>
           </a:p>
@@ -683,7 +683,7 @@
           <a:p>
             <a:fld id="{1B7BBEA4-24BC-4F9A-BA49-26A596A24E96}" type="datetimeFigureOut">
               <a:rPr lang="zh-CN" altLang="en-US" smtClean="0"/>
-              <a:t>2021/4/21</a:t>
+              <a:t>2021/4/23</a:t>
             </a:fld>
             <a:endParaRPr lang="zh-CN" altLang="en-US"/>
           </a:p>
@@ -881,7 +881,7 @@
           <a:p>
             <a:fld id="{1B7BBEA4-24BC-4F9A-BA49-26A596A24E96}" type="datetimeFigureOut">
               <a:rPr lang="zh-CN" altLang="en-US" smtClean="0"/>
-              <a:t>2021/4/21</a:t>
+              <a:t>2021/4/23</a:t>
             </a:fld>
             <a:endParaRPr lang="zh-CN" altLang="en-US"/>
           </a:p>
@@ -1156,7 +1156,7 @@
           <a:p>
             <a:fld id="{1B7BBEA4-24BC-4F9A-BA49-26A596A24E96}" type="datetimeFigureOut">
               <a:rPr lang="zh-CN" altLang="en-US" smtClean="0"/>
-              <a:t>2021/4/21</a:t>
+              <a:t>2021/4/23</a:t>
             </a:fld>
             <a:endParaRPr lang="zh-CN" altLang="en-US"/>
           </a:p>
@@ -1421,7 +1421,7 @@
           <a:p>
             <a:fld id="{1B7BBEA4-24BC-4F9A-BA49-26A596A24E96}" type="datetimeFigureOut">
               <a:rPr lang="zh-CN" altLang="en-US" smtClean="0"/>
-              <a:t>2021/4/21</a:t>
+              <a:t>2021/4/23</a:t>
             </a:fld>
             <a:endParaRPr lang="zh-CN" altLang="en-US"/>
           </a:p>
@@ -1833,7 +1833,7 @@
           <a:p>
             <a:fld id="{1B7BBEA4-24BC-4F9A-BA49-26A596A24E96}" type="datetimeFigureOut">
               <a:rPr lang="zh-CN" altLang="en-US" smtClean="0"/>
-              <a:t>2021/4/21</a:t>
+              <a:t>2021/4/23</a:t>
             </a:fld>
             <a:endParaRPr lang="zh-CN" altLang="en-US"/>
           </a:p>
@@ -1974,7 +1974,7 @@
           <a:p>
             <a:fld id="{1B7BBEA4-24BC-4F9A-BA49-26A596A24E96}" type="datetimeFigureOut">
               <a:rPr lang="zh-CN" altLang="en-US" smtClean="0"/>
-              <a:t>2021/4/21</a:t>
+              <a:t>2021/4/23</a:t>
             </a:fld>
             <a:endParaRPr lang="zh-CN" altLang="en-US"/>
           </a:p>
@@ -2087,7 +2087,7 @@
           <a:p>
             <a:fld id="{1B7BBEA4-24BC-4F9A-BA49-26A596A24E96}" type="datetimeFigureOut">
               <a:rPr lang="zh-CN" altLang="en-US" smtClean="0"/>
-              <a:t>2021/4/21</a:t>
+              <a:t>2021/4/23</a:t>
             </a:fld>
             <a:endParaRPr lang="zh-CN" altLang="en-US"/>
           </a:p>
@@ -2398,7 +2398,7 @@
           <a:p>
             <a:fld id="{1B7BBEA4-24BC-4F9A-BA49-26A596A24E96}" type="datetimeFigureOut">
               <a:rPr lang="zh-CN" altLang="en-US" smtClean="0"/>
-              <a:t>2021/4/21</a:t>
+              <a:t>2021/4/23</a:t>
             </a:fld>
             <a:endParaRPr lang="zh-CN" altLang="en-US"/>
           </a:p>
@@ -2686,7 +2686,7 @@
           <a:p>
             <a:fld id="{1B7BBEA4-24BC-4F9A-BA49-26A596A24E96}" type="datetimeFigureOut">
               <a:rPr lang="zh-CN" altLang="en-US" smtClean="0"/>
-              <a:t>2021/4/21</a:t>
+              <a:t>2021/4/23</a:t>
             </a:fld>
             <a:endParaRPr lang="zh-CN" altLang="en-US"/>
           </a:p>
@@ -2927,7 +2927,7 @@
           <a:p>
             <a:fld id="{1B7BBEA4-24BC-4F9A-BA49-26A596A24E96}" type="datetimeFigureOut">
               <a:rPr lang="zh-CN" altLang="en-US" smtClean="0"/>
-              <a:t>2021/4/21</a:t>
+              <a:t>2021/4/23</a:t>
             </a:fld>
             <a:endParaRPr lang="zh-CN" altLang="en-US"/>
           </a:p>
@@ -4713,25 +4713,6 @@
                 <a:latin typeface="微软雅黑" panose="020B0503020204020204" pitchFamily="34" charset="-122"/>
                 <a:ea typeface="微软雅黑" panose="020B0503020204020204" pitchFamily="34" charset="-122"/>
               </a:rPr>
-              <a:t>时间戳</a:t>
-            </a:r>
-            <a:endParaRPr lang="en-US" altLang="zh-CN" sz="1200" b="1">
-              <a:solidFill>
-                <a:schemeClr val="tx1"/>
-              </a:solidFill>
-              <a:latin typeface="微软雅黑" panose="020B0503020204020204" pitchFamily="34" charset="-122"/>
-              <a:ea typeface="微软雅黑" panose="020B0503020204020204" pitchFamily="34" charset="-122"/>
-            </a:endParaRPr>
-          </a:p>
-          <a:p>
-            <a:r>
-              <a:rPr lang="zh-CN" altLang="en-US" sz="1200" b="1">
-                <a:solidFill>
-                  <a:schemeClr val="tx1"/>
-                </a:solidFill>
-                <a:latin typeface="微软雅黑" panose="020B0503020204020204" pitchFamily="34" charset="-122"/>
-                <a:ea typeface="微软雅黑" panose="020B0503020204020204" pitchFamily="34" charset="-122"/>
-              </a:rPr>
               <a:t>数量</a:t>
             </a:r>
             <a:endParaRPr lang="en-US" altLang="zh-CN" sz="1200" b="1">
@@ -4771,6 +4752,25 @@
                 <a:ea typeface="微软雅黑" panose="020B0503020204020204" pitchFamily="34" charset="-122"/>
               </a:rPr>
               <a:t>单价</a:t>
+            </a:r>
+            <a:endParaRPr lang="en-US" altLang="zh-CN" sz="1200" b="1">
+              <a:solidFill>
+                <a:schemeClr val="tx1"/>
+              </a:solidFill>
+              <a:latin typeface="微软雅黑" panose="020B0503020204020204" pitchFamily="34" charset="-122"/>
+              <a:ea typeface="微软雅黑" panose="020B0503020204020204" pitchFamily="34" charset="-122"/>
+            </a:endParaRPr>
+          </a:p>
+          <a:p>
+            <a:r>
+              <a:rPr lang="zh-CN" altLang="en-US" sz="1200" b="1">
+                <a:solidFill>
+                  <a:schemeClr val="tx1"/>
+                </a:solidFill>
+                <a:latin typeface="微软雅黑" panose="020B0503020204020204" pitchFamily="34" charset="-122"/>
+                <a:ea typeface="微软雅黑" panose="020B0503020204020204" pitchFamily="34" charset="-122"/>
+              </a:rPr>
+              <a:t>时间戳</a:t>
             </a:r>
             <a:endParaRPr lang="en-US" altLang="zh-CN" sz="1200" b="1">
               <a:solidFill>
@@ -5060,7 +5060,7 @@
         <p:spPr>
           <a:xfrm>
             <a:off x="712380" y="2007371"/>
-            <a:ext cx="2180394" cy="717167"/>
+            <a:ext cx="2180394" cy="1043738"/>
           </a:xfrm>
           <a:prstGeom prst="roundRect">
             <a:avLst>
@@ -5112,7 +5112,7 @@
                 <a:latin typeface="微软雅黑" panose="020B0503020204020204" pitchFamily="34" charset="-122"/>
                 <a:ea typeface="微软雅黑" panose="020B0503020204020204" pitchFamily="34" charset="-122"/>
               </a:rPr>
-              <a:t>抵押</a:t>
+              <a:t>赎回</a:t>
             </a:r>
             <a:r>
               <a:rPr lang="en-US" altLang="zh-CN" sz="1200" b="1">
@@ -5134,15 +5134,18 @@
                 <a:latin typeface="微软雅黑" panose="020B0503020204020204" pitchFamily="34" charset="-122"/>
                 <a:ea typeface="微软雅黑" panose="020B0503020204020204" pitchFamily="34" charset="-122"/>
               </a:rPr>
-              <a:t>时间戳</a:t>
-            </a:r>
-            <a:endParaRPr lang="en-US" altLang="zh-CN" sz="1200" b="1">
-              <a:solidFill>
-                <a:schemeClr val="tx1"/>
-              </a:solidFill>
-              <a:latin typeface="微软雅黑" panose="020B0503020204020204" pitchFamily="34" charset="-122"/>
-              <a:ea typeface="微软雅黑" panose="020B0503020204020204" pitchFamily="34" charset="-122"/>
-            </a:endParaRPr>
+              <a:t>抵押</a:t>
+            </a:r>
+            <a:r>
+              <a:rPr lang="en-US" altLang="zh-CN" sz="1200" b="1">
+                <a:solidFill>
+                  <a:schemeClr val="tx1"/>
+                </a:solidFill>
+                <a:latin typeface="微软雅黑" panose="020B0503020204020204" pitchFamily="34" charset="-122"/>
+                <a:ea typeface="微软雅黑" panose="020B0503020204020204" pitchFamily="34" charset="-122"/>
+              </a:rPr>
+              <a:t>id</a:t>
+            </a:r>
           </a:p>
           <a:p>
             <a:r>
@@ -5154,6 +5157,25 @@
                 <a:ea typeface="微软雅黑" panose="020B0503020204020204" pitchFamily="34" charset="-122"/>
               </a:rPr>
               <a:t>数量</a:t>
+            </a:r>
+            <a:endParaRPr lang="en-US" altLang="zh-CN" sz="1200" b="1">
+              <a:solidFill>
+                <a:schemeClr val="tx1"/>
+              </a:solidFill>
+              <a:latin typeface="微软雅黑" panose="020B0503020204020204" pitchFamily="34" charset="-122"/>
+              <a:ea typeface="微软雅黑" panose="020B0503020204020204" pitchFamily="34" charset="-122"/>
+            </a:endParaRPr>
+          </a:p>
+          <a:p>
+            <a:r>
+              <a:rPr lang="zh-CN" altLang="en-US" sz="1200" b="1">
+                <a:solidFill>
+                  <a:schemeClr val="tx1"/>
+                </a:solidFill>
+                <a:latin typeface="微软雅黑" panose="020B0503020204020204" pitchFamily="34" charset="-122"/>
+                <a:ea typeface="微软雅黑" panose="020B0503020204020204" pitchFamily="34" charset="-122"/>
+              </a:rPr>
+              <a:t>时间戳</a:t>
             </a:r>
             <a:endParaRPr lang="en-US" altLang="zh-CN" sz="1200" b="1">
               <a:solidFill>
@@ -5442,8 +5464,8 @@
         </p:nvSpPr>
         <p:spPr>
           <a:xfrm>
-            <a:off x="712380" y="1867411"/>
-            <a:ext cx="2180394" cy="1458950"/>
+            <a:off x="712380" y="1867410"/>
+            <a:ext cx="2180394" cy="1706205"/>
           </a:xfrm>
           <a:prstGeom prst="roundRect">
             <a:avLst>
@@ -5561,25 +5583,6 @@
                 <a:latin typeface="微软雅黑" panose="020B0503020204020204" pitchFamily="34" charset="-122"/>
                 <a:ea typeface="微软雅黑" panose="020B0503020204020204" pitchFamily="34" charset="-122"/>
               </a:rPr>
-              <a:t>时间戳</a:t>
-            </a:r>
-            <a:endParaRPr lang="en-US" altLang="zh-CN" sz="1200" b="1">
-              <a:solidFill>
-                <a:schemeClr val="tx1"/>
-              </a:solidFill>
-              <a:latin typeface="微软雅黑" panose="020B0503020204020204" pitchFamily="34" charset="-122"/>
-              <a:ea typeface="微软雅黑" panose="020B0503020204020204" pitchFamily="34" charset="-122"/>
-            </a:endParaRPr>
-          </a:p>
-          <a:p>
-            <a:r>
-              <a:rPr lang="zh-CN" altLang="en-US" sz="1200" b="1">
-                <a:solidFill>
-                  <a:schemeClr val="tx1"/>
-                </a:solidFill>
-                <a:latin typeface="微软雅黑" panose="020B0503020204020204" pitchFamily="34" charset="-122"/>
-                <a:ea typeface="微软雅黑" panose="020B0503020204020204" pitchFamily="34" charset="-122"/>
-              </a:rPr>
               <a:t>数量</a:t>
             </a:r>
             <a:endParaRPr lang="en-US" altLang="zh-CN" sz="1200" b="1">
@@ -5670,6 +5673,44 @@
               </a:rPr>
               <a:t>]</a:t>
             </a:r>
+          </a:p>
+          <a:p>
+            <a:r>
+              <a:rPr lang="zh-CN" altLang="en-US" sz="1200" b="1">
+                <a:solidFill>
+                  <a:schemeClr val="tx1"/>
+                </a:solidFill>
+                <a:latin typeface="微软雅黑" panose="020B0503020204020204" pitchFamily="34" charset="-122"/>
+                <a:ea typeface="微软雅黑" panose="020B0503020204020204" pitchFamily="34" charset="-122"/>
+              </a:rPr>
+              <a:t>发起时间戳</a:t>
+            </a:r>
+            <a:endParaRPr lang="en-US" altLang="zh-CN" sz="1200" b="1">
+              <a:solidFill>
+                <a:schemeClr val="tx1"/>
+              </a:solidFill>
+              <a:latin typeface="微软雅黑" panose="020B0503020204020204" pitchFamily="34" charset="-122"/>
+              <a:ea typeface="微软雅黑" panose="020B0503020204020204" pitchFamily="34" charset="-122"/>
+            </a:endParaRPr>
+          </a:p>
+          <a:p>
+            <a:r>
+              <a:rPr lang="zh-CN" altLang="en-US" sz="1200" b="1">
+                <a:solidFill>
+                  <a:schemeClr val="tx1"/>
+                </a:solidFill>
+                <a:latin typeface="微软雅黑" panose="020B0503020204020204" pitchFamily="34" charset="-122"/>
+                <a:ea typeface="微软雅黑" panose="020B0503020204020204" pitchFamily="34" charset="-122"/>
+              </a:rPr>
+              <a:t>确认时间戳</a:t>
+            </a:r>
+            <a:endParaRPr lang="en-US" altLang="zh-CN" sz="1200" b="1">
+              <a:solidFill>
+                <a:schemeClr val="tx1"/>
+              </a:solidFill>
+              <a:latin typeface="微软雅黑" panose="020B0503020204020204" pitchFamily="34" charset="-122"/>
+              <a:ea typeface="微软雅黑" panose="020B0503020204020204" pitchFamily="34" charset="-122"/>
+            </a:endParaRPr>
           </a:p>
         </p:txBody>
       </p:sp>

--- a/doc/09.场外交易.pptx
+++ b/doc/09.场外交易.pptx
@@ -7,11 +7,13 @@
   <p:sldIdLst>
     <p:sldId id="258" r:id="rId2"/>
     <p:sldId id="278" r:id="rId3"/>
-    <p:sldId id="282" r:id="rId4"/>
+    <p:sldId id="285" r:id="rId4"/>
     <p:sldId id="283" r:id="rId5"/>
-    <p:sldId id="279" r:id="rId6"/>
-    <p:sldId id="281" r:id="rId7"/>
-    <p:sldId id="284" r:id="rId8"/>
+    <p:sldId id="288" r:id="rId6"/>
+    <p:sldId id="279" r:id="rId7"/>
+    <p:sldId id="290" r:id="rId8"/>
+    <p:sldId id="284" r:id="rId9"/>
+    <p:sldId id="289" r:id="rId10"/>
   </p:sldIdLst>
   <p:sldSz cx="12192000" cy="6858000"/>
   <p:notesSz cx="6858000" cy="9144000"/>
@@ -277,7 +279,7 @@
           <a:p>
             <a:fld id="{1B7BBEA4-24BC-4F9A-BA49-26A596A24E96}" type="datetimeFigureOut">
               <a:rPr lang="zh-CN" altLang="en-US" smtClean="0"/>
-              <a:t>2021/4/23</a:t>
+              <a:t>2021/5/7</a:t>
             </a:fld>
             <a:endParaRPr lang="zh-CN" altLang="en-US"/>
           </a:p>
@@ -475,7 +477,7 @@
           <a:p>
             <a:fld id="{1B7BBEA4-24BC-4F9A-BA49-26A596A24E96}" type="datetimeFigureOut">
               <a:rPr lang="zh-CN" altLang="en-US" smtClean="0"/>
-              <a:t>2021/4/23</a:t>
+              <a:t>2021/5/7</a:t>
             </a:fld>
             <a:endParaRPr lang="zh-CN" altLang="en-US"/>
           </a:p>
@@ -683,7 +685,7 @@
           <a:p>
             <a:fld id="{1B7BBEA4-24BC-4F9A-BA49-26A596A24E96}" type="datetimeFigureOut">
               <a:rPr lang="zh-CN" altLang="en-US" smtClean="0"/>
-              <a:t>2021/4/23</a:t>
+              <a:t>2021/5/7</a:t>
             </a:fld>
             <a:endParaRPr lang="zh-CN" altLang="en-US"/>
           </a:p>
@@ -881,7 +883,7 @@
           <a:p>
             <a:fld id="{1B7BBEA4-24BC-4F9A-BA49-26A596A24E96}" type="datetimeFigureOut">
               <a:rPr lang="zh-CN" altLang="en-US" smtClean="0"/>
-              <a:t>2021/4/23</a:t>
+              <a:t>2021/5/7</a:t>
             </a:fld>
             <a:endParaRPr lang="zh-CN" altLang="en-US"/>
           </a:p>
@@ -1156,7 +1158,7 @@
           <a:p>
             <a:fld id="{1B7BBEA4-24BC-4F9A-BA49-26A596A24E96}" type="datetimeFigureOut">
               <a:rPr lang="zh-CN" altLang="en-US" smtClean="0"/>
-              <a:t>2021/4/23</a:t>
+              <a:t>2021/5/7</a:t>
             </a:fld>
             <a:endParaRPr lang="zh-CN" altLang="en-US"/>
           </a:p>
@@ -1421,7 +1423,7 @@
           <a:p>
             <a:fld id="{1B7BBEA4-24BC-4F9A-BA49-26A596A24E96}" type="datetimeFigureOut">
               <a:rPr lang="zh-CN" altLang="en-US" smtClean="0"/>
-              <a:t>2021/4/23</a:t>
+              <a:t>2021/5/7</a:t>
             </a:fld>
             <a:endParaRPr lang="zh-CN" altLang="en-US"/>
           </a:p>
@@ -1833,7 +1835,7 @@
           <a:p>
             <a:fld id="{1B7BBEA4-24BC-4F9A-BA49-26A596A24E96}" type="datetimeFigureOut">
               <a:rPr lang="zh-CN" altLang="en-US" smtClean="0"/>
-              <a:t>2021/4/23</a:t>
+              <a:t>2021/5/7</a:t>
             </a:fld>
             <a:endParaRPr lang="zh-CN" altLang="en-US"/>
           </a:p>
@@ -1974,7 +1976,7 @@
           <a:p>
             <a:fld id="{1B7BBEA4-24BC-4F9A-BA49-26A596A24E96}" type="datetimeFigureOut">
               <a:rPr lang="zh-CN" altLang="en-US" smtClean="0"/>
-              <a:t>2021/4/23</a:t>
+              <a:t>2021/5/7</a:t>
             </a:fld>
             <a:endParaRPr lang="zh-CN" altLang="en-US"/>
           </a:p>
@@ -2087,7 +2089,7 @@
           <a:p>
             <a:fld id="{1B7BBEA4-24BC-4F9A-BA49-26A596A24E96}" type="datetimeFigureOut">
               <a:rPr lang="zh-CN" altLang="en-US" smtClean="0"/>
-              <a:t>2021/4/23</a:t>
+              <a:t>2021/5/7</a:t>
             </a:fld>
             <a:endParaRPr lang="zh-CN" altLang="en-US"/>
           </a:p>
@@ -2398,7 +2400,7 @@
           <a:p>
             <a:fld id="{1B7BBEA4-24BC-4F9A-BA49-26A596A24E96}" type="datetimeFigureOut">
               <a:rPr lang="zh-CN" altLang="en-US" smtClean="0"/>
-              <a:t>2021/4/23</a:t>
+              <a:t>2021/5/7</a:t>
             </a:fld>
             <a:endParaRPr lang="zh-CN" altLang="en-US"/>
           </a:p>
@@ -2686,7 +2688,7 @@
           <a:p>
             <a:fld id="{1B7BBEA4-24BC-4F9A-BA49-26A596A24E96}" type="datetimeFigureOut">
               <a:rPr lang="zh-CN" altLang="en-US" smtClean="0"/>
-              <a:t>2021/4/23</a:t>
+              <a:t>2021/5/7</a:t>
             </a:fld>
             <a:endParaRPr lang="zh-CN" altLang="en-US"/>
           </a:p>
@@ -2927,7 +2929,7 @@
           <a:p>
             <a:fld id="{1B7BBEA4-24BC-4F9A-BA49-26A596A24E96}" type="datetimeFigureOut">
               <a:rPr lang="zh-CN" altLang="en-US" smtClean="0"/>
-              <a:t>2021/4/23</a:t>
+              <a:t>2021/5/7</a:t>
             </a:fld>
             <a:endParaRPr lang="zh-CN" altLang="en-US"/>
           </a:p>
@@ -3498,9 +3500,9 @@
         <p:grpSpPr>
           <a:xfrm>
             <a:off x="1199043" y="1043775"/>
-            <a:ext cx="6634783" cy="369332"/>
+            <a:ext cx="3677757" cy="369332"/>
             <a:chOff x="1199043" y="1043775"/>
-            <a:chExt cx="6634783" cy="369332"/>
+            <a:chExt cx="3677757" cy="369332"/>
           </a:xfrm>
         </p:grpSpPr>
         <p:sp>
@@ -3568,7 +3570,7 @@
           <p:spPr>
             <a:xfrm>
               <a:off x="1736272" y="1043775"/>
-              <a:ext cx="6097554" cy="369332"/>
+              <a:ext cx="3140528" cy="369332"/>
             </a:xfrm>
             <a:prstGeom prst="rect">
               <a:avLst/>
@@ -3607,10 +3609,10 @@
         </p:nvGrpSpPr>
         <p:grpSpPr>
           <a:xfrm>
-            <a:off x="1628272" y="1548091"/>
-            <a:ext cx="6485472" cy="369332"/>
+            <a:off x="2143177" y="1929828"/>
+            <a:ext cx="2739719" cy="369332"/>
             <a:chOff x="1628272" y="1548091"/>
-            <a:chExt cx="6485472" cy="369332"/>
+            <a:chExt cx="2739719" cy="369332"/>
           </a:xfrm>
         </p:grpSpPr>
         <p:sp>
@@ -3628,7 +3630,7 @@
           <p:spPr>
             <a:xfrm>
               <a:off x="2016190" y="1548091"/>
-              <a:ext cx="6097554" cy="369332"/>
+              <a:ext cx="2351801" cy="369332"/>
             </a:xfrm>
             <a:prstGeom prst="rect">
               <a:avLst/>
@@ -3647,7 +3649,7 @@
                   <a:ea typeface="微软雅黑" panose="020B0503020204020204" pitchFamily="34" charset="-122"/>
                   <a:hlinkClick r:id="rId2" action="ppaction://hlinksldjump"/>
                 </a:rPr>
-                <a:t>抵押</a:t>
+                <a:t>卖单</a:t>
               </a:r>
               <a:endParaRPr lang="zh-CN" altLang="en-US"/>
             </a:p>
@@ -3714,10 +3716,10 @@
         </p:nvGrpSpPr>
         <p:grpSpPr>
           <a:xfrm>
-            <a:off x="1199043" y="2931948"/>
-            <a:ext cx="6634783" cy="369332"/>
+            <a:off x="7032130" y="1043775"/>
+            <a:ext cx="3611486" cy="369332"/>
             <a:chOff x="1199043" y="4720702"/>
-            <a:chExt cx="6634783" cy="369332"/>
+            <a:chExt cx="3611486" cy="369332"/>
           </a:xfrm>
         </p:grpSpPr>
         <p:sp>
@@ -3785,7 +3787,7 @@
           <p:spPr>
             <a:xfrm>
               <a:off x="1736272" y="4720702"/>
-              <a:ext cx="6097554" cy="369332"/>
+              <a:ext cx="3074257" cy="369332"/>
             </a:xfrm>
             <a:prstGeom prst="rect">
               <a:avLst/>
@@ -3815,10 +3817,10 @@
       </p:grpSp>
       <p:grpSp>
         <p:nvGrpSpPr>
-          <p:cNvPr id="23" name="组合 22">
-            <a:extLst>
-              <a:ext uri="{FF2B5EF4-FFF2-40B4-BE49-F238E27FC236}">
-                <a16:creationId xmlns:a16="http://schemas.microsoft.com/office/drawing/2014/main" id="{06A31F7E-377C-47FC-BDA0-27741B38F492}"/>
+          <p:cNvPr id="41" name="组合 40">
+            <a:extLst>
+              <a:ext uri="{FF2B5EF4-FFF2-40B4-BE49-F238E27FC236}">
+                <a16:creationId xmlns:a16="http://schemas.microsoft.com/office/drawing/2014/main" id="{54DA2031-36E6-4092-9BCE-B45B466149D3}"/>
               </a:ext>
             </a:extLst>
           </p:cNvPr>
@@ -3827,18 +3829,18 @@
         </p:nvGrpSpPr>
         <p:grpSpPr>
           <a:xfrm>
-            <a:off x="1628272" y="4223959"/>
-            <a:ext cx="6485472" cy="369332"/>
-            <a:chOff x="1628272" y="3360729"/>
-            <a:chExt cx="6485472" cy="369332"/>
+            <a:off x="1628272" y="1505286"/>
+            <a:ext cx="3248528" cy="369332"/>
+            <a:chOff x="1628272" y="2650509"/>
+            <a:chExt cx="3248528" cy="369332"/>
           </a:xfrm>
         </p:grpSpPr>
         <p:sp>
           <p:nvSpPr>
-            <p:cNvPr id="24" name="文本框 23">
+            <p:cNvPr id="42" name="文本框 41">
               <a:extLst>
                 <a:ext uri="{FF2B5EF4-FFF2-40B4-BE49-F238E27FC236}">
-                  <a16:creationId xmlns:a16="http://schemas.microsoft.com/office/drawing/2014/main" id="{5E38DC04-D427-46D4-9B30-A03676F950AB}"/>
+                  <a16:creationId xmlns:a16="http://schemas.microsoft.com/office/drawing/2014/main" id="{A8F6532B-882D-4C6F-813C-507B412CCCBE}"/>
                 </a:ext>
               </a:extLst>
             </p:cNvPr>
@@ -3847,8 +3849,8 @@
           </p:nvSpPr>
           <p:spPr>
             <a:xfrm>
-              <a:off x="2016190" y="3360729"/>
-              <a:ext cx="6097554" cy="369332"/>
+              <a:off x="1929281" y="2650509"/>
+              <a:ext cx="2947519" cy="369332"/>
             </a:xfrm>
             <a:prstGeom prst="rect">
               <a:avLst/>
@@ -3865,9 +3867,8 @@
                 <a:rPr lang="zh-CN" altLang="en-US" b="1">
                   <a:latin typeface="Consolas" panose="020B0609020204030204" pitchFamily="49" charset="0"/>
                   <a:ea typeface="微软雅黑" panose="020B0503020204020204" pitchFamily="34" charset="-122"/>
-                  <a:hlinkClick r:id="rId3" action="ppaction://hlinksldjump"/>
                 </a:rPr>
-                <a:t>场外交易</a:t>
+                <a:t>商家</a:t>
               </a:r>
               <a:endParaRPr lang="zh-CN" altLang="en-US"/>
             </a:p>
@@ -3875,10 +3876,10 @@
         </p:sp>
         <p:sp>
           <p:nvSpPr>
-            <p:cNvPr id="25" name="菱形 24">
+            <p:cNvPr id="43" name="椭圆 42">
               <a:extLst>
                 <a:ext uri="{FF2B5EF4-FFF2-40B4-BE49-F238E27FC236}">
-                  <a16:creationId xmlns:a16="http://schemas.microsoft.com/office/drawing/2014/main" id="{A225ACB3-A9D6-4E32-9C40-B66B47124720}"/>
+                  <a16:creationId xmlns:a16="http://schemas.microsoft.com/office/drawing/2014/main" id="{D36E90CF-EC09-46F4-84BC-A884192E0C52}"/>
                 </a:ext>
               </a:extLst>
             </p:cNvPr>
@@ -3887,10 +3888,10 @@
           </p:nvSpPr>
           <p:spPr>
             <a:xfrm>
-              <a:off x="1628272" y="3437395"/>
-              <a:ext cx="216000" cy="216000"/>
+              <a:off x="1628272" y="2735931"/>
+              <a:ext cx="208685" cy="198489"/>
             </a:xfrm>
-            <a:prstGeom prst="diamond">
+            <a:prstGeom prst="ellipse">
               <a:avLst/>
             </a:prstGeom>
           </p:spPr>
@@ -3922,10 +3923,10 @@
       </p:grpSp>
       <p:grpSp>
         <p:nvGrpSpPr>
-          <p:cNvPr id="26" name="组合 25">
-            <a:extLst>
-              <a:ext uri="{FF2B5EF4-FFF2-40B4-BE49-F238E27FC236}">
-                <a16:creationId xmlns:a16="http://schemas.microsoft.com/office/drawing/2014/main" id="{26D200A2-80DF-42EC-A0C1-E3974501D1E0}"/>
+          <p:cNvPr id="44" name="组合 43">
+            <a:extLst>
+              <a:ext uri="{FF2B5EF4-FFF2-40B4-BE49-F238E27FC236}">
+                <a16:creationId xmlns:a16="http://schemas.microsoft.com/office/drawing/2014/main" id="{1BA92C54-CC9C-4837-AD92-BC3FE5D519A7}"/>
               </a:ext>
             </a:extLst>
           </p:cNvPr>
@@ -3934,18 +3935,18 @@
         </p:nvGrpSpPr>
         <p:grpSpPr>
           <a:xfrm>
-            <a:off x="1628272" y="3855363"/>
-            <a:ext cx="6485472" cy="369332"/>
-            <a:chOff x="1628272" y="3689578"/>
-            <a:chExt cx="6485472" cy="369332"/>
+            <a:off x="2135774" y="3340988"/>
+            <a:ext cx="2747122" cy="369332"/>
+            <a:chOff x="1628272" y="1548091"/>
+            <a:chExt cx="2747122" cy="369332"/>
           </a:xfrm>
         </p:grpSpPr>
         <p:sp>
           <p:nvSpPr>
-            <p:cNvPr id="27" name="文本框 26">
+            <p:cNvPr id="45" name="文本框 44">
               <a:extLst>
                 <a:ext uri="{FF2B5EF4-FFF2-40B4-BE49-F238E27FC236}">
-                  <a16:creationId xmlns:a16="http://schemas.microsoft.com/office/drawing/2014/main" id="{9E0CD559-6641-4563-8DDD-BBB0BB087012}"/>
+                  <a16:creationId xmlns:a16="http://schemas.microsoft.com/office/drawing/2014/main" id="{529B1B64-ED01-45EE-90D7-4F0D9FCE3442}"/>
                 </a:ext>
               </a:extLst>
             </p:cNvPr>
@@ -3954,8 +3955,8 @@
           </p:nvSpPr>
           <p:spPr>
             <a:xfrm>
-              <a:off x="2016190" y="3689578"/>
-              <a:ext cx="6097554" cy="369332"/>
+              <a:off x="2016190" y="1548091"/>
+              <a:ext cx="2359204" cy="369332"/>
             </a:xfrm>
             <a:prstGeom prst="rect">
               <a:avLst/>
@@ -3972,9 +3973,16 @@
                 <a:rPr lang="zh-CN" altLang="en-US" b="1">
                   <a:latin typeface="Consolas" panose="020B0609020204030204" pitchFamily="49" charset="0"/>
                   <a:ea typeface="微软雅黑" panose="020B0503020204020204" pitchFamily="34" charset="-122"/>
-                  <a:hlinkClick r:id="rId4" action="ppaction://hlinksldjump"/>
+                  <a:hlinkClick r:id="rId2" action="ppaction://hlinksldjump"/>
                 </a:rPr>
-                <a:t>卖家赎回</a:t>
+                <a:t>购买</a:t>
+              </a:r>
+              <a:r>
+                <a:rPr lang="zh-CN" altLang="en-US" b="1">
+                  <a:latin typeface="Consolas" panose="020B0609020204030204" pitchFamily="49" charset="0"/>
+                  <a:ea typeface="微软雅黑" panose="020B0503020204020204" pitchFamily="34" charset="-122"/>
+                </a:rPr>
+                <a:t>订单</a:t>
               </a:r>
               <a:endParaRPr lang="zh-CN" altLang="en-US"/>
             </a:p>
@@ -3982,117 +3990,10 @@
         </p:sp>
         <p:sp>
           <p:nvSpPr>
-            <p:cNvPr id="28" name="菱形 27">
+            <p:cNvPr id="46" name="菱形 45">
               <a:extLst>
                 <a:ext uri="{FF2B5EF4-FFF2-40B4-BE49-F238E27FC236}">
-                  <a16:creationId xmlns:a16="http://schemas.microsoft.com/office/drawing/2014/main" id="{67217B3D-DD83-4C1B-8BA1-8475D074D077}"/>
-                </a:ext>
-              </a:extLst>
-            </p:cNvPr>
-            <p:cNvSpPr/>
-            <p:nvPr/>
-          </p:nvSpPr>
-          <p:spPr>
-            <a:xfrm>
-              <a:off x="1628272" y="3766244"/>
-              <a:ext cx="216000" cy="216000"/>
-            </a:xfrm>
-            <a:prstGeom prst="diamond">
-              <a:avLst/>
-            </a:prstGeom>
-          </p:spPr>
-          <p:style>
-            <a:lnRef idx="2">
-              <a:schemeClr val="accent1">
-                <a:shade val="50000"/>
-              </a:schemeClr>
-            </a:lnRef>
-            <a:fillRef idx="1">
-              <a:schemeClr val="accent1"/>
-            </a:fillRef>
-            <a:effectRef idx="0">
-              <a:schemeClr val="accent1"/>
-            </a:effectRef>
-            <a:fontRef idx="minor">
-              <a:schemeClr val="lt1"/>
-            </a:fontRef>
-          </p:style>
-          <p:txBody>
-            <a:bodyPr rtlCol="0" anchor="ctr"/>
-            <a:lstStyle/>
-            <a:p>
-              <a:pPr algn="ctr"/>
-              <a:endParaRPr lang="zh-CN" altLang="en-US"/>
-            </a:p>
-          </p:txBody>
-        </p:sp>
-      </p:grpSp>
-      <p:grpSp>
-        <p:nvGrpSpPr>
-          <p:cNvPr id="29" name="组合 28">
-            <a:extLst>
-              <a:ext uri="{FF2B5EF4-FFF2-40B4-BE49-F238E27FC236}">
-                <a16:creationId xmlns:a16="http://schemas.microsoft.com/office/drawing/2014/main" id="{A73FA3E8-45CF-4B76-AF23-17B452228CC6}"/>
-              </a:ext>
-            </a:extLst>
-          </p:cNvPr>
-          <p:cNvGrpSpPr/>
-          <p:nvPr/>
-        </p:nvGrpSpPr>
-        <p:grpSpPr>
-          <a:xfrm>
-            <a:off x="1628272" y="1949427"/>
-            <a:ext cx="6485472" cy="369332"/>
-            <a:chOff x="1628272" y="1548091"/>
-            <a:chExt cx="6485472" cy="369332"/>
-          </a:xfrm>
-        </p:grpSpPr>
-        <p:sp>
-          <p:nvSpPr>
-            <p:cNvPr id="30" name="文本框 29">
-              <a:extLst>
-                <a:ext uri="{FF2B5EF4-FFF2-40B4-BE49-F238E27FC236}">
-                  <a16:creationId xmlns:a16="http://schemas.microsoft.com/office/drawing/2014/main" id="{1358D915-9F20-460E-A286-5A348B20D82D}"/>
-                </a:ext>
-              </a:extLst>
-            </p:cNvPr>
-            <p:cNvSpPr txBox="1"/>
-            <p:nvPr/>
-          </p:nvSpPr>
-          <p:spPr>
-            <a:xfrm>
-              <a:off x="2016190" y="1548091"/>
-              <a:ext cx="6097554" cy="369332"/>
-            </a:xfrm>
-            <a:prstGeom prst="rect">
-              <a:avLst/>
-            </a:prstGeom>
-            <a:noFill/>
-          </p:spPr>
-          <p:txBody>
-            <a:bodyPr wrap="square">
-              <a:spAutoFit/>
-            </a:bodyPr>
-            <a:lstStyle/>
-            <a:p>
-              <a:r>
-                <a:rPr lang="zh-CN" altLang="en-US" b="1">
-                  <a:latin typeface="Consolas" panose="020B0609020204030204" pitchFamily="49" charset="0"/>
-                  <a:ea typeface="微软雅黑" panose="020B0503020204020204" pitchFamily="34" charset="-122"/>
-                  <a:hlinkClick r:id="rId5" action="ppaction://hlinksldjump"/>
-                </a:rPr>
-                <a:t>赎回</a:t>
-              </a:r>
-              <a:endParaRPr lang="zh-CN" altLang="en-US"/>
-            </a:p>
-          </p:txBody>
-        </p:sp>
-        <p:sp>
-          <p:nvSpPr>
-            <p:cNvPr id="31" name="菱形 30">
-              <a:extLst>
-                <a:ext uri="{FF2B5EF4-FFF2-40B4-BE49-F238E27FC236}">
-                  <a16:creationId xmlns:a16="http://schemas.microsoft.com/office/drawing/2014/main" id="{169B342D-A02A-4644-83CB-CA8902AAAD4E}"/>
+                  <a16:creationId xmlns:a16="http://schemas.microsoft.com/office/drawing/2014/main" id="{CDF5B1E4-2BA8-47BD-95C8-A5E461226CA4}"/>
                 </a:ext>
               </a:extLst>
             </p:cNvPr>
@@ -4136,10 +4037,10 @@
       </p:grpSp>
       <p:grpSp>
         <p:nvGrpSpPr>
-          <p:cNvPr id="32" name="组合 31">
-            <a:extLst>
-              <a:ext uri="{FF2B5EF4-FFF2-40B4-BE49-F238E27FC236}">
-                <a16:creationId xmlns:a16="http://schemas.microsoft.com/office/drawing/2014/main" id="{3407DB4D-D92B-4777-9DC3-3913902052BE}"/>
+          <p:cNvPr id="50" name="组合 49">
+            <a:extLst>
+              <a:ext uri="{FF2B5EF4-FFF2-40B4-BE49-F238E27FC236}">
+                <a16:creationId xmlns:a16="http://schemas.microsoft.com/office/drawing/2014/main" id="{05938DA5-E025-4CF8-85A4-959D476B78BE}"/>
               </a:ext>
             </a:extLst>
           </p:cNvPr>
@@ -4148,18 +4049,18 @@
         </p:nvGrpSpPr>
         <p:grpSpPr>
           <a:xfrm>
-            <a:off x="1628272" y="2351402"/>
-            <a:ext cx="6485472" cy="369332"/>
-            <a:chOff x="1628272" y="1548091"/>
-            <a:chExt cx="6485472" cy="369332"/>
+            <a:off x="1620869" y="2916446"/>
+            <a:ext cx="3262027" cy="369332"/>
+            <a:chOff x="1628272" y="2650509"/>
+            <a:chExt cx="3262027" cy="369332"/>
           </a:xfrm>
         </p:grpSpPr>
         <p:sp>
           <p:nvSpPr>
-            <p:cNvPr id="33" name="文本框 32">
+            <p:cNvPr id="51" name="文本框 50">
               <a:extLst>
                 <a:ext uri="{FF2B5EF4-FFF2-40B4-BE49-F238E27FC236}">
-                  <a16:creationId xmlns:a16="http://schemas.microsoft.com/office/drawing/2014/main" id="{6EC5CCC3-C9AD-4708-8E3E-BC0DBA3319BD}"/>
+                  <a16:creationId xmlns:a16="http://schemas.microsoft.com/office/drawing/2014/main" id="{C03238F9-E3AB-40C5-A54F-F5BBE311E987}"/>
                 </a:ext>
               </a:extLst>
             </p:cNvPr>
@@ -4168,8 +4069,8 @@
           </p:nvSpPr>
           <p:spPr>
             <a:xfrm>
-              <a:off x="2016190" y="1548091"/>
-              <a:ext cx="6097554" cy="369332"/>
+              <a:off x="1929281" y="2650509"/>
+              <a:ext cx="2961018" cy="369332"/>
             </a:xfrm>
             <a:prstGeom prst="rect">
               <a:avLst/>
@@ -4186,9 +4087,8 @@
                 <a:rPr lang="zh-CN" altLang="en-US" b="1">
                   <a:latin typeface="Consolas" panose="020B0609020204030204" pitchFamily="49" charset="0"/>
                   <a:ea typeface="微软雅黑" panose="020B0503020204020204" pitchFamily="34" charset="-122"/>
-                  <a:hlinkClick r:id="rId6" action="ppaction://hlinksldjump"/>
                 </a:rPr>
-                <a:t>订单</a:t>
+                <a:t>客户</a:t>
               </a:r>
               <a:endParaRPr lang="zh-CN" altLang="en-US"/>
             </a:p>
@@ -4196,10 +4096,117 @@
         </p:sp>
         <p:sp>
           <p:nvSpPr>
-            <p:cNvPr id="34" name="菱形 33">
+            <p:cNvPr id="52" name="椭圆 51">
               <a:extLst>
                 <a:ext uri="{FF2B5EF4-FFF2-40B4-BE49-F238E27FC236}">
-                  <a16:creationId xmlns:a16="http://schemas.microsoft.com/office/drawing/2014/main" id="{18E785F7-AED3-45AA-A321-AE6ADFEF65DA}"/>
+                  <a16:creationId xmlns:a16="http://schemas.microsoft.com/office/drawing/2014/main" id="{C210DEC7-EFAF-4E72-A5FE-70D509EBDF69}"/>
+                </a:ext>
+              </a:extLst>
+            </p:cNvPr>
+            <p:cNvSpPr/>
+            <p:nvPr/>
+          </p:nvSpPr>
+          <p:spPr>
+            <a:xfrm>
+              <a:off x="1628272" y="2735931"/>
+              <a:ext cx="208685" cy="198489"/>
+            </a:xfrm>
+            <a:prstGeom prst="ellipse">
+              <a:avLst/>
+            </a:prstGeom>
+          </p:spPr>
+          <p:style>
+            <a:lnRef idx="2">
+              <a:schemeClr val="accent1">
+                <a:shade val="50000"/>
+              </a:schemeClr>
+            </a:lnRef>
+            <a:fillRef idx="1">
+              <a:schemeClr val="accent1"/>
+            </a:fillRef>
+            <a:effectRef idx="0">
+              <a:schemeClr val="accent1"/>
+            </a:effectRef>
+            <a:fontRef idx="minor">
+              <a:schemeClr val="lt1"/>
+            </a:fontRef>
+          </p:style>
+          <p:txBody>
+            <a:bodyPr rtlCol="0" anchor="ctr"/>
+            <a:lstStyle/>
+            <a:p>
+              <a:pPr algn="ctr"/>
+              <a:endParaRPr lang="zh-CN" altLang="en-US"/>
+            </a:p>
+          </p:txBody>
+        </p:sp>
+      </p:grpSp>
+      <p:grpSp>
+        <p:nvGrpSpPr>
+          <p:cNvPr id="53" name="组合 52">
+            <a:extLst>
+              <a:ext uri="{FF2B5EF4-FFF2-40B4-BE49-F238E27FC236}">
+                <a16:creationId xmlns:a16="http://schemas.microsoft.com/office/drawing/2014/main" id="{ED531EB8-62F8-4F18-AD75-61E0FE30A852}"/>
+              </a:ext>
+            </a:extLst>
+          </p:cNvPr>
+          <p:cNvGrpSpPr/>
+          <p:nvPr/>
+        </p:nvGrpSpPr>
+        <p:grpSpPr>
+          <a:xfrm>
+            <a:off x="2149273" y="2331955"/>
+            <a:ext cx="2733623" cy="369332"/>
+            <a:chOff x="1628272" y="1548091"/>
+            <a:chExt cx="2733623" cy="369332"/>
+          </a:xfrm>
+        </p:grpSpPr>
+        <p:sp>
+          <p:nvSpPr>
+            <p:cNvPr id="54" name="文本框 53">
+              <a:extLst>
+                <a:ext uri="{FF2B5EF4-FFF2-40B4-BE49-F238E27FC236}">
+                  <a16:creationId xmlns:a16="http://schemas.microsoft.com/office/drawing/2014/main" id="{DB350CEF-212F-4776-A6C3-0774F70E28A0}"/>
+                </a:ext>
+              </a:extLst>
+            </p:cNvPr>
+            <p:cNvSpPr txBox="1"/>
+            <p:nvPr/>
+          </p:nvSpPr>
+          <p:spPr>
+            <a:xfrm>
+              <a:off x="2016190" y="1548091"/>
+              <a:ext cx="2345705" cy="369332"/>
+            </a:xfrm>
+            <a:prstGeom prst="rect">
+              <a:avLst/>
+            </a:prstGeom>
+            <a:noFill/>
+          </p:spPr>
+          <p:txBody>
+            <a:bodyPr wrap="square">
+              <a:spAutoFit/>
+            </a:bodyPr>
+            <a:lstStyle/>
+            <a:p>
+              <a:r>
+                <a:rPr lang="zh-CN" altLang="en-US" b="1">
+                  <a:latin typeface="Consolas" panose="020B0609020204030204" pitchFamily="49" charset="0"/>
+                  <a:ea typeface="微软雅黑" panose="020B0503020204020204" pitchFamily="34" charset="-122"/>
+                  <a:hlinkClick r:id="rId2" action="ppaction://hlinksldjump"/>
+                </a:rPr>
+                <a:t>买单</a:t>
+              </a:r>
+              <a:endParaRPr lang="zh-CN" altLang="en-US"/>
+            </a:p>
+          </p:txBody>
+        </p:sp>
+        <p:sp>
+          <p:nvSpPr>
+            <p:cNvPr id="55" name="菱形 54">
+              <a:extLst>
+                <a:ext uri="{FF2B5EF4-FFF2-40B4-BE49-F238E27FC236}">
+                  <a16:creationId xmlns:a16="http://schemas.microsoft.com/office/drawing/2014/main" id="{D8D0A987-2C63-4152-9D92-5A8D71540BAD}"/>
                 </a:ext>
               </a:extLst>
             </p:cNvPr>
@@ -4243,10 +4250,10 @@
       </p:grpSp>
       <p:grpSp>
         <p:nvGrpSpPr>
-          <p:cNvPr id="35" name="组合 34">
-            <a:extLst>
-              <a:ext uri="{FF2B5EF4-FFF2-40B4-BE49-F238E27FC236}">
-                <a16:creationId xmlns:a16="http://schemas.microsoft.com/office/drawing/2014/main" id="{BB1A6981-829C-4376-B86D-3078C74A982E}"/>
+          <p:cNvPr id="59" name="组合 58">
+            <a:extLst>
+              <a:ext uri="{FF2B5EF4-FFF2-40B4-BE49-F238E27FC236}">
+                <a16:creationId xmlns:a16="http://schemas.microsoft.com/office/drawing/2014/main" id="{5A2C84DA-9557-4D63-81FC-B1DDCF3DDA33}"/>
               </a:ext>
             </a:extLst>
           </p:cNvPr>
@@ -4255,18 +4262,18 @@
         </p:nvGrpSpPr>
         <p:grpSpPr>
           <a:xfrm>
-            <a:off x="1628272" y="3453388"/>
-            <a:ext cx="6485472" cy="369332"/>
-            <a:chOff x="1628272" y="3689578"/>
-            <a:chExt cx="6485472" cy="369332"/>
+            <a:off x="2141870" y="3760869"/>
+            <a:ext cx="2747122" cy="369332"/>
+            <a:chOff x="1628272" y="1548091"/>
+            <a:chExt cx="2747122" cy="369332"/>
           </a:xfrm>
         </p:grpSpPr>
         <p:sp>
           <p:nvSpPr>
-            <p:cNvPr id="36" name="文本框 35">
+            <p:cNvPr id="60" name="文本框 59">
               <a:extLst>
                 <a:ext uri="{FF2B5EF4-FFF2-40B4-BE49-F238E27FC236}">
-                  <a16:creationId xmlns:a16="http://schemas.microsoft.com/office/drawing/2014/main" id="{AE8CE526-4180-41E6-8CA5-0B3E9AFF07F9}"/>
+                  <a16:creationId xmlns:a16="http://schemas.microsoft.com/office/drawing/2014/main" id="{C70B6A76-6A87-492C-8CD8-96DF6515A4C4}"/>
                 </a:ext>
               </a:extLst>
             </p:cNvPr>
@@ -4275,8 +4282,8 @@
           </p:nvSpPr>
           <p:spPr>
             <a:xfrm>
-              <a:off x="2016190" y="3689578"/>
-              <a:ext cx="6097554" cy="369332"/>
+              <a:off x="2016190" y="1548091"/>
+              <a:ext cx="2359204" cy="369332"/>
             </a:xfrm>
             <a:prstGeom prst="rect">
               <a:avLst/>
@@ -4293,9 +4300,8 @@
                 <a:rPr lang="zh-CN" altLang="en-US" b="1">
                   <a:latin typeface="Consolas" panose="020B0609020204030204" pitchFamily="49" charset="0"/>
                   <a:ea typeface="微软雅黑" panose="020B0503020204020204" pitchFamily="34" charset="-122"/>
-                  <a:hlinkClick r:id="rId7" action="ppaction://hlinksldjump"/>
                 </a:rPr>
-                <a:t>卖家抵押</a:t>
+                <a:t>出售订单</a:t>
               </a:r>
               <a:endParaRPr lang="zh-CN" altLang="en-US"/>
             </a:p>
@@ -4303,10 +4309,10 @@
         </p:sp>
         <p:sp>
           <p:nvSpPr>
-            <p:cNvPr id="37" name="菱形 36">
+            <p:cNvPr id="61" name="菱形 60">
               <a:extLst>
                 <a:ext uri="{FF2B5EF4-FFF2-40B4-BE49-F238E27FC236}">
-                  <a16:creationId xmlns:a16="http://schemas.microsoft.com/office/drawing/2014/main" id="{B073E99F-B9DE-4D54-B3AE-E534BE95BD92}"/>
+                  <a16:creationId xmlns:a16="http://schemas.microsoft.com/office/drawing/2014/main" id="{00315E8D-21A7-4C20-A31F-459C8A187D5D}"/>
                 </a:ext>
               </a:extLst>
             </p:cNvPr>
@@ -4315,7 +4321,872 @@
           </p:nvSpPr>
           <p:spPr>
             <a:xfrm>
-              <a:off x="1628272" y="3766244"/>
+              <a:off x="1628272" y="1624757"/>
+              <a:ext cx="216000" cy="216000"/>
+            </a:xfrm>
+            <a:prstGeom prst="diamond">
+              <a:avLst/>
+            </a:prstGeom>
+          </p:spPr>
+          <p:style>
+            <a:lnRef idx="2">
+              <a:schemeClr val="accent1">
+                <a:shade val="50000"/>
+              </a:schemeClr>
+            </a:lnRef>
+            <a:fillRef idx="1">
+              <a:schemeClr val="accent1"/>
+            </a:fillRef>
+            <a:effectRef idx="0">
+              <a:schemeClr val="accent1"/>
+            </a:effectRef>
+            <a:fontRef idx="minor">
+              <a:schemeClr val="lt1"/>
+            </a:fontRef>
+          </p:style>
+          <p:txBody>
+            <a:bodyPr rtlCol="0" anchor="ctr"/>
+            <a:lstStyle/>
+            <a:p>
+              <a:pPr algn="ctr"/>
+              <a:endParaRPr lang="zh-CN" altLang="en-US"/>
+            </a:p>
+          </p:txBody>
+        </p:sp>
+      </p:grpSp>
+      <p:grpSp>
+        <p:nvGrpSpPr>
+          <p:cNvPr id="65" name="组合 64">
+            <a:extLst>
+              <a:ext uri="{FF2B5EF4-FFF2-40B4-BE49-F238E27FC236}">
+                <a16:creationId xmlns:a16="http://schemas.microsoft.com/office/drawing/2014/main" id="{23BB75F3-5D38-4744-A694-27D5E2FE527A}"/>
+              </a:ext>
+            </a:extLst>
+          </p:cNvPr>
+          <p:cNvGrpSpPr/>
+          <p:nvPr/>
+        </p:nvGrpSpPr>
+        <p:grpSpPr>
+          <a:xfrm>
+            <a:off x="7909993" y="1926780"/>
+            <a:ext cx="2739719" cy="369332"/>
+            <a:chOff x="1628272" y="1548091"/>
+            <a:chExt cx="2739719" cy="369332"/>
+          </a:xfrm>
+        </p:grpSpPr>
+        <p:sp>
+          <p:nvSpPr>
+            <p:cNvPr id="66" name="文本框 65">
+              <a:extLst>
+                <a:ext uri="{FF2B5EF4-FFF2-40B4-BE49-F238E27FC236}">
+                  <a16:creationId xmlns:a16="http://schemas.microsoft.com/office/drawing/2014/main" id="{2ED45C87-1C55-4791-8F7E-E0B166831A19}"/>
+                </a:ext>
+              </a:extLst>
+            </p:cNvPr>
+            <p:cNvSpPr txBox="1"/>
+            <p:nvPr/>
+          </p:nvSpPr>
+          <p:spPr>
+            <a:xfrm>
+              <a:off x="2016190" y="1548091"/>
+              <a:ext cx="2351801" cy="369332"/>
+            </a:xfrm>
+            <a:prstGeom prst="rect">
+              <a:avLst/>
+            </a:prstGeom>
+            <a:noFill/>
+          </p:spPr>
+          <p:txBody>
+            <a:bodyPr wrap="square">
+              <a:spAutoFit/>
+            </a:bodyPr>
+            <a:lstStyle/>
+            <a:p>
+              <a:r>
+                <a:rPr lang="zh-CN" altLang="en-US" b="1">
+                  <a:latin typeface="Consolas" panose="020B0609020204030204" pitchFamily="49" charset="0"/>
+                  <a:ea typeface="微软雅黑" panose="020B0503020204020204" pitchFamily="34" charset="-122"/>
+                  <a:hlinkClick r:id="rId2" action="ppaction://hlinksldjump"/>
+                </a:rPr>
+                <a:t>挂卖单</a:t>
+              </a:r>
+              <a:r>
+                <a:rPr lang="zh-CN" altLang="en-US" b="1">
+                  <a:latin typeface="Consolas" panose="020B0609020204030204" pitchFamily="49" charset="0"/>
+                  <a:ea typeface="微软雅黑" panose="020B0503020204020204" pitchFamily="34" charset="-122"/>
+                </a:rPr>
+                <a:t>及赎回</a:t>
+              </a:r>
+              <a:endParaRPr lang="zh-CN" altLang="en-US"/>
+            </a:p>
+          </p:txBody>
+        </p:sp>
+        <p:sp>
+          <p:nvSpPr>
+            <p:cNvPr id="67" name="菱形 66">
+              <a:extLst>
+                <a:ext uri="{FF2B5EF4-FFF2-40B4-BE49-F238E27FC236}">
+                  <a16:creationId xmlns:a16="http://schemas.microsoft.com/office/drawing/2014/main" id="{32954100-2EBD-420A-B362-DFDB61373B0F}"/>
+                </a:ext>
+              </a:extLst>
+            </p:cNvPr>
+            <p:cNvSpPr/>
+            <p:nvPr/>
+          </p:nvSpPr>
+          <p:spPr>
+            <a:xfrm>
+              <a:off x="1628272" y="1624757"/>
+              <a:ext cx="216000" cy="216000"/>
+            </a:xfrm>
+            <a:prstGeom prst="diamond">
+              <a:avLst/>
+            </a:prstGeom>
+          </p:spPr>
+          <p:style>
+            <a:lnRef idx="2">
+              <a:schemeClr val="accent1">
+                <a:shade val="50000"/>
+              </a:schemeClr>
+            </a:lnRef>
+            <a:fillRef idx="1">
+              <a:schemeClr val="accent1"/>
+            </a:fillRef>
+            <a:effectRef idx="0">
+              <a:schemeClr val="accent1"/>
+            </a:effectRef>
+            <a:fontRef idx="minor">
+              <a:schemeClr val="lt1"/>
+            </a:fontRef>
+          </p:style>
+          <p:txBody>
+            <a:bodyPr rtlCol="0" anchor="ctr"/>
+            <a:lstStyle/>
+            <a:p>
+              <a:pPr algn="ctr"/>
+              <a:endParaRPr lang="zh-CN" altLang="en-US"/>
+            </a:p>
+          </p:txBody>
+        </p:sp>
+      </p:grpSp>
+      <p:grpSp>
+        <p:nvGrpSpPr>
+          <p:cNvPr id="71" name="组合 70">
+            <a:extLst>
+              <a:ext uri="{FF2B5EF4-FFF2-40B4-BE49-F238E27FC236}">
+                <a16:creationId xmlns:a16="http://schemas.microsoft.com/office/drawing/2014/main" id="{AC2D6133-C734-458E-9244-38EC560236D1}"/>
+              </a:ext>
+            </a:extLst>
+          </p:cNvPr>
+          <p:cNvGrpSpPr/>
+          <p:nvPr/>
+        </p:nvGrpSpPr>
+        <p:grpSpPr>
+          <a:xfrm>
+            <a:off x="7395088" y="1502238"/>
+            <a:ext cx="3248528" cy="369332"/>
+            <a:chOff x="1628272" y="2650509"/>
+            <a:chExt cx="3248528" cy="369332"/>
+          </a:xfrm>
+        </p:grpSpPr>
+        <p:sp>
+          <p:nvSpPr>
+            <p:cNvPr id="72" name="文本框 71">
+              <a:extLst>
+                <a:ext uri="{FF2B5EF4-FFF2-40B4-BE49-F238E27FC236}">
+                  <a16:creationId xmlns:a16="http://schemas.microsoft.com/office/drawing/2014/main" id="{64FFB688-E309-4C93-9131-95C568F5A0E8}"/>
+                </a:ext>
+              </a:extLst>
+            </p:cNvPr>
+            <p:cNvSpPr txBox="1"/>
+            <p:nvPr/>
+          </p:nvSpPr>
+          <p:spPr>
+            <a:xfrm>
+              <a:off x="1929281" y="2650509"/>
+              <a:ext cx="2947519" cy="369332"/>
+            </a:xfrm>
+            <a:prstGeom prst="rect">
+              <a:avLst/>
+            </a:prstGeom>
+            <a:noFill/>
+          </p:spPr>
+          <p:txBody>
+            <a:bodyPr wrap="square">
+              <a:spAutoFit/>
+            </a:bodyPr>
+            <a:lstStyle/>
+            <a:p>
+              <a:r>
+                <a:rPr lang="zh-CN" altLang="en-US" b="1">
+                  <a:latin typeface="Consolas" panose="020B0609020204030204" pitchFamily="49" charset="0"/>
+                  <a:ea typeface="微软雅黑" panose="020B0503020204020204" pitchFamily="34" charset="-122"/>
+                </a:rPr>
+                <a:t>商家</a:t>
+              </a:r>
+              <a:endParaRPr lang="zh-CN" altLang="en-US"/>
+            </a:p>
+          </p:txBody>
+        </p:sp>
+        <p:sp>
+          <p:nvSpPr>
+            <p:cNvPr id="73" name="椭圆 72">
+              <a:extLst>
+                <a:ext uri="{FF2B5EF4-FFF2-40B4-BE49-F238E27FC236}">
+                  <a16:creationId xmlns:a16="http://schemas.microsoft.com/office/drawing/2014/main" id="{56FEB168-2E77-42F7-AC04-4D3555551AA8}"/>
+                </a:ext>
+              </a:extLst>
+            </p:cNvPr>
+            <p:cNvSpPr/>
+            <p:nvPr/>
+          </p:nvSpPr>
+          <p:spPr>
+            <a:xfrm>
+              <a:off x="1628272" y="2735931"/>
+              <a:ext cx="208685" cy="198489"/>
+            </a:xfrm>
+            <a:prstGeom prst="ellipse">
+              <a:avLst/>
+            </a:prstGeom>
+          </p:spPr>
+          <p:style>
+            <a:lnRef idx="2">
+              <a:schemeClr val="accent1">
+                <a:shade val="50000"/>
+              </a:schemeClr>
+            </a:lnRef>
+            <a:fillRef idx="1">
+              <a:schemeClr val="accent1"/>
+            </a:fillRef>
+            <a:effectRef idx="0">
+              <a:schemeClr val="accent1"/>
+            </a:effectRef>
+            <a:fontRef idx="minor">
+              <a:schemeClr val="lt1"/>
+            </a:fontRef>
+          </p:style>
+          <p:txBody>
+            <a:bodyPr rtlCol="0" anchor="ctr"/>
+            <a:lstStyle/>
+            <a:p>
+              <a:pPr algn="ctr"/>
+              <a:endParaRPr lang="zh-CN" altLang="en-US"/>
+            </a:p>
+          </p:txBody>
+        </p:sp>
+      </p:grpSp>
+      <p:grpSp>
+        <p:nvGrpSpPr>
+          <p:cNvPr id="74" name="组合 73">
+            <a:extLst>
+              <a:ext uri="{FF2B5EF4-FFF2-40B4-BE49-F238E27FC236}">
+                <a16:creationId xmlns:a16="http://schemas.microsoft.com/office/drawing/2014/main" id="{B0E8E1CF-5CB2-4F75-99D5-572954297153}"/>
+              </a:ext>
+            </a:extLst>
+          </p:cNvPr>
+          <p:cNvGrpSpPr/>
+          <p:nvPr/>
+        </p:nvGrpSpPr>
+        <p:grpSpPr>
+          <a:xfrm>
+            <a:off x="7902590" y="3302430"/>
+            <a:ext cx="2747122" cy="369332"/>
+            <a:chOff x="1628272" y="1548091"/>
+            <a:chExt cx="2747122" cy="369332"/>
+          </a:xfrm>
+        </p:grpSpPr>
+        <p:sp>
+          <p:nvSpPr>
+            <p:cNvPr id="75" name="文本框 74">
+              <a:extLst>
+                <a:ext uri="{FF2B5EF4-FFF2-40B4-BE49-F238E27FC236}">
+                  <a16:creationId xmlns:a16="http://schemas.microsoft.com/office/drawing/2014/main" id="{7D95C867-D568-4747-B7B9-FE0BB04CD6B2}"/>
+                </a:ext>
+              </a:extLst>
+            </p:cNvPr>
+            <p:cNvSpPr txBox="1"/>
+            <p:nvPr/>
+          </p:nvSpPr>
+          <p:spPr>
+            <a:xfrm>
+              <a:off x="2016190" y="1548091"/>
+              <a:ext cx="2359204" cy="369332"/>
+            </a:xfrm>
+            <a:prstGeom prst="rect">
+              <a:avLst/>
+            </a:prstGeom>
+            <a:noFill/>
+          </p:spPr>
+          <p:txBody>
+            <a:bodyPr wrap="square">
+              <a:spAutoFit/>
+            </a:bodyPr>
+            <a:lstStyle/>
+            <a:p>
+              <a:r>
+                <a:rPr lang="zh-CN" altLang="en-US" b="1">
+                  <a:latin typeface="Consolas" panose="020B0609020204030204" pitchFamily="49" charset="0"/>
+                  <a:ea typeface="微软雅黑" panose="020B0503020204020204" pitchFamily="34" charset="-122"/>
+                  <a:hlinkClick r:id="rId2" action="ppaction://hlinksldjump"/>
+                </a:rPr>
+                <a:t>购买</a:t>
+              </a:r>
+              <a:endParaRPr lang="zh-CN" altLang="en-US"/>
+            </a:p>
+          </p:txBody>
+        </p:sp>
+        <p:sp>
+          <p:nvSpPr>
+            <p:cNvPr id="76" name="菱形 75">
+              <a:extLst>
+                <a:ext uri="{FF2B5EF4-FFF2-40B4-BE49-F238E27FC236}">
+                  <a16:creationId xmlns:a16="http://schemas.microsoft.com/office/drawing/2014/main" id="{0ED3555D-67E0-47FC-8F1F-1E2C9A2E8C6E}"/>
+                </a:ext>
+              </a:extLst>
+            </p:cNvPr>
+            <p:cNvSpPr/>
+            <p:nvPr/>
+          </p:nvSpPr>
+          <p:spPr>
+            <a:xfrm>
+              <a:off x="1628272" y="1624757"/>
+              <a:ext cx="216000" cy="216000"/>
+            </a:xfrm>
+            <a:prstGeom prst="diamond">
+              <a:avLst/>
+            </a:prstGeom>
+          </p:spPr>
+          <p:style>
+            <a:lnRef idx="2">
+              <a:schemeClr val="accent1">
+                <a:shade val="50000"/>
+              </a:schemeClr>
+            </a:lnRef>
+            <a:fillRef idx="1">
+              <a:schemeClr val="accent1"/>
+            </a:fillRef>
+            <a:effectRef idx="0">
+              <a:schemeClr val="accent1"/>
+            </a:effectRef>
+            <a:fontRef idx="minor">
+              <a:schemeClr val="lt1"/>
+            </a:fontRef>
+          </p:style>
+          <p:txBody>
+            <a:bodyPr rtlCol="0" anchor="ctr"/>
+            <a:lstStyle/>
+            <a:p>
+              <a:pPr algn="ctr"/>
+              <a:endParaRPr lang="zh-CN" altLang="en-US"/>
+            </a:p>
+          </p:txBody>
+        </p:sp>
+      </p:grpSp>
+      <p:grpSp>
+        <p:nvGrpSpPr>
+          <p:cNvPr id="80" name="组合 79">
+            <a:extLst>
+              <a:ext uri="{FF2B5EF4-FFF2-40B4-BE49-F238E27FC236}">
+                <a16:creationId xmlns:a16="http://schemas.microsoft.com/office/drawing/2014/main" id="{8DA292D4-6174-4C67-A470-24DAFFB7B86E}"/>
+              </a:ext>
+            </a:extLst>
+          </p:cNvPr>
+          <p:cNvGrpSpPr/>
+          <p:nvPr/>
+        </p:nvGrpSpPr>
+        <p:grpSpPr>
+          <a:xfrm>
+            <a:off x="7387685" y="2877888"/>
+            <a:ext cx="3262027" cy="369332"/>
+            <a:chOff x="1628272" y="2650509"/>
+            <a:chExt cx="3262027" cy="369332"/>
+          </a:xfrm>
+        </p:grpSpPr>
+        <p:sp>
+          <p:nvSpPr>
+            <p:cNvPr id="81" name="文本框 80">
+              <a:extLst>
+                <a:ext uri="{FF2B5EF4-FFF2-40B4-BE49-F238E27FC236}">
+                  <a16:creationId xmlns:a16="http://schemas.microsoft.com/office/drawing/2014/main" id="{92EB38BD-B065-4F9C-B35D-D40213421880}"/>
+                </a:ext>
+              </a:extLst>
+            </p:cNvPr>
+            <p:cNvSpPr txBox="1"/>
+            <p:nvPr/>
+          </p:nvSpPr>
+          <p:spPr>
+            <a:xfrm>
+              <a:off x="1929281" y="2650509"/>
+              <a:ext cx="2961018" cy="369332"/>
+            </a:xfrm>
+            <a:prstGeom prst="rect">
+              <a:avLst/>
+            </a:prstGeom>
+            <a:noFill/>
+          </p:spPr>
+          <p:txBody>
+            <a:bodyPr wrap="square">
+              <a:spAutoFit/>
+            </a:bodyPr>
+            <a:lstStyle/>
+            <a:p>
+              <a:r>
+                <a:rPr lang="zh-CN" altLang="en-US" b="1">
+                  <a:latin typeface="Consolas" panose="020B0609020204030204" pitchFamily="49" charset="0"/>
+                  <a:ea typeface="微软雅黑" panose="020B0503020204020204" pitchFamily="34" charset="-122"/>
+                </a:rPr>
+                <a:t>客户</a:t>
+              </a:r>
+              <a:endParaRPr lang="zh-CN" altLang="en-US"/>
+            </a:p>
+          </p:txBody>
+        </p:sp>
+        <p:sp>
+          <p:nvSpPr>
+            <p:cNvPr id="82" name="椭圆 81">
+              <a:extLst>
+                <a:ext uri="{FF2B5EF4-FFF2-40B4-BE49-F238E27FC236}">
+                  <a16:creationId xmlns:a16="http://schemas.microsoft.com/office/drawing/2014/main" id="{27E56F33-9216-4A9E-9083-1CB53E92A193}"/>
+                </a:ext>
+              </a:extLst>
+            </p:cNvPr>
+            <p:cNvSpPr/>
+            <p:nvPr/>
+          </p:nvSpPr>
+          <p:spPr>
+            <a:xfrm>
+              <a:off x="1628272" y="2735931"/>
+              <a:ext cx="208685" cy="198489"/>
+            </a:xfrm>
+            <a:prstGeom prst="ellipse">
+              <a:avLst/>
+            </a:prstGeom>
+          </p:spPr>
+          <p:style>
+            <a:lnRef idx="2">
+              <a:schemeClr val="accent1">
+                <a:shade val="50000"/>
+              </a:schemeClr>
+            </a:lnRef>
+            <a:fillRef idx="1">
+              <a:schemeClr val="accent1"/>
+            </a:fillRef>
+            <a:effectRef idx="0">
+              <a:schemeClr val="accent1"/>
+            </a:effectRef>
+            <a:fontRef idx="minor">
+              <a:schemeClr val="lt1"/>
+            </a:fontRef>
+          </p:style>
+          <p:txBody>
+            <a:bodyPr rtlCol="0" anchor="ctr"/>
+            <a:lstStyle/>
+            <a:p>
+              <a:pPr algn="ctr"/>
+              <a:endParaRPr lang="zh-CN" altLang="en-US"/>
+            </a:p>
+          </p:txBody>
+        </p:sp>
+      </p:grpSp>
+      <p:grpSp>
+        <p:nvGrpSpPr>
+          <p:cNvPr id="89" name="组合 88">
+            <a:extLst>
+              <a:ext uri="{FF2B5EF4-FFF2-40B4-BE49-F238E27FC236}">
+                <a16:creationId xmlns:a16="http://schemas.microsoft.com/office/drawing/2014/main" id="{9FEEC265-D2C4-4A3E-8126-191671747D88}"/>
+              </a:ext>
+            </a:extLst>
+          </p:cNvPr>
+          <p:cNvGrpSpPr/>
+          <p:nvPr/>
+        </p:nvGrpSpPr>
+        <p:grpSpPr>
+          <a:xfrm>
+            <a:off x="7908686" y="4104054"/>
+            <a:ext cx="2747122" cy="369332"/>
+            <a:chOff x="1628272" y="1548091"/>
+            <a:chExt cx="2747122" cy="369332"/>
+          </a:xfrm>
+        </p:grpSpPr>
+        <p:sp>
+          <p:nvSpPr>
+            <p:cNvPr id="90" name="文本框 89">
+              <a:extLst>
+                <a:ext uri="{FF2B5EF4-FFF2-40B4-BE49-F238E27FC236}">
+                  <a16:creationId xmlns:a16="http://schemas.microsoft.com/office/drawing/2014/main" id="{3ED73401-EF61-4355-ACB6-3503DB85C9F9}"/>
+                </a:ext>
+              </a:extLst>
+            </p:cNvPr>
+            <p:cNvSpPr txBox="1"/>
+            <p:nvPr/>
+          </p:nvSpPr>
+          <p:spPr>
+            <a:xfrm>
+              <a:off x="2016190" y="1548091"/>
+              <a:ext cx="2359204" cy="369332"/>
+            </a:xfrm>
+            <a:prstGeom prst="rect">
+              <a:avLst/>
+            </a:prstGeom>
+            <a:noFill/>
+          </p:spPr>
+          <p:txBody>
+            <a:bodyPr wrap="square">
+              <a:spAutoFit/>
+            </a:bodyPr>
+            <a:lstStyle/>
+            <a:p>
+              <a:r>
+                <a:rPr lang="zh-CN" altLang="en-US" b="1">
+                  <a:latin typeface="Consolas" panose="020B0609020204030204" pitchFamily="49" charset="0"/>
+                  <a:ea typeface="微软雅黑" panose="020B0503020204020204" pitchFamily="34" charset="-122"/>
+                </a:rPr>
+                <a:t>出售</a:t>
+              </a:r>
+              <a:endParaRPr lang="zh-CN" altLang="en-US"/>
+            </a:p>
+          </p:txBody>
+        </p:sp>
+        <p:sp>
+          <p:nvSpPr>
+            <p:cNvPr id="91" name="菱形 90">
+              <a:extLst>
+                <a:ext uri="{FF2B5EF4-FFF2-40B4-BE49-F238E27FC236}">
+                  <a16:creationId xmlns:a16="http://schemas.microsoft.com/office/drawing/2014/main" id="{5CA69704-E3ED-46EF-B316-C927E9DF60CE}"/>
+                </a:ext>
+              </a:extLst>
+            </p:cNvPr>
+            <p:cNvSpPr/>
+            <p:nvPr/>
+          </p:nvSpPr>
+          <p:spPr>
+            <a:xfrm>
+              <a:off x="1628272" y="1624757"/>
+              <a:ext cx="216000" cy="216000"/>
+            </a:xfrm>
+            <a:prstGeom prst="diamond">
+              <a:avLst/>
+            </a:prstGeom>
+          </p:spPr>
+          <p:style>
+            <a:lnRef idx="2">
+              <a:schemeClr val="accent1">
+                <a:shade val="50000"/>
+              </a:schemeClr>
+            </a:lnRef>
+            <a:fillRef idx="1">
+              <a:schemeClr val="accent1"/>
+            </a:fillRef>
+            <a:effectRef idx="0">
+              <a:schemeClr val="accent1"/>
+            </a:effectRef>
+            <a:fontRef idx="minor">
+              <a:schemeClr val="lt1"/>
+            </a:fontRef>
+          </p:style>
+          <p:txBody>
+            <a:bodyPr rtlCol="0" anchor="ctr"/>
+            <a:lstStyle/>
+            <a:p>
+              <a:pPr algn="ctr"/>
+              <a:endParaRPr lang="zh-CN" altLang="en-US"/>
+            </a:p>
+          </p:txBody>
+        </p:sp>
+      </p:grpSp>
+      <p:grpSp>
+        <p:nvGrpSpPr>
+          <p:cNvPr id="98" name="组合 97">
+            <a:extLst>
+              <a:ext uri="{FF2B5EF4-FFF2-40B4-BE49-F238E27FC236}">
+                <a16:creationId xmlns:a16="http://schemas.microsoft.com/office/drawing/2014/main" id="{6B362DEE-CB88-4DB8-A5BE-340653FEF043}"/>
+              </a:ext>
+            </a:extLst>
+          </p:cNvPr>
+          <p:cNvGrpSpPr/>
+          <p:nvPr/>
+        </p:nvGrpSpPr>
+        <p:grpSpPr>
+          <a:xfrm>
+            <a:off x="7904071" y="3685652"/>
+            <a:ext cx="2747122" cy="369332"/>
+            <a:chOff x="1628272" y="1548091"/>
+            <a:chExt cx="2747122" cy="369332"/>
+          </a:xfrm>
+        </p:grpSpPr>
+        <p:sp>
+          <p:nvSpPr>
+            <p:cNvPr id="99" name="文本框 98">
+              <a:extLst>
+                <a:ext uri="{FF2B5EF4-FFF2-40B4-BE49-F238E27FC236}">
+                  <a16:creationId xmlns:a16="http://schemas.microsoft.com/office/drawing/2014/main" id="{7AF9E421-16B9-4A80-AF8C-4AAC0A62F879}"/>
+                </a:ext>
+              </a:extLst>
+            </p:cNvPr>
+            <p:cNvSpPr txBox="1"/>
+            <p:nvPr/>
+          </p:nvSpPr>
+          <p:spPr>
+            <a:xfrm>
+              <a:off x="2016190" y="1548091"/>
+              <a:ext cx="2359204" cy="369332"/>
+            </a:xfrm>
+            <a:prstGeom prst="rect">
+              <a:avLst/>
+            </a:prstGeom>
+            <a:noFill/>
+          </p:spPr>
+          <p:txBody>
+            <a:bodyPr wrap="square">
+              <a:spAutoFit/>
+            </a:bodyPr>
+            <a:lstStyle/>
+            <a:p>
+              <a:r>
+                <a:rPr lang="zh-CN" altLang="en-US" b="1">
+                  <a:latin typeface="Consolas" panose="020B0609020204030204" pitchFamily="49" charset="0"/>
+                  <a:ea typeface="微软雅黑" panose="020B0503020204020204" pitchFamily="34" charset="-122"/>
+                </a:rPr>
+                <a:t>撤销购买</a:t>
+              </a:r>
+              <a:endParaRPr lang="zh-CN" altLang="en-US"/>
+            </a:p>
+          </p:txBody>
+        </p:sp>
+        <p:sp>
+          <p:nvSpPr>
+            <p:cNvPr id="100" name="菱形 99">
+              <a:extLst>
+                <a:ext uri="{FF2B5EF4-FFF2-40B4-BE49-F238E27FC236}">
+                  <a16:creationId xmlns:a16="http://schemas.microsoft.com/office/drawing/2014/main" id="{2AE77819-A8D3-4C29-AFAF-397E671F8041}"/>
+                </a:ext>
+              </a:extLst>
+            </p:cNvPr>
+            <p:cNvSpPr/>
+            <p:nvPr/>
+          </p:nvSpPr>
+          <p:spPr>
+            <a:xfrm>
+              <a:off x="1628272" y="1624757"/>
+              <a:ext cx="216000" cy="216000"/>
+            </a:xfrm>
+            <a:prstGeom prst="diamond">
+              <a:avLst/>
+            </a:prstGeom>
+          </p:spPr>
+          <p:style>
+            <a:lnRef idx="2">
+              <a:schemeClr val="accent1">
+                <a:shade val="50000"/>
+              </a:schemeClr>
+            </a:lnRef>
+            <a:fillRef idx="1">
+              <a:schemeClr val="accent1"/>
+            </a:fillRef>
+            <a:effectRef idx="0">
+              <a:schemeClr val="accent1"/>
+            </a:effectRef>
+            <a:fontRef idx="minor">
+              <a:schemeClr val="lt1"/>
+            </a:fontRef>
+          </p:style>
+          <p:txBody>
+            <a:bodyPr rtlCol="0" anchor="ctr"/>
+            <a:lstStyle/>
+            <a:p>
+              <a:pPr algn="ctr"/>
+              <a:endParaRPr lang="zh-CN" altLang="en-US"/>
+            </a:p>
+          </p:txBody>
+        </p:sp>
+      </p:grpSp>
+      <p:grpSp>
+        <p:nvGrpSpPr>
+          <p:cNvPr id="101" name="组合 100">
+            <a:extLst>
+              <a:ext uri="{FF2B5EF4-FFF2-40B4-BE49-F238E27FC236}">
+                <a16:creationId xmlns:a16="http://schemas.microsoft.com/office/drawing/2014/main" id="{B37A842A-C235-443F-ADEE-C6D1EB48A310}"/>
+              </a:ext>
+            </a:extLst>
+          </p:cNvPr>
+          <p:cNvGrpSpPr/>
+          <p:nvPr/>
+        </p:nvGrpSpPr>
+        <p:grpSpPr>
+          <a:xfrm>
+            <a:off x="7910167" y="4487276"/>
+            <a:ext cx="2747122" cy="369332"/>
+            <a:chOff x="1628272" y="1548091"/>
+            <a:chExt cx="2747122" cy="369332"/>
+          </a:xfrm>
+        </p:grpSpPr>
+        <p:sp>
+          <p:nvSpPr>
+            <p:cNvPr id="102" name="文本框 101">
+              <a:extLst>
+                <a:ext uri="{FF2B5EF4-FFF2-40B4-BE49-F238E27FC236}">
+                  <a16:creationId xmlns:a16="http://schemas.microsoft.com/office/drawing/2014/main" id="{F05A0D58-A282-4DAB-9432-42078D8D3599}"/>
+                </a:ext>
+              </a:extLst>
+            </p:cNvPr>
+            <p:cNvSpPr txBox="1"/>
+            <p:nvPr/>
+          </p:nvSpPr>
+          <p:spPr>
+            <a:xfrm>
+              <a:off x="2016190" y="1548091"/>
+              <a:ext cx="2359204" cy="369332"/>
+            </a:xfrm>
+            <a:prstGeom prst="rect">
+              <a:avLst/>
+            </a:prstGeom>
+            <a:noFill/>
+          </p:spPr>
+          <p:txBody>
+            <a:bodyPr wrap="square">
+              <a:spAutoFit/>
+            </a:bodyPr>
+            <a:lstStyle/>
+            <a:p>
+              <a:r>
+                <a:rPr lang="zh-CN" altLang="en-US" b="1">
+                  <a:latin typeface="Consolas" panose="020B0609020204030204" pitchFamily="49" charset="0"/>
+                  <a:ea typeface="微软雅黑" panose="020B0503020204020204" pitchFamily="34" charset="-122"/>
+                </a:rPr>
+                <a:t>撤销出售</a:t>
+              </a:r>
+              <a:endParaRPr lang="zh-CN" altLang="en-US"/>
+            </a:p>
+          </p:txBody>
+        </p:sp>
+        <p:sp>
+          <p:nvSpPr>
+            <p:cNvPr id="103" name="菱形 102">
+              <a:extLst>
+                <a:ext uri="{FF2B5EF4-FFF2-40B4-BE49-F238E27FC236}">
+                  <a16:creationId xmlns:a16="http://schemas.microsoft.com/office/drawing/2014/main" id="{7E7680F3-CD56-4558-B031-746186D58A36}"/>
+                </a:ext>
+              </a:extLst>
+            </p:cNvPr>
+            <p:cNvSpPr/>
+            <p:nvPr/>
+          </p:nvSpPr>
+          <p:spPr>
+            <a:xfrm>
+              <a:off x="1628272" y="1624757"/>
+              <a:ext cx="216000" cy="216000"/>
+            </a:xfrm>
+            <a:prstGeom prst="diamond">
+              <a:avLst/>
+            </a:prstGeom>
+          </p:spPr>
+          <p:style>
+            <a:lnRef idx="2">
+              <a:schemeClr val="accent1">
+                <a:shade val="50000"/>
+              </a:schemeClr>
+            </a:lnRef>
+            <a:fillRef idx="1">
+              <a:schemeClr val="accent1"/>
+            </a:fillRef>
+            <a:effectRef idx="0">
+              <a:schemeClr val="accent1"/>
+            </a:effectRef>
+            <a:fontRef idx="minor">
+              <a:schemeClr val="lt1"/>
+            </a:fontRef>
+          </p:style>
+          <p:txBody>
+            <a:bodyPr rtlCol="0" anchor="ctr"/>
+            <a:lstStyle/>
+            <a:p>
+              <a:pPr algn="ctr"/>
+              <a:endParaRPr lang="zh-CN" altLang="en-US"/>
+            </a:p>
+          </p:txBody>
+        </p:sp>
+      </p:grpSp>
+      <p:grpSp>
+        <p:nvGrpSpPr>
+          <p:cNvPr id="107" name="组合 106">
+            <a:extLst>
+              <a:ext uri="{FF2B5EF4-FFF2-40B4-BE49-F238E27FC236}">
+                <a16:creationId xmlns:a16="http://schemas.microsoft.com/office/drawing/2014/main" id="{BB2F0A86-A783-4512-BE14-6FDFAED60F47}"/>
+              </a:ext>
+            </a:extLst>
+          </p:cNvPr>
+          <p:cNvGrpSpPr/>
+          <p:nvPr/>
+        </p:nvGrpSpPr>
+        <p:grpSpPr>
+          <a:xfrm>
+            <a:off x="7911472" y="2292251"/>
+            <a:ext cx="2739719" cy="369332"/>
+            <a:chOff x="1628272" y="1548091"/>
+            <a:chExt cx="2739719" cy="369332"/>
+          </a:xfrm>
+        </p:grpSpPr>
+        <p:sp>
+          <p:nvSpPr>
+            <p:cNvPr id="108" name="文本框 107">
+              <a:extLst>
+                <a:ext uri="{FF2B5EF4-FFF2-40B4-BE49-F238E27FC236}">
+                  <a16:creationId xmlns:a16="http://schemas.microsoft.com/office/drawing/2014/main" id="{06226270-C23F-40AE-A821-E8623E59DB95}"/>
+                </a:ext>
+              </a:extLst>
+            </p:cNvPr>
+            <p:cNvSpPr txBox="1"/>
+            <p:nvPr/>
+          </p:nvSpPr>
+          <p:spPr>
+            <a:xfrm>
+              <a:off x="2016190" y="1548091"/>
+              <a:ext cx="2351801" cy="369332"/>
+            </a:xfrm>
+            <a:prstGeom prst="rect">
+              <a:avLst/>
+            </a:prstGeom>
+            <a:noFill/>
+          </p:spPr>
+          <p:txBody>
+            <a:bodyPr wrap="square">
+              <a:spAutoFit/>
+            </a:bodyPr>
+            <a:lstStyle/>
+            <a:p>
+              <a:r>
+                <a:rPr lang="zh-CN" altLang="en-US" b="1">
+                  <a:latin typeface="Consolas" panose="020B0609020204030204" pitchFamily="49" charset="0"/>
+                  <a:ea typeface="微软雅黑" panose="020B0503020204020204" pitchFamily="34" charset="-122"/>
+                  <a:hlinkClick r:id="rId2" action="ppaction://hlinksldjump"/>
+                </a:rPr>
+                <a:t>挂买单</a:t>
+              </a:r>
+              <a:r>
+                <a:rPr lang="zh-CN" altLang="en-US" b="1">
+                  <a:latin typeface="Consolas" panose="020B0609020204030204" pitchFamily="49" charset="0"/>
+                  <a:ea typeface="微软雅黑" panose="020B0503020204020204" pitchFamily="34" charset="-122"/>
+                </a:rPr>
+                <a:t>及赎回</a:t>
+              </a:r>
+              <a:endParaRPr lang="zh-CN" altLang="en-US"/>
+            </a:p>
+          </p:txBody>
+        </p:sp>
+        <p:sp>
+          <p:nvSpPr>
+            <p:cNvPr id="109" name="菱形 108">
+              <a:extLst>
+                <a:ext uri="{FF2B5EF4-FFF2-40B4-BE49-F238E27FC236}">
+                  <a16:creationId xmlns:a16="http://schemas.microsoft.com/office/drawing/2014/main" id="{BF830589-9310-46BA-8D23-97A0A5F7CDC8}"/>
+                </a:ext>
+              </a:extLst>
+            </p:cNvPr>
+            <p:cNvSpPr/>
+            <p:nvPr/>
+          </p:nvSpPr>
+          <p:spPr>
+            <a:xfrm>
+              <a:off x="1628272" y="1624757"/>
               <a:ext cx="216000" cy="216000"/>
             </a:xfrm>
             <a:prstGeom prst="diamond">
@@ -4512,7 +5383,7 @@
                 <a:latin typeface="Consolas" panose="020B0609020204030204" pitchFamily="49" charset="0"/>
                 <a:ea typeface="微软雅黑" panose="020B0503020204020204" pitchFamily="34" charset="-122"/>
               </a:rPr>
-              <a:t>抵押</a:t>
+              <a:t>卖单</a:t>
             </a:r>
           </a:p>
         </p:txBody>
@@ -4579,7 +5450,7 @@
                 <a:latin typeface="微软雅黑" panose="020B0503020204020204" pitchFamily="34" charset="-122"/>
                 <a:ea typeface="微软雅黑" panose="020B0503020204020204" pitchFamily="34" charset="-122"/>
               </a:rPr>
-              <a:t>抵押表</a:t>
+              <a:t>卖单表</a:t>
             </a:r>
             <a:endParaRPr lang="en-US" altLang="zh-CN" sz="1600" b="1">
               <a:solidFill>
@@ -4599,7 +5470,7 @@
                 <a:latin typeface="微软雅黑" panose="020B0503020204020204" pitchFamily="34" charset="-122"/>
                 <a:ea typeface="微软雅黑" panose="020B0503020204020204" pitchFamily="34" charset="-122"/>
               </a:rPr>
-              <a:t>Guaranty</a:t>
+              <a:t>Sell</a:t>
             </a:r>
             <a:endParaRPr lang="zh-CN" altLang="en-US" sz="1600" b="1">
               <a:solidFill>
@@ -4669,7 +5540,7 @@
                 <a:latin typeface="微软雅黑" panose="020B0503020204020204" pitchFamily="34" charset="-122"/>
                 <a:ea typeface="微软雅黑" panose="020B0503020204020204" pitchFamily="34" charset="-122"/>
               </a:rPr>
-              <a:t>抵押</a:t>
+              <a:t>卖单</a:t>
             </a:r>
             <a:r>
               <a:rPr lang="en-US" altLang="zh-CN" sz="1200" b="1">
@@ -4752,6 +5623,242 @@
                 <a:ea typeface="微软雅黑" panose="020B0503020204020204" pitchFamily="34" charset="-122"/>
               </a:rPr>
               <a:t>单价</a:t>
+            </a:r>
+            <a:endParaRPr lang="en-US" altLang="zh-CN" sz="1200" b="1">
+              <a:solidFill>
+                <a:schemeClr val="tx1"/>
+              </a:solidFill>
+              <a:latin typeface="微软雅黑" panose="020B0503020204020204" pitchFamily="34" charset="-122"/>
+              <a:ea typeface="微软雅黑" panose="020B0503020204020204" pitchFamily="34" charset="-122"/>
+            </a:endParaRPr>
+          </a:p>
+          <a:p>
+            <a:r>
+              <a:rPr lang="zh-CN" altLang="en-US" sz="1200" b="1">
+                <a:solidFill>
+                  <a:schemeClr val="tx1"/>
+                </a:solidFill>
+                <a:latin typeface="微软雅黑" panose="020B0503020204020204" pitchFamily="34" charset="-122"/>
+                <a:ea typeface="微软雅黑" panose="020B0503020204020204" pitchFamily="34" charset="-122"/>
+              </a:rPr>
+              <a:t>时间戳</a:t>
+            </a:r>
+            <a:endParaRPr lang="en-US" altLang="zh-CN" sz="1200" b="1">
+              <a:solidFill>
+                <a:schemeClr val="tx1"/>
+              </a:solidFill>
+              <a:latin typeface="微软雅黑" panose="020B0503020204020204" pitchFamily="34" charset="-122"/>
+              <a:ea typeface="微软雅黑" panose="020B0503020204020204" pitchFamily="34" charset="-122"/>
+            </a:endParaRPr>
+          </a:p>
+        </p:txBody>
+      </p:sp>
+      <p:sp>
+        <p:nvSpPr>
+          <p:cNvPr id="7" name="矩形: 圆角 6">
+            <a:extLst>
+              <a:ext uri="{FF2B5EF4-FFF2-40B4-BE49-F238E27FC236}">
+                <a16:creationId xmlns:a16="http://schemas.microsoft.com/office/drawing/2014/main" id="{BF96B0B7-11EF-4F57-A169-BF1C98E79765}"/>
+              </a:ext>
+            </a:extLst>
+          </p:cNvPr>
+          <p:cNvSpPr/>
+          <p:nvPr/>
+        </p:nvSpPr>
+        <p:spPr>
+          <a:xfrm>
+            <a:off x="3420074" y="1323859"/>
+            <a:ext cx="2180394" cy="648000"/>
+          </a:xfrm>
+          <a:prstGeom prst="roundRect">
+            <a:avLst>
+              <a:gd name="adj" fmla="val 13139"/>
+            </a:avLst>
+          </a:prstGeom>
+          <a:solidFill>
+            <a:schemeClr val="bg1">
+              <a:lumMod val="95000"/>
+            </a:schemeClr>
+          </a:solidFill>
+          <a:ln>
+            <a:solidFill>
+              <a:schemeClr val="tx1"/>
+            </a:solidFill>
+          </a:ln>
+        </p:spPr>
+        <p:style>
+          <a:lnRef idx="2">
+            <a:schemeClr val="accent1">
+              <a:shade val="50000"/>
+            </a:schemeClr>
+          </a:lnRef>
+          <a:fillRef idx="1">
+            <a:schemeClr val="accent1"/>
+          </a:fillRef>
+          <a:effectRef idx="0">
+            <a:schemeClr val="accent1"/>
+          </a:effectRef>
+          <a:fontRef idx="minor">
+            <a:schemeClr val="lt1"/>
+          </a:fontRef>
+        </p:style>
+        <p:txBody>
+          <a:bodyPr wrap="none" lIns="36000" tIns="36000" rIns="36000" bIns="36000" rtlCol="0" anchor="ctr" anchorCtr="0"/>
+          <a:lstStyle/>
+          <a:p>
+            <a:pPr algn="ctr"/>
+            <a:r>
+              <a:rPr lang="zh-CN" altLang="en-US" sz="1600" b="1">
+                <a:solidFill>
+                  <a:schemeClr val="tx1"/>
+                </a:solidFill>
+                <a:latin typeface="微软雅黑" panose="020B0503020204020204" pitchFamily="34" charset="-122"/>
+                <a:ea typeface="微软雅黑" panose="020B0503020204020204" pitchFamily="34" charset="-122"/>
+              </a:rPr>
+              <a:t>赎回卖单表</a:t>
+            </a:r>
+            <a:endParaRPr lang="en-US" altLang="zh-CN" sz="1600" b="1">
+              <a:solidFill>
+                <a:schemeClr val="tx1"/>
+              </a:solidFill>
+              <a:latin typeface="微软雅黑" panose="020B0503020204020204" pitchFamily="34" charset="-122"/>
+              <a:ea typeface="微软雅黑" panose="020B0503020204020204" pitchFamily="34" charset="-122"/>
+            </a:endParaRPr>
+          </a:p>
+          <a:p>
+            <a:pPr algn="ctr"/>
+            <a:r>
+              <a:rPr lang="en-US" altLang="zh-CN" sz="1600" b="1">
+                <a:solidFill>
+                  <a:schemeClr val="tx1"/>
+                </a:solidFill>
+                <a:latin typeface="微软雅黑" panose="020B0503020204020204" pitchFamily="34" charset="-122"/>
+                <a:ea typeface="微软雅黑" panose="020B0503020204020204" pitchFamily="34" charset="-122"/>
+              </a:rPr>
+              <a:t>RedeemSell</a:t>
+            </a:r>
+            <a:endParaRPr lang="zh-CN" altLang="en-US" sz="1600" b="1">
+              <a:solidFill>
+                <a:schemeClr val="tx1"/>
+              </a:solidFill>
+              <a:latin typeface="微软雅黑" panose="020B0503020204020204" pitchFamily="34" charset="-122"/>
+              <a:ea typeface="微软雅黑" panose="020B0503020204020204" pitchFamily="34" charset="-122"/>
+            </a:endParaRPr>
+          </a:p>
+        </p:txBody>
+      </p:sp>
+      <p:sp>
+        <p:nvSpPr>
+          <p:cNvPr id="8" name="矩形: 圆角 7">
+            <a:extLst>
+              <a:ext uri="{FF2B5EF4-FFF2-40B4-BE49-F238E27FC236}">
+                <a16:creationId xmlns:a16="http://schemas.microsoft.com/office/drawing/2014/main" id="{09695DED-4313-4A4A-A485-088A6FFAB61E}"/>
+              </a:ext>
+            </a:extLst>
+          </p:cNvPr>
+          <p:cNvSpPr/>
+          <p:nvPr/>
+        </p:nvSpPr>
+        <p:spPr>
+          <a:xfrm>
+            <a:off x="3420075" y="1971859"/>
+            <a:ext cx="2180394" cy="868994"/>
+          </a:xfrm>
+          <a:prstGeom prst="roundRect">
+            <a:avLst>
+              <a:gd name="adj" fmla="val 5494"/>
+            </a:avLst>
+          </a:prstGeom>
+          <a:noFill/>
+          <a:ln>
+            <a:solidFill>
+              <a:schemeClr val="tx2"/>
+            </a:solidFill>
+            <a:prstDash val="dash"/>
+          </a:ln>
+        </p:spPr>
+        <p:style>
+          <a:lnRef idx="2">
+            <a:schemeClr val="accent1">
+              <a:shade val="50000"/>
+            </a:schemeClr>
+          </a:lnRef>
+          <a:fillRef idx="1">
+            <a:schemeClr val="accent1"/>
+          </a:fillRef>
+          <a:effectRef idx="0">
+            <a:schemeClr val="accent1"/>
+          </a:effectRef>
+          <a:fontRef idx="minor">
+            <a:schemeClr val="lt1"/>
+          </a:fontRef>
+        </p:style>
+        <p:txBody>
+          <a:bodyPr rtlCol="0" anchor="b" anchorCtr="0"/>
+          <a:lstStyle/>
+          <a:p>
+            <a:endParaRPr lang="en-US" altLang="zh-CN" sz="1200" b="1">
+              <a:solidFill>
+                <a:schemeClr val="tx1"/>
+              </a:solidFill>
+              <a:latin typeface="微软雅黑" panose="020B0503020204020204" pitchFamily="34" charset="-122"/>
+              <a:ea typeface="微软雅黑" panose="020B0503020204020204" pitchFamily="34" charset="-122"/>
+            </a:endParaRPr>
+          </a:p>
+          <a:p>
+            <a:r>
+              <a:rPr lang="zh-CN" altLang="en-US" sz="1200" b="1">
+                <a:solidFill>
+                  <a:schemeClr val="tx1"/>
+                </a:solidFill>
+                <a:latin typeface="微软雅黑" panose="020B0503020204020204" pitchFamily="34" charset="-122"/>
+                <a:ea typeface="微软雅黑" panose="020B0503020204020204" pitchFamily="34" charset="-122"/>
+              </a:rPr>
+              <a:t>赎回卖单</a:t>
+            </a:r>
+            <a:r>
+              <a:rPr lang="en-US" altLang="zh-CN" sz="1200" b="1">
+                <a:solidFill>
+                  <a:schemeClr val="tx1"/>
+                </a:solidFill>
+                <a:latin typeface="微软雅黑" panose="020B0503020204020204" pitchFamily="34" charset="-122"/>
+                <a:ea typeface="微软雅黑" panose="020B0503020204020204" pitchFamily="34" charset="-122"/>
+              </a:rPr>
+              <a:t>id</a:t>
+            </a:r>
+          </a:p>
+          <a:p>
+            <a:r>
+              <a:rPr lang="zh-CN" altLang="en-US" sz="1200" b="1">
+                <a:solidFill>
+                  <a:schemeClr val="tx1"/>
+                </a:solidFill>
+                <a:latin typeface="微软雅黑" panose="020B0503020204020204" pitchFamily="34" charset="-122"/>
+                <a:ea typeface="微软雅黑" panose="020B0503020204020204" pitchFamily="34" charset="-122"/>
+              </a:rPr>
+              <a:t>卖单</a:t>
+            </a:r>
+            <a:r>
+              <a:rPr lang="en-US" altLang="zh-CN" sz="1200" b="1">
+                <a:solidFill>
+                  <a:schemeClr val="tx1"/>
+                </a:solidFill>
+                <a:latin typeface="微软雅黑" panose="020B0503020204020204" pitchFamily="34" charset="-122"/>
+                <a:ea typeface="微软雅黑" panose="020B0503020204020204" pitchFamily="34" charset="-122"/>
+              </a:rPr>
+              <a:t>id</a:t>
+            </a:r>
+          </a:p>
+          <a:p>
+            <a:r>
+              <a:rPr lang="zh-CN" altLang="en-US" sz="1200" b="1">
+                <a:solidFill>
+                  <a:schemeClr val="tx1"/>
+                </a:solidFill>
+                <a:latin typeface="微软雅黑" panose="020B0503020204020204" pitchFamily="34" charset="-122"/>
+                <a:ea typeface="微软雅黑" panose="020B0503020204020204" pitchFamily="34" charset="-122"/>
+              </a:rPr>
+              <a:t>数量</a:t>
             </a:r>
             <a:endParaRPr lang="en-US" altLang="zh-CN" sz="1200" b="1">
               <a:solidFill>
@@ -4946,17 +6053,17 @@
                 <a:latin typeface="Consolas" panose="020B0609020204030204" pitchFamily="49" charset="0"/>
                 <a:ea typeface="微软雅黑" panose="020B0503020204020204" pitchFamily="34" charset="-122"/>
               </a:rPr>
-              <a:t>赎回</a:t>
+              <a:t>买单</a:t>
             </a:r>
           </a:p>
         </p:txBody>
       </p:sp>
       <p:sp>
         <p:nvSpPr>
-          <p:cNvPr id="20" name="矩形: 圆角 19">
-            <a:extLst>
-              <a:ext uri="{FF2B5EF4-FFF2-40B4-BE49-F238E27FC236}">
-                <a16:creationId xmlns:a16="http://schemas.microsoft.com/office/drawing/2014/main" id="{A0A99EFB-83D3-44D9-AD9A-877A72D17173}"/>
+          <p:cNvPr id="18" name="矩形: 圆角 17">
+            <a:extLst>
+              <a:ext uri="{FF2B5EF4-FFF2-40B4-BE49-F238E27FC236}">
+                <a16:creationId xmlns:a16="http://schemas.microsoft.com/office/drawing/2014/main" id="{2FD962FE-C602-4E1B-BB84-0915EC240DD7}"/>
               </a:ext>
             </a:extLst>
           </p:cNvPr>
@@ -4965,7 +6072,272 @@
         </p:nvSpPr>
         <p:spPr>
           <a:xfrm>
-            <a:off x="712379" y="1359371"/>
+            <a:off x="712379" y="1322049"/>
+            <a:ext cx="1885631" cy="648000"/>
+          </a:xfrm>
+          <a:prstGeom prst="roundRect">
+            <a:avLst>
+              <a:gd name="adj" fmla="val 9906"/>
+            </a:avLst>
+          </a:prstGeom>
+          <a:solidFill>
+            <a:schemeClr val="bg1">
+              <a:lumMod val="95000"/>
+            </a:schemeClr>
+          </a:solidFill>
+          <a:ln>
+            <a:solidFill>
+              <a:schemeClr val="tx1"/>
+            </a:solidFill>
+          </a:ln>
+        </p:spPr>
+        <p:style>
+          <a:lnRef idx="2">
+            <a:schemeClr val="accent1">
+              <a:shade val="50000"/>
+            </a:schemeClr>
+          </a:lnRef>
+          <a:fillRef idx="1">
+            <a:schemeClr val="accent1"/>
+          </a:fillRef>
+          <a:effectRef idx="0">
+            <a:schemeClr val="accent1"/>
+          </a:effectRef>
+          <a:fontRef idx="minor">
+            <a:schemeClr val="lt1"/>
+          </a:fontRef>
+        </p:style>
+        <p:txBody>
+          <a:bodyPr wrap="none" lIns="36000" tIns="36000" rIns="36000" bIns="36000" rtlCol="0" anchor="ctr" anchorCtr="0"/>
+          <a:lstStyle/>
+          <a:p>
+            <a:pPr algn="ctr"/>
+            <a:r>
+              <a:rPr lang="zh-CN" altLang="en-US" sz="1600" b="1">
+                <a:solidFill>
+                  <a:schemeClr val="tx1"/>
+                </a:solidFill>
+                <a:latin typeface="微软雅黑" panose="020B0503020204020204" pitchFamily="34" charset="-122"/>
+                <a:ea typeface="微软雅黑" panose="020B0503020204020204" pitchFamily="34" charset="-122"/>
+              </a:rPr>
+              <a:t>买单表</a:t>
+            </a:r>
+            <a:endParaRPr lang="en-US" altLang="zh-CN" sz="1600" b="1">
+              <a:solidFill>
+                <a:schemeClr val="tx1"/>
+              </a:solidFill>
+              <a:latin typeface="微软雅黑" panose="020B0503020204020204" pitchFamily="34" charset="-122"/>
+              <a:ea typeface="微软雅黑" panose="020B0503020204020204" pitchFamily="34" charset="-122"/>
+            </a:endParaRPr>
+          </a:p>
+          <a:p>
+            <a:pPr algn="ctr"/>
+            <a:r>
+              <a:rPr lang="en-US" altLang="zh-CN" sz="1600" b="1">
+                <a:solidFill>
+                  <a:schemeClr val="tx1"/>
+                </a:solidFill>
+                <a:latin typeface="微软雅黑" panose="020B0503020204020204" pitchFamily="34" charset="-122"/>
+                <a:ea typeface="微软雅黑" panose="020B0503020204020204" pitchFamily="34" charset="-122"/>
+              </a:rPr>
+              <a:t>Buy</a:t>
+            </a:r>
+            <a:endParaRPr lang="zh-CN" altLang="en-US" sz="1600" b="1">
+              <a:solidFill>
+                <a:schemeClr val="tx1"/>
+              </a:solidFill>
+              <a:latin typeface="微软雅黑" panose="020B0503020204020204" pitchFamily="34" charset="-122"/>
+              <a:ea typeface="微软雅黑" panose="020B0503020204020204" pitchFamily="34" charset="-122"/>
+            </a:endParaRPr>
+          </a:p>
+        </p:txBody>
+      </p:sp>
+      <p:sp>
+        <p:nvSpPr>
+          <p:cNvPr id="19" name="矩形: 圆角 18">
+            <a:extLst>
+              <a:ext uri="{FF2B5EF4-FFF2-40B4-BE49-F238E27FC236}">
+                <a16:creationId xmlns:a16="http://schemas.microsoft.com/office/drawing/2014/main" id="{651B7A53-F543-44FB-A879-6B319210B8D3}"/>
+              </a:ext>
+            </a:extLst>
+          </p:cNvPr>
+          <p:cNvSpPr/>
+          <p:nvPr/>
+        </p:nvSpPr>
+        <p:spPr>
+          <a:xfrm>
+            <a:off x="712380" y="1970050"/>
+            <a:ext cx="1885630" cy="1314327"/>
+          </a:xfrm>
+          <a:prstGeom prst="roundRect">
+            <a:avLst>
+              <a:gd name="adj" fmla="val 5494"/>
+            </a:avLst>
+          </a:prstGeom>
+          <a:noFill/>
+          <a:ln>
+            <a:solidFill>
+              <a:schemeClr val="tx2"/>
+            </a:solidFill>
+            <a:prstDash val="dash"/>
+          </a:ln>
+        </p:spPr>
+        <p:style>
+          <a:lnRef idx="2">
+            <a:schemeClr val="accent1">
+              <a:shade val="50000"/>
+            </a:schemeClr>
+          </a:lnRef>
+          <a:fillRef idx="1">
+            <a:schemeClr val="accent1"/>
+          </a:fillRef>
+          <a:effectRef idx="0">
+            <a:schemeClr val="accent1"/>
+          </a:effectRef>
+          <a:fontRef idx="minor">
+            <a:schemeClr val="lt1"/>
+          </a:fontRef>
+        </p:style>
+        <p:txBody>
+          <a:bodyPr rtlCol="0" anchor="b" anchorCtr="0"/>
+          <a:lstStyle/>
+          <a:p>
+            <a:r>
+              <a:rPr lang="zh-CN" altLang="en-US" sz="1200" b="1">
+                <a:solidFill>
+                  <a:schemeClr val="tx1"/>
+                </a:solidFill>
+                <a:latin typeface="微软雅黑" panose="020B0503020204020204" pitchFamily="34" charset="-122"/>
+                <a:ea typeface="微软雅黑" panose="020B0503020204020204" pitchFamily="34" charset="-122"/>
+              </a:rPr>
+              <a:t>买单</a:t>
+            </a:r>
+            <a:r>
+              <a:rPr lang="en-US" altLang="zh-CN" sz="1200" b="1">
+                <a:solidFill>
+                  <a:schemeClr val="tx1"/>
+                </a:solidFill>
+                <a:latin typeface="微软雅黑" panose="020B0503020204020204" pitchFamily="34" charset="-122"/>
+                <a:ea typeface="微软雅黑" panose="020B0503020204020204" pitchFamily="34" charset="-122"/>
+              </a:rPr>
+              <a:t>id</a:t>
+            </a:r>
+          </a:p>
+          <a:p>
+            <a:r>
+              <a:rPr lang="zh-CN" altLang="en-US" sz="1200" b="1">
+                <a:solidFill>
+                  <a:schemeClr val="tx1"/>
+                </a:solidFill>
+                <a:latin typeface="微软雅黑" panose="020B0503020204020204" pitchFamily="34" charset="-122"/>
+                <a:ea typeface="微软雅黑" panose="020B0503020204020204" pitchFamily="34" charset="-122"/>
+              </a:rPr>
+              <a:t>账户</a:t>
+            </a:r>
+            <a:r>
+              <a:rPr lang="en-US" altLang="zh-CN" sz="1200" b="1">
+                <a:solidFill>
+                  <a:schemeClr val="tx1"/>
+                </a:solidFill>
+                <a:latin typeface="微软雅黑" panose="020B0503020204020204" pitchFamily="34" charset="-122"/>
+                <a:ea typeface="微软雅黑" panose="020B0503020204020204" pitchFamily="34" charset="-122"/>
+              </a:rPr>
+              <a:t>id</a:t>
+            </a:r>
+          </a:p>
+          <a:p>
+            <a:r>
+              <a:rPr lang="zh-CN" altLang="en-US" sz="1200" b="1">
+                <a:solidFill>
+                  <a:schemeClr val="tx1"/>
+                </a:solidFill>
+                <a:latin typeface="微软雅黑" panose="020B0503020204020204" pitchFamily="34" charset="-122"/>
+                <a:ea typeface="微软雅黑" panose="020B0503020204020204" pitchFamily="34" charset="-122"/>
+              </a:rPr>
+              <a:t>数量</a:t>
+            </a:r>
+            <a:endParaRPr lang="en-US" altLang="zh-CN" sz="1200" b="1">
+              <a:solidFill>
+                <a:schemeClr val="tx1"/>
+              </a:solidFill>
+              <a:latin typeface="微软雅黑" panose="020B0503020204020204" pitchFamily="34" charset="-122"/>
+              <a:ea typeface="微软雅黑" panose="020B0503020204020204" pitchFamily="34" charset="-122"/>
+            </a:endParaRPr>
+          </a:p>
+          <a:p>
+            <a:r>
+              <a:rPr lang="zh-CN" altLang="en-US" sz="1200" b="1">
+                <a:solidFill>
+                  <a:schemeClr val="tx1"/>
+                </a:solidFill>
+                <a:latin typeface="微软雅黑" panose="020B0503020204020204" pitchFamily="34" charset="-122"/>
+                <a:ea typeface="微软雅黑" panose="020B0503020204020204" pitchFamily="34" charset="-122"/>
+              </a:rPr>
+              <a:t>剩余量</a:t>
+            </a:r>
+            <a:endParaRPr lang="en-US" altLang="zh-CN" sz="1200" b="1">
+              <a:solidFill>
+                <a:schemeClr val="tx1"/>
+              </a:solidFill>
+              <a:latin typeface="微软雅黑" panose="020B0503020204020204" pitchFamily="34" charset="-122"/>
+              <a:ea typeface="微软雅黑" panose="020B0503020204020204" pitchFamily="34" charset="-122"/>
+            </a:endParaRPr>
+          </a:p>
+          <a:p>
+            <a:r>
+              <a:rPr lang="zh-CN" altLang="en-US" sz="1200" b="1">
+                <a:solidFill>
+                  <a:schemeClr val="tx1"/>
+                </a:solidFill>
+                <a:latin typeface="微软雅黑" panose="020B0503020204020204" pitchFamily="34" charset="-122"/>
+                <a:ea typeface="微软雅黑" panose="020B0503020204020204" pitchFamily="34" charset="-122"/>
+              </a:rPr>
+              <a:t>单价</a:t>
+            </a:r>
+            <a:endParaRPr lang="en-US" altLang="zh-CN" sz="1200" b="1">
+              <a:solidFill>
+                <a:schemeClr val="tx1"/>
+              </a:solidFill>
+              <a:latin typeface="微软雅黑" panose="020B0503020204020204" pitchFamily="34" charset="-122"/>
+              <a:ea typeface="微软雅黑" panose="020B0503020204020204" pitchFamily="34" charset="-122"/>
+            </a:endParaRPr>
+          </a:p>
+          <a:p>
+            <a:r>
+              <a:rPr lang="zh-CN" altLang="en-US" sz="1200" b="1">
+                <a:solidFill>
+                  <a:schemeClr val="tx1"/>
+                </a:solidFill>
+                <a:latin typeface="微软雅黑" panose="020B0503020204020204" pitchFamily="34" charset="-122"/>
+                <a:ea typeface="微软雅黑" panose="020B0503020204020204" pitchFamily="34" charset="-122"/>
+              </a:rPr>
+              <a:t>时间戳</a:t>
+            </a:r>
+            <a:endParaRPr lang="en-US" altLang="zh-CN" sz="1200" b="1">
+              <a:solidFill>
+                <a:schemeClr val="tx1"/>
+              </a:solidFill>
+              <a:latin typeface="微软雅黑" panose="020B0503020204020204" pitchFamily="34" charset="-122"/>
+              <a:ea typeface="微软雅黑" panose="020B0503020204020204" pitchFamily="34" charset="-122"/>
+            </a:endParaRPr>
+          </a:p>
+        </p:txBody>
+      </p:sp>
+      <p:sp>
+        <p:nvSpPr>
+          <p:cNvPr id="7" name="矩形: 圆角 6">
+            <a:extLst>
+              <a:ext uri="{FF2B5EF4-FFF2-40B4-BE49-F238E27FC236}">
+                <a16:creationId xmlns:a16="http://schemas.microsoft.com/office/drawing/2014/main" id="{AFA00468-CD58-410C-8E4F-78973CB57DBC}"/>
+              </a:ext>
+            </a:extLst>
+          </p:cNvPr>
+          <p:cNvSpPr/>
+          <p:nvPr/>
+        </p:nvSpPr>
+        <p:spPr>
+          <a:xfrm>
+            <a:off x="3588749" y="1332737"/>
             <a:ext cx="2180394" cy="648000"/>
           </a:xfrm>
           <a:prstGeom prst="roundRect">
@@ -5013,7 +6385,7 @@
                 <a:latin typeface="微软雅黑" panose="020B0503020204020204" pitchFamily="34" charset="-122"/>
                 <a:ea typeface="微软雅黑" panose="020B0503020204020204" pitchFamily="34" charset="-122"/>
               </a:rPr>
-              <a:t>赎回表</a:t>
+              <a:t>撤销买单表</a:t>
             </a:r>
             <a:endParaRPr lang="en-US" altLang="zh-CN" sz="1600" b="1">
               <a:solidFill>
@@ -5033,7 +6405,7 @@
                 <a:latin typeface="微软雅黑" panose="020B0503020204020204" pitchFamily="34" charset="-122"/>
                 <a:ea typeface="微软雅黑" panose="020B0503020204020204" pitchFamily="34" charset="-122"/>
               </a:rPr>
-              <a:t>Redeem</a:t>
+              <a:t>RecusalBuy</a:t>
             </a:r>
             <a:endParaRPr lang="zh-CN" altLang="en-US" sz="1600" b="1">
               <a:solidFill>
@@ -5047,10 +6419,10 @@
       </p:sp>
       <p:sp>
         <p:nvSpPr>
-          <p:cNvPr id="21" name="矩形: 圆角 20">
-            <a:extLst>
-              <a:ext uri="{FF2B5EF4-FFF2-40B4-BE49-F238E27FC236}">
-                <a16:creationId xmlns:a16="http://schemas.microsoft.com/office/drawing/2014/main" id="{CA55F188-DECC-43FB-99A3-87113B2A6069}"/>
+          <p:cNvPr id="8" name="矩形: 圆角 7">
+            <a:extLst>
+              <a:ext uri="{FF2B5EF4-FFF2-40B4-BE49-F238E27FC236}">
+                <a16:creationId xmlns:a16="http://schemas.microsoft.com/office/drawing/2014/main" id="{63E31F36-B4D3-4FAB-8001-A8873FDFF903}"/>
               </a:ext>
             </a:extLst>
           </p:cNvPr>
@@ -5059,8 +6431,8 @@
         </p:nvSpPr>
         <p:spPr>
           <a:xfrm>
-            <a:off x="712380" y="2007371"/>
-            <a:ext cx="2180394" cy="1043738"/>
+            <a:off x="3588750" y="1980737"/>
+            <a:ext cx="2180394" cy="886749"/>
           </a:xfrm>
           <a:prstGeom prst="roundRect">
             <a:avLst>
@@ -5112,7 +6484,7 @@
                 <a:latin typeface="微软雅黑" panose="020B0503020204020204" pitchFamily="34" charset="-122"/>
                 <a:ea typeface="微软雅黑" panose="020B0503020204020204" pitchFamily="34" charset="-122"/>
               </a:rPr>
-              <a:t>赎回</a:t>
+              <a:t>撤销买单</a:t>
             </a:r>
             <a:r>
               <a:rPr lang="en-US" altLang="zh-CN" sz="1200" b="1">
@@ -5134,7 +6506,7 @@
                 <a:latin typeface="微软雅黑" panose="020B0503020204020204" pitchFamily="34" charset="-122"/>
                 <a:ea typeface="微软雅黑" panose="020B0503020204020204" pitchFamily="34" charset="-122"/>
               </a:rPr>
-              <a:t>抵押</a:t>
+              <a:t>买单</a:t>
             </a:r>
             <a:r>
               <a:rPr lang="en-US" altLang="zh-CN" sz="1200" b="1">
@@ -5190,7 +6562,7 @@
     </p:spTree>
     <p:extLst>
       <p:ext uri="{BB962C8B-B14F-4D97-AF65-F5344CB8AC3E}">
-        <p14:creationId xmlns:p14="http://schemas.microsoft.com/office/powerpoint/2010/main" val="3670524425"/>
+        <p14:creationId xmlns:p14="http://schemas.microsoft.com/office/powerpoint/2010/main" val="1046803041"/>
       </p:ext>
     </p:extLst>
   </p:cSld>
@@ -5333,7 +6705,7 @@
         <p:spPr>
           <a:xfrm>
             <a:off x="712379" y="173975"/>
-            <a:ext cx="1005403" cy="584775"/>
+            <a:ext cx="1826141" cy="584775"/>
           </a:xfrm>
           <a:prstGeom prst="rect">
             <a:avLst/>
@@ -5351,7 +6723,7 @@
                 <a:latin typeface="Consolas" panose="020B0609020204030204" pitchFamily="49" charset="0"/>
                 <a:ea typeface="微软雅黑" panose="020B0503020204020204" pitchFamily="34" charset="-122"/>
               </a:rPr>
-              <a:t>订单</a:t>
+              <a:t>购买订单</a:t>
             </a:r>
           </a:p>
         </p:txBody>
@@ -5418,7 +6790,7 @@
                 <a:latin typeface="微软雅黑" panose="020B0503020204020204" pitchFamily="34" charset="-122"/>
                 <a:ea typeface="微软雅黑" panose="020B0503020204020204" pitchFamily="34" charset="-122"/>
               </a:rPr>
-              <a:t>订单表</a:t>
+              <a:t>购买订单表</a:t>
             </a:r>
             <a:endParaRPr lang="en-US" altLang="zh-CN" sz="1600" b="1">
               <a:solidFill>
@@ -5438,7 +6810,7 @@
                 <a:latin typeface="微软雅黑" panose="020B0503020204020204" pitchFamily="34" charset="-122"/>
                 <a:ea typeface="微软雅黑" panose="020B0503020204020204" pitchFamily="34" charset="-122"/>
               </a:rPr>
-              <a:t>Order</a:t>
+              <a:t>BuyOrder</a:t>
             </a:r>
             <a:endParaRPr lang="zh-CN" altLang="en-US" sz="1600" b="1">
               <a:solidFill>
@@ -5539,7 +6911,7 @@
                 <a:latin typeface="微软雅黑" panose="020B0503020204020204" pitchFamily="34" charset="-122"/>
                 <a:ea typeface="微软雅黑" panose="020B0503020204020204" pitchFamily="34" charset="-122"/>
               </a:rPr>
-              <a:t>抵押</a:t>
+              <a:t>卖单</a:t>
             </a:r>
             <a:r>
               <a:rPr lang="en-US" altLang="zh-CN" sz="1200" b="1">
@@ -5611,6 +6983,304 @@
               <a:latin typeface="微软雅黑" panose="020B0503020204020204" pitchFamily="34" charset="-122"/>
               <a:ea typeface="微软雅黑" panose="020B0503020204020204" pitchFamily="34" charset="-122"/>
             </a:endParaRPr>
+          </a:p>
+          <a:p>
+            <a:r>
+              <a:rPr lang="zh-CN" altLang="en-US" sz="1200" b="1">
+                <a:solidFill>
+                  <a:schemeClr val="tx1"/>
+                </a:solidFill>
+                <a:latin typeface="微软雅黑" panose="020B0503020204020204" pitchFamily="34" charset="-122"/>
+                <a:ea typeface="微软雅黑" panose="020B0503020204020204" pitchFamily="34" charset="-122"/>
+              </a:rPr>
+              <a:t>状态</a:t>
+            </a:r>
+            <a:r>
+              <a:rPr lang="en-US" altLang="zh-CN" sz="1200" b="1">
+                <a:solidFill>
+                  <a:schemeClr val="tx1"/>
+                </a:solidFill>
+                <a:latin typeface="微软雅黑" panose="020B0503020204020204" pitchFamily="34" charset="-122"/>
+                <a:ea typeface="微软雅黑" panose="020B0503020204020204" pitchFamily="34" charset="-122"/>
+              </a:rPr>
+              <a:t>[1</a:t>
+            </a:r>
+            <a:r>
+              <a:rPr lang="zh-CN" altLang="en-US" sz="1200" b="1">
+                <a:solidFill>
+                  <a:schemeClr val="tx1"/>
+                </a:solidFill>
+                <a:latin typeface="微软雅黑" panose="020B0503020204020204" pitchFamily="34" charset="-122"/>
+                <a:ea typeface="微软雅黑" panose="020B0503020204020204" pitchFamily="34" charset="-122"/>
+              </a:rPr>
+              <a:t>发起</a:t>
+            </a:r>
+            <a:r>
+              <a:rPr lang="en-US" altLang="zh-CN" sz="1200" b="1">
+                <a:solidFill>
+                  <a:schemeClr val="tx1"/>
+                </a:solidFill>
+                <a:latin typeface="微软雅黑" panose="020B0503020204020204" pitchFamily="34" charset="-122"/>
+                <a:ea typeface="微软雅黑" panose="020B0503020204020204" pitchFamily="34" charset="-122"/>
+              </a:rPr>
+              <a:t>,2</a:t>
+            </a:r>
+            <a:r>
+              <a:rPr lang="zh-CN" altLang="en-US" sz="1200" b="1">
+                <a:solidFill>
+                  <a:schemeClr val="tx1"/>
+                </a:solidFill>
+                <a:latin typeface="微软雅黑" panose="020B0503020204020204" pitchFamily="34" charset="-122"/>
+                <a:ea typeface="微软雅黑" panose="020B0503020204020204" pitchFamily="34" charset="-122"/>
+              </a:rPr>
+              <a:t>确认</a:t>
+            </a:r>
+            <a:r>
+              <a:rPr lang="en-US" altLang="zh-CN" sz="1200" b="1">
+                <a:solidFill>
+                  <a:schemeClr val="tx1"/>
+                </a:solidFill>
+                <a:latin typeface="微软雅黑" panose="020B0503020204020204" pitchFamily="34" charset="-122"/>
+                <a:ea typeface="微软雅黑" panose="020B0503020204020204" pitchFamily="34" charset="-122"/>
+              </a:rPr>
+              <a:t>]</a:t>
+            </a:r>
+          </a:p>
+          <a:p>
+            <a:r>
+              <a:rPr lang="zh-CN" altLang="en-US" sz="1200" b="1">
+                <a:solidFill>
+                  <a:schemeClr val="tx1"/>
+                </a:solidFill>
+                <a:latin typeface="微软雅黑" panose="020B0503020204020204" pitchFamily="34" charset="-122"/>
+                <a:ea typeface="微软雅黑" panose="020B0503020204020204" pitchFamily="34" charset="-122"/>
+              </a:rPr>
+              <a:t>发起时间戳</a:t>
+            </a:r>
+            <a:endParaRPr lang="en-US" altLang="zh-CN" sz="1200" b="1">
+              <a:solidFill>
+                <a:schemeClr val="tx1"/>
+              </a:solidFill>
+              <a:latin typeface="微软雅黑" panose="020B0503020204020204" pitchFamily="34" charset="-122"/>
+              <a:ea typeface="微软雅黑" panose="020B0503020204020204" pitchFamily="34" charset="-122"/>
+            </a:endParaRPr>
+          </a:p>
+          <a:p>
+            <a:r>
+              <a:rPr lang="zh-CN" altLang="en-US" sz="1200" b="1">
+                <a:solidFill>
+                  <a:schemeClr val="tx1"/>
+                </a:solidFill>
+                <a:latin typeface="微软雅黑" panose="020B0503020204020204" pitchFamily="34" charset="-122"/>
+                <a:ea typeface="微软雅黑" panose="020B0503020204020204" pitchFamily="34" charset="-122"/>
+              </a:rPr>
+              <a:t>确认时间戳</a:t>
+            </a:r>
+            <a:endParaRPr lang="en-US" altLang="zh-CN" sz="1200" b="1">
+              <a:solidFill>
+                <a:schemeClr val="tx1"/>
+              </a:solidFill>
+              <a:latin typeface="微软雅黑" panose="020B0503020204020204" pitchFamily="34" charset="-122"/>
+              <a:ea typeface="微软雅黑" panose="020B0503020204020204" pitchFamily="34" charset="-122"/>
+            </a:endParaRPr>
+          </a:p>
+        </p:txBody>
+      </p:sp>
+      <p:sp>
+        <p:nvSpPr>
+          <p:cNvPr id="7" name="矩形: 圆角 6">
+            <a:extLst>
+              <a:ext uri="{FF2B5EF4-FFF2-40B4-BE49-F238E27FC236}">
+                <a16:creationId xmlns:a16="http://schemas.microsoft.com/office/drawing/2014/main" id="{55AAB7A6-D94E-4ED0-9C45-3B8321C95221}"/>
+              </a:ext>
+            </a:extLst>
+          </p:cNvPr>
+          <p:cNvSpPr/>
+          <p:nvPr/>
+        </p:nvSpPr>
+        <p:spPr>
+          <a:xfrm>
+            <a:off x="4263453" y="1219412"/>
+            <a:ext cx="2180394" cy="648000"/>
+          </a:xfrm>
+          <a:prstGeom prst="roundRect">
+            <a:avLst>
+              <a:gd name="adj" fmla="val 13139"/>
+            </a:avLst>
+          </a:prstGeom>
+          <a:solidFill>
+            <a:schemeClr val="bg1">
+              <a:lumMod val="95000"/>
+            </a:schemeClr>
+          </a:solidFill>
+          <a:ln>
+            <a:solidFill>
+              <a:schemeClr val="tx1"/>
+            </a:solidFill>
+          </a:ln>
+        </p:spPr>
+        <p:style>
+          <a:lnRef idx="2">
+            <a:schemeClr val="accent1">
+              <a:shade val="50000"/>
+            </a:schemeClr>
+          </a:lnRef>
+          <a:fillRef idx="1">
+            <a:schemeClr val="accent1"/>
+          </a:fillRef>
+          <a:effectRef idx="0">
+            <a:schemeClr val="accent1"/>
+          </a:effectRef>
+          <a:fontRef idx="minor">
+            <a:schemeClr val="lt1"/>
+          </a:fontRef>
+        </p:style>
+        <p:txBody>
+          <a:bodyPr wrap="none" lIns="36000" tIns="36000" rIns="36000" bIns="36000" rtlCol="0" anchor="ctr" anchorCtr="0"/>
+          <a:lstStyle/>
+          <a:p>
+            <a:pPr algn="ctr"/>
+            <a:r>
+              <a:rPr lang="zh-CN" altLang="en-US" sz="1600" b="1">
+                <a:solidFill>
+                  <a:schemeClr val="tx1"/>
+                </a:solidFill>
+                <a:latin typeface="微软雅黑" panose="020B0503020204020204" pitchFamily="34" charset="-122"/>
+                <a:ea typeface="微软雅黑" panose="020B0503020204020204" pitchFamily="34" charset="-122"/>
+              </a:rPr>
+              <a:t>撤销购买订单表</a:t>
+            </a:r>
+            <a:endParaRPr lang="en-US" altLang="zh-CN" sz="1600" b="1">
+              <a:solidFill>
+                <a:schemeClr val="tx1"/>
+              </a:solidFill>
+              <a:latin typeface="微软雅黑" panose="020B0503020204020204" pitchFamily="34" charset="-122"/>
+              <a:ea typeface="微软雅黑" panose="020B0503020204020204" pitchFamily="34" charset="-122"/>
+            </a:endParaRPr>
+          </a:p>
+          <a:p>
+            <a:pPr algn="ctr"/>
+            <a:r>
+              <a:rPr lang="en-US" altLang="zh-CN" sz="1600" b="1">
+                <a:solidFill>
+                  <a:schemeClr val="tx1"/>
+                </a:solidFill>
+                <a:latin typeface="微软雅黑" panose="020B0503020204020204" pitchFamily="34" charset="-122"/>
+                <a:ea typeface="微软雅黑" panose="020B0503020204020204" pitchFamily="34" charset="-122"/>
+              </a:rPr>
+              <a:t>RecusalBuyOrder</a:t>
+            </a:r>
+            <a:endParaRPr lang="zh-CN" altLang="en-US" sz="1600" b="1">
+              <a:solidFill>
+                <a:schemeClr val="tx1"/>
+              </a:solidFill>
+              <a:latin typeface="微软雅黑" panose="020B0503020204020204" pitchFamily="34" charset="-122"/>
+              <a:ea typeface="微软雅黑" panose="020B0503020204020204" pitchFamily="34" charset="-122"/>
+            </a:endParaRPr>
+          </a:p>
+        </p:txBody>
+      </p:sp>
+      <p:sp>
+        <p:nvSpPr>
+          <p:cNvPr id="8" name="矩形: 圆角 7">
+            <a:extLst>
+              <a:ext uri="{FF2B5EF4-FFF2-40B4-BE49-F238E27FC236}">
+                <a16:creationId xmlns:a16="http://schemas.microsoft.com/office/drawing/2014/main" id="{4D7657B2-41EF-4FFE-AFA5-C4F6258B0036}"/>
+              </a:ext>
+            </a:extLst>
+          </p:cNvPr>
+          <p:cNvSpPr/>
+          <p:nvPr/>
+        </p:nvSpPr>
+        <p:spPr>
+          <a:xfrm>
+            <a:off x="4263454" y="1867411"/>
+            <a:ext cx="2180394" cy="1115486"/>
+          </a:xfrm>
+          <a:prstGeom prst="roundRect">
+            <a:avLst>
+              <a:gd name="adj" fmla="val 5494"/>
+            </a:avLst>
+          </a:prstGeom>
+          <a:noFill/>
+          <a:ln>
+            <a:solidFill>
+              <a:schemeClr val="tx2"/>
+            </a:solidFill>
+            <a:prstDash val="dash"/>
+          </a:ln>
+        </p:spPr>
+        <p:style>
+          <a:lnRef idx="2">
+            <a:schemeClr val="accent1">
+              <a:shade val="50000"/>
+            </a:schemeClr>
+          </a:lnRef>
+          <a:fillRef idx="1">
+            <a:schemeClr val="accent1"/>
+          </a:fillRef>
+          <a:effectRef idx="0">
+            <a:schemeClr val="accent1"/>
+          </a:effectRef>
+          <a:fontRef idx="minor">
+            <a:schemeClr val="lt1"/>
+          </a:fontRef>
+        </p:style>
+        <p:txBody>
+          <a:bodyPr rtlCol="0" anchor="b" anchorCtr="0"/>
+          <a:lstStyle/>
+          <a:p>
+            <a:endParaRPr lang="en-US" altLang="zh-CN" sz="1200" b="1">
+              <a:solidFill>
+                <a:schemeClr val="tx1"/>
+              </a:solidFill>
+              <a:latin typeface="微软雅黑" panose="020B0503020204020204" pitchFamily="34" charset="-122"/>
+              <a:ea typeface="微软雅黑" panose="020B0503020204020204" pitchFamily="34" charset="-122"/>
+            </a:endParaRPr>
+          </a:p>
+          <a:p>
+            <a:r>
+              <a:rPr lang="zh-CN" altLang="en-US" sz="1200" b="1">
+                <a:solidFill>
+                  <a:schemeClr val="tx1"/>
+                </a:solidFill>
+                <a:latin typeface="微软雅黑" panose="020B0503020204020204" pitchFamily="34" charset="-122"/>
+                <a:ea typeface="微软雅黑" panose="020B0503020204020204" pitchFamily="34" charset="-122"/>
+              </a:rPr>
+              <a:t>撤销</a:t>
+            </a:r>
+            <a:r>
+              <a:rPr lang="en-US" altLang="zh-CN" sz="1200" b="1">
+                <a:solidFill>
+                  <a:schemeClr val="tx1"/>
+                </a:solidFill>
+                <a:latin typeface="微软雅黑" panose="020B0503020204020204" pitchFamily="34" charset="-122"/>
+                <a:ea typeface="微软雅黑" panose="020B0503020204020204" pitchFamily="34" charset="-122"/>
+              </a:rPr>
+              <a:t>id</a:t>
+            </a:r>
+          </a:p>
+          <a:p>
+            <a:r>
+              <a:rPr lang="zh-CN" altLang="en-US" sz="1200" b="1">
+                <a:solidFill>
+                  <a:schemeClr val="tx1"/>
+                </a:solidFill>
+                <a:latin typeface="微软雅黑" panose="020B0503020204020204" pitchFamily="34" charset="-122"/>
+                <a:ea typeface="微软雅黑" panose="020B0503020204020204" pitchFamily="34" charset="-122"/>
+              </a:rPr>
+              <a:t>订单</a:t>
+            </a:r>
+            <a:r>
+              <a:rPr lang="en-US" altLang="zh-CN" sz="1200" b="1">
+                <a:solidFill>
+                  <a:schemeClr val="tx1"/>
+                </a:solidFill>
+                <a:latin typeface="微软雅黑" panose="020B0503020204020204" pitchFamily="34" charset="-122"/>
+                <a:ea typeface="微软雅黑" panose="020B0503020204020204" pitchFamily="34" charset="-122"/>
+              </a:rPr>
+              <a:t>id</a:t>
+            </a:r>
           </a:p>
           <a:p>
             <a:r>
@@ -5878,17 +7548,17 @@
                 <a:latin typeface="Consolas" panose="020B0609020204030204" pitchFamily="49" charset="0"/>
                 <a:ea typeface="微软雅黑" panose="020B0503020204020204" pitchFamily="34" charset="-122"/>
               </a:rPr>
-              <a:t>卖家抵押</a:t>
+              <a:t>出售订单</a:t>
             </a:r>
           </a:p>
         </p:txBody>
       </p:sp>
       <p:sp>
         <p:nvSpPr>
-          <p:cNvPr id="61" name="矩形: 圆角 60">
-            <a:extLst>
-              <a:ext uri="{FF2B5EF4-FFF2-40B4-BE49-F238E27FC236}">
-                <a16:creationId xmlns:a16="http://schemas.microsoft.com/office/drawing/2014/main" id="{E3777F73-EAAB-43DE-8A90-6B6D895B1B1F}"/>
+          <p:cNvPr id="9" name="矩形: 圆角 8">
+            <a:extLst>
+              <a:ext uri="{FF2B5EF4-FFF2-40B4-BE49-F238E27FC236}">
+                <a16:creationId xmlns:a16="http://schemas.microsoft.com/office/drawing/2014/main" id="{D44E7F41-4F7B-4571-9A58-0FCD4597B84E}"/>
               </a:ext>
             </a:extLst>
           </p:cNvPr>
@@ -5897,365 +7567,13 @@
         </p:nvSpPr>
         <p:spPr>
           <a:xfrm>
-            <a:off x="804989" y="1693481"/>
-            <a:ext cx="1080000" cy="432000"/>
+            <a:off x="712379" y="1219412"/>
+            <a:ext cx="2180394" cy="648000"/>
           </a:xfrm>
           <a:prstGeom prst="roundRect">
-            <a:avLst/>
-          </a:prstGeom>
-          <a:solidFill>
-            <a:srgbClr val="00B0F0"/>
-          </a:solidFill>
-          <a:ln>
-            <a:solidFill>
-              <a:schemeClr val="tx1"/>
-            </a:solidFill>
-          </a:ln>
-        </p:spPr>
-        <p:style>
-          <a:lnRef idx="2">
-            <a:schemeClr val="accent1">
-              <a:shade val="50000"/>
-            </a:schemeClr>
-          </a:lnRef>
-          <a:fillRef idx="1">
-            <a:schemeClr val="accent1"/>
-          </a:fillRef>
-          <a:effectRef idx="0">
-            <a:schemeClr val="accent1"/>
-          </a:effectRef>
-          <a:fontRef idx="minor">
-            <a:schemeClr val="lt1"/>
-          </a:fontRef>
-        </p:style>
-        <p:txBody>
-          <a:bodyPr wrap="none" lIns="36000" tIns="36000" rIns="36000" bIns="36000" rtlCol="0" anchor="ctr" anchorCtr="0"/>
-          <a:lstStyle/>
-          <a:p>
-            <a:pPr algn="ctr"/>
-            <a:r>
-              <a:rPr lang="zh-CN" altLang="en-US" sz="1600" b="1">
-                <a:solidFill>
-                  <a:schemeClr val="tx1"/>
-                </a:solidFill>
-                <a:latin typeface="微软雅黑" panose="020B0503020204020204" pitchFamily="34" charset="-122"/>
-                <a:ea typeface="微软雅黑" panose="020B0503020204020204" pitchFamily="34" charset="-122"/>
-              </a:rPr>
-              <a:t>卖单用户</a:t>
-            </a:r>
-          </a:p>
-        </p:txBody>
-      </p:sp>
-      <p:sp>
-        <p:nvSpPr>
-          <p:cNvPr id="101" name="矩形: 圆角 100">
-            <a:extLst>
-              <a:ext uri="{FF2B5EF4-FFF2-40B4-BE49-F238E27FC236}">
-                <a16:creationId xmlns:a16="http://schemas.microsoft.com/office/drawing/2014/main" id="{2FD8AFDB-B92D-4C27-ABEC-799C66831DBB}"/>
-              </a:ext>
-            </a:extLst>
-          </p:cNvPr>
-          <p:cNvSpPr/>
-          <p:nvPr/>
-        </p:nvSpPr>
-        <p:spPr>
-          <a:xfrm>
-            <a:off x="3277932" y="1585481"/>
-            <a:ext cx="1512000" cy="648000"/>
-          </a:xfrm>
-          <a:prstGeom prst="roundRect">
-            <a:avLst/>
-          </a:prstGeom>
-          <a:solidFill>
-            <a:srgbClr val="00B050"/>
-          </a:solidFill>
-          <a:ln>
-            <a:solidFill>
-              <a:schemeClr val="tx1"/>
-            </a:solidFill>
-          </a:ln>
-        </p:spPr>
-        <p:style>
-          <a:lnRef idx="2">
-            <a:schemeClr val="accent1">
-              <a:shade val="50000"/>
-            </a:schemeClr>
-          </a:lnRef>
-          <a:fillRef idx="1">
-            <a:schemeClr val="accent1"/>
-          </a:fillRef>
-          <a:effectRef idx="0">
-            <a:schemeClr val="accent1"/>
-          </a:effectRef>
-          <a:fontRef idx="minor">
-            <a:schemeClr val="lt1"/>
-          </a:fontRef>
-        </p:style>
-        <p:txBody>
-          <a:bodyPr wrap="none" lIns="36000" tIns="36000" rIns="36000" bIns="36000" rtlCol="0" anchor="ctr" anchorCtr="0"/>
-          <a:lstStyle/>
-          <a:p>
-            <a:pPr algn="ctr"/>
-            <a:r>
-              <a:rPr lang="zh-CN" altLang="en-US" sz="1600" b="1">
-                <a:solidFill>
-                  <a:schemeClr val="tx1"/>
-                </a:solidFill>
-                <a:latin typeface="微软雅黑" panose="020B0503020204020204" pitchFamily="34" charset="-122"/>
-                <a:ea typeface="微软雅黑" panose="020B0503020204020204" pitchFamily="34" charset="-122"/>
-              </a:rPr>
-              <a:t>发布卖单</a:t>
-            </a:r>
-            <a:endParaRPr lang="en-US" altLang="zh-CN" sz="1600" b="1">
-              <a:solidFill>
-                <a:schemeClr val="tx1"/>
-              </a:solidFill>
-              <a:latin typeface="微软雅黑" panose="020B0503020204020204" pitchFamily="34" charset="-122"/>
-              <a:ea typeface="微软雅黑" panose="020B0503020204020204" pitchFamily="34" charset="-122"/>
-            </a:endParaRPr>
-          </a:p>
-          <a:p>
-            <a:pPr algn="ctr"/>
-            <a:r>
-              <a:rPr lang="en-US" altLang="zh-CN" sz="1600" b="1">
-                <a:solidFill>
-                  <a:schemeClr val="tx1"/>
-                </a:solidFill>
-                <a:latin typeface="微软雅黑" panose="020B0503020204020204" pitchFamily="34" charset="-122"/>
-                <a:ea typeface="微软雅黑" panose="020B0503020204020204" pitchFamily="34" charset="-122"/>
-              </a:rPr>
-              <a:t>publish</a:t>
-            </a:r>
-            <a:endParaRPr lang="zh-CN" altLang="en-US" sz="1600" b="1">
-              <a:solidFill>
-                <a:schemeClr val="tx1"/>
-              </a:solidFill>
-              <a:latin typeface="微软雅黑" panose="020B0503020204020204" pitchFamily="34" charset="-122"/>
-              <a:ea typeface="微软雅黑" panose="020B0503020204020204" pitchFamily="34" charset="-122"/>
-            </a:endParaRPr>
-          </a:p>
-        </p:txBody>
-      </p:sp>
-      <p:cxnSp>
-        <p:nvCxnSpPr>
-          <p:cNvPr id="112" name="直接箭头连接符 111">
-            <a:extLst>
-              <a:ext uri="{FF2B5EF4-FFF2-40B4-BE49-F238E27FC236}">
-                <a16:creationId xmlns:a16="http://schemas.microsoft.com/office/drawing/2014/main" id="{769CDA3F-50AD-4BDB-9B81-EAEAFEAC2A92}"/>
-              </a:ext>
-            </a:extLst>
-          </p:cNvPr>
-          <p:cNvCxnSpPr>
-            <a:cxnSpLocks/>
-            <a:stCxn id="101" idx="3"/>
-            <a:endCxn id="42" idx="1"/>
-          </p:cNvCxnSpPr>
-          <p:nvPr/>
-        </p:nvCxnSpPr>
-        <p:spPr>
-          <a:xfrm>
-            <a:off x="4789932" y="1909481"/>
-            <a:ext cx="1392943" cy="0"/>
-          </a:xfrm>
-          <a:prstGeom prst="straightConnector1">
-            <a:avLst/>
-          </a:prstGeom>
-          <a:ln w="31750">
-            <a:solidFill>
-              <a:schemeClr val="tx1"/>
-            </a:solidFill>
-            <a:tailEnd type="triangle"/>
-          </a:ln>
-        </p:spPr>
-        <p:style>
-          <a:lnRef idx="1">
-            <a:schemeClr val="accent1"/>
-          </a:lnRef>
-          <a:fillRef idx="0">
-            <a:schemeClr val="accent1"/>
-          </a:fillRef>
-          <a:effectRef idx="0">
-            <a:schemeClr val="accent1"/>
-          </a:effectRef>
-          <a:fontRef idx="minor">
-            <a:schemeClr val="tx1"/>
-          </a:fontRef>
-        </p:style>
-      </p:cxnSp>
-      <p:sp>
-        <p:nvSpPr>
-          <p:cNvPr id="42" name="矩形: 圆角 41">
-            <a:extLst>
-              <a:ext uri="{FF2B5EF4-FFF2-40B4-BE49-F238E27FC236}">
-                <a16:creationId xmlns:a16="http://schemas.microsoft.com/office/drawing/2014/main" id="{72E3ADA6-A1D7-4020-A2AA-532AFDCEC56C}"/>
-              </a:ext>
-            </a:extLst>
-          </p:cNvPr>
-          <p:cNvSpPr/>
-          <p:nvPr/>
-        </p:nvSpPr>
-        <p:spPr>
-          <a:xfrm>
-            <a:off x="6182875" y="1621481"/>
-            <a:ext cx="1620000" cy="576000"/>
-          </a:xfrm>
-          <a:prstGeom prst="roundRect">
-            <a:avLst/>
-          </a:prstGeom>
-          <a:solidFill>
-            <a:schemeClr val="bg1"/>
-          </a:solidFill>
-          <a:ln>
-            <a:solidFill>
-              <a:schemeClr val="tx1"/>
-            </a:solidFill>
-          </a:ln>
-        </p:spPr>
-        <p:style>
-          <a:lnRef idx="2">
-            <a:schemeClr val="accent1">
-              <a:shade val="50000"/>
-            </a:schemeClr>
-          </a:lnRef>
-          <a:fillRef idx="1">
-            <a:schemeClr val="accent1"/>
-          </a:fillRef>
-          <a:effectRef idx="0">
-            <a:schemeClr val="accent1"/>
-          </a:effectRef>
-          <a:fontRef idx="minor">
-            <a:schemeClr val="lt1"/>
-          </a:fontRef>
-        </p:style>
-        <p:txBody>
-          <a:bodyPr wrap="none" lIns="36000" tIns="36000" rIns="36000" bIns="36000" rtlCol="0" anchor="ctr" anchorCtr="0"/>
-          <a:lstStyle/>
-          <a:p>
-            <a:pPr algn="ctr"/>
-            <a:r>
-              <a:rPr lang="zh-CN" altLang="en-US" sz="1600" b="1">
-                <a:solidFill>
-                  <a:schemeClr val="tx1"/>
-                </a:solidFill>
-                <a:latin typeface="微软雅黑" panose="020B0503020204020204" pitchFamily="34" charset="-122"/>
-                <a:ea typeface="微软雅黑" panose="020B0503020204020204" pitchFamily="34" charset="-122"/>
-              </a:rPr>
-              <a:t>抵押给合约账户</a:t>
-            </a:r>
-          </a:p>
-        </p:txBody>
-      </p:sp>
-      <p:cxnSp>
-        <p:nvCxnSpPr>
-          <p:cNvPr id="32" name="直接箭头连接符 31">
-            <a:extLst>
-              <a:ext uri="{FF2B5EF4-FFF2-40B4-BE49-F238E27FC236}">
-                <a16:creationId xmlns:a16="http://schemas.microsoft.com/office/drawing/2014/main" id="{838C77E9-6039-4E89-975D-8D8DC3ED531F}"/>
-              </a:ext>
-            </a:extLst>
-          </p:cNvPr>
-          <p:cNvCxnSpPr>
-            <a:cxnSpLocks/>
-            <a:stCxn id="61" idx="3"/>
-            <a:endCxn id="101" idx="1"/>
-          </p:cNvCxnSpPr>
-          <p:nvPr/>
-        </p:nvCxnSpPr>
-        <p:spPr>
-          <a:xfrm>
-            <a:off x="1884989" y="1909481"/>
-            <a:ext cx="1392943" cy="0"/>
-          </a:xfrm>
-          <a:prstGeom prst="straightConnector1">
-            <a:avLst/>
-          </a:prstGeom>
-          <a:ln w="31750">
-            <a:solidFill>
-              <a:schemeClr val="tx1"/>
-            </a:solidFill>
-            <a:tailEnd type="triangle"/>
-          </a:ln>
-        </p:spPr>
-        <p:style>
-          <a:lnRef idx="1">
-            <a:schemeClr val="accent1"/>
-          </a:lnRef>
-          <a:fillRef idx="0">
-            <a:schemeClr val="accent1"/>
-          </a:fillRef>
-          <a:effectRef idx="0">
-            <a:schemeClr val="accent1"/>
-          </a:effectRef>
-          <a:fontRef idx="minor">
-            <a:schemeClr val="tx1"/>
-          </a:fontRef>
-        </p:style>
-      </p:cxnSp>
-      <p:cxnSp>
-        <p:nvCxnSpPr>
-          <p:cNvPr id="24" name="直接箭头连接符 23">
-            <a:extLst>
-              <a:ext uri="{FF2B5EF4-FFF2-40B4-BE49-F238E27FC236}">
-                <a16:creationId xmlns:a16="http://schemas.microsoft.com/office/drawing/2014/main" id="{0390D8FB-A80C-4DC7-AE3A-2044A63368B0}"/>
-              </a:ext>
-            </a:extLst>
-          </p:cNvPr>
-          <p:cNvCxnSpPr>
-            <a:cxnSpLocks/>
-            <a:stCxn id="42" idx="3"/>
-            <a:endCxn id="25" idx="1"/>
-          </p:cNvCxnSpPr>
-          <p:nvPr/>
-        </p:nvCxnSpPr>
-        <p:spPr>
-          <a:xfrm>
-            <a:off x="7802875" y="1909481"/>
-            <a:ext cx="1526679" cy="0"/>
-          </a:xfrm>
-          <a:prstGeom prst="straightConnector1">
-            <a:avLst/>
-          </a:prstGeom>
-          <a:ln w="57150">
-            <a:solidFill>
-              <a:srgbClr val="FFC000"/>
-            </a:solidFill>
-            <a:tailEnd type="triangle"/>
-          </a:ln>
-        </p:spPr>
-        <p:style>
-          <a:lnRef idx="1">
-            <a:schemeClr val="accent1"/>
-          </a:lnRef>
-          <a:fillRef idx="0">
-            <a:schemeClr val="accent1"/>
-          </a:fillRef>
-          <a:effectRef idx="0">
-            <a:schemeClr val="accent1"/>
-          </a:effectRef>
-          <a:fontRef idx="minor">
-            <a:schemeClr val="tx1"/>
-          </a:fontRef>
-        </p:style>
-      </p:cxnSp>
-      <p:sp>
-        <p:nvSpPr>
-          <p:cNvPr id="25" name="矩形: 圆角 24">
-            <a:extLst>
-              <a:ext uri="{FF2B5EF4-FFF2-40B4-BE49-F238E27FC236}">
-                <a16:creationId xmlns:a16="http://schemas.microsoft.com/office/drawing/2014/main" id="{B2649A17-FD43-4472-B117-B164C4C96A36}"/>
-              </a:ext>
-            </a:extLst>
-          </p:cNvPr>
-          <p:cNvSpPr/>
-          <p:nvPr/>
-        </p:nvSpPr>
-        <p:spPr>
-          <a:xfrm>
-            <a:off x="9329554" y="1693481"/>
-            <a:ext cx="1728000" cy="432000"/>
-          </a:xfrm>
-          <a:prstGeom prst="roundRect">
-            <a:avLst/>
+            <a:avLst>
+              <a:gd name="adj" fmla="val 13139"/>
+            </a:avLst>
           </a:prstGeom>
           <a:solidFill>
             <a:schemeClr val="bg1">
@@ -6297,7 +7615,7 @@
                 <a:latin typeface="微软雅黑" panose="020B0503020204020204" pitchFamily="34" charset="-122"/>
                 <a:ea typeface="微软雅黑" panose="020B0503020204020204" pitchFamily="34" charset="-122"/>
               </a:rPr>
-              <a:t>抵押表</a:t>
+              <a:t>出售订单表</a:t>
             </a:r>
             <a:endParaRPr lang="en-US" altLang="zh-CN" sz="1600" b="1">
               <a:solidFill>
@@ -6307,12 +7625,594 @@
               <a:ea typeface="微软雅黑" panose="020B0503020204020204" pitchFamily="34" charset="-122"/>
             </a:endParaRPr>
           </a:p>
+          <a:p>
+            <a:pPr algn="ctr"/>
+            <a:r>
+              <a:rPr lang="en-US" altLang="zh-CN" sz="1600" b="1">
+                <a:solidFill>
+                  <a:schemeClr val="tx1"/>
+                </a:solidFill>
+                <a:latin typeface="微软雅黑" panose="020B0503020204020204" pitchFamily="34" charset="-122"/>
+                <a:ea typeface="微软雅黑" panose="020B0503020204020204" pitchFamily="34" charset="-122"/>
+              </a:rPr>
+              <a:t>SellOrder</a:t>
+            </a:r>
+            <a:endParaRPr lang="zh-CN" altLang="en-US" sz="1600" b="1">
+              <a:solidFill>
+                <a:schemeClr val="tx1"/>
+              </a:solidFill>
+              <a:latin typeface="微软雅黑" panose="020B0503020204020204" pitchFamily="34" charset="-122"/>
+              <a:ea typeface="微软雅黑" panose="020B0503020204020204" pitchFamily="34" charset="-122"/>
+            </a:endParaRPr>
+          </a:p>
+        </p:txBody>
+      </p:sp>
+      <p:sp>
+        <p:nvSpPr>
+          <p:cNvPr id="10" name="矩形: 圆角 9">
+            <a:extLst>
+              <a:ext uri="{FF2B5EF4-FFF2-40B4-BE49-F238E27FC236}">
+                <a16:creationId xmlns:a16="http://schemas.microsoft.com/office/drawing/2014/main" id="{998EFC57-75B4-4980-8D6F-DD8086068F7B}"/>
+              </a:ext>
+            </a:extLst>
+          </p:cNvPr>
+          <p:cNvSpPr/>
+          <p:nvPr/>
+        </p:nvSpPr>
+        <p:spPr>
+          <a:xfrm>
+            <a:off x="712380" y="1867410"/>
+            <a:ext cx="2180394" cy="1706205"/>
+          </a:xfrm>
+          <a:prstGeom prst="roundRect">
+            <a:avLst>
+              <a:gd name="adj" fmla="val 5494"/>
+            </a:avLst>
+          </a:prstGeom>
+          <a:noFill/>
+          <a:ln>
+            <a:solidFill>
+              <a:schemeClr val="tx2"/>
+            </a:solidFill>
+            <a:prstDash val="dash"/>
+          </a:ln>
+        </p:spPr>
+        <p:style>
+          <a:lnRef idx="2">
+            <a:schemeClr val="accent1">
+              <a:shade val="50000"/>
+            </a:schemeClr>
+          </a:lnRef>
+          <a:fillRef idx="1">
+            <a:schemeClr val="accent1"/>
+          </a:fillRef>
+          <a:effectRef idx="0">
+            <a:schemeClr val="accent1"/>
+          </a:effectRef>
+          <a:fontRef idx="minor">
+            <a:schemeClr val="lt1"/>
+          </a:fontRef>
+        </p:style>
+        <p:txBody>
+          <a:bodyPr rtlCol="0" anchor="b" anchorCtr="0"/>
+          <a:lstStyle/>
+          <a:p>
+            <a:endParaRPr lang="en-US" altLang="zh-CN" sz="1200" b="1">
+              <a:solidFill>
+                <a:schemeClr val="tx1"/>
+              </a:solidFill>
+              <a:latin typeface="微软雅黑" panose="020B0503020204020204" pitchFamily="34" charset="-122"/>
+              <a:ea typeface="微软雅黑" panose="020B0503020204020204" pitchFamily="34" charset="-122"/>
+            </a:endParaRPr>
+          </a:p>
+          <a:p>
+            <a:r>
+              <a:rPr lang="zh-CN" altLang="en-US" sz="1200" b="1">
+                <a:solidFill>
+                  <a:schemeClr val="tx1"/>
+                </a:solidFill>
+                <a:latin typeface="微软雅黑" panose="020B0503020204020204" pitchFamily="34" charset="-122"/>
+                <a:ea typeface="微软雅黑" panose="020B0503020204020204" pitchFamily="34" charset="-122"/>
+              </a:rPr>
+              <a:t>订单</a:t>
+            </a:r>
+            <a:r>
+              <a:rPr lang="en-US" altLang="zh-CN" sz="1200" b="1">
+                <a:solidFill>
+                  <a:schemeClr val="tx1"/>
+                </a:solidFill>
+                <a:latin typeface="微软雅黑" panose="020B0503020204020204" pitchFamily="34" charset="-122"/>
+                <a:ea typeface="微软雅黑" panose="020B0503020204020204" pitchFamily="34" charset="-122"/>
+              </a:rPr>
+              <a:t>id</a:t>
+            </a:r>
+          </a:p>
+          <a:p>
+            <a:r>
+              <a:rPr lang="zh-CN" altLang="en-US" sz="1200" b="1">
+                <a:solidFill>
+                  <a:schemeClr val="tx1"/>
+                </a:solidFill>
+                <a:latin typeface="微软雅黑" panose="020B0503020204020204" pitchFamily="34" charset="-122"/>
+                <a:ea typeface="微软雅黑" panose="020B0503020204020204" pitchFamily="34" charset="-122"/>
+              </a:rPr>
+              <a:t>买单</a:t>
+            </a:r>
+            <a:r>
+              <a:rPr lang="en-US" altLang="zh-CN" sz="1200" b="1">
+                <a:solidFill>
+                  <a:schemeClr val="tx1"/>
+                </a:solidFill>
+                <a:latin typeface="微软雅黑" panose="020B0503020204020204" pitchFamily="34" charset="-122"/>
+                <a:ea typeface="微软雅黑" panose="020B0503020204020204" pitchFamily="34" charset="-122"/>
+              </a:rPr>
+              <a:t>id</a:t>
+            </a:r>
+          </a:p>
+          <a:p>
+            <a:r>
+              <a:rPr lang="zh-CN" altLang="en-US" sz="1200" b="1">
+                <a:solidFill>
+                  <a:schemeClr val="tx1"/>
+                </a:solidFill>
+                <a:latin typeface="微软雅黑" panose="020B0503020204020204" pitchFamily="34" charset="-122"/>
+                <a:ea typeface="微软雅黑" panose="020B0503020204020204" pitchFamily="34" charset="-122"/>
+              </a:rPr>
+              <a:t>卖家</a:t>
+            </a:r>
+            <a:r>
+              <a:rPr lang="en-US" altLang="zh-CN" sz="1200" b="1">
+                <a:solidFill>
+                  <a:schemeClr val="tx1"/>
+                </a:solidFill>
+                <a:latin typeface="微软雅黑" panose="020B0503020204020204" pitchFamily="34" charset="-122"/>
+                <a:ea typeface="微软雅黑" panose="020B0503020204020204" pitchFamily="34" charset="-122"/>
+              </a:rPr>
+              <a:t>id</a:t>
+            </a:r>
+          </a:p>
+          <a:p>
+            <a:r>
+              <a:rPr lang="zh-CN" altLang="en-US" sz="1200" b="1">
+                <a:solidFill>
+                  <a:schemeClr val="tx1"/>
+                </a:solidFill>
+                <a:latin typeface="微软雅黑" panose="020B0503020204020204" pitchFamily="34" charset="-122"/>
+                <a:ea typeface="微软雅黑" panose="020B0503020204020204" pitchFamily="34" charset="-122"/>
+              </a:rPr>
+              <a:t>数量</a:t>
+            </a:r>
+            <a:endParaRPr lang="en-US" altLang="zh-CN" sz="1200" b="1">
+              <a:solidFill>
+                <a:schemeClr val="tx1"/>
+              </a:solidFill>
+              <a:latin typeface="微软雅黑" panose="020B0503020204020204" pitchFamily="34" charset="-122"/>
+              <a:ea typeface="微软雅黑" panose="020B0503020204020204" pitchFamily="34" charset="-122"/>
+            </a:endParaRPr>
+          </a:p>
+          <a:p>
+            <a:r>
+              <a:rPr lang="zh-CN" altLang="en-US" sz="1200" b="1">
+                <a:solidFill>
+                  <a:schemeClr val="tx1"/>
+                </a:solidFill>
+                <a:latin typeface="微软雅黑" panose="020B0503020204020204" pitchFamily="34" charset="-122"/>
+                <a:ea typeface="微软雅黑" panose="020B0503020204020204" pitchFamily="34" charset="-122"/>
+              </a:rPr>
+              <a:t>单价</a:t>
+            </a:r>
+            <a:endParaRPr lang="en-US" altLang="zh-CN" sz="1200" b="1">
+              <a:solidFill>
+                <a:schemeClr val="tx1"/>
+              </a:solidFill>
+              <a:latin typeface="微软雅黑" panose="020B0503020204020204" pitchFamily="34" charset="-122"/>
+              <a:ea typeface="微软雅黑" panose="020B0503020204020204" pitchFamily="34" charset="-122"/>
+            </a:endParaRPr>
+          </a:p>
+          <a:p>
+            <a:r>
+              <a:rPr lang="zh-CN" altLang="en-US" sz="1200" b="1">
+                <a:solidFill>
+                  <a:schemeClr val="tx1"/>
+                </a:solidFill>
+                <a:latin typeface="微软雅黑" panose="020B0503020204020204" pitchFamily="34" charset="-122"/>
+                <a:ea typeface="微软雅黑" panose="020B0503020204020204" pitchFamily="34" charset="-122"/>
+              </a:rPr>
+              <a:t>状态</a:t>
+            </a:r>
+            <a:r>
+              <a:rPr lang="en-US" altLang="zh-CN" sz="1200" b="1">
+                <a:solidFill>
+                  <a:schemeClr val="tx1"/>
+                </a:solidFill>
+                <a:latin typeface="微软雅黑" panose="020B0503020204020204" pitchFamily="34" charset="-122"/>
+                <a:ea typeface="微软雅黑" panose="020B0503020204020204" pitchFamily="34" charset="-122"/>
+              </a:rPr>
+              <a:t>[1</a:t>
+            </a:r>
+            <a:r>
+              <a:rPr lang="zh-CN" altLang="en-US" sz="1200" b="1">
+                <a:solidFill>
+                  <a:schemeClr val="tx1"/>
+                </a:solidFill>
+                <a:latin typeface="微软雅黑" panose="020B0503020204020204" pitchFamily="34" charset="-122"/>
+                <a:ea typeface="微软雅黑" panose="020B0503020204020204" pitchFamily="34" charset="-122"/>
+              </a:rPr>
+              <a:t>发起</a:t>
+            </a:r>
+            <a:r>
+              <a:rPr lang="en-US" altLang="zh-CN" sz="1200" b="1">
+                <a:solidFill>
+                  <a:schemeClr val="tx1"/>
+                </a:solidFill>
+                <a:latin typeface="微软雅黑" panose="020B0503020204020204" pitchFamily="34" charset="-122"/>
+                <a:ea typeface="微软雅黑" panose="020B0503020204020204" pitchFamily="34" charset="-122"/>
+              </a:rPr>
+              <a:t>,2</a:t>
+            </a:r>
+            <a:r>
+              <a:rPr lang="zh-CN" altLang="en-US" sz="1200" b="1">
+                <a:solidFill>
+                  <a:schemeClr val="tx1"/>
+                </a:solidFill>
+                <a:latin typeface="微软雅黑" panose="020B0503020204020204" pitchFamily="34" charset="-122"/>
+                <a:ea typeface="微软雅黑" panose="020B0503020204020204" pitchFamily="34" charset="-122"/>
+              </a:rPr>
+              <a:t>确认</a:t>
+            </a:r>
+            <a:r>
+              <a:rPr lang="en-US" altLang="zh-CN" sz="1200" b="1">
+                <a:solidFill>
+                  <a:schemeClr val="tx1"/>
+                </a:solidFill>
+                <a:latin typeface="微软雅黑" panose="020B0503020204020204" pitchFamily="34" charset="-122"/>
+                <a:ea typeface="微软雅黑" panose="020B0503020204020204" pitchFamily="34" charset="-122"/>
+              </a:rPr>
+              <a:t>]</a:t>
+            </a:r>
+          </a:p>
+          <a:p>
+            <a:r>
+              <a:rPr lang="zh-CN" altLang="en-US" sz="1200" b="1">
+                <a:solidFill>
+                  <a:schemeClr val="tx1"/>
+                </a:solidFill>
+                <a:latin typeface="微软雅黑" panose="020B0503020204020204" pitchFamily="34" charset="-122"/>
+                <a:ea typeface="微软雅黑" panose="020B0503020204020204" pitchFamily="34" charset="-122"/>
+              </a:rPr>
+              <a:t>发起时间戳</a:t>
+            </a:r>
+            <a:endParaRPr lang="en-US" altLang="zh-CN" sz="1200" b="1">
+              <a:solidFill>
+                <a:schemeClr val="tx1"/>
+              </a:solidFill>
+              <a:latin typeface="微软雅黑" panose="020B0503020204020204" pitchFamily="34" charset="-122"/>
+              <a:ea typeface="微软雅黑" panose="020B0503020204020204" pitchFamily="34" charset="-122"/>
+            </a:endParaRPr>
+          </a:p>
+          <a:p>
+            <a:r>
+              <a:rPr lang="zh-CN" altLang="en-US" sz="1200" b="1">
+                <a:solidFill>
+                  <a:schemeClr val="tx1"/>
+                </a:solidFill>
+                <a:latin typeface="微软雅黑" panose="020B0503020204020204" pitchFamily="34" charset="-122"/>
+                <a:ea typeface="微软雅黑" panose="020B0503020204020204" pitchFamily="34" charset="-122"/>
+              </a:rPr>
+              <a:t>确认时间戳</a:t>
+            </a:r>
+            <a:endParaRPr lang="en-US" altLang="zh-CN" sz="1200" b="1">
+              <a:solidFill>
+                <a:schemeClr val="tx1"/>
+              </a:solidFill>
+              <a:latin typeface="微软雅黑" panose="020B0503020204020204" pitchFamily="34" charset="-122"/>
+              <a:ea typeface="微软雅黑" panose="020B0503020204020204" pitchFamily="34" charset="-122"/>
+            </a:endParaRPr>
+          </a:p>
+        </p:txBody>
+      </p:sp>
+      <p:sp>
+        <p:nvSpPr>
+          <p:cNvPr id="7" name="矩形: 圆角 6">
+            <a:extLst>
+              <a:ext uri="{FF2B5EF4-FFF2-40B4-BE49-F238E27FC236}">
+                <a16:creationId xmlns:a16="http://schemas.microsoft.com/office/drawing/2014/main" id="{6F16DAD8-7C30-484A-B865-E05DDC1C35B5}"/>
+              </a:ext>
+            </a:extLst>
+          </p:cNvPr>
+          <p:cNvSpPr/>
+          <p:nvPr/>
+        </p:nvSpPr>
+        <p:spPr>
+          <a:xfrm>
+            <a:off x="3855080" y="1219412"/>
+            <a:ext cx="2180394" cy="648000"/>
+          </a:xfrm>
+          <a:prstGeom prst="roundRect">
+            <a:avLst>
+              <a:gd name="adj" fmla="val 13139"/>
+            </a:avLst>
+          </a:prstGeom>
+          <a:solidFill>
+            <a:schemeClr val="bg1">
+              <a:lumMod val="95000"/>
+            </a:schemeClr>
+          </a:solidFill>
+          <a:ln>
+            <a:solidFill>
+              <a:schemeClr val="tx1"/>
+            </a:solidFill>
+          </a:ln>
+        </p:spPr>
+        <p:style>
+          <a:lnRef idx="2">
+            <a:schemeClr val="accent1">
+              <a:shade val="50000"/>
+            </a:schemeClr>
+          </a:lnRef>
+          <a:fillRef idx="1">
+            <a:schemeClr val="accent1"/>
+          </a:fillRef>
+          <a:effectRef idx="0">
+            <a:schemeClr val="accent1"/>
+          </a:effectRef>
+          <a:fontRef idx="minor">
+            <a:schemeClr val="lt1"/>
+          </a:fontRef>
+        </p:style>
+        <p:txBody>
+          <a:bodyPr wrap="none" lIns="36000" tIns="36000" rIns="36000" bIns="36000" rtlCol="0" anchor="ctr" anchorCtr="0"/>
+          <a:lstStyle/>
+          <a:p>
+            <a:pPr algn="ctr"/>
+            <a:r>
+              <a:rPr lang="zh-CN" altLang="en-US" sz="1600" b="1">
+                <a:solidFill>
+                  <a:schemeClr val="tx1"/>
+                </a:solidFill>
+                <a:latin typeface="微软雅黑" panose="020B0503020204020204" pitchFamily="34" charset="-122"/>
+                <a:ea typeface="微软雅黑" panose="020B0503020204020204" pitchFamily="34" charset="-122"/>
+              </a:rPr>
+              <a:t>撤销出售订单表</a:t>
+            </a:r>
+            <a:endParaRPr lang="en-US" altLang="zh-CN" sz="1600" b="1">
+              <a:solidFill>
+                <a:schemeClr val="tx1"/>
+              </a:solidFill>
+              <a:latin typeface="微软雅黑" panose="020B0503020204020204" pitchFamily="34" charset="-122"/>
+              <a:ea typeface="微软雅黑" panose="020B0503020204020204" pitchFamily="34" charset="-122"/>
+            </a:endParaRPr>
+          </a:p>
+          <a:p>
+            <a:pPr algn="ctr"/>
+            <a:r>
+              <a:rPr lang="en-US" altLang="zh-CN" sz="1600" b="1">
+                <a:solidFill>
+                  <a:schemeClr val="tx1"/>
+                </a:solidFill>
+                <a:latin typeface="微软雅黑" panose="020B0503020204020204" pitchFamily="34" charset="-122"/>
+                <a:ea typeface="微软雅黑" panose="020B0503020204020204" pitchFamily="34" charset="-122"/>
+              </a:rPr>
+              <a:t>RecusalSellOrder</a:t>
+            </a:r>
+            <a:endParaRPr lang="zh-CN" altLang="en-US" sz="1600" b="1">
+              <a:solidFill>
+                <a:schemeClr val="tx1"/>
+              </a:solidFill>
+              <a:latin typeface="微软雅黑" panose="020B0503020204020204" pitchFamily="34" charset="-122"/>
+              <a:ea typeface="微软雅黑" panose="020B0503020204020204" pitchFamily="34" charset="-122"/>
+            </a:endParaRPr>
+          </a:p>
+        </p:txBody>
+      </p:sp>
+      <p:sp>
+        <p:nvSpPr>
+          <p:cNvPr id="8" name="矩形: 圆角 7">
+            <a:extLst>
+              <a:ext uri="{FF2B5EF4-FFF2-40B4-BE49-F238E27FC236}">
+                <a16:creationId xmlns:a16="http://schemas.microsoft.com/office/drawing/2014/main" id="{08911852-C4E3-423F-BA62-B5818B6FC71C}"/>
+              </a:ext>
+            </a:extLst>
+          </p:cNvPr>
+          <p:cNvSpPr/>
+          <p:nvPr/>
+        </p:nvSpPr>
+        <p:spPr>
+          <a:xfrm>
+            <a:off x="3855081" y="1867411"/>
+            <a:ext cx="2180394" cy="1115486"/>
+          </a:xfrm>
+          <a:prstGeom prst="roundRect">
+            <a:avLst>
+              <a:gd name="adj" fmla="val 5494"/>
+            </a:avLst>
+          </a:prstGeom>
+          <a:noFill/>
+          <a:ln>
+            <a:solidFill>
+              <a:schemeClr val="tx2"/>
+            </a:solidFill>
+            <a:prstDash val="dash"/>
+          </a:ln>
+        </p:spPr>
+        <p:style>
+          <a:lnRef idx="2">
+            <a:schemeClr val="accent1">
+              <a:shade val="50000"/>
+            </a:schemeClr>
+          </a:lnRef>
+          <a:fillRef idx="1">
+            <a:schemeClr val="accent1"/>
+          </a:fillRef>
+          <a:effectRef idx="0">
+            <a:schemeClr val="accent1"/>
+          </a:effectRef>
+          <a:fontRef idx="minor">
+            <a:schemeClr val="lt1"/>
+          </a:fontRef>
+        </p:style>
+        <p:txBody>
+          <a:bodyPr rtlCol="0" anchor="b" anchorCtr="0"/>
+          <a:lstStyle/>
+          <a:p>
+            <a:endParaRPr lang="en-US" altLang="zh-CN" sz="1200" b="1">
+              <a:solidFill>
+                <a:schemeClr val="tx1"/>
+              </a:solidFill>
+              <a:latin typeface="微软雅黑" panose="020B0503020204020204" pitchFamily="34" charset="-122"/>
+              <a:ea typeface="微软雅黑" panose="020B0503020204020204" pitchFamily="34" charset="-122"/>
+            </a:endParaRPr>
+          </a:p>
+          <a:p>
+            <a:r>
+              <a:rPr lang="zh-CN" altLang="en-US" sz="1200" b="1">
+                <a:solidFill>
+                  <a:schemeClr val="tx1"/>
+                </a:solidFill>
+                <a:latin typeface="微软雅黑" panose="020B0503020204020204" pitchFamily="34" charset="-122"/>
+                <a:ea typeface="微软雅黑" panose="020B0503020204020204" pitchFamily="34" charset="-122"/>
+              </a:rPr>
+              <a:t>撤销</a:t>
+            </a:r>
+            <a:r>
+              <a:rPr lang="en-US" altLang="zh-CN" sz="1200" b="1">
+                <a:solidFill>
+                  <a:schemeClr val="tx1"/>
+                </a:solidFill>
+                <a:latin typeface="微软雅黑" panose="020B0503020204020204" pitchFamily="34" charset="-122"/>
+                <a:ea typeface="微软雅黑" panose="020B0503020204020204" pitchFamily="34" charset="-122"/>
+              </a:rPr>
+              <a:t>id</a:t>
+            </a:r>
+          </a:p>
+          <a:p>
+            <a:r>
+              <a:rPr lang="zh-CN" altLang="en-US" sz="1200" b="1">
+                <a:solidFill>
+                  <a:schemeClr val="tx1"/>
+                </a:solidFill>
+                <a:latin typeface="微软雅黑" panose="020B0503020204020204" pitchFamily="34" charset="-122"/>
+                <a:ea typeface="微软雅黑" panose="020B0503020204020204" pitchFamily="34" charset="-122"/>
+              </a:rPr>
+              <a:t>订单</a:t>
+            </a:r>
+            <a:r>
+              <a:rPr lang="en-US" altLang="zh-CN" sz="1200" b="1">
+                <a:solidFill>
+                  <a:schemeClr val="tx1"/>
+                </a:solidFill>
+                <a:latin typeface="微软雅黑" panose="020B0503020204020204" pitchFamily="34" charset="-122"/>
+                <a:ea typeface="微软雅黑" panose="020B0503020204020204" pitchFamily="34" charset="-122"/>
+              </a:rPr>
+              <a:t>id</a:t>
+            </a:r>
+          </a:p>
+          <a:p>
+            <a:r>
+              <a:rPr lang="zh-CN" altLang="en-US" sz="1200" b="1">
+                <a:solidFill>
+                  <a:schemeClr val="tx1"/>
+                </a:solidFill>
+                <a:latin typeface="微软雅黑" panose="020B0503020204020204" pitchFamily="34" charset="-122"/>
+                <a:ea typeface="微软雅黑" panose="020B0503020204020204" pitchFamily="34" charset="-122"/>
+              </a:rPr>
+              <a:t>状态</a:t>
+            </a:r>
+            <a:r>
+              <a:rPr lang="en-US" altLang="zh-CN" sz="1200" b="1">
+                <a:solidFill>
+                  <a:schemeClr val="tx1"/>
+                </a:solidFill>
+                <a:latin typeface="微软雅黑" panose="020B0503020204020204" pitchFamily="34" charset="-122"/>
+                <a:ea typeface="微软雅黑" panose="020B0503020204020204" pitchFamily="34" charset="-122"/>
+              </a:rPr>
+              <a:t>[1</a:t>
+            </a:r>
+            <a:r>
+              <a:rPr lang="zh-CN" altLang="en-US" sz="1200" b="1">
+                <a:solidFill>
+                  <a:schemeClr val="tx1"/>
+                </a:solidFill>
+                <a:latin typeface="微软雅黑" panose="020B0503020204020204" pitchFamily="34" charset="-122"/>
+                <a:ea typeface="微软雅黑" panose="020B0503020204020204" pitchFamily="34" charset="-122"/>
+              </a:rPr>
+              <a:t>发起</a:t>
+            </a:r>
+            <a:r>
+              <a:rPr lang="en-US" altLang="zh-CN" sz="1200" b="1">
+                <a:solidFill>
+                  <a:schemeClr val="tx1"/>
+                </a:solidFill>
+                <a:latin typeface="微软雅黑" panose="020B0503020204020204" pitchFamily="34" charset="-122"/>
+                <a:ea typeface="微软雅黑" panose="020B0503020204020204" pitchFamily="34" charset="-122"/>
+              </a:rPr>
+              <a:t>,2</a:t>
+            </a:r>
+            <a:r>
+              <a:rPr lang="zh-CN" altLang="en-US" sz="1200" b="1">
+                <a:solidFill>
+                  <a:schemeClr val="tx1"/>
+                </a:solidFill>
+                <a:latin typeface="微软雅黑" panose="020B0503020204020204" pitchFamily="34" charset="-122"/>
+                <a:ea typeface="微软雅黑" panose="020B0503020204020204" pitchFamily="34" charset="-122"/>
+              </a:rPr>
+              <a:t>确认</a:t>
+            </a:r>
+            <a:r>
+              <a:rPr lang="en-US" altLang="zh-CN" sz="1200" b="1">
+                <a:solidFill>
+                  <a:schemeClr val="tx1"/>
+                </a:solidFill>
+                <a:latin typeface="微软雅黑" panose="020B0503020204020204" pitchFamily="34" charset="-122"/>
+                <a:ea typeface="微软雅黑" panose="020B0503020204020204" pitchFamily="34" charset="-122"/>
+              </a:rPr>
+              <a:t>]</a:t>
+            </a:r>
+          </a:p>
+          <a:p>
+            <a:r>
+              <a:rPr lang="zh-CN" altLang="en-US" sz="1200" b="1">
+                <a:solidFill>
+                  <a:schemeClr val="tx1"/>
+                </a:solidFill>
+                <a:latin typeface="微软雅黑" panose="020B0503020204020204" pitchFamily="34" charset="-122"/>
+                <a:ea typeface="微软雅黑" panose="020B0503020204020204" pitchFamily="34" charset="-122"/>
+              </a:rPr>
+              <a:t>发起时间戳</a:t>
+            </a:r>
+            <a:endParaRPr lang="en-US" altLang="zh-CN" sz="1200" b="1">
+              <a:solidFill>
+                <a:schemeClr val="tx1"/>
+              </a:solidFill>
+              <a:latin typeface="微软雅黑" panose="020B0503020204020204" pitchFamily="34" charset="-122"/>
+              <a:ea typeface="微软雅黑" panose="020B0503020204020204" pitchFamily="34" charset="-122"/>
+            </a:endParaRPr>
+          </a:p>
+          <a:p>
+            <a:r>
+              <a:rPr lang="zh-CN" altLang="en-US" sz="1200" b="1">
+                <a:solidFill>
+                  <a:schemeClr val="tx1"/>
+                </a:solidFill>
+                <a:latin typeface="微软雅黑" panose="020B0503020204020204" pitchFamily="34" charset="-122"/>
+                <a:ea typeface="微软雅黑" panose="020B0503020204020204" pitchFamily="34" charset="-122"/>
+              </a:rPr>
+              <a:t>确认时间戳</a:t>
+            </a:r>
+            <a:endParaRPr lang="en-US" altLang="zh-CN" sz="1200" b="1">
+              <a:solidFill>
+                <a:schemeClr val="tx1"/>
+              </a:solidFill>
+              <a:latin typeface="微软雅黑" panose="020B0503020204020204" pitchFamily="34" charset="-122"/>
+              <a:ea typeface="微软雅黑" panose="020B0503020204020204" pitchFamily="34" charset="-122"/>
+            </a:endParaRPr>
+          </a:p>
         </p:txBody>
       </p:sp>
     </p:spTree>
     <p:extLst>
       <p:ext uri="{BB962C8B-B14F-4D97-AF65-F5344CB8AC3E}">
-        <p14:creationId xmlns:p14="http://schemas.microsoft.com/office/powerpoint/2010/main" val="4071845704"/>
+        <p14:creationId xmlns:p14="http://schemas.microsoft.com/office/powerpoint/2010/main" val="3721503274"/>
       </p:ext>
     </p:extLst>
   </p:cSld>
@@ -6455,7 +8355,7 @@
         <p:spPr>
           <a:xfrm>
             <a:off x="712379" y="173975"/>
-            <a:ext cx="1826141" cy="584775"/>
+            <a:ext cx="2646878" cy="584775"/>
           </a:xfrm>
           <a:prstGeom prst="rect">
             <a:avLst/>
@@ -6473,17 +8373,17 @@
                 <a:latin typeface="Consolas" panose="020B0609020204030204" pitchFamily="49" charset="0"/>
                 <a:ea typeface="微软雅黑" panose="020B0503020204020204" pitchFamily="34" charset="-122"/>
               </a:rPr>
-              <a:t>卖家赎回</a:t>
+              <a:t>挂卖单及赎回</a:t>
             </a:r>
           </a:p>
         </p:txBody>
       </p:sp>
       <p:sp>
         <p:nvSpPr>
-          <p:cNvPr id="57" name="矩形: 圆角 56">
-            <a:extLst>
-              <a:ext uri="{FF2B5EF4-FFF2-40B4-BE49-F238E27FC236}">
-                <a16:creationId xmlns:a16="http://schemas.microsoft.com/office/drawing/2014/main" id="{65E9B693-9316-4E9F-82F7-2796C6B9FCD2}"/>
+          <p:cNvPr id="61" name="矩形: 圆角 60">
+            <a:extLst>
+              <a:ext uri="{FF2B5EF4-FFF2-40B4-BE49-F238E27FC236}">
+                <a16:creationId xmlns:a16="http://schemas.microsoft.com/office/drawing/2014/main" id="{E3777F73-EAAB-43DE-8A90-6B6D895B1B1F}"/>
               </a:ext>
             </a:extLst>
           </p:cNvPr>
@@ -6492,7 +8392,7 @@
         </p:nvSpPr>
         <p:spPr>
           <a:xfrm>
-            <a:off x="712379" y="1827959"/>
+            <a:off x="813867" y="1595823"/>
             <a:ext cx="1080000" cy="432000"/>
           </a:xfrm>
           <a:prstGeom prst="roundRect">
@@ -6536,17 +8436,17 @@
                 <a:latin typeface="微软雅黑" panose="020B0503020204020204" pitchFamily="34" charset="-122"/>
                 <a:ea typeface="微软雅黑" panose="020B0503020204020204" pitchFamily="34" charset="-122"/>
               </a:rPr>
-              <a:t>卖单用户</a:t>
+              <a:t>商家</a:t>
             </a:r>
           </a:p>
         </p:txBody>
       </p:sp>
       <p:sp>
         <p:nvSpPr>
-          <p:cNvPr id="58" name="矩形: 圆角 57">
-            <a:extLst>
-              <a:ext uri="{FF2B5EF4-FFF2-40B4-BE49-F238E27FC236}">
-                <a16:creationId xmlns:a16="http://schemas.microsoft.com/office/drawing/2014/main" id="{1A415BD8-5740-4984-A8EF-0B45AE86E344}"/>
+          <p:cNvPr id="101" name="矩形: 圆角 100">
+            <a:extLst>
+              <a:ext uri="{FF2B5EF4-FFF2-40B4-BE49-F238E27FC236}">
+                <a16:creationId xmlns:a16="http://schemas.microsoft.com/office/drawing/2014/main" id="{2FD8AFDB-B92D-4C27-ABEC-799C66831DBB}"/>
               </a:ext>
             </a:extLst>
           </p:cNvPr>
@@ -6555,7 +8455,7 @@
         </p:nvSpPr>
         <p:spPr>
           <a:xfrm>
-            <a:off x="2733307" y="1719959"/>
+            <a:off x="2857595" y="1487823"/>
             <a:ext cx="1512000" cy="648000"/>
           </a:xfrm>
           <a:prstGeom prst="roundRect">
@@ -6599,7 +8499,7 @@
                 <a:latin typeface="微软雅黑" panose="020B0503020204020204" pitchFamily="34" charset="-122"/>
                 <a:ea typeface="微软雅黑" panose="020B0503020204020204" pitchFamily="34" charset="-122"/>
               </a:rPr>
-              <a:t>赎回</a:t>
+              <a:t>挂卖单</a:t>
             </a:r>
             <a:endParaRPr lang="en-US" altLang="zh-CN" sz="1600" b="1">
               <a:solidFill>
@@ -6619,7 +8519,7 @@
                 <a:latin typeface="微软雅黑" panose="020B0503020204020204" pitchFamily="34" charset="-122"/>
                 <a:ea typeface="微软雅黑" panose="020B0503020204020204" pitchFamily="34" charset="-122"/>
               </a:rPr>
-              <a:t>redeem</a:t>
+              <a:t>hang_sell</a:t>
             </a:r>
             <a:endParaRPr lang="zh-CN" altLang="en-US" sz="1600" b="1">
               <a:solidFill>
@@ -6633,23 +8533,23 @@
       </p:sp>
       <p:cxnSp>
         <p:nvCxnSpPr>
-          <p:cNvPr id="59" name="直接箭头连接符 58">
-            <a:extLst>
-              <a:ext uri="{FF2B5EF4-FFF2-40B4-BE49-F238E27FC236}">
-                <a16:creationId xmlns:a16="http://schemas.microsoft.com/office/drawing/2014/main" id="{E8CE606D-E7F8-4193-A90B-32217CC6FE96}"/>
+          <p:cNvPr id="112" name="直接箭头连接符 111">
+            <a:extLst>
+              <a:ext uri="{FF2B5EF4-FFF2-40B4-BE49-F238E27FC236}">
+                <a16:creationId xmlns:a16="http://schemas.microsoft.com/office/drawing/2014/main" id="{769CDA3F-50AD-4BDB-9B81-EAEAFEAC2A92}"/>
               </a:ext>
             </a:extLst>
           </p:cNvPr>
           <p:cNvCxnSpPr>
             <a:cxnSpLocks/>
-            <a:stCxn id="58" idx="3"/>
-            <a:endCxn id="60" idx="1"/>
+            <a:stCxn id="101" idx="3"/>
+            <a:endCxn id="42" idx="1"/>
           </p:cNvCxnSpPr>
           <p:nvPr/>
         </p:nvCxnSpPr>
         <p:spPr>
           <a:xfrm>
-            <a:off x="4245307" y="2043959"/>
+            <a:off x="4369595" y="1811823"/>
             <a:ext cx="940928" cy="0"/>
           </a:xfrm>
           <a:prstGeom prst="straightConnector1">
@@ -6679,10 +8579,10 @@
       </p:cxnSp>
       <p:sp>
         <p:nvSpPr>
-          <p:cNvPr id="60" name="矩形: 圆角 59">
-            <a:extLst>
-              <a:ext uri="{FF2B5EF4-FFF2-40B4-BE49-F238E27FC236}">
-                <a16:creationId xmlns:a16="http://schemas.microsoft.com/office/drawing/2014/main" id="{439E5E02-6BA2-41DE-AC3B-ECEDEFD1F385}"/>
+          <p:cNvPr id="42" name="矩形: 圆角 41">
+            <a:extLst>
+              <a:ext uri="{FF2B5EF4-FFF2-40B4-BE49-F238E27FC236}">
+                <a16:creationId xmlns:a16="http://schemas.microsoft.com/office/drawing/2014/main" id="{72E3ADA6-A1D7-4020-A2AA-532AFDCEC56C}"/>
               </a:ext>
             </a:extLst>
           </p:cNvPr>
@@ -6691,7 +8591,7 @@
         </p:nvSpPr>
         <p:spPr>
           <a:xfrm>
-            <a:off x="5186235" y="1755959"/>
+            <a:off x="5310523" y="1523823"/>
             <a:ext cx="1620000" cy="576000"/>
           </a:xfrm>
           <a:prstGeom prst="roundRect">
@@ -6735,31 +8635,31 @@
                 <a:latin typeface="微软雅黑" panose="020B0503020204020204" pitchFamily="34" charset="-122"/>
                 <a:ea typeface="微软雅黑" panose="020B0503020204020204" pitchFamily="34" charset="-122"/>
               </a:rPr>
-              <a:t>合约账户转账</a:t>
+              <a:t>抵押给合约账户</a:t>
             </a:r>
           </a:p>
         </p:txBody>
       </p:sp>
       <p:cxnSp>
         <p:nvCxnSpPr>
-          <p:cNvPr id="62" name="直接箭头连接符 61">
-            <a:extLst>
-              <a:ext uri="{FF2B5EF4-FFF2-40B4-BE49-F238E27FC236}">
-                <a16:creationId xmlns:a16="http://schemas.microsoft.com/office/drawing/2014/main" id="{5E333993-C0A6-4C5E-86E9-7F2027329CE7}"/>
+          <p:cNvPr id="32" name="直接箭头连接符 31">
+            <a:extLst>
+              <a:ext uri="{FF2B5EF4-FFF2-40B4-BE49-F238E27FC236}">
+                <a16:creationId xmlns:a16="http://schemas.microsoft.com/office/drawing/2014/main" id="{838C77E9-6039-4E89-975D-8D8DC3ED531F}"/>
               </a:ext>
             </a:extLst>
           </p:cNvPr>
           <p:cNvCxnSpPr>
             <a:cxnSpLocks/>
-            <a:stCxn id="57" idx="3"/>
-            <a:endCxn id="58" idx="1"/>
+            <a:stCxn id="61" idx="3"/>
+            <a:endCxn id="101" idx="1"/>
           </p:cNvCxnSpPr>
           <p:nvPr/>
         </p:nvCxnSpPr>
         <p:spPr>
           <a:xfrm>
-            <a:off x="1792379" y="2043959"/>
-            <a:ext cx="940928" cy="0"/>
+            <a:off x="1893867" y="1811823"/>
+            <a:ext cx="963728" cy="0"/>
           </a:xfrm>
           <a:prstGeom prst="straightConnector1">
             <a:avLst/>
@@ -6786,135 +8686,26 @@
           </a:fontRef>
         </p:style>
       </p:cxnSp>
-      <p:sp>
-        <p:nvSpPr>
-          <p:cNvPr id="63" name="矩形: 圆角 62">
-            <a:extLst>
-              <a:ext uri="{FF2B5EF4-FFF2-40B4-BE49-F238E27FC236}">
-                <a16:creationId xmlns:a16="http://schemas.microsoft.com/office/drawing/2014/main" id="{277DE9D7-2400-47B2-8AB5-32DC77E2F2B6}"/>
-              </a:ext>
-            </a:extLst>
-          </p:cNvPr>
-          <p:cNvSpPr/>
-          <p:nvPr/>
-        </p:nvSpPr>
-        <p:spPr>
-          <a:xfrm>
-            <a:off x="7747163" y="1827959"/>
-            <a:ext cx="1080000" cy="432000"/>
-          </a:xfrm>
-          <a:prstGeom prst="roundRect">
-            <a:avLst/>
-          </a:prstGeom>
-          <a:solidFill>
-            <a:srgbClr val="00B0F0"/>
-          </a:solidFill>
-          <a:ln>
-            <a:solidFill>
-              <a:schemeClr val="tx1"/>
-            </a:solidFill>
-          </a:ln>
-        </p:spPr>
-        <p:style>
-          <a:lnRef idx="2">
-            <a:schemeClr val="accent1">
-              <a:shade val="50000"/>
-            </a:schemeClr>
-          </a:lnRef>
-          <a:fillRef idx="1">
-            <a:schemeClr val="accent1"/>
-          </a:fillRef>
-          <a:effectRef idx="0">
-            <a:schemeClr val="accent1"/>
-          </a:effectRef>
-          <a:fontRef idx="minor">
-            <a:schemeClr val="lt1"/>
-          </a:fontRef>
-        </p:style>
-        <p:txBody>
-          <a:bodyPr wrap="none" lIns="36000" tIns="36000" rIns="36000" bIns="36000" rtlCol="0" anchor="ctr" anchorCtr="0"/>
-          <a:lstStyle/>
-          <a:p>
-            <a:pPr algn="ctr"/>
-            <a:r>
-              <a:rPr lang="zh-CN" altLang="en-US" sz="1600" b="1">
-                <a:solidFill>
-                  <a:schemeClr val="tx1"/>
-                </a:solidFill>
-                <a:latin typeface="微软雅黑" panose="020B0503020204020204" pitchFamily="34" charset="-122"/>
-                <a:ea typeface="微软雅黑" panose="020B0503020204020204" pitchFamily="34" charset="-122"/>
-              </a:rPr>
-              <a:t>卖单用户</a:t>
-            </a:r>
-          </a:p>
-        </p:txBody>
-      </p:sp>
       <p:cxnSp>
         <p:nvCxnSpPr>
-          <p:cNvPr id="64" name="直接箭头连接符 63">
-            <a:extLst>
-              <a:ext uri="{FF2B5EF4-FFF2-40B4-BE49-F238E27FC236}">
-                <a16:creationId xmlns:a16="http://schemas.microsoft.com/office/drawing/2014/main" id="{5E3981A5-3200-4516-8486-750739C1C0F0}"/>
+          <p:cNvPr id="24" name="直接箭头连接符 23">
+            <a:extLst>
+              <a:ext uri="{FF2B5EF4-FFF2-40B4-BE49-F238E27FC236}">
+                <a16:creationId xmlns:a16="http://schemas.microsoft.com/office/drawing/2014/main" id="{0390D8FB-A80C-4DC7-AE3A-2044A63368B0}"/>
               </a:ext>
             </a:extLst>
           </p:cNvPr>
           <p:cNvCxnSpPr>
             <a:cxnSpLocks/>
-            <a:stCxn id="60" idx="3"/>
-            <a:endCxn id="63" idx="1"/>
+            <a:stCxn id="42" idx="3"/>
+            <a:endCxn id="25" idx="1"/>
           </p:cNvCxnSpPr>
           <p:nvPr/>
         </p:nvCxnSpPr>
         <p:spPr>
           <a:xfrm>
-            <a:off x="6806235" y="2043959"/>
-            <a:ext cx="940928" cy="0"/>
-          </a:xfrm>
-          <a:prstGeom prst="straightConnector1">
-            <a:avLst/>
-          </a:prstGeom>
-          <a:ln w="31750">
-            <a:solidFill>
-              <a:schemeClr val="tx1"/>
-            </a:solidFill>
-            <a:tailEnd type="triangle"/>
-          </a:ln>
-        </p:spPr>
-        <p:style>
-          <a:lnRef idx="1">
-            <a:schemeClr val="accent1"/>
-          </a:lnRef>
-          <a:fillRef idx="0">
-            <a:schemeClr val="accent1"/>
-          </a:fillRef>
-          <a:effectRef idx="0">
-            <a:schemeClr val="accent1"/>
-          </a:effectRef>
-          <a:fontRef idx="minor">
-            <a:schemeClr val="tx1"/>
-          </a:fontRef>
-        </p:style>
-      </p:cxnSp>
-      <p:cxnSp>
-        <p:nvCxnSpPr>
-          <p:cNvPr id="12" name="直接箭头连接符 11">
-            <a:extLst>
-              <a:ext uri="{FF2B5EF4-FFF2-40B4-BE49-F238E27FC236}">
-                <a16:creationId xmlns:a16="http://schemas.microsoft.com/office/drawing/2014/main" id="{BD16381B-9415-485F-ADB1-1FA826784D19}"/>
-              </a:ext>
-            </a:extLst>
-          </p:cNvPr>
-          <p:cNvCxnSpPr>
-            <a:cxnSpLocks/>
-            <a:stCxn id="63" idx="3"/>
-            <a:endCxn id="13" idx="1"/>
-          </p:cNvCxnSpPr>
-          <p:nvPr/>
-        </p:nvCxnSpPr>
-        <p:spPr>
-          <a:xfrm>
-            <a:off x="8827163" y="2043959"/>
-            <a:ext cx="940928" cy="0"/>
+            <a:off x="6930523" y="1811823"/>
+            <a:ext cx="2972210" cy="0"/>
           </a:xfrm>
           <a:prstGeom prst="straightConnector1">
             <a:avLst/>
@@ -6943,10 +8734,10 @@
       </p:cxnSp>
       <p:sp>
         <p:nvSpPr>
-          <p:cNvPr id="13" name="矩形: 圆角 12">
-            <a:extLst>
-              <a:ext uri="{FF2B5EF4-FFF2-40B4-BE49-F238E27FC236}">
-                <a16:creationId xmlns:a16="http://schemas.microsoft.com/office/drawing/2014/main" id="{F4BD1E31-E772-4628-B49F-0653F75229A2}"/>
+          <p:cNvPr id="25" name="矩形: 圆角 24">
+            <a:extLst>
+              <a:ext uri="{FF2B5EF4-FFF2-40B4-BE49-F238E27FC236}">
+                <a16:creationId xmlns:a16="http://schemas.microsoft.com/office/drawing/2014/main" id="{B2649A17-FD43-4472-B117-B164C4C96A36}"/>
               </a:ext>
             </a:extLst>
           </p:cNvPr>
@@ -6955,7 +8746,7 @@
         </p:nvSpPr>
         <p:spPr>
           <a:xfrm>
-            <a:off x="9768091" y="1827959"/>
+            <a:off x="9902733" y="1595823"/>
             <a:ext cx="1728000" cy="432000"/>
           </a:xfrm>
           <a:prstGeom prst="roundRect">
@@ -7001,7 +8792,7 @@
                 <a:latin typeface="微软雅黑" panose="020B0503020204020204" pitchFamily="34" charset="-122"/>
                 <a:ea typeface="微软雅黑" panose="020B0503020204020204" pitchFamily="34" charset="-122"/>
               </a:rPr>
-              <a:t>赎回表</a:t>
+              <a:t>卖单表</a:t>
             </a:r>
             <a:endParaRPr lang="en-US" altLang="zh-CN" sz="1600" b="1">
               <a:solidFill>
@@ -7013,10 +8804,545 @@
           </a:p>
         </p:txBody>
       </p:sp>
+      <p:sp>
+        <p:nvSpPr>
+          <p:cNvPr id="12" name="矩形: 圆角 11">
+            <a:extLst>
+              <a:ext uri="{FF2B5EF4-FFF2-40B4-BE49-F238E27FC236}">
+                <a16:creationId xmlns:a16="http://schemas.microsoft.com/office/drawing/2014/main" id="{457A3DD2-7C21-42E7-89A6-346C6960D567}"/>
+              </a:ext>
+            </a:extLst>
+          </p:cNvPr>
+          <p:cNvSpPr/>
+          <p:nvPr/>
+        </p:nvSpPr>
+        <p:spPr>
+          <a:xfrm>
+            <a:off x="836667" y="2902155"/>
+            <a:ext cx="1080000" cy="432000"/>
+          </a:xfrm>
+          <a:prstGeom prst="roundRect">
+            <a:avLst/>
+          </a:prstGeom>
+          <a:solidFill>
+            <a:srgbClr val="00B0F0"/>
+          </a:solidFill>
+          <a:ln>
+            <a:solidFill>
+              <a:schemeClr val="tx1"/>
+            </a:solidFill>
+          </a:ln>
+        </p:spPr>
+        <p:style>
+          <a:lnRef idx="2">
+            <a:schemeClr val="accent1">
+              <a:shade val="50000"/>
+            </a:schemeClr>
+          </a:lnRef>
+          <a:fillRef idx="1">
+            <a:schemeClr val="accent1"/>
+          </a:fillRef>
+          <a:effectRef idx="0">
+            <a:schemeClr val="accent1"/>
+          </a:effectRef>
+          <a:fontRef idx="minor">
+            <a:schemeClr val="lt1"/>
+          </a:fontRef>
+        </p:style>
+        <p:txBody>
+          <a:bodyPr wrap="none" lIns="36000" tIns="36000" rIns="36000" bIns="36000" rtlCol="0" anchor="ctr" anchorCtr="0"/>
+          <a:lstStyle/>
+          <a:p>
+            <a:pPr algn="ctr"/>
+            <a:r>
+              <a:rPr lang="zh-CN" altLang="en-US" sz="1600" b="1">
+                <a:solidFill>
+                  <a:schemeClr val="tx1"/>
+                </a:solidFill>
+                <a:latin typeface="微软雅黑" panose="020B0503020204020204" pitchFamily="34" charset="-122"/>
+                <a:ea typeface="微软雅黑" panose="020B0503020204020204" pitchFamily="34" charset="-122"/>
+              </a:rPr>
+              <a:t>商家</a:t>
+            </a:r>
+          </a:p>
+        </p:txBody>
+      </p:sp>
+      <p:sp>
+        <p:nvSpPr>
+          <p:cNvPr id="13" name="矩形: 圆角 12">
+            <a:extLst>
+              <a:ext uri="{FF2B5EF4-FFF2-40B4-BE49-F238E27FC236}">
+                <a16:creationId xmlns:a16="http://schemas.microsoft.com/office/drawing/2014/main" id="{48013388-1FD2-4166-8A0A-C60FFE62527C}"/>
+              </a:ext>
+            </a:extLst>
+          </p:cNvPr>
+          <p:cNvSpPr/>
+          <p:nvPr/>
+        </p:nvSpPr>
+        <p:spPr>
+          <a:xfrm>
+            <a:off x="2857595" y="2794155"/>
+            <a:ext cx="1512000" cy="648000"/>
+          </a:xfrm>
+          <a:prstGeom prst="roundRect">
+            <a:avLst/>
+          </a:prstGeom>
+          <a:solidFill>
+            <a:srgbClr val="00B050"/>
+          </a:solidFill>
+          <a:ln>
+            <a:solidFill>
+              <a:schemeClr val="tx1"/>
+            </a:solidFill>
+          </a:ln>
+        </p:spPr>
+        <p:style>
+          <a:lnRef idx="2">
+            <a:schemeClr val="accent1">
+              <a:shade val="50000"/>
+            </a:schemeClr>
+          </a:lnRef>
+          <a:fillRef idx="1">
+            <a:schemeClr val="accent1"/>
+          </a:fillRef>
+          <a:effectRef idx="0">
+            <a:schemeClr val="accent1"/>
+          </a:effectRef>
+          <a:fontRef idx="minor">
+            <a:schemeClr val="lt1"/>
+          </a:fontRef>
+        </p:style>
+        <p:txBody>
+          <a:bodyPr wrap="none" lIns="36000" tIns="36000" rIns="36000" bIns="36000" rtlCol="0" anchor="ctr" anchorCtr="0"/>
+          <a:lstStyle/>
+          <a:p>
+            <a:pPr algn="ctr"/>
+            <a:r>
+              <a:rPr lang="zh-CN" altLang="en-US" sz="1600" b="1">
+                <a:solidFill>
+                  <a:schemeClr val="tx1"/>
+                </a:solidFill>
+                <a:latin typeface="微软雅黑" panose="020B0503020204020204" pitchFamily="34" charset="-122"/>
+                <a:ea typeface="微软雅黑" panose="020B0503020204020204" pitchFamily="34" charset="-122"/>
+              </a:rPr>
+              <a:t>赎回卖单</a:t>
+            </a:r>
+            <a:endParaRPr lang="en-US" altLang="zh-CN" sz="1600" b="1">
+              <a:solidFill>
+                <a:schemeClr val="tx1"/>
+              </a:solidFill>
+              <a:latin typeface="微软雅黑" panose="020B0503020204020204" pitchFamily="34" charset="-122"/>
+              <a:ea typeface="微软雅黑" panose="020B0503020204020204" pitchFamily="34" charset="-122"/>
+            </a:endParaRPr>
+          </a:p>
+          <a:p>
+            <a:pPr algn="ctr"/>
+            <a:r>
+              <a:rPr lang="en-US" altLang="zh-CN" sz="1600" b="1">
+                <a:solidFill>
+                  <a:schemeClr val="tx1"/>
+                </a:solidFill>
+                <a:latin typeface="微软雅黑" panose="020B0503020204020204" pitchFamily="34" charset="-122"/>
+                <a:ea typeface="微软雅黑" panose="020B0503020204020204" pitchFamily="34" charset="-122"/>
+              </a:rPr>
+              <a:t>redeem_sell</a:t>
+            </a:r>
+            <a:endParaRPr lang="zh-CN" altLang="en-US" sz="1600" b="1">
+              <a:solidFill>
+                <a:schemeClr val="tx1"/>
+              </a:solidFill>
+              <a:latin typeface="微软雅黑" panose="020B0503020204020204" pitchFamily="34" charset="-122"/>
+              <a:ea typeface="微软雅黑" panose="020B0503020204020204" pitchFamily="34" charset="-122"/>
+            </a:endParaRPr>
+          </a:p>
+        </p:txBody>
+      </p:sp>
+      <p:cxnSp>
+        <p:nvCxnSpPr>
+          <p:cNvPr id="14" name="直接箭头连接符 13">
+            <a:extLst>
+              <a:ext uri="{FF2B5EF4-FFF2-40B4-BE49-F238E27FC236}">
+                <a16:creationId xmlns:a16="http://schemas.microsoft.com/office/drawing/2014/main" id="{B01D4284-5497-49B8-9FC1-52DEC8AAAEE7}"/>
+              </a:ext>
+            </a:extLst>
+          </p:cNvPr>
+          <p:cNvCxnSpPr>
+            <a:cxnSpLocks/>
+            <a:stCxn id="13" idx="3"/>
+            <a:endCxn id="15" idx="1"/>
+          </p:cNvCxnSpPr>
+          <p:nvPr/>
+        </p:nvCxnSpPr>
+        <p:spPr>
+          <a:xfrm>
+            <a:off x="4369595" y="3118155"/>
+            <a:ext cx="940928" cy="0"/>
+          </a:xfrm>
+          <a:prstGeom prst="straightConnector1">
+            <a:avLst/>
+          </a:prstGeom>
+          <a:ln w="31750">
+            <a:solidFill>
+              <a:schemeClr val="tx1"/>
+            </a:solidFill>
+            <a:tailEnd type="triangle"/>
+          </a:ln>
+        </p:spPr>
+        <p:style>
+          <a:lnRef idx="1">
+            <a:schemeClr val="accent1"/>
+          </a:lnRef>
+          <a:fillRef idx="0">
+            <a:schemeClr val="accent1"/>
+          </a:fillRef>
+          <a:effectRef idx="0">
+            <a:schemeClr val="accent1"/>
+          </a:effectRef>
+          <a:fontRef idx="minor">
+            <a:schemeClr val="tx1"/>
+          </a:fontRef>
+        </p:style>
+      </p:cxnSp>
+      <p:sp>
+        <p:nvSpPr>
+          <p:cNvPr id="15" name="矩形: 圆角 14">
+            <a:extLst>
+              <a:ext uri="{FF2B5EF4-FFF2-40B4-BE49-F238E27FC236}">
+                <a16:creationId xmlns:a16="http://schemas.microsoft.com/office/drawing/2014/main" id="{E856C1FA-3B78-4F89-9E08-648F5C649E0B}"/>
+              </a:ext>
+            </a:extLst>
+          </p:cNvPr>
+          <p:cNvSpPr/>
+          <p:nvPr/>
+        </p:nvSpPr>
+        <p:spPr>
+          <a:xfrm>
+            <a:off x="5310523" y="2830155"/>
+            <a:ext cx="1620000" cy="576000"/>
+          </a:xfrm>
+          <a:prstGeom prst="roundRect">
+            <a:avLst/>
+          </a:prstGeom>
+          <a:solidFill>
+            <a:schemeClr val="bg1"/>
+          </a:solidFill>
+          <a:ln>
+            <a:solidFill>
+              <a:schemeClr val="tx1"/>
+            </a:solidFill>
+          </a:ln>
+        </p:spPr>
+        <p:style>
+          <a:lnRef idx="2">
+            <a:schemeClr val="accent1">
+              <a:shade val="50000"/>
+            </a:schemeClr>
+          </a:lnRef>
+          <a:fillRef idx="1">
+            <a:schemeClr val="accent1"/>
+          </a:fillRef>
+          <a:effectRef idx="0">
+            <a:schemeClr val="accent1"/>
+          </a:effectRef>
+          <a:fontRef idx="minor">
+            <a:schemeClr val="lt1"/>
+          </a:fontRef>
+        </p:style>
+        <p:txBody>
+          <a:bodyPr wrap="none" lIns="36000" tIns="36000" rIns="36000" bIns="36000" rtlCol="0" anchor="ctr" anchorCtr="0"/>
+          <a:lstStyle/>
+          <a:p>
+            <a:pPr algn="ctr"/>
+            <a:r>
+              <a:rPr lang="zh-CN" altLang="en-US" sz="1600" b="1">
+                <a:solidFill>
+                  <a:schemeClr val="tx1"/>
+                </a:solidFill>
+                <a:latin typeface="微软雅黑" panose="020B0503020204020204" pitchFamily="34" charset="-122"/>
+                <a:ea typeface="微软雅黑" panose="020B0503020204020204" pitchFamily="34" charset="-122"/>
+              </a:rPr>
+              <a:t>合约账户转账</a:t>
+            </a:r>
+          </a:p>
+        </p:txBody>
+      </p:sp>
+      <p:cxnSp>
+        <p:nvCxnSpPr>
+          <p:cNvPr id="16" name="直接箭头连接符 15">
+            <a:extLst>
+              <a:ext uri="{FF2B5EF4-FFF2-40B4-BE49-F238E27FC236}">
+                <a16:creationId xmlns:a16="http://schemas.microsoft.com/office/drawing/2014/main" id="{715054C2-DC5D-455C-9DDF-598B4470B93E}"/>
+              </a:ext>
+            </a:extLst>
+          </p:cNvPr>
+          <p:cNvCxnSpPr>
+            <a:cxnSpLocks/>
+            <a:stCxn id="12" idx="3"/>
+            <a:endCxn id="13" idx="1"/>
+          </p:cNvCxnSpPr>
+          <p:nvPr/>
+        </p:nvCxnSpPr>
+        <p:spPr>
+          <a:xfrm>
+            <a:off x="1916667" y="3118155"/>
+            <a:ext cx="940928" cy="0"/>
+          </a:xfrm>
+          <a:prstGeom prst="straightConnector1">
+            <a:avLst/>
+          </a:prstGeom>
+          <a:ln w="31750">
+            <a:solidFill>
+              <a:schemeClr val="tx1"/>
+            </a:solidFill>
+            <a:tailEnd type="triangle"/>
+          </a:ln>
+        </p:spPr>
+        <p:style>
+          <a:lnRef idx="1">
+            <a:schemeClr val="accent1"/>
+          </a:lnRef>
+          <a:fillRef idx="0">
+            <a:schemeClr val="accent1"/>
+          </a:fillRef>
+          <a:effectRef idx="0">
+            <a:schemeClr val="accent1"/>
+          </a:effectRef>
+          <a:fontRef idx="minor">
+            <a:schemeClr val="tx1"/>
+          </a:fontRef>
+        </p:style>
+      </p:cxnSp>
+      <p:sp>
+        <p:nvSpPr>
+          <p:cNvPr id="17" name="矩形: 圆角 16">
+            <a:extLst>
+              <a:ext uri="{FF2B5EF4-FFF2-40B4-BE49-F238E27FC236}">
+                <a16:creationId xmlns:a16="http://schemas.microsoft.com/office/drawing/2014/main" id="{688A3EF6-7386-48ED-A42D-790939180431}"/>
+              </a:ext>
+            </a:extLst>
+          </p:cNvPr>
+          <p:cNvSpPr/>
+          <p:nvPr/>
+        </p:nvSpPr>
+        <p:spPr>
+          <a:xfrm>
+            <a:off x="7871451" y="2520414"/>
+            <a:ext cx="1080000" cy="432000"/>
+          </a:xfrm>
+          <a:prstGeom prst="roundRect">
+            <a:avLst/>
+          </a:prstGeom>
+          <a:solidFill>
+            <a:srgbClr val="00B0F0"/>
+          </a:solidFill>
+          <a:ln>
+            <a:solidFill>
+              <a:schemeClr val="tx1"/>
+            </a:solidFill>
+          </a:ln>
+        </p:spPr>
+        <p:style>
+          <a:lnRef idx="2">
+            <a:schemeClr val="accent1">
+              <a:shade val="50000"/>
+            </a:schemeClr>
+          </a:lnRef>
+          <a:fillRef idx="1">
+            <a:schemeClr val="accent1"/>
+          </a:fillRef>
+          <a:effectRef idx="0">
+            <a:schemeClr val="accent1"/>
+          </a:effectRef>
+          <a:fontRef idx="minor">
+            <a:schemeClr val="lt1"/>
+          </a:fontRef>
+        </p:style>
+        <p:txBody>
+          <a:bodyPr wrap="none" lIns="36000" tIns="36000" rIns="36000" bIns="36000" rtlCol="0" anchor="ctr" anchorCtr="0"/>
+          <a:lstStyle/>
+          <a:p>
+            <a:pPr algn="ctr"/>
+            <a:r>
+              <a:rPr lang="zh-CN" altLang="en-US" sz="1600" b="1">
+                <a:solidFill>
+                  <a:schemeClr val="tx1"/>
+                </a:solidFill>
+                <a:latin typeface="微软雅黑" panose="020B0503020204020204" pitchFamily="34" charset="-122"/>
+                <a:ea typeface="微软雅黑" panose="020B0503020204020204" pitchFamily="34" charset="-122"/>
+              </a:rPr>
+              <a:t>商家</a:t>
+            </a:r>
+          </a:p>
+        </p:txBody>
+      </p:sp>
+      <p:cxnSp>
+        <p:nvCxnSpPr>
+          <p:cNvPr id="18" name="直接箭头连接符 17">
+            <a:extLst>
+              <a:ext uri="{FF2B5EF4-FFF2-40B4-BE49-F238E27FC236}">
+                <a16:creationId xmlns:a16="http://schemas.microsoft.com/office/drawing/2014/main" id="{3261A808-F633-477A-B41F-99BF9991CED8}"/>
+              </a:ext>
+            </a:extLst>
+          </p:cNvPr>
+          <p:cNvCxnSpPr>
+            <a:cxnSpLocks/>
+            <a:stCxn id="15" idx="3"/>
+            <a:endCxn id="17" idx="1"/>
+          </p:cNvCxnSpPr>
+          <p:nvPr/>
+        </p:nvCxnSpPr>
+        <p:spPr>
+          <a:xfrm flipV="1">
+            <a:off x="6930523" y="2736414"/>
+            <a:ext cx="940928" cy="381741"/>
+          </a:xfrm>
+          <a:prstGeom prst="straightConnector1">
+            <a:avLst/>
+          </a:prstGeom>
+          <a:ln w="31750">
+            <a:solidFill>
+              <a:schemeClr val="tx1"/>
+            </a:solidFill>
+            <a:tailEnd type="triangle"/>
+          </a:ln>
+        </p:spPr>
+        <p:style>
+          <a:lnRef idx="1">
+            <a:schemeClr val="accent1"/>
+          </a:lnRef>
+          <a:fillRef idx="0">
+            <a:schemeClr val="accent1"/>
+          </a:fillRef>
+          <a:effectRef idx="0">
+            <a:schemeClr val="accent1"/>
+          </a:effectRef>
+          <a:fontRef idx="minor">
+            <a:schemeClr val="tx1"/>
+          </a:fontRef>
+        </p:style>
+      </p:cxnSp>
+      <p:cxnSp>
+        <p:nvCxnSpPr>
+          <p:cNvPr id="19" name="直接箭头连接符 18">
+            <a:extLst>
+              <a:ext uri="{FF2B5EF4-FFF2-40B4-BE49-F238E27FC236}">
+                <a16:creationId xmlns:a16="http://schemas.microsoft.com/office/drawing/2014/main" id="{01AA1733-79BA-4DC8-A91D-887081A05547}"/>
+              </a:ext>
+            </a:extLst>
+          </p:cNvPr>
+          <p:cNvCxnSpPr>
+            <a:cxnSpLocks/>
+            <a:stCxn id="15" idx="3"/>
+            <a:endCxn id="20" idx="1"/>
+          </p:cNvCxnSpPr>
+          <p:nvPr/>
+        </p:nvCxnSpPr>
+        <p:spPr>
+          <a:xfrm>
+            <a:off x="6930523" y="3118155"/>
+            <a:ext cx="940928" cy="402566"/>
+          </a:xfrm>
+          <a:prstGeom prst="straightConnector1">
+            <a:avLst/>
+          </a:prstGeom>
+          <a:ln w="57150">
+            <a:solidFill>
+              <a:srgbClr val="FFC000"/>
+            </a:solidFill>
+            <a:tailEnd type="triangle"/>
+          </a:ln>
+        </p:spPr>
+        <p:style>
+          <a:lnRef idx="1">
+            <a:schemeClr val="accent1"/>
+          </a:lnRef>
+          <a:fillRef idx="0">
+            <a:schemeClr val="accent1"/>
+          </a:fillRef>
+          <a:effectRef idx="0">
+            <a:schemeClr val="accent1"/>
+          </a:effectRef>
+          <a:fontRef idx="minor">
+            <a:schemeClr val="tx1"/>
+          </a:fontRef>
+        </p:style>
+      </p:cxnSp>
+      <p:sp>
+        <p:nvSpPr>
+          <p:cNvPr id="20" name="矩形: 圆角 19">
+            <a:extLst>
+              <a:ext uri="{FF2B5EF4-FFF2-40B4-BE49-F238E27FC236}">
+                <a16:creationId xmlns:a16="http://schemas.microsoft.com/office/drawing/2014/main" id="{6920E33F-66D5-4DFA-8B39-3156EC34BCB9}"/>
+              </a:ext>
+            </a:extLst>
+          </p:cNvPr>
+          <p:cNvSpPr/>
+          <p:nvPr/>
+        </p:nvSpPr>
+        <p:spPr>
+          <a:xfrm>
+            <a:off x="7871451" y="3304721"/>
+            <a:ext cx="1728000" cy="432000"/>
+          </a:xfrm>
+          <a:prstGeom prst="roundRect">
+            <a:avLst/>
+          </a:prstGeom>
+          <a:solidFill>
+            <a:schemeClr val="bg1">
+              <a:lumMod val="95000"/>
+            </a:schemeClr>
+          </a:solidFill>
+          <a:ln>
+            <a:solidFill>
+              <a:schemeClr val="tx1"/>
+            </a:solidFill>
+          </a:ln>
+        </p:spPr>
+        <p:style>
+          <a:lnRef idx="2">
+            <a:schemeClr val="accent1">
+              <a:shade val="50000"/>
+            </a:schemeClr>
+          </a:lnRef>
+          <a:fillRef idx="1">
+            <a:schemeClr val="accent1"/>
+          </a:fillRef>
+          <a:effectRef idx="0">
+            <a:schemeClr val="accent1"/>
+          </a:effectRef>
+          <a:fontRef idx="minor">
+            <a:schemeClr val="lt1"/>
+          </a:fontRef>
+        </p:style>
+        <p:txBody>
+          <a:bodyPr wrap="none" lIns="36000" tIns="36000" rIns="36000" bIns="36000" rtlCol="0" anchor="ctr" anchorCtr="0"/>
+          <a:lstStyle/>
+          <a:p>
+            <a:pPr algn="ctr"/>
+            <a:r>
+              <a:rPr lang="zh-CN" altLang="en-US" sz="1600" b="1">
+                <a:solidFill>
+                  <a:schemeClr val="tx1"/>
+                </a:solidFill>
+                <a:latin typeface="微软雅黑" panose="020B0503020204020204" pitchFamily="34" charset="-122"/>
+                <a:ea typeface="微软雅黑" panose="020B0503020204020204" pitchFamily="34" charset="-122"/>
+              </a:rPr>
+              <a:t>赎回卖单表</a:t>
+            </a:r>
+            <a:endParaRPr lang="en-US" altLang="zh-CN" sz="1600" b="1">
+              <a:solidFill>
+                <a:schemeClr val="tx1"/>
+              </a:solidFill>
+              <a:latin typeface="微软雅黑" panose="020B0503020204020204" pitchFamily="34" charset="-122"/>
+              <a:ea typeface="微软雅黑" panose="020B0503020204020204" pitchFamily="34" charset="-122"/>
+            </a:endParaRPr>
+          </a:p>
+        </p:txBody>
+      </p:sp>
     </p:spTree>
     <p:extLst>
       <p:ext uri="{BB962C8B-B14F-4D97-AF65-F5344CB8AC3E}">
-        <p14:creationId xmlns:p14="http://schemas.microsoft.com/office/powerpoint/2010/main" val="3750757397"/>
+        <p14:creationId xmlns:p14="http://schemas.microsoft.com/office/powerpoint/2010/main" val="4071845704"/>
       </p:ext>
     </p:extLst>
   </p:cSld>
@@ -7159,7 +9485,7 @@
         <p:spPr>
           <a:xfrm>
             <a:off x="712379" y="173975"/>
-            <a:ext cx="1826141" cy="584775"/>
+            <a:ext cx="2646878" cy="584775"/>
           </a:xfrm>
           <a:prstGeom prst="rect">
             <a:avLst/>
@@ -7177,17 +9503,17 @@
                 <a:latin typeface="Consolas" panose="020B0609020204030204" pitchFamily="49" charset="0"/>
                 <a:ea typeface="微软雅黑" panose="020B0503020204020204" pitchFamily="34" charset="-122"/>
               </a:rPr>
-              <a:t>场外交易</a:t>
+              <a:t>挂买单及撤销</a:t>
             </a:r>
           </a:p>
         </p:txBody>
       </p:sp>
       <p:sp>
         <p:nvSpPr>
-          <p:cNvPr id="49" name="矩形: 圆角 48">
-            <a:extLst>
-              <a:ext uri="{FF2B5EF4-FFF2-40B4-BE49-F238E27FC236}">
-                <a16:creationId xmlns:a16="http://schemas.microsoft.com/office/drawing/2014/main" id="{412BE305-D42D-4A74-94DC-D1DE6FBE1C09}"/>
+          <p:cNvPr id="21" name="矩形: 圆角 20">
+            <a:extLst>
+              <a:ext uri="{FF2B5EF4-FFF2-40B4-BE49-F238E27FC236}">
+                <a16:creationId xmlns:a16="http://schemas.microsoft.com/office/drawing/2014/main" id="{FE7B197E-982B-4E30-8E13-662FDB81A45B}"/>
               </a:ext>
             </a:extLst>
           </p:cNvPr>
@@ -7196,7 +9522,7 @@
         </p:nvSpPr>
         <p:spPr>
           <a:xfrm>
-            <a:off x="804989" y="1911176"/>
+            <a:off x="815343" y="1588432"/>
             <a:ext cx="1080000" cy="432000"/>
           </a:xfrm>
           <a:prstGeom prst="roundRect">
@@ -7240,235 +9566,17 @@
                 <a:latin typeface="微软雅黑" panose="020B0503020204020204" pitchFamily="34" charset="-122"/>
                 <a:ea typeface="微软雅黑" panose="020B0503020204020204" pitchFamily="34" charset="-122"/>
               </a:rPr>
-              <a:t>买单用户</a:t>
-            </a:r>
-          </a:p>
-        </p:txBody>
-      </p:sp>
-      <p:cxnSp>
-        <p:nvCxnSpPr>
-          <p:cNvPr id="51" name="直接箭头连接符 50">
-            <a:extLst>
-              <a:ext uri="{FF2B5EF4-FFF2-40B4-BE49-F238E27FC236}">
-                <a16:creationId xmlns:a16="http://schemas.microsoft.com/office/drawing/2014/main" id="{B26E3E05-7D02-4551-9073-5CBF0CA8489A}"/>
-              </a:ext>
-            </a:extLst>
-          </p:cNvPr>
-          <p:cNvCxnSpPr>
-            <a:cxnSpLocks/>
-            <a:stCxn id="34" idx="3"/>
-            <a:endCxn id="55" idx="1"/>
-          </p:cNvCxnSpPr>
-          <p:nvPr/>
-        </p:nvCxnSpPr>
-        <p:spPr>
-          <a:xfrm>
-            <a:off x="6875867" y="2127176"/>
-            <a:ext cx="929439" cy="0"/>
-          </a:xfrm>
-          <a:prstGeom prst="straightConnector1">
-            <a:avLst/>
-          </a:prstGeom>
-          <a:ln w="31750">
-            <a:solidFill>
-              <a:schemeClr val="tx1"/>
-            </a:solidFill>
-            <a:tailEnd type="triangle"/>
-          </a:ln>
-        </p:spPr>
-        <p:style>
-          <a:lnRef idx="1">
-            <a:schemeClr val="accent1"/>
-          </a:lnRef>
-          <a:fillRef idx="0">
-            <a:schemeClr val="accent1"/>
-          </a:fillRef>
-          <a:effectRef idx="0">
-            <a:schemeClr val="accent1"/>
-          </a:effectRef>
-          <a:fontRef idx="minor">
-            <a:schemeClr val="tx1"/>
-          </a:fontRef>
-        </p:style>
-      </p:cxnSp>
-      <p:sp>
-        <p:nvSpPr>
-          <p:cNvPr id="52" name="矩形: 圆角 51">
-            <a:extLst>
-              <a:ext uri="{FF2B5EF4-FFF2-40B4-BE49-F238E27FC236}">
-                <a16:creationId xmlns:a16="http://schemas.microsoft.com/office/drawing/2014/main" id="{47091E74-4263-45AC-96A0-F48249A1428D}"/>
-              </a:ext>
-            </a:extLst>
-          </p:cNvPr>
-          <p:cNvSpPr/>
-          <p:nvPr/>
-        </p:nvSpPr>
-        <p:spPr>
-          <a:xfrm>
-            <a:off x="2814428" y="1839176"/>
-            <a:ext cx="1620000" cy="576000"/>
-          </a:xfrm>
-          <a:prstGeom prst="roundRect">
-            <a:avLst/>
-          </a:prstGeom>
-          <a:solidFill>
-            <a:schemeClr val="bg1"/>
-          </a:solidFill>
-          <a:ln>
-            <a:solidFill>
-              <a:schemeClr val="tx1"/>
-            </a:solidFill>
-          </a:ln>
-        </p:spPr>
-        <p:style>
-          <a:lnRef idx="2">
-            <a:schemeClr val="accent1">
-              <a:shade val="50000"/>
-            </a:schemeClr>
-          </a:lnRef>
-          <a:fillRef idx="1">
-            <a:schemeClr val="accent1"/>
-          </a:fillRef>
-          <a:effectRef idx="0">
-            <a:schemeClr val="accent1"/>
-          </a:effectRef>
-          <a:fontRef idx="minor">
-            <a:schemeClr val="lt1"/>
-          </a:fontRef>
-        </p:style>
-        <p:txBody>
-          <a:bodyPr wrap="none" lIns="36000" tIns="36000" rIns="36000" bIns="36000" rtlCol="0" anchor="ctr" anchorCtr="0"/>
-          <a:lstStyle/>
-          <a:p>
-            <a:pPr algn="ctr"/>
-            <a:r>
-              <a:rPr lang="zh-CN" altLang="en-US" sz="1600" b="1">
-                <a:solidFill>
-                  <a:schemeClr val="tx1"/>
-                </a:solidFill>
-                <a:latin typeface="微软雅黑" panose="020B0503020204020204" pitchFamily="34" charset="-122"/>
-                <a:ea typeface="微软雅黑" panose="020B0503020204020204" pitchFamily="34" charset="-122"/>
-              </a:rPr>
-              <a:t>场外支付</a:t>
-            </a:r>
-          </a:p>
-        </p:txBody>
-      </p:sp>
-      <p:cxnSp>
-        <p:nvCxnSpPr>
-          <p:cNvPr id="53" name="直接箭头连接符 52">
-            <a:extLst>
-              <a:ext uri="{FF2B5EF4-FFF2-40B4-BE49-F238E27FC236}">
-                <a16:creationId xmlns:a16="http://schemas.microsoft.com/office/drawing/2014/main" id="{34743039-6C7C-4A83-9F14-70E4F511ACFC}"/>
-              </a:ext>
-            </a:extLst>
-          </p:cNvPr>
-          <p:cNvCxnSpPr>
-            <a:cxnSpLocks/>
-            <a:stCxn id="49" idx="3"/>
-            <a:endCxn id="52" idx="1"/>
-          </p:cNvCxnSpPr>
-          <p:nvPr/>
-        </p:nvCxnSpPr>
-        <p:spPr>
-          <a:xfrm>
-            <a:off x="1884989" y="2127176"/>
-            <a:ext cx="929439" cy="0"/>
-          </a:xfrm>
-          <a:prstGeom prst="straightConnector1">
-            <a:avLst/>
-          </a:prstGeom>
-          <a:ln w="31750">
-            <a:solidFill>
-              <a:schemeClr val="tx1"/>
-            </a:solidFill>
-            <a:tailEnd type="triangle"/>
-          </a:ln>
-        </p:spPr>
-        <p:style>
-          <a:lnRef idx="1">
-            <a:schemeClr val="accent1"/>
-          </a:lnRef>
-          <a:fillRef idx="0">
-            <a:schemeClr val="accent1"/>
-          </a:fillRef>
-          <a:effectRef idx="0">
-            <a:schemeClr val="accent1"/>
-          </a:effectRef>
-          <a:fontRef idx="minor">
-            <a:schemeClr val="tx1"/>
-          </a:fontRef>
-        </p:style>
-      </p:cxnSp>
-      <p:sp>
-        <p:nvSpPr>
-          <p:cNvPr id="55" name="矩形: 圆角 54">
-            <a:extLst>
-              <a:ext uri="{FF2B5EF4-FFF2-40B4-BE49-F238E27FC236}">
-                <a16:creationId xmlns:a16="http://schemas.microsoft.com/office/drawing/2014/main" id="{51E46C4A-7DFB-40C1-B3C2-2F680522A617}"/>
-              </a:ext>
-            </a:extLst>
-          </p:cNvPr>
-          <p:cNvSpPr/>
-          <p:nvPr/>
-        </p:nvSpPr>
-        <p:spPr>
-          <a:xfrm>
-            <a:off x="7805306" y="1911176"/>
-            <a:ext cx="1080000" cy="432000"/>
-          </a:xfrm>
-          <a:prstGeom prst="roundRect">
-            <a:avLst/>
-          </a:prstGeom>
-          <a:solidFill>
-            <a:srgbClr val="00B0F0"/>
-          </a:solidFill>
-          <a:ln>
-            <a:solidFill>
-              <a:schemeClr val="tx1"/>
-            </a:solidFill>
-          </a:ln>
-        </p:spPr>
-        <p:style>
-          <a:lnRef idx="2">
-            <a:schemeClr val="accent1">
-              <a:shade val="50000"/>
-            </a:schemeClr>
-          </a:lnRef>
-          <a:fillRef idx="1">
-            <a:schemeClr val="accent1"/>
-          </a:fillRef>
-          <a:effectRef idx="0">
-            <a:schemeClr val="accent1"/>
-          </a:effectRef>
-          <a:fontRef idx="minor">
-            <a:schemeClr val="lt1"/>
-          </a:fontRef>
-        </p:style>
-        <p:txBody>
-          <a:bodyPr wrap="none" lIns="36000" tIns="36000" rIns="36000" bIns="36000" rtlCol="0" anchor="ctr" anchorCtr="0"/>
-          <a:lstStyle/>
-          <a:p>
-            <a:pPr algn="ctr"/>
-            <a:r>
-              <a:rPr lang="zh-CN" altLang="en-US" sz="1600" b="1">
-                <a:solidFill>
-                  <a:schemeClr val="tx1"/>
-                </a:solidFill>
-                <a:latin typeface="微软雅黑" panose="020B0503020204020204" pitchFamily="34" charset="-122"/>
-                <a:ea typeface="微软雅黑" panose="020B0503020204020204" pitchFamily="34" charset="-122"/>
-              </a:rPr>
-              <a:t>卖单用户</a:t>
+              <a:t>买家</a:t>
             </a:r>
           </a:p>
         </p:txBody>
       </p:sp>
       <p:sp>
         <p:nvSpPr>
-          <p:cNvPr id="57" name="矩形: 圆角 56">
-            <a:extLst>
-              <a:ext uri="{FF2B5EF4-FFF2-40B4-BE49-F238E27FC236}">
-                <a16:creationId xmlns:a16="http://schemas.microsoft.com/office/drawing/2014/main" id="{65E9B693-9316-4E9F-82F7-2796C6B9FCD2}"/>
+          <p:cNvPr id="22" name="矩形: 圆角 21">
+            <a:extLst>
+              <a:ext uri="{FF2B5EF4-FFF2-40B4-BE49-F238E27FC236}">
+                <a16:creationId xmlns:a16="http://schemas.microsoft.com/office/drawing/2014/main" id="{2A4ED8AF-B9AE-4D6C-B50A-63306C5F8FA3}"/>
               </a:ext>
             </a:extLst>
           </p:cNvPr>
@@ -7477,70 +9585,7 @@
         </p:nvSpPr>
         <p:spPr>
           <a:xfrm>
-            <a:off x="804989" y="4071017"/>
-            <a:ext cx="1080000" cy="432000"/>
-          </a:xfrm>
-          <a:prstGeom prst="roundRect">
-            <a:avLst/>
-          </a:prstGeom>
-          <a:solidFill>
-            <a:srgbClr val="00B0F0"/>
-          </a:solidFill>
-          <a:ln>
-            <a:solidFill>
-              <a:schemeClr val="tx1"/>
-            </a:solidFill>
-          </a:ln>
-        </p:spPr>
-        <p:style>
-          <a:lnRef idx="2">
-            <a:schemeClr val="accent1">
-              <a:shade val="50000"/>
-            </a:schemeClr>
-          </a:lnRef>
-          <a:fillRef idx="1">
-            <a:schemeClr val="accent1"/>
-          </a:fillRef>
-          <a:effectRef idx="0">
-            <a:schemeClr val="accent1"/>
-          </a:effectRef>
-          <a:fontRef idx="minor">
-            <a:schemeClr val="lt1"/>
-          </a:fontRef>
-        </p:style>
-        <p:txBody>
-          <a:bodyPr wrap="none" lIns="36000" tIns="36000" rIns="36000" bIns="36000" rtlCol="0" anchor="ctr" anchorCtr="0"/>
-          <a:lstStyle/>
-          <a:p>
-            <a:pPr algn="ctr"/>
-            <a:r>
-              <a:rPr lang="zh-CN" altLang="en-US" sz="1600" b="1">
-                <a:solidFill>
-                  <a:schemeClr val="tx1"/>
-                </a:solidFill>
-                <a:latin typeface="微软雅黑" panose="020B0503020204020204" pitchFamily="34" charset="-122"/>
-                <a:ea typeface="微软雅黑" panose="020B0503020204020204" pitchFamily="34" charset="-122"/>
-              </a:rPr>
-              <a:t>卖单用户</a:t>
-            </a:r>
-          </a:p>
-        </p:txBody>
-      </p:sp>
-      <p:sp>
-        <p:nvSpPr>
-          <p:cNvPr id="58" name="矩形: 圆角 57">
-            <a:extLst>
-              <a:ext uri="{FF2B5EF4-FFF2-40B4-BE49-F238E27FC236}">
-                <a16:creationId xmlns:a16="http://schemas.microsoft.com/office/drawing/2014/main" id="{1A415BD8-5740-4984-A8EF-0B45AE86E344}"/>
-              </a:ext>
-            </a:extLst>
-          </p:cNvPr>
-          <p:cNvSpPr/>
-          <p:nvPr/>
-        </p:nvSpPr>
-        <p:spPr>
-          <a:xfrm>
-            <a:off x="2814428" y="3963017"/>
+            <a:off x="2848717" y="1480432"/>
             <a:ext cx="1512000" cy="648000"/>
           </a:xfrm>
           <a:prstGeom prst="roundRect">
@@ -7584,7 +9629,7 @@
                 <a:latin typeface="微软雅黑" panose="020B0503020204020204" pitchFamily="34" charset="-122"/>
                 <a:ea typeface="微软雅黑" panose="020B0503020204020204" pitchFamily="34" charset="-122"/>
               </a:rPr>
-              <a:t>确认收款</a:t>
+              <a:t>挂买单</a:t>
             </a:r>
             <a:endParaRPr lang="en-US" altLang="zh-CN" sz="1600" b="1">
               <a:solidFill>
@@ -7604,7 +9649,7 @@
                 <a:latin typeface="微软雅黑" panose="020B0503020204020204" pitchFamily="34" charset="-122"/>
                 <a:ea typeface="微软雅黑" panose="020B0503020204020204" pitchFamily="34" charset="-122"/>
               </a:rPr>
-              <a:t>confirm</a:t>
+              <a:t>hang_buy</a:t>
             </a:r>
             <a:endParaRPr lang="zh-CN" altLang="en-US" sz="1600" b="1">
               <a:solidFill>
@@ -7618,24 +9663,24 @@
       </p:sp>
       <p:cxnSp>
         <p:nvCxnSpPr>
-          <p:cNvPr id="59" name="直接箭头连接符 58">
-            <a:extLst>
-              <a:ext uri="{FF2B5EF4-FFF2-40B4-BE49-F238E27FC236}">
-                <a16:creationId xmlns:a16="http://schemas.microsoft.com/office/drawing/2014/main" id="{E8CE606D-E7F8-4193-A90B-32217CC6FE96}"/>
+          <p:cNvPr id="27" name="直接箭头连接符 26">
+            <a:extLst>
+              <a:ext uri="{FF2B5EF4-FFF2-40B4-BE49-F238E27FC236}">
+                <a16:creationId xmlns:a16="http://schemas.microsoft.com/office/drawing/2014/main" id="{820FAF8E-FA0D-4C91-A61B-8A61F5509F1F}"/>
               </a:ext>
             </a:extLst>
           </p:cNvPr>
           <p:cNvCxnSpPr>
             <a:cxnSpLocks/>
-            <a:stCxn id="58" idx="3"/>
-            <a:endCxn id="60" idx="1"/>
+            <a:stCxn id="21" idx="3"/>
+            <a:endCxn id="22" idx="1"/>
           </p:cNvCxnSpPr>
           <p:nvPr/>
         </p:nvCxnSpPr>
         <p:spPr>
           <a:xfrm>
-            <a:off x="4326428" y="4287017"/>
-            <a:ext cx="929439" cy="0"/>
+            <a:off x="1895343" y="1804432"/>
+            <a:ext cx="953374" cy="0"/>
           </a:xfrm>
           <a:prstGeom prst="straightConnector1">
             <a:avLst/>
@@ -7662,380 +9707,26 @@
           </a:fontRef>
         </p:style>
       </p:cxnSp>
-      <p:sp>
-        <p:nvSpPr>
-          <p:cNvPr id="60" name="矩形: 圆角 59">
-            <a:extLst>
-              <a:ext uri="{FF2B5EF4-FFF2-40B4-BE49-F238E27FC236}">
-                <a16:creationId xmlns:a16="http://schemas.microsoft.com/office/drawing/2014/main" id="{439E5E02-6BA2-41DE-AC3B-ECEDEFD1F385}"/>
-              </a:ext>
-            </a:extLst>
-          </p:cNvPr>
-          <p:cNvSpPr/>
-          <p:nvPr/>
-        </p:nvSpPr>
-        <p:spPr>
-          <a:xfrm>
-            <a:off x="5255867" y="3999017"/>
-            <a:ext cx="1620000" cy="576000"/>
-          </a:xfrm>
-          <a:prstGeom prst="roundRect">
-            <a:avLst/>
-          </a:prstGeom>
-          <a:solidFill>
-            <a:schemeClr val="bg1"/>
-          </a:solidFill>
-          <a:ln>
-            <a:solidFill>
-              <a:schemeClr val="tx1"/>
-            </a:solidFill>
-          </a:ln>
-        </p:spPr>
-        <p:style>
-          <a:lnRef idx="2">
-            <a:schemeClr val="accent1">
-              <a:shade val="50000"/>
-            </a:schemeClr>
-          </a:lnRef>
-          <a:fillRef idx="1">
-            <a:schemeClr val="accent1"/>
-          </a:fillRef>
-          <a:effectRef idx="0">
-            <a:schemeClr val="accent1"/>
-          </a:effectRef>
-          <a:fontRef idx="minor">
-            <a:schemeClr val="lt1"/>
-          </a:fontRef>
-        </p:style>
-        <p:txBody>
-          <a:bodyPr wrap="none" lIns="36000" tIns="36000" rIns="36000" bIns="36000" rtlCol="0" anchor="ctr" anchorCtr="0"/>
-          <a:lstStyle/>
-          <a:p>
-            <a:pPr algn="ctr"/>
-            <a:r>
-              <a:rPr lang="zh-CN" altLang="en-US" sz="1600" b="1">
-                <a:solidFill>
-                  <a:schemeClr val="tx1"/>
-                </a:solidFill>
-                <a:latin typeface="微软雅黑" panose="020B0503020204020204" pitchFamily="34" charset="-122"/>
-                <a:ea typeface="微软雅黑" panose="020B0503020204020204" pitchFamily="34" charset="-122"/>
-              </a:rPr>
-              <a:t>合约账户转账</a:t>
-            </a:r>
-          </a:p>
-        </p:txBody>
-      </p:sp>
       <p:cxnSp>
         <p:nvCxnSpPr>
-          <p:cNvPr id="62" name="直接箭头连接符 61">
-            <a:extLst>
-              <a:ext uri="{FF2B5EF4-FFF2-40B4-BE49-F238E27FC236}">
-                <a16:creationId xmlns:a16="http://schemas.microsoft.com/office/drawing/2014/main" id="{5E333993-C0A6-4C5E-86E9-7F2027329CE7}"/>
+          <p:cNvPr id="28" name="直接箭头连接符 27">
+            <a:extLst>
+              <a:ext uri="{FF2B5EF4-FFF2-40B4-BE49-F238E27FC236}">
+                <a16:creationId xmlns:a16="http://schemas.microsoft.com/office/drawing/2014/main" id="{7EB14E1C-9F99-4973-A3DA-7DE3ECE33B6E}"/>
               </a:ext>
             </a:extLst>
           </p:cNvPr>
           <p:cNvCxnSpPr>
             <a:cxnSpLocks/>
-            <a:stCxn id="57" idx="3"/>
-            <a:endCxn id="58" idx="1"/>
+            <a:stCxn id="22" idx="3"/>
+            <a:endCxn id="29" idx="1"/>
           </p:cNvCxnSpPr>
           <p:nvPr/>
         </p:nvCxnSpPr>
         <p:spPr>
           <a:xfrm>
-            <a:off x="1884989" y="4287017"/>
-            <a:ext cx="929439" cy="0"/>
-          </a:xfrm>
-          <a:prstGeom prst="straightConnector1">
-            <a:avLst/>
-          </a:prstGeom>
-          <a:ln w="31750">
-            <a:solidFill>
-              <a:schemeClr val="tx1"/>
-            </a:solidFill>
-            <a:tailEnd type="triangle"/>
-          </a:ln>
-        </p:spPr>
-        <p:style>
-          <a:lnRef idx="1">
-            <a:schemeClr val="accent1"/>
-          </a:lnRef>
-          <a:fillRef idx="0">
-            <a:schemeClr val="accent1"/>
-          </a:fillRef>
-          <a:effectRef idx="0">
-            <a:schemeClr val="accent1"/>
-          </a:effectRef>
-          <a:fontRef idx="minor">
-            <a:schemeClr val="tx1"/>
-          </a:fontRef>
-        </p:style>
-      </p:cxnSp>
-      <p:sp>
-        <p:nvSpPr>
-          <p:cNvPr id="63" name="矩形: 圆角 62">
-            <a:extLst>
-              <a:ext uri="{FF2B5EF4-FFF2-40B4-BE49-F238E27FC236}">
-                <a16:creationId xmlns:a16="http://schemas.microsoft.com/office/drawing/2014/main" id="{277DE9D7-2400-47B2-8AB5-32DC77E2F2B6}"/>
-              </a:ext>
-            </a:extLst>
-          </p:cNvPr>
-          <p:cNvSpPr/>
-          <p:nvPr/>
-        </p:nvSpPr>
-        <p:spPr>
-          <a:xfrm>
-            <a:off x="7805306" y="4066022"/>
-            <a:ext cx="1080000" cy="432000"/>
-          </a:xfrm>
-          <a:prstGeom prst="roundRect">
-            <a:avLst/>
-          </a:prstGeom>
-          <a:solidFill>
-            <a:srgbClr val="00B0F0"/>
-          </a:solidFill>
-          <a:ln>
-            <a:solidFill>
-              <a:schemeClr val="tx1"/>
-            </a:solidFill>
-          </a:ln>
-        </p:spPr>
-        <p:style>
-          <a:lnRef idx="2">
-            <a:schemeClr val="accent1">
-              <a:shade val="50000"/>
-            </a:schemeClr>
-          </a:lnRef>
-          <a:fillRef idx="1">
-            <a:schemeClr val="accent1"/>
-          </a:fillRef>
-          <a:effectRef idx="0">
-            <a:schemeClr val="accent1"/>
-          </a:effectRef>
-          <a:fontRef idx="minor">
-            <a:schemeClr val="lt1"/>
-          </a:fontRef>
-        </p:style>
-        <p:txBody>
-          <a:bodyPr wrap="none" lIns="36000" tIns="36000" rIns="36000" bIns="36000" rtlCol="0" anchor="ctr" anchorCtr="0"/>
-          <a:lstStyle/>
-          <a:p>
-            <a:pPr algn="ctr"/>
-            <a:r>
-              <a:rPr lang="zh-CN" altLang="en-US" sz="1600" b="1">
-                <a:solidFill>
-                  <a:schemeClr val="tx1"/>
-                </a:solidFill>
-                <a:latin typeface="微软雅黑" panose="020B0503020204020204" pitchFamily="34" charset="-122"/>
-                <a:ea typeface="微软雅黑" panose="020B0503020204020204" pitchFamily="34" charset="-122"/>
-              </a:rPr>
-              <a:t>买单用户</a:t>
-            </a:r>
-          </a:p>
-        </p:txBody>
-      </p:sp>
-      <p:cxnSp>
-        <p:nvCxnSpPr>
-          <p:cNvPr id="64" name="直接箭头连接符 63">
-            <a:extLst>
-              <a:ext uri="{FF2B5EF4-FFF2-40B4-BE49-F238E27FC236}">
-                <a16:creationId xmlns:a16="http://schemas.microsoft.com/office/drawing/2014/main" id="{5E3981A5-3200-4516-8486-750739C1C0F0}"/>
-              </a:ext>
-            </a:extLst>
-          </p:cNvPr>
-          <p:cNvCxnSpPr>
-            <a:cxnSpLocks/>
-            <a:stCxn id="60" idx="3"/>
-            <a:endCxn id="63" idx="1"/>
-          </p:cNvCxnSpPr>
-          <p:nvPr/>
-        </p:nvCxnSpPr>
-        <p:spPr>
-          <a:xfrm flipV="1">
-            <a:off x="6875867" y="4282022"/>
-            <a:ext cx="929439" cy="4995"/>
-          </a:xfrm>
-          <a:prstGeom prst="straightConnector1">
-            <a:avLst/>
-          </a:prstGeom>
-          <a:ln w="31750">
-            <a:solidFill>
-              <a:schemeClr val="tx1"/>
-            </a:solidFill>
-            <a:tailEnd type="triangle"/>
-          </a:ln>
-        </p:spPr>
-        <p:style>
-          <a:lnRef idx="1">
-            <a:schemeClr val="accent1"/>
-          </a:lnRef>
-          <a:fillRef idx="0">
-            <a:schemeClr val="accent1"/>
-          </a:fillRef>
-          <a:effectRef idx="0">
-            <a:schemeClr val="accent1"/>
-          </a:effectRef>
-          <a:fontRef idx="minor">
-            <a:schemeClr val="tx1"/>
-          </a:fontRef>
-        </p:style>
-      </p:cxnSp>
-      <p:sp>
-        <p:nvSpPr>
-          <p:cNvPr id="34" name="矩形: 圆角 33">
-            <a:extLst>
-              <a:ext uri="{FF2B5EF4-FFF2-40B4-BE49-F238E27FC236}">
-                <a16:creationId xmlns:a16="http://schemas.microsoft.com/office/drawing/2014/main" id="{8868123B-109E-4A9F-8E31-973B05EF89EF}"/>
-              </a:ext>
-            </a:extLst>
-          </p:cNvPr>
-          <p:cNvSpPr/>
-          <p:nvPr/>
-        </p:nvSpPr>
-        <p:spPr>
-          <a:xfrm>
-            <a:off x="5363867" y="1803176"/>
-            <a:ext cx="1512000" cy="648000"/>
-          </a:xfrm>
-          <a:prstGeom prst="roundRect">
-            <a:avLst/>
-          </a:prstGeom>
-          <a:solidFill>
-            <a:srgbClr val="00B050"/>
-          </a:solidFill>
-          <a:ln>
-            <a:solidFill>
-              <a:schemeClr val="tx1"/>
-            </a:solidFill>
-          </a:ln>
-        </p:spPr>
-        <p:style>
-          <a:lnRef idx="2">
-            <a:schemeClr val="accent1">
-              <a:shade val="50000"/>
-            </a:schemeClr>
-          </a:lnRef>
-          <a:fillRef idx="1">
-            <a:schemeClr val="accent1"/>
-          </a:fillRef>
-          <a:effectRef idx="0">
-            <a:schemeClr val="accent1"/>
-          </a:effectRef>
-          <a:fontRef idx="minor">
-            <a:schemeClr val="lt1"/>
-          </a:fontRef>
-        </p:style>
-        <p:txBody>
-          <a:bodyPr wrap="none" lIns="36000" tIns="36000" rIns="36000" bIns="36000" rtlCol="0" anchor="ctr" anchorCtr="0"/>
-          <a:lstStyle/>
-          <a:p>
-            <a:pPr algn="ctr"/>
-            <a:r>
-              <a:rPr lang="zh-CN" altLang="en-US" sz="1600" b="1">
-                <a:solidFill>
-                  <a:schemeClr val="tx1"/>
-                </a:solidFill>
-                <a:latin typeface="微软雅黑" panose="020B0503020204020204" pitchFamily="34" charset="-122"/>
-                <a:ea typeface="微软雅黑" panose="020B0503020204020204" pitchFamily="34" charset="-122"/>
-              </a:rPr>
-              <a:t>购买</a:t>
-            </a:r>
-            <a:endParaRPr lang="en-US" altLang="zh-CN" sz="1600" b="1">
-              <a:solidFill>
-                <a:schemeClr val="tx1"/>
-              </a:solidFill>
-              <a:latin typeface="微软雅黑" panose="020B0503020204020204" pitchFamily="34" charset="-122"/>
-              <a:ea typeface="微软雅黑" panose="020B0503020204020204" pitchFamily="34" charset="-122"/>
-            </a:endParaRPr>
-          </a:p>
-          <a:p>
-            <a:pPr algn="ctr"/>
-            <a:r>
-              <a:rPr lang="en-US" altLang="zh-CN" sz="1600" b="1">
-                <a:solidFill>
-                  <a:schemeClr val="tx1"/>
-                </a:solidFill>
-                <a:latin typeface="微软雅黑" panose="020B0503020204020204" pitchFamily="34" charset="-122"/>
-                <a:ea typeface="微软雅黑" panose="020B0503020204020204" pitchFamily="34" charset="-122"/>
-              </a:rPr>
-              <a:t>buy</a:t>
-            </a:r>
-            <a:endParaRPr lang="zh-CN" altLang="en-US" sz="1600" b="1">
-              <a:solidFill>
-                <a:schemeClr val="tx1"/>
-              </a:solidFill>
-              <a:latin typeface="微软雅黑" panose="020B0503020204020204" pitchFamily="34" charset="-122"/>
-              <a:ea typeface="微软雅黑" panose="020B0503020204020204" pitchFamily="34" charset="-122"/>
-            </a:endParaRPr>
-          </a:p>
-        </p:txBody>
-      </p:sp>
-      <p:cxnSp>
-        <p:nvCxnSpPr>
-          <p:cNvPr id="35" name="直接箭头连接符 34">
-            <a:extLst>
-              <a:ext uri="{FF2B5EF4-FFF2-40B4-BE49-F238E27FC236}">
-                <a16:creationId xmlns:a16="http://schemas.microsoft.com/office/drawing/2014/main" id="{DD8FB0D5-3E4D-4843-B59D-8853752077EA}"/>
-              </a:ext>
-            </a:extLst>
-          </p:cNvPr>
-          <p:cNvCxnSpPr>
-            <a:cxnSpLocks/>
-            <a:stCxn id="52" idx="3"/>
-            <a:endCxn id="34" idx="1"/>
-          </p:cNvCxnSpPr>
-          <p:nvPr/>
-        </p:nvCxnSpPr>
-        <p:spPr>
-          <a:xfrm>
-            <a:off x="4434428" y="2127176"/>
-            <a:ext cx="929439" cy="0"/>
-          </a:xfrm>
-          <a:prstGeom prst="straightConnector1">
-            <a:avLst/>
-          </a:prstGeom>
-          <a:ln w="31750">
-            <a:solidFill>
-              <a:schemeClr val="tx1"/>
-            </a:solidFill>
-            <a:tailEnd type="triangle"/>
-          </a:ln>
-        </p:spPr>
-        <p:style>
-          <a:lnRef idx="1">
-            <a:schemeClr val="accent1"/>
-          </a:lnRef>
-          <a:fillRef idx="0">
-            <a:schemeClr val="accent1"/>
-          </a:fillRef>
-          <a:effectRef idx="0">
-            <a:schemeClr val="accent1"/>
-          </a:effectRef>
-          <a:fontRef idx="minor">
-            <a:schemeClr val="tx1"/>
-          </a:fontRef>
-        </p:style>
-      </p:cxnSp>
-      <p:cxnSp>
-        <p:nvCxnSpPr>
-          <p:cNvPr id="27" name="直接箭头连接符 26">
-            <a:extLst>
-              <a:ext uri="{FF2B5EF4-FFF2-40B4-BE49-F238E27FC236}">
-                <a16:creationId xmlns:a16="http://schemas.microsoft.com/office/drawing/2014/main" id="{848F891A-B509-4AB0-B91A-D6F52D2CCEB6}"/>
-              </a:ext>
-            </a:extLst>
-          </p:cNvPr>
-          <p:cNvCxnSpPr>
-            <a:cxnSpLocks/>
-            <a:stCxn id="63" idx="3"/>
-            <a:endCxn id="28" idx="1"/>
-          </p:cNvCxnSpPr>
-          <p:nvPr/>
-        </p:nvCxnSpPr>
-        <p:spPr>
-          <a:xfrm flipV="1">
-            <a:off x="8885306" y="3850022"/>
-            <a:ext cx="929440" cy="432000"/>
+            <a:off x="4360717" y="1804432"/>
+            <a:ext cx="5533138" cy="0"/>
           </a:xfrm>
           <a:prstGeom prst="straightConnector1">
             <a:avLst/>
@@ -8062,58 +9753,12 @@
           </a:fontRef>
         </p:style>
       </p:cxnSp>
-      <p:cxnSp>
-        <p:nvCxnSpPr>
-          <p:cNvPr id="29" name="直接箭头连接符 28">
-            <a:extLst>
-              <a:ext uri="{FF2B5EF4-FFF2-40B4-BE49-F238E27FC236}">
-                <a16:creationId xmlns:a16="http://schemas.microsoft.com/office/drawing/2014/main" id="{F37CC6C4-2015-45DA-B730-929041DEC6E9}"/>
-              </a:ext>
-            </a:extLst>
-          </p:cNvPr>
-          <p:cNvCxnSpPr>
-            <a:cxnSpLocks/>
-            <a:stCxn id="55" idx="3"/>
-            <a:endCxn id="30" idx="1"/>
-          </p:cNvCxnSpPr>
-          <p:nvPr/>
-        </p:nvCxnSpPr>
-        <p:spPr>
-          <a:xfrm>
-            <a:off x="8885306" y="2127176"/>
-            <a:ext cx="929440" cy="0"/>
-          </a:xfrm>
-          <a:prstGeom prst="straightConnector1">
-            <a:avLst/>
-          </a:prstGeom>
-          <a:ln w="57150">
-            <a:solidFill>
-              <a:srgbClr val="FFC000"/>
-            </a:solidFill>
-            <a:tailEnd type="triangle"/>
-          </a:ln>
-        </p:spPr>
-        <p:style>
-          <a:lnRef idx="1">
-            <a:schemeClr val="accent1"/>
-          </a:lnRef>
-          <a:fillRef idx="0">
-            <a:schemeClr val="accent1"/>
-          </a:fillRef>
-          <a:effectRef idx="0">
-            <a:schemeClr val="accent1"/>
-          </a:effectRef>
-          <a:fontRef idx="minor">
-            <a:schemeClr val="tx1"/>
-          </a:fontRef>
-        </p:style>
-      </p:cxnSp>
       <p:sp>
         <p:nvSpPr>
-          <p:cNvPr id="30" name="矩形: 圆角 29">
-            <a:extLst>
-              <a:ext uri="{FF2B5EF4-FFF2-40B4-BE49-F238E27FC236}">
-                <a16:creationId xmlns:a16="http://schemas.microsoft.com/office/drawing/2014/main" id="{91506958-E49E-4576-BFCF-9A8F00E73CA4}"/>
+          <p:cNvPr id="29" name="矩形: 圆角 28">
+            <a:extLst>
+              <a:ext uri="{FF2B5EF4-FFF2-40B4-BE49-F238E27FC236}">
+                <a16:creationId xmlns:a16="http://schemas.microsoft.com/office/drawing/2014/main" id="{C205B937-C85A-4FC5-844F-BE1BB50E1A0E}"/>
               </a:ext>
             </a:extLst>
           </p:cNvPr>
@@ -8122,7 +9767,7 @@
         </p:nvSpPr>
         <p:spPr>
           <a:xfrm>
-            <a:off x="9814746" y="1911176"/>
+            <a:off x="9893855" y="1588432"/>
             <a:ext cx="1728000" cy="432000"/>
           </a:xfrm>
           <a:prstGeom prst="roundRect">
@@ -8168,7 +9813,7 @@
                 <a:latin typeface="微软雅黑" panose="020B0503020204020204" pitchFamily="34" charset="-122"/>
                 <a:ea typeface="微软雅黑" panose="020B0503020204020204" pitchFamily="34" charset="-122"/>
               </a:rPr>
-              <a:t>订单表</a:t>
+              <a:t>买单表</a:t>
             </a:r>
             <a:endParaRPr lang="en-US" altLang="zh-CN" sz="1600" b="1">
               <a:solidFill>
@@ -8180,26 +9825,225 @@
           </a:p>
         </p:txBody>
       </p:sp>
+      <p:sp>
+        <p:nvSpPr>
+          <p:cNvPr id="30" name="矩形: 圆角 29">
+            <a:extLst>
+              <a:ext uri="{FF2B5EF4-FFF2-40B4-BE49-F238E27FC236}">
+                <a16:creationId xmlns:a16="http://schemas.microsoft.com/office/drawing/2014/main" id="{982D07C1-243F-4440-B29C-8471022D2805}"/>
+              </a:ext>
+            </a:extLst>
+          </p:cNvPr>
+          <p:cNvSpPr/>
+          <p:nvPr/>
+        </p:nvSpPr>
+        <p:spPr>
+          <a:xfrm>
+            <a:off x="838143" y="2894764"/>
+            <a:ext cx="1080000" cy="432000"/>
+          </a:xfrm>
+          <a:prstGeom prst="roundRect">
+            <a:avLst/>
+          </a:prstGeom>
+          <a:solidFill>
+            <a:srgbClr val="00B0F0"/>
+          </a:solidFill>
+          <a:ln>
+            <a:solidFill>
+              <a:schemeClr val="tx1"/>
+            </a:solidFill>
+          </a:ln>
+        </p:spPr>
+        <p:style>
+          <a:lnRef idx="2">
+            <a:schemeClr val="accent1">
+              <a:shade val="50000"/>
+            </a:schemeClr>
+          </a:lnRef>
+          <a:fillRef idx="1">
+            <a:schemeClr val="accent1"/>
+          </a:fillRef>
+          <a:effectRef idx="0">
+            <a:schemeClr val="accent1"/>
+          </a:effectRef>
+          <a:fontRef idx="minor">
+            <a:schemeClr val="lt1"/>
+          </a:fontRef>
+        </p:style>
+        <p:txBody>
+          <a:bodyPr wrap="none" lIns="36000" tIns="36000" rIns="36000" bIns="36000" rtlCol="0" anchor="ctr" anchorCtr="0"/>
+          <a:lstStyle/>
+          <a:p>
+            <a:pPr algn="ctr"/>
+            <a:r>
+              <a:rPr lang="zh-CN" altLang="en-US" sz="1600" b="1">
+                <a:solidFill>
+                  <a:schemeClr val="tx1"/>
+                </a:solidFill>
+                <a:latin typeface="微软雅黑" panose="020B0503020204020204" pitchFamily="34" charset="-122"/>
+                <a:ea typeface="微软雅黑" panose="020B0503020204020204" pitchFamily="34" charset="-122"/>
+              </a:rPr>
+              <a:t>买家</a:t>
+            </a:r>
+          </a:p>
+        </p:txBody>
+      </p:sp>
+      <p:sp>
+        <p:nvSpPr>
+          <p:cNvPr id="31" name="矩形: 圆角 30">
+            <a:extLst>
+              <a:ext uri="{FF2B5EF4-FFF2-40B4-BE49-F238E27FC236}">
+                <a16:creationId xmlns:a16="http://schemas.microsoft.com/office/drawing/2014/main" id="{1C611FFC-953D-4802-B6F9-3D12F19B44CA}"/>
+              </a:ext>
+            </a:extLst>
+          </p:cNvPr>
+          <p:cNvSpPr/>
+          <p:nvPr/>
+        </p:nvSpPr>
+        <p:spPr>
+          <a:xfrm>
+            <a:off x="2848717" y="2786764"/>
+            <a:ext cx="1512000" cy="648000"/>
+          </a:xfrm>
+          <a:prstGeom prst="roundRect">
+            <a:avLst/>
+          </a:prstGeom>
+          <a:solidFill>
+            <a:srgbClr val="00B050"/>
+          </a:solidFill>
+          <a:ln>
+            <a:solidFill>
+              <a:schemeClr val="tx1"/>
+            </a:solidFill>
+          </a:ln>
+        </p:spPr>
+        <p:style>
+          <a:lnRef idx="2">
+            <a:schemeClr val="accent1">
+              <a:shade val="50000"/>
+            </a:schemeClr>
+          </a:lnRef>
+          <a:fillRef idx="1">
+            <a:schemeClr val="accent1"/>
+          </a:fillRef>
+          <a:effectRef idx="0">
+            <a:schemeClr val="accent1"/>
+          </a:effectRef>
+          <a:fontRef idx="minor">
+            <a:schemeClr val="lt1"/>
+          </a:fontRef>
+        </p:style>
+        <p:txBody>
+          <a:bodyPr wrap="none" lIns="36000" tIns="36000" rIns="36000" bIns="36000" rtlCol="0" anchor="ctr" anchorCtr="0"/>
+          <a:lstStyle/>
+          <a:p>
+            <a:pPr algn="ctr"/>
+            <a:r>
+              <a:rPr lang="zh-CN" altLang="en-US" sz="1600" b="1">
+                <a:solidFill>
+                  <a:schemeClr val="tx1"/>
+                </a:solidFill>
+                <a:latin typeface="微软雅黑" panose="020B0503020204020204" pitchFamily="34" charset="-122"/>
+                <a:ea typeface="微软雅黑" panose="020B0503020204020204" pitchFamily="34" charset="-122"/>
+              </a:rPr>
+              <a:t>撤销买单</a:t>
+            </a:r>
+            <a:endParaRPr lang="en-US" altLang="zh-CN" sz="1600" b="1">
+              <a:solidFill>
+                <a:schemeClr val="tx1"/>
+              </a:solidFill>
+              <a:latin typeface="微软雅黑" panose="020B0503020204020204" pitchFamily="34" charset="-122"/>
+              <a:ea typeface="微软雅黑" panose="020B0503020204020204" pitchFamily="34" charset="-122"/>
+            </a:endParaRPr>
+          </a:p>
+          <a:p>
+            <a:pPr algn="ctr"/>
+            <a:r>
+              <a:rPr lang="en-US" altLang="zh-CN" sz="1600" b="1">
+                <a:solidFill>
+                  <a:schemeClr val="tx1"/>
+                </a:solidFill>
+                <a:latin typeface="微软雅黑" panose="020B0503020204020204" pitchFamily="34" charset="-122"/>
+                <a:ea typeface="微软雅黑" panose="020B0503020204020204" pitchFamily="34" charset="-122"/>
+              </a:rPr>
+              <a:t>recusal_buy</a:t>
+            </a:r>
+            <a:endParaRPr lang="zh-CN" altLang="en-US" sz="1600" b="1">
+              <a:solidFill>
+                <a:schemeClr val="tx1"/>
+              </a:solidFill>
+              <a:latin typeface="微软雅黑" panose="020B0503020204020204" pitchFamily="34" charset="-122"/>
+              <a:ea typeface="微软雅黑" panose="020B0503020204020204" pitchFamily="34" charset="-122"/>
+            </a:endParaRPr>
+          </a:p>
+        </p:txBody>
+      </p:sp>
       <p:cxnSp>
         <p:nvCxnSpPr>
-          <p:cNvPr id="36" name="直接箭头连接符 35">
-            <a:extLst>
-              <a:ext uri="{FF2B5EF4-FFF2-40B4-BE49-F238E27FC236}">
-                <a16:creationId xmlns:a16="http://schemas.microsoft.com/office/drawing/2014/main" id="{BF60387A-F6EE-4893-B8F0-0EFE87190D14}"/>
+          <p:cNvPr id="35" name="直接箭头连接符 34">
+            <a:extLst>
+              <a:ext uri="{FF2B5EF4-FFF2-40B4-BE49-F238E27FC236}">
+                <a16:creationId xmlns:a16="http://schemas.microsoft.com/office/drawing/2014/main" id="{9CA9B3C7-4AE1-410F-8653-50A2E8B5FF2C}"/>
               </a:ext>
             </a:extLst>
           </p:cNvPr>
           <p:cNvCxnSpPr>
             <a:cxnSpLocks/>
-            <a:stCxn id="63" idx="3"/>
-            <a:endCxn id="37" idx="1"/>
+            <a:stCxn id="30" idx="3"/>
+            <a:endCxn id="31" idx="1"/>
           </p:cNvCxnSpPr>
           <p:nvPr/>
         </p:nvCxnSpPr>
         <p:spPr>
           <a:xfrm>
-            <a:off x="8885306" y="4282022"/>
-            <a:ext cx="929440" cy="432000"/>
+            <a:off x="1918143" y="3110764"/>
+            <a:ext cx="930574" cy="0"/>
+          </a:xfrm>
+          <a:prstGeom prst="straightConnector1">
+            <a:avLst/>
+          </a:prstGeom>
+          <a:ln w="31750">
+            <a:solidFill>
+              <a:schemeClr val="tx1"/>
+            </a:solidFill>
+            <a:tailEnd type="triangle"/>
+          </a:ln>
+        </p:spPr>
+        <p:style>
+          <a:lnRef idx="1">
+            <a:schemeClr val="accent1"/>
+          </a:lnRef>
+          <a:fillRef idx="0">
+            <a:schemeClr val="accent1"/>
+          </a:fillRef>
+          <a:effectRef idx="0">
+            <a:schemeClr val="accent1"/>
+          </a:effectRef>
+          <a:fontRef idx="minor">
+            <a:schemeClr val="tx1"/>
+          </a:fontRef>
+        </p:style>
+      </p:cxnSp>
+      <p:cxnSp>
+        <p:nvCxnSpPr>
+          <p:cNvPr id="38" name="直接箭头连接符 37">
+            <a:extLst>
+              <a:ext uri="{FF2B5EF4-FFF2-40B4-BE49-F238E27FC236}">
+                <a16:creationId xmlns:a16="http://schemas.microsoft.com/office/drawing/2014/main" id="{A9E686A2-D51D-48CC-AB92-C0B46BB45032}"/>
+              </a:ext>
+            </a:extLst>
+          </p:cNvPr>
+          <p:cNvCxnSpPr>
+            <a:cxnSpLocks/>
+            <a:stCxn id="31" idx="3"/>
+            <a:endCxn id="39" idx="1"/>
+          </p:cNvCxnSpPr>
+          <p:nvPr/>
+        </p:nvCxnSpPr>
+        <p:spPr>
+          <a:xfrm>
+            <a:off x="4360717" y="3110764"/>
+            <a:ext cx="5533138" cy="0"/>
           </a:xfrm>
           <a:prstGeom prst="straightConnector1">
             <a:avLst/>
@@ -8226,12 +10070,2971 @@
           </a:fontRef>
         </p:style>
       </p:cxnSp>
+      <p:sp>
+        <p:nvSpPr>
+          <p:cNvPr id="39" name="矩形: 圆角 38">
+            <a:extLst>
+              <a:ext uri="{FF2B5EF4-FFF2-40B4-BE49-F238E27FC236}">
+                <a16:creationId xmlns:a16="http://schemas.microsoft.com/office/drawing/2014/main" id="{28D927E2-C332-428B-BEAD-1C7C20A07141}"/>
+              </a:ext>
+            </a:extLst>
+          </p:cNvPr>
+          <p:cNvSpPr/>
+          <p:nvPr/>
+        </p:nvSpPr>
+        <p:spPr>
+          <a:xfrm>
+            <a:off x="9893855" y="2894764"/>
+            <a:ext cx="1728000" cy="432000"/>
+          </a:xfrm>
+          <a:prstGeom prst="roundRect">
+            <a:avLst/>
+          </a:prstGeom>
+          <a:solidFill>
+            <a:schemeClr val="bg1">
+              <a:lumMod val="95000"/>
+            </a:schemeClr>
+          </a:solidFill>
+          <a:ln>
+            <a:solidFill>
+              <a:schemeClr val="tx1"/>
+            </a:solidFill>
+          </a:ln>
+        </p:spPr>
+        <p:style>
+          <a:lnRef idx="2">
+            <a:schemeClr val="accent1">
+              <a:shade val="50000"/>
+            </a:schemeClr>
+          </a:lnRef>
+          <a:fillRef idx="1">
+            <a:schemeClr val="accent1"/>
+          </a:fillRef>
+          <a:effectRef idx="0">
+            <a:schemeClr val="accent1"/>
+          </a:effectRef>
+          <a:fontRef idx="minor">
+            <a:schemeClr val="lt1"/>
+          </a:fontRef>
+        </p:style>
+        <p:txBody>
+          <a:bodyPr wrap="none" lIns="36000" tIns="36000" rIns="36000" bIns="36000" rtlCol="0" anchor="ctr" anchorCtr="0"/>
+          <a:lstStyle/>
+          <a:p>
+            <a:pPr algn="ctr"/>
+            <a:r>
+              <a:rPr lang="zh-CN" altLang="en-US" sz="1600" b="1">
+                <a:solidFill>
+                  <a:schemeClr val="tx1"/>
+                </a:solidFill>
+                <a:latin typeface="微软雅黑" panose="020B0503020204020204" pitchFamily="34" charset="-122"/>
+                <a:ea typeface="微软雅黑" panose="020B0503020204020204" pitchFamily="34" charset="-122"/>
+              </a:rPr>
+              <a:t>撤销买单表</a:t>
+            </a:r>
+            <a:endParaRPr lang="en-US" altLang="zh-CN" sz="1600" b="1">
+              <a:solidFill>
+                <a:schemeClr val="tx1"/>
+              </a:solidFill>
+              <a:latin typeface="微软雅黑" panose="020B0503020204020204" pitchFamily="34" charset="-122"/>
+              <a:ea typeface="微软雅黑" panose="020B0503020204020204" pitchFamily="34" charset="-122"/>
+            </a:endParaRPr>
+          </a:p>
+        </p:txBody>
+      </p:sp>
+    </p:spTree>
+    <p:extLst>
+      <p:ext uri="{BB962C8B-B14F-4D97-AF65-F5344CB8AC3E}">
+        <p14:creationId xmlns:p14="http://schemas.microsoft.com/office/powerpoint/2010/main" val="173027265"/>
+      </p:ext>
+    </p:extLst>
+  </p:cSld>
+  <p:clrMapOvr>
+    <a:masterClrMapping/>
+  </p:clrMapOvr>
+</p:sld>
+</file>
+
+<file path=ppt/slides/slide8.xml><?xml version="1.0" encoding="utf-8"?>
+<p:sld xmlns:a="http://schemas.openxmlformats.org/drawingml/2006/main" xmlns:r="http://schemas.openxmlformats.org/officeDocument/2006/relationships" xmlns:p="http://schemas.openxmlformats.org/presentationml/2006/main">
+  <p:cSld>
+    <p:spTree>
+      <p:nvGrpSpPr>
+        <p:cNvPr id="1" name=""/>
+        <p:cNvGrpSpPr/>
+        <p:nvPr/>
+      </p:nvGrpSpPr>
+      <p:grpSpPr>
+        <a:xfrm>
+          <a:off x="0" y="0"/>
+          <a:ext cx="0" cy="0"/>
+          <a:chOff x="0" y="0"/>
+          <a:chExt cx="0" cy="0"/>
+        </a:xfrm>
+      </p:grpSpPr>
+      <p:cxnSp>
+        <p:nvCxnSpPr>
+          <p:cNvPr id="239" name="直接连接符 238">
+            <a:extLst>
+              <a:ext uri="{FF2B5EF4-FFF2-40B4-BE49-F238E27FC236}">
+                <a16:creationId xmlns:a16="http://schemas.microsoft.com/office/drawing/2014/main" id="{05CC9636-A076-48A7-9A94-4E0212BA0C59}"/>
+              </a:ext>
+            </a:extLst>
+          </p:cNvPr>
+          <p:cNvCxnSpPr>
+            <a:cxnSpLocks/>
+          </p:cNvCxnSpPr>
+          <p:nvPr/>
+        </p:nvCxnSpPr>
+        <p:spPr>
+          <a:xfrm flipH="1">
+            <a:off x="433388" y="866051"/>
+            <a:ext cx="11325225" cy="1"/>
+          </a:xfrm>
+          <a:prstGeom prst="line">
+            <a:avLst/>
+          </a:prstGeom>
+          <a:ln w="19050">
+            <a:solidFill>
+              <a:srgbClr val="00576E"/>
+            </a:solidFill>
+          </a:ln>
+          <a:effectLst>
+            <a:outerShdw blurRad="50800" dist="12700" dir="5400000" algn="t" rotWithShape="0">
+              <a:prstClr val="black">
+                <a:alpha val="40000"/>
+              </a:prstClr>
+            </a:outerShdw>
+          </a:effectLst>
+        </p:spPr>
+        <p:style>
+          <a:lnRef idx="2">
+            <a:schemeClr val="accent1"/>
+          </a:lnRef>
+          <a:fillRef idx="0">
+            <a:schemeClr val="accent1"/>
+          </a:fillRef>
+          <a:effectRef idx="1">
+            <a:schemeClr val="accent1"/>
+          </a:effectRef>
+          <a:fontRef idx="minor">
+            <a:schemeClr val="tx1"/>
+          </a:fontRef>
+        </p:style>
+      </p:cxnSp>
+      <p:sp>
+        <p:nvSpPr>
+          <p:cNvPr id="240" name="矩形 239">
+            <a:extLst>
+              <a:ext uri="{FF2B5EF4-FFF2-40B4-BE49-F238E27FC236}">
+                <a16:creationId xmlns:a16="http://schemas.microsoft.com/office/drawing/2014/main" id="{CE6D800A-2E58-40A9-AF4D-2C92406102BA}"/>
+              </a:ext>
+            </a:extLst>
+          </p:cNvPr>
+          <p:cNvSpPr/>
+          <p:nvPr/>
+        </p:nvSpPr>
+        <p:spPr>
+          <a:xfrm>
+            <a:off x="471489" y="209549"/>
+            <a:ext cx="119062" cy="513626"/>
+          </a:xfrm>
+          <a:prstGeom prst="rect">
+            <a:avLst/>
+          </a:prstGeom>
+          <a:solidFill>
+            <a:srgbClr val="00576E"/>
+          </a:solidFill>
+        </p:spPr>
+        <p:style>
+          <a:lnRef idx="2">
+            <a:schemeClr val="accent1">
+              <a:shade val="50000"/>
+            </a:schemeClr>
+          </a:lnRef>
+          <a:fillRef idx="1">
+            <a:schemeClr val="accent1"/>
+          </a:fillRef>
+          <a:effectRef idx="0">
+            <a:schemeClr val="accent1"/>
+          </a:effectRef>
+          <a:fontRef idx="minor">
+            <a:schemeClr val="lt1"/>
+          </a:fontRef>
+        </p:style>
+        <p:txBody>
+          <a:bodyPr rtlCol="0" anchor="ctr"/>
+          <a:lstStyle/>
+          <a:p>
+            <a:pPr algn="ctr"/>
+            <a:endParaRPr lang="zh-CN" altLang="en-US">
+              <a:latin typeface="Consolas" panose="020B0609020204030204" pitchFamily="49" charset="0"/>
+            </a:endParaRPr>
+          </a:p>
+        </p:txBody>
+      </p:sp>
+      <p:sp>
+        <p:nvSpPr>
+          <p:cNvPr id="241" name="文本框 240">
+            <a:extLst>
+              <a:ext uri="{FF2B5EF4-FFF2-40B4-BE49-F238E27FC236}">
+                <a16:creationId xmlns:a16="http://schemas.microsoft.com/office/drawing/2014/main" id="{90ABBAE7-6707-4A6F-819E-32C1CFD4250B}"/>
+              </a:ext>
+            </a:extLst>
+          </p:cNvPr>
+          <p:cNvSpPr txBox="1"/>
+          <p:nvPr/>
+        </p:nvSpPr>
+        <p:spPr>
+          <a:xfrm>
+            <a:off x="712379" y="173975"/>
+            <a:ext cx="1005403" cy="584775"/>
+          </a:xfrm>
+          <a:prstGeom prst="rect">
+            <a:avLst/>
+          </a:prstGeom>
+          <a:noFill/>
+        </p:spPr>
+        <p:txBody>
+          <a:bodyPr wrap="none" rtlCol="0">
+            <a:spAutoFit/>
+          </a:bodyPr>
+          <a:lstStyle/>
+          <a:p>
+            <a:r>
+              <a:rPr lang="zh-CN" altLang="en-US" sz="3200" b="1">
+                <a:latin typeface="Consolas" panose="020B0609020204030204" pitchFamily="49" charset="0"/>
+                <a:ea typeface="微软雅黑" panose="020B0503020204020204" pitchFamily="34" charset="-122"/>
+              </a:rPr>
+              <a:t>购买</a:t>
+            </a:r>
+          </a:p>
+        </p:txBody>
+      </p:sp>
+      <p:sp>
+        <p:nvSpPr>
+          <p:cNvPr id="49" name="矩形: 圆角 48">
+            <a:extLst>
+              <a:ext uri="{FF2B5EF4-FFF2-40B4-BE49-F238E27FC236}">
+                <a16:creationId xmlns:a16="http://schemas.microsoft.com/office/drawing/2014/main" id="{412BE305-D42D-4A74-94DC-D1DE6FBE1C09}"/>
+              </a:ext>
+            </a:extLst>
+          </p:cNvPr>
+          <p:cNvSpPr/>
+          <p:nvPr/>
+        </p:nvSpPr>
+        <p:spPr>
+          <a:xfrm>
+            <a:off x="804989" y="1911176"/>
+            <a:ext cx="1080000" cy="432000"/>
+          </a:xfrm>
+          <a:prstGeom prst="roundRect">
+            <a:avLst/>
+          </a:prstGeom>
+          <a:solidFill>
+            <a:srgbClr val="00B0F0"/>
+          </a:solidFill>
+          <a:ln>
+            <a:solidFill>
+              <a:schemeClr val="tx1"/>
+            </a:solidFill>
+          </a:ln>
+        </p:spPr>
+        <p:style>
+          <a:lnRef idx="2">
+            <a:schemeClr val="accent1">
+              <a:shade val="50000"/>
+            </a:schemeClr>
+          </a:lnRef>
+          <a:fillRef idx="1">
+            <a:schemeClr val="accent1"/>
+          </a:fillRef>
+          <a:effectRef idx="0">
+            <a:schemeClr val="accent1"/>
+          </a:effectRef>
+          <a:fontRef idx="minor">
+            <a:schemeClr val="lt1"/>
+          </a:fontRef>
+        </p:style>
+        <p:txBody>
+          <a:bodyPr wrap="none" lIns="36000" tIns="36000" rIns="36000" bIns="36000" rtlCol="0" anchor="ctr" anchorCtr="0"/>
+          <a:lstStyle/>
+          <a:p>
+            <a:pPr algn="ctr"/>
+            <a:r>
+              <a:rPr lang="zh-CN" altLang="en-US" sz="1600" b="1">
+                <a:solidFill>
+                  <a:schemeClr val="tx1"/>
+                </a:solidFill>
+                <a:latin typeface="微软雅黑" panose="020B0503020204020204" pitchFamily="34" charset="-122"/>
+                <a:ea typeface="微软雅黑" panose="020B0503020204020204" pitchFamily="34" charset="-122"/>
+              </a:rPr>
+              <a:t>客户</a:t>
+            </a:r>
+          </a:p>
+        </p:txBody>
+      </p:sp>
+      <p:cxnSp>
+        <p:nvCxnSpPr>
+          <p:cNvPr id="51" name="直接箭头连接符 50">
+            <a:extLst>
+              <a:ext uri="{FF2B5EF4-FFF2-40B4-BE49-F238E27FC236}">
+                <a16:creationId xmlns:a16="http://schemas.microsoft.com/office/drawing/2014/main" id="{B26E3E05-7D02-4551-9073-5CBF0CA8489A}"/>
+              </a:ext>
+            </a:extLst>
+          </p:cNvPr>
+          <p:cNvCxnSpPr>
+            <a:cxnSpLocks/>
+            <a:stCxn id="34" idx="3"/>
+            <a:endCxn id="52" idx="1"/>
+          </p:cNvCxnSpPr>
+          <p:nvPr/>
+        </p:nvCxnSpPr>
+        <p:spPr>
+          <a:xfrm flipV="1">
+            <a:off x="4159295" y="1869722"/>
+            <a:ext cx="927896" cy="257454"/>
+          </a:xfrm>
+          <a:prstGeom prst="straightConnector1">
+            <a:avLst/>
+          </a:prstGeom>
+          <a:ln w="31750">
+            <a:solidFill>
+              <a:schemeClr val="tx1"/>
+            </a:solidFill>
+            <a:tailEnd type="triangle"/>
+          </a:ln>
+        </p:spPr>
+        <p:style>
+          <a:lnRef idx="1">
+            <a:schemeClr val="accent1"/>
+          </a:lnRef>
+          <a:fillRef idx="0">
+            <a:schemeClr val="accent1"/>
+          </a:fillRef>
+          <a:effectRef idx="0">
+            <a:schemeClr val="accent1"/>
+          </a:effectRef>
+          <a:fontRef idx="minor">
+            <a:schemeClr val="tx1"/>
+          </a:fontRef>
+        </p:style>
+      </p:cxnSp>
+      <p:sp>
+        <p:nvSpPr>
+          <p:cNvPr id="52" name="矩形: 圆角 51">
+            <a:extLst>
+              <a:ext uri="{FF2B5EF4-FFF2-40B4-BE49-F238E27FC236}">
+                <a16:creationId xmlns:a16="http://schemas.microsoft.com/office/drawing/2014/main" id="{47091E74-4263-45AC-96A0-F48249A1428D}"/>
+              </a:ext>
+            </a:extLst>
+          </p:cNvPr>
+          <p:cNvSpPr/>
+          <p:nvPr/>
+        </p:nvSpPr>
+        <p:spPr>
+          <a:xfrm>
+            <a:off x="5087191" y="1581722"/>
+            <a:ext cx="1620000" cy="576000"/>
+          </a:xfrm>
+          <a:prstGeom prst="roundRect">
+            <a:avLst/>
+          </a:prstGeom>
+          <a:solidFill>
+            <a:schemeClr val="bg1"/>
+          </a:solidFill>
+          <a:ln>
+            <a:solidFill>
+              <a:schemeClr val="tx1"/>
+            </a:solidFill>
+          </a:ln>
+        </p:spPr>
+        <p:style>
+          <a:lnRef idx="2">
+            <a:schemeClr val="accent1">
+              <a:shade val="50000"/>
+            </a:schemeClr>
+          </a:lnRef>
+          <a:fillRef idx="1">
+            <a:schemeClr val="accent1"/>
+          </a:fillRef>
+          <a:effectRef idx="0">
+            <a:schemeClr val="accent1"/>
+          </a:effectRef>
+          <a:fontRef idx="minor">
+            <a:schemeClr val="lt1"/>
+          </a:fontRef>
+        </p:style>
+        <p:txBody>
+          <a:bodyPr wrap="none" lIns="36000" tIns="36000" rIns="36000" bIns="36000" rtlCol="0" anchor="ctr" anchorCtr="0"/>
+          <a:lstStyle/>
+          <a:p>
+            <a:pPr algn="ctr"/>
+            <a:r>
+              <a:rPr lang="zh-CN" altLang="en-US" sz="1600" b="1">
+                <a:solidFill>
+                  <a:schemeClr val="tx1"/>
+                </a:solidFill>
+                <a:latin typeface="微软雅黑" panose="020B0503020204020204" pitchFamily="34" charset="-122"/>
+                <a:ea typeface="微软雅黑" panose="020B0503020204020204" pitchFamily="34" charset="-122"/>
+              </a:rPr>
+              <a:t>场外支付</a:t>
+            </a:r>
+          </a:p>
+        </p:txBody>
+      </p:sp>
+      <p:cxnSp>
+        <p:nvCxnSpPr>
+          <p:cNvPr id="53" name="直接箭头连接符 52">
+            <a:extLst>
+              <a:ext uri="{FF2B5EF4-FFF2-40B4-BE49-F238E27FC236}">
+                <a16:creationId xmlns:a16="http://schemas.microsoft.com/office/drawing/2014/main" id="{34743039-6C7C-4A83-9F14-70E4F511ACFC}"/>
+              </a:ext>
+            </a:extLst>
+          </p:cNvPr>
+          <p:cNvCxnSpPr>
+            <a:cxnSpLocks/>
+            <a:stCxn id="49" idx="3"/>
+            <a:endCxn id="34" idx="1"/>
+          </p:cNvCxnSpPr>
+          <p:nvPr/>
+        </p:nvCxnSpPr>
+        <p:spPr>
+          <a:xfrm>
+            <a:off x="1884989" y="2127176"/>
+            <a:ext cx="762306" cy="0"/>
+          </a:xfrm>
+          <a:prstGeom prst="straightConnector1">
+            <a:avLst/>
+          </a:prstGeom>
+          <a:ln w="31750">
+            <a:solidFill>
+              <a:schemeClr val="tx1"/>
+            </a:solidFill>
+            <a:tailEnd type="triangle"/>
+          </a:ln>
+        </p:spPr>
+        <p:style>
+          <a:lnRef idx="1">
+            <a:schemeClr val="accent1"/>
+          </a:lnRef>
+          <a:fillRef idx="0">
+            <a:schemeClr val="accent1"/>
+          </a:fillRef>
+          <a:effectRef idx="0">
+            <a:schemeClr val="accent1"/>
+          </a:effectRef>
+          <a:fontRef idx="minor">
+            <a:schemeClr val="tx1"/>
+          </a:fontRef>
+        </p:style>
+      </p:cxnSp>
+      <p:sp>
+        <p:nvSpPr>
+          <p:cNvPr id="55" name="矩形: 圆角 54">
+            <a:extLst>
+              <a:ext uri="{FF2B5EF4-FFF2-40B4-BE49-F238E27FC236}">
+                <a16:creationId xmlns:a16="http://schemas.microsoft.com/office/drawing/2014/main" id="{51E46C4A-7DFB-40C1-B3C2-2F680522A617}"/>
+              </a:ext>
+            </a:extLst>
+          </p:cNvPr>
+          <p:cNvSpPr/>
+          <p:nvPr/>
+        </p:nvSpPr>
+        <p:spPr>
+          <a:xfrm>
+            <a:off x="7734284" y="1653722"/>
+            <a:ext cx="1080000" cy="432000"/>
+          </a:xfrm>
+          <a:prstGeom prst="roundRect">
+            <a:avLst/>
+          </a:prstGeom>
+          <a:solidFill>
+            <a:srgbClr val="00B0F0"/>
+          </a:solidFill>
+          <a:ln>
+            <a:solidFill>
+              <a:schemeClr val="tx1"/>
+            </a:solidFill>
+          </a:ln>
+        </p:spPr>
+        <p:style>
+          <a:lnRef idx="2">
+            <a:schemeClr val="accent1">
+              <a:shade val="50000"/>
+            </a:schemeClr>
+          </a:lnRef>
+          <a:fillRef idx="1">
+            <a:schemeClr val="accent1"/>
+          </a:fillRef>
+          <a:effectRef idx="0">
+            <a:schemeClr val="accent1"/>
+          </a:effectRef>
+          <a:fontRef idx="minor">
+            <a:schemeClr val="lt1"/>
+          </a:fontRef>
+        </p:style>
+        <p:txBody>
+          <a:bodyPr wrap="none" lIns="36000" tIns="36000" rIns="36000" bIns="36000" rtlCol="0" anchor="ctr" anchorCtr="0"/>
+          <a:lstStyle/>
+          <a:p>
+            <a:pPr algn="ctr"/>
+            <a:r>
+              <a:rPr lang="zh-CN" altLang="en-US" sz="1600" b="1">
+                <a:solidFill>
+                  <a:schemeClr val="tx1"/>
+                </a:solidFill>
+                <a:latin typeface="微软雅黑" panose="020B0503020204020204" pitchFamily="34" charset="-122"/>
+                <a:ea typeface="微软雅黑" panose="020B0503020204020204" pitchFamily="34" charset="-122"/>
+              </a:rPr>
+              <a:t>商家</a:t>
+            </a:r>
+          </a:p>
+        </p:txBody>
+      </p:sp>
+      <p:sp>
+        <p:nvSpPr>
+          <p:cNvPr id="57" name="矩形: 圆角 56">
+            <a:extLst>
+              <a:ext uri="{FF2B5EF4-FFF2-40B4-BE49-F238E27FC236}">
+                <a16:creationId xmlns:a16="http://schemas.microsoft.com/office/drawing/2014/main" id="{65E9B693-9316-4E9F-82F7-2796C6B9FCD2}"/>
+              </a:ext>
+            </a:extLst>
+          </p:cNvPr>
+          <p:cNvSpPr/>
+          <p:nvPr/>
+        </p:nvSpPr>
+        <p:spPr>
+          <a:xfrm>
+            <a:off x="804989" y="3742544"/>
+            <a:ext cx="1080000" cy="432000"/>
+          </a:xfrm>
+          <a:prstGeom prst="roundRect">
+            <a:avLst/>
+          </a:prstGeom>
+          <a:solidFill>
+            <a:srgbClr val="00B0F0"/>
+          </a:solidFill>
+          <a:ln>
+            <a:solidFill>
+              <a:schemeClr val="tx1"/>
+            </a:solidFill>
+          </a:ln>
+        </p:spPr>
+        <p:style>
+          <a:lnRef idx="2">
+            <a:schemeClr val="accent1">
+              <a:shade val="50000"/>
+            </a:schemeClr>
+          </a:lnRef>
+          <a:fillRef idx="1">
+            <a:schemeClr val="accent1"/>
+          </a:fillRef>
+          <a:effectRef idx="0">
+            <a:schemeClr val="accent1"/>
+          </a:effectRef>
+          <a:fontRef idx="minor">
+            <a:schemeClr val="lt1"/>
+          </a:fontRef>
+        </p:style>
+        <p:txBody>
+          <a:bodyPr wrap="none" lIns="36000" tIns="36000" rIns="36000" bIns="36000" rtlCol="0" anchor="ctr" anchorCtr="0"/>
+          <a:lstStyle/>
+          <a:p>
+            <a:pPr algn="ctr"/>
+            <a:r>
+              <a:rPr lang="zh-CN" altLang="en-US" sz="1600" b="1">
+                <a:solidFill>
+                  <a:schemeClr val="tx1"/>
+                </a:solidFill>
+                <a:latin typeface="微软雅黑" panose="020B0503020204020204" pitchFamily="34" charset="-122"/>
+                <a:ea typeface="微软雅黑" panose="020B0503020204020204" pitchFamily="34" charset="-122"/>
+              </a:rPr>
+              <a:t>商家</a:t>
+            </a:r>
+          </a:p>
+        </p:txBody>
+      </p:sp>
+      <p:sp>
+        <p:nvSpPr>
+          <p:cNvPr id="58" name="矩形: 圆角 57">
+            <a:extLst>
+              <a:ext uri="{FF2B5EF4-FFF2-40B4-BE49-F238E27FC236}">
+                <a16:creationId xmlns:a16="http://schemas.microsoft.com/office/drawing/2014/main" id="{1A415BD8-5740-4984-A8EF-0B45AE86E344}"/>
+              </a:ext>
+            </a:extLst>
+          </p:cNvPr>
+          <p:cNvSpPr/>
+          <p:nvPr/>
+        </p:nvSpPr>
+        <p:spPr>
+          <a:xfrm>
+            <a:off x="2647295" y="3634544"/>
+            <a:ext cx="1512000" cy="648000"/>
+          </a:xfrm>
+          <a:prstGeom prst="roundRect">
+            <a:avLst/>
+          </a:prstGeom>
+          <a:solidFill>
+            <a:srgbClr val="00B050"/>
+          </a:solidFill>
+          <a:ln>
+            <a:solidFill>
+              <a:schemeClr val="tx1"/>
+            </a:solidFill>
+          </a:ln>
+        </p:spPr>
+        <p:style>
+          <a:lnRef idx="2">
+            <a:schemeClr val="accent1">
+              <a:shade val="50000"/>
+            </a:schemeClr>
+          </a:lnRef>
+          <a:fillRef idx="1">
+            <a:schemeClr val="accent1"/>
+          </a:fillRef>
+          <a:effectRef idx="0">
+            <a:schemeClr val="accent1"/>
+          </a:effectRef>
+          <a:fontRef idx="minor">
+            <a:schemeClr val="lt1"/>
+          </a:fontRef>
+        </p:style>
+        <p:txBody>
+          <a:bodyPr wrap="none" lIns="36000" tIns="36000" rIns="36000" bIns="36000" rtlCol="0" anchor="ctr" anchorCtr="0"/>
+          <a:lstStyle/>
+          <a:p>
+            <a:pPr algn="ctr"/>
+            <a:r>
+              <a:rPr lang="zh-CN" altLang="en-US" sz="1600" b="1">
+                <a:solidFill>
+                  <a:schemeClr val="tx1"/>
+                </a:solidFill>
+                <a:latin typeface="微软雅黑" panose="020B0503020204020204" pitchFamily="34" charset="-122"/>
+                <a:ea typeface="微软雅黑" panose="020B0503020204020204" pitchFamily="34" charset="-122"/>
+              </a:rPr>
+              <a:t>确认收款</a:t>
+            </a:r>
+            <a:endParaRPr lang="en-US" altLang="zh-CN" sz="1600" b="1">
+              <a:solidFill>
+                <a:schemeClr val="tx1"/>
+              </a:solidFill>
+              <a:latin typeface="微软雅黑" panose="020B0503020204020204" pitchFamily="34" charset="-122"/>
+              <a:ea typeface="微软雅黑" panose="020B0503020204020204" pitchFamily="34" charset="-122"/>
+            </a:endParaRPr>
+          </a:p>
+          <a:p>
+            <a:pPr algn="ctr"/>
+            <a:r>
+              <a:rPr lang="en-US" altLang="zh-CN" sz="1600" b="1">
+                <a:solidFill>
+                  <a:schemeClr val="tx1"/>
+                </a:solidFill>
+                <a:latin typeface="微软雅黑" panose="020B0503020204020204" pitchFamily="34" charset="-122"/>
+                <a:ea typeface="微软雅黑" panose="020B0503020204020204" pitchFamily="34" charset="-122"/>
+              </a:rPr>
+              <a:t>confirm_buy</a:t>
+            </a:r>
+            <a:endParaRPr lang="zh-CN" altLang="en-US" sz="1600" b="1">
+              <a:solidFill>
+                <a:schemeClr val="tx1"/>
+              </a:solidFill>
+              <a:latin typeface="微软雅黑" panose="020B0503020204020204" pitchFamily="34" charset="-122"/>
+              <a:ea typeface="微软雅黑" panose="020B0503020204020204" pitchFamily="34" charset="-122"/>
+            </a:endParaRPr>
+          </a:p>
+        </p:txBody>
+      </p:sp>
+      <p:cxnSp>
+        <p:nvCxnSpPr>
+          <p:cNvPr id="59" name="直接箭头连接符 58">
+            <a:extLst>
+              <a:ext uri="{FF2B5EF4-FFF2-40B4-BE49-F238E27FC236}">
+                <a16:creationId xmlns:a16="http://schemas.microsoft.com/office/drawing/2014/main" id="{E8CE606D-E7F8-4193-A90B-32217CC6FE96}"/>
+              </a:ext>
+            </a:extLst>
+          </p:cNvPr>
+          <p:cNvCxnSpPr>
+            <a:cxnSpLocks/>
+            <a:stCxn id="58" idx="3"/>
+            <a:endCxn id="60" idx="1"/>
+          </p:cNvCxnSpPr>
+          <p:nvPr/>
+        </p:nvCxnSpPr>
+        <p:spPr>
+          <a:xfrm>
+            <a:off x="4159295" y="3958544"/>
+            <a:ext cx="927896" cy="0"/>
+          </a:xfrm>
+          <a:prstGeom prst="straightConnector1">
+            <a:avLst/>
+          </a:prstGeom>
+          <a:ln w="31750">
+            <a:solidFill>
+              <a:schemeClr val="tx1"/>
+            </a:solidFill>
+            <a:tailEnd type="triangle"/>
+          </a:ln>
+        </p:spPr>
+        <p:style>
+          <a:lnRef idx="1">
+            <a:schemeClr val="accent1"/>
+          </a:lnRef>
+          <a:fillRef idx="0">
+            <a:schemeClr val="accent1"/>
+          </a:fillRef>
+          <a:effectRef idx="0">
+            <a:schemeClr val="accent1"/>
+          </a:effectRef>
+          <a:fontRef idx="minor">
+            <a:schemeClr val="tx1"/>
+          </a:fontRef>
+        </p:style>
+      </p:cxnSp>
+      <p:sp>
+        <p:nvSpPr>
+          <p:cNvPr id="60" name="矩形: 圆角 59">
+            <a:extLst>
+              <a:ext uri="{FF2B5EF4-FFF2-40B4-BE49-F238E27FC236}">
+                <a16:creationId xmlns:a16="http://schemas.microsoft.com/office/drawing/2014/main" id="{439E5E02-6BA2-41DE-AC3B-ECEDEFD1F385}"/>
+              </a:ext>
+            </a:extLst>
+          </p:cNvPr>
+          <p:cNvSpPr/>
+          <p:nvPr/>
+        </p:nvSpPr>
+        <p:spPr>
+          <a:xfrm>
+            <a:off x="5087191" y="3670544"/>
+            <a:ext cx="1620000" cy="576000"/>
+          </a:xfrm>
+          <a:prstGeom prst="roundRect">
+            <a:avLst/>
+          </a:prstGeom>
+          <a:solidFill>
+            <a:schemeClr val="bg1"/>
+          </a:solidFill>
+          <a:ln>
+            <a:solidFill>
+              <a:schemeClr val="tx1"/>
+            </a:solidFill>
+          </a:ln>
+        </p:spPr>
+        <p:style>
+          <a:lnRef idx="2">
+            <a:schemeClr val="accent1">
+              <a:shade val="50000"/>
+            </a:schemeClr>
+          </a:lnRef>
+          <a:fillRef idx="1">
+            <a:schemeClr val="accent1"/>
+          </a:fillRef>
+          <a:effectRef idx="0">
+            <a:schemeClr val="accent1"/>
+          </a:effectRef>
+          <a:fontRef idx="minor">
+            <a:schemeClr val="lt1"/>
+          </a:fontRef>
+        </p:style>
+        <p:txBody>
+          <a:bodyPr wrap="none" lIns="36000" tIns="36000" rIns="36000" bIns="36000" rtlCol="0" anchor="ctr" anchorCtr="0"/>
+          <a:lstStyle/>
+          <a:p>
+            <a:pPr algn="ctr"/>
+            <a:r>
+              <a:rPr lang="zh-CN" altLang="en-US" sz="1600" b="1">
+                <a:solidFill>
+                  <a:schemeClr val="tx1"/>
+                </a:solidFill>
+                <a:latin typeface="微软雅黑" panose="020B0503020204020204" pitchFamily="34" charset="-122"/>
+                <a:ea typeface="微软雅黑" panose="020B0503020204020204" pitchFamily="34" charset="-122"/>
+              </a:rPr>
+              <a:t>合约账户转账</a:t>
+            </a:r>
+          </a:p>
+        </p:txBody>
+      </p:sp>
+      <p:cxnSp>
+        <p:nvCxnSpPr>
+          <p:cNvPr id="62" name="直接箭头连接符 61">
+            <a:extLst>
+              <a:ext uri="{FF2B5EF4-FFF2-40B4-BE49-F238E27FC236}">
+                <a16:creationId xmlns:a16="http://schemas.microsoft.com/office/drawing/2014/main" id="{5E333993-C0A6-4C5E-86E9-7F2027329CE7}"/>
+              </a:ext>
+            </a:extLst>
+          </p:cNvPr>
+          <p:cNvCxnSpPr>
+            <a:cxnSpLocks/>
+            <a:stCxn id="57" idx="3"/>
+            <a:endCxn id="58" idx="1"/>
+          </p:cNvCxnSpPr>
+          <p:nvPr/>
+        </p:nvCxnSpPr>
+        <p:spPr>
+          <a:xfrm>
+            <a:off x="1884989" y="3958544"/>
+            <a:ext cx="762306" cy="0"/>
+          </a:xfrm>
+          <a:prstGeom prst="straightConnector1">
+            <a:avLst/>
+          </a:prstGeom>
+          <a:ln w="31750">
+            <a:solidFill>
+              <a:schemeClr val="tx1"/>
+            </a:solidFill>
+            <a:tailEnd type="triangle"/>
+          </a:ln>
+        </p:spPr>
+        <p:style>
+          <a:lnRef idx="1">
+            <a:schemeClr val="accent1"/>
+          </a:lnRef>
+          <a:fillRef idx="0">
+            <a:schemeClr val="accent1"/>
+          </a:fillRef>
+          <a:effectRef idx="0">
+            <a:schemeClr val="accent1"/>
+          </a:effectRef>
+          <a:fontRef idx="minor">
+            <a:schemeClr val="tx1"/>
+          </a:fontRef>
+        </p:style>
+      </p:cxnSp>
+      <p:sp>
+        <p:nvSpPr>
+          <p:cNvPr id="63" name="矩形: 圆角 62">
+            <a:extLst>
+              <a:ext uri="{FF2B5EF4-FFF2-40B4-BE49-F238E27FC236}">
+                <a16:creationId xmlns:a16="http://schemas.microsoft.com/office/drawing/2014/main" id="{277DE9D7-2400-47B2-8AB5-32DC77E2F2B6}"/>
+              </a:ext>
+            </a:extLst>
+          </p:cNvPr>
+          <p:cNvSpPr/>
+          <p:nvPr/>
+        </p:nvSpPr>
+        <p:spPr>
+          <a:xfrm>
+            <a:off x="7734284" y="3222644"/>
+            <a:ext cx="1080000" cy="432000"/>
+          </a:xfrm>
+          <a:prstGeom prst="roundRect">
+            <a:avLst/>
+          </a:prstGeom>
+          <a:solidFill>
+            <a:srgbClr val="00B0F0"/>
+          </a:solidFill>
+          <a:ln>
+            <a:solidFill>
+              <a:schemeClr val="tx1"/>
+            </a:solidFill>
+          </a:ln>
+        </p:spPr>
+        <p:style>
+          <a:lnRef idx="2">
+            <a:schemeClr val="accent1">
+              <a:shade val="50000"/>
+            </a:schemeClr>
+          </a:lnRef>
+          <a:fillRef idx="1">
+            <a:schemeClr val="accent1"/>
+          </a:fillRef>
+          <a:effectRef idx="0">
+            <a:schemeClr val="accent1"/>
+          </a:effectRef>
+          <a:fontRef idx="minor">
+            <a:schemeClr val="lt1"/>
+          </a:fontRef>
+        </p:style>
+        <p:txBody>
+          <a:bodyPr wrap="none" lIns="36000" tIns="36000" rIns="36000" bIns="36000" rtlCol="0" anchor="ctr" anchorCtr="0"/>
+          <a:lstStyle/>
+          <a:p>
+            <a:pPr algn="ctr"/>
+            <a:r>
+              <a:rPr lang="zh-CN" altLang="en-US" sz="1600" b="1">
+                <a:solidFill>
+                  <a:schemeClr val="tx1"/>
+                </a:solidFill>
+                <a:latin typeface="微软雅黑" panose="020B0503020204020204" pitchFamily="34" charset="-122"/>
+                <a:ea typeface="微软雅黑" panose="020B0503020204020204" pitchFamily="34" charset="-122"/>
+              </a:rPr>
+              <a:t>客户</a:t>
+            </a:r>
+          </a:p>
+        </p:txBody>
+      </p:sp>
+      <p:cxnSp>
+        <p:nvCxnSpPr>
+          <p:cNvPr id="64" name="直接箭头连接符 63">
+            <a:extLst>
+              <a:ext uri="{FF2B5EF4-FFF2-40B4-BE49-F238E27FC236}">
+                <a16:creationId xmlns:a16="http://schemas.microsoft.com/office/drawing/2014/main" id="{5E3981A5-3200-4516-8486-750739C1C0F0}"/>
+              </a:ext>
+            </a:extLst>
+          </p:cNvPr>
+          <p:cNvCxnSpPr>
+            <a:cxnSpLocks/>
+            <a:stCxn id="60" idx="3"/>
+            <a:endCxn id="63" idx="1"/>
+          </p:cNvCxnSpPr>
+          <p:nvPr/>
+        </p:nvCxnSpPr>
+        <p:spPr>
+          <a:xfrm flipV="1">
+            <a:off x="6707191" y="3438644"/>
+            <a:ext cx="1027093" cy="519900"/>
+          </a:xfrm>
+          <a:prstGeom prst="straightConnector1">
+            <a:avLst/>
+          </a:prstGeom>
+          <a:ln w="31750">
+            <a:solidFill>
+              <a:schemeClr val="tx1"/>
+            </a:solidFill>
+            <a:tailEnd type="triangle"/>
+          </a:ln>
+        </p:spPr>
+        <p:style>
+          <a:lnRef idx="1">
+            <a:schemeClr val="accent1"/>
+          </a:lnRef>
+          <a:fillRef idx="0">
+            <a:schemeClr val="accent1"/>
+          </a:fillRef>
+          <a:effectRef idx="0">
+            <a:schemeClr val="accent1"/>
+          </a:effectRef>
+          <a:fontRef idx="minor">
+            <a:schemeClr val="tx1"/>
+          </a:fontRef>
+        </p:style>
+      </p:cxnSp>
+      <p:sp>
+        <p:nvSpPr>
+          <p:cNvPr id="34" name="矩形: 圆角 33">
+            <a:extLst>
+              <a:ext uri="{FF2B5EF4-FFF2-40B4-BE49-F238E27FC236}">
+                <a16:creationId xmlns:a16="http://schemas.microsoft.com/office/drawing/2014/main" id="{8868123B-109E-4A9F-8E31-973B05EF89EF}"/>
+              </a:ext>
+            </a:extLst>
+          </p:cNvPr>
+          <p:cNvSpPr/>
+          <p:nvPr/>
+        </p:nvSpPr>
+        <p:spPr>
+          <a:xfrm>
+            <a:off x="2647295" y="1803176"/>
+            <a:ext cx="1512000" cy="648000"/>
+          </a:xfrm>
+          <a:prstGeom prst="roundRect">
+            <a:avLst/>
+          </a:prstGeom>
+          <a:solidFill>
+            <a:srgbClr val="00B050"/>
+          </a:solidFill>
+          <a:ln>
+            <a:solidFill>
+              <a:schemeClr val="tx1"/>
+            </a:solidFill>
+          </a:ln>
+        </p:spPr>
+        <p:style>
+          <a:lnRef idx="2">
+            <a:schemeClr val="accent1">
+              <a:shade val="50000"/>
+            </a:schemeClr>
+          </a:lnRef>
+          <a:fillRef idx="1">
+            <a:schemeClr val="accent1"/>
+          </a:fillRef>
+          <a:effectRef idx="0">
+            <a:schemeClr val="accent1"/>
+          </a:effectRef>
+          <a:fontRef idx="minor">
+            <a:schemeClr val="lt1"/>
+          </a:fontRef>
+        </p:style>
+        <p:txBody>
+          <a:bodyPr wrap="none" lIns="36000" tIns="36000" rIns="36000" bIns="36000" rtlCol="0" anchor="ctr" anchorCtr="0"/>
+          <a:lstStyle/>
+          <a:p>
+            <a:pPr algn="ctr"/>
+            <a:r>
+              <a:rPr lang="zh-CN" altLang="en-US" sz="1600" b="1">
+                <a:solidFill>
+                  <a:schemeClr val="tx1"/>
+                </a:solidFill>
+                <a:latin typeface="微软雅黑" panose="020B0503020204020204" pitchFamily="34" charset="-122"/>
+                <a:ea typeface="微软雅黑" panose="020B0503020204020204" pitchFamily="34" charset="-122"/>
+              </a:rPr>
+              <a:t>购买</a:t>
+            </a:r>
+            <a:endParaRPr lang="en-US" altLang="zh-CN" sz="1600" b="1">
+              <a:solidFill>
+                <a:schemeClr val="tx1"/>
+              </a:solidFill>
+              <a:latin typeface="微软雅黑" panose="020B0503020204020204" pitchFamily="34" charset="-122"/>
+              <a:ea typeface="微软雅黑" panose="020B0503020204020204" pitchFamily="34" charset="-122"/>
+            </a:endParaRPr>
+          </a:p>
+          <a:p>
+            <a:pPr algn="ctr"/>
+            <a:r>
+              <a:rPr lang="en-US" altLang="zh-CN" sz="1600" b="1">
+                <a:solidFill>
+                  <a:schemeClr val="tx1"/>
+                </a:solidFill>
+                <a:latin typeface="微软雅黑" panose="020B0503020204020204" pitchFamily="34" charset="-122"/>
+                <a:ea typeface="微软雅黑" panose="020B0503020204020204" pitchFamily="34" charset="-122"/>
+              </a:rPr>
+              <a:t>buy</a:t>
+            </a:r>
+            <a:endParaRPr lang="zh-CN" altLang="en-US" sz="1600" b="1">
+              <a:solidFill>
+                <a:schemeClr val="tx1"/>
+              </a:solidFill>
+              <a:latin typeface="微软雅黑" panose="020B0503020204020204" pitchFamily="34" charset="-122"/>
+              <a:ea typeface="微软雅黑" panose="020B0503020204020204" pitchFamily="34" charset="-122"/>
+            </a:endParaRPr>
+          </a:p>
+        </p:txBody>
+      </p:sp>
+      <p:cxnSp>
+        <p:nvCxnSpPr>
+          <p:cNvPr id="35" name="直接箭头连接符 34">
+            <a:extLst>
+              <a:ext uri="{FF2B5EF4-FFF2-40B4-BE49-F238E27FC236}">
+                <a16:creationId xmlns:a16="http://schemas.microsoft.com/office/drawing/2014/main" id="{DD8FB0D5-3E4D-4843-B59D-8853752077EA}"/>
+              </a:ext>
+            </a:extLst>
+          </p:cNvPr>
+          <p:cNvCxnSpPr>
+            <a:cxnSpLocks/>
+            <a:stCxn id="52" idx="3"/>
+            <a:endCxn id="55" idx="1"/>
+          </p:cNvCxnSpPr>
+          <p:nvPr/>
+        </p:nvCxnSpPr>
+        <p:spPr>
+          <a:xfrm>
+            <a:off x="6707191" y="1869722"/>
+            <a:ext cx="1027093" cy="0"/>
+          </a:xfrm>
+          <a:prstGeom prst="straightConnector1">
+            <a:avLst/>
+          </a:prstGeom>
+          <a:ln w="31750">
+            <a:solidFill>
+              <a:schemeClr val="tx1"/>
+            </a:solidFill>
+            <a:tailEnd type="triangle"/>
+          </a:ln>
+        </p:spPr>
+        <p:style>
+          <a:lnRef idx="1">
+            <a:schemeClr val="accent1"/>
+          </a:lnRef>
+          <a:fillRef idx="0">
+            <a:schemeClr val="accent1"/>
+          </a:fillRef>
+          <a:effectRef idx="0">
+            <a:schemeClr val="accent1"/>
+          </a:effectRef>
+          <a:fontRef idx="minor">
+            <a:schemeClr val="tx1"/>
+          </a:fontRef>
+        </p:style>
+      </p:cxnSp>
+      <p:cxnSp>
+        <p:nvCxnSpPr>
+          <p:cNvPr id="27" name="直接箭头连接符 26">
+            <a:extLst>
+              <a:ext uri="{FF2B5EF4-FFF2-40B4-BE49-F238E27FC236}">
+                <a16:creationId xmlns:a16="http://schemas.microsoft.com/office/drawing/2014/main" id="{848F891A-B509-4AB0-B91A-D6F52D2CCEB6}"/>
+              </a:ext>
+            </a:extLst>
+          </p:cNvPr>
+          <p:cNvCxnSpPr>
+            <a:cxnSpLocks/>
+            <a:stCxn id="60" idx="3"/>
+            <a:endCxn id="28" idx="1"/>
+          </p:cNvCxnSpPr>
+          <p:nvPr/>
+        </p:nvCxnSpPr>
+        <p:spPr>
+          <a:xfrm>
+            <a:off x="6707191" y="3958544"/>
+            <a:ext cx="1027093" cy="0"/>
+          </a:xfrm>
+          <a:prstGeom prst="straightConnector1">
+            <a:avLst/>
+          </a:prstGeom>
+          <a:ln w="57150">
+            <a:solidFill>
+              <a:srgbClr val="FFC000"/>
+            </a:solidFill>
+            <a:tailEnd type="triangle"/>
+          </a:ln>
+        </p:spPr>
+        <p:style>
+          <a:lnRef idx="1">
+            <a:schemeClr val="accent1"/>
+          </a:lnRef>
+          <a:fillRef idx="0">
+            <a:schemeClr val="accent1"/>
+          </a:fillRef>
+          <a:effectRef idx="0">
+            <a:schemeClr val="accent1"/>
+          </a:effectRef>
+          <a:fontRef idx="minor">
+            <a:schemeClr val="tx1"/>
+          </a:fontRef>
+        </p:style>
+      </p:cxnSp>
+      <p:cxnSp>
+        <p:nvCxnSpPr>
+          <p:cNvPr id="29" name="直接箭头连接符 28">
+            <a:extLst>
+              <a:ext uri="{FF2B5EF4-FFF2-40B4-BE49-F238E27FC236}">
+                <a16:creationId xmlns:a16="http://schemas.microsoft.com/office/drawing/2014/main" id="{F37CC6C4-2015-45DA-B730-929041DEC6E9}"/>
+              </a:ext>
+            </a:extLst>
+          </p:cNvPr>
+          <p:cNvCxnSpPr>
+            <a:cxnSpLocks/>
+            <a:stCxn id="34" idx="3"/>
+            <a:endCxn id="30" idx="1"/>
+          </p:cNvCxnSpPr>
+          <p:nvPr/>
+        </p:nvCxnSpPr>
+        <p:spPr>
+          <a:xfrm>
+            <a:off x="4159295" y="2127176"/>
+            <a:ext cx="927896" cy="331308"/>
+          </a:xfrm>
+          <a:prstGeom prst="straightConnector1">
+            <a:avLst/>
+          </a:prstGeom>
+          <a:ln w="57150">
+            <a:solidFill>
+              <a:srgbClr val="FFC000"/>
+            </a:solidFill>
+            <a:tailEnd type="triangle"/>
+          </a:ln>
+        </p:spPr>
+        <p:style>
+          <a:lnRef idx="1">
+            <a:schemeClr val="accent1"/>
+          </a:lnRef>
+          <a:fillRef idx="0">
+            <a:schemeClr val="accent1"/>
+          </a:fillRef>
+          <a:effectRef idx="0">
+            <a:schemeClr val="accent1"/>
+          </a:effectRef>
+          <a:fontRef idx="minor">
+            <a:schemeClr val="tx1"/>
+          </a:fontRef>
+        </p:style>
+      </p:cxnSp>
+      <p:sp>
+        <p:nvSpPr>
+          <p:cNvPr id="30" name="矩形: 圆角 29">
+            <a:extLst>
+              <a:ext uri="{FF2B5EF4-FFF2-40B4-BE49-F238E27FC236}">
+                <a16:creationId xmlns:a16="http://schemas.microsoft.com/office/drawing/2014/main" id="{91506958-E49E-4576-BFCF-9A8F00E73CA4}"/>
+              </a:ext>
+            </a:extLst>
+          </p:cNvPr>
+          <p:cNvSpPr/>
+          <p:nvPr/>
+        </p:nvSpPr>
+        <p:spPr>
+          <a:xfrm>
+            <a:off x="5087191" y="2242484"/>
+            <a:ext cx="1728000" cy="432000"/>
+          </a:xfrm>
+          <a:prstGeom prst="roundRect">
+            <a:avLst/>
+          </a:prstGeom>
+          <a:solidFill>
+            <a:schemeClr val="bg1">
+              <a:lumMod val="95000"/>
+            </a:schemeClr>
+          </a:solidFill>
+          <a:ln>
+            <a:solidFill>
+              <a:schemeClr val="tx1"/>
+            </a:solidFill>
+          </a:ln>
+        </p:spPr>
+        <p:style>
+          <a:lnRef idx="2">
+            <a:schemeClr val="accent1">
+              <a:shade val="50000"/>
+            </a:schemeClr>
+          </a:lnRef>
+          <a:fillRef idx="1">
+            <a:schemeClr val="accent1"/>
+          </a:fillRef>
+          <a:effectRef idx="0">
+            <a:schemeClr val="accent1"/>
+          </a:effectRef>
+          <a:fontRef idx="minor">
+            <a:schemeClr val="lt1"/>
+          </a:fontRef>
+        </p:style>
+        <p:txBody>
+          <a:bodyPr wrap="none" lIns="36000" tIns="36000" rIns="36000" bIns="36000" rtlCol="0" anchor="ctr" anchorCtr="0"/>
+          <a:lstStyle/>
+          <a:p>
+            <a:pPr algn="ctr"/>
+            <a:r>
+              <a:rPr lang="zh-CN" altLang="en-US" sz="1600" b="1">
+                <a:solidFill>
+                  <a:schemeClr val="tx1"/>
+                </a:solidFill>
+                <a:latin typeface="微软雅黑" panose="020B0503020204020204" pitchFamily="34" charset="-122"/>
+                <a:ea typeface="微软雅黑" panose="020B0503020204020204" pitchFamily="34" charset="-122"/>
+              </a:rPr>
+              <a:t>购买订单表</a:t>
+            </a:r>
+            <a:endParaRPr lang="en-US" altLang="zh-CN" sz="1600" b="1">
+              <a:solidFill>
+                <a:schemeClr val="tx1"/>
+              </a:solidFill>
+              <a:latin typeface="微软雅黑" panose="020B0503020204020204" pitchFamily="34" charset="-122"/>
+              <a:ea typeface="微软雅黑" panose="020B0503020204020204" pitchFamily="34" charset="-122"/>
+            </a:endParaRPr>
+          </a:p>
+        </p:txBody>
+      </p:sp>
+      <p:cxnSp>
+        <p:nvCxnSpPr>
+          <p:cNvPr id="36" name="直接箭头连接符 35">
+            <a:extLst>
+              <a:ext uri="{FF2B5EF4-FFF2-40B4-BE49-F238E27FC236}">
+                <a16:creationId xmlns:a16="http://schemas.microsoft.com/office/drawing/2014/main" id="{BF60387A-F6EE-4893-B8F0-0EFE87190D14}"/>
+              </a:ext>
+            </a:extLst>
+          </p:cNvPr>
+          <p:cNvCxnSpPr>
+            <a:cxnSpLocks/>
+            <a:stCxn id="60" idx="3"/>
+            <a:endCxn id="37" idx="1"/>
+          </p:cNvCxnSpPr>
+          <p:nvPr/>
+        </p:nvCxnSpPr>
+        <p:spPr>
+          <a:xfrm>
+            <a:off x="6707191" y="3958544"/>
+            <a:ext cx="1027093" cy="517770"/>
+          </a:xfrm>
+          <a:prstGeom prst="straightConnector1">
+            <a:avLst/>
+          </a:prstGeom>
+          <a:ln w="57150">
+            <a:solidFill>
+              <a:srgbClr val="FFC000"/>
+            </a:solidFill>
+            <a:tailEnd type="triangle"/>
+          </a:ln>
+        </p:spPr>
+        <p:style>
+          <a:lnRef idx="1">
+            <a:schemeClr val="accent1"/>
+          </a:lnRef>
+          <a:fillRef idx="0">
+            <a:schemeClr val="accent1"/>
+          </a:fillRef>
+          <a:effectRef idx="0">
+            <a:schemeClr val="accent1"/>
+          </a:effectRef>
+          <a:fontRef idx="minor">
+            <a:schemeClr val="tx1"/>
+          </a:fontRef>
+        </p:style>
+      </p:cxnSp>
+      <p:sp>
+        <p:nvSpPr>
+          <p:cNvPr id="28" name="矩形: 圆角 27">
+            <a:extLst>
+              <a:ext uri="{FF2B5EF4-FFF2-40B4-BE49-F238E27FC236}">
+                <a16:creationId xmlns:a16="http://schemas.microsoft.com/office/drawing/2014/main" id="{827DBB4E-F9A3-4DE7-8CDA-BBACBCB1E162}"/>
+              </a:ext>
+            </a:extLst>
+          </p:cNvPr>
+          <p:cNvSpPr/>
+          <p:nvPr/>
+        </p:nvSpPr>
+        <p:spPr>
+          <a:xfrm>
+            <a:off x="7734284" y="3742544"/>
+            <a:ext cx="1728000" cy="432000"/>
+          </a:xfrm>
+          <a:prstGeom prst="roundRect">
+            <a:avLst/>
+          </a:prstGeom>
+          <a:solidFill>
+            <a:schemeClr val="bg1">
+              <a:lumMod val="95000"/>
+            </a:schemeClr>
+          </a:solidFill>
+          <a:ln>
+            <a:solidFill>
+              <a:schemeClr val="tx1"/>
+            </a:solidFill>
+          </a:ln>
+        </p:spPr>
+        <p:style>
+          <a:lnRef idx="2">
+            <a:schemeClr val="accent1">
+              <a:shade val="50000"/>
+            </a:schemeClr>
+          </a:lnRef>
+          <a:fillRef idx="1">
+            <a:schemeClr val="accent1"/>
+          </a:fillRef>
+          <a:effectRef idx="0">
+            <a:schemeClr val="accent1"/>
+          </a:effectRef>
+          <a:fontRef idx="minor">
+            <a:schemeClr val="lt1"/>
+          </a:fontRef>
+        </p:style>
+        <p:txBody>
+          <a:bodyPr wrap="none" lIns="36000" tIns="36000" rIns="36000" bIns="36000" rtlCol="0" anchor="ctr" anchorCtr="0"/>
+          <a:lstStyle/>
+          <a:p>
+            <a:pPr algn="ctr"/>
+            <a:r>
+              <a:rPr lang="zh-CN" altLang="en-US" sz="1600" b="1">
+                <a:solidFill>
+                  <a:schemeClr val="tx1"/>
+                </a:solidFill>
+                <a:latin typeface="微软雅黑" panose="020B0503020204020204" pitchFamily="34" charset="-122"/>
+                <a:ea typeface="微软雅黑" panose="020B0503020204020204" pitchFamily="34" charset="-122"/>
+              </a:rPr>
+              <a:t>卖单表</a:t>
+            </a:r>
+            <a:endParaRPr lang="en-US" altLang="zh-CN" sz="1600" b="1">
+              <a:solidFill>
+                <a:schemeClr val="tx1"/>
+              </a:solidFill>
+              <a:latin typeface="微软雅黑" panose="020B0503020204020204" pitchFamily="34" charset="-122"/>
+              <a:ea typeface="微软雅黑" panose="020B0503020204020204" pitchFamily="34" charset="-122"/>
+            </a:endParaRPr>
+          </a:p>
+        </p:txBody>
+      </p:sp>
+      <p:sp>
+        <p:nvSpPr>
+          <p:cNvPr id="37" name="矩形: 圆角 36">
+            <a:extLst>
+              <a:ext uri="{FF2B5EF4-FFF2-40B4-BE49-F238E27FC236}">
+                <a16:creationId xmlns:a16="http://schemas.microsoft.com/office/drawing/2014/main" id="{AA3F2E7A-C257-4797-A65E-719DB4B6551B}"/>
+              </a:ext>
+            </a:extLst>
+          </p:cNvPr>
+          <p:cNvSpPr/>
+          <p:nvPr/>
+        </p:nvSpPr>
+        <p:spPr>
+          <a:xfrm>
+            <a:off x="7734284" y="4260314"/>
+            <a:ext cx="1728000" cy="432000"/>
+          </a:xfrm>
+          <a:prstGeom prst="roundRect">
+            <a:avLst/>
+          </a:prstGeom>
+          <a:solidFill>
+            <a:schemeClr val="bg1">
+              <a:lumMod val="95000"/>
+            </a:schemeClr>
+          </a:solidFill>
+          <a:ln>
+            <a:solidFill>
+              <a:schemeClr val="tx1"/>
+            </a:solidFill>
+          </a:ln>
+        </p:spPr>
+        <p:style>
+          <a:lnRef idx="2">
+            <a:schemeClr val="accent1">
+              <a:shade val="50000"/>
+            </a:schemeClr>
+          </a:lnRef>
+          <a:fillRef idx="1">
+            <a:schemeClr val="accent1"/>
+          </a:fillRef>
+          <a:effectRef idx="0">
+            <a:schemeClr val="accent1"/>
+          </a:effectRef>
+          <a:fontRef idx="minor">
+            <a:schemeClr val="lt1"/>
+          </a:fontRef>
+        </p:style>
+        <p:txBody>
+          <a:bodyPr wrap="none" lIns="36000" tIns="36000" rIns="36000" bIns="36000" rtlCol="0" anchor="ctr" anchorCtr="0"/>
+          <a:lstStyle/>
+          <a:p>
+            <a:pPr algn="ctr"/>
+            <a:r>
+              <a:rPr lang="zh-CN" altLang="en-US" sz="1600" b="1">
+                <a:solidFill>
+                  <a:schemeClr val="tx1"/>
+                </a:solidFill>
+                <a:latin typeface="微软雅黑" panose="020B0503020204020204" pitchFamily="34" charset="-122"/>
+                <a:ea typeface="微软雅黑" panose="020B0503020204020204" pitchFamily="34" charset="-122"/>
+              </a:rPr>
+              <a:t>购买订单表</a:t>
+            </a:r>
+            <a:endParaRPr lang="en-US" altLang="zh-CN" sz="1600" b="1">
+              <a:solidFill>
+                <a:schemeClr val="tx1"/>
+              </a:solidFill>
+              <a:latin typeface="微软雅黑" panose="020B0503020204020204" pitchFamily="34" charset="-122"/>
+              <a:ea typeface="微软雅黑" panose="020B0503020204020204" pitchFamily="34" charset="-122"/>
+            </a:endParaRPr>
+          </a:p>
+        </p:txBody>
+      </p:sp>
+      <p:sp>
+        <p:nvSpPr>
+          <p:cNvPr id="50" name="矩形: 圆角 49">
+            <a:extLst>
+              <a:ext uri="{FF2B5EF4-FFF2-40B4-BE49-F238E27FC236}">
+                <a16:creationId xmlns:a16="http://schemas.microsoft.com/office/drawing/2014/main" id="{6130C7D6-A3FA-4543-A899-92B0D56889FE}"/>
+              </a:ext>
+            </a:extLst>
+          </p:cNvPr>
+          <p:cNvSpPr/>
+          <p:nvPr/>
+        </p:nvSpPr>
+        <p:spPr>
+          <a:xfrm>
+            <a:off x="806466" y="5588019"/>
+            <a:ext cx="1080000" cy="432000"/>
+          </a:xfrm>
+          <a:prstGeom prst="roundRect">
+            <a:avLst/>
+          </a:prstGeom>
+          <a:solidFill>
+            <a:srgbClr val="00B0F0"/>
+          </a:solidFill>
+          <a:ln>
+            <a:solidFill>
+              <a:schemeClr val="tx1"/>
+            </a:solidFill>
+          </a:ln>
+        </p:spPr>
+        <p:style>
+          <a:lnRef idx="2">
+            <a:schemeClr val="accent1">
+              <a:shade val="50000"/>
+            </a:schemeClr>
+          </a:lnRef>
+          <a:fillRef idx="1">
+            <a:schemeClr val="accent1"/>
+          </a:fillRef>
+          <a:effectRef idx="0">
+            <a:schemeClr val="accent1"/>
+          </a:effectRef>
+          <a:fontRef idx="minor">
+            <a:schemeClr val="lt1"/>
+          </a:fontRef>
+        </p:style>
+        <p:txBody>
+          <a:bodyPr wrap="none" lIns="36000" tIns="36000" rIns="36000" bIns="36000" rtlCol="0" anchor="ctr" anchorCtr="0"/>
+          <a:lstStyle/>
+          <a:p>
+            <a:pPr algn="ctr"/>
+            <a:r>
+              <a:rPr lang="zh-CN" altLang="en-US" sz="1600" b="1">
+                <a:solidFill>
+                  <a:schemeClr val="tx1"/>
+                </a:solidFill>
+                <a:latin typeface="微软雅黑" panose="020B0503020204020204" pitchFamily="34" charset="-122"/>
+                <a:ea typeface="微软雅黑" panose="020B0503020204020204" pitchFamily="34" charset="-122"/>
+              </a:rPr>
+              <a:t>客户</a:t>
+            </a:r>
+          </a:p>
+        </p:txBody>
+      </p:sp>
+      <p:cxnSp>
+        <p:nvCxnSpPr>
+          <p:cNvPr id="61" name="直接箭头连接符 60">
+            <a:extLst>
+              <a:ext uri="{FF2B5EF4-FFF2-40B4-BE49-F238E27FC236}">
+                <a16:creationId xmlns:a16="http://schemas.microsoft.com/office/drawing/2014/main" id="{D685CF36-64DC-42C2-8C0B-E39435EE251B}"/>
+              </a:ext>
+            </a:extLst>
+          </p:cNvPr>
+          <p:cNvCxnSpPr>
+            <a:cxnSpLocks/>
+            <a:stCxn id="50" idx="3"/>
+            <a:endCxn id="66" idx="1"/>
+          </p:cNvCxnSpPr>
+          <p:nvPr/>
+        </p:nvCxnSpPr>
+        <p:spPr>
+          <a:xfrm>
+            <a:off x="1886466" y="5804019"/>
+            <a:ext cx="762306" cy="0"/>
+          </a:xfrm>
+          <a:prstGeom prst="straightConnector1">
+            <a:avLst/>
+          </a:prstGeom>
+          <a:ln w="31750">
+            <a:solidFill>
+              <a:schemeClr val="tx1"/>
+            </a:solidFill>
+            <a:tailEnd type="triangle"/>
+          </a:ln>
+        </p:spPr>
+        <p:style>
+          <a:lnRef idx="1">
+            <a:schemeClr val="accent1"/>
+          </a:lnRef>
+          <a:fillRef idx="0">
+            <a:schemeClr val="accent1"/>
+          </a:fillRef>
+          <a:effectRef idx="0">
+            <a:schemeClr val="accent1"/>
+          </a:effectRef>
+          <a:fontRef idx="minor">
+            <a:schemeClr val="tx1"/>
+          </a:fontRef>
+        </p:style>
+      </p:cxnSp>
+      <p:sp>
+        <p:nvSpPr>
+          <p:cNvPr id="66" name="矩形: 圆角 65">
+            <a:extLst>
+              <a:ext uri="{FF2B5EF4-FFF2-40B4-BE49-F238E27FC236}">
+                <a16:creationId xmlns:a16="http://schemas.microsoft.com/office/drawing/2014/main" id="{7081A539-2533-4186-B820-DDBF919C0B23}"/>
+              </a:ext>
+            </a:extLst>
+          </p:cNvPr>
+          <p:cNvSpPr/>
+          <p:nvPr/>
+        </p:nvSpPr>
+        <p:spPr>
+          <a:xfrm>
+            <a:off x="2648772" y="5480019"/>
+            <a:ext cx="1512000" cy="648000"/>
+          </a:xfrm>
+          <a:prstGeom prst="roundRect">
+            <a:avLst/>
+          </a:prstGeom>
+          <a:solidFill>
+            <a:srgbClr val="00B050"/>
+          </a:solidFill>
+          <a:ln>
+            <a:solidFill>
+              <a:schemeClr val="tx1"/>
+            </a:solidFill>
+          </a:ln>
+        </p:spPr>
+        <p:style>
+          <a:lnRef idx="2">
+            <a:schemeClr val="accent1">
+              <a:shade val="50000"/>
+            </a:schemeClr>
+          </a:lnRef>
+          <a:fillRef idx="1">
+            <a:schemeClr val="accent1"/>
+          </a:fillRef>
+          <a:effectRef idx="0">
+            <a:schemeClr val="accent1"/>
+          </a:effectRef>
+          <a:fontRef idx="minor">
+            <a:schemeClr val="lt1"/>
+          </a:fontRef>
+        </p:style>
+        <p:txBody>
+          <a:bodyPr wrap="none" lIns="36000" tIns="36000" rIns="36000" bIns="36000" rtlCol="0" anchor="ctr" anchorCtr="0"/>
+          <a:lstStyle/>
+          <a:p>
+            <a:pPr algn="ctr"/>
+            <a:r>
+              <a:rPr lang="zh-CN" altLang="en-US" sz="1600" b="1">
+                <a:solidFill>
+                  <a:schemeClr val="tx1"/>
+                </a:solidFill>
+                <a:latin typeface="微软雅黑" panose="020B0503020204020204" pitchFamily="34" charset="-122"/>
+                <a:ea typeface="微软雅黑" panose="020B0503020204020204" pitchFamily="34" charset="-122"/>
+              </a:rPr>
+              <a:t>撤销购买</a:t>
+            </a:r>
+            <a:endParaRPr lang="en-US" altLang="zh-CN" sz="1600" b="1">
+              <a:solidFill>
+                <a:schemeClr val="tx1"/>
+              </a:solidFill>
+              <a:latin typeface="微软雅黑" panose="020B0503020204020204" pitchFamily="34" charset="-122"/>
+              <a:ea typeface="微软雅黑" panose="020B0503020204020204" pitchFamily="34" charset="-122"/>
+            </a:endParaRPr>
+          </a:p>
+          <a:p>
+            <a:pPr algn="ctr"/>
+            <a:r>
+              <a:rPr lang="en-US" altLang="zh-CN" sz="1600" b="1">
+                <a:solidFill>
+                  <a:schemeClr val="tx1"/>
+                </a:solidFill>
+                <a:latin typeface="微软雅黑" panose="020B0503020204020204" pitchFamily="34" charset="-122"/>
+                <a:ea typeface="微软雅黑" panose="020B0503020204020204" pitchFamily="34" charset="-122"/>
+              </a:rPr>
+              <a:t>recusal_buy</a:t>
+            </a:r>
+            <a:endParaRPr lang="zh-CN" altLang="en-US" sz="1600" b="1">
+              <a:solidFill>
+                <a:schemeClr val="tx1"/>
+              </a:solidFill>
+              <a:latin typeface="微软雅黑" panose="020B0503020204020204" pitchFamily="34" charset="-122"/>
+              <a:ea typeface="微软雅黑" panose="020B0503020204020204" pitchFamily="34" charset="-122"/>
+            </a:endParaRPr>
+          </a:p>
+        </p:txBody>
+      </p:sp>
+      <p:cxnSp>
+        <p:nvCxnSpPr>
+          <p:cNvPr id="68" name="直接箭头连接符 67">
+            <a:extLst>
+              <a:ext uri="{FF2B5EF4-FFF2-40B4-BE49-F238E27FC236}">
+                <a16:creationId xmlns:a16="http://schemas.microsoft.com/office/drawing/2014/main" id="{27CAAD24-D643-47AC-ABD0-ACB1D5D11BF3}"/>
+              </a:ext>
+            </a:extLst>
+          </p:cNvPr>
+          <p:cNvCxnSpPr>
+            <a:cxnSpLocks/>
+            <a:stCxn id="66" idx="3"/>
+            <a:endCxn id="69" idx="1"/>
+          </p:cNvCxnSpPr>
+          <p:nvPr/>
+        </p:nvCxnSpPr>
+        <p:spPr>
+          <a:xfrm>
+            <a:off x="4160772" y="5804019"/>
+            <a:ext cx="927896" cy="0"/>
+          </a:xfrm>
+          <a:prstGeom prst="straightConnector1">
+            <a:avLst/>
+          </a:prstGeom>
+          <a:ln w="57150">
+            <a:solidFill>
+              <a:srgbClr val="FFC000"/>
+            </a:solidFill>
+            <a:tailEnd type="triangle"/>
+          </a:ln>
+        </p:spPr>
+        <p:style>
+          <a:lnRef idx="1">
+            <a:schemeClr val="accent1"/>
+          </a:lnRef>
+          <a:fillRef idx="0">
+            <a:schemeClr val="accent1"/>
+          </a:fillRef>
+          <a:effectRef idx="0">
+            <a:schemeClr val="accent1"/>
+          </a:effectRef>
+          <a:fontRef idx="minor">
+            <a:schemeClr val="tx1"/>
+          </a:fontRef>
+        </p:style>
+      </p:cxnSp>
+      <p:sp>
+        <p:nvSpPr>
+          <p:cNvPr id="69" name="矩形: 圆角 68">
+            <a:extLst>
+              <a:ext uri="{FF2B5EF4-FFF2-40B4-BE49-F238E27FC236}">
+                <a16:creationId xmlns:a16="http://schemas.microsoft.com/office/drawing/2014/main" id="{3BB3007E-EA44-4270-BF0C-35C8059CB221}"/>
+              </a:ext>
+            </a:extLst>
+          </p:cNvPr>
+          <p:cNvSpPr/>
+          <p:nvPr/>
+        </p:nvSpPr>
+        <p:spPr>
+          <a:xfrm>
+            <a:off x="5088668" y="5588019"/>
+            <a:ext cx="1728000" cy="432000"/>
+          </a:xfrm>
+          <a:prstGeom prst="roundRect">
+            <a:avLst/>
+          </a:prstGeom>
+          <a:solidFill>
+            <a:schemeClr val="bg1">
+              <a:lumMod val="95000"/>
+            </a:schemeClr>
+          </a:solidFill>
+          <a:ln>
+            <a:solidFill>
+              <a:schemeClr val="tx1"/>
+            </a:solidFill>
+          </a:ln>
+        </p:spPr>
+        <p:style>
+          <a:lnRef idx="2">
+            <a:schemeClr val="accent1">
+              <a:shade val="50000"/>
+            </a:schemeClr>
+          </a:lnRef>
+          <a:fillRef idx="1">
+            <a:schemeClr val="accent1"/>
+          </a:fillRef>
+          <a:effectRef idx="0">
+            <a:schemeClr val="accent1"/>
+          </a:effectRef>
+          <a:fontRef idx="minor">
+            <a:schemeClr val="lt1"/>
+          </a:fontRef>
+        </p:style>
+        <p:txBody>
+          <a:bodyPr wrap="none" lIns="36000" tIns="36000" rIns="36000" bIns="36000" rtlCol="0" anchor="ctr" anchorCtr="0"/>
+          <a:lstStyle/>
+          <a:p>
+            <a:pPr algn="ctr"/>
+            <a:r>
+              <a:rPr lang="zh-CN" altLang="en-US" sz="1600" b="1">
+                <a:solidFill>
+                  <a:schemeClr val="tx1"/>
+                </a:solidFill>
+                <a:latin typeface="微软雅黑" panose="020B0503020204020204" pitchFamily="34" charset="-122"/>
+                <a:ea typeface="微软雅黑" panose="020B0503020204020204" pitchFamily="34" charset="-122"/>
+              </a:rPr>
+              <a:t>购买订单表</a:t>
+            </a:r>
+            <a:endParaRPr lang="en-US" altLang="zh-CN" sz="1600" b="1">
+              <a:solidFill>
+                <a:schemeClr val="tx1"/>
+              </a:solidFill>
+              <a:latin typeface="微软雅黑" panose="020B0503020204020204" pitchFamily="34" charset="-122"/>
+              <a:ea typeface="微软雅黑" panose="020B0503020204020204" pitchFamily="34" charset="-122"/>
+            </a:endParaRPr>
+          </a:p>
+        </p:txBody>
+      </p:sp>
+    </p:spTree>
+    <p:extLst>
+      <p:ext uri="{BB962C8B-B14F-4D97-AF65-F5344CB8AC3E}">
+        <p14:creationId xmlns:p14="http://schemas.microsoft.com/office/powerpoint/2010/main" val="3940676795"/>
+      </p:ext>
+    </p:extLst>
+  </p:cSld>
+  <p:clrMapOvr>
+    <a:masterClrMapping/>
+  </p:clrMapOvr>
+</p:sld>
+</file>
+
+<file path=ppt/slides/slide9.xml><?xml version="1.0" encoding="utf-8"?>
+<p:sld xmlns:a="http://schemas.openxmlformats.org/drawingml/2006/main" xmlns:r="http://schemas.openxmlformats.org/officeDocument/2006/relationships" xmlns:p="http://schemas.openxmlformats.org/presentationml/2006/main">
+  <p:cSld>
+    <p:spTree>
+      <p:nvGrpSpPr>
+        <p:cNvPr id="1" name=""/>
+        <p:cNvGrpSpPr/>
+        <p:nvPr/>
+      </p:nvGrpSpPr>
+      <p:grpSpPr>
+        <a:xfrm>
+          <a:off x="0" y="0"/>
+          <a:ext cx="0" cy="0"/>
+          <a:chOff x="0" y="0"/>
+          <a:chExt cx="0" cy="0"/>
+        </a:xfrm>
+      </p:grpSpPr>
+      <p:cxnSp>
+        <p:nvCxnSpPr>
+          <p:cNvPr id="239" name="直接连接符 238">
+            <a:extLst>
+              <a:ext uri="{FF2B5EF4-FFF2-40B4-BE49-F238E27FC236}">
+                <a16:creationId xmlns:a16="http://schemas.microsoft.com/office/drawing/2014/main" id="{05CC9636-A076-48A7-9A94-4E0212BA0C59}"/>
+              </a:ext>
+            </a:extLst>
+          </p:cNvPr>
+          <p:cNvCxnSpPr>
+            <a:cxnSpLocks/>
+          </p:cNvCxnSpPr>
+          <p:nvPr/>
+        </p:nvCxnSpPr>
+        <p:spPr>
+          <a:xfrm flipH="1">
+            <a:off x="433388" y="866051"/>
+            <a:ext cx="11325225" cy="1"/>
+          </a:xfrm>
+          <a:prstGeom prst="line">
+            <a:avLst/>
+          </a:prstGeom>
+          <a:ln w="19050">
+            <a:solidFill>
+              <a:srgbClr val="00576E"/>
+            </a:solidFill>
+          </a:ln>
+          <a:effectLst>
+            <a:outerShdw blurRad="50800" dist="12700" dir="5400000" algn="t" rotWithShape="0">
+              <a:prstClr val="black">
+                <a:alpha val="40000"/>
+              </a:prstClr>
+            </a:outerShdw>
+          </a:effectLst>
+        </p:spPr>
+        <p:style>
+          <a:lnRef idx="2">
+            <a:schemeClr val="accent1"/>
+          </a:lnRef>
+          <a:fillRef idx="0">
+            <a:schemeClr val="accent1"/>
+          </a:fillRef>
+          <a:effectRef idx="1">
+            <a:schemeClr val="accent1"/>
+          </a:effectRef>
+          <a:fontRef idx="minor">
+            <a:schemeClr val="tx1"/>
+          </a:fontRef>
+        </p:style>
+      </p:cxnSp>
+      <p:sp>
+        <p:nvSpPr>
+          <p:cNvPr id="240" name="矩形 239">
+            <a:extLst>
+              <a:ext uri="{FF2B5EF4-FFF2-40B4-BE49-F238E27FC236}">
+                <a16:creationId xmlns:a16="http://schemas.microsoft.com/office/drawing/2014/main" id="{CE6D800A-2E58-40A9-AF4D-2C92406102BA}"/>
+              </a:ext>
+            </a:extLst>
+          </p:cNvPr>
+          <p:cNvSpPr/>
+          <p:nvPr/>
+        </p:nvSpPr>
+        <p:spPr>
+          <a:xfrm>
+            <a:off x="471489" y="209549"/>
+            <a:ext cx="119062" cy="513626"/>
+          </a:xfrm>
+          <a:prstGeom prst="rect">
+            <a:avLst/>
+          </a:prstGeom>
+          <a:solidFill>
+            <a:srgbClr val="00576E"/>
+          </a:solidFill>
+        </p:spPr>
+        <p:style>
+          <a:lnRef idx="2">
+            <a:schemeClr val="accent1">
+              <a:shade val="50000"/>
+            </a:schemeClr>
+          </a:lnRef>
+          <a:fillRef idx="1">
+            <a:schemeClr val="accent1"/>
+          </a:fillRef>
+          <a:effectRef idx="0">
+            <a:schemeClr val="accent1"/>
+          </a:effectRef>
+          <a:fontRef idx="minor">
+            <a:schemeClr val="lt1"/>
+          </a:fontRef>
+        </p:style>
+        <p:txBody>
+          <a:bodyPr rtlCol="0" anchor="ctr"/>
+          <a:lstStyle/>
+          <a:p>
+            <a:pPr algn="ctr"/>
+            <a:endParaRPr lang="zh-CN" altLang="en-US">
+              <a:latin typeface="Consolas" panose="020B0609020204030204" pitchFamily="49" charset="0"/>
+            </a:endParaRPr>
+          </a:p>
+        </p:txBody>
+      </p:sp>
+      <p:sp>
+        <p:nvSpPr>
+          <p:cNvPr id="241" name="文本框 240">
+            <a:extLst>
+              <a:ext uri="{FF2B5EF4-FFF2-40B4-BE49-F238E27FC236}">
+                <a16:creationId xmlns:a16="http://schemas.microsoft.com/office/drawing/2014/main" id="{90ABBAE7-6707-4A6F-819E-32C1CFD4250B}"/>
+              </a:ext>
+            </a:extLst>
+          </p:cNvPr>
+          <p:cNvSpPr txBox="1"/>
+          <p:nvPr/>
+        </p:nvSpPr>
+        <p:spPr>
+          <a:xfrm>
+            <a:off x="712379" y="173975"/>
+            <a:ext cx="2236510" cy="584775"/>
+          </a:xfrm>
+          <a:prstGeom prst="rect">
+            <a:avLst/>
+          </a:prstGeom>
+          <a:noFill/>
+        </p:spPr>
+        <p:txBody>
+          <a:bodyPr wrap="none" rtlCol="0">
+            <a:spAutoFit/>
+          </a:bodyPr>
+          <a:lstStyle/>
+          <a:p>
+            <a:r>
+              <a:rPr lang="zh-CN" altLang="en-US" sz="3200" b="1">
+                <a:latin typeface="Consolas" panose="020B0609020204030204" pitchFamily="49" charset="0"/>
+                <a:ea typeface="微软雅黑" panose="020B0503020204020204" pitchFamily="34" charset="-122"/>
+              </a:rPr>
+              <a:t>出售及撤销</a:t>
+            </a:r>
+          </a:p>
+        </p:txBody>
+      </p:sp>
+      <p:sp>
+        <p:nvSpPr>
+          <p:cNvPr id="49" name="矩形: 圆角 48">
+            <a:extLst>
+              <a:ext uri="{FF2B5EF4-FFF2-40B4-BE49-F238E27FC236}">
+                <a16:creationId xmlns:a16="http://schemas.microsoft.com/office/drawing/2014/main" id="{412BE305-D42D-4A74-94DC-D1DE6FBE1C09}"/>
+              </a:ext>
+            </a:extLst>
+          </p:cNvPr>
+          <p:cNvSpPr/>
+          <p:nvPr/>
+        </p:nvSpPr>
+        <p:spPr>
+          <a:xfrm>
+            <a:off x="804989" y="2966880"/>
+            <a:ext cx="1080000" cy="432000"/>
+          </a:xfrm>
+          <a:prstGeom prst="roundRect">
+            <a:avLst/>
+          </a:prstGeom>
+          <a:solidFill>
+            <a:srgbClr val="00B0F0"/>
+          </a:solidFill>
+          <a:ln>
+            <a:solidFill>
+              <a:schemeClr val="tx1"/>
+            </a:solidFill>
+          </a:ln>
+        </p:spPr>
+        <p:style>
+          <a:lnRef idx="2">
+            <a:schemeClr val="accent1">
+              <a:shade val="50000"/>
+            </a:schemeClr>
+          </a:lnRef>
+          <a:fillRef idx="1">
+            <a:schemeClr val="accent1"/>
+          </a:fillRef>
+          <a:effectRef idx="0">
+            <a:schemeClr val="accent1"/>
+          </a:effectRef>
+          <a:fontRef idx="minor">
+            <a:schemeClr val="lt1"/>
+          </a:fontRef>
+        </p:style>
+        <p:txBody>
+          <a:bodyPr wrap="none" lIns="36000" tIns="36000" rIns="36000" bIns="36000" rtlCol="0" anchor="ctr" anchorCtr="0"/>
+          <a:lstStyle/>
+          <a:p>
+            <a:pPr algn="ctr"/>
+            <a:r>
+              <a:rPr lang="zh-CN" altLang="en-US" sz="1600" b="1">
+                <a:solidFill>
+                  <a:schemeClr val="tx1"/>
+                </a:solidFill>
+                <a:latin typeface="微软雅黑" panose="020B0503020204020204" pitchFamily="34" charset="-122"/>
+                <a:ea typeface="微软雅黑" panose="020B0503020204020204" pitchFamily="34" charset="-122"/>
+              </a:rPr>
+              <a:t>商家</a:t>
+            </a:r>
+          </a:p>
+        </p:txBody>
+      </p:sp>
+      <p:cxnSp>
+        <p:nvCxnSpPr>
+          <p:cNvPr id="51" name="直接箭头连接符 50">
+            <a:extLst>
+              <a:ext uri="{FF2B5EF4-FFF2-40B4-BE49-F238E27FC236}">
+                <a16:creationId xmlns:a16="http://schemas.microsoft.com/office/drawing/2014/main" id="{B26E3E05-7D02-4551-9073-5CBF0CA8489A}"/>
+              </a:ext>
+            </a:extLst>
+          </p:cNvPr>
+          <p:cNvCxnSpPr>
+            <a:cxnSpLocks/>
+            <a:stCxn id="34" idx="3"/>
+            <a:endCxn id="31" idx="1"/>
+          </p:cNvCxnSpPr>
+          <p:nvPr/>
+        </p:nvCxnSpPr>
+        <p:spPr>
+          <a:xfrm>
+            <a:off x="4380428" y="4326871"/>
+            <a:ext cx="686879" cy="0"/>
+          </a:xfrm>
+          <a:prstGeom prst="straightConnector1">
+            <a:avLst/>
+          </a:prstGeom>
+          <a:ln w="31750">
+            <a:solidFill>
+              <a:schemeClr val="tx1"/>
+            </a:solidFill>
+            <a:tailEnd type="triangle"/>
+          </a:ln>
+        </p:spPr>
+        <p:style>
+          <a:lnRef idx="1">
+            <a:schemeClr val="accent1"/>
+          </a:lnRef>
+          <a:fillRef idx="0">
+            <a:schemeClr val="accent1"/>
+          </a:fillRef>
+          <a:effectRef idx="0">
+            <a:schemeClr val="accent1"/>
+          </a:effectRef>
+          <a:fontRef idx="minor">
+            <a:schemeClr val="tx1"/>
+          </a:fontRef>
+        </p:style>
+      </p:cxnSp>
+      <p:sp>
+        <p:nvSpPr>
+          <p:cNvPr id="52" name="矩形: 圆角 51">
+            <a:extLst>
+              <a:ext uri="{FF2B5EF4-FFF2-40B4-BE49-F238E27FC236}">
+                <a16:creationId xmlns:a16="http://schemas.microsoft.com/office/drawing/2014/main" id="{47091E74-4263-45AC-96A0-F48249A1428D}"/>
+              </a:ext>
+            </a:extLst>
+          </p:cNvPr>
+          <p:cNvSpPr/>
+          <p:nvPr/>
+        </p:nvSpPr>
+        <p:spPr>
+          <a:xfrm>
+            <a:off x="2814428" y="2894880"/>
+            <a:ext cx="1620000" cy="576000"/>
+          </a:xfrm>
+          <a:prstGeom prst="roundRect">
+            <a:avLst/>
+          </a:prstGeom>
+          <a:solidFill>
+            <a:schemeClr val="bg1"/>
+          </a:solidFill>
+          <a:ln>
+            <a:solidFill>
+              <a:schemeClr val="tx1"/>
+            </a:solidFill>
+          </a:ln>
+        </p:spPr>
+        <p:style>
+          <a:lnRef idx="2">
+            <a:schemeClr val="accent1">
+              <a:shade val="50000"/>
+            </a:schemeClr>
+          </a:lnRef>
+          <a:fillRef idx="1">
+            <a:schemeClr val="accent1"/>
+          </a:fillRef>
+          <a:effectRef idx="0">
+            <a:schemeClr val="accent1"/>
+          </a:effectRef>
+          <a:fontRef idx="minor">
+            <a:schemeClr val="lt1"/>
+          </a:fontRef>
+        </p:style>
+        <p:txBody>
+          <a:bodyPr wrap="none" lIns="36000" tIns="36000" rIns="36000" bIns="36000" rtlCol="0" anchor="ctr" anchorCtr="0"/>
+          <a:lstStyle/>
+          <a:p>
+            <a:pPr algn="ctr"/>
+            <a:r>
+              <a:rPr lang="zh-CN" altLang="en-US" sz="1600" b="1">
+                <a:solidFill>
+                  <a:schemeClr val="tx1"/>
+                </a:solidFill>
+                <a:latin typeface="微软雅黑" panose="020B0503020204020204" pitchFamily="34" charset="-122"/>
+                <a:ea typeface="微软雅黑" panose="020B0503020204020204" pitchFamily="34" charset="-122"/>
+              </a:rPr>
+              <a:t>场外支付</a:t>
+            </a:r>
+          </a:p>
+        </p:txBody>
+      </p:sp>
+      <p:cxnSp>
+        <p:nvCxnSpPr>
+          <p:cNvPr id="53" name="直接箭头连接符 52">
+            <a:extLst>
+              <a:ext uri="{FF2B5EF4-FFF2-40B4-BE49-F238E27FC236}">
+                <a16:creationId xmlns:a16="http://schemas.microsoft.com/office/drawing/2014/main" id="{34743039-6C7C-4A83-9F14-70E4F511ACFC}"/>
+              </a:ext>
+            </a:extLst>
+          </p:cNvPr>
+          <p:cNvCxnSpPr>
+            <a:cxnSpLocks/>
+            <a:stCxn id="49" idx="3"/>
+            <a:endCxn id="52" idx="1"/>
+          </p:cNvCxnSpPr>
+          <p:nvPr/>
+        </p:nvCxnSpPr>
+        <p:spPr>
+          <a:xfrm>
+            <a:off x="1884989" y="3182880"/>
+            <a:ext cx="929439" cy="0"/>
+          </a:xfrm>
+          <a:prstGeom prst="straightConnector1">
+            <a:avLst/>
+          </a:prstGeom>
+          <a:ln w="31750">
+            <a:solidFill>
+              <a:schemeClr val="tx1"/>
+            </a:solidFill>
+            <a:tailEnd type="triangle"/>
+          </a:ln>
+        </p:spPr>
+        <p:style>
+          <a:lnRef idx="1">
+            <a:schemeClr val="accent1"/>
+          </a:lnRef>
+          <a:fillRef idx="0">
+            <a:schemeClr val="accent1"/>
+          </a:fillRef>
+          <a:effectRef idx="0">
+            <a:schemeClr val="accent1"/>
+          </a:effectRef>
+          <a:fontRef idx="minor">
+            <a:schemeClr val="tx1"/>
+          </a:fontRef>
+        </p:style>
+      </p:cxnSp>
+      <p:sp>
+        <p:nvSpPr>
+          <p:cNvPr id="55" name="矩形: 圆角 54">
+            <a:extLst>
+              <a:ext uri="{FF2B5EF4-FFF2-40B4-BE49-F238E27FC236}">
+                <a16:creationId xmlns:a16="http://schemas.microsoft.com/office/drawing/2014/main" id="{51E46C4A-7DFB-40C1-B3C2-2F680522A617}"/>
+              </a:ext>
+            </a:extLst>
+          </p:cNvPr>
+          <p:cNvSpPr/>
+          <p:nvPr/>
+        </p:nvSpPr>
+        <p:spPr>
+          <a:xfrm>
+            <a:off x="7402725" y="4110871"/>
+            <a:ext cx="1080000" cy="432000"/>
+          </a:xfrm>
+          <a:prstGeom prst="roundRect">
+            <a:avLst/>
+          </a:prstGeom>
+          <a:solidFill>
+            <a:srgbClr val="00B0F0"/>
+          </a:solidFill>
+          <a:ln>
+            <a:solidFill>
+              <a:schemeClr val="tx1"/>
+            </a:solidFill>
+          </a:ln>
+        </p:spPr>
+        <p:style>
+          <a:lnRef idx="2">
+            <a:schemeClr val="accent1">
+              <a:shade val="50000"/>
+            </a:schemeClr>
+          </a:lnRef>
+          <a:fillRef idx="1">
+            <a:schemeClr val="accent1"/>
+          </a:fillRef>
+          <a:effectRef idx="0">
+            <a:schemeClr val="accent1"/>
+          </a:effectRef>
+          <a:fontRef idx="minor">
+            <a:schemeClr val="lt1"/>
+          </a:fontRef>
+        </p:style>
+        <p:txBody>
+          <a:bodyPr wrap="none" lIns="36000" tIns="36000" rIns="36000" bIns="36000" rtlCol="0" anchor="ctr" anchorCtr="0"/>
+          <a:lstStyle/>
+          <a:p>
+            <a:pPr algn="ctr"/>
+            <a:r>
+              <a:rPr lang="zh-CN" altLang="en-US" sz="1600" b="1">
+                <a:solidFill>
+                  <a:schemeClr val="tx1"/>
+                </a:solidFill>
+                <a:latin typeface="微软雅黑" panose="020B0503020204020204" pitchFamily="34" charset="-122"/>
+                <a:ea typeface="微软雅黑" panose="020B0503020204020204" pitchFamily="34" charset="-122"/>
+              </a:rPr>
+              <a:t>客户</a:t>
+            </a:r>
+          </a:p>
+        </p:txBody>
+      </p:sp>
+      <p:sp>
+        <p:nvSpPr>
+          <p:cNvPr id="57" name="矩形: 圆角 56">
+            <a:extLst>
+              <a:ext uri="{FF2B5EF4-FFF2-40B4-BE49-F238E27FC236}">
+                <a16:creationId xmlns:a16="http://schemas.microsoft.com/office/drawing/2014/main" id="{65E9B693-9316-4E9F-82F7-2796C6B9FCD2}"/>
+              </a:ext>
+            </a:extLst>
+          </p:cNvPr>
+          <p:cNvSpPr/>
+          <p:nvPr/>
+        </p:nvSpPr>
+        <p:spPr>
+          <a:xfrm>
+            <a:off x="804989" y="1549755"/>
+            <a:ext cx="1080000" cy="432000"/>
+          </a:xfrm>
+          <a:prstGeom prst="roundRect">
+            <a:avLst/>
+          </a:prstGeom>
+          <a:solidFill>
+            <a:srgbClr val="00B0F0"/>
+          </a:solidFill>
+          <a:ln>
+            <a:solidFill>
+              <a:schemeClr val="tx1"/>
+            </a:solidFill>
+          </a:ln>
+        </p:spPr>
+        <p:style>
+          <a:lnRef idx="2">
+            <a:schemeClr val="accent1">
+              <a:shade val="50000"/>
+            </a:schemeClr>
+          </a:lnRef>
+          <a:fillRef idx="1">
+            <a:schemeClr val="accent1"/>
+          </a:fillRef>
+          <a:effectRef idx="0">
+            <a:schemeClr val="accent1"/>
+          </a:effectRef>
+          <a:fontRef idx="minor">
+            <a:schemeClr val="lt1"/>
+          </a:fontRef>
+        </p:style>
+        <p:txBody>
+          <a:bodyPr wrap="none" lIns="36000" tIns="36000" rIns="36000" bIns="36000" rtlCol="0" anchor="ctr" anchorCtr="0"/>
+          <a:lstStyle/>
+          <a:p>
+            <a:pPr algn="ctr"/>
+            <a:r>
+              <a:rPr lang="zh-CN" altLang="en-US" sz="1600" b="1">
+                <a:solidFill>
+                  <a:schemeClr val="tx1"/>
+                </a:solidFill>
+                <a:latin typeface="微软雅黑" panose="020B0503020204020204" pitchFamily="34" charset="-122"/>
+                <a:ea typeface="微软雅黑" panose="020B0503020204020204" pitchFamily="34" charset="-122"/>
+              </a:rPr>
+              <a:t>客户</a:t>
+            </a:r>
+          </a:p>
+        </p:txBody>
+      </p:sp>
+      <p:sp>
+        <p:nvSpPr>
+          <p:cNvPr id="58" name="矩形: 圆角 57">
+            <a:extLst>
+              <a:ext uri="{FF2B5EF4-FFF2-40B4-BE49-F238E27FC236}">
+                <a16:creationId xmlns:a16="http://schemas.microsoft.com/office/drawing/2014/main" id="{1A415BD8-5740-4984-A8EF-0B45AE86E344}"/>
+              </a:ext>
+            </a:extLst>
+          </p:cNvPr>
+          <p:cNvSpPr/>
+          <p:nvPr/>
+        </p:nvSpPr>
+        <p:spPr>
+          <a:xfrm>
+            <a:off x="2868428" y="1441755"/>
+            <a:ext cx="1512000" cy="648000"/>
+          </a:xfrm>
+          <a:prstGeom prst="roundRect">
+            <a:avLst/>
+          </a:prstGeom>
+          <a:solidFill>
+            <a:srgbClr val="00B050"/>
+          </a:solidFill>
+          <a:ln>
+            <a:solidFill>
+              <a:schemeClr val="tx1"/>
+            </a:solidFill>
+          </a:ln>
+        </p:spPr>
+        <p:style>
+          <a:lnRef idx="2">
+            <a:schemeClr val="accent1">
+              <a:shade val="50000"/>
+            </a:schemeClr>
+          </a:lnRef>
+          <a:fillRef idx="1">
+            <a:schemeClr val="accent1"/>
+          </a:fillRef>
+          <a:effectRef idx="0">
+            <a:schemeClr val="accent1"/>
+          </a:effectRef>
+          <a:fontRef idx="minor">
+            <a:schemeClr val="lt1"/>
+          </a:fontRef>
+        </p:style>
+        <p:txBody>
+          <a:bodyPr wrap="none" lIns="36000" tIns="36000" rIns="36000" bIns="36000" rtlCol="0" anchor="ctr" anchorCtr="0"/>
+          <a:lstStyle/>
+          <a:p>
+            <a:pPr algn="ctr"/>
+            <a:r>
+              <a:rPr lang="zh-CN" altLang="en-US" sz="1600" b="1">
+                <a:solidFill>
+                  <a:schemeClr val="tx1"/>
+                </a:solidFill>
+                <a:latin typeface="微软雅黑" panose="020B0503020204020204" pitchFamily="34" charset="-122"/>
+                <a:ea typeface="微软雅黑" panose="020B0503020204020204" pitchFamily="34" charset="-122"/>
+              </a:rPr>
+              <a:t>出售</a:t>
+            </a:r>
+            <a:endParaRPr lang="en-US" altLang="zh-CN" sz="1600" b="1">
+              <a:solidFill>
+                <a:schemeClr val="tx1"/>
+              </a:solidFill>
+              <a:latin typeface="微软雅黑" panose="020B0503020204020204" pitchFamily="34" charset="-122"/>
+              <a:ea typeface="微软雅黑" panose="020B0503020204020204" pitchFamily="34" charset="-122"/>
+            </a:endParaRPr>
+          </a:p>
+          <a:p>
+            <a:pPr algn="ctr"/>
+            <a:r>
+              <a:rPr lang="en-US" altLang="zh-CN" sz="1600" b="1">
+                <a:solidFill>
+                  <a:schemeClr val="tx1"/>
+                </a:solidFill>
+                <a:latin typeface="微软雅黑" panose="020B0503020204020204" pitchFamily="34" charset="-122"/>
+                <a:ea typeface="微软雅黑" panose="020B0503020204020204" pitchFamily="34" charset="-122"/>
+              </a:rPr>
+              <a:t>sell</a:t>
+            </a:r>
+            <a:endParaRPr lang="zh-CN" altLang="en-US" sz="1600" b="1">
+              <a:solidFill>
+                <a:schemeClr val="tx1"/>
+              </a:solidFill>
+              <a:latin typeface="微软雅黑" panose="020B0503020204020204" pitchFamily="34" charset="-122"/>
+              <a:ea typeface="微软雅黑" panose="020B0503020204020204" pitchFamily="34" charset="-122"/>
+            </a:endParaRPr>
+          </a:p>
+        </p:txBody>
+      </p:sp>
+      <p:cxnSp>
+        <p:nvCxnSpPr>
+          <p:cNvPr id="59" name="直接箭头连接符 58">
+            <a:extLst>
+              <a:ext uri="{FF2B5EF4-FFF2-40B4-BE49-F238E27FC236}">
+                <a16:creationId xmlns:a16="http://schemas.microsoft.com/office/drawing/2014/main" id="{E8CE606D-E7F8-4193-A90B-32217CC6FE96}"/>
+              </a:ext>
+            </a:extLst>
+          </p:cNvPr>
+          <p:cNvCxnSpPr>
+            <a:cxnSpLocks/>
+            <a:stCxn id="58" idx="3"/>
+            <a:endCxn id="60" idx="1"/>
+          </p:cNvCxnSpPr>
+          <p:nvPr/>
+        </p:nvCxnSpPr>
+        <p:spPr>
+          <a:xfrm>
+            <a:off x="4380428" y="1765755"/>
+            <a:ext cx="2482297" cy="0"/>
+          </a:xfrm>
+          <a:prstGeom prst="straightConnector1">
+            <a:avLst/>
+          </a:prstGeom>
+          <a:ln w="31750">
+            <a:solidFill>
+              <a:schemeClr val="tx1"/>
+            </a:solidFill>
+            <a:tailEnd type="triangle"/>
+          </a:ln>
+        </p:spPr>
+        <p:style>
+          <a:lnRef idx="1">
+            <a:schemeClr val="accent1"/>
+          </a:lnRef>
+          <a:fillRef idx="0">
+            <a:schemeClr val="accent1"/>
+          </a:fillRef>
+          <a:effectRef idx="0">
+            <a:schemeClr val="accent1"/>
+          </a:effectRef>
+          <a:fontRef idx="minor">
+            <a:schemeClr val="tx1"/>
+          </a:fontRef>
+        </p:style>
+      </p:cxnSp>
+      <p:sp>
+        <p:nvSpPr>
+          <p:cNvPr id="60" name="矩形: 圆角 59">
+            <a:extLst>
+              <a:ext uri="{FF2B5EF4-FFF2-40B4-BE49-F238E27FC236}">
+                <a16:creationId xmlns:a16="http://schemas.microsoft.com/office/drawing/2014/main" id="{439E5E02-6BA2-41DE-AC3B-ECEDEFD1F385}"/>
+              </a:ext>
+            </a:extLst>
+          </p:cNvPr>
+          <p:cNvSpPr/>
+          <p:nvPr/>
+        </p:nvSpPr>
+        <p:spPr>
+          <a:xfrm>
+            <a:off x="6862725" y="1477755"/>
+            <a:ext cx="1620000" cy="576000"/>
+          </a:xfrm>
+          <a:prstGeom prst="roundRect">
+            <a:avLst/>
+          </a:prstGeom>
+          <a:solidFill>
+            <a:schemeClr val="bg1"/>
+          </a:solidFill>
+          <a:ln>
+            <a:solidFill>
+              <a:schemeClr val="tx1"/>
+            </a:solidFill>
+          </a:ln>
+        </p:spPr>
+        <p:style>
+          <a:lnRef idx="2">
+            <a:schemeClr val="accent1">
+              <a:shade val="50000"/>
+            </a:schemeClr>
+          </a:lnRef>
+          <a:fillRef idx="1">
+            <a:schemeClr val="accent1"/>
+          </a:fillRef>
+          <a:effectRef idx="0">
+            <a:schemeClr val="accent1"/>
+          </a:effectRef>
+          <a:fontRef idx="minor">
+            <a:schemeClr val="lt1"/>
+          </a:fontRef>
+        </p:style>
+        <p:txBody>
+          <a:bodyPr wrap="none" lIns="36000" tIns="36000" rIns="36000" bIns="36000" rtlCol="0" anchor="ctr" anchorCtr="0"/>
+          <a:lstStyle/>
+          <a:p>
+            <a:pPr algn="ctr"/>
+            <a:r>
+              <a:rPr lang="zh-CN" altLang="en-US" sz="1600" b="1">
+                <a:solidFill>
+                  <a:schemeClr val="tx1"/>
+                </a:solidFill>
+                <a:latin typeface="微软雅黑" panose="020B0503020204020204" pitchFamily="34" charset="-122"/>
+                <a:ea typeface="微软雅黑" panose="020B0503020204020204" pitchFamily="34" charset="-122"/>
+              </a:rPr>
+              <a:t>转账给合约账户</a:t>
+            </a:r>
+          </a:p>
+        </p:txBody>
+      </p:sp>
+      <p:cxnSp>
+        <p:nvCxnSpPr>
+          <p:cNvPr id="62" name="直接箭头连接符 61">
+            <a:extLst>
+              <a:ext uri="{FF2B5EF4-FFF2-40B4-BE49-F238E27FC236}">
+                <a16:creationId xmlns:a16="http://schemas.microsoft.com/office/drawing/2014/main" id="{5E333993-C0A6-4C5E-86E9-7F2027329CE7}"/>
+              </a:ext>
+            </a:extLst>
+          </p:cNvPr>
+          <p:cNvCxnSpPr>
+            <a:cxnSpLocks/>
+            <a:stCxn id="57" idx="3"/>
+            <a:endCxn id="58" idx="1"/>
+          </p:cNvCxnSpPr>
+          <p:nvPr/>
+        </p:nvCxnSpPr>
+        <p:spPr>
+          <a:xfrm>
+            <a:off x="1884989" y="1765755"/>
+            <a:ext cx="983439" cy="0"/>
+          </a:xfrm>
+          <a:prstGeom prst="straightConnector1">
+            <a:avLst/>
+          </a:prstGeom>
+          <a:ln w="31750">
+            <a:solidFill>
+              <a:schemeClr val="tx1"/>
+            </a:solidFill>
+            <a:tailEnd type="triangle"/>
+          </a:ln>
+        </p:spPr>
+        <p:style>
+          <a:lnRef idx="1">
+            <a:schemeClr val="accent1"/>
+          </a:lnRef>
+          <a:fillRef idx="0">
+            <a:schemeClr val="accent1"/>
+          </a:fillRef>
+          <a:effectRef idx="0">
+            <a:schemeClr val="accent1"/>
+          </a:effectRef>
+          <a:fontRef idx="minor">
+            <a:schemeClr val="tx1"/>
+          </a:fontRef>
+        </p:style>
+      </p:cxnSp>
+      <p:sp>
+        <p:nvSpPr>
+          <p:cNvPr id="34" name="矩形: 圆角 33">
+            <a:extLst>
+              <a:ext uri="{FF2B5EF4-FFF2-40B4-BE49-F238E27FC236}">
+                <a16:creationId xmlns:a16="http://schemas.microsoft.com/office/drawing/2014/main" id="{8868123B-109E-4A9F-8E31-973B05EF89EF}"/>
+              </a:ext>
+            </a:extLst>
+          </p:cNvPr>
+          <p:cNvSpPr/>
+          <p:nvPr/>
+        </p:nvSpPr>
+        <p:spPr>
+          <a:xfrm>
+            <a:off x="2868428" y="4002871"/>
+            <a:ext cx="1512000" cy="648000"/>
+          </a:xfrm>
+          <a:prstGeom prst="roundRect">
+            <a:avLst/>
+          </a:prstGeom>
+          <a:solidFill>
+            <a:srgbClr val="00B050"/>
+          </a:solidFill>
+          <a:ln>
+            <a:solidFill>
+              <a:schemeClr val="tx1"/>
+            </a:solidFill>
+          </a:ln>
+        </p:spPr>
+        <p:style>
+          <a:lnRef idx="2">
+            <a:schemeClr val="accent1">
+              <a:shade val="50000"/>
+            </a:schemeClr>
+          </a:lnRef>
+          <a:fillRef idx="1">
+            <a:schemeClr val="accent1"/>
+          </a:fillRef>
+          <a:effectRef idx="0">
+            <a:schemeClr val="accent1"/>
+          </a:effectRef>
+          <a:fontRef idx="minor">
+            <a:schemeClr val="lt1"/>
+          </a:fontRef>
+        </p:style>
+        <p:txBody>
+          <a:bodyPr wrap="none" lIns="36000" tIns="36000" rIns="36000" bIns="36000" rtlCol="0" anchor="ctr" anchorCtr="0"/>
+          <a:lstStyle/>
+          <a:p>
+            <a:pPr algn="ctr"/>
+            <a:r>
+              <a:rPr lang="zh-CN" altLang="en-US" sz="1600" b="1">
+                <a:solidFill>
+                  <a:schemeClr val="tx1"/>
+                </a:solidFill>
+                <a:latin typeface="微软雅黑" panose="020B0503020204020204" pitchFamily="34" charset="-122"/>
+                <a:ea typeface="微软雅黑" panose="020B0503020204020204" pitchFamily="34" charset="-122"/>
+              </a:rPr>
+              <a:t>确认出售</a:t>
+            </a:r>
+            <a:endParaRPr lang="en-US" altLang="zh-CN" sz="1600" b="1">
+              <a:solidFill>
+                <a:schemeClr val="tx1"/>
+              </a:solidFill>
+              <a:latin typeface="微软雅黑" panose="020B0503020204020204" pitchFamily="34" charset="-122"/>
+              <a:ea typeface="微软雅黑" panose="020B0503020204020204" pitchFamily="34" charset="-122"/>
+            </a:endParaRPr>
+          </a:p>
+          <a:p>
+            <a:pPr algn="ctr"/>
+            <a:r>
+              <a:rPr lang="en-US" altLang="zh-CN" sz="1600" b="1">
+                <a:solidFill>
+                  <a:schemeClr val="tx1"/>
+                </a:solidFill>
+                <a:latin typeface="微软雅黑" panose="020B0503020204020204" pitchFamily="34" charset="-122"/>
+                <a:ea typeface="微软雅黑" panose="020B0503020204020204" pitchFamily="34" charset="-122"/>
+              </a:rPr>
+              <a:t>confirm_sell</a:t>
+            </a:r>
+            <a:endParaRPr lang="zh-CN" altLang="en-US" sz="1600" b="1">
+              <a:solidFill>
+                <a:schemeClr val="tx1"/>
+              </a:solidFill>
+              <a:latin typeface="微软雅黑" panose="020B0503020204020204" pitchFamily="34" charset="-122"/>
+              <a:ea typeface="微软雅黑" panose="020B0503020204020204" pitchFamily="34" charset="-122"/>
+            </a:endParaRPr>
+          </a:p>
+        </p:txBody>
+      </p:sp>
+      <p:cxnSp>
+        <p:nvCxnSpPr>
+          <p:cNvPr id="35" name="直接箭头连接符 34">
+            <a:extLst>
+              <a:ext uri="{FF2B5EF4-FFF2-40B4-BE49-F238E27FC236}">
+                <a16:creationId xmlns:a16="http://schemas.microsoft.com/office/drawing/2014/main" id="{DD8FB0D5-3E4D-4843-B59D-8853752077EA}"/>
+              </a:ext>
+            </a:extLst>
+          </p:cNvPr>
+          <p:cNvCxnSpPr>
+            <a:cxnSpLocks/>
+            <a:stCxn id="52" idx="2"/>
+            <a:endCxn id="34" idx="0"/>
+          </p:cNvCxnSpPr>
+          <p:nvPr/>
+        </p:nvCxnSpPr>
+        <p:spPr>
+          <a:xfrm>
+            <a:off x="3624428" y="3470880"/>
+            <a:ext cx="0" cy="531991"/>
+          </a:xfrm>
+          <a:prstGeom prst="straightConnector1">
+            <a:avLst/>
+          </a:prstGeom>
+          <a:ln w="31750">
+            <a:solidFill>
+              <a:schemeClr val="tx1"/>
+            </a:solidFill>
+            <a:tailEnd type="triangle"/>
+          </a:ln>
+        </p:spPr>
+        <p:style>
+          <a:lnRef idx="1">
+            <a:schemeClr val="accent1"/>
+          </a:lnRef>
+          <a:fillRef idx="0">
+            <a:schemeClr val="accent1"/>
+          </a:fillRef>
+          <a:effectRef idx="0">
+            <a:schemeClr val="accent1"/>
+          </a:effectRef>
+          <a:fontRef idx="minor">
+            <a:schemeClr val="tx1"/>
+          </a:fontRef>
+        </p:style>
+      </p:cxnSp>
+      <p:cxnSp>
+        <p:nvCxnSpPr>
+          <p:cNvPr id="27" name="直接箭头连接符 26">
+            <a:extLst>
+              <a:ext uri="{FF2B5EF4-FFF2-40B4-BE49-F238E27FC236}">
+                <a16:creationId xmlns:a16="http://schemas.microsoft.com/office/drawing/2014/main" id="{848F891A-B509-4AB0-B91A-D6F52D2CCEB6}"/>
+              </a:ext>
+            </a:extLst>
+          </p:cNvPr>
+          <p:cNvCxnSpPr>
+            <a:cxnSpLocks/>
+            <a:stCxn id="55" idx="3"/>
+            <a:endCxn id="54" idx="1"/>
+          </p:cNvCxnSpPr>
+          <p:nvPr/>
+        </p:nvCxnSpPr>
+        <p:spPr>
+          <a:xfrm flipV="1">
+            <a:off x="8482725" y="3882137"/>
+            <a:ext cx="1332021" cy="444734"/>
+          </a:xfrm>
+          <a:prstGeom prst="straightConnector1">
+            <a:avLst/>
+          </a:prstGeom>
+          <a:ln w="57150">
+            <a:solidFill>
+              <a:srgbClr val="FFC000"/>
+            </a:solidFill>
+            <a:tailEnd type="triangle"/>
+          </a:ln>
+        </p:spPr>
+        <p:style>
+          <a:lnRef idx="1">
+            <a:schemeClr val="accent1"/>
+          </a:lnRef>
+          <a:fillRef idx="0">
+            <a:schemeClr val="accent1"/>
+          </a:fillRef>
+          <a:effectRef idx="0">
+            <a:schemeClr val="accent1"/>
+          </a:effectRef>
+          <a:fontRef idx="minor">
+            <a:schemeClr val="tx1"/>
+          </a:fontRef>
+        </p:style>
+      </p:cxnSp>
+      <p:cxnSp>
+        <p:nvCxnSpPr>
+          <p:cNvPr id="29" name="直接箭头连接符 28">
+            <a:extLst>
+              <a:ext uri="{FF2B5EF4-FFF2-40B4-BE49-F238E27FC236}">
+                <a16:creationId xmlns:a16="http://schemas.microsoft.com/office/drawing/2014/main" id="{F37CC6C4-2015-45DA-B730-929041DEC6E9}"/>
+              </a:ext>
+            </a:extLst>
+          </p:cNvPr>
+          <p:cNvCxnSpPr>
+            <a:cxnSpLocks/>
+            <a:stCxn id="60" idx="3"/>
+            <a:endCxn id="30" idx="1"/>
+          </p:cNvCxnSpPr>
+          <p:nvPr/>
+        </p:nvCxnSpPr>
+        <p:spPr>
+          <a:xfrm>
+            <a:off x="8482725" y="1765755"/>
+            <a:ext cx="1332021" cy="0"/>
+          </a:xfrm>
+          <a:prstGeom prst="straightConnector1">
+            <a:avLst/>
+          </a:prstGeom>
+          <a:ln w="57150">
+            <a:solidFill>
+              <a:srgbClr val="FFC000"/>
+            </a:solidFill>
+            <a:tailEnd type="triangle"/>
+          </a:ln>
+        </p:spPr>
+        <p:style>
+          <a:lnRef idx="1">
+            <a:schemeClr val="accent1"/>
+          </a:lnRef>
+          <a:fillRef idx="0">
+            <a:schemeClr val="accent1"/>
+          </a:fillRef>
+          <a:effectRef idx="0">
+            <a:schemeClr val="accent1"/>
+          </a:effectRef>
+          <a:fontRef idx="minor">
+            <a:schemeClr val="tx1"/>
+          </a:fontRef>
+        </p:style>
+      </p:cxnSp>
+      <p:sp>
+        <p:nvSpPr>
+          <p:cNvPr id="30" name="矩形: 圆角 29">
+            <a:extLst>
+              <a:ext uri="{FF2B5EF4-FFF2-40B4-BE49-F238E27FC236}">
+                <a16:creationId xmlns:a16="http://schemas.microsoft.com/office/drawing/2014/main" id="{91506958-E49E-4576-BFCF-9A8F00E73CA4}"/>
+              </a:ext>
+            </a:extLst>
+          </p:cNvPr>
+          <p:cNvSpPr/>
+          <p:nvPr/>
+        </p:nvSpPr>
+        <p:spPr>
+          <a:xfrm>
+            <a:off x="9814746" y="1549755"/>
+            <a:ext cx="1728000" cy="432000"/>
+          </a:xfrm>
+          <a:prstGeom prst="roundRect">
+            <a:avLst/>
+          </a:prstGeom>
+          <a:solidFill>
+            <a:schemeClr val="bg1">
+              <a:lumMod val="95000"/>
+            </a:schemeClr>
+          </a:solidFill>
+          <a:ln>
+            <a:solidFill>
+              <a:schemeClr val="tx1"/>
+            </a:solidFill>
+          </a:ln>
+        </p:spPr>
+        <p:style>
+          <a:lnRef idx="2">
+            <a:schemeClr val="accent1">
+              <a:shade val="50000"/>
+            </a:schemeClr>
+          </a:lnRef>
+          <a:fillRef idx="1">
+            <a:schemeClr val="accent1"/>
+          </a:fillRef>
+          <a:effectRef idx="0">
+            <a:schemeClr val="accent1"/>
+          </a:effectRef>
+          <a:fontRef idx="minor">
+            <a:schemeClr val="lt1"/>
+          </a:fontRef>
+        </p:style>
+        <p:txBody>
+          <a:bodyPr wrap="none" lIns="36000" tIns="36000" rIns="36000" bIns="36000" rtlCol="0" anchor="ctr" anchorCtr="0"/>
+          <a:lstStyle/>
+          <a:p>
+            <a:pPr algn="ctr"/>
+            <a:r>
+              <a:rPr lang="zh-CN" altLang="en-US" sz="1600" b="1">
+                <a:solidFill>
+                  <a:schemeClr val="tx1"/>
+                </a:solidFill>
+                <a:latin typeface="微软雅黑" panose="020B0503020204020204" pitchFamily="34" charset="-122"/>
+                <a:ea typeface="微软雅黑" panose="020B0503020204020204" pitchFamily="34" charset="-122"/>
+              </a:rPr>
+              <a:t>出售订单表</a:t>
+            </a:r>
+            <a:endParaRPr lang="en-US" altLang="zh-CN" sz="1600" b="1">
+              <a:solidFill>
+                <a:schemeClr val="tx1"/>
+              </a:solidFill>
+              <a:latin typeface="微软雅黑" panose="020B0503020204020204" pitchFamily="34" charset="-122"/>
+              <a:ea typeface="微软雅黑" panose="020B0503020204020204" pitchFamily="34" charset="-122"/>
+            </a:endParaRPr>
+          </a:p>
+        </p:txBody>
+      </p:sp>
+      <p:cxnSp>
+        <p:nvCxnSpPr>
+          <p:cNvPr id="36" name="直接箭头连接符 35">
+            <a:extLst>
+              <a:ext uri="{FF2B5EF4-FFF2-40B4-BE49-F238E27FC236}">
+                <a16:creationId xmlns:a16="http://schemas.microsoft.com/office/drawing/2014/main" id="{BF60387A-F6EE-4893-B8F0-0EFE87190D14}"/>
+              </a:ext>
+            </a:extLst>
+          </p:cNvPr>
+          <p:cNvCxnSpPr>
+            <a:cxnSpLocks/>
+            <a:stCxn id="55" idx="3"/>
+            <a:endCxn id="56" idx="1"/>
+          </p:cNvCxnSpPr>
+          <p:nvPr/>
+        </p:nvCxnSpPr>
+        <p:spPr>
+          <a:xfrm>
+            <a:off x="8482725" y="4326871"/>
+            <a:ext cx="1332021" cy="419266"/>
+          </a:xfrm>
+          <a:prstGeom prst="straightConnector1">
+            <a:avLst/>
+          </a:prstGeom>
+          <a:ln w="57150">
+            <a:solidFill>
+              <a:srgbClr val="FFC000"/>
+            </a:solidFill>
+            <a:tailEnd type="triangle"/>
+          </a:ln>
+        </p:spPr>
+        <p:style>
+          <a:lnRef idx="1">
+            <a:schemeClr val="accent1"/>
+          </a:lnRef>
+          <a:fillRef idx="0">
+            <a:schemeClr val="accent1"/>
+          </a:fillRef>
+          <a:effectRef idx="0">
+            <a:schemeClr val="accent1"/>
+          </a:effectRef>
+          <a:fontRef idx="minor">
+            <a:schemeClr val="tx1"/>
+          </a:fontRef>
+        </p:style>
+      </p:cxnSp>
+      <p:sp>
+        <p:nvSpPr>
+          <p:cNvPr id="31" name="矩形: 圆角 30">
+            <a:extLst>
+              <a:ext uri="{FF2B5EF4-FFF2-40B4-BE49-F238E27FC236}">
+                <a16:creationId xmlns:a16="http://schemas.microsoft.com/office/drawing/2014/main" id="{F8839106-DECE-45C6-9E14-664D32D5A3EE}"/>
+              </a:ext>
+            </a:extLst>
+          </p:cNvPr>
+          <p:cNvSpPr/>
+          <p:nvPr/>
+        </p:nvSpPr>
+        <p:spPr>
+          <a:xfrm>
+            <a:off x="5067307" y="4038871"/>
+            <a:ext cx="1620000" cy="576000"/>
+          </a:xfrm>
+          <a:prstGeom prst="roundRect">
+            <a:avLst/>
+          </a:prstGeom>
+          <a:solidFill>
+            <a:schemeClr val="bg1"/>
+          </a:solidFill>
+          <a:ln>
+            <a:solidFill>
+              <a:schemeClr val="tx1"/>
+            </a:solidFill>
+          </a:ln>
+        </p:spPr>
+        <p:style>
+          <a:lnRef idx="2">
+            <a:schemeClr val="accent1">
+              <a:shade val="50000"/>
+            </a:schemeClr>
+          </a:lnRef>
+          <a:fillRef idx="1">
+            <a:schemeClr val="accent1"/>
+          </a:fillRef>
+          <a:effectRef idx="0">
+            <a:schemeClr val="accent1"/>
+          </a:effectRef>
+          <a:fontRef idx="minor">
+            <a:schemeClr val="lt1"/>
+          </a:fontRef>
+        </p:style>
+        <p:txBody>
+          <a:bodyPr wrap="none" lIns="36000" tIns="36000" rIns="36000" bIns="36000" rtlCol="0" anchor="ctr" anchorCtr="0"/>
+          <a:lstStyle/>
+          <a:p>
+            <a:pPr algn="ctr"/>
+            <a:r>
+              <a:rPr lang="zh-CN" altLang="en-US" sz="1600" b="1">
+                <a:solidFill>
+                  <a:schemeClr val="tx1"/>
+                </a:solidFill>
+                <a:latin typeface="微软雅黑" panose="020B0503020204020204" pitchFamily="34" charset="-122"/>
+                <a:ea typeface="微软雅黑" panose="020B0503020204020204" pitchFamily="34" charset="-122"/>
+              </a:rPr>
+              <a:t>合约账户转账</a:t>
+            </a:r>
+          </a:p>
+        </p:txBody>
+      </p:sp>
+      <p:cxnSp>
+        <p:nvCxnSpPr>
+          <p:cNvPr id="33" name="直接箭头连接符 32">
+            <a:extLst>
+              <a:ext uri="{FF2B5EF4-FFF2-40B4-BE49-F238E27FC236}">
+                <a16:creationId xmlns:a16="http://schemas.microsoft.com/office/drawing/2014/main" id="{1B8AD120-75B2-45FC-8E87-BAA8FDB1BE8F}"/>
+              </a:ext>
+            </a:extLst>
+          </p:cNvPr>
+          <p:cNvCxnSpPr>
+            <a:cxnSpLocks/>
+            <a:stCxn id="31" idx="3"/>
+            <a:endCxn id="55" idx="1"/>
+          </p:cNvCxnSpPr>
+          <p:nvPr/>
+        </p:nvCxnSpPr>
+        <p:spPr>
+          <a:xfrm>
+            <a:off x="6687307" y="4326871"/>
+            <a:ext cx="715418" cy="0"/>
+          </a:xfrm>
+          <a:prstGeom prst="straightConnector1">
+            <a:avLst/>
+          </a:prstGeom>
+          <a:ln w="31750">
+            <a:solidFill>
+              <a:schemeClr val="tx1"/>
+            </a:solidFill>
+            <a:tailEnd type="triangle"/>
+          </a:ln>
+        </p:spPr>
+        <p:style>
+          <a:lnRef idx="1">
+            <a:schemeClr val="accent1"/>
+          </a:lnRef>
+          <a:fillRef idx="0">
+            <a:schemeClr val="accent1"/>
+          </a:fillRef>
+          <a:effectRef idx="0">
+            <a:schemeClr val="accent1"/>
+          </a:effectRef>
+          <a:fontRef idx="minor">
+            <a:schemeClr val="tx1"/>
+          </a:fontRef>
+        </p:style>
+      </p:cxnSp>
       <p:grpSp>
         <p:nvGrpSpPr>
-          <p:cNvPr id="11" name="组合 10">
-            <a:extLst>
-              <a:ext uri="{FF2B5EF4-FFF2-40B4-BE49-F238E27FC236}">
-                <a16:creationId xmlns:a16="http://schemas.microsoft.com/office/drawing/2014/main" id="{2C5C3309-B9D2-41BF-A7B9-D0C3A5AD8F6C}"/>
+          <p:cNvPr id="50" name="组合 49">
+            <a:extLst>
+              <a:ext uri="{FF2B5EF4-FFF2-40B4-BE49-F238E27FC236}">
+                <a16:creationId xmlns:a16="http://schemas.microsoft.com/office/drawing/2014/main" id="{748F8127-20E9-4BC4-94C2-6FDB1CD00C5B}"/>
               </a:ext>
             </a:extLst>
           </p:cNvPr>
@@ -8240,7 +13043,7 @@
         </p:nvGrpSpPr>
         <p:grpSpPr>
           <a:xfrm>
-            <a:off x="9814746" y="3634022"/>
+            <a:off x="9814746" y="3666137"/>
             <a:ext cx="1728000" cy="1296000"/>
             <a:chOff x="9814746" y="4828341"/>
             <a:chExt cx="1728000" cy="1296000"/>
@@ -8248,10 +13051,10 @@
         </p:grpSpPr>
         <p:sp>
           <p:nvSpPr>
-            <p:cNvPr id="28" name="矩形: 圆角 27">
+            <p:cNvPr id="54" name="矩形: 圆角 53">
               <a:extLst>
                 <a:ext uri="{FF2B5EF4-FFF2-40B4-BE49-F238E27FC236}">
-                  <a16:creationId xmlns:a16="http://schemas.microsoft.com/office/drawing/2014/main" id="{827DBB4E-F9A3-4DE7-8CDA-BBACBCB1E162}"/>
+                  <a16:creationId xmlns:a16="http://schemas.microsoft.com/office/drawing/2014/main" id="{F04CE9E3-51F4-48C5-BD4C-E9A3BA6674D2}"/>
                 </a:ext>
               </a:extLst>
             </p:cNvPr>
@@ -8306,7 +13109,7 @@
                   <a:latin typeface="微软雅黑" panose="020B0503020204020204" pitchFamily="34" charset="-122"/>
                   <a:ea typeface="微软雅黑" panose="020B0503020204020204" pitchFamily="34" charset="-122"/>
                 </a:rPr>
-                <a:t>抵押表</a:t>
+                <a:t>卖单表</a:t>
               </a:r>
               <a:endParaRPr lang="en-US" altLang="zh-CN" sz="1600" b="1">
                 <a:solidFill>
@@ -8320,10 +13123,10 @@
         </p:sp>
         <p:sp>
           <p:nvSpPr>
-            <p:cNvPr id="37" name="矩形: 圆角 36">
+            <p:cNvPr id="56" name="矩形: 圆角 55">
               <a:extLst>
                 <a:ext uri="{FF2B5EF4-FFF2-40B4-BE49-F238E27FC236}">
-                  <a16:creationId xmlns:a16="http://schemas.microsoft.com/office/drawing/2014/main" id="{AA3F2E7A-C257-4797-A65E-719DB4B6551B}"/>
+                  <a16:creationId xmlns:a16="http://schemas.microsoft.com/office/drawing/2014/main" id="{B73641E4-4ACE-4219-BAB6-62914E5C889B}"/>
                 </a:ext>
               </a:extLst>
             </p:cNvPr>
@@ -8378,7 +13181,7 @@
                   <a:latin typeface="微软雅黑" panose="020B0503020204020204" pitchFamily="34" charset="-122"/>
                   <a:ea typeface="微软雅黑" panose="020B0503020204020204" pitchFamily="34" charset="-122"/>
                 </a:rPr>
-                <a:t>订单表</a:t>
+                <a:t>出售订单表</a:t>
               </a:r>
               <a:endParaRPr lang="en-US" altLang="zh-CN" sz="1600" b="1">
                 <a:solidFill>
@@ -8391,10 +13194,436 @@
           </p:txBody>
         </p:sp>
       </p:grpSp>
+      <p:sp>
+        <p:nvSpPr>
+          <p:cNvPr id="61" name="矩形: 圆角 60">
+            <a:extLst>
+              <a:ext uri="{FF2B5EF4-FFF2-40B4-BE49-F238E27FC236}">
+                <a16:creationId xmlns:a16="http://schemas.microsoft.com/office/drawing/2014/main" id="{CE1B17F8-3BA4-4A3F-A0AC-76B0A16CEC93}"/>
+              </a:ext>
+            </a:extLst>
+          </p:cNvPr>
+          <p:cNvSpPr/>
+          <p:nvPr/>
+        </p:nvSpPr>
+        <p:spPr>
+          <a:xfrm>
+            <a:off x="804989" y="5961967"/>
+            <a:ext cx="1080000" cy="432000"/>
+          </a:xfrm>
+          <a:prstGeom prst="roundRect">
+            <a:avLst/>
+          </a:prstGeom>
+          <a:solidFill>
+            <a:srgbClr val="00B0F0"/>
+          </a:solidFill>
+          <a:ln>
+            <a:solidFill>
+              <a:schemeClr val="tx1"/>
+            </a:solidFill>
+          </a:ln>
+        </p:spPr>
+        <p:style>
+          <a:lnRef idx="2">
+            <a:schemeClr val="accent1">
+              <a:shade val="50000"/>
+            </a:schemeClr>
+          </a:lnRef>
+          <a:fillRef idx="1">
+            <a:schemeClr val="accent1"/>
+          </a:fillRef>
+          <a:effectRef idx="0">
+            <a:schemeClr val="accent1"/>
+          </a:effectRef>
+          <a:fontRef idx="minor">
+            <a:schemeClr val="lt1"/>
+          </a:fontRef>
+        </p:style>
+        <p:txBody>
+          <a:bodyPr wrap="none" lIns="36000" tIns="36000" rIns="36000" bIns="36000" rtlCol="0" anchor="ctr" anchorCtr="0"/>
+          <a:lstStyle/>
+          <a:p>
+            <a:pPr algn="ctr"/>
+            <a:r>
+              <a:rPr lang="zh-CN" altLang="en-US" sz="1600" b="1">
+                <a:solidFill>
+                  <a:schemeClr val="tx1"/>
+                </a:solidFill>
+                <a:latin typeface="微软雅黑" panose="020B0503020204020204" pitchFamily="34" charset="-122"/>
+                <a:ea typeface="微软雅黑" panose="020B0503020204020204" pitchFamily="34" charset="-122"/>
+              </a:rPr>
+              <a:t>客户</a:t>
+            </a:r>
+          </a:p>
+        </p:txBody>
+      </p:sp>
+      <p:sp>
+        <p:nvSpPr>
+          <p:cNvPr id="65" name="矩形: 圆角 64">
+            <a:extLst>
+              <a:ext uri="{FF2B5EF4-FFF2-40B4-BE49-F238E27FC236}">
+                <a16:creationId xmlns:a16="http://schemas.microsoft.com/office/drawing/2014/main" id="{F359B19E-1CBA-4E01-96D0-37BAE0D9CD08}"/>
+              </a:ext>
+            </a:extLst>
+          </p:cNvPr>
+          <p:cNvSpPr/>
+          <p:nvPr/>
+        </p:nvSpPr>
+        <p:spPr>
+          <a:xfrm>
+            <a:off x="2868428" y="5853967"/>
+            <a:ext cx="1512000" cy="648000"/>
+          </a:xfrm>
+          <a:prstGeom prst="roundRect">
+            <a:avLst/>
+          </a:prstGeom>
+          <a:solidFill>
+            <a:srgbClr val="00B050"/>
+          </a:solidFill>
+          <a:ln>
+            <a:solidFill>
+              <a:schemeClr val="tx1"/>
+            </a:solidFill>
+          </a:ln>
+        </p:spPr>
+        <p:style>
+          <a:lnRef idx="2">
+            <a:schemeClr val="accent1">
+              <a:shade val="50000"/>
+            </a:schemeClr>
+          </a:lnRef>
+          <a:fillRef idx="1">
+            <a:schemeClr val="accent1"/>
+          </a:fillRef>
+          <a:effectRef idx="0">
+            <a:schemeClr val="accent1"/>
+          </a:effectRef>
+          <a:fontRef idx="minor">
+            <a:schemeClr val="lt1"/>
+          </a:fontRef>
+        </p:style>
+        <p:txBody>
+          <a:bodyPr wrap="none" lIns="36000" tIns="36000" rIns="36000" bIns="36000" rtlCol="0" anchor="ctr" anchorCtr="0"/>
+          <a:lstStyle/>
+          <a:p>
+            <a:pPr algn="ctr"/>
+            <a:r>
+              <a:rPr lang="zh-CN" altLang="en-US" sz="1600" b="1">
+                <a:solidFill>
+                  <a:schemeClr val="tx1"/>
+                </a:solidFill>
+                <a:latin typeface="微软雅黑" panose="020B0503020204020204" pitchFamily="34" charset="-122"/>
+                <a:ea typeface="微软雅黑" panose="020B0503020204020204" pitchFamily="34" charset="-122"/>
+              </a:rPr>
+              <a:t>撤销出售</a:t>
+            </a:r>
+            <a:endParaRPr lang="en-US" altLang="zh-CN" sz="1600" b="1">
+              <a:solidFill>
+                <a:schemeClr val="tx1"/>
+              </a:solidFill>
+              <a:latin typeface="微软雅黑" panose="020B0503020204020204" pitchFamily="34" charset="-122"/>
+              <a:ea typeface="微软雅黑" panose="020B0503020204020204" pitchFamily="34" charset="-122"/>
+            </a:endParaRPr>
+          </a:p>
+          <a:p>
+            <a:pPr algn="ctr"/>
+            <a:r>
+              <a:rPr lang="en-US" altLang="zh-CN" sz="1600" b="1">
+                <a:solidFill>
+                  <a:schemeClr val="tx1"/>
+                </a:solidFill>
+                <a:latin typeface="微软雅黑" panose="020B0503020204020204" pitchFamily="34" charset="-122"/>
+                <a:ea typeface="微软雅黑" panose="020B0503020204020204" pitchFamily="34" charset="-122"/>
+              </a:rPr>
+              <a:t>recusal_sell</a:t>
+            </a:r>
+            <a:endParaRPr lang="zh-CN" altLang="en-US" sz="1600" b="1">
+              <a:solidFill>
+                <a:schemeClr val="tx1"/>
+              </a:solidFill>
+              <a:latin typeface="微软雅黑" panose="020B0503020204020204" pitchFamily="34" charset="-122"/>
+              <a:ea typeface="微软雅黑" panose="020B0503020204020204" pitchFamily="34" charset="-122"/>
+            </a:endParaRPr>
+          </a:p>
+        </p:txBody>
+      </p:sp>
+      <p:cxnSp>
+        <p:nvCxnSpPr>
+          <p:cNvPr id="66" name="直接箭头连接符 65">
+            <a:extLst>
+              <a:ext uri="{FF2B5EF4-FFF2-40B4-BE49-F238E27FC236}">
+                <a16:creationId xmlns:a16="http://schemas.microsoft.com/office/drawing/2014/main" id="{BD06416B-D957-4726-8E1A-B6157CC9232C}"/>
+              </a:ext>
+            </a:extLst>
+          </p:cNvPr>
+          <p:cNvCxnSpPr>
+            <a:cxnSpLocks/>
+            <a:stCxn id="65" idx="3"/>
+            <a:endCxn id="67" idx="1"/>
+          </p:cNvCxnSpPr>
+          <p:nvPr/>
+        </p:nvCxnSpPr>
+        <p:spPr>
+          <a:xfrm>
+            <a:off x="4380428" y="6177967"/>
+            <a:ext cx="2482297" cy="0"/>
+          </a:xfrm>
+          <a:prstGeom prst="straightConnector1">
+            <a:avLst/>
+          </a:prstGeom>
+          <a:ln w="31750">
+            <a:solidFill>
+              <a:schemeClr val="tx1"/>
+            </a:solidFill>
+            <a:tailEnd type="triangle"/>
+          </a:ln>
+        </p:spPr>
+        <p:style>
+          <a:lnRef idx="1">
+            <a:schemeClr val="accent1"/>
+          </a:lnRef>
+          <a:fillRef idx="0">
+            <a:schemeClr val="accent1"/>
+          </a:fillRef>
+          <a:effectRef idx="0">
+            <a:schemeClr val="accent1"/>
+          </a:effectRef>
+          <a:fontRef idx="minor">
+            <a:schemeClr val="tx1"/>
+          </a:fontRef>
+        </p:style>
+      </p:cxnSp>
+      <p:sp>
+        <p:nvSpPr>
+          <p:cNvPr id="67" name="矩形: 圆角 66">
+            <a:extLst>
+              <a:ext uri="{FF2B5EF4-FFF2-40B4-BE49-F238E27FC236}">
+                <a16:creationId xmlns:a16="http://schemas.microsoft.com/office/drawing/2014/main" id="{25724046-1FBB-4BDE-97C9-05F2FEEAB541}"/>
+              </a:ext>
+            </a:extLst>
+          </p:cNvPr>
+          <p:cNvSpPr/>
+          <p:nvPr/>
+        </p:nvSpPr>
+        <p:spPr>
+          <a:xfrm>
+            <a:off x="6862725" y="5889967"/>
+            <a:ext cx="1620000" cy="576000"/>
+          </a:xfrm>
+          <a:prstGeom prst="roundRect">
+            <a:avLst/>
+          </a:prstGeom>
+          <a:solidFill>
+            <a:schemeClr val="bg1"/>
+          </a:solidFill>
+          <a:ln>
+            <a:solidFill>
+              <a:schemeClr val="tx1"/>
+            </a:solidFill>
+          </a:ln>
+        </p:spPr>
+        <p:style>
+          <a:lnRef idx="2">
+            <a:schemeClr val="accent1">
+              <a:shade val="50000"/>
+            </a:schemeClr>
+          </a:lnRef>
+          <a:fillRef idx="1">
+            <a:schemeClr val="accent1"/>
+          </a:fillRef>
+          <a:effectRef idx="0">
+            <a:schemeClr val="accent1"/>
+          </a:effectRef>
+          <a:fontRef idx="minor">
+            <a:schemeClr val="lt1"/>
+          </a:fontRef>
+        </p:style>
+        <p:txBody>
+          <a:bodyPr wrap="none" lIns="36000" tIns="36000" rIns="36000" bIns="36000" rtlCol="0" anchor="ctr" anchorCtr="0"/>
+          <a:lstStyle/>
+          <a:p>
+            <a:pPr algn="ctr"/>
+            <a:r>
+              <a:rPr lang="zh-CN" altLang="en-US" sz="1600" b="1">
+                <a:solidFill>
+                  <a:schemeClr val="tx1"/>
+                </a:solidFill>
+                <a:latin typeface="微软雅黑" panose="020B0503020204020204" pitchFamily="34" charset="-122"/>
+                <a:ea typeface="微软雅黑" panose="020B0503020204020204" pitchFamily="34" charset="-122"/>
+              </a:rPr>
+              <a:t>转账给合约账户</a:t>
+            </a:r>
+          </a:p>
+        </p:txBody>
+      </p:sp>
+      <p:cxnSp>
+        <p:nvCxnSpPr>
+          <p:cNvPr id="68" name="直接箭头连接符 67">
+            <a:extLst>
+              <a:ext uri="{FF2B5EF4-FFF2-40B4-BE49-F238E27FC236}">
+                <a16:creationId xmlns:a16="http://schemas.microsoft.com/office/drawing/2014/main" id="{72C1418D-AE4B-4589-A579-A43B18D2E48B}"/>
+              </a:ext>
+            </a:extLst>
+          </p:cNvPr>
+          <p:cNvCxnSpPr>
+            <a:cxnSpLocks/>
+            <a:stCxn id="61" idx="3"/>
+            <a:endCxn id="65" idx="1"/>
+          </p:cNvCxnSpPr>
+          <p:nvPr/>
+        </p:nvCxnSpPr>
+        <p:spPr>
+          <a:xfrm>
+            <a:off x="1884989" y="6177967"/>
+            <a:ext cx="983439" cy="0"/>
+          </a:xfrm>
+          <a:prstGeom prst="straightConnector1">
+            <a:avLst/>
+          </a:prstGeom>
+          <a:ln w="31750">
+            <a:solidFill>
+              <a:schemeClr val="tx1"/>
+            </a:solidFill>
+            <a:tailEnd type="triangle"/>
+          </a:ln>
+        </p:spPr>
+        <p:style>
+          <a:lnRef idx="1">
+            <a:schemeClr val="accent1"/>
+          </a:lnRef>
+          <a:fillRef idx="0">
+            <a:schemeClr val="accent1"/>
+          </a:fillRef>
+          <a:effectRef idx="0">
+            <a:schemeClr val="accent1"/>
+          </a:effectRef>
+          <a:fontRef idx="minor">
+            <a:schemeClr val="tx1"/>
+          </a:fontRef>
+        </p:style>
+      </p:cxnSp>
+      <p:cxnSp>
+        <p:nvCxnSpPr>
+          <p:cNvPr id="69" name="直接箭头连接符 68">
+            <a:extLst>
+              <a:ext uri="{FF2B5EF4-FFF2-40B4-BE49-F238E27FC236}">
+                <a16:creationId xmlns:a16="http://schemas.microsoft.com/office/drawing/2014/main" id="{3A260A32-AD35-4CE6-93B0-099F1297E93D}"/>
+              </a:ext>
+            </a:extLst>
+          </p:cNvPr>
+          <p:cNvCxnSpPr>
+            <a:cxnSpLocks/>
+            <a:stCxn id="67" idx="3"/>
+            <a:endCxn id="70" idx="1"/>
+          </p:cNvCxnSpPr>
+          <p:nvPr/>
+        </p:nvCxnSpPr>
+        <p:spPr>
+          <a:xfrm>
+            <a:off x="8482725" y="6177967"/>
+            <a:ext cx="1332021" cy="0"/>
+          </a:xfrm>
+          <a:prstGeom prst="straightConnector1">
+            <a:avLst/>
+          </a:prstGeom>
+          <a:ln w="57150">
+            <a:solidFill>
+              <a:srgbClr val="FFC000"/>
+            </a:solidFill>
+            <a:tailEnd type="triangle"/>
+          </a:ln>
+        </p:spPr>
+        <p:style>
+          <a:lnRef idx="1">
+            <a:schemeClr val="accent1"/>
+          </a:lnRef>
+          <a:fillRef idx="0">
+            <a:schemeClr val="accent1"/>
+          </a:fillRef>
+          <a:effectRef idx="0">
+            <a:schemeClr val="accent1"/>
+          </a:effectRef>
+          <a:fontRef idx="minor">
+            <a:schemeClr val="tx1"/>
+          </a:fontRef>
+        </p:style>
+      </p:cxnSp>
+      <p:sp>
+        <p:nvSpPr>
+          <p:cNvPr id="70" name="矩形: 圆角 69">
+            <a:extLst>
+              <a:ext uri="{FF2B5EF4-FFF2-40B4-BE49-F238E27FC236}">
+                <a16:creationId xmlns:a16="http://schemas.microsoft.com/office/drawing/2014/main" id="{4BF0A0DD-9801-45E4-99AD-B517E3BAE7C2}"/>
+              </a:ext>
+            </a:extLst>
+          </p:cNvPr>
+          <p:cNvSpPr/>
+          <p:nvPr/>
+        </p:nvSpPr>
+        <p:spPr>
+          <a:xfrm>
+            <a:off x="9814746" y="5961967"/>
+            <a:ext cx="1728000" cy="432000"/>
+          </a:xfrm>
+          <a:prstGeom prst="roundRect">
+            <a:avLst/>
+          </a:prstGeom>
+          <a:solidFill>
+            <a:schemeClr val="bg1">
+              <a:lumMod val="95000"/>
+            </a:schemeClr>
+          </a:solidFill>
+          <a:ln>
+            <a:solidFill>
+              <a:schemeClr val="tx1"/>
+            </a:solidFill>
+          </a:ln>
+        </p:spPr>
+        <p:style>
+          <a:lnRef idx="2">
+            <a:schemeClr val="accent1">
+              <a:shade val="50000"/>
+            </a:schemeClr>
+          </a:lnRef>
+          <a:fillRef idx="1">
+            <a:schemeClr val="accent1"/>
+          </a:fillRef>
+          <a:effectRef idx="0">
+            <a:schemeClr val="accent1"/>
+          </a:effectRef>
+          <a:fontRef idx="minor">
+            <a:schemeClr val="lt1"/>
+          </a:fontRef>
+        </p:style>
+        <p:txBody>
+          <a:bodyPr wrap="none" lIns="36000" tIns="36000" rIns="36000" bIns="36000" rtlCol="0" anchor="ctr" anchorCtr="0"/>
+          <a:lstStyle/>
+          <a:p>
+            <a:pPr algn="ctr"/>
+            <a:r>
+              <a:rPr lang="zh-CN" altLang="en-US" sz="1600" b="1">
+                <a:solidFill>
+                  <a:schemeClr val="tx1"/>
+                </a:solidFill>
+                <a:latin typeface="微软雅黑" panose="020B0503020204020204" pitchFamily="34" charset="-122"/>
+                <a:ea typeface="微软雅黑" panose="020B0503020204020204" pitchFamily="34" charset="-122"/>
+              </a:rPr>
+              <a:t>出售订单表</a:t>
+            </a:r>
+            <a:endParaRPr lang="en-US" altLang="zh-CN" sz="1600" b="1">
+              <a:solidFill>
+                <a:schemeClr val="tx1"/>
+              </a:solidFill>
+              <a:latin typeface="微软雅黑" panose="020B0503020204020204" pitchFamily="34" charset="-122"/>
+              <a:ea typeface="微软雅黑" panose="020B0503020204020204" pitchFamily="34" charset="-122"/>
+            </a:endParaRPr>
+          </a:p>
+        </p:txBody>
+      </p:sp>
     </p:spTree>
     <p:extLst>
       <p:ext uri="{BB962C8B-B14F-4D97-AF65-F5344CB8AC3E}">
-        <p14:creationId xmlns:p14="http://schemas.microsoft.com/office/powerpoint/2010/main" val="3940676795"/>
+        <p14:creationId xmlns:p14="http://schemas.microsoft.com/office/powerpoint/2010/main" val="1686052626"/>
       </p:ext>
     </p:extLst>
   </p:cSld>

--- a/doc/09.场外交易.pptx
+++ b/doc/09.场外交易.pptx
@@ -7,12 +7,12 @@
   <p:sldIdLst>
     <p:sldId id="258" r:id="rId2"/>
     <p:sldId id="278" r:id="rId3"/>
-    <p:sldId id="285" r:id="rId4"/>
-    <p:sldId id="283" r:id="rId5"/>
+    <p:sldId id="283" r:id="rId4"/>
+    <p:sldId id="285" r:id="rId5"/>
     <p:sldId id="288" r:id="rId6"/>
     <p:sldId id="279" r:id="rId7"/>
-    <p:sldId id="290" r:id="rId8"/>
-    <p:sldId id="284" r:id="rId9"/>
+    <p:sldId id="284" r:id="rId8"/>
+    <p:sldId id="290" r:id="rId9"/>
     <p:sldId id="289" r:id="rId10"/>
   </p:sldIdLst>
   <p:sldSz cx="12192000" cy="6858000"/>
@@ -3597,113 +3597,6 @@
       </p:grpSp>
       <p:grpSp>
         <p:nvGrpSpPr>
-          <p:cNvPr id="17" name="组合 16">
-            <a:extLst>
-              <a:ext uri="{FF2B5EF4-FFF2-40B4-BE49-F238E27FC236}">
-                <a16:creationId xmlns:a16="http://schemas.microsoft.com/office/drawing/2014/main" id="{43C93393-C716-4DA6-B202-C745E3515B91}"/>
-              </a:ext>
-            </a:extLst>
-          </p:cNvPr>
-          <p:cNvGrpSpPr/>
-          <p:nvPr/>
-        </p:nvGrpSpPr>
-        <p:grpSpPr>
-          <a:xfrm>
-            <a:off x="2143177" y="1929828"/>
-            <a:ext cx="2739719" cy="369332"/>
-            <a:chOff x="1628272" y="1548091"/>
-            <a:chExt cx="2739719" cy="369332"/>
-          </a:xfrm>
-        </p:grpSpPr>
-        <p:sp>
-          <p:nvSpPr>
-            <p:cNvPr id="18" name="文本框 17">
-              <a:extLst>
-                <a:ext uri="{FF2B5EF4-FFF2-40B4-BE49-F238E27FC236}">
-                  <a16:creationId xmlns:a16="http://schemas.microsoft.com/office/drawing/2014/main" id="{10A23C5F-160E-4D7C-B569-9AF91536965E}"/>
-                </a:ext>
-              </a:extLst>
-            </p:cNvPr>
-            <p:cNvSpPr txBox="1"/>
-            <p:nvPr/>
-          </p:nvSpPr>
-          <p:spPr>
-            <a:xfrm>
-              <a:off x="2016190" y="1548091"/>
-              <a:ext cx="2351801" cy="369332"/>
-            </a:xfrm>
-            <a:prstGeom prst="rect">
-              <a:avLst/>
-            </a:prstGeom>
-            <a:noFill/>
-          </p:spPr>
-          <p:txBody>
-            <a:bodyPr wrap="square">
-              <a:spAutoFit/>
-            </a:bodyPr>
-            <a:lstStyle/>
-            <a:p>
-              <a:r>
-                <a:rPr lang="zh-CN" altLang="en-US" b="1">
-                  <a:latin typeface="Consolas" panose="020B0609020204030204" pitchFamily="49" charset="0"/>
-                  <a:ea typeface="微软雅黑" panose="020B0503020204020204" pitchFamily="34" charset="-122"/>
-                  <a:hlinkClick r:id="rId2" action="ppaction://hlinksldjump"/>
-                </a:rPr>
-                <a:t>卖单</a:t>
-              </a:r>
-              <a:endParaRPr lang="zh-CN" altLang="en-US"/>
-            </a:p>
-          </p:txBody>
-        </p:sp>
-        <p:sp>
-          <p:nvSpPr>
-            <p:cNvPr id="19" name="菱形 18">
-              <a:extLst>
-                <a:ext uri="{FF2B5EF4-FFF2-40B4-BE49-F238E27FC236}">
-                  <a16:creationId xmlns:a16="http://schemas.microsoft.com/office/drawing/2014/main" id="{55A997CC-8746-4F96-8C91-BDB13AE0B88E}"/>
-                </a:ext>
-              </a:extLst>
-            </p:cNvPr>
-            <p:cNvSpPr/>
-            <p:nvPr/>
-          </p:nvSpPr>
-          <p:spPr>
-            <a:xfrm>
-              <a:off x="1628272" y="1624757"/>
-              <a:ext cx="216000" cy="216000"/>
-            </a:xfrm>
-            <a:prstGeom prst="diamond">
-              <a:avLst/>
-            </a:prstGeom>
-          </p:spPr>
-          <p:style>
-            <a:lnRef idx="2">
-              <a:schemeClr val="accent1">
-                <a:shade val="50000"/>
-              </a:schemeClr>
-            </a:lnRef>
-            <a:fillRef idx="1">
-              <a:schemeClr val="accent1"/>
-            </a:fillRef>
-            <a:effectRef idx="0">
-              <a:schemeClr val="accent1"/>
-            </a:effectRef>
-            <a:fontRef idx="minor">
-              <a:schemeClr val="lt1"/>
-            </a:fontRef>
-          </p:style>
-          <p:txBody>
-            <a:bodyPr rtlCol="0" anchor="ctr"/>
-            <a:lstStyle/>
-            <a:p>
-              <a:pPr algn="ctr"/>
-              <a:endParaRPr lang="zh-CN" altLang="en-US"/>
-            </a:p>
-          </p:txBody>
-        </p:sp>
-      </p:grpSp>
-      <p:grpSp>
-        <p:nvGrpSpPr>
           <p:cNvPr id="20" name="组合 19">
             <a:extLst>
               <a:ext uri="{FF2B5EF4-FFF2-40B4-BE49-F238E27FC236}">
@@ -3829,7 +3722,7 @@
         </p:nvGrpSpPr>
         <p:grpSpPr>
           <a:xfrm>
-            <a:off x="1628272" y="1505286"/>
+            <a:off x="1628272" y="1502238"/>
             <a:ext cx="3248528" cy="369332"/>
             <a:chOff x="1628272" y="2650509"/>
             <a:chExt cx="3248528" cy="369332"/>
@@ -3867,8 +3760,9 @@
                 <a:rPr lang="zh-CN" altLang="en-US" b="1">
                   <a:latin typeface="Consolas" panose="020B0609020204030204" pitchFamily="49" charset="0"/>
                   <a:ea typeface="微软雅黑" panose="020B0503020204020204" pitchFamily="34" charset="-122"/>
+                  <a:hlinkClick r:id="rId2" action="ppaction://hlinksldjump"/>
                 </a:rPr>
-                <a:t>商家</a:t>
+                <a:t>商家卖单</a:t>
               </a:r>
               <a:endParaRPr lang="zh-CN" altLang="en-US"/>
             </a:p>
@@ -3923,10 +3817,10 @@
       </p:grpSp>
       <p:grpSp>
         <p:nvGrpSpPr>
-          <p:cNvPr id="44" name="组合 43">
-            <a:extLst>
-              <a:ext uri="{FF2B5EF4-FFF2-40B4-BE49-F238E27FC236}">
-                <a16:creationId xmlns:a16="http://schemas.microsoft.com/office/drawing/2014/main" id="{1BA92C54-CC9C-4837-AD92-BC3FE5D519A7}"/>
+          <p:cNvPr id="50" name="组合 49">
+            <a:extLst>
+              <a:ext uri="{FF2B5EF4-FFF2-40B4-BE49-F238E27FC236}">
+                <a16:creationId xmlns:a16="http://schemas.microsoft.com/office/drawing/2014/main" id="{05938DA5-E025-4CF8-85A4-959D476B78BE}"/>
               </a:ext>
             </a:extLst>
           </p:cNvPr>
@@ -3935,121 +3829,7 @@
         </p:nvGrpSpPr>
         <p:grpSpPr>
           <a:xfrm>
-            <a:off x="2135774" y="3340988"/>
-            <a:ext cx="2747122" cy="369332"/>
-            <a:chOff x="1628272" y="1548091"/>
-            <a:chExt cx="2747122" cy="369332"/>
-          </a:xfrm>
-        </p:grpSpPr>
-        <p:sp>
-          <p:nvSpPr>
-            <p:cNvPr id="45" name="文本框 44">
-              <a:extLst>
-                <a:ext uri="{FF2B5EF4-FFF2-40B4-BE49-F238E27FC236}">
-                  <a16:creationId xmlns:a16="http://schemas.microsoft.com/office/drawing/2014/main" id="{529B1B64-ED01-45EE-90D7-4F0D9FCE3442}"/>
-                </a:ext>
-              </a:extLst>
-            </p:cNvPr>
-            <p:cNvSpPr txBox="1"/>
-            <p:nvPr/>
-          </p:nvSpPr>
-          <p:spPr>
-            <a:xfrm>
-              <a:off x="2016190" y="1548091"/>
-              <a:ext cx="2359204" cy="369332"/>
-            </a:xfrm>
-            <a:prstGeom prst="rect">
-              <a:avLst/>
-            </a:prstGeom>
-            <a:noFill/>
-          </p:spPr>
-          <p:txBody>
-            <a:bodyPr wrap="square">
-              <a:spAutoFit/>
-            </a:bodyPr>
-            <a:lstStyle/>
-            <a:p>
-              <a:r>
-                <a:rPr lang="zh-CN" altLang="en-US" b="1">
-                  <a:latin typeface="Consolas" panose="020B0609020204030204" pitchFamily="49" charset="0"/>
-                  <a:ea typeface="微软雅黑" panose="020B0503020204020204" pitchFamily="34" charset="-122"/>
-                  <a:hlinkClick r:id="rId2" action="ppaction://hlinksldjump"/>
-                </a:rPr>
-                <a:t>购买</a:t>
-              </a:r>
-              <a:r>
-                <a:rPr lang="zh-CN" altLang="en-US" b="1">
-                  <a:latin typeface="Consolas" panose="020B0609020204030204" pitchFamily="49" charset="0"/>
-                  <a:ea typeface="微软雅黑" panose="020B0503020204020204" pitchFamily="34" charset="-122"/>
-                </a:rPr>
-                <a:t>订单</a:t>
-              </a:r>
-              <a:endParaRPr lang="zh-CN" altLang="en-US"/>
-            </a:p>
-          </p:txBody>
-        </p:sp>
-        <p:sp>
-          <p:nvSpPr>
-            <p:cNvPr id="46" name="菱形 45">
-              <a:extLst>
-                <a:ext uri="{FF2B5EF4-FFF2-40B4-BE49-F238E27FC236}">
-                  <a16:creationId xmlns:a16="http://schemas.microsoft.com/office/drawing/2014/main" id="{CDF5B1E4-2BA8-47BD-95C8-A5E461226CA4}"/>
-                </a:ext>
-              </a:extLst>
-            </p:cNvPr>
-            <p:cNvSpPr/>
-            <p:nvPr/>
-          </p:nvSpPr>
-          <p:spPr>
-            <a:xfrm>
-              <a:off x="1628272" y="1624757"/>
-              <a:ext cx="216000" cy="216000"/>
-            </a:xfrm>
-            <a:prstGeom prst="diamond">
-              <a:avLst/>
-            </a:prstGeom>
-          </p:spPr>
-          <p:style>
-            <a:lnRef idx="2">
-              <a:schemeClr val="accent1">
-                <a:shade val="50000"/>
-              </a:schemeClr>
-            </a:lnRef>
-            <a:fillRef idx="1">
-              <a:schemeClr val="accent1"/>
-            </a:fillRef>
-            <a:effectRef idx="0">
-              <a:schemeClr val="accent1"/>
-            </a:effectRef>
-            <a:fontRef idx="minor">
-              <a:schemeClr val="lt1"/>
-            </a:fontRef>
-          </p:style>
-          <p:txBody>
-            <a:bodyPr rtlCol="0" anchor="ctr"/>
-            <a:lstStyle/>
-            <a:p>
-              <a:pPr algn="ctr"/>
-              <a:endParaRPr lang="zh-CN" altLang="en-US"/>
-            </a:p>
-          </p:txBody>
-        </p:sp>
-      </p:grpSp>
-      <p:grpSp>
-        <p:nvGrpSpPr>
-          <p:cNvPr id="50" name="组合 49">
-            <a:extLst>
-              <a:ext uri="{FF2B5EF4-FFF2-40B4-BE49-F238E27FC236}">
-                <a16:creationId xmlns:a16="http://schemas.microsoft.com/office/drawing/2014/main" id="{05938DA5-E025-4CF8-85A4-959D476B78BE}"/>
-              </a:ext>
-            </a:extLst>
-          </p:cNvPr>
-          <p:cNvGrpSpPr/>
-          <p:nvPr/>
-        </p:nvGrpSpPr>
-        <p:grpSpPr>
-          <a:xfrm>
-            <a:off x="1620869" y="2916446"/>
+            <a:off x="1628272" y="1948185"/>
             <a:ext cx="3262027" cy="369332"/>
             <a:chOff x="1628272" y="2650509"/>
             <a:chExt cx="3262027" cy="369332"/>
@@ -4087,8 +3867,9 @@
                 <a:rPr lang="zh-CN" altLang="en-US" b="1">
                   <a:latin typeface="Consolas" panose="020B0609020204030204" pitchFamily="49" charset="0"/>
                   <a:ea typeface="微软雅黑" panose="020B0503020204020204" pitchFamily="34" charset="-122"/>
+                  <a:hlinkClick r:id="rId3" action="ppaction://hlinksldjump"/>
                 </a:rPr>
-                <a:t>客户</a:t>
+                <a:t>客户购买订单</a:t>
               </a:r>
               <a:endParaRPr lang="zh-CN" altLang="en-US"/>
             </a:p>
@@ -4143,333 +3924,6 @@
       </p:grpSp>
       <p:grpSp>
         <p:nvGrpSpPr>
-          <p:cNvPr id="53" name="组合 52">
-            <a:extLst>
-              <a:ext uri="{FF2B5EF4-FFF2-40B4-BE49-F238E27FC236}">
-                <a16:creationId xmlns:a16="http://schemas.microsoft.com/office/drawing/2014/main" id="{ED531EB8-62F8-4F18-AD75-61E0FE30A852}"/>
-              </a:ext>
-            </a:extLst>
-          </p:cNvPr>
-          <p:cNvGrpSpPr/>
-          <p:nvPr/>
-        </p:nvGrpSpPr>
-        <p:grpSpPr>
-          <a:xfrm>
-            <a:off x="2149273" y="2331955"/>
-            <a:ext cx="2733623" cy="369332"/>
-            <a:chOff x="1628272" y="1548091"/>
-            <a:chExt cx="2733623" cy="369332"/>
-          </a:xfrm>
-        </p:grpSpPr>
-        <p:sp>
-          <p:nvSpPr>
-            <p:cNvPr id="54" name="文本框 53">
-              <a:extLst>
-                <a:ext uri="{FF2B5EF4-FFF2-40B4-BE49-F238E27FC236}">
-                  <a16:creationId xmlns:a16="http://schemas.microsoft.com/office/drawing/2014/main" id="{DB350CEF-212F-4776-A6C3-0774F70E28A0}"/>
-                </a:ext>
-              </a:extLst>
-            </p:cNvPr>
-            <p:cNvSpPr txBox="1"/>
-            <p:nvPr/>
-          </p:nvSpPr>
-          <p:spPr>
-            <a:xfrm>
-              <a:off x="2016190" y="1548091"/>
-              <a:ext cx="2345705" cy="369332"/>
-            </a:xfrm>
-            <a:prstGeom prst="rect">
-              <a:avLst/>
-            </a:prstGeom>
-            <a:noFill/>
-          </p:spPr>
-          <p:txBody>
-            <a:bodyPr wrap="square">
-              <a:spAutoFit/>
-            </a:bodyPr>
-            <a:lstStyle/>
-            <a:p>
-              <a:r>
-                <a:rPr lang="zh-CN" altLang="en-US" b="1">
-                  <a:latin typeface="Consolas" panose="020B0609020204030204" pitchFamily="49" charset="0"/>
-                  <a:ea typeface="微软雅黑" panose="020B0503020204020204" pitchFamily="34" charset="-122"/>
-                  <a:hlinkClick r:id="rId2" action="ppaction://hlinksldjump"/>
-                </a:rPr>
-                <a:t>买单</a:t>
-              </a:r>
-              <a:endParaRPr lang="zh-CN" altLang="en-US"/>
-            </a:p>
-          </p:txBody>
-        </p:sp>
-        <p:sp>
-          <p:nvSpPr>
-            <p:cNvPr id="55" name="菱形 54">
-              <a:extLst>
-                <a:ext uri="{FF2B5EF4-FFF2-40B4-BE49-F238E27FC236}">
-                  <a16:creationId xmlns:a16="http://schemas.microsoft.com/office/drawing/2014/main" id="{D8D0A987-2C63-4152-9D92-5A8D71540BAD}"/>
-                </a:ext>
-              </a:extLst>
-            </p:cNvPr>
-            <p:cNvSpPr/>
-            <p:nvPr/>
-          </p:nvSpPr>
-          <p:spPr>
-            <a:xfrm>
-              <a:off x="1628272" y="1624757"/>
-              <a:ext cx="216000" cy="216000"/>
-            </a:xfrm>
-            <a:prstGeom prst="diamond">
-              <a:avLst/>
-            </a:prstGeom>
-          </p:spPr>
-          <p:style>
-            <a:lnRef idx="2">
-              <a:schemeClr val="accent1">
-                <a:shade val="50000"/>
-              </a:schemeClr>
-            </a:lnRef>
-            <a:fillRef idx="1">
-              <a:schemeClr val="accent1"/>
-            </a:fillRef>
-            <a:effectRef idx="0">
-              <a:schemeClr val="accent1"/>
-            </a:effectRef>
-            <a:fontRef idx="minor">
-              <a:schemeClr val="lt1"/>
-            </a:fontRef>
-          </p:style>
-          <p:txBody>
-            <a:bodyPr rtlCol="0" anchor="ctr"/>
-            <a:lstStyle/>
-            <a:p>
-              <a:pPr algn="ctr"/>
-              <a:endParaRPr lang="zh-CN" altLang="en-US"/>
-            </a:p>
-          </p:txBody>
-        </p:sp>
-      </p:grpSp>
-      <p:grpSp>
-        <p:nvGrpSpPr>
-          <p:cNvPr id="59" name="组合 58">
-            <a:extLst>
-              <a:ext uri="{FF2B5EF4-FFF2-40B4-BE49-F238E27FC236}">
-                <a16:creationId xmlns:a16="http://schemas.microsoft.com/office/drawing/2014/main" id="{5A2C84DA-9557-4D63-81FC-B1DDCF3DDA33}"/>
-              </a:ext>
-            </a:extLst>
-          </p:cNvPr>
-          <p:cNvGrpSpPr/>
-          <p:nvPr/>
-        </p:nvGrpSpPr>
-        <p:grpSpPr>
-          <a:xfrm>
-            <a:off x="2141870" y="3760869"/>
-            <a:ext cx="2747122" cy="369332"/>
-            <a:chOff x="1628272" y="1548091"/>
-            <a:chExt cx="2747122" cy="369332"/>
-          </a:xfrm>
-        </p:grpSpPr>
-        <p:sp>
-          <p:nvSpPr>
-            <p:cNvPr id="60" name="文本框 59">
-              <a:extLst>
-                <a:ext uri="{FF2B5EF4-FFF2-40B4-BE49-F238E27FC236}">
-                  <a16:creationId xmlns:a16="http://schemas.microsoft.com/office/drawing/2014/main" id="{C70B6A76-6A87-492C-8CD8-96DF6515A4C4}"/>
-                </a:ext>
-              </a:extLst>
-            </p:cNvPr>
-            <p:cNvSpPr txBox="1"/>
-            <p:nvPr/>
-          </p:nvSpPr>
-          <p:spPr>
-            <a:xfrm>
-              <a:off x="2016190" y="1548091"/>
-              <a:ext cx="2359204" cy="369332"/>
-            </a:xfrm>
-            <a:prstGeom prst="rect">
-              <a:avLst/>
-            </a:prstGeom>
-            <a:noFill/>
-          </p:spPr>
-          <p:txBody>
-            <a:bodyPr wrap="square">
-              <a:spAutoFit/>
-            </a:bodyPr>
-            <a:lstStyle/>
-            <a:p>
-              <a:r>
-                <a:rPr lang="zh-CN" altLang="en-US" b="1">
-                  <a:latin typeface="Consolas" panose="020B0609020204030204" pitchFamily="49" charset="0"/>
-                  <a:ea typeface="微软雅黑" panose="020B0503020204020204" pitchFamily="34" charset="-122"/>
-                </a:rPr>
-                <a:t>出售订单</a:t>
-              </a:r>
-              <a:endParaRPr lang="zh-CN" altLang="en-US"/>
-            </a:p>
-          </p:txBody>
-        </p:sp>
-        <p:sp>
-          <p:nvSpPr>
-            <p:cNvPr id="61" name="菱形 60">
-              <a:extLst>
-                <a:ext uri="{FF2B5EF4-FFF2-40B4-BE49-F238E27FC236}">
-                  <a16:creationId xmlns:a16="http://schemas.microsoft.com/office/drawing/2014/main" id="{00315E8D-21A7-4C20-A31F-459C8A187D5D}"/>
-                </a:ext>
-              </a:extLst>
-            </p:cNvPr>
-            <p:cNvSpPr/>
-            <p:nvPr/>
-          </p:nvSpPr>
-          <p:spPr>
-            <a:xfrm>
-              <a:off x="1628272" y="1624757"/>
-              <a:ext cx="216000" cy="216000"/>
-            </a:xfrm>
-            <a:prstGeom prst="diamond">
-              <a:avLst/>
-            </a:prstGeom>
-          </p:spPr>
-          <p:style>
-            <a:lnRef idx="2">
-              <a:schemeClr val="accent1">
-                <a:shade val="50000"/>
-              </a:schemeClr>
-            </a:lnRef>
-            <a:fillRef idx="1">
-              <a:schemeClr val="accent1"/>
-            </a:fillRef>
-            <a:effectRef idx="0">
-              <a:schemeClr val="accent1"/>
-            </a:effectRef>
-            <a:fontRef idx="minor">
-              <a:schemeClr val="lt1"/>
-            </a:fontRef>
-          </p:style>
-          <p:txBody>
-            <a:bodyPr rtlCol="0" anchor="ctr"/>
-            <a:lstStyle/>
-            <a:p>
-              <a:pPr algn="ctr"/>
-              <a:endParaRPr lang="zh-CN" altLang="en-US"/>
-            </a:p>
-          </p:txBody>
-        </p:sp>
-      </p:grpSp>
-      <p:grpSp>
-        <p:nvGrpSpPr>
-          <p:cNvPr id="65" name="组合 64">
-            <a:extLst>
-              <a:ext uri="{FF2B5EF4-FFF2-40B4-BE49-F238E27FC236}">
-                <a16:creationId xmlns:a16="http://schemas.microsoft.com/office/drawing/2014/main" id="{23BB75F3-5D38-4744-A694-27D5E2FE527A}"/>
-              </a:ext>
-            </a:extLst>
-          </p:cNvPr>
-          <p:cNvGrpSpPr/>
-          <p:nvPr/>
-        </p:nvGrpSpPr>
-        <p:grpSpPr>
-          <a:xfrm>
-            <a:off x="7909993" y="1926780"/>
-            <a:ext cx="2739719" cy="369332"/>
-            <a:chOff x="1628272" y="1548091"/>
-            <a:chExt cx="2739719" cy="369332"/>
-          </a:xfrm>
-        </p:grpSpPr>
-        <p:sp>
-          <p:nvSpPr>
-            <p:cNvPr id="66" name="文本框 65">
-              <a:extLst>
-                <a:ext uri="{FF2B5EF4-FFF2-40B4-BE49-F238E27FC236}">
-                  <a16:creationId xmlns:a16="http://schemas.microsoft.com/office/drawing/2014/main" id="{2ED45C87-1C55-4791-8F7E-E0B166831A19}"/>
-                </a:ext>
-              </a:extLst>
-            </p:cNvPr>
-            <p:cNvSpPr txBox="1"/>
-            <p:nvPr/>
-          </p:nvSpPr>
-          <p:spPr>
-            <a:xfrm>
-              <a:off x="2016190" y="1548091"/>
-              <a:ext cx="2351801" cy="369332"/>
-            </a:xfrm>
-            <a:prstGeom prst="rect">
-              <a:avLst/>
-            </a:prstGeom>
-            <a:noFill/>
-          </p:spPr>
-          <p:txBody>
-            <a:bodyPr wrap="square">
-              <a:spAutoFit/>
-            </a:bodyPr>
-            <a:lstStyle/>
-            <a:p>
-              <a:r>
-                <a:rPr lang="zh-CN" altLang="en-US" b="1">
-                  <a:latin typeface="Consolas" panose="020B0609020204030204" pitchFamily="49" charset="0"/>
-                  <a:ea typeface="微软雅黑" panose="020B0503020204020204" pitchFamily="34" charset="-122"/>
-                  <a:hlinkClick r:id="rId2" action="ppaction://hlinksldjump"/>
-                </a:rPr>
-                <a:t>挂卖单</a:t>
-              </a:r>
-              <a:r>
-                <a:rPr lang="zh-CN" altLang="en-US" b="1">
-                  <a:latin typeface="Consolas" panose="020B0609020204030204" pitchFamily="49" charset="0"/>
-                  <a:ea typeface="微软雅黑" panose="020B0503020204020204" pitchFamily="34" charset="-122"/>
-                </a:rPr>
-                <a:t>及赎回</a:t>
-              </a:r>
-              <a:endParaRPr lang="zh-CN" altLang="en-US"/>
-            </a:p>
-          </p:txBody>
-        </p:sp>
-        <p:sp>
-          <p:nvSpPr>
-            <p:cNvPr id="67" name="菱形 66">
-              <a:extLst>
-                <a:ext uri="{FF2B5EF4-FFF2-40B4-BE49-F238E27FC236}">
-                  <a16:creationId xmlns:a16="http://schemas.microsoft.com/office/drawing/2014/main" id="{32954100-2EBD-420A-B362-DFDB61373B0F}"/>
-                </a:ext>
-              </a:extLst>
-            </p:cNvPr>
-            <p:cNvSpPr/>
-            <p:nvPr/>
-          </p:nvSpPr>
-          <p:spPr>
-            <a:xfrm>
-              <a:off x="1628272" y="1624757"/>
-              <a:ext cx="216000" cy="216000"/>
-            </a:xfrm>
-            <a:prstGeom prst="diamond">
-              <a:avLst/>
-            </a:prstGeom>
-          </p:spPr>
-          <p:style>
-            <a:lnRef idx="2">
-              <a:schemeClr val="accent1">
-                <a:shade val="50000"/>
-              </a:schemeClr>
-            </a:lnRef>
-            <a:fillRef idx="1">
-              <a:schemeClr val="accent1"/>
-            </a:fillRef>
-            <a:effectRef idx="0">
-              <a:schemeClr val="accent1"/>
-            </a:effectRef>
-            <a:fontRef idx="minor">
-              <a:schemeClr val="lt1"/>
-            </a:fontRef>
-          </p:style>
-          <p:txBody>
-            <a:bodyPr rtlCol="0" anchor="ctr"/>
-            <a:lstStyle/>
-            <a:p>
-              <a:pPr algn="ctr"/>
-              <a:endParaRPr lang="zh-CN" altLang="en-US"/>
-            </a:p>
-          </p:txBody>
-        </p:sp>
-      </p:grpSp>
-      <p:grpSp>
-        <p:nvGrpSpPr>
           <p:cNvPr id="71" name="组合 70">
             <a:extLst>
               <a:ext uri="{FF2B5EF4-FFF2-40B4-BE49-F238E27FC236}">
@@ -4520,8 +3974,9 @@
                 <a:rPr lang="zh-CN" altLang="en-US" b="1">
                   <a:latin typeface="Consolas" panose="020B0609020204030204" pitchFamily="49" charset="0"/>
                   <a:ea typeface="微软雅黑" panose="020B0503020204020204" pitchFamily="34" charset="-122"/>
+                  <a:hlinkClick r:id="rId4" action="ppaction://hlinksldjump"/>
                 </a:rPr>
-                <a:t>商家</a:t>
+                <a:t>商家挂卖单及赎回</a:t>
               </a:r>
               <a:endParaRPr lang="zh-CN" altLang="en-US"/>
             </a:p>
@@ -4576,10 +4031,10 @@
       </p:grpSp>
       <p:grpSp>
         <p:nvGrpSpPr>
-          <p:cNvPr id="74" name="组合 73">
-            <a:extLst>
-              <a:ext uri="{FF2B5EF4-FFF2-40B4-BE49-F238E27FC236}">
-                <a16:creationId xmlns:a16="http://schemas.microsoft.com/office/drawing/2014/main" id="{B0E8E1CF-5CB2-4F75-99D5-572954297153}"/>
+          <p:cNvPr id="80" name="组合 79">
+            <a:extLst>
+              <a:ext uri="{FF2B5EF4-FFF2-40B4-BE49-F238E27FC236}">
+                <a16:creationId xmlns:a16="http://schemas.microsoft.com/office/drawing/2014/main" id="{8DA292D4-6174-4C67-A470-24DAFFB7B86E}"/>
               </a:ext>
             </a:extLst>
           </p:cNvPr>
@@ -4588,114 +4043,7 @@
         </p:nvGrpSpPr>
         <p:grpSpPr>
           <a:xfrm>
-            <a:off x="7902590" y="3302430"/>
-            <a:ext cx="2747122" cy="369332"/>
-            <a:chOff x="1628272" y="1548091"/>
-            <a:chExt cx="2747122" cy="369332"/>
-          </a:xfrm>
-        </p:grpSpPr>
-        <p:sp>
-          <p:nvSpPr>
-            <p:cNvPr id="75" name="文本框 74">
-              <a:extLst>
-                <a:ext uri="{FF2B5EF4-FFF2-40B4-BE49-F238E27FC236}">
-                  <a16:creationId xmlns:a16="http://schemas.microsoft.com/office/drawing/2014/main" id="{7D95C867-D568-4747-B7B9-FE0BB04CD6B2}"/>
-                </a:ext>
-              </a:extLst>
-            </p:cNvPr>
-            <p:cNvSpPr txBox="1"/>
-            <p:nvPr/>
-          </p:nvSpPr>
-          <p:spPr>
-            <a:xfrm>
-              <a:off x="2016190" y="1548091"/>
-              <a:ext cx="2359204" cy="369332"/>
-            </a:xfrm>
-            <a:prstGeom prst="rect">
-              <a:avLst/>
-            </a:prstGeom>
-            <a:noFill/>
-          </p:spPr>
-          <p:txBody>
-            <a:bodyPr wrap="square">
-              <a:spAutoFit/>
-            </a:bodyPr>
-            <a:lstStyle/>
-            <a:p>
-              <a:r>
-                <a:rPr lang="zh-CN" altLang="en-US" b="1">
-                  <a:latin typeface="Consolas" panose="020B0609020204030204" pitchFamily="49" charset="0"/>
-                  <a:ea typeface="微软雅黑" panose="020B0503020204020204" pitchFamily="34" charset="-122"/>
-                  <a:hlinkClick r:id="rId2" action="ppaction://hlinksldjump"/>
-                </a:rPr>
-                <a:t>购买</a:t>
-              </a:r>
-              <a:endParaRPr lang="zh-CN" altLang="en-US"/>
-            </a:p>
-          </p:txBody>
-        </p:sp>
-        <p:sp>
-          <p:nvSpPr>
-            <p:cNvPr id="76" name="菱形 75">
-              <a:extLst>
-                <a:ext uri="{FF2B5EF4-FFF2-40B4-BE49-F238E27FC236}">
-                  <a16:creationId xmlns:a16="http://schemas.microsoft.com/office/drawing/2014/main" id="{0ED3555D-67E0-47FC-8F1F-1E2C9A2E8C6E}"/>
-                </a:ext>
-              </a:extLst>
-            </p:cNvPr>
-            <p:cNvSpPr/>
-            <p:nvPr/>
-          </p:nvSpPr>
-          <p:spPr>
-            <a:xfrm>
-              <a:off x="1628272" y="1624757"/>
-              <a:ext cx="216000" cy="216000"/>
-            </a:xfrm>
-            <a:prstGeom prst="diamond">
-              <a:avLst/>
-            </a:prstGeom>
-          </p:spPr>
-          <p:style>
-            <a:lnRef idx="2">
-              <a:schemeClr val="accent1">
-                <a:shade val="50000"/>
-              </a:schemeClr>
-            </a:lnRef>
-            <a:fillRef idx="1">
-              <a:schemeClr val="accent1"/>
-            </a:fillRef>
-            <a:effectRef idx="0">
-              <a:schemeClr val="accent1"/>
-            </a:effectRef>
-            <a:fontRef idx="minor">
-              <a:schemeClr val="lt1"/>
-            </a:fontRef>
-          </p:style>
-          <p:txBody>
-            <a:bodyPr rtlCol="0" anchor="ctr"/>
-            <a:lstStyle/>
-            <a:p>
-              <a:pPr algn="ctr"/>
-              <a:endParaRPr lang="zh-CN" altLang="en-US"/>
-            </a:p>
-          </p:txBody>
-        </p:sp>
-      </p:grpSp>
-      <p:grpSp>
-        <p:nvGrpSpPr>
-          <p:cNvPr id="80" name="组合 79">
-            <a:extLst>
-              <a:ext uri="{FF2B5EF4-FFF2-40B4-BE49-F238E27FC236}">
-                <a16:creationId xmlns:a16="http://schemas.microsoft.com/office/drawing/2014/main" id="{8DA292D4-6174-4C67-A470-24DAFFB7B86E}"/>
-              </a:ext>
-            </a:extLst>
-          </p:cNvPr>
-          <p:cNvGrpSpPr/>
-          <p:nvPr/>
-        </p:nvGrpSpPr>
-        <p:grpSpPr>
-          <a:xfrm>
-            <a:off x="7387685" y="2877888"/>
+            <a:off x="7416704" y="1948185"/>
             <a:ext cx="3262027" cy="369332"/>
             <a:chOff x="1628272" y="2650509"/>
             <a:chExt cx="3262027" cy="369332"/>
@@ -4733,8 +4081,9 @@
                 <a:rPr lang="zh-CN" altLang="en-US" b="1">
                   <a:latin typeface="Consolas" panose="020B0609020204030204" pitchFamily="49" charset="0"/>
                   <a:ea typeface="微软雅黑" panose="020B0503020204020204" pitchFamily="34" charset="-122"/>
+                  <a:hlinkClick r:id="rId5" action="ppaction://hlinksldjump"/>
                 </a:rPr>
-                <a:t>客户</a:t>
+                <a:t>客户购买及撤销</a:t>
               </a:r>
               <a:endParaRPr lang="zh-CN" altLang="en-US"/>
             </a:p>
@@ -4789,10 +4138,10 @@
       </p:grpSp>
       <p:grpSp>
         <p:nvGrpSpPr>
-          <p:cNvPr id="89" name="组合 88">
-            <a:extLst>
-              <a:ext uri="{FF2B5EF4-FFF2-40B4-BE49-F238E27FC236}">
-                <a16:creationId xmlns:a16="http://schemas.microsoft.com/office/drawing/2014/main" id="{9FEEC265-D2C4-4A3E-8126-191671747D88}"/>
+          <p:cNvPr id="113" name="组合 112">
+            <a:extLst>
+              <a:ext uri="{FF2B5EF4-FFF2-40B4-BE49-F238E27FC236}">
+                <a16:creationId xmlns:a16="http://schemas.microsoft.com/office/drawing/2014/main" id="{A7F42BE1-91D1-4881-84DA-4F0959B7E728}"/>
               </a:ext>
             </a:extLst>
           </p:cNvPr>
@@ -4801,18 +4150,18 @@
         </p:nvGrpSpPr>
         <p:grpSpPr>
           <a:xfrm>
-            <a:off x="7908686" y="4104054"/>
-            <a:ext cx="2747122" cy="369332"/>
-            <a:chOff x="1628272" y="1548091"/>
-            <a:chExt cx="2747122" cy="369332"/>
+            <a:off x="1728090" y="3407030"/>
+            <a:ext cx="3248528" cy="369332"/>
+            <a:chOff x="1628272" y="2650509"/>
+            <a:chExt cx="3248528" cy="369332"/>
           </a:xfrm>
         </p:grpSpPr>
         <p:sp>
           <p:nvSpPr>
-            <p:cNvPr id="90" name="文本框 89">
+            <p:cNvPr id="114" name="文本框 113">
               <a:extLst>
                 <a:ext uri="{FF2B5EF4-FFF2-40B4-BE49-F238E27FC236}">
-                  <a16:creationId xmlns:a16="http://schemas.microsoft.com/office/drawing/2014/main" id="{3ED73401-EF61-4355-ACB6-3503DB85C9F9}"/>
+                  <a16:creationId xmlns:a16="http://schemas.microsoft.com/office/drawing/2014/main" id="{158A193E-496C-4CF5-B041-C6410D7751E2}"/>
                 </a:ext>
               </a:extLst>
             </p:cNvPr>
@@ -4821,8 +4170,8 @@
           </p:nvSpPr>
           <p:spPr>
             <a:xfrm>
-              <a:off x="2016190" y="1548091"/>
-              <a:ext cx="2359204" cy="369332"/>
+              <a:off x="1929281" y="2650509"/>
+              <a:ext cx="2947519" cy="369332"/>
             </a:xfrm>
             <a:prstGeom prst="rect">
               <a:avLst/>
@@ -4839,8 +4188,9 @@
                 <a:rPr lang="zh-CN" altLang="en-US" b="1">
                   <a:latin typeface="Consolas" panose="020B0609020204030204" pitchFamily="49" charset="0"/>
                   <a:ea typeface="微软雅黑" panose="020B0503020204020204" pitchFamily="34" charset="-122"/>
+                  <a:hlinkClick r:id="rId6" action="ppaction://hlinksldjump"/>
                 </a:rPr>
-                <a:t>出售</a:t>
+                <a:t>商家买单</a:t>
               </a:r>
               <a:endParaRPr lang="zh-CN" altLang="en-US"/>
             </a:p>
@@ -4848,10 +4198,10 @@
         </p:sp>
         <p:sp>
           <p:nvSpPr>
-            <p:cNvPr id="91" name="菱形 90">
+            <p:cNvPr id="115" name="椭圆 114">
               <a:extLst>
                 <a:ext uri="{FF2B5EF4-FFF2-40B4-BE49-F238E27FC236}">
-                  <a16:creationId xmlns:a16="http://schemas.microsoft.com/office/drawing/2014/main" id="{5CA69704-E3ED-46EF-B316-C927E9DF60CE}"/>
+                  <a16:creationId xmlns:a16="http://schemas.microsoft.com/office/drawing/2014/main" id="{EAC6E9F0-7AE6-4B43-B909-F3D4C3049588}"/>
                 </a:ext>
               </a:extLst>
             </p:cNvPr>
@@ -4860,10 +4210,10 @@
           </p:nvSpPr>
           <p:spPr>
             <a:xfrm>
-              <a:off x="1628272" y="1624757"/>
-              <a:ext cx="216000" cy="216000"/>
+              <a:off x="1628272" y="2735931"/>
+              <a:ext cx="208685" cy="198489"/>
             </a:xfrm>
-            <a:prstGeom prst="diamond">
+            <a:prstGeom prst="ellipse">
               <a:avLst/>
             </a:prstGeom>
           </p:spPr>
@@ -4895,10 +4245,10 @@
       </p:grpSp>
       <p:grpSp>
         <p:nvGrpSpPr>
-          <p:cNvPr id="98" name="组合 97">
-            <a:extLst>
-              <a:ext uri="{FF2B5EF4-FFF2-40B4-BE49-F238E27FC236}">
-                <a16:creationId xmlns:a16="http://schemas.microsoft.com/office/drawing/2014/main" id="{6B362DEE-CB88-4DB8-A5BE-340653FEF043}"/>
+          <p:cNvPr id="116" name="组合 115">
+            <a:extLst>
+              <a:ext uri="{FF2B5EF4-FFF2-40B4-BE49-F238E27FC236}">
+                <a16:creationId xmlns:a16="http://schemas.microsoft.com/office/drawing/2014/main" id="{5F38DA43-F1D7-41EE-B222-FD09B4146210}"/>
               </a:ext>
             </a:extLst>
           </p:cNvPr>
@@ -4907,18 +4257,18 @@
         </p:nvGrpSpPr>
         <p:grpSpPr>
           <a:xfrm>
-            <a:off x="7904071" y="3685652"/>
-            <a:ext cx="2747122" cy="369332"/>
-            <a:chOff x="1628272" y="1548091"/>
-            <a:chExt cx="2747122" cy="369332"/>
+            <a:off x="1728090" y="3871899"/>
+            <a:ext cx="3248528" cy="369332"/>
+            <a:chOff x="1628272" y="2650509"/>
+            <a:chExt cx="3248528" cy="369332"/>
           </a:xfrm>
         </p:grpSpPr>
         <p:sp>
           <p:nvSpPr>
-            <p:cNvPr id="99" name="文本框 98">
+            <p:cNvPr id="117" name="文本框 116">
               <a:extLst>
                 <a:ext uri="{FF2B5EF4-FFF2-40B4-BE49-F238E27FC236}">
-                  <a16:creationId xmlns:a16="http://schemas.microsoft.com/office/drawing/2014/main" id="{7AF9E421-16B9-4A80-AF8C-4AAC0A62F879}"/>
+                  <a16:creationId xmlns:a16="http://schemas.microsoft.com/office/drawing/2014/main" id="{38BE65A9-1BA1-4255-8C8C-C6E1F1CA1C16}"/>
                 </a:ext>
               </a:extLst>
             </p:cNvPr>
@@ -4927,8 +4277,8 @@
           </p:nvSpPr>
           <p:spPr>
             <a:xfrm>
-              <a:off x="2016190" y="1548091"/>
-              <a:ext cx="2359204" cy="369332"/>
+              <a:off x="1929281" y="2650509"/>
+              <a:ext cx="2947519" cy="369332"/>
             </a:xfrm>
             <a:prstGeom prst="rect">
               <a:avLst/>
@@ -4945,8 +4295,9 @@
                 <a:rPr lang="zh-CN" altLang="en-US" b="1">
                   <a:latin typeface="Consolas" panose="020B0609020204030204" pitchFamily="49" charset="0"/>
                   <a:ea typeface="微软雅黑" panose="020B0503020204020204" pitchFamily="34" charset="-122"/>
+                  <a:hlinkClick r:id="rId7" action="ppaction://hlinksldjump"/>
                 </a:rPr>
-                <a:t>撤销购买</a:t>
+                <a:t>客户出售订单</a:t>
               </a:r>
               <a:endParaRPr lang="zh-CN" altLang="en-US"/>
             </a:p>
@@ -4954,10 +4305,10 @@
         </p:sp>
         <p:sp>
           <p:nvSpPr>
-            <p:cNvPr id="100" name="菱形 99">
+            <p:cNvPr id="118" name="椭圆 117">
               <a:extLst>
                 <a:ext uri="{FF2B5EF4-FFF2-40B4-BE49-F238E27FC236}">
-                  <a16:creationId xmlns:a16="http://schemas.microsoft.com/office/drawing/2014/main" id="{2AE77819-A8D3-4C29-AFAF-397E671F8041}"/>
+                  <a16:creationId xmlns:a16="http://schemas.microsoft.com/office/drawing/2014/main" id="{7CAF9FC7-CF24-49FA-B230-8DB6487300F3}"/>
                 </a:ext>
               </a:extLst>
             </p:cNvPr>
@@ -4966,10 +4317,10 @@
           </p:nvSpPr>
           <p:spPr>
             <a:xfrm>
-              <a:off x="1628272" y="1624757"/>
-              <a:ext cx="216000" cy="216000"/>
+              <a:off x="1628272" y="2735931"/>
+              <a:ext cx="208685" cy="198489"/>
             </a:xfrm>
-            <a:prstGeom prst="diamond">
+            <a:prstGeom prst="ellipse">
               <a:avLst/>
             </a:prstGeom>
           </p:spPr>
@@ -5001,10 +4352,10 @@
       </p:grpSp>
       <p:grpSp>
         <p:nvGrpSpPr>
-          <p:cNvPr id="101" name="组合 100">
-            <a:extLst>
-              <a:ext uri="{FF2B5EF4-FFF2-40B4-BE49-F238E27FC236}">
-                <a16:creationId xmlns:a16="http://schemas.microsoft.com/office/drawing/2014/main" id="{B37A842A-C235-443F-ADEE-C6D1EB48A310}"/>
+          <p:cNvPr id="119" name="组合 118">
+            <a:extLst>
+              <a:ext uri="{FF2B5EF4-FFF2-40B4-BE49-F238E27FC236}">
+                <a16:creationId xmlns:a16="http://schemas.microsoft.com/office/drawing/2014/main" id="{0D8244F3-24A1-49D4-8C50-EF1EB0A7C3DA}"/>
               </a:ext>
             </a:extLst>
           </p:cNvPr>
@@ -5013,18 +4364,18 @@
         </p:nvGrpSpPr>
         <p:grpSpPr>
           <a:xfrm>
-            <a:off x="7910167" y="4487276"/>
-            <a:ext cx="2747122" cy="369332"/>
-            <a:chOff x="1628272" y="1548091"/>
-            <a:chExt cx="2747122" cy="369332"/>
+            <a:off x="7482223" y="3407030"/>
+            <a:ext cx="3248528" cy="369332"/>
+            <a:chOff x="1628272" y="2650509"/>
+            <a:chExt cx="3248528" cy="369332"/>
           </a:xfrm>
         </p:grpSpPr>
         <p:sp>
           <p:nvSpPr>
-            <p:cNvPr id="102" name="文本框 101">
+            <p:cNvPr id="120" name="文本框 119">
               <a:extLst>
                 <a:ext uri="{FF2B5EF4-FFF2-40B4-BE49-F238E27FC236}">
-                  <a16:creationId xmlns:a16="http://schemas.microsoft.com/office/drawing/2014/main" id="{F05A0D58-A282-4DAB-9432-42078D8D3599}"/>
+                  <a16:creationId xmlns:a16="http://schemas.microsoft.com/office/drawing/2014/main" id="{CD4B44C3-7D13-4488-B5D6-3106ACDE47B4}"/>
                 </a:ext>
               </a:extLst>
             </p:cNvPr>
@@ -5033,8 +4384,8 @@
           </p:nvSpPr>
           <p:spPr>
             <a:xfrm>
-              <a:off x="2016190" y="1548091"/>
-              <a:ext cx="2359204" cy="369332"/>
+              <a:off x="1929281" y="2650509"/>
+              <a:ext cx="2947519" cy="369332"/>
             </a:xfrm>
             <a:prstGeom prst="rect">
               <a:avLst/>
@@ -5051,8 +4402,9 @@
                 <a:rPr lang="zh-CN" altLang="en-US" b="1">
                   <a:latin typeface="Consolas" panose="020B0609020204030204" pitchFamily="49" charset="0"/>
                   <a:ea typeface="微软雅黑" panose="020B0503020204020204" pitchFamily="34" charset="-122"/>
+                  <a:hlinkClick r:id="rId8" action="ppaction://hlinksldjump"/>
                 </a:rPr>
-                <a:t>撤销出售</a:t>
+                <a:t>商家挂买单及撤销</a:t>
               </a:r>
               <a:endParaRPr lang="zh-CN" altLang="en-US"/>
             </a:p>
@@ -5060,10 +4412,10 @@
         </p:sp>
         <p:sp>
           <p:nvSpPr>
-            <p:cNvPr id="103" name="菱形 102">
+            <p:cNvPr id="121" name="椭圆 120">
               <a:extLst>
                 <a:ext uri="{FF2B5EF4-FFF2-40B4-BE49-F238E27FC236}">
-                  <a16:creationId xmlns:a16="http://schemas.microsoft.com/office/drawing/2014/main" id="{7E7680F3-CD56-4558-B031-746186D58A36}"/>
+                  <a16:creationId xmlns:a16="http://schemas.microsoft.com/office/drawing/2014/main" id="{4D2142DB-93A0-4EE1-8219-78B1474E7D0D}"/>
                 </a:ext>
               </a:extLst>
             </p:cNvPr>
@@ -5072,10 +4424,10 @@
           </p:nvSpPr>
           <p:spPr>
             <a:xfrm>
-              <a:off x="1628272" y="1624757"/>
-              <a:ext cx="216000" cy="216000"/>
+              <a:off x="1628272" y="2735931"/>
+              <a:ext cx="208685" cy="198489"/>
             </a:xfrm>
-            <a:prstGeom prst="diamond">
+            <a:prstGeom prst="ellipse">
               <a:avLst/>
             </a:prstGeom>
           </p:spPr>
@@ -5107,10 +4459,10 @@
       </p:grpSp>
       <p:grpSp>
         <p:nvGrpSpPr>
-          <p:cNvPr id="107" name="组合 106">
-            <a:extLst>
-              <a:ext uri="{FF2B5EF4-FFF2-40B4-BE49-F238E27FC236}">
-                <a16:creationId xmlns:a16="http://schemas.microsoft.com/office/drawing/2014/main" id="{BB2F0A86-A783-4512-BE14-6FDFAED60F47}"/>
+          <p:cNvPr id="125" name="组合 124">
+            <a:extLst>
+              <a:ext uri="{FF2B5EF4-FFF2-40B4-BE49-F238E27FC236}">
+                <a16:creationId xmlns:a16="http://schemas.microsoft.com/office/drawing/2014/main" id="{21A57AF4-E7EF-489A-9F19-C58197D7C27D}"/>
               </a:ext>
             </a:extLst>
           </p:cNvPr>
@@ -5119,18 +4471,18 @@
         </p:nvGrpSpPr>
         <p:grpSpPr>
           <a:xfrm>
-            <a:off x="7911472" y="2292251"/>
-            <a:ext cx="2739719" cy="369332"/>
-            <a:chOff x="1628272" y="1548091"/>
-            <a:chExt cx="2739719" cy="369332"/>
+            <a:off x="7482223" y="3871899"/>
+            <a:ext cx="3262027" cy="369332"/>
+            <a:chOff x="1628272" y="2650509"/>
+            <a:chExt cx="3262027" cy="369332"/>
           </a:xfrm>
         </p:grpSpPr>
         <p:sp>
           <p:nvSpPr>
-            <p:cNvPr id="108" name="文本框 107">
+            <p:cNvPr id="126" name="文本框 125">
               <a:extLst>
                 <a:ext uri="{FF2B5EF4-FFF2-40B4-BE49-F238E27FC236}">
-                  <a16:creationId xmlns:a16="http://schemas.microsoft.com/office/drawing/2014/main" id="{06226270-C23F-40AE-A821-E8623E59DB95}"/>
+                  <a16:creationId xmlns:a16="http://schemas.microsoft.com/office/drawing/2014/main" id="{522A97A2-92E9-4482-A5F5-5234E242DECE}"/>
                 </a:ext>
               </a:extLst>
             </p:cNvPr>
@@ -5139,8 +4491,8 @@
           </p:nvSpPr>
           <p:spPr>
             <a:xfrm>
-              <a:off x="2016190" y="1548091"/>
-              <a:ext cx="2351801" cy="369332"/>
+              <a:off x="1929281" y="2650509"/>
+              <a:ext cx="2961018" cy="369332"/>
             </a:xfrm>
             <a:prstGeom prst="rect">
               <a:avLst/>
@@ -5157,16 +4509,9 @@
                 <a:rPr lang="zh-CN" altLang="en-US" b="1">
                   <a:latin typeface="Consolas" panose="020B0609020204030204" pitchFamily="49" charset="0"/>
                   <a:ea typeface="微软雅黑" panose="020B0503020204020204" pitchFamily="34" charset="-122"/>
-                  <a:hlinkClick r:id="rId2" action="ppaction://hlinksldjump"/>
+                  <a:hlinkClick r:id="rId9" action="ppaction://hlinksldjump"/>
                 </a:rPr>
-                <a:t>挂买单</a:t>
-              </a:r>
-              <a:r>
-                <a:rPr lang="zh-CN" altLang="en-US" b="1">
-                  <a:latin typeface="Consolas" panose="020B0609020204030204" pitchFamily="49" charset="0"/>
-                  <a:ea typeface="微软雅黑" panose="020B0503020204020204" pitchFamily="34" charset="-122"/>
-                </a:rPr>
-                <a:t>及赎回</a:t>
+                <a:t>客户出售</a:t>
               </a:r>
               <a:endParaRPr lang="zh-CN" altLang="en-US"/>
             </a:p>
@@ -5174,10 +4519,10 @@
         </p:sp>
         <p:sp>
           <p:nvSpPr>
-            <p:cNvPr id="109" name="菱形 108">
+            <p:cNvPr id="127" name="椭圆 126">
               <a:extLst>
                 <a:ext uri="{FF2B5EF4-FFF2-40B4-BE49-F238E27FC236}">
-                  <a16:creationId xmlns:a16="http://schemas.microsoft.com/office/drawing/2014/main" id="{BF830589-9310-46BA-8D23-97A0A5F7CDC8}"/>
+                  <a16:creationId xmlns:a16="http://schemas.microsoft.com/office/drawing/2014/main" id="{D5461CB8-67F9-4F05-8D4C-39FB2AEF5143}"/>
                 </a:ext>
               </a:extLst>
             </p:cNvPr>
@@ -5186,10 +4531,10 @@
           </p:nvSpPr>
           <p:spPr>
             <a:xfrm>
-              <a:off x="1628272" y="1624757"/>
-              <a:ext cx="216000" cy="216000"/>
+              <a:off x="1628272" y="2735931"/>
+              <a:ext cx="208685" cy="198489"/>
             </a:xfrm>
-            <a:prstGeom prst="diamond">
+            <a:prstGeom prst="ellipse">
               <a:avLst/>
             </a:prstGeom>
           </p:spPr>
@@ -5365,7 +4710,7 @@
         <p:spPr>
           <a:xfrm>
             <a:off x="712379" y="173975"/>
-            <a:ext cx="1005403" cy="584775"/>
+            <a:ext cx="1826141" cy="584775"/>
           </a:xfrm>
           <a:prstGeom prst="rect">
             <a:avLst/>
@@ -5383,7 +4728,7 @@
                 <a:latin typeface="Consolas" panose="020B0609020204030204" pitchFamily="49" charset="0"/>
                 <a:ea typeface="微软雅黑" panose="020B0503020204020204" pitchFamily="34" charset="-122"/>
               </a:rPr>
-              <a:t>卖单</a:t>
+              <a:t>商家卖单</a:t>
             </a:r>
           </a:p>
         </p:txBody>
@@ -6035,7 +5380,7 @@
         <p:spPr>
           <a:xfrm>
             <a:off x="712379" y="173975"/>
-            <a:ext cx="1005403" cy="584775"/>
+            <a:ext cx="2646878" cy="584775"/>
           </a:xfrm>
           <a:prstGeom prst="rect">
             <a:avLst/>
@@ -6053,17 +5398,17 @@
                 <a:latin typeface="Consolas" panose="020B0609020204030204" pitchFamily="49" charset="0"/>
                 <a:ea typeface="微软雅黑" panose="020B0503020204020204" pitchFamily="34" charset="-122"/>
               </a:rPr>
-              <a:t>买单</a:t>
-            </a:r>
-          </a:p>
-        </p:txBody>
-      </p:sp>
-      <p:sp>
-        <p:nvSpPr>
-          <p:cNvPr id="18" name="矩形: 圆角 17">
-            <a:extLst>
-              <a:ext uri="{FF2B5EF4-FFF2-40B4-BE49-F238E27FC236}">
-                <a16:creationId xmlns:a16="http://schemas.microsoft.com/office/drawing/2014/main" id="{2FD962FE-C602-4E1B-BB84-0915EC240DD7}"/>
+              <a:t>客户购买订单</a:t>
+            </a:r>
+          </a:p>
+        </p:txBody>
+      </p:sp>
+      <p:sp>
+        <p:nvSpPr>
+          <p:cNvPr id="9" name="矩形: 圆角 8">
+            <a:extLst>
+              <a:ext uri="{FF2B5EF4-FFF2-40B4-BE49-F238E27FC236}">
+                <a16:creationId xmlns:a16="http://schemas.microsoft.com/office/drawing/2014/main" id="{D44E7F41-4F7B-4571-9A58-0FCD4597B84E}"/>
               </a:ext>
             </a:extLst>
           </p:cNvPr>
@@ -6072,272 +5417,7 @@
         </p:nvSpPr>
         <p:spPr>
           <a:xfrm>
-            <a:off x="712379" y="1322049"/>
-            <a:ext cx="1885631" cy="648000"/>
-          </a:xfrm>
-          <a:prstGeom prst="roundRect">
-            <a:avLst>
-              <a:gd name="adj" fmla="val 9906"/>
-            </a:avLst>
-          </a:prstGeom>
-          <a:solidFill>
-            <a:schemeClr val="bg1">
-              <a:lumMod val="95000"/>
-            </a:schemeClr>
-          </a:solidFill>
-          <a:ln>
-            <a:solidFill>
-              <a:schemeClr val="tx1"/>
-            </a:solidFill>
-          </a:ln>
-        </p:spPr>
-        <p:style>
-          <a:lnRef idx="2">
-            <a:schemeClr val="accent1">
-              <a:shade val="50000"/>
-            </a:schemeClr>
-          </a:lnRef>
-          <a:fillRef idx="1">
-            <a:schemeClr val="accent1"/>
-          </a:fillRef>
-          <a:effectRef idx="0">
-            <a:schemeClr val="accent1"/>
-          </a:effectRef>
-          <a:fontRef idx="minor">
-            <a:schemeClr val="lt1"/>
-          </a:fontRef>
-        </p:style>
-        <p:txBody>
-          <a:bodyPr wrap="none" lIns="36000" tIns="36000" rIns="36000" bIns="36000" rtlCol="0" anchor="ctr" anchorCtr="0"/>
-          <a:lstStyle/>
-          <a:p>
-            <a:pPr algn="ctr"/>
-            <a:r>
-              <a:rPr lang="zh-CN" altLang="en-US" sz="1600" b="1">
-                <a:solidFill>
-                  <a:schemeClr val="tx1"/>
-                </a:solidFill>
-                <a:latin typeface="微软雅黑" panose="020B0503020204020204" pitchFamily="34" charset="-122"/>
-                <a:ea typeface="微软雅黑" panose="020B0503020204020204" pitchFamily="34" charset="-122"/>
-              </a:rPr>
-              <a:t>买单表</a:t>
-            </a:r>
-            <a:endParaRPr lang="en-US" altLang="zh-CN" sz="1600" b="1">
-              <a:solidFill>
-                <a:schemeClr val="tx1"/>
-              </a:solidFill>
-              <a:latin typeface="微软雅黑" panose="020B0503020204020204" pitchFamily="34" charset="-122"/>
-              <a:ea typeface="微软雅黑" panose="020B0503020204020204" pitchFamily="34" charset="-122"/>
-            </a:endParaRPr>
-          </a:p>
-          <a:p>
-            <a:pPr algn="ctr"/>
-            <a:r>
-              <a:rPr lang="en-US" altLang="zh-CN" sz="1600" b="1">
-                <a:solidFill>
-                  <a:schemeClr val="tx1"/>
-                </a:solidFill>
-                <a:latin typeface="微软雅黑" panose="020B0503020204020204" pitchFamily="34" charset="-122"/>
-                <a:ea typeface="微软雅黑" panose="020B0503020204020204" pitchFamily="34" charset="-122"/>
-              </a:rPr>
-              <a:t>Buy</a:t>
-            </a:r>
-            <a:endParaRPr lang="zh-CN" altLang="en-US" sz="1600" b="1">
-              <a:solidFill>
-                <a:schemeClr val="tx1"/>
-              </a:solidFill>
-              <a:latin typeface="微软雅黑" panose="020B0503020204020204" pitchFamily="34" charset="-122"/>
-              <a:ea typeface="微软雅黑" panose="020B0503020204020204" pitchFamily="34" charset="-122"/>
-            </a:endParaRPr>
-          </a:p>
-        </p:txBody>
-      </p:sp>
-      <p:sp>
-        <p:nvSpPr>
-          <p:cNvPr id="19" name="矩形: 圆角 18">
-            <a:extLst>
-              <a:ext uri="{FF2B5EF4-FFF2-40B4-BE49-F238E27FC236}">
-                <a16:creationId xmlns:a16="http://schemas.microsoft.com/office/drawing/2014/main" id="{651B7A53-F543-44FB-A879-6B319210B8D3}"/>
-              </a:ext>
-            </a:extLst>
-          </p:cNvPr>
-          <p:cNvSpPr/>
-          <p:nvPr/>
-        </p:nvSpPr>
-        <p:spPr>
-          <a:xfrm>
-            <a:off x="712380" y="1970050"/>
-            <a:ext cx="1885630" cy="1314327"/>
-          </a:xfrm>
-          <a:prstGeom prst="roundRect">
-            <a:avLst>
-              <a:gd name="adj" fmla="val 5494"/>
-            </a:avLst>
-          </a:prstGeom>
-          <a:noFill/>
-          <a:ln>
-            <a:solidFill>
-              <a:schemeClr val="tx2"/>
-            </a:solidFill>
-            <a:prstDash val="dash"/>
-          </a:ln>
-        </p:spPr>
-        <p:style>
-          <a:lnRef idx="2">
-            <a:schemeClr val="accent1">
-              <a:shade val="50000"/>
-            </a:schemeClr>
-          </a:lnRef>
-          <a:fillRef idx="1">
-            <a:schemeClr val="accent1"/>
-          </a:fillRef>
-          <a:effectRef idx="0">
-            <a:schemeClr val="accent1"/>
-          </a:effectRef>
-          <a:fontRef idx="minor">
-            <a:schemeClr val="lt1"/>
-          </a:fontRef>
-        </p:style>
-        <p:txBody>
-          <a:bodyPr rtlCol="0" anchor="b" anchorCtr="0"/>
-          <a:lstStyle/>
-          <a:p>
-            <a:r>
-              <a:rPr lang="zh-CN" altLang="en-US" sz="1200" b="1">
-                <a:solidFill>
-                  <a:schemeClr val="tx1"/>
-                </a:solidFill>
-                <a:latin typeface="微软雅黑" panose="020B0503020204020204" pitchFamily="34" charset="-122"/>
-                <a:ea typeface="微软雅黑" panose="020B0503020204020204" pitchFamily="34" charset="-122"/>
-              </a:rPr>
-              <a:t>买单</a:t>
-            </a:r>
-            <a:r>
-              <a:rPr lang="en-US" altLang="zh-CN" sz="1200" b="1">
-                <a:solidFill>
-                  <a:schemeClr val="tx1"/>
-                </a:solidFill>
-                <a:latin typeface="微软雅黑" panose="020B0503020204020204" pitchFamily="34" charset="-122"/>
-                <a:ea typeface="微软雅黑" panose="020B0503020204020204" pitchFamily="34" charset="-122"/>
-              </a:rPr>
-              <a:t>id</a:t>
-            </a:r>
-          </a:p>
-          <a:p>
-            <a:r>
-              <a:rPr lang="zh-CN" altLang="en-US" sz="1200" b="1">
-                <a:solidFill>
-                  <a:schemeClr val="tx1"/>
-                </a:solidFill>
-                <a:latin typeface="微软雅黑" panose="020B0503020204020204" pitchFamily="34" charset="-122"/>
-                <a:ea typeface="微软雅黑" panose="020B0503020204020204" pitchFamily="34" charset="-122"/>
-              </a:rPr>
-              <a:t>账户</a:t>
-            </a:r>
-            <a:r>
-              <a:rPr lang="en-US" altLang="zh-CN" sz="1200" b="1">
-                <a:solidFill>
-                  <a:schemeClr val="tx1"/>
-                </a:solidFill>
-                <a:latin typeface="微软雅黑" panose="020B0503020204020204" pitchFamily="34" charset="-122"/>
-                <a:ea typeface="微软雅黑" panose="020B0503020204020204" pitchFamily="34" charset="-122"/>
-              </a:rPr>
-              <a:t>id</a:t>
-            </a:r>
-          </a:p>
-          <a:p>
-            <a:r>
-              <a:rPr lang="zh-CN" altLang="en-US" sz="1200" b="1">
-                <a:solidFill>
-                  <a:schemeClr val="tx1"/>
-                </a:solidFill>
-                <a:latin typeface="微软雅黑" panose="020B0503020204020204" pitchFamily="34" charset="-122"/>
-                <a:ea typeface="微软雅黑" panose="020B0503020204020204" pitchFamily="34" charset="-122"/>
-              </a:rPr>
-              <a:t>数量</a:t>
-            </a:r>
-            <a:endParaRPr lang="en-US" altLang="zh-CN" sz="1200" b="1">
-              <a:solidFill>
-                <a:schemeClr val="tx1"/>
-              </a:solidFill>
-              <a:latin typeface="微软雅黑" panose="020B0503020204020204" pitchFamily="34" charset="-122"/>
-              <a:ea typeface="微软雅黑" panose="020B0503020204020204" pitchFamily="34" charset="-122"/>
-            </a:endParaRPr>
-          </a:p>
-          <a:p>
-            <a:r>
-              <a:rPr lang="zh-CN" altLang="en-US" sz="1200" b="1">
-                <a:solidFill>
-                  <a:schemeClr val="tx1"/>
-                </a:solidFill>
-                <a:latin typeface="微软雅黑" panose="020B0503020204020204" pitchFamily="34" charset="-122"/>
-                <a:ea typeface="微软雅黑" panose="020B0503020204020204" pitchFamily="34" charset="-122"/>
-              </a:rPr>
-              <a:t>剩余量</a:t>
-            </a:r>
-            <a:endParaRPr lang="en-US" altLang="zh-CN" sz="1200" b="1">
-              <a:solidFill>
-                <a:schemeClr val="tx1"/>
-              </a:solidFill>
-              <a:latin typeface="微软雅黑" panose="020B0503020204020204" pitchFamily="34" charset="-122"/>
-              <a:ea typeface="微软雅黑" panose="020B0503020204020204" pitchFamily="34" charset="-122"/>
-            </a:endParaRPr>
-          </a:p>
-          <a:p>
-            <a:r>
-              <a:rPr lang="zh-CN" altLang="en-US" sz="1200" b="1">
-                <a:solidFill>
-                  <a:schemeClr val="tx1"/>
-                </a:solidFill>
-                <a:latin typeface="微软雅黑" panose="020B0503020204020204" pitchFamily="34" charset="-122"/>
-                <a:ea typeface="微软雅黑" panose="020B0503020204020204" pitchFamily="34" charset="-122"/>
-              </a:rPr>
-              <a:t>单价</a:t>
-            </a:r>
-            <a:endParaRPr lang="en-US" altLang="zh-CN" sz="1200" b="1">
-              <a:solidFill>
-                <a:schemeClr val="tx1"/>
-              </a:solidFill>
-              <a:latin typeface="微软雅黑" panose="020B0503020204020204" pitchFamily="34" charset="-122"/>
-              <a:ea typeface="微软雅黑" panose="020B0503020204020204" pitchFamily="34" charset="-122"/>
-            </a:endParaRPr>
-          </a:p>
-          <a:p>
-            <a:r>
-              <a:rPr lang="zh-CN" altLang="en-US" sz="1200" b="1">
-                <a:solidFill>
-                  <a:schemeClr val="tx1"/>
-                </a:solidFill>
-                <a:latin typeface="微软雅黑" panose="020B0503020204020204" pitchFamily="34" charset="-122"/>
-                <a:ea typeface="微软雅黑" panose="020B0503020204020204" pitchFamily="34" charset="-122"/>
-              </a:rPr>
-              <a:t>时间戳</a:t>
-            </a:r>
-            <a:endParaRPr lang="en-US" altLang="zh-CN" sz="1200" b="1">
-              <a:solidFill>
-                <a:schemeClr val="tx1"/>
-              </a:solidFill>
-              <a:latin typeface="微软雅黑" panose="020B0503020204020204" pitchFamily="34" charset="-122"/>
-              <a:ea typeface="微软雅黑" panose="020B0503020204020204" pitchFamily="34" charset="-122"/>
-            </a:endParaRPr>
-          </a:p>
-        </p:txBody>
-      </p:sp>
-      <p:sp>
-        <p:nvSpPr>
-          <p:cNvPr id="7" name="矩形: 圆角 6">
-            <a:extLst>
-              <a:ext uri="{FF2B5EF4-FFF2-40B4-BE49-F238E27FC236}">
-                <a16:creationId xmlns:a16="http://schemas.microsoft.com/office/drawing/2014/main" id="{AFA00468-CD58-410C-8E4F-78973CB57DBC}"/>
-              </a:ext>
-            </a:extLst>
-          </p:cNvPr>
-          <p:cNvSpPr/>
-          <p:nvPr/>
-        </p:nvSpPr>
-        <p:spPr>
-          <a:xfrm>
-            <a:off x="3588749" y="1332737"/>
+            <a:off x="712379" y="1219412"/>
             <a:ext cx="2180394" cy="648000"/>
           </a:xfrm>
           <a:prstGeom prst="roundRect">
@@ -6385,7 +5465,7 @@
                 <a:latin typeface="微软雅黑" panose="020B0503020204020204" pitchFamily="34" charset="-122"/>
                 <a:ea typeface="微软雅黑" panose="020B0503020204020204" pitchFamily="34" charset="-122"/>
               </a:rPr>
-              <a:t>撤销买单表</a:t>
+              <a:t>购买订单表</a:t>
             </a:r>
             <a:endParaRPr lang="en-US" altLang="zh-CN" sz="1600" b="1">
               <a:solidFill>
@@ -6405,7 +5485,7 @@
                 <a:latin typeface="微软雅黑" panose="020B0503020204020204" pitchFamily="34" charset="-122"/>
                 <a:ea typeface="微软雅黑" panose="020B0503020204020204" pitchFamily="34" charset="-122"/>
               </a:rPr>
-              <a:t>RecusalBuy</a:t>
+              <a:t>BuyOrder</a:t>
             </a:r>
             <a:endParaRPr lang="zh-CN" altLang="en-US" sz="1600" b="1">
               <a:solidFill>
@@ -6419,10 +5499,10 @@
       </p:sp>
       <p:sp>
         <p:nvSpPr>
-          <p:cNvPr id="8" name="矩形: 圆角 7">
-            <a:extLst>
-              <a:ext uri="{FF2B5EF4-FFF2-40B4-BE49-F238E27FC236}">
-                <a16:creationId xmlns:a16="http://schemas.microsoft.com/office/drawing/2014/main" id="{63E31F36-B4D3-4FAB-8001-A8873FDFF903}"/>
+          <p:cNvPr id="10" name="矩形: 圆角 9">
+            <a:extLst>
+              <a:ext uri="{FF2B5EF4-FFF2-40B4-BE49-F238E27FC236}">
+                <a16:creationId xmlns:a16="http://schemas.microsoft.com/office/drawing/2014/main" id="{998EFC57-75B4-4980-8D6F-DD8086068F7B}"/>
               </a:ext>
             </a:extLst>
           </p:cNvPr>
@@ -6431,8 +5511,8 @@
         </p:nvSpPr>
         <p:spPr>
           <a:xfrm>
-            <a:off x="3588750" y="1980737"/>
-            <a:ext cx="2180394" cy="886749"/>
+            <a:off x="712380" y="1867410"/>
+            <a:ext cx="2180394" cy="1706205"/>
           </a:xfrm>
           <a:prstGeom prst="roundRect">
             <a:avLst>
@@ -6484,7 +5564,7 @@
                 <a:latin typeface="微软雅黑" panose="020B0503020204020204" pitchFamily="34" charset="-122"/>
                 <a:ea typeface="微软雅黑" panose="020B0503020204020204" pitchFamily="34" charset="-122"/>
               </a:rPr>
-              <a:t>撤销买单</a:t>
+              <a:t>订单</a:t>
             </a:r>
             <a:r>
               <a:rPr lang="en-US" altLang="zh-CN" sz="1200" b="1">
@@ -6506,7 +5586,29 @@
                 <a:latin typeface="微软雅黑" panose="020B0503020204020204" pitchFamily="34" charset="-122"/>
                 <a:ea typeface="微软雅黑" panose="020B0503020204020204" pitchFamily="34" charset="-122"/>
               </a:rPr>
-              <a:t>买单</a:t>
+              <a:t>卖单</a:t>
+            </a:r>
+            <a:r>
+              <a:rPr lang="en-US" altLang="zh-CN" sz="1200" b="1">
+                <a:solidFill>
+                  <a:schemeClr val="tx1"/>
+                </a:solidFill>
+                <a:latin typeface="微软雅黑" panose="020B0503020204020204" pitchFamily="34" charset="-122"/>
+                <a:ea typeface="微软雅黑" panose="020B0503020204020204" pitchFamily="34" charset="-122"/>
+              </a:rPr>
+              <a:t>id</a:t>
+            </a:r>
+          </a:p>
+          <a:p>
+            <a:r>
+              <a:rPr lang="zh-CN" altLang="en-US" sz="1200" b="1">
+                <a:solidFill>
+                  <a:schemeClr val="tx1"/>
+                </a:solidFill>
+                <a:latin typeface="微软雅黑" panose="020B0503020204020204" pitchFamily="34" charset="-122"/>
+                <a:ea typeface="微软雅黑" panose="020B0503020204020204" pitchFamily="34" charset="-122"/>
+              </a:rPr>
+              <a:t>买家</a:t>
             </a:r>
             <a:r>
               <a:rPr lang="en-US" altLang="zh-CN" sz="1200" b="1">
@@ -6547,7 +5649,7 @@
                 <a:latin typeface="微软雅黑" panose="020B0503020204020204" pitchFamily="34" charset="-122"/>
                 <a:ea typeface="微软雅黑" panose="020B0503020204020204" pitchFamily="34" charset="-122"/>
               </a:rPr>
-              <a:t>时间戳</a:t>
+              <a:t>单价</a:t>
             </a:r>
             <a:endParaRPr lang="en-US" altLang="zh-CN" sz="1200" b="1">
               <a:solidFill>
@@ -6557,12 +5659,410 @@
               <a:ea typeface="微软雅黑" panose="020B0503020204020204" pitchFamily="34" charset="-122"/>
             </a:endParaRPr>
           </a:p>
+          <a:p>
+            <a:r>
+              <a:rPr lang="zh-CN" altLang="en-US" sz="1200" b="1">
+                <a:solidFill>
+                  <a:schemeClr val="tx1"/>
+                </a:solidFill>
+                <a:latin typeface="微软雅黑" panose="020B0503020204020204" pitchFamily="34" charset="-122"/>
+                <a:ea typeface="微软雅黑" panose="020B0503020204020204" pitchFamily="34" charset="-122"/>
+              </a:rPr>
+              <a:t>状态</a:t>
+            </a:r>
+            <a:r>
+              <a:rPr lang="en-US" altLang="zh-CN" sz="1200" b="1">
+                <a:solidFill>
+                  <a:schemeClr val="tx1"/>
+                </a:solidFill>
+                <a:latin typeface="微软雅黑" panose="020B0503020204020204" pitchFamily="34" charset="-122"/>
+                <a:ea typeface="微软雅黑" panose="020B0503020204020204" pitchFamily="34" charset="-122"/>
+              </a:rPr>
+              <a:t>[1</a:t>
+            </a:r>
+            <a:r>
+              <a:rPr lang="zh-CN" altLang="en-US" sz="1200" b="1">
+                <a:solidFill>
+                  <a:schemeClr val="tx1"/>
+                </a:solidFill>
+                <a:latin typeface="微软雅黑" panose="020B0503020204020204" pitchFamily="34" charset="-122"/>
+                <a:ea typeface="微软雅黑" panose="020B0503020204020204" pitchFamily="34" charset="-122"/>
+              </a:rPr>
+              <a:t>发起</a:t>
+            </a:r>
+            <a:r>
+              <a:rPr lang="en-US" altLang="zh-CN" sz="1200" b="1">
+                <a:solidFill>
+                  <a:schemeClr val="tx1"/>
+                </a:solidFill>
+                <a:latin typeface="微软雅黑" panose="020B0503020204020204" pitchFamily="34" charset="-122"/>
+                <a:ea typeface="微软雅黑" panose="020B0503020204020204" pitchFamily="34" charset="-122"/>
+              </a:rPr>
+              <a:t>,2</a:t>
+            </a:r>
+            <a:r>
+              <a:rPr lang="zh-CN" altLang="en-US" sz="1200" b="1">
+                <a:solidFill>
+                  <a:schemeClr val="tx1"/>
+                </a:solidFill>
+                <a:latin typeface="微软雅黑" panose="020B0503020204020204" pitchFamily="34" charset="-122"/>
+                <a:ea typeface="微软雅黑" panose="020B0503020204020204" pitchFamily="34" charset="-122"/>
+              </a:rPr>
+              <a:t>确认</a:t>
+            </a:r>
+            <a:r>
+              <a:rPr lang="en-US" altLang="zh-CN" sz="1200" b="1">
+                <a:solidFill>
+                  <a:schemeClr val="tx1"/>
+                </a:solidFill>
+                <a:latin typeface="微软雅黑" panose="020B0503020204020204" pitchFamily="34" charset="-122"/>
+                <a:ea typeface="微软雅黑" panose="020B0503020204020204" pitchFamily="34" charset="-122"/>
+              </a:rPr>
+              <a:t>]</a:t>
+            </a:r>
+          </a:p>
+          <a:p>
+            <a:r>
+              <a:rPr lang="zh-CN" altLang="en-US" sz="1200" b="1">
+                <a:solidFill>
+                  <a:schemeClr val="tx1"/>
+                </a:solidFill>
+                <a:latin typeface="微软雅黑" panose="020B0503020204020204" pitchFamily="34" charset="-122"/>
+                <a:ea typeface="微软雅黑" panose="020B0503020204020204" pitchFamily="34" charset="-122"/>
+              </a:rPr>
+              <a:t>发起时间戳</a:t>
+            </a:r>
+            <a:endParaRPr lang="en-US" altLang="zh-CN" sz="1200" b="1">
+              <a:solidFill>
+                <a:schemeClr val="tx1"/>
+              </a:solidFill>
+              <a:latin typeface="微软雅黑" panose="020B0503020204020204" pitchFamily="34" charset="-122"/>
+              <a:ea typeface="微软雅黑" panose="020B0503020204020204" pitchFamily="34" charset="-122"/>
+            </a:endParaRPr>
+          </a:p>
+          <a:p>
+            <a:r>
+              <a:rPr lang="zh-CN" altLang="en-US" sz="1200" b="1">
+                <a:solidFill>
+                  <a:schemeClr val="tx1"/>
+                </a:solidFill>
+                <a:latin typeface="微软雅黑" panose="020B0503020204020204" pitchFamily="34" charset="-122"/>
+                <a:ea typeface="微软雅黑" panose="020B0503020204020204" pitchFamily="34" charset="-122"/>
+              </a:rPr>
+              <a:t>确认时间戳</a:t>
+            </a:r>
+            <a:endParaRPr lang="en-US" altLang="zh-CN" sz="1200" b="1">
+              <a:solidFill>
+                <a:schemeClr val="tx1"/>
+              </a:solidFill>
+              <a:latin typeface="微软雅黑" panose="020B0503020204020204" pitchFamily="34" charset="-122"/>
+              <a:ea typeface="微软雅黑" panose="020B0503020204020204" pitchFamily="34" charset="-122"/>
+            </a:endParaRPr>
+          </a:p>
+        </p:txBody>
+      </p:sp>
+      <p:sp>
+        <p:nvSpPr>
+          <p:cNvPr id="7" name="矩形: 圆角 6">
+            <a:extLst>
+              <a:ext uri="{FF2B5EF4-FFF2-40B4-BE49-F238E27FC236}">
+                <a16:creationId xmlns:a16="http://schemas.microsoft.com/office/drawing/2014/main" id="{55AAB7A6-D94E-4ED0-9C45-3B8321C95221}"/>
+              </a:ext>
+            </a:extLst>
+          </p:cNvPr>
+          <p:cNvSpPr/>
+          <p:nvPr/>
+        </p:nvSpPr>
+        <p:spPr>
+          <a:xfrm>
+            <a:off x="4263453" y="1219412"/>
+            <a:ext cx="2180394" cy="648000"/>
+          </a:xfrm>
+          <a:prstGeom prst="roundRect">
+            <a:avLst>
+              <a:gd name="adj" fmla="val 13139"/>
+            </a:avLst>
+          </a:prstGeom>
+          <a:solidFill>
+            <a:schemeClr val="bg1">
+              <a:lumMod val="95000"/>
+            </a:schemeClr>
+          </a:solidFill>
+          <a:ln>
+            <a:solidFill>
+              <a:schemeClr val="tx1"/>
+            </a:solidFill>
+          </a:ln>
+        </p:spPr>
+        <p:style>
+          <a:lnRef idx="2">
+            <a:schemeClr val="accent1">
+              <a:shade val="50000"/>
+            </a:schemeClr>
+          </a:lnRef>
+          <a:fillRef idx="1">
+            <a:schemeClr val="accent1"/>
+          </a:fillRef>
+          <a:effectRef idx="0">
+            <a:schemeClr val="accent1"/>
+          </a:effectRef>
+          <a:fontRef idx="minor">
+            <a:schemeClr val="lt1"/>
+          </a:fontRef>
+        </p:style>
+        <p:txBody>
+          <a:bodyPr wrap="none" lIns="36000" tIns="36000" rIns="36000" bIns="36000" rtlCol="0" anchor="ctr" anchorCtr="0"/>
+          <a:lstStyle/>
+          <a:p>
+            <a:pPr algn="ctr"/>
+            <a:r>
+              <a:rPr lang="zh-CN" altLang="en-US" sz="1600" b="1">
+                <a:solidFill>
+                  <a:schemeClr val="tx1"/>
+                </a:solidFill>
+                <a:latin typeface="微软雅黑" panose="020B0503020204020204" pitchFamily="34" charset="-122"/>
+                <a:ea typeface="微软雅黑" panose="020B0503020204020204" pitchFamily="34" charset="-122"/>
+              </a:rPr>
+              <a:t>撤销购买订单表</a:t>
+            </a:r>
+            <a:endParaRPr lang="en-US" altLang="zh-CN" sz="1600" b="1">
+              <a:solidFill>
+                <a:schemeClr val="tx1"/>
+              </a:solidFill>
+              <a:latin typeface="微软雅黑" panose="020B0503020204020204" pitchFamily="34" charset="-122"/>
+              <a:ea typeface="微软雅黑" panose="020B0503020204020204" pitchFamily="34" charset="-122"/>
+            </a:endParaRPr>
+          </a:p>
+          <a:p>
+            <a:pPr algn="ctr"/>
+            <a:r>
+              <a:rPr lang="en-US" altLang="zh-CN" sz="1600" b="1">
+                <a:solidFill>
+                  <a:schemeClr val="tx1"/>
+                </a:solidFill>
+                <a:latin typeface="微软雅黑" panose="020B0503020204020204" pitchFamily="34" charset="-122"/>
+                <a:ea typeface="微软雅黑" panose="020B0503020204020204" pitchFamily="34" charset="-122"/>
+              </a:rPr>
+              <a:t>RecusalBuyOrder</a:t>
+            </a:r>
+            <a:endParaRPr lang="zh-CN" altLang="en-US" sz="1600" b="1">
+              <a:solidFill>
+                <a:schemeClr val="tx1"/>
+              </a:solidFill>
+              <a:latin typeface="微软雅黑" panose="020B0503020204020204" pitchFamily="34" charset="-122"/>
+              <a:ea typeface="微软雅黑" panose="020B0503020204020204" pitchFamily="34" charset="-122"/>
+            </a:endParaRPr>
+          </a:p>
+        </p:txBody>
+      </p:sp>
+      <p:sp>
+        <p:nvSpPr>
+          <p:cNvPr id="8" name="矩形: 圆角 7">
+            <a:extLst>
+              <a:ext uri="{FF2B5EF4-FFF2-40B4-BE49-F238E27FC236}">
+                <a16:creationId xmlns:a16="http://schemas.microsoft.com/office/drawing/2014/main" id="{4D7657B2-41EF-4FFE-AFA5-C4F6258B0036}"/>
+              </a:ext>
+            </a:extLst>
+          </p:cNvPr>
+          <p:cNvSpPr/>
+          <p:nvPr/>
+        </p:nvSpPr>
+        <p:spPr>
+          <a:xfrm>
+            <a:off x="4263454" y="1867411"/>
+            <a:ext cx="2180394" cy="1115486"/>
+          </a:xfrm>
+          <a:prstGeom prst="roundRect">
+            <a:avLst>
+              <a:gd name="adj" fmla="val 5494"/>
+            </a:avLst>
+          </a:prstGeom>
+          <a:noFill/>
+          <a:ln>
+            <a:solidFill>
+              <a:schemeClr val="tx2"/>
+            </a:solidFill>
+            <a:prstDash val="dash"/>
+          </a:ln>
+        </p:spPr>
+        <p:style>
+          <a:lnRef idx="2">
+            <a:schemeClr val="accent1">
+              <a:shade val="50000"/>
+            </a:schemeClr>
+          </a:lnRef>
+          <a:fillRef idx="1">
+            <a:schemeClr val="accent1"/>
+          </a:fillRef>
+          <a:effectRef idx="0">
+            <a:schemeClr val="accent1"/>
+          </a:effectRef>
+          <a:fontRef idx="minor">
+            <a:schemeClr val="lt1"/>
+          </a:fontRef>
+        </p:style>
+        <p:txBody>
+          <a:bodyPr rtlCol="0" anchor="b" anchorCtr="0"/>
+          <a:lstStyle/>
+          <a:p>
+            <a:endParaRPr lang="en-US" altLang="zh-CN" sz="1200" b="1">
+              <a:solidFill>
+                <a:schemeClr val="tx1"/>
+              </a:solidFill>
+              <a:latin typeface="微软雅黑" panose="020B0503020204020204" pitchFamily="34" charset="-122"/>
+              <a:ea typeface="微软雅黑" panose="020B0503020204020204" pitchFamily="34" charset="-122"/>
+            </a:endParaRPr>
+          </a:p>
+          <a:p>
+            <a:r>
+              <a:rPr lang="zh-CN" altLang="en-US" sz="1200" b="1">
+                <a:solidFill>
+                  <a:schemeClr val="tx1"/>
+                </a:solidFill>
+                <a:latin typeface="微软雅黑" panose="020B0503020204020204" pitchFamily="34" charset="-122"/>
+                <a:ea typeface="微软雅黑" panose="020B0503020204020204" pitchFamily="34" charset="-122"/>
+              </a:rPr>
+              <a:t>撤销</a:t>
+            </a:r>
+            <a:r>
+              <a:rPr lang="en-US" altLang="zh-CN" sz="1200" b="1">
+                <a:solidFill>
+                  <a:schemeClr val="tx1"/>
+                </a:solidFill>
+                <a:latin typeface="微软雅黑" panose="020B0503020204020204" pitchFamily="34" charset="-122"/>
+                <a:ea typeface="微软雅黑" panose="020B0503020204020204" pitchFamily="34" charset="-122"/>
+              </a:rPr>
+              <a:t>id</a:t>
+            </a:r>
+          </a:p>
+          <a:p>
+            <a:r>
+              <a:rPr lang="zh-CN" altLang="en-US" sz="1200" b="1">
+                <a:solidFill>
+                  <a:schemeClr val="tx1"/>
+                </a:solidFill>
+                <a:latin typeface="微软雅黑" panose="020B0503020204020204" pitchFamily="34" charset="-122"/>
+                <a:ea typeface="微软雅黑" panose="020B0503020204020204" pitchFamily="34" charset="-122"/>
+              </a:rPr>
+              <a:t>订单</a:t>
+            </a:r>
+            <a:r>
+              <a:rPr lang="en-US" altLang="zh-CN" sz="1200" b="1">
+                <a:solidFill>
+                  <a:schemeClr val="tx1"/>
+                </a:solidFill>
+                <a:latin typeface="微软雅黑" panose="020B0503020204020204" pitchFamily="34" charset="-122"/>
+                <a:ea typeface="微软雅黑" panose="020B0503020204020204" pitchFamily="34" charset="-122"/>
+              </a:rPr>
+              <a:t>id</a:t>
+            </a:r>
+          </a:p>
+          <a:p>
+            <a:r>
+              <a:rPr lang="zh-CN" altLang="en-US" sz="1200" b="1">
+                <a:solidFill>
+                  <a:schemeClr val="tx1"/>
+                </a:solidFill>
+                <a:latin typeface="微软雅黑" panose="020B0503020204020204" pitchFamily="34" charset="-122"/>
+                <a:ea typeface="微软雅黑" panose="020B0503020204020204" pitchFamily="34" charset="-122"/>
+              </a:rPr>
+              <a:t>状态</a:t>
+            </a:r>
+            <a:r>
+              <a:rPr lang="en-US" altLang="zh-CN" sz="1200" b="1">
+                <a:solidFill>
+                  <a:schemeClr val="tx1"/>
+                </a:solidFill>
+                <a:latin typeface="微软雅黑" panose="020B0503020204020204" pitchFamily="34" charset="-122"/>
+                <a:ea typeface="微软雅黑" panose="020B0503020204020204" pitchFamily="34" charset="-122"/>
+              </a:rPr>
+              <a:t>[1</a:t>
+            </a:r>
+            <a:r>
+              <a:rPr lang="zh-CN" altLang="en-US" sz="1200" b="1">
+                <a:solidFill>
+                  <a:schemeClr val="tx1"/>
+                </a:solidFill>
+                <a:latin typeface="微软雅黑" panose="020B0503020204020204" pitchFamily="34" charset="-122"/>
+                <a:ea typeface="微软雅黑" panose="020B0503020204020204" pitchFamily="34" charset="-122"/>
+              </a:rPr>
+              <a:t>发起</a:t>
+            </a:r>
+            <a:r>
+              <a:rPr lang="en-US" altLang="zh-CN" sz="1200" b="1">
+                <a:solidFill>
+                  <a:schemeClr val="tx1"/>
+                </a:solidFill>
+                <a:latin typeface="微软雅黑" panose="020B0503020204020204" pitchFamily="34" charset="-122"/>
+                <a:ea typeface="微软雅黑" panose="020B0503020204020204" pitchFamily="34" charset="-122"/>
+              </a:rPr>
+              <a:t>,2</a:t>
+            </a:r>
+            <a:r>
+              <a:rPr lang="zh-CN" altLang="en-US" sz="1200" b="1">
+                <a:solidFill>
+                  <a:schemeClr val="tx1"/>
+                </a:solidFill>
+                <a:latin typeface="微软雅黑" panose="020B0503020204020204" pitchFamily="34" charset="-122"/>
+                <a:ea typeface="微软雅黑" panose="020B0503020204020204" pitchFamily="34" charset="-122"/>
+              </a:rPr>
+              <a:t>确认</a:t>
+            </a:r>
+            <a:r>
+              <a:rPr lang="en-US" altLang="zh-CN" sz="1200" b="1">
+                <a:solidFill>
+                  <a:schemeClr val="tx1"/>
+                </a:solidFill>
+                <a:latin typeface="微软雅黑" panose="020B0503020204020204" pitchFamily="34" charset="-122"/>
+                <a:ea typeface="微软雅黑" panose="020B0503020204020204" pitchFamily="34" charset="-122"/>
+              </a:rPr>
+              <a:t>]</a:t>
+            </a:r>
+          </a:p>
+          <a:p>
+            <a:r>
+              <a:rPr lang="zh-CN" altLang="en-US" sz="1200" b="1">
+                <a:solidFill>
+                  <a:schemeClr val="tx1"/>
+                </a:solidFill>
+                <a:latin typeface="微软雅黑" panose="020B0503020204020204" pitchFamily="34" charset="-122"/>
+                <a:ea typeface="微软雅黑" panose="020B0503020204020204" pitchFamily="34" charset="-122"/>
+              </a:rPr>
+              <a:t>发起时间戳</a:t>
+            </a:r>
+            <a:endParaRPr lang="en-US" altLang="zh-CN" sz="1200" b="1">
+              <a:solidFill>
+                <a:schemeClr val="tx1"/>
+              </a:solidFill>
+              <a:latin typeface="微软雅黑" panose="020B0503020204020204" pitchFamily="34" charset="-122"/>
+              <a:ea typeface="微软雅黑" panose="020B0503020204020204" pitchFamily="34" charset="-122"/>
+            </a:endParaRPr>
+          </a:p>
+          <a:p>
+            <a:r>
+              <a:rPr lang="zh-CN" altLang="en-US" sz="1200" b="1">
+                <a:solidFill>
+                  <a:schemeClr val="tx1"/>
+                </a:solidFill>
+                <a:latin typeface="微软雅黑" panose="020B0503020204020204" pitchFamily="34" charset="-122"/>
+                <a:ea typeface="微软雅黑" panose="020B0503020204020204" pitchFamily="34" charset="-122"/>
+              </a:rPr>
+              <a:t>确认时间戳</a:t>
+            </a:r>
+            <a:endParaRPr lang="en-US" altLang="zh-CN" sz="1200" b="1">
+              <a:solidFill>
+                <a:schemeClr val="tx1"/>
+              </a:solidFill>
+              <a:latin typeface="微软雅黑" panose="020B0503020204020204" pitchFamily="34" charset="-122"/>
+              <a:ea typeface="微软雅黑" panose="020B0503020204020204" pitchFamily="34" charset="-122"/>
+            </a:endParaRPr>
+          </a:p>
         </p:txBody>
       </p:sp>
     </p:spTree>
     <p:extLst>
       <p:ext uri="{BB962C8B-B14F-4D97-AF65-F5344CB8AC3E}">
-        <p14:creationId xmlns:p14="http://schemas.microsoft.com/office/powerpoint/2010/main" val="1046803041"/>
+        <p14:creationId xmlns:p14="http://schemas.microsoft.com/office/powerpoint/2010/main" val="2177246343"/>
       </p:ext>
     </p:extLst>
   </p:cSld>
@@ -6723,17 +6223,17 @@
                 <a:latin typeface="Consolas" panose="020B0609020204030204" pitchFamily="49" charset="0"/>
                 <a:ea typeface="微软雅黑" panose="020B0503020204020204" pitchFamily="34" charset="-122"/>
               </a:rPr>
-              <a:t>购买订单</a:t>
-            </a:r>
-          </a:p>
-        </p:txBody>
-      </p:sp>
-      <p:sp>
-        <p:nvSpPr>
-          <p:cNvPr id="9" name="矩形: 圆角 8">
-            <a:extLst>
-              <a:ext uri="{FF2B5EF4-FFF2-40B4-BE49-F238E27FC236}">
-                <a16:creationId xmlns:a16="http://schemas.microsoft.com/office/drawing/2014/main" id="{D44E7F41-4F7B-4571-9A58-0FCD4597B84E}"/>
+              <a:t>商家买单</a:t>
+            </a:r>
+          </a:p>
+        </p:txBody>
+      </p:sp>
+      <p:sp>
+        <p:nvSpPr>
+          <p:cNvPr id="18" name="矩形: 圆角 17">
+            <a:extLst>
+              <a:ext uri="{FF2B5EF4-FFF2-40B4-BE49-F238E27FC236}">
+                <a16:creationId xmlns:a16="http://schemas.microsoft.com/office/drawing/2014/main" id="{2FD962FE-C602-4E1B-BB84-0915EC240DD7}"/>
               </a:ext>
             </a:extLst>
           </p:cNvPr>
@@ -6742,7 +6242,272 @@
         </p:nvSpPr>
         <p:spPr>
           <a:xfrm>
-            <a:off x="712379" y="1219412"/>
+            <a:off x="712379" y="1322049"/>
+            <a:ext cx="1885631" cy="648000"/>
+          </a:xfrm>
+          <a:prstGeom prst="roundRect">
+            <a:avLst>
+              <a:gd name="adj" fmla="val 9906"/>
+            </a:avLst>
+          </a:prstGeom>
+          <a:solidFill>
+            <a:schemeClr val="bg1">
+              <a:lumMod val="95000"/>
+            </a:schemeClr>
+          </a:solidFill>
+          <a:ln>
+            <a:solidFill>
+              <a:schemeClr val="tx1"/>
+            </a:solidFill>
+          </a:ln>
+        </p:spPr>
+        <p:style>
+          <a:lnRef idx="2">
+            <a:schemeClr val="accent1">
+              <a:shade val="50000"/>
+            </a:schemeClr>
+          </a:lnRef>
+          <a:fillRef idx="1">
+            <a:schemeClr val="accent1"/>
+          </a:fillRef>
+          <a:effectRef idx="0">
+            <a:schemeClr val="accent1"/>
+          </a:effectRef>
+          <a:fontRef idx="minor">
+            <a:schemeClr val="lt1"/>
+          </a:fontRef>
+        </p:style>
+        <p:txBody>
+          <a:bodyPr wrap="none" lIns="36000" tIns="36000" rIns="36000" bIns="36000" rtlCol="0" anchor="ctr" anchorCtr="0"/>
+          <a:lstStyle/>
+          <a:p>
+            <a:pPr algn="ctr"/>
+            <a:r>
+              <a:rPr lang="zh-CN" altLang="en-US" sz="1600" b="1">
+                <a:solidFill>
+                  <a:schemeClr val="tx1"/>
+                </a:solidFill>
+                <a:latin typeface="微软雅黑" panose="020B0503020204020204" pitchFamily="34" charset="-122"/>
+                <a:ea typeface="微软雅黑" panose="020B0503020204020204" pitchFamily="34" charset="-122"/>
+              </a:rPr>
+              <a:t>买单表</a:t>
+            </a:r>
+            <a:endParaRPr lang="en-US" altLang="zh-CN" sz="1600" b="1">
+              <a:solidFill>
+                <a:schemeClr val="tx1"/>
+              </a:solidFill>
+              <a:latin typeface="微软雅黑" panose="020B0503020204020204" pitchFamily="34" charset="-122"/>
+              <a:ea typeface="微软雅黑" panose="020B0503020204020204" pitchFamily="34" charset="-122"/>
+            </a:endParaRPr>
+          </a:p>
+          <a:p>
+            <a:pPr algn="ctr"/>
+            <a:r>
+              <a:rPr lang="en-US" altLang="zh-CN" sz="1600" b="1">
+                <a:solidFill>
+                  <a:schemeClr val="tx1"/>
+                </a:solidFill>
+                <a:latin typeface="微软雅黑" panose="020B0503020204020204" pitchFamily="34" charset="-122"/>
+                <a:ea typeface="微软雅黑" panose="020B0503020204020204" pitchFamily="34" charset="-122"/>
+              </a:rPr>
+              <a:t>Buy</a:t>
+            </a:r>
+            <a:endParaRPr lang="zh-CN" altLang="en-US" sz="1600" b="1">
+              <a:solidFill>
+                <a:schemeClr val="tx1"/>
+              </a:solidFill>
+              <a:latin typeface="微软雅黑" panose="020B0503020204020204" pitchFamily="34" charset="-122"/>
+              <a:ea typeface="微软雅黑" panose="020B0503020204020204" pitchFamily="34" charset="-122"/>
+            </a:endParaRPr>
+          </a:p>
+        </p:txBody>
+      </p:sp>
+      <p:sp>
+        <p:nvSpPr>
+          <p:cNvPr id="19" name="矩形: 圆角 18">
+            <a:extLst>
+              <a:ext uri="{FF2B5EF4-FFF2-40B4-BE49-F238E27FC236}">
+                <a16:creationId xmlns:a16="http://schemas.microsoft.com/office/drawing/2014/main" id="{651B7A53-F543-44FB-A879-6B319210B8D3}"/>
+              </a:ext>
+            </a:extLst>
+          </p:cNvPr>
+          <p:cNvSpPr/>
+          <p:nvPr/>
+        </p:nvSpPr>
+        <p:spPr>
+          <a:xfrm>
+            <a:off x="712380" y="1970050"/>
+            <a:ext cx="1885630" cy="1314327"/>
+          </a:xfrm>
+          <a:prstGeom prst="roundRect">
+            <a:avLst>
+              <a:gd name="adj" fmla="val 5494"/>
+            </a:avLst>
+          </a:prstGeom>
+          <a:noFill/>
+          <a:ln>
+            <a:solidFill>
+              <a:schemeClr val="tx2"/>
+            </a:solidFill>
+            <a:prstDash val="dash"/>
+          </a:ln>
+        </p:spPr>
+        <p:style>
+          <a:lnRef idx="2">
+            <a:schemeClr val="accent1">
+              <a:shade val="50000"/>
+            </a:schemeClr>
+          </a:lnRef>
+          <a:fillRef idx="1">
+            <a:schemeClr val="accent1"/>
+          </a:fillRef>
+          <a:effectRef idx="0">
+            <a:schemeClr val="accent1"/>
+          </a:effectRef>
+          <a:fontRef idx="minor">
+            <a:schemeClr val="lt1"/>
+          </a:fontRef>
+        </p:style>
+        <p:txBody>
+          <a:bodyPr rtlCol="0" anchor="b" anchorCtr="0"/>
+          <a:lstStyle/>
+          <a:p>
+            <a:r>
+              <a:rPr lang="zh-CN" altLang="en-US" sz="1200" b="1">
+                <a:solidFill>
+                  <a:schemeClr val="tx1"/>
+                </a:solidFill>
+                <a:latin typeface="微软雅黑" panose="020B0503020204020204" pitchFamily="34" charset="-122"/>
+                <a:ea typeface="微软雅黑" panose="020B0503020204020204" pitchFamily="34" charset="-122"/>
+              </a:rPr>
+              <a:t>买单</a:t>
+            </a:r>
+            <a:r>
+              <a:rPr lang="en-US" altLang="zh-CN" sz="1200" b="1">
+                <a:solidFill>
+                  <a:schemeClr val="tx1"/>
+                </a:solidFill>
+                <a:latin typeface="微软雅黑" panose="020B0503020204020204" pitchFamily="34" charset="-122"/>
+                <a:ea typeface="微软雅黑" panose="020B0503020204020204" pitchFamily="34" charset="-122"/>
+              </a:rPr>
+              <a:t>id</a:t>
+            </a:r>
+          </a:p>
+          <a:p>
+            <a:r>
+              <a:rPr lang="zh-CN" altLang="en-US" sz="1200" b="1">
+                <a:solidFill>
+                  <a:schemeClr val="tx1"/>
+                </a:solidFill>
+                <a:latin typeface="微软雅黑" panose="020B0503020204020204" pitchFamily="34" charset="-122"/>
+                <a:ea typeface="微软雅黑" panose="020B0503020204020204" pitchFamily="34" charset="-122"/>
+              </a:rPr>
+              <a:t>账户</a:t>
+            </a:r>
+            <a:r>
+              <a:rPr lang="en-US" altLang="zh-CN" sz="1200" b="1">
+                <a:solidFill>
+                  <a:schemeClr val="tx1"/>
+                </a:solidFill>
+                <a:latin typeface="微软雅黑" panose="020B0503020204020204" pitchFamily="34" charset="-122"/>
+                <a:ea typeface="微软雅黑" panose="020B0503020204020204" pitchFamily="34" charset="-122"/>
+              </a:rPr>
+              <a:t>id</a:t>
+            </a:r>
+          </a:p>
+          <a:p>
+            <a:r>
+              <a:rPr lang="zh-CN" altLang="en-US" sz="1200" b="1">
+                <a:solidFill>
+                  <a:schemeClr val="tx1"/>
+                </a:solidFill>
+                <a:latin typeface="微软雅黑" panose="020B0503020204020204" pitchFamily="34" charset="-122"/>
+                <a:ea typeface="微软雅黑" panose="020B0503020204020204" pitchFamily="34" charset="-122"/>
+              </a:rPr>
+              <a:t>数量</a:t>
+            </a:r>
+            <a:endParaRPr lang="en-US" altLang="zh-CN" sz="1200" b="1">
+              <a:solidFill>
+                <a:schemeClr val="tx1"/>
+              </a:solidFill>
+              <a:latin typeface="微软雅黑" panose="020B0503020204020204" pitchFamily="34" charset="-122"/>
+              <a:ea typeface="微软雅黑" panose="020B0503020204020204" pitchFamily="34" charset="-122"/>
+            </a:endParaRPr>
+          </a:p>
+          <a:p>
+            <a:r>
+              <a:rPr lang="zh-CN" altLang="en-US" sz="1200" b="1">
+                <a:solidFill>
+                  <a:schemeClr val="tx1"/>
+                </a:solidFill>
+                <a:latin typeface="微软雅黑" panose="020B0503020204020204" pitchFamily="34" charset="-122"/>
+                <a:ea typeface="微软雅黑" panose="020B0503020204020204" pitchFamily="34" charset="-122"/>
+              </a:rPr>
+              <a:t>剩余量</a:t>
+            </a:r>
+            <a:endParaRPr lang="en-US" altLang="zh-CN" sz="1200" b="1">
+              <a:solidFill>
+                <a:schemeClr val="tx1"/>
+              </a:solidFill>
+              <a:latin typeface="微软雅黑" panose="020B0503020204020204" pitchFamily="34" charset="-122"/>
+              <a:ea typeface="微软雅黑" panose="020B0503020204020204" pitchFamily="34" charset="-122"/>
+            </a:endParaRPr>
+          </a:p>
+          <a:p>
+            <a:r>
+              <a:rPr lang="zh-CN" altLang="en-US" sz="1200" b="1">
+                <a:solidFill>
+                  <a:schemeClr val="tx1"/>
+                </a:solidFill>
+                <a:latin typeface="微软雅黑" panose="020B0503020204020204" pitchFamily="34" charset="-122"/>
+                <a:ea typeface="微软雅黑" panose="020B0503020204020204" pitchFamily="34" charset="-122"/>
+              </a:rPr>
+              <a:t>单价</a:t>
+            </a:r>
+            <a:endParaRPr lang="en-US" altLang="zh-CN" sz="1200" b="1">
+              <a:solidFill>
+                <a:schemeClr val="tx1"/>
+              </a:solidFill>
+              <a:latin typeface="微软雅黑" panose="020B0503020204020204" pitchFamily="34" charset="-122"/>
+              <a:ea typeface="微软雅黑" panose="020B0503020204020204" pitchFamily="34" charset="-122"/>
+            </a:endParaRPr>
+          </a:p>
+          <a:p>
+            <a:r>
+              <a:rPr lang="zh-CN" altLang="en-US" sz="1200" b="1">
+                <a:solidFill>
+                  <a:schemeClr val="tx1"/>
+                </a:solidFill>
+                <a:latin typeface="微软雅黑" panose="020B0503020204020204" pitchFamily="34" charset="-122"/>
+                <a:ea typeface="微软雅黑" panose="020B0503020204020204" pitchFamily="34" charset="-122"/>
+              </a:rPr>
+              <a:t>时间戳</a:t>
+            </a:r>
+            <a:endParaRPr lang="en-US" altLang="zh-CN" sz="1200" b="1">
+              <a:solidFill>
+                <a:schemeClr val="tx1"/>
+              </a:solidFill>
+              <a:latin typeface="微软雅黑" panose="020B0503020204020204" pitchFamily="34" charset="-122"/>
+              <a:ea typeface="微软雅黑" panose="020B0503020204020204" pitchFamily="34" charset="-122"/>
+            </a:endParaRPr>
+          </a:p>
+        </p:txBody>
+      </p:sp>
+      <p:sp>
+        <p:nvSpPr>
+          <p:cNvPr id="7" name="矩形: 圆角 6">
+            <a:extLst>
+              <a:ext uri="{FF2B5EF4-FFF2-40B4-BE49-F238E27FC236}">
+                <a16:creationId xmlns:a16="http://schemas.microsoft.com/office/drawing/2014/main" id="{AFA00468-CD58-410C-8E4F-78973CB57DBC}"/>
+              </a:ext>
+            </a:extLst>
+          </p:cNvPr>
+          <p:cNvSpPr/>
+          <p:nvPr/>
+        </p:nvSpPr>
+        <p:spPr>
+          <a:xfrm>
+            <a:off x="3588749" y="1332737"/>
             <a:ext cx="2180394" cy="648000"/>
           </a:xfrm>
           <a:prstGeom prst="roundRect">
@@ -6790,7 +6555,7 @@
                 <a:latin typeface="微软雅黑" panose="020B0503020204020204" pitchFamily="34" charset="-122"/>
                 <a:ea typeface="微软雅黑" panose="020B0503020204020204" pitchFamily="34" charset="-122"/>
               </a:rPr>
-              <a:t>购买订单表</a:t>
+              <a:t>撤销买单表</a:t>
             </a:r>
             <a:endParaRPr lang="en-US" altLang="zh-CN" sz="1600" b="1">
               <a:solidFill>
@@ -6810,7 +6575,7 @@
                 <a:latin typeface="微软雅黑" panose="020B0503020204020204" pitchFamily="34" charset="-122"/>
                 <a:ea typeface="微软雅黑" panose="020B0503020204020204" pitchFamily="34" charset="-122"/>
               </a:rPr>
-              <a:t>BuyOrder</a:t>
+              <a:t>RecusalBuy</a:t>
             </a:r>
             <a:endParaRPr lang="zh-CN" altLang="en-US" sz="1600" b="1">
               <a:solidFill>
@@ -6824,10 +6589,10 @@
       </p:sp>
       <p:sp>
         <p:nvSpPr>
-          <p:cNvPr id="10" name="矩形: 圆角 9">
-            <a:extLst>
-              <a:ext uri="{FF2B5EF4-FFF2-40B4-BE49-F238E27FC236}">
-                <a16:creationId xmlns:a16="http://schemas.microsoft.com/office/drawing/2014/main" id="{998EFC57-75B4-4980-8D6F-DD8086068F7B}"/>
+          <p:cNvPr id="8" name="矩形: 圆角 7">
+            <a:extLst>
+              <a:ext uri="{FF2B5EF4-FFF2-40B4-BE49-F238E27FC236}">
+                <a16:creationId xmlns:a16="http://schemas.microsoft.com/office/drawing/2014/main" id="{63E31F36-B4D3-4FAB-8001-A8873FDFF903}"/>
               </a:ext>
             </a:extLst>
           </p:cNvPr>
@@ -6836,8 +6601,8 @@
         </p:nvSpPr>
         <p:spPr>
           <a:xfrm>
-            <a:off x="712380" y="1867410"/>
-            <a:ext cx="2180394" cy="1706205"/>
+            <a:off x="3588750" y="1980737"/>
+            <a:ext cx="2180394" cy="886749"/>
           </a:xfrm>
           <a:prstGeom prst="roundRect">
             <a:avLst>
@@ -6889,7 +6654,7 @@
                 <a:latin typeface="微软雅黑" panose="020B0503020204020204" pitchFamily="34" charset="-122"/>
                 <a:ea typeface="微软雅黑" panose="020B0503020204020204" pitchFamily="34" charset="-122"/>
               </a:rPr>
-              <a:t>订单</a:t>
+              <a:t>撤销买单</a:t>
             </a:r>
             <a:r>
               <a:rPr lang="en-US" altLang="zh-CN" sz="1200" b="1">
@@ -6911,29 +6676,7 @@
                 <a:latin typeface="微软雅黑" panose="020B0503020204020204" pitchFamily="34" charset="-122"/>
                 <a:ea typeface="微软雅黑" panose="020B0503020204020204" pitchFamily="34" charset="-122"/>
               </a:rPr>
-              <a:t>卖单</a:t>
-            </a:r>
-            <a:r>
-              <a:rPr lang="en-US" altLang="zh-CN" sz="1200" b="1">
-                <a:solidFill>
-                  <a:schemeClr val="tx1"/>
-                </a:solidFill>
-                <a:latin typeface="微软雅黑" panose="020B0503020204020204" pitchFamily="34" charset="-122"/>
-                <a:ea typeface="微软雅黑" panose="020B0503020204020204" pitchFamily="34" charset="-122"/>
-              </a:rPr>
-              <a:t>id</a:t>
-            </a:r>
-          </a:p>
-          <a:p>
-            <a:r>
-              <a:rPr lang="zh-CN" altLang="en-US" sz="1200" b="1">
-                <a:solidFill>
-                  <a:schemeClr val="tx1"/>
-                </a:solidFill>
-                <a:latin typeface="微软雅黑" panose="020B0503020204020204" pitchFamily="34" charset="-122"/>
-                <a:ea typeface="微软雅黑" panose="020B0503020204020204" pitchFamily="34" charset="-122"/>
-              </a:rPr>
-              <a:t>买家</a:t>
+              <a:t>买单</a:t>
             </a:r>
             <a:r>
               <a:rPr lang="en-US" altLang="zh-CN" sz="1200" b="1">
@@ -6974,7 +6717,7 @@
                 <a:latin typeface="微软雅黑" panose="020B0503020204020204" pitchFamily="34" charset="-122"/>
                 <a:ea typeface="微软雅黑" panose="020B0503020204020204" pitchFamily="34" charset="-122"/>
               </a:rPr>
-              <a:t>单价</a:t>
+              <a:t>时间戳</a:t>
             </a:r>
             <a:endParaRPr lang="en-US" altLang="zh-CN" sz="1200" b="1">
               <a:solidFill>
@@ -6984,410 +6727,12 @@
               <a:ea typeface="微软雅黑" panose="020B0503020204020204" pitchFamily="34" charset="-122"/>
             </a:endParaRPr>
           </a:p>
-          <a:p>
-            <a:r>
-              <a:rPr lang="zh-CN" altLang="en-US" sz="1200" b="1">
-                <a:solidFill>
-                  <a:schemeClr val="tx1"/>
-                </a:solidFill>
-                <a:latin typeface="微软雅黑" panose="020B0503020204020204" pitchFamily="34" charset="-122"/>
-                <a:ea typeface="微软雅黑" panose="020B0503020204020204" pitchFamily="34" charset="-122"/>
-              </a:rPr>
-              <a:t>状态</a:t>
-            </a:r>
-            <a:r>
-              <a:rPr lang="en-US" altLang="zh-CN" sz="1200" b="1">
-                <a:solidFill>
-                  <a:schemeClr val="tx1"/>
-                </a:solidFill>
-                <a:latin typeface="微软雅黑" panose="020B0503020204020204" pitchFamily="34" charset="-122"/>
-                <a:ea typeface="微软雅黑" panose="020B0503020204020204" pitchFamily="34" charset="-122"/>
-              </a:rPr>
-              <a:t>[1</a:t>
-            </a:r>
-            <a:r>
-              <a:rPr lang="zh-CN" altLang="en-US" sz="1200" b="1">
-                <a:solidFill>
-                  <a:schemeClr val="tx1"/>
-                </a:solidFill>
-                <a:latin typeface="微软雅黑" panose="020B0503020204020204" pitchFamily="34" charset="-122"/>
-                <a:ea typeface="微软雅黑" panose="020B0503020204020204" pitchFamily="34" charset="-122"/>
-              </a:rPr>
-              <a:t>发起</a:t>
-            </a:r>
-            <a:r>
-              <a:rPr lang="en-US" altLang="zh-CN" sz="1200" b="1">
-                <a:solidFill>
-                  <a:schemeClr val="tx1"/>
-                </a:solidFill>
-                <a:latin typeface="微软雅黑" panose="020B0503020204020204" pitchFamily="34" charset="-122"/>
-                <a:ea typeface="微软雅黑" panose="020B0503020204020204" pitchFamily="34" charset="-122"/>
-              </a:rPr>
-              <a:t>,2</a:t>
-            </a:r>
-            <a:r>
-              <a:rPr lang="zh-CN" altLang="en-US" sz="1200" b="1">
-                <a:solidFill>
-                  <a:schemeClr val="tx1"/>
-                </a:solidFill>
-                <a:latin typeface="微软雅黑" panose="020B0503020204020204" pitchFamily="34" charset="-122"/>
-                <a:ea typeface="微软雅黑" panose="020B0503020204020204" pitchFamily="34" charset="-122"/>
-              </a:rPr>
-              <a:t>确认</a:t>
-            </a:r>
-            <a:r>
-              <a:rPr lang="en-US" altLang="zh-CN" sz="1200" b="1">
-                <a:solidFill>
-                  <a:schemeClr val="tx1"/>
-                </a:solidFill>
-                <a:latin typeface="微软雅黑" panose="020B0503020204020204" pitchFamily="34" charset="-122"/>
-                <a:ea typeface="微软雅黑" panose="020B0503020204020204" pitchFamily="34" charset="-122"/>
-              </a:rPr>
-              <a:t>]</a:t>
-            </a:r>
-          </a:p>
-          <a:p>
-            <a:r>
-              <a:rPr lang="zh-CN" altLang="en-US" sz="1200" b="1">
-                <a:solidFill>
-                  <a:schemeClr val="tx1"/>
-                </a:solidFill>
-                <a:latin typeface="微软雅黑" panose="020B0503020204020204" pitchFamily="34" charset="-122"/>
-                <a:ea typeface="微软雅黑" panose="020B0503020204020204" pitchFamily="34" charset="-122"/>
-              </a:rPr>
-              <a:t>发起时间戳</a:t>
-            </a:r>
-            <a:endParaRPr lang="en-US" altLang="zh-CN" sz="1200" b="1">
-              <a:solidFill>
-                <a:schemeClr val="tx1"/>
-              </a:solidFill>
-              <a:latin typeface="微软雅黑" panose="020B0503020204020204" pitchFamily="34" charset="-122"/>
-              <a:ea typeface="微软雅黑" panose="020B0503020204020204" pitchFamily="34" charset="-122"/>
-            </a:endParaRPr>
-          </a:p>
-          <a:p>
-            <a:r>
-              <a:rPr lang="zh-CN" altLang="en-US" sz="1200" b="1">
-                <a:solidFill>
-                  <a:schemeClr val="tx1"/>
-                </a:solidFill>
-                <a:latin typeface="微软雅黑" panose="020B0503020204020204" pitchFamily="34" charset="-122"/>
-                <a:ea typeface="微软雅黑" panose="020B0503020204020204" pitchFamily="34" charset="-122"/>
-              </a:rPr>
-              <a:t>确认时间戳</a:t>
-            </a:r>
-            <a:endParaRPr lang="en-US" altLang="zh-CN" sz="1200" b="1">
-              <a:solidFill>
-                <a:schemeClr val="tx1"/>
-              </a:solidFill>
-              <a:latin typeface="微软雅黑" panose="020B0503020204020204" pitchFamily="34" charset="-122"/>
-              <a:ea typeface="微软雅黑" panose="020B0503020204020204" pitchFamily="34" charset="-122"/>
-            </a:endParaRPr>
-          </a:p>
-        </p:txBody>
-      </p:sp>
-      <p:sp>
-        <p:nvSpPr>
-          <p:cNvPr id="7" name="矩形: 圆角 6">
-            <a:extLst>
-              <a:ext uri="{FF2B5EF4-FFF2-40B4-BE49-F238E27FC236}">
-                <a16:creationId xmlns:a16="http://schemas.microsoft.com/office/drawing/2014/main" id="{55AAB7A6-D94E-4ED0-9C45-3B8321C95221}"/>
-              </a:ext>
-            </a:extLst>
-          </p:cNvPr>
-          <p:cNvSpPr/>
-          <p:nvPr/>
-        </p:nvSpPr>
-        <p:spPr>
-          <a:xfrm>
-            <a:off x="4263453" y="1219412"/>
-            <a:ext cx="2180394" cy="648000"/>
-          </a:xfrm>
-          <a:prstGeom prst="roundRect">
-            <a:avLst>
-              <a:gd name="adj" fmla="val 13139"/>
-            </a:avLst>
-          </a:prstGeom>
-          <a:solidFill>
-            <a:schemeClr val="bg1">
-              <a:lumMod val="95000"/>
-            </a:schemeClr>
-          </a:solidFill>
-          <a:ln>
-            <a:solidFill>
-              <a:schemeClr val="tx1"/>
-            </a:solidFill>
-          </a:ln>
-        </p:spPr>
-        <p:style>
-          <a:lnRef idx="2">
-            <a:schemeClr val="accent1">
-              <a:shade val="50000"/>
-            </a:schemeClr>
-          </a:lnRef>
-          <a:fillRef idx="1">
-            <a:schemeClr val="accent1"/>
-          </a:fillRef>
-          <a:effectRef idx="0">
-            <a:schemeClr val="accent1"/>
-          </a:effectRef>
-          <a:fontRef idx="minor">
-            <a:schemeClr val="lt1"/>
-          </a:fontRef>
-        </p:style>
-        <p:txBody>
-          <a:bodyPr wrap="none" lIns="36000" tIns="36000" rIns="36000" bIns="36000" rtlCol="0" anchor="ctr" anchorCtr="0"/>
-          <a:lstStyle/>
-          <a:p>
-            <a:pPr algn="ctr"/>
-            <a:r>
-              <a:rPr lang="zh-CN" altLang="en-US" sz="1600" b="1">
-                <a:solidFill>
-                  <a:schemeClr val="tx1"/>
-                </a:solidFill>
-                <a:latin typeface="微软雅黑" panose="020B0503020204020204" pitchFamily="34" charset="-122"/>
-                <a:ea typeface="微软雅黑" panose="020B0503020204020204" pitchFamily="34" charset="-122"/>
-              </a:rPr>
-              <a:t>撤销购买订单表</a:t>
-            </a:r>
-            <a:endParaRPr lang="en-US" altLang="zh-CN" sz="1600" b="1">
-              <a:solidFill>
-                <a:schemeClr val="tx1"/>
-              </a:solidFill>
-              <a:latin typeface="微软雅黑" panose="020B0503020204020204" pitchFamily="34" charset="-122"/>
-              <a:ea typeface="微软雅黑" panose="020B0503020204020204" pitchFamily="34" charset="-122"/>
-            </a:endParaRPr>
-          </a:p>
-          <a:p>
-            <a:pPr algn="ctr"/>
-            <a:r>
-              <a:rPr lang="en-US" altLang="zh-CN" sz="1600" b="1">
-                <a:solidFill>
-                  <a:schemeClr val="tx1"/>
-                </a:solidFill>
-                <a:latin typeface="微软雅黑" panose="020B0503020204020204" pitchFamily="34" charset="-122"/>
-                <a:ea typeface="微软雅黑" panose="020B0503020204020204" pitchFamily="34" charset="-122"/>
-              </a:rPr>
-              <a:t>RecusalBuyOrder</a:t>
-            </a:r>
-            <a:endParaRPr lang="zh-CN" altLang="en-US" sz="1600" b="1">
-              <a:solidFill>
-                <a:schemeClr val="tx1"/>
-              </a:solidFill>
-              <a:latin typeface="微软雅黑" panose="020B0503020204020204" pitchFamily="34" charset="-122"/>
-              <a:ea typeface="微软雅黑" panose="020B0503020204020204" pitchFamily="34" charset="-122"/>
-            </a:endParaRPr>
-          </a:p>
-        </p:txBody>
-      </p:sp>
-      <p:sp>
-        <p:nvSpPr>
-          <p:cNvPr id="8" name="矩形: 圆角 7">
-            <a:extLst>
-              <a:ext uri="{FF2B5EF4-FFF2-40B4-BE49-F238E27FC236}">
-                <a16:creationId xmlns:a16="http://schemas.microsoft.com/office/drawing/2014/main" id="{4D7657B2-41EF-4FFE-AFA5-C4F6258B0036}"/>
-              </a:ext>
-            </a:extLst>
-          </p:cNvPr>
-          <p:cNvSpPr/>
-          <p:nvPr/>
-        </p:nvSpPr>
-        <p:spPr>
-          <a:xfrm>
-            <a:off x="4263454" y="1867411"/>
-            <a:ext cx="2180394" cy="1115486"/>
-          </a:xfrm>
-          <a:prstGeom prst="roundRect">
-            <a:avLst>
-              <a:gd name="adj" fmla="val 5494"/>
-            </a:avLst>
-          </a:prstGeom>
-          <a:noFill/>
-          <a:ln>
-            <a:solidFill>
-              <a:schemeClr val="tx2"/>
-            </a:solidFill>
-            <a:prstDash val="dash"/>
-          </a:ln>
-        </p:spPr>
-        <p:style>
-          <a:lnRef idx="2">
-            <a:schemeClr val="accent1">
-              <a:shade val="50000"/>
-            </a:schemeClr>
-          </a:lnRef>
-          <a:fillRef idx="1">
-            <a:schemeClr val="accent1"/>
-          </a:fillRef>
-          <a:effectRef idx="0">
-            <a:schemeClr val="accent1"/>
-          </a:effectRef>
-          <a:fontRef idx="minor">
-            <a:schemeClr val="lt1"/>
-          </a:fontRef>
-        </p:style>
-        <p:txBody>
-          <a:bodyPr rtlCol="0" anchor="b" anchorCtr="0"/>
-          <a:lstStyle/>
-          <a:p>
-            <a:endParaRPr lang="en-US" altLang="zh-CN" sz="1200" b="1">
-              <a:solidFill>
-                <a:schemeClr val="tx1"/>
-              </a:solidFill>
-              <a:latin typeface="微软雅黑" panose="020B0503020204020204" pitchFamily="34" charset="-122"/>
-              <a:ea typeface="微软雅黑" panose="020B0503020204020204" pitchFamily="34" charset="-122"/>
-            </a:endParaRPr>
-          </a:p>
-          <a:p>
-            <a:r>
-              <a:rPr lang="zh-CN" altLang="en-US" sz="1200" b="1">
-                <a:solidFill>
-                  <a:schemeClr val="tx1"/>
-                </a:solidFill>
-                <a:latin typeface="微软雅黑" panose="020B0503020204020204" pitchFamily="34" charset="-122"/>
-                <a:ea typeface="微软雅黑" panose="020B0503020204020204" pitchFamily="34" charset="-122"/>
-              </a:rPr>
-              <a:t>撤销</a:t>
-            </a:r>
-            <a:r>
-              <a:rPr lang="en-US" altLang="zh-CN" sz="1200" b="1">
-                <a:solidFill>
-                  <a:schemeClr val="tx1"/>
-                </a:solidFill>
-                <a:latin typeface="微软雅黑" panose="020B0503020204020204" pitchFamily="34" charset="-122"/>
-                <a:ea typeface="微软雅黑" panose="020B0503020204020204" pitchFamily="34" charset="-122"/>
-              </a:rPr>
-              <a:t>id</a:t>
-            </a:r>
-          </a:p>
-          <a:p>
-            <a:r>
-              <a:rPr lang="zh-CN" altLang="en-US" sz="1200" b="1">
-                <a:solidFill>
-                  <a:schemeClr val="tx1"/>
-                </a:solidFill>
-                <a:latin typeface="微软雅黑" panose="020B0503020204020204" pitchFamily="34" charset="-122"/>
-                <a:ea typeface="微软雅黑" panose="020B0503020204020204" pitchFamily="34" charset="-122"/>
-              </a:rPr>
-              <a:t>订单</a:t>
-            </a:r>
-            <a:r>
-              <a:rPr lang="en-US" altLang="zh-CN" sz="1200" b="1">
-                <a:solidFill>
-                  <a:schemeClr val="tx1"/>
-                </a:solidFill>
-                <a:latin typeface="微软雅黑" panose="020B0503020204020204" pitchFamily="34" charset="-122"/>
-                <a:ea typeface="微软雅黑" panose="020B0503020204020204" pitchFamily="34" charset="-122"/>
-              </a:rPr>
-              <a:t>id</a:t>
-            </a:r>
-          </a:p>
-          <a:p>
-            <a:r>
-              <a:rPr lang="zh-CN" altLang="en-US" sz="1200" b="1">
-                <a:solidFill>
-                  <a:schemeClr val="tx1"/>
-                </a:solidFill>
-                <a:latin typeface="微软雅黑" panose="020B0503020204020204" pitchFamily="34" charset="-122"/>
-                <a:ea typeface="微软雅黑" panose="020B0503020204020204" pitchFamily="34" charset="-122"/>
-              </a:rPr>
-              <a:t>状态</a:t>
-            </a:r>
-            <a:r>
-              <a:rPr lang="en-US" altLang="zh-CN" sz="1200" b="1">
-                <a:solidFill>
-                  <a:schemeClr val="tx1"/>
-                </a:solidFill>
-                <a:latin typeface="微软雅黑" panose="020B0503020204020204" pitchFamily="34" charset="-122"/>
-                <a:ea typeface="微软雅黑" panose="020B0503020204020204" pitchFamily="34" charset="-122"/>
-              </a:rPr>
-              <a:t>[1</a:t>
-            </a:r>
-            <a:r>
-              <a:rPr lang="zh-CN" altLang="en-US" sz="1200" b="1">
-                <a:solidFill>
-                  <a:schemeClr val="tx1"/>
-                </a:solidFill>
-                <a:latin typeface="微软雅黑" panose="020B0503020204020204" pitchFamily="34" charset="-122"/>
-                <a:ea typeface="微软雅黑" panose="020B0503020204020204" pitchFamily="34" charset="-122"/>
-              </a:rPr>
-              <a:t>发起</a:t>
-            </a:r>
-            <a:r>
-              <a:rPr lang="en-US" altLang="zh-CN" sz="1200" b="1">
-                <a:solidFill>
-                  <a:schemeClr val="tx1"/>
-                </a:solidFill>
-                <a:latin typeface="微软雅黑" panose="020B0503020204020204" pitchFamily="34" charset="-122"/>
-                <a:ea typeface="微软雅黑" panose="020B0503020204020204" pitchFamily="34" charset="-122"/>
-              </a:rPr>
-              <a:t>,2</a:t>
-            </a:r>
-            <a:r>
-              <a:rPr lang="zh-CN" altLang="en-US" sz="1200" b="1">
-                <a:solidFill>
-                  <a:schemeClr val="tx1"/>
-                </a:solidFill>
-                <a:latin typeface="微软雅黑" panose="020B0503020204020204" pitchFamily="34" charset="-122"/>
-                <a:ea typeface="微软雅黑" panose="020B0503020204020204" pitchFamily="34" charset="-122"/>
-              </a:rPr>
-              <a:t>确认</a:t>
-            </a:r>
-            <a:r>
-              <a:rPr lang="en-US" altLang="zh-CN" sz="1200" b="1">
-                <a:solidFill>
-                  <a:schemeClr val="tx1"/>
-                </a:solidFill>
-                <a:latin typeface="微软雅黑" panose="020B0503020204020204" pitchFamily="34" charset="-122"/>
-                <a:ea typeface="微软雅黑" panose="020B0503020204020204" pitchFamily="34" charset="-122"/>
-              </a:rPr>
-              <a:t>]</a:t>
-            </a:r>
-          </a:p>
-          <a:p>
-            <a:r>
-              <a:rPr lang="zh-CN" altLang="en-US" sz="1200" b="1">
-                <a:solidFill>
-                  <a:schemeClr val="tx1"/>
-                </a:solidFill>
-                <a:latin typeface="微软雅黑" panose="020B0503020204020204" pitchFamily="34" charset="-122"/>
-                <a:ea typeface="微软雅黑" panose="020B0503020204020204" pitchFamily="34" charset="-122"/>
-              </a:rPr>
-              <a:t>发起时间戳</a:t>
-            </a:r>
-            <a:endParaRPr lang="en-US" altLang="zh-CN" sz="1200" b="1">
-              <a:solidFill>
-                <a:schemeClr val="tx1"/>
-              </a:solidFill>
-              <a:latin typeface="微软雅黑" panose="020B0503020204020204" pitchFamily="34" charset="-122"/>
-              <a:ea typeface="微软雅黑" panose="020B0503020204020204" pitchFamily="34" charset="-122"/>
-            </a:endParaRPr>
-          </a:p>
-          <a:p>
-            <a:r>
-              <a:rPr lang="zh-CN" altLang="en-US" sz="1200" b="1">
-                <a:solidFill>
-                  <a:schemeClr val="tx1"/>
-                </a:solidFill>
-                <a:latin typeface="微软雅黑" panose="020B0503020204020204" pitchFamily="34" charset="-122"/>
-                <a:ea typeface="微软雅黑" panose="020B0503020204020204" pitchFamily="34" charset="-122"/>
-              </a:rPr>
-              <a:t>确认时间戳</a:t>
-            </a:r>
-            <a:endParaRPr lang="en-US" altLang="zh-CN" sz="1200" b="1">
-              <a:solidFill>
-                <a:schemeClr val="tx1"/>
-              </a:solidFill>
-              <a:latin typeface="微软雅黑" panose="020B0503020204020204" pitchFamily="34" charset="-122"/>
-              <a:ea typeface="微软雅黑" panose="020B0503020204020204" pitchFamily="34" charset="-122"/>
-            </a:endParaRPr>
-          </a:p>
         </p:txBody>
       </p:sp>
     </p:spTree>
     <p:extLst>
       <p:ext uri="{BB962C8B-B14F-4D97-AF65-F5344CB8AC3E}">
-        <p14:creationId xmlns:p14="http://schemas.microsoft.com/office/powerpoint/2010/main" val="2177246343"/>
+        <p14:creationId xmlns:p14="http://schemas.microsoft.com/office/powerpoint/2010/main" val="1046803041"/>
       </p:ext>
     </p:extLst>
   </p:cSld>
@@ -7530,7 +6875,7 @@
         <p:spPr>
           <a:xfrm>
             <a:off x="712379" y="173975"/>
-            <a:ext cx="1826141" cy="584775"/>
+            <a:ext cx="2646878" cy="584775"/>
           </a:xfrm>
           <a:prstGeom prst="rect">
             <a:avLst/>
@@ -7548,7 +6893,7 @@
                 <a:latin typeface="Consolas" panose="020B0609020204030204" pitchFamily="49" charset="0"/>
                 <a:ea typeface="微软雅黑" panose="020B0503020204020204" pitchFamily="34" charset="-122"/>
               </a:rPr>
-              <a:t>出售订单</a:t>
+              <a:t>客户出售订单</a:t>
             </a:r>
           </a:p>
         </p:txBody>
@@ -8355,7 +7700,7 @@
         <p:spPr>
           <a:xfrm>
             <a:off x="712379" y="173975"/>
-            <a:ext cx="2646878" cy="584775"/>
+            <a:ext cx="3467616" cy="584775"/>
           </a:xfrm>
           <a:prstGeom prst="rect">
             <a:avLst/>
@@ -8373,7 +7718,7 @@
                 <a:latin typeface="Consolas" panose="020B0609020204030204" pitchFamily="49" charset="0"/>
                 <a:ea typeface="微软雅黑" panose="020B0503020204020204" pitchFamily="34" charset="-122"/>
               </a:rPr>
-              <a:t>挂卖单及赎回</a:t>
+              <a:t>商家挂卖单及赎回</a:t>
             </a:r>
           </a:p>
         </p:txBody>
@@ -9485,7 +8830,7 @@
         <p:spPr>
           <a:xfrm>
             <a:off x="712379" y="173975"/>
-            <a:ext cx="2646878" cy="584775"/>
+            <a:ext cx="3057247" cy="584775"/>
           </a:xfrm>
           <a:prstGeom prst="rect">
             <a:avLst/>
@@ -9503,17 +8848,17 @@
                 <a:latin typeface="Consolas" panose="020B0609020204030204" pitchFamily="49" charset="0"/>
                 <a:ea typeface="微软雅黑" panose="020B0503020204020204" pitchFamily="34" charset="-122"/>
               </a:rPr>
-              <a:t>挂买单及撤销</a:t>
-            </a:r>
-          </a:p>
-        </p:txBody>
-      </p:sp>
-      <p:sp>
-        <p:nvSpPr>
-          <p:cNvPr id="21" name="矩形: 圆角 20">
-            <a:extLst>
-              <a:ext uri="{FF2B5EF4-FFF2-40B4-BE49-F238E27FC236}">
-                <a16:creationId xmlns:a16="http://schemas.microsoft.com/office/drawing/2014/main" id="{FE7B197E-982B-4E30-8E13-662FDB81A45B}"/>
+              <a:t>客户购买及撤销</a:t>
+            </a:r>
+          </a:p>
+        </p:txBody>
+      </p:sp>
+      <p:sp>
+        <p:nvSpPr>
+          <p:cNvPr id="49" name="矩形: 圆角 48">
+            <a:extLst>
+              <a:ext uri="{FF2B5EF4-FFF2-40B4-BE49-F238E27FC236}">
+                <a16:creationId xmlns:a16="http://schemas.microsoft.com/office/drawing/2014/main" id="{412BE305-D42D-4A74-94DC-D1DE6FBE1C09}"/>
               </a:ext>
             </a:extLst>
           </p:cNvPr>
@@ -9522,7 +8867,7 @@
         </p:nvSpPr>
         <p:spPr>
           <a:xfrm>
-            <a:off x="815343" y="1588432"/>
+            <a:off x="804989" y="1911176"/>
             <a:ext cx="1080000" cy="432000"/>
           </a:xfrm>
           <a:prstGeom prst="roundRect">
@@ -9566,17 +8911,63 @@
                 <a:latin typeface="微软雅黑" panose="020B0503020204020204" pitchFamily="34" charset="-122"/>
                 <a:ea typeface="微软雅黑" panose="020B0503020204020204" pitchFamily="34" charset="-122"/>
               </a:rPr>
-              <a:t>买家</a:t>
-            </a:r>
-          </a:p>
-        </p:txBody>
-      </p:sp>
-      <p:sp>
-        <p:nvSpPr>
-          <p:cNvPr id="22" name="矩形: 圆角 21">
-            <a:extLst>
-              <a:ext uri="{FF2B5EF4-FFF2-40B4-BE49-F238E27FC236}">
-                <a16:creationId xmlns:a16="http://schemas.microsoft.com/office/drawing/2014/main" id="{2A4ED8AF-B9AE-4D6C-B50A-63306C5F8FA3}"/>
+              <a:t>客户</a:t>
+            </a:r>
+          </a:p>
+        </p:txBody>
+      </p:sp>
+      <p:cxnSp>
+        <p:nvCxnSpPr>
+          <p:cNvPr id="51" name="直接箭头连接符 50">
+            <a:extLst>
+              <a:ext uri="{FF2B5EF4-FFF2-40B4-BE49-F238E27FC236}">
+                <a16:creationId xmlns:a16="http://schemas.microsoft.com/office/drawing/2014/main" id="{B26E3E05-7D02-4551-9073-5CBF0CA8489A}"/>
+              </a:ext>
+            </a:extLst>
+          </p:cNvPr>
+          <p:cNvCxnSpPr>
+            <a:cxnSpLocks/>
+            <a:stCxn id="34" idx="3"/>
+            <a:endCxn id="52" idx="1"/>
+          </p:cNvCxnSpPr>
+          <p:nvPr/>
+        </p:nvCxnSpPr>
+        <p:spPr>
+          <a:xfrm flipV="1">
+            <a:off x="4159295" y="1869722"/>
+            <a:ext cx="927896" cy="257454"/>
+          </a:xfrm>
+          <a:prstGeom prst="straightConnector1">
+            <a:avLst/>
+          </a:prstGeom>
+          <a:ln w="31750">
+            <a:solidFill>
+              <a:schemeClr val="tx1"/>
+            </a:solidFill>
+            <a:tailEnd type="triangle"/>
+          </a:ln>
+        </p:spPr>
+        <p:style>
+          <a:lnRef idx="1">
+            <a:schemeClr val="accent1"/>
+          </a:lnRef>
+          <a:fillRef idx="0">
+            <a:schemeClr val="accent1"/>
+          </a:fillRef>
+          <a:effectRef idx="0">
+            <a:schemeClr val="accent1"/>
+          </a:effectRef>
+          <a:fontRef idx="minor">
+            <a:schemeClr val="tx1"/>
+          </a:fontRef>
+        </p:style>
+      </p:cxnSp>
+      <p:sp>
+        <p:nvSpPr>
+          <p:cNvPr id="52" name="矩形: 圆角 51">
+            <a:extLst>
+              <a:ext uri="{FF2B5EF4-FFF2-40B4-BE49-F238E27FC236}">
+                <a16:creationId xmlns:a16="http://schemas.microsoft.com/office/drawing/2014/main" id="{47091E74-4263-45AC-96A0-F48249A1428D}"/>
               </a:ext>
             </a:extLst>
           </p:cNvPr>
@@ -9585,7 +8976,242 @@
         </p:nvSpPr>
         <p:spPr>
           <a:xfrm>
-            <a:off x="2848717" y="1480432"/>
+            <a:off x="5087191" y="1581722"/>
+            <a:ext cx="1620000" cy="576000"/>
+          </a:xfrm>
+          <a:prstGeom prst="roundRect">
+            <a:avLst/>
+          </a:prstGeom>
+          <a:solidFill>
+            <a:schemeClr val="bg1"/>
+          </a:solidFill>
+          <a:ln>
+            <a:solidFill>
+              <a:schemeClr val="tx1"/>
+            </a:solidFill>
+          </a:ln>
+        </p:spPr>
+        <p:style>
+          <a:lnRef idx="2">
+            <a:schemeClr val="accent1">
+              <a:shade val="50000"/>
+            </a:schemeClr>
+          </a:lnRef>
+          <a:fillRef idx="1">
+            <a:schemeClr val="accent1"/>
+          </a:fillRef>
+          <a:effectRef idx="0">
+            <a:schemeClr val="accent1"/>
+          </a:effectRef>
+          <a:fontRef idx="minor">
+            <a:schemeClr val="lt1"/>
+          </a:fontRef>
+        </p:style>
+        <p:txBody>
+          <a:bodyPr wrap="none" lIns="36000" tIns="36000" rIns="36000" bIns="36000" rtlCol="0" anchor="ctr" anchorCtr="0"/>
+          <a:lstStyle/>
+          <a:p>
+            <a:pPr algn="ctr"/>
+            <a:r>
+              <a:rPr lang="zh-CN" altLang="en-US" sz="1600" b="1">
+                <a:solidFill>
+                  <a:schemeClr val="tx1"/>
+                </a:solidFill>
+                <a:latin typeface="微软雅黑" panose="020B0503020204020204" pitchFamily="34" charset="-122"/>
+                <a:ea typeface="微软雅黑" panose="020B0503020204020204" pitchFamily="34" charset="-122"/>
+              </a:rPr>
+              <a:t>场外支付</a:t>
+            </a:r>
+          </a:p>
+        </p:txBody>
+      </p:sp>
+      <p:cxnSp>
+        <p:nvCxnSpPr>
+          <p:cNvPr id="53" name="直接箭头连接符 52">
+            <a:extLst>
+              <a:ext uri="{FF2B5EF4-FFF2-40B4-BE49-F238E27FC236}">
+                <a16:creationId xmlns:a16="http://schemas.microsoft.com/office/drawing/2014/main" id="{34743039-6C7C-4A83-9F14-70E4F511ACFC}"/>
+              </a:ext>
+            </a:extLst>
+          </p:cNvPr>
+          <p:cNvCxnSpPr>
+            <a:cxnSpLocks/>
+            <a:stCxn id="49" idx="3"/>
+            <a:endCxn id="34" idx="1"/>
+          </p:cNvCxnSpPr>
+          <p:nvPr/>
+        </p:nvCxnSpPr>
+        <p:spPr>
+          <a:xfrm>
+            <a:off x="1884989" y="2127176"/>
+            <a:ext cx="762306" cy="0"/>
+          </a:xfrm>
+          <a:prstGeom prst="straightConnector1">
+            <a:avLst/>
+          </a:prstGeom>
+          <a:ln w="31750">
+            <a:solidFill>
+              <a:schemeClr val="tx1"/>
+            </a:solidFill>
+            <a:tailEnd type="triangle"/>
+          </a:ln>
+        </p:spPr>
+        <p:style>
+          <a:lnRef idx="1">
+            <a:schemeClr val="accent1"/>
+          </a:lnRef>
+          <a:fillRef idx="0">
+            <a:schemeClr val="accent1"/>
+          </a:fillRef>
+          <a:effectRef idx="0">
+            <a:schemeClr val="accent1"/>
+          </a:effectRef>
+          <a:fontRef idx="minor">
+            <a:schemeClr val="tx1"/>
+          </a:fontRef>
+        </p:style>
+      </p:cxnSp>
+      <p:sp>
+        <p:nvSpPr>
+          <p:cNvPr id="55" name="矩形: 圆角 54">
+            <a:extLst>
+              <a:ext uri="{FF2B5EF4-FFF2-40B4-BE49-F238E27FC236}">
+                <a16:creationId xmlns:a16="http://schemas.microsoft.com/office/drawing/2014/main" id="{51E46C4A-7DFB-40C1-B3C2-2F680522A617}"/>
+              </a:ext>
+            </a:extLst>
+          </p:cNvPr>
+          <p:cNvSpPr/>
+          <p:nvPr/>
+        </p:nvSpPr>
+        <p:spPr>
+          <a:xfrm>
+            <a:off x="7734284" y="1653722"/>
+            <a:ext cx="1080000" cy="432000"/>
+          </a:xfrm>
+          <a:prstGeom prst="roundRect">
+            <a:avLst/>
+          </a:prstGeom>
+          <a:solidFill>
+            <a:srgbClr val="00B0F0"/>
+          </a:solidFill>
+          <a:ln>
+            <a:solidFill>
+              <a:schemeClr val="tx1"/>
+            </a:solidFill>
+          </a:ln>
+        </p:spPr>
+        <p:style>
+          <a:lnRef idx="2">
+            <a:schemeClr val="accent1">
+              <a:shade val="50000"/>
+            </a:schemeClr>
+          </a:lnRef>
+          <a:fillRef idx="1">
+            <a:schemeClr val="accent1"/>
+          </a:fillRef>
+          <a:effectRef idx="0">
+            <a:schemeClr val="accent1"/>
+          </a:effectRef>
+          <a:fontRef idx="minor">
+            <a:schemeClr val="lt1"/>
+          </a:fontRef>
+        </p:style>
+        <p:txBody>
+          <a:bodyPr wrap="none" lIns="36000" tIns="36000" rIns="36000" bIns="36000" rtlCol="0" anchor="ctr" anchorCtr="0"/>
+          <a:lstStyle/>
+          <a:p>
+            <a:pPr algn="ctr"/>
+            <a:r>
+              <a:rPr lang="zh-CN" altLang="en-US" sz="1600" b="1">
+                <a:solidFill>
+                  <a:schemeClr val="tx1"/>
+                </a:solidFill>
+                <a:latin typeface="微软雅黑" panose="020B0503020204020204" pitchFamily="34" charset="-122"/>
+                <a:ea typeface="微软雅黑" panose="020B0503020204020204" pitchFamily="34" charset="-122"/>
+              </a:rPr>
+              <a:t>商家</a:t>
+            </a:r>
+          </a:p>
+        </p:txBody>
+      </p:sp>
+      <p:sp>
+        <p:nvSpPr>
+          <p:cNvPr id="57" name="矩形: 圆角 56">
+            <a:extLst>
+              <a:ext uri="{FF2B5EF4-FFF2-40B4-BE49-F238E27FC236}">
+                <a16:creationId xmlns:a16="http://schemas.microsoft.com/office/drawing/2014/main" id="{65E9B693-9316-4E9F-82F7-2796C6B9FCD2}"/>
+              </a:ext>
+            </a:extLst>
+          </p:cNvPr>
+          <p:cNvSpPr/>
+          <p:nvPr/>
+        </p:nvSpPr>
+        <p:spPr>
+          <a:xfrm>
+            <a:off x="804989" y="3742544"/>
+            <a:ext cx="1080000" cy="432000"/>
+          </a:xfrm>
+          <a:prstGeom prst="roundRect">
+            <a:avLst/>
+          </a:prstGeom>
+          <a:solidFill>
+            <a:srgbClr val="00B0F0"/>
+          </a:solidFill>
+          <a:ln>
+            <a:solidFill>
+              <a:schemeClr val="tx1"/>
+            </a:solidFill>
+          </a:ln>
+        </p:spPr>
+        <p:style>
+          <a:lnRef idx="2">
+            <a:schemeClr val="accent1">
+              <a:shade val="50000"/>
+            </a:schemeClr>
+          </a:lnRef>
+          <a:fillRef idx="1">
+            <a:schemeClr val="accent1"/>
+          </a:fillRef>
+          <a:effectRef idx="0">
+            <a:schemeClr val="accent1"/>
+          </a:effectRef>
+          <a:fontRef idx="minor">
+            <a:schemeClr val="lt1"/>
+          </a:fontRef>
+        </p:style>
+        <p:txBody>
+          <a:bodyPr wrap="none" lIns="36000" tIns="36000" rIns="36000" bIns="36000" rtlCol="0" anchor="ctr" anchorCtr="0"/>
+          <a:lstStyle/>
+          <a:p>
+            <a:pPr algn="ctr"/>
+            <a:r>
+              <a:rPr lang="zh-CN" altLang="en-US" sz="1600" b="1">
+                <a:solidFill>
+                  <a:schemeClr val="tx1"/>
+                </a:solidFill>
+                <a:latin typeface="微软雅黑" panose="020B0503020204020204" pitchFamily="34" charset="-122"/>
+                <a:ea typeface="微软雅黑" panose="020B0503020204020204" pitchFamily="34" charset="-122"/>
+              </a:rPr>
+              <a:t>商家</a:t>
+            </a:r>
+          </a:p>
+        </p:txBody>
+      </p:sp>
+      <p:sp>
+        <p:nvSpPr>
+          <p:cNvPr id="58" name="矩形: 圆角 57">
+            <a:extLst>
+              <a:ext uri="{FF2B5EF4-FFF2-40B4-BE49-F238E27FC236}">
+                <a16:creationId xmlns:a16="http://schemas.microsoft.com/office/drawing/2014/main" id="{1A415BD8-5740-4984-A8EF-0B45AE86E344}"/>
+              </a:ext>
+            </a:extLst>
+          </p:cNvPr>
+          <p:cNvSpPr/>
+          <p:nvPr/>
+        </p:nvSpPr>
+        <p:spPr>
+          <a:xfrm>
+            <a:off x="2647295" y="3634544"/>
             <a:ext cx="1512000" cy="648000"/>
           </a:xfrm>
           <a:prstGeom prst="roundRect">
@@ -9629,7 +9255,7 @@
                 <a:latin typeface="微软雅黑" panose="020B0503020204020204" pitchFamily="34" charset="-122"/>
                 <a:ea typeface="微软雅黑" panose="020B0503020204020204" pitchFamily="34" charset="-122"/>
               </a:rPr>
-              <a:t>挂买单</a:t>
+              <a:t>确认收款</a:t>
             </a:r>
             <a:endParaRPr lang="en-US" altLang="zh-CN" sz="1600" b="1">
               <a:solidFill>
@@ -9649,7 +9275,7 @@
                 <a:latin typeface="微软雅黑" panose="020B0503020204020204" pitchFamily="34" charset="-122"/>
                 <a:ea typeface="微软雅黑" panose="020B0503020204020204" pitchFamily="34" charset="-122"/>
               </a:rPr>
-              <a:t>hang_buy</a:t>
+              <a:t>confirm_buy</a:t>
             </a:r>
             <a:endParaRPr lang="zh-CN" altLang="en-US" sz="1600" b="1">
               <a:solidFill>
@@ -9663,24 +9289,24 @@
       </p:sp>
       <p:cxnSp>
         <p:nvCxnSpPr>
-          <p:cNvPr id="27" name="直接箭头连接符 26">
-            <a:extLst>
-              <a:ext uri="{FF2B5EF4-FFF2-40B4-BE49-F238E27FC236}">
-                <a16:creationId xmlns:a16="http://schemas.microsoft.com/office/drawing/2014/main" id="{820FAF8E-FA0D-4C91-A61B-8A61F5509F1F}"/>
+          <p:cNvPr id="59" name="直接箭头连接符 58">
+            <a:extLst>
+              <a:ext uri="{FF2B5EF4-FFF2-40B4-BE49-F238E27FC236}">
+                <a16:creationId xmlns:a16="http://schemas.microsoft.com/office/drawing/2014/main" id="{E8CE606D-E7F8-4193-A90B-32217CC6FE96}"/>
               </a:ext>
             </a:extLst>
           </p:cNvPr>
           <p:cNvCxnSpPr>
             <a:cxnSpLocks/>
-            <a:stCxn id="21" idx="3"/>
-            <a:endCxn id="22" idx="1"/>
+            <a:stCxn id="58" idx="3"/>
+            <a:endCxn id="60" idx="1"/>
           </p:cNvCxnSpPr>
           <p:nvPr/>
         </p:nvCxnSpPr>
         <p:spPr>
           <a:xfrm>
-            <a:off x="1895343" y="1804432"/>
-            <a:ext cx="953374" cy="0"/>
+            <a:off x="4159295" y="3958544"/>
+            <a:ext cx="927896" cy="0"/>
           </a:xfrm>
           <a:prstGeom prst="straightConnector1">
             <a:avLst/>
@@ -9707,26 +9333,380 @@
           </a:fontRef>
         </p:style>
       </p:cxnSp>
+      <p:sp>
+        <p:nvSpPr>
+          <p:cNvPr id="60" name="矩形: 圆角 59">
+            <a:extLst>
+              <a:ext uri="{FF2B5EF4-FFF2-40B4-BE49-F238E27FC236}">
+                <a16:creationId xmlns:a16="http://schemas.microsoft.com/office/drawing/2014/main" id="{439E5E02-6BA2-41DE-AC3B-ECEDEFD1F385}"/>
+              </a:ext>
+            </a:extLst>
+          </p:cNvPr>
+          <p:cNvSpPr/>
+          <p:nvPr/>
+        </p:nvSpPr>
+        <p:spPr>
+          <a:xfrm>
+            <a:off x="5087191" y="3670544"/>
+            <a:ext cx="1620000" cy="576000"/>
+          </a:xfrm>
+          <a:prstGeom prst="roundRect">
+            <a:avLst/>
+          </a:prstGeom>
+          <a:solidFill>
+            <a:schemeClr val="bg1"/>
+          </a:solidFill>
+          <a:ln>
+            <a:solidFill>
+              <a:schemeClr val="tx1"/>
+            </a:solidFill>
+          </a:ln>
+        </p:spPr>
+        <p:style>
+          <a:lnRef idx="2">
+            <a:schemeClr val="accent1">
+              <a:shade val="50000"/>
+            </a:schemeClr>
+          </a:lnRef>
+          <a:fillRef idx="1">
+            <a:schemeClr val="accent1"/>
+          </a:fillRef>
+          <a:effectRef idx="0">
+            <a:schemeClr val="accent1"/>
+          </a:effectRef>
+          <a:fontRef idx="minor">
+            <a:schemeClr val="lt1"/>
+          </a:fontRef>
+        </p:style>
+        <p:txBody>
+          <a:bodyPr wrap="none" lIns="36000" tIns="36000" rIns="36000" bIns="36000" rtlCol="0" anchor="ctr" anchorCtr="0"/>
+          <a:lstStyle/>
+          <a:p>
+            <a:pPr algn="ctr"/>
+            <a:r>
+              <a:rPr lang="zh-CN" altLang="en-US" sz="1600" b="1">
+                <a:solidFill>
+                  <a:schemeClr val="tx1"/>
+                </a:solidFill>
+                <a:latin typeface="微软雅黑" panose="020B0503020204020204" pitchFamily="34" charset="-122"/>
+                <a:ea typeface="微软雅黑" panose="020B0503020204020204" pitchFamily="34" charset="-122"/>
+              </a:rPr>
+              <a:t>合约账户转账</a:t>
+            </a:r>
+          </a:p>
+        </p:txBody>
+      </p:sp>
       <p:cxnSp>
         <p:nvCxnSpPr>
-          <p:cNvPr id="28" name="直接箭头连接符 27">
-            <a:extLst>
-              <a:ext uri="{FF2B5EF4-FFF2-40B4-BE49-F238E27FC236}">
-                <a16:creationId xmlns:a16="http://schemas.microsoft.com/office/drawing/2014/main" id="{7EB14E1C-9F99-4973-A3DA-7DE3ECE33B6E}"/>
+          <p:cNvPr id="62" name="直接箭头连接符 61">
+            <a:extLst>
+              <a:ext uri="{FF2B5EF4-FFF2-40B4-BE49-F238E27FC236}">
+                <a16:creationId xmlns:a16="http://schemas.microsoft.com/office/drawing/2014/main" id="{5E333993-C0A6-4C5E-86E9-7F2027329CE7}"/>
               </a:ext>
             </a:extLst>
           </p:cNvPr>
           <p:cNvCxnSpPr>
             <a:cxnSpLocks/>
-            <a:stCxn id="22" idx="3"/>
-            <a:endCxn id="29" idx="1"/>
+            <a:stCxn id="57" idx="3"/>
+            <a:endCxn id="58" idx="1"/>
           </p:cNvCxnSpPr>
           <p:nvPr/>
         </p:nvCxnSpPr>
         <p:spPr>
           <a:xfrm>
-            <a:off x="4360717" y="1804432"/>
-            <a:ext cx="5533138" cy="0"/>
+            <a:off x="1884989" y="3958544"/>
+            <a:ext cx="762306" cy="0"/>
+          </a:xfrm>
+          <a:prstGeom prst="straightConnector1">
+            <a:avLst/>
+          </a:prstGeom>
+          <a:ln w="31750">
+            <a:solidFill>
+              <a:schemeClr val="tx1"/>
+            </a:solidFill>
+            <a:tailEnd type="triangle"/>
+          </a:ln>
+        </p:spPr>
+        <p:style>
+          <a:lnRef idx="1">
+            <a:schemeClr val="accent1"/>
+          </a:lnRef>
+          <a:fillRef idx="0">
+            <a:schemeClr val="accent1"/>
+          </a:fillRef>
+          <a:effectRef idx="0">
+            <a:schemeClr val="accent1"/>
+          </a:effectRef>
+          <a:fontRef idx="minor">
+            <a:schemeClr val="tx1"/>
+          </a:fontRef>
+        </p:style>
+      </p:cxnSp>
+      <p:sp>
+        <p:nvSpPr>
+          <p:cNvPr id="63" name="矩形: 圆角 62">
+            <a:extLst>
+              <a:ext uri="{FF2B5EF4-FFF2-40B4-BE49-F238E27FC236}">
+                <a16:creationId xmlns:a16="http://schemas.microsoft.com/office/drawing/2014/main" id="{277DE9D7-2400-47B2-8AB5-32DC77E2F2B6}"/>
+              </a:ext>
+            </a:extLst>
+          </p:cNvPr>
+          <p:cNvSpPr/>
+          <p:nvPr/>
+        </p:nvSpPr>
+        <p:spPr>
+          <a:xfrm>
+            <a:off x="7734284" y="3222644"/>
+            <a:ext cx="1080000" cy="432000"/>
+          </a:xfrm>
+          <a:prstGeom prst="roundRect">
+            <a:avLst/>
+          </a:prstGeom>
+          <a:solidFill>
+            <a:srgbClr val="00B0F0"/>
+          </a:solidFill>
+          <a:ln>
+            <a:solidFill>
+              <a:schemeClr val="tx1"/>
+            </a:solidFill>
+          </a:ln>
+        </p:spPr>
+        <p:style>
+          <a:lnRef idx="2">
+            <a:schemeClr val="accent1">
+              <a:shade val="50000"/>
+            </a:schemeClr>
+          </a:lnRef>
+          <a:fillRef idx="1">
+            <a:schemeClr val="accent1"/>
+          </a:fillRef>
+          <a:effectRef idx="0">
+            <a:schemeClr val="accent1"/>
+          </a:effectRef>
+          <a:fontRef idx="minor">
+            <a:schemeClr val="lt1"/>
+          </a:fontRef>
+        </p:style>
+        <p:txBody>
+          <a:bodyPr wrap="none" lIns="36000" tIns="36000" rIns="36000" bIns="36000" rtlCol="0" anchor="ctr" anchorCtr="0"/>
+          <a:lstStyle/>
+          <a:p>
+            <a:pPr algn="ctr"/>
+            <a:r>
+              <a:rPr lang="zh-CN" altLang="en-US" sz="1600" b="1">
+                <a:solidFill>
+                  <a:schemeClr val="tx1"/>
+                </a:solidFill>
+                <a:latin typeface="微软雅黑" panose="020B0503020204020204" pitchFamily="34" charset="-122"/>
+                <a:ea typeface="微软雅黑" panose="020B0503020204020204" pitchFamily="34" charset="-122"/>
+              </a:rPr>
+              <a:t>客户</a:t>
+            </a:r>
+          </a:p>
+        </p:txBody>
+      </p:sp>
+      <p:cxnSp>
+        <p:nvCxnSpPr>
+          <p:cNvPr id="64" name="直接箭头连接符 63">
+            <a:extLst>
+              <a:ext uri="{FF2B5EF4-FFF2-40B4-BE49-F238E27FC236}">
+                <a16:creationId xmlns:a16="http://schemas.microsoft.com/office/drawing/2014/main" id="{5E3981A5-3200-4516-8486-750739C1C0F0}"/>
+              </a:ext>
+            </a:extLst>
+          </p:cNvPr>
+          <p:cNvCxnSpPr>
+            <a:cxnSpLocks/>
+            <a:stCxn id="60" idx="3"/>
+            <a:endCxn id="63" idx="1"/>
+          </p:cNvCxnSpPr>
+          <p:nvPr/>
+        </p:nvCxnSpPr>
+        <p:spPr>
+          <a:xfrm flipV="1">
+            <a:off x="6707191" y="3438644"/>
+            <a:ext cx="1027093" cy="519900"/>
+          </a:xfrm>
+          <a:prstGeom prst="straightConnector1">
+            <a:avLst/>
+          </a:prstGeom>
+          <a:ln w="31750">
+            <a:solidFill>
+              <a:schemeClr val="tx1"/>
+            </a:solidFill>
+            <a:tailEnd type="triangle"/>
+          </a:ln>
+        </p:spPr>
+        <p:style>
+          <a:lnRef idx="1">
+            <a:schemeClr val="accent1"/>
+          </a:lnRef>
+          <a:fillRef idx="0">
+            <a:schemeClr val="accent1"/>
+          </a:fillRef>
+          <a:effectRef idx="0">
+            <a:schemeClr val="accent1"/>
+          </a:effectRef>
+          <a:fontRef idx="minor">
+            <a:schemeClr val="tx1"/>
+          </a:fontRef>
+        </p:style>
+      </p:cxnSp>
+      <p:sp>
+        <p:nvSpPr>
+          <p:cNvPr id="34" name="矩形: 圆角 33">
+            <a:extLst>
+              <a:ext uri="{FF2B5EF4-FFF2-40B4-BE49-F238E27FC236}">
+                <a16:creationId xmlns:a16="http://schemas.microsoft.com/office/drawing/2014/main" id="{8868123B-109E-4A9F-8E31-973B05EF89EF}"/>
+              </a:ext>
+            </a:extLst>
+          </p:cNvPr>
+          <p:cNvSpPr/>
+          <p:nvPr/>
+        </p:nvSpPr>
+        <p:spPr>
+          <a:xfrm>
+            <a:off x="2647295" y="1803176"/>
+            <a:ext cx="1512000" cy="648000"/>
+          </a:xfrm>
+          <a:prstGeom prst="roundRect">
+            <a:avLst/>
+          </a:prstGeom>
+          <a:solidFill>
+            <a:srgbClr val="00B050"/>
+          </a:solidFill>
+          <a:ln>
+            <a:solidFill>
+              <a:schemeClr val="tx1"/>
+            </a:solidFill>
+          </a:ln>
+        </p:spPr>
+        <p:style>
+          <a:lnRef idx="2">
+            <a:schemeClr val="accent1">
+              <a:shade val="50000"/>
+            </a:schemeClr>
+          </a:lnRef>
+          <a:fillRef idx="1">
+            <a:schemeClr val="accent1"/>
+          </a:fillRef>
+          <a:effectRef idx="0">
+            <a:schemeClr val="accent1"/>
+          </a:effectRef>
+          <a:fontRef idx="minor">
+            <a:schemeClr val="lt1"/>
+          </a:fontRef>
+        </p:style>
+        <p:txBody>
+          <a:bodyPr wrap="none" lIns="36000" tIns="36000" rIns="36000" bIns="36000" rtlCol="0" anchor="ctr" anchorCtr="0"/>
+          <a:lstStyle/>
+          <a:p>
+            <a:pPr algn="ctr"/>
+            <a:r>
+              <a:rPr lang="zh-CN" altLang="en-US" sz="1600" b="1">
+                <a:solidFill>
+                  <a:schemeClr val="tx1"/>
+                </a:solidFill>
+                <a:latin typeface="微软雅黑" panose="020B0503020204020204" pitchFamily="34" charset="-122"/>
+                <a:ea typeface="微软雅黑" panose="020B0503020204020204" pitchFamily="34" charset="-122"/>
+              </a:rPr>
+              <a:t>购买</a:t>
+            </a:r>
+            <a:endParaRPr lang="en-US" altLang="zh-CN" sz="1600" b="1">
+              <a:solidFill>
+                <a:schemeClr val="tx1"/>
+              </a:solidFill>
+              <a:latin typeface="微软雅黑" panose="020B0503020204020204" pitchFamily="34" charset="-122"/>
+              <a:ea typeface="微软雅黑" panose="020B0503020204020204" pitchFamily="34" charset="-122"/>
+            </a:endParaRPr>
+          </a:p>
+          <a:p>
+            <a:pPr algn="ctr"/>
+            <a:r>
+              <a:rPr lang="en-US" altLang="zh-CN" sz="1600" b="1">
+                <a:solidFill>
+                  <a:schemeClr val="tx1"/>
+                </a:solidFill>
+                <a:latin typeface="微软雅黑" panose="020B0503020204020204" pitchFamily="34" charset="-122"/>
+                <a:ea typeface="微软雅黑" panose="020B0503020204020204" pitchFamily="34" charset="-122"/>
+              </a:rPr>
+              <a:t>buy</a:t>
+            </a:r>
+            <a:endParaRPr lang="zh-CN" altLang="en-US" sz="1600" b="1">
+              <a:solidFill>
+                <a:schemeClr val="tx1"/>
+              </a:solidFill>
+              <a:latin typeface="微软雅黑" panose="020B0503020204020204" pitchFamily="34" charset="-122"/>
+              <a:ea typeface="微软雅黑" panose="020B0503020204020204" pitchFamily="34" charset="-122"/>
+            </a:endParaRPr>
+          </a:p>
+        </p:txBody>
+      </p:sp>
+      <p:cxnSp>
+        <p:nvCxnSpPr>
+          <p:cNvPr id="35" name="直接箭头连接符 34">
+            <a:extLst>
+              <a:ext uri="{FF2B5EF4-FFF2-40B4-BE49-F238E27FC236}">
+                <a16:creationId xmlns:a16="http://schemas.microsoft.com/office/drawing/2014/main" id="{DD8FB0D5-3E4D-4843-B59D-8853752077EA}"/>
+              </a:ext>
+            </a:extLst>
+          </p:cNvPr>
+          <p:cNvCxnSpPr>
+            <a:cxnSpLocks/>
+            <a:stCxn id="52" idx="3"/>
+            <a:endCxn id="55" idx="1"/>
+          </p:cNvCxnSpPr>
+          <p:nvPr/>
+        </p:nvCxnSpPr>
+        <p:spPr>
+          <a:xfrm>
+            <a:off x="6707191" y="1869722"/>
+            <a:ext cx="1027093" cy="0"/>
+          </a:xfrm>
+          <a:prstGeom prst="straightConnector1">
+            <a:avLst/>
+          </a:prstGeom>
+          <a:ln w="31750">
+            <a:solidFill>
+              <a:schemeClr val="tx1"/>
+            </a:solidFill>
+            <a:tailEnd type="triangle"/>
+          </a:ln>
+        </p:spPr>
+        <p:style>
+          <a:lnRef idx="1">
+            <a:schemeClr val="accent1"/>
+          </a:lnRef>
+          <a:fillRef idx="0">
+            <a:schemeClr val="accent1"/>
+          </a:fillRef>
+          <a:effectRef idx="0">
+            <a:schemeClr val="accent1"/>
+          </a:effectRef>
+          <a:fontRef idx="minor">
+            <a:schemeClr val="tx1"/>
+          </a:fontRef>
+        </p:style>
+      </p:cxnSp>
+      <p:cxnSp>
+        <p:nvCxnSpPr>
+          <p:cNvPr id="27" name="直接箭头连接符 26">
+            <a:extLst>
+              <a:ext uri="{FF2B5EF4-FFF2-40B4-BE49-F238E27FC236}">
+                <a16:creationId xmlns:a16="http://schemas.microsoft.com/office/drawing/2014/main" id="{848F891A-B509-4AB0-B91A-D6F52D2CCEB6}"/>
+              </a:ext>
+            </a:extLst>
+          </p:cNvPr>
+          <p:cNvCxnSpPr>
+            <a:cxnSpLocks/>
+            <a:stCxn id="60" idx="3"/>
+            <a:endCxn id="28" idx="1"/>
+          </p:cNvCxnSpPr>
+          <p:nvPr/>
+        </p:nvCxnSpPr>
+        <p:spPr>
+          <a:xfrm>
+            <a:off x="6707191" y="3958544"/>
+            <a:ext cx="1027093" cy="0"/>
           </a:xfrm>
           <a:prstGeom prst="straightConnector1">
             <a:avLst/>
@@ -9753,12 +9733,58 @@
           </a:fontRef>
         </p:style>
       </p:cxnSp>
-      <p:sp>
-        <p:nvSpPr>
-          <p:cNvPr id="29" name="矩形: 圆角 28">
-            <a:extLst>
-              <a:ext uri="{FF2B5EF4-FFF2-40B4-BE49-F238E27FC236}">
-                <a16:creationId xmlns:a16="http://schemas.microsoft.com/office/drawing/2014/main" id="{C205B937-C85A-4FC5-844F-BE1BB50E1A0E}"/>
+      <p:cxnSp>
+        <p:nvCxnSpPr>
+          <p:cNvPr id="29" name="直接箭头连接符 28">
+            <a:extLst>
+              <a:ext uri="{FF2B5EF4-FFF2-40B4-BE49-F238E27FC236}">
+                <a16:creationId xmlns:a16="http://schemas.microsoft.com/office/drawing/2014/main" id="{F37CC6C4-2015-45DA-B730-929041DEC6E9}"/>
+              </a:ext>
+            </a:extLst>
+          </p:cNvPr>
+          <p:cNvCxnSpPr>
+            <a:cxnSpLocks/>
+            <a:stCxn id="34" idx="3"/>
+            <a:endCxn id="30" idx="1"/>
+          </p:cNvCxnSpPr>
+          <p:nvPr/>
+        </p:nvCxnSpPr>
+        <p:spPr>
+          <a:xfrm>
+            <a:off x="4159295" y="2127176"/>
+            <a:ext cx="927896" cy="331308"/>
+          </a:xfrm>
+          <a:prstGeom prst="straightConnector1">
+            <a:avLst/>
+          </a:prstGeom>
+          <a:ln w="57150">
+            <a:solidFill>
+              <a:srgbClr val="FFC000"/>
+            </a:solidFill>
+            <a:tailEnd type="triangle"/>
+          </a:ln>
+        </p:spPr>
+        <p:style>
+          <a:lnRef idx="1">
+            <a:schemeClr val="accent1"/>
+          </a:lnRef>
+          <a:fillRef idx="0">
+            <a:schemeClr val="accent1"/>
+          </a:fillRef>
+          <a:effectRef idx="0">
+            <a:schemeClr val="accent1"/>
+          </a:effectRef>
+          <a:fontRef idx="minor">
+            <a:schemeClr val="tx1"/>
+          </a:fontRef>
+        </p:style>
+      </p:cxnSp>
+      <p:sp>
+        <p:nvSpPr>
+          <p:cNvPr id="30" name="矩形: 圆角 29">
+            <a:extLst>
+              <a:ext uri="{FF2B5EF4-FFF2-40B4-BE49-F238E27FC236}">
+                <a16:creationId xmlns:a16="http://schemas.microsoft.com/office/drawing/2014/main" id="{91506958-E49E-4576-BFCF-9A8F00E73CA4}"/>
               </a:ext>
             </a:extLst>
           </p:cNvPr>
@@ -9767,7 +9793,7 @@
         </p:nvSpPr>
         <p:spPr>
           <a:xfrm>
-            <a:off x="9893855" y="1588432"/>
+            <a:off x="5087191" y="2242484"/>
             <a:ext cx="1728000" cy="432000"/>
           </a:xfrm>
           <a:prstGeom prst="roundRect">
@@ -9813,7 +9839,7 @@
                 <a:latin typeface="微软雅黑" panose="020B0503020204020204" pitchFamily="34" charset="-122"/>
                 <a:ea typeface="微软雅黑" panose="020B0503020204020204" pitchFamily="34" charset="-122"/>
               </a:rPr>
-              <a:t>买单表</a:t>
+              <a:t>购买订单表</a:t>
             </a:r>
             <a:endParaRPr lang="en-US" altLang="zh-CN" sz="1600" b="1">
               <a:solidFill>
@@ -9825,225 +9851,26 @@
           </a:p>
         </p:txBody>
       </p:sp>
-      <p:sp>
-        <p:nvSpPr>
-          <p:cNvPr id="30" name="矩形: 圆角 29">
-            <a:extLst>
-              <a:ext uri="{FF2B5EF4-FFF2-40B4-BE49-F238E27FC236}">
-                <a16:creationId xmlns:a16="http://schemas.microsoft.com/office/drawing/2014/main" id="{982D07C1-243F-4440-B29C-8471022D2805}"/>
-              </a:ext>
-            </a:extLst>
-          </p:cNvPr>
-          <p:cNvSpPr/>
-          <p:nvPr/>
-        </p:nvSpPr>
-        <p:spPr>
-          <a:xfrm>
-            <a:off x="838143" y="2894764"/>
-            <a:ext cx="1080000" cy="432000"/>
-          </a:xfrm>
-          <a:prstGeom prst="roundRect">
-            <a:avLst/>
-          </a:prstGeom>
-          <a:solidFill>
-            <a:srgbClr val="00B0F0"/>
-          </a:solidFill>
-          <a:ln>
-            <a:solidFill>
-              <a:schemeClr val="tx1"/>
-            </a:solidFill>
-          </a:ln>
-        </p:spPr>
-        <p:style>
-          <a:lnRef idx="2">
-            <a:schemeClr val="accent1">
-              <a:shade val="50000"/>
-            </a:schemeClr>
-          </a:lnRef>
-          <a:fillRef idx="1">
-            <a:schemeClr val="accent1"/>
-          </a:fillRef>
-          <a:effectRef idx="0">
-            <a:schemeClr val="accent1"/>
-          </a:effectRef>
-          <a:fontRef idx="minor">
-            <a:schemeClr val="lt1"/>
-          </a:fontRef>
-        </p:style>
-        <p:txBody>
-          <a:bodyPr wrap="none" lIns="36000" tIns="36000" rIns="36000" bIns="36000" rtlCol="0" anchor="ctr" anchorCtr="0"/>
-          <a:lstStyle/>
-          <a:p>
-            <a:pPr algn="ctr"/>
-            <a:r>
-              <a:rPr lang="zh-CN" altLang="en-US" sz="1600" b="1">
-                <a:solidFill>
-                  <a:schemeClr val="tx1"/>
-                </a:solidFill>
-                <a:latin typeface="微软雅黑" panose="020B0503020204020204" pitchFamily="34" charset="-122"/>
-                <a:ea typeface="微软雅黑" panose="020B0503020204020204" pitchFamily="34" charset="-122"/>
-              </a:rPr>
-              <a:t>买家</a:t>
-            </a:r>
-          </a:p>
-        </p:txBody>
-      </p:sp>
-      <p:sp>
-        <p:nvSpPr>
-          <p:cNvPr id="31" name="矩形: 圆角 30">
-            <a:extLst>
-              <a:ext uri="{FF2B5EF4-FFF2-40B4-BE49-F238E27FC236}">
-                <a16:creationId xmlns:a16="http://schemas.microsoft.com/office/drawing/2014/main" id="{1C611FFC-953D-4802-B6F9-3D12F19B44CA}"/>
-              </a:ext>
-            </a:extLst>
-          </p:cNvPr>
-          <p:cNvSpPr/>
-          <p:nvPr/>
-        </p:nvSpPr>
-        <p:spPr>
-          <a:xfrm>
-            <a:off x="2848717" y="2786764"/>
-            <a:ext cx="1512000" cy="648000"/>
-          </a:xfrm>
-          <a:prstGeom prst="roundRect">
-            <a:avLst/>
-          </a:prstGeom>
-          <a:solidFill>
-            <a:srgbClr val="00B050"/>
-          </a:solidFill>
-          <a:ln>
-            <a:solidFill>
-              <a:schemeClr val="tx1"/>
-            </a:solidFill>
-          </a:ln>
-        </p:spPr>
-        <p:style>
-          <a:lnRef idx="2">
-            <a:schemeClr val="accent1">
-              <a:shade val="50000"/>
-            </a:schemeClr>
-          </a:lnRef>
-          <a:fillRef idx="1">
-            <a:schemeClr val="accent1"/>
-          </a:fillRef>
-          <a:effectRef idx="0">
-            <a:schemeClr val="accent1"/>
-          </a:effectRef>
-          <a:fontRef idx="minor">
-            <a:schemeClr val="lt1"/>
-          </a:fontRef>
-        </p:style>
-        <p:txBody>
-          <a:bodyPr wrap="none" lIns="36000" tIns="36000" rIns="36000" bIns="36000" rtlCol="0" anchor="ctr" anchorCtr="0"/>
-          <a:lstStyle/>
-          <a:p>
-            <a:pPr algn="ctr"/>
-            <a:r>
-              <a:rPr lang="zh-CN" altLang="en-US" sz="1600" b="1">
-                <a:solidFill>
-                  <a:schemeClr val="tx1"/>
-                </a:solidFill>
-                <a:latin typeface="微软雅黑" panose="020B0503020204020204" pitchFamily="34" charset="-122"/>
-                <a:ea typeface="微软雅黑" panose="020B0503020204020204" pitchFamily="34" charset="-122"/>
-              </a:rPr>
-              <a:t>撤销买单</a:t>
-            </a:r>
-            <a:endParaRPr lang="en-US" altLang="zh-CN" sz="1600" b="1">
-              <a:solidFill>
-                <a:schemeClr val="tx1"/>
-              </a:solidFill>
-              <a:latin typeface="微软雅黑" panose="020B0503020204020204" pitchFamily="34" charset="-122"/>
-              <a:ea typeface="微软雅黑" panose="020B0503020204020204" pitchFamily="34" charset="-122"/>
-            </a:endParaRPr>
-          </a:p>
-          <a:p>
-            <a:pPr algn="ctr"/>
-            <a:r>
-              <a:rPr lang="en-US" altLang="zh-CN" sz="1600" b="1">
-                <a:solidFill>
-                  <a:schemeClr val="tx1"/>
-                </a:solidFill>
-                <a:latin typeface="微软雅黑" panose="020B0503020204020204" pitchFamily="34" charset="-122"/>
-                <a:ea typeface="微软雅黑" panose="020B0503020204020204" pitchFamily="34" charset="-122"/>
-              </a:rPr>
-              <a:t>recusal_buy</a:t>
-            </a:r>
-            <a:endParaRPr lang="zh-CN" altLang="en-US" sz="1600" b="1">
-              <a:solidFill>
-                <a:schemeClr val="tx1"/>
-              </a:solidFill>
-              <a:latin typeface="微软雅黑" panose="020B0503020204020204" pitchFamily="34" charset="-122"/>
-              <a:ea typeface="微软雅黑" panose="020B0503020204020204" pitchFamily="34" charset="-122"/>
-            </a:endParaRPr>
-          </a:p>
-        </p:txBody>
-      </p:sp>
       <p:cxnSp>
         <p:nvCxnSpPr>
-          <p:cNvPr id="35" name="直接箭头连接符 34">
-            <a:extLst>
-              <a:ext uri="{FF2B5EF4-FFF2-40B4-BE49-F238E27FC236}">
-                <a16:creationId xmlns:a16="http://schemas.microsoft.com/office/drawing/2014/main" id="{9CA9B3C7-4AE1-410F-8653-50A2E8B5FF2C}"/>
+          <p:cNvPr id="36" name="直接箭头连接符 35">
+            <a:extLst>
+              <a:ext uri="{FF2B5EF4-FFF2-40B4-BE49-F238E27FC236}">
+                <a16:creationId xmlns:a16="http://schemas.microsoft.com/office/drawing/2014/main" id="{BF60387A-F6EE-4893-B8F0-0EFE87190D14}"/>
               </a:ext>
             </a:extLst>
           </p:cNvPr>
           <p:cNvCxnSpPr>
             <a:cxnSpLocks/>
-            <a:stCxn id="30" idx="3"/>
-            <a:endCxn id="31" idx="1"/>
+            <a:stCxn id="60" idx="3"/>
+            <a:endCxn id="37" idx="1"/>
           </p:cNvCxnSpPr>
           <p:nvPr/>
         </p:nvCxnSpPr>
         <p:spPr>
           <a:xfrm>
-            <a:off x="1918143" y="3110764"/>
-            <a:ext cx="930574" cy="0"/>
-          </a:xfrm>
-          <a:prstGeom prst="straightConnector1">
-            <a:avLst/>
-          </a:prstGeom>
-          <a:ln w="31750">
-            <a:solidFill>
-              <a:schemeClr val="tx1"/>
-            </a:solidFill>
-            <a:tailEnd type="triangle"/>
-          </a:ln>
-        </p:spPr>
-        <p:style>
-          <a:lnRef idx="1">
-            <a:schemeClr val="accent1"/>
-          </a:lnRef>
-          <a:fillRef idx="0">
-            <a:schemeClr val="accent1"/>
-          </a:fillRef>
-          <a:effectRef idx="0">
-            <a:schemeClr val="accent1"/>
-          </a:effectRef>
-          <a:fontRef idx="minor">
-            <a:schemeClr val="tx1"/>
-          </a:fontRef>
-        </p:style>
-      </p:cxnSp>
-      <p:cxnSp>
-        <p:nvCxnSpPr>
-          <p:cNvPr id="38" name="直接箭头连接符 37">
-            <a:extLst>
-              <a:ext uri="{FF2B5EF4-FFF2-40B4-BE49-F238E27FC236}">
-                <a16:creationId xmlns:a16="http://schemas.microsoft.com/office/drawing/2014/main" id="{A9E686A2-D51D-48CC-AB92-C0B46BB45032}"/>
-              </a:ext>
-            </a:extLst>
-          </p:cNvPr>
-          <p:cNvCxnSpPr>
-            <a:cxnSpLocks/>
-            <a:stCxn id="31" idx="3"/>
-            <a:endCxn id="39" idx="1"/>
-          </p:cNvCxnSpPr>
-          <p:nvPr/>
-        </p:nvCxnSpPr>
-        <p:spPr>
-          <a:xfrm>
-            <a:off x="4360717" y="3110764"/>
-            <a:ext cx="5533138" cy="0"/>
+            <a:off x="6707191" y="3958544"/>
+            <a:ext cx="1027093" cy="517770"/>
           </a:xfrm>
           <a:prstGeom prst="straightConnector1">
             <a:avLst/>
@@ -10072,10 +9899,10 @@
       </p:cxnSp>
       <p:sp>
         <p:nvSpPr>
-          <p:cNvPr id="39" name="矩形: 圆角 38">
-            <a:extLst>
-              <a:ext uri="{FF2B5EF4-FFF2-40B4-BE49-F238E27FC236}">
-                <a16:creationId xmlns:a16="http://schemas.microsoft.com/office/drawing/2014/main" id="{28D927E2-C332-428B-BEAD-1C7C20A07141}"/>
+          <p:cNvPr id="28" name="矩形: 圆角 27">
+            <a:extLst>
+              <a:ext uri="{FF2B5EF4-FFF2-40B4-BE49-F238E27FC236}">
+                <a16:creationId xmlns:a16="http://schemas.microsoft.com/office/drawing/2014/main" id="{827DBB4E-F9A3-4DE7-8CDA-BBACBCB1E162}"/>
               </a:ext>
             </a:extLst>
           </p:cNvPr>
@@ -10084,7 +9911,7 @@
         </p:nvSpPr>
         <p:spPr>
           <a:xfrm>
-            <a:off x="9893855" y="2894764"/>
+            <a:off x="7734284" y="3742544"/>
             <a:ext cx="1728000" cy="432000"/>
           </a:xfrm>
           <a:prstGeom prst="roundRect">
@@ -10130,7 +9957,7 @@
                 <a:latin typeface="微软雅黑" panose="020B0503020204020204" pitchFamily="34" charset="-122"/>
                 <a:ea typeface="微软雅黑" panose="020B0503020204020204" pitchFamily="34" charset="-122"/>
               </a:rPr>
-              <a:t>撤销买单表</a:t>
+              <a:t>卖单表</a:t>
             </a:r>
             <a:endParaRPr lang="en-US" altLang="zh-CN" sz="1600" b="1">
               <a:solidFill>
@@ -10142,10 +9969,399 @@
           </a:p>
         </p:txBody>
       </p:sp>
+      <p:sp>
+        <p:nvSpPr>
+          <p:cNvPr id="37" name="矩形: 圆角 36">
+            <a:extLst>
+              <a:ext uri="{FF2B5EF4-FFF2-40B4-BE49-F238E27FC236}">
+                <a16:creationId xmlns:a16="http://schemas.microsoft.com/office/drawing/2014/main" id="{AA3F2E7A-C257-4797-A65E-719DB4B6551B}"/>
+              </a:ext>
+            </a:extLst>
+          </p:cNvPr>
+          <p:cNvSpPr/>
+          <p:nvPr/>
+        </p:nvSpPr>
+        <p:spPr>
+          <a:xfrm>
+            <a:off x="7734284" y="4260314"/>
+            <a:ext cx="1728000" cy="432000"/>
+          </a:xfrm>
+          <a:prstGeom prst="roundRect">
+            <a:avLst/>
+          </a:prstGeom>
+          <a:solidFill>
+            <a:schemeClr val="bg1">
+              <a:lumMod val="95000"/>
+            </a:schemeClr>
+          </a:solidFill>
+          <a:ln>
+            <a:solidFill>
+              <a:schemeClr val="tx1"/>
+            </a:solidFill>
+          </a:ln>
+        </p:spPr>
+        <p:style>
+          <a:lnRef idx="2">
+            <a:schemeClr val="accent1">
+              <a:shade val="50000"/>
+            </a:schemeClr>
+          </a:lnRef>
+          <a:fillRef idx="1">
+            <a:schemeClr val="accent1"/>
+          </a:fillRef>
+          <a:effectRef idx="0">
+            <a:schemeClr val="accent1"/>
+          </a:effectRef>
+          <a:fontRef idx="minor">
+            <a:schemeClr val="lt1"/>
+          </a:fontRef>
+        </p:style>
+        <p:txBody>
+          <a:bodyPr wrap="none" lIns="36000" tIns="36000" rIns="36000" bIns="36000" rtlCol="0" anchor="ctr" anchorCtr="0"/>
+          <a:lstStyle/>
+          <a:p>
+            <a:pPr algn="ctr"/>
+            <a:r>
+              <a:rPr lang="zh-CN" altLang="en-US" sz="1600" b="1">
+                <a:solidFill>
+                  <a:schemeClr val="tx1"/>
+                </a:solidFill>
+                <a:latin typeface="微软雅黑" panose="020B0503020204020204" pitchFamily="34" charset="-122"/>
+                <a:ea typeface="微软雅黑" panose="020B0503020204020204" pitchFamily="34" charset="-122"/>
+              </a:rPr>
+              <a:t>购买订单表</a:t>
+            </a:r>
+            <a:endParaRPr lang="en-US" altLang="zh-CN" sz="1600" b="1">
+              <a:solidFill>
+                <a:schemeClr val="tx1"/>
+              </a:solidFill>
+              <a:latin typeface="微软雅黑" panose="020B0503020204020204" pitchFamily="34" charset="-122"/>
+              <a:ea typeface="微软雅黑" panose="020B0503020204020204" pitchFamily="34" charset="-122"/>
+            </a:endParaRPr>
+          </a:p>
+        </p:txBody>
+      </p:sp>
+      <p:sp>
+        <p:nvSpPr>
+          <p:cNvPr id="50" name="矩形: 圆角 49">
+            <a:extLst>
+              <a:ext uri="{FF2B5EF4-FFF2-40B4-BE49-F238E27FC236}">
+                <a16:creationId xmlns:a16="http://schemas.microsoft.com/office/drawing/2014/main" id="{6130C7D6-A3FA-4543-A899-92B0D56889FE}"/>
+              </a:ext>
+            </a:extLst>
+          </p:cNvPr>
+          <p:cNvSpPr/>
+          <p:nvPr/>
+        </p:nvSpPr>
+        <p:spPr>
+          <a:xfrm>
+            <a:off x="806466" y="5588019"/>
+            <a:ext cx="1080000" cy="432000"/>
+          </a:xfrm>
+          <a:prstGeom prst="roundRect">
+            <a:avLst/>
+          </a:prstGeom>
+          <a:solidFill>
+            <a:srgbClr val="00B0F0"/>
+          </a:solidFill>
+          <a:ln>
+            <a:solidFill>
+              <a:schemeClr val="tx1"/>
+            </a:solidFill>
+          </a:ln>
+        </p:spPr>
+        <p:style>
+          <a:lnRef idx="2">
+            <a:schemeClr val="accent1">
+              <a:shade val="50000"/>
+            </a:schemeClr>
+          </a:lnRef>
+          <a:fillRef idx="1">
+            <a:schemeClr val="accent1"/>
+          </a:fillRef>
+          <a:effectRef idx="0">
+            <a:schemeClr val="accent1"/>
+          </a:effectRef>
+          <a:fontRef idx="minor">
+            <a:schemeClr val="lt1"/>
+          </a:fontRef>
+        </p:style>
+        <p:txBody>
+          <a:bodyPr wrap="none" lIns="36000" tIns="36000" rIns="36000" bIns="36000" rtlCol="0" anchor="ctr" anchorCtr="0"/>
+          <a:lstStyle/>
+          <a:p>
+            <a:pPr algn="ctr"/>
+            <a:r>
+              <a:rPr lang="zh-CN" altLang="en-US" sz="1600" b="1">
+                <a:solidFill>
+                  <a:schemeClr val="tx1"/>
+                </a:solidFill>
+                <a:latin typeface="微软雅黑" panose="020B0503020204020204" pitchFamily="34" charset="-122"/>
+                <a:ea typeface="微软雅黑" panose="020B0503020204020204" pitchFamily="34" charset="-122"/>
+              </a:rPr>
+              <a:t>客户</a:t>
+            </a:r>
+          </a:p>
+        </p:txBody>
+      </p:sp>
+      <p:cxnSp>
+        <p:nvCxnSpPr>
+          <p:cNvPr id="61" name="直接箭头连接符 60">
+            <a:extLst>
+              <a:ext uri="{FF2B5EF4-FFF2-40B4-BE49-F238E27FC236}">
+                <a16:creationId xmlns:a16="http://schemas.microsoft.com/office/drawing/2014/main" id="{D685CF36-64DC-42C2-8C0B-E39435EE251B}"/>
+              </a:ext>
+            </a:extLst>
+          </p:cNvPr>
+          <p:cNvCxnSpPr>
+            <a:cxnSpLocks/>
+            <a:stCxn id="50" idx="3"/>
+            <a:endCxn id="66" idx="1"/>
+          </p:cNvCxnSpPr>
+          <p:nvPr/>
+        </p:nvCxnSpPr>
+        <p:spPr>
+          <a:xfrm>
+            <a:off x="1886466" y="5804019"/>
+            <a:ext cx="762306" cy="0"/>
+          </a:xfrm>
+          <a:prstGeom prst="straightConnector1">
+            <a:avLst/>
+          </a:prstGeom>
+          <a:ln w="31750">
+            <a:solidFill>
+              <a:schemeClr val="tx1"/>
+            </a:solidFill>
+            <a:tailEnd type="triangle"/>
+          </a:ln>
+        </p:spPr>
+        <p:style>
+          <a:lnRef idx="1">
+            <a:schemeClr val="accent1"/>
+          </a:lnRef>
+          <a:fillRef idx="0">
+            <a:schemeClr val="accent1"/>
+          </a:fillRef>
+          <a:effectRef idx="0">
+            <a:schemeClr val="accent1"/>
+          </a:effectRef>
+          <a:fontRef idx="minor">
+            <a:schemeClr val="tx1"/>
+          </a:fontRef>
+        </p:style>
+      </p:cxnSp>
+      <p:sp>
+        <p:nvSpPr>
+          <p:cNvPr id="66" name="矩形: 圆角 65">
+            <a:extLst>
+              <a:ext uri="{FF2B5EF4-FFF2-40B4-BE49-F238E27FC236}">
+                <a16:creationId xmlns:a16="http://schemas.microsoft.com/office/drawing/2014/main" id="{7081A539-2533-4186-B820-DDBF919C0B23}"/>
+              </a:ext>
+            </a:extLst>
+          </p:cNvPr>
+          <p:cNvSpPr/>
+          <p:nvPr/>
+        </p:nvSpPr>
+        <p:spPr>
+          <a:xfrm>
+            <a:off x="2648772" y="5480019"/>
+            <a:ext cx="1512000" cy="648000"/>
+          </a:xfrm>
+          <a:prstGeom prst="roundRect">
+            <a:avLst/>
+          </a:prstGeom>
+          <a:solidFill>
+            <a:srgbClr val="00B050"/>
+          </a:solidFill>
+          <a:ln>
+            <a:solidFill>
+              <a:schemeClr val="tx1"/>
+            </a:solidFill>
+          </a:ln>
+        </p:spPr>
+        <p:style>
+          <a:lnRef idx="2">
+            <a:schemeClr val="accent1">
+              <a:shade val="50000"/>
+            </a:schemeClr>
+          </a:lnRef>
+          <a:fillRef idx="1">
+            <a:schemeClr val="accent1"/>
+          </a:fillRef>
+          <a:effectRef idx="0">
+            <a:schemeClr val="accent1"/>
+          </a:effectRef>
+          <a:fontRef idx="minor">
+            <a:schemeClr val="lt1"/>
+          </a:fontRef>
+        </p:style>
+        <p:txBody>
+          <a:bodyPr wrap="none" lIns="36000" tIns="36000" rIns="36000" bIns="36000" rtlCol="0" anchor="ctr" anchorCtr="0"/>
+          <a:lstStyle/>
+          <a:p>
+            <a:pPr algn="ctr"/>
+            <a:r>
+              <a:rPr lang="zh-CN" altLang="en-US" sz="1600" b="1">
+                <a:solidFill>
+                  <a:schemeClr val="tx1"/>
+                </a:solidFill>
+                <a:latin typeface="微软雅黑" panose="020B0503020204020204" pitchFamily="34" charset="-122"/>
+                <a:ea typeface="微软雅黑" panose="020B0503020204020204" pitchFamily="34" charset="-122"/>
+              </a:rPr>
+              <a:t>撤销购买</a:t>
+            </a:r>
+            <a:endParaRPr lang="en-US" altLang="zh-CN" sz="1600" b="1">
+              <a:solidFill>
+                <a:schemeClr val="tx1"/>
+              </a:solidFill>
+              <a:latin typeface="微软雅黑" panose="020B0503020204020204" pitchFamily="34" charset="-122"/>
+              <a:ea typeface="微软雅黑" panose="020B0503020204020204" pitchFamily="34" charset="-122"/>
+            </a:endParaRPr>
+          </a:p>
+          <a:p>
+            <a:pPr algn="ctr"/>
+            <a:r>
+              <a:rPr lang="en-US" altLang="zh-CN" sz="1600" b="1">
+                <a:solidFill>
+                  <a:schemeClr val="tx1"/>
+                </a:solidFill>
+                <a:latin typeface="微软雅黑" panose="020B0503020204020204" pitchFamily="34" charset="-122"/>
+                <a:ea typeface="微软雅黑" panose="020B0503020204020204" pitchFamily="34" charset="-122"/>
+              </a:rPr>
+              <a:t>recusal_buy</a:t>
+            </a:r>
+            <a:endParaRPr lang="zh-CN" altLang="en-US" sz="1600" b="1">
+              <a:solidFill>
+                <a:schemeClr val="tx1"/>
+              </a:solidFill>
+              <a:latin typeface="微软雅黑" panose="020B0503020204020204" pitchFamily="34" charset="-122"/>
+              <a:ea typeface="微软雅黑" panose="020B0503020204020204" pitchFamily="34" charset="-122"/>
+            </a:endParaRPr>
+          </a:p>
+        </p:txBody>
+      </p:sp>
+      <p:cxnSp>
+        <p:nvCxnSpPr>
+          <p:cNvPr id="68" name="直接箭头连接符 67">
+            <a:extLst>
+              <a:ext uri="{FF2B5EF4-FFF2-40B4-BE49-F238E27FC236}">
+                <a16:creationId xmlns:a16="http://schemas.microsoft.com/office/drawing/2014/main" id="{27CAAD24-D643-47AC-ABD0-ACB1D5D11BF3}"/>
+              </a:ext>
+            </a:extLst>
+          </p:cNvPr>
+          <p:cNvCxnSpPr>
+            <a:cxnSpLocks/>
+            <a:stCxn id="66" idx="3"/>
+            <a:endCxn id="69" idx="1"/>
+          </p:cNvCxnSpPr>
+          <p:nvPr/>
+        </p:nvCxnSpPr>
+        <p:spPr>
+          <a:xfrm>
+            <a:off x="4160772" y="5804019"/>
+            <a:ext cx="927896" cy="0"/>
+          </a:xfrm>
+          <a:prstGeom prst="straightConnector1">
+            <a:avLst/>
+          </a:prstGeom>
+          <a:ln w="57150">
+            <a:solidFill>
+              <a:srgbClr val="FFC000"/>
+            </a:solidFill>
+            <a:tailEnd type="triangle"/>
+          </a:ln>
+        </p:spPr>
+        <p:style>
+          <a:lnRef idx="1">
+            <a:schemeClr val="accent1"/>
+          </a:lnRef>
+          <a:fillRef idx="0">
+            <a:schemeClr val="accent1"/>
+          </a:fillRef>
+          <a:effectRef idx="0">
+            <a:schemeClr val="accent1"/>
+          </a:effectRef>
+          <a:fontRef idx="minor">
+            <a:schemeClr val="tx1"/>
+          </a:fontRef>
+        </p:style>
+      </p:cxnSp>
+      <p:sp>
+        <p:nvSpPr>
+          <p:cNvPr id="69" name="矩形: 圆角 68">
+            <a:extLst>
+              <a:ext uri="{FF2B5EF4-FFF2-40B4-BE49-F238E27FC236}">
+                <a16:creationId xmlns:a16="http://schemas.microsoft.com/office/drawing/2014/main" id="{3BB3007E-EA44-4270-BF0C-35C8059CB221}"/>
+              </a:ext>
+            </a:extLst>
+          </p:cNvPr>
+          <p:cNvSpPr/>
+          <p:nvPr/>
+        </p:nvSpPr>
+        <p:spPr>
+          <a:xfrm>
+            <a:off x="5088668" y="5588019"/>
+            <a:ext cx="1728000" cy="432000"/>
+          </a:xfrm>
+          <a:prstGeom prst="roundRect">
+            <a:avLst/>
+          </a:prstGeom>
+          <a:solidFill>
+            <a:schemeClr val="bg1">
+              <a:lumMod val="95000"/>
+            </a:schemeClr>
+          </a:solidFill>
+          <a:ln>
+            <a:solidFill>
+              <a:schemeClr val="tx1"/>
+            </a:solidFill>
+          </a:ln>
+        </p:spPr>
+        <p:style>
+          <a:lnRef idx="2">
+            <a:schemeClr val="accent1">
+              <a:shade val="50000"/>
+            </a:schemeClr>
+          </a:lnRef>
+          <a:fillRef idx="1">
+            <a:schemeClr val="accent1"/>
+          </a:fillRef>
+          <a:effectRef idx="0">
+            <a:schemeClr val="accent1"/>
+          </a:effectRef>
+          <a:fontRef idx="minor">
+            <a:schemeClr val="lt1"/>
+          </a:fontRef>
+        </p:style>
+        <p:txBody>
+          <a:bodyPr wrap="none" lIns="36000" tIns="36000" rIns="36000" bIns="36000" rtlCol="0" anchor="ctr" anchorCtr="0"/>
+          <a:lstStyle/>
+          <a:p>
+            <a:pPr algn="ctr"/>
+            <a:r>
+              <a:rPr lang="zh-CN" altLang="en-US" sz="1600" b="1">
+                <a:solidFill>
+                  <a:schemeClr val="tx1"/>
+                </a:solidFill>
+                <a:latin typeface="微软雅黑" panose="020B0503020204020204" pitchFamily="34" charset="-122"/>
+                <a:ea typeface="微软雅黑" panose="020B0503020204020204" pitchFamily="34" charset="-122"/>
+              </a:rPr>
+              <a:t>购买订单表</a:t>
+            </a:r>
+            <a:endParaRPr lang="en-US" altLang="zh-CN" sz="1600" b="1">
+              <a:solidFill>
+                <a:schemeClr val="tx1"/>
+              </a:solidFill>
+              <a:latin typeface="微软雅黑" panose="020B0503020204020204" pitchFamily="34" charset="-122"/>
+              <a:ea typeface="微软雅黑" panose="020B0503020204020204" pitchFamily="34" charset="-122"/>
+            </a:endParaRPr>
+          </a:p>
+        </p:txBody>
+      </p:sp>
     </p:spTree>
     <p:extLst>
       <p:ext uri="{BB962C8B-B14F-4D97-AF65-F5344CB8AC3E}">
-        <p14:creationId xmlns:p14="http://schemas.microsoft.com/office/powerpoint/2010/main" val="173027265"/>
+        <p14:creationId xmlns:p14="http://schemas.microsoft.com/office/powerpoint/2010/main" val="3940676795"/>
       </p:ext>
     </p:extLst>
   </p:cSld>
@@ -10288,7 +10504,7 @@
         <p:spPr>
           <a:xfrm>
             <a:off x="712379" y="173975"/>
-            <a:ext cx="1005403" cy="584775"/>
+            <a:ext cx="3467616" cy="584775"/>
           </a:xfrm>
           <a:prstGeom prst="rect">
             <a:avLst/>
@@ -10306,17 +10522,17 @@
                 <a:latin typeface="Consolas" panose="020B0609020204030204" pitchFamily="49" charset="0"/>
                 <a:ea typeface="微软雅黑" panose="020B0503020204020204" pitchFamily="34" charset="-122"/>
               </a:rPr>
-              <a:t>购买</a:t>
-            </a:r>
-          </a:p>
-        </p:txBody>
-      </p:sp>
-      <p:sp>
-        <p:nvSpPr>
-          <p:cNvPr id="49" name="矩形: 圆角 48">
-            <a:extLst>
-              <a:ext uri="{FF2B5EF4-FFF2-40B4-BE49-F238E27FC236}">
-                <a16:creationId xmlns:a16="http://schemas.microsoft.com/office/drawing/2014/main" id="{412BE305-D42D-4A74-94DC-D1DE6FBE1C09}"/>
+              <a:t>商家挂买单及撤销</a:t>
+            </a:r>
+          </a:p>
+        </p:txBody>
+      </p:sp>
+      <p:sp>
+        <p:nvSpPr>
+          <p:cNvPr id="21" name="矩形: 圆角 20">
+            <a:extLst>
+              <a:ext uri="{FF2B5EF4-FFF2-40B4-BE49-F238E27FC236}">
+                <a16:creationId xmlns:a16="http://schemas.microsoft.com/office/drawing/2014/main" id="{FE7B197E-982B-4E30-8E13-662FDB81A45B}"/>
               </a:ext>
             </a:extLst>
           </p:cNvPr>
@@ -10325,7 +10541,7 @@
         </p:nvSpPr>
         <p:spPr>
           <a:xfrm>
-            <a:off x="804989" y="1911176"/>
+            <a:off x="815343" y="1588432"/>
             <a:ext cx="1080000" cy="432000"/>
           </a:xfrm>
           <a:prstGeom prst="roundRect">
@@ -10369,63 +10585,17 @@
                 <a:latin typeface="微软雅黑" panose="020B0503020204020204" pitchFamily="34" charset="-122"/>
                 <a:ea typeface="微软雅黑" panose="020B0503020204020204" pitchFamily="34" charset="-122"/>
               </a:rPr>
-              <a:t>客户</a:t>
-            </a:r>
-          </a:p>
-        </p:txBody>
-      </p:sp>
-      <p:cxnSp>
-        <p:nvCxnSpPr>
-          <p:cNvPr id="51" name="直接箭头连接符 50">
-            <a:extLst>
-              <a:ext uri="{FF2B5EF4-FFF2-40B4-BE49-F238E27FC236}">
-                <a16:creationId xmlns:a16="http://schemas.microsoft.com/office/drawing/2014/main" id="{B26E3E05-7D02-4551-9073-5CBF0CA8489A}"/>
-              </a:ext>
-            </a:extLst>
-          </p:cNvPr>
-          <p:cNvCxnSpPr>
-            <a:cxnSpLocks/>
-            <a:stCxn id="34" idx="3"/>
-            <a:endCxn id="52" idx="1"/>
-          </p:cNvCxnSpPr>
-          <p:nvPr/>
-        </p:nvCxnSpPr>
-        <p:spPr>
-          <a:xfrm flipV="1">
-            <a:off x="4159295" y="1869722"/>
-            <a:ext cx="927896" cy="257454"/>
-          </a:xfrm>
-          <a:prstGeom prst="straightConnector1">
-            <a:avLst/>
-          </a:prstGeom>
-          <a:ln w="31750">
-            <a:solidFill>
-              <a:schemeClr val="tx1"/>
-            </a:solidFill>
-            <a:tailEnd type="triangle"/>
-          </a:ln>
-        </p:spPr>
-        <p:style>
-          <a:lnRef idx="1">
-            <a:schemeClr val="accent1"/>
-          </a:lnRef>
-          <a:fillRef idx="0">
-            <a:schemeClr val="accent1"/>
-          </a:fillRef>
-          <a:effectRef idx="0">
-            <a:schemeClr val="accent1"/>
-          </a:effectRef>
-          <a:fontRef idx="minor">
-            <a:schemeClr val="tx1"/>
-          </a:fontRef>
-        </p:style>
-      </p:cxnSp>
-      <p:sp>
-        <p:nvSpPr>
-          <p:cNvPr id="52" name="矩形: 圆角 51">
-            <a:extLst>
-              <a:ext uri="{FF2B5EF4-FFF2-40B4-BE49-F238E27FC236}">
-                <a16:creationId xmlns:a16="http://schemas.microsoft.com/office/drawing/2014/main" id="{47091E74-4263-45AC-96A0-F48249A1428D}"/>
+              <a:t>买家</a:t>
+            </a:r>
+          </a:p>
+        </p:txBody>
+      </p:sp>
+      <p:sp>
+        <p:nvSpPr>
+          <p:cNvPr id="22" name="矩形: 圆角 21">
+            <a:extLst>
+              <a:ext uri="{FF2B5EF4-FFF2-40B4-BE49-F238E27FC236}">
+                <a16:creationId xmlns:a16="http://schemas.microsoft.com/office/drawing/2014/main" id="{2A4ED8AF-B9AE-4D6C-B50A-63306C5F8FA3}"/>
               </a:ext>
             </a:extLst>
           </p:cNvPr>
@@ -10434,242 +10604,7 @@
         </p:nvSpPr>
         <p:spPr>
           <a:xfrm>
-            <a:off x="5087191" y="1581722"/>
-            <a:ext cx="1620000" cy="576000"/>
-          </a:xfrm>
-          <a:prstGeom prst="roundRect">
-            <a:avLst/>
-          </a:prstGeom>
-          <a:solidFill>
-            <a:schemeClr val="bg1"/>
-          </a:solidFill>
-          <a:ln>
-            <a:solidFill>
-              <a:schemeClr val="tx1"/>
-            </a:solidFill>
-          </a:ln>
-        </p:spPr>
-        <p:style>
-          <a:lnRef idx="2">
-            <a:schemeClr val="accent1">
-              <a:shade val="50000"/>
-            </a:schemeClr>
-          </a:lnRef>
-          <a:fillRef idx="1">
-            <a:schemeClr val="accent1"/>
-          </a:fillRef>
-          <a:effectRef idx="0">
-            <a:schemeClr val="accent1"/>
-          </a:effectRef>
-          <a:fontRef idx="minor">
-            <a:schemeClr val="lt1"/>
-          </a:fontRef>
-        </p:style>
-        <p:txBody>
-          <a:bodyPr wrap="none" lIns="36000" tIns="36000" rIns="36000" bIns="36000" rtlCol="0" anchor="ctr" anchorCtr="0"/>
-          <a:lstStyle/>
-          <a:p>
-            <a:pPr algn="ctr"/>
-            <a:r>
-              <a:rPr lang="zh-CN" altLang="en-US" sz="1600" b="1">
-                <a:solidFill>
-                  <a:schemeClr val="tx1"/>
-                </a:solidFill>
-                <a:latin typeface="微软雅黑" panose="020B0503020204020204" pitchFamily="34" charset="-122"/>
-                <a:ea typeface="微软雅黑" panose="020B0503020204020204" pitchFamily="34" charset="-122"/>
-              </a:rPr>
-              <a:t>场外支付</a:t>
-            </a:r>
-          </a:p>
-        </p:txBody>
-      </p:sp>
-      <p:cxnSp>
-        <p:nvCxnSpPr>
-          <p:cNvPr id="53" name="直接箭头连接符 52">
-            <a:extLst>
-              <a:ext uri="{FF2B5EF4-FFF2-40B4-BE49-F238E27FC236}">
-                <a16:creationId xmlns:a16="http://schemas.microsoft.com/office/drawing/2014/main" id="{34743039-6C7C-4A83-9F14-70E4F511ACFC}"/>
-              </a:ext>
-            </a:extLst>
-          </p:cNvPr>
-          <p:cNvCxnSpPr>
-            <a:cxnSpLocks/>
-            <a:stCxn id="49" idx="3"/>
-            <a:endCxn id="34" idx="1"/>
-          </p:cNvCxnSpPr>
-          <p:nvPr/>
-        </p:nvCxnSpPr>
-        <p:spPr>
-          <a:xfrm>
-            <a:off x="1884989" y="2127176"/>
-            <a:ext cx="762306" cy="0"/>
-          </a:xfrm>
-          <a:prstGeom prst="straightConnector1">
-            <a:avLst/>
-          </a:prstGeom>
-          <a:ln w="31750">
-            <a:solidFill>
-              <a:schemeClr val="tx1"/>
-            </a:solidFill>
-            <a:tailEnd type="triangle"/>
-          </a:ln>
-        </p:spPr>
-        <p:style>
-          <a:lnRef idx="1">
-            <a:schemeClr val="accent1"/>
-          </a:lnRef>
-          <a:fillRef idx="0">
-            <a:schemeClr val="accent1"/>
-          </a:fillRef>
-          <a:effectRef idx="0">
-            <a:schemeClr val="accent1"/>
-          </a:effectRef>
-          <a:fontRef idx="minor">
-            <a:schemeClr val="tx1"/>
-          </a:fontRef>
-        </p:style>
-      </p:cxnSp>
-      <p:sp>
-        <p:nvSpPr>
-          <p:cNvPr id="55" name="矩形: 圆角 54">
-            <a:extLst>
-              <a:ext uri="{FF2B5EF4-FFF2-40B4-BE49-F238E27FC236}">
-                <a16:creationId xmlns:a16="http://schemas.microsoft.com/office/drawing/2014/main" id="{51E46C4A-7DFB-40C1-B3C2-2F680522A617}"/>
-              </a:ext>
-            </a:extLst>
-          </p:cNvPr>
-          <p:cNvSpPr/>
-          <p:nvPr/>
-        </p:nvSpPr>
-        <p:spPr>
-          <a:xfrm>
-            <a:off x="7734284" y="1653722"/>
-            <a:ext cx="1080000" cy="432000"/>
-          </a:xfrm>
-          <a:prstGeom prst="roundRect">
-            <a:avLst/>
-          </a:prstGeom>
-          <a:solidFill>
-            <a:srgbClr val="00B0F0"/>
-          </a:solidFill>
-          <a:ln>
-            <a:solidFill>
-              <a:schemeClr val="tx1"/>
-            </a:solidFill>
-          </a:ln>
-        </p:spPr>
-        <p:style>
-          <a:lnRef idx="2">
-            <a:schemeClr val="accent1">
-              <a:shade val="50000"/>
-            </a:schemeClr>
-          </a:lnRef>
-          <a:fillRef idx="1">
-            <a:schemeClr val="accent1"/>
-          </a:fillRef>
-          <a:effectRef idx="0">
-            <a:schemeClr val="accent1"/>
-          </a:effectRef>
-          <a:fontRef idx="minor">
-            <a:schemeClr val="lt1"/>
-          </a:fontRef>
-        </p:style>
-        <p:txBody>
-          <a:bodyPr wrap="none" lIns="36000" tIns="36000" rIns="36000" bIns="36000" rtlCol="0" anchor="ctr" anchorCtr="0"/>
-          <a:lstStyle/>
-          <a:p>
-            <a:pPr algn="ctr"/>
-            <a:r>
-              <a:rPr lang="zh-CN" altLang="en-US" sz="1600" b="1">
-                <a:solidFill>
-                  <a:schemeClr val="tx1"/>
-                </a:solidFill>
-                <a:latin typeface="微软雅黑" panose="020B0503020204020204" pitchFamily="34" charset="-122"/>
-                <a:ea typeface="微软雅黑" panose="020B0503020204020204" pitchFamily="34" charset="-122"/>
-              </a:rPr>
-              <a:t>商家</a:t>
-            </a:r>
-          </a:p>
-        </p:txBody>
-      </p:sp>
-      <p:sp>
-        <p:nvSpPr>
-          <p:cNvPr id="57" name="矩形: 圆角 56">
-            <a:extLst>
-              <a:ext uri="{FF2B5EF4-FFF2-40B4-BE49-F238E27FC236}">
-                <a16:creationId xmlns:a16="http://schemas.microsoft.com/office/drawing/2014/main" id="{65E9B693-9316-4E9F-82F7-2796C6B9FCD2}"/>
-              </a:ext>
-            </a:extLst>
-          </p:cNvPr>
-          <p:cNvSpPr/>
-          <p:nvPr/>
-        </p:nvSpPr>
-        <p:spPr>
-          <a:xfrm>
-            <a:off x="804989" y="3742544"/>
-            <a:ext cx="1080000" cy="432000"/>
-          </a:xfrm>
-          <a:prstGeom prst="roundRect">
-            <a:avLst/>
-          </a:prstGeom>
-          <a:solidFill>
-            <a:srgbClr val="00B0F0"/>
-          </a:solidFill>
-          <a:ln>
-            <a:solidFill>
-              <a:schemeClr val="tx1"/>
-            </a:solidFill>
-          </a:ln>
-        </p:spPr>
-        <p:style>
-          <a:lnRef idx="2">
-            <a:schemeClr val="accent1">
-              <a:shade val="50000"/>
-            </a:schemeClr>
-          </a:lnRef>
-          <a:fillRef idx="1">
-            <a:schemeClr val="accent1"/>
-          </a:fillRef>
-          <a:effectRef idx="0">
-            <a:schemeClr val="accent1"/>
-          </a:effectRef>
-          <a:fontRef idx="minor">
-            <a:schemeClr val="lt1"/>
-          </a:fontRef>
-        </p:style>
-        <p:txBody>
-          <a:bodyPr wrap="none" lIns="36000" tIns="36000" rIns="36000" bIns="36000" rtlCol="0" anchor="ctr" anchorCtr="0"/>
-          <a:lstStyle/>
-          <a:p>
-            <a:pPr algn="ctr"/>
-            <a:r>
-              <a:rPr lang="zh-CN" altLang="en-US" sz="1600" b="1">
-                <a:solidFill>
-                  <a:schemeClr val="tx1"/>
-                </a:solidFill>
-                <a:latin typeface="微软雅黑" panose="020B0503020204020204" pitchFamily="34" charset="-122"/>
-                <a:ea typeface="微软雅黑" panose="020B0503020204020204" pitchFamily="34" charset="-122"/>
-              </a:rPr>
-              <a:t>商家</a:t>
-            </a:r>
-          </a:p>
-        </p:txBody>
-      </p:sp>
-      <p:sp>
-        <p:nvSpPr>
-          <p:cNvPr id="58" name="矩形: 圆角 57">
-            <a:extLst>
-              <a:ext uri="{FF2B5EF4-FFF2-40B4-BE49-F238E27FC236}">
-                <a16:creationId xmlns:a16="http://schemas.microsoft.com/office/drawing/2014/main" id="{1A415BD8-5740-4984-A8EF-0B45AE86E344}"/>
-              </a:ext>
-            </a:extLst>
-          </p:cNvPr>
-          <p:cNvSpPr/>
-          <p:nvPr/>
-        </p:nvSpPr>
-        <p:spPr>
-          <a:xfrm>
-            <a:off x="2647295" y="3634544"/>
+            <a:off x="2848717" y="1480432"/>
             <a:ext cx="1512000" cy="648000"/>
           </a:xfrm>
           <a:prstGeom prst="roundRect">
@@ -10713,7 +10648,7 @@
                 <a:latin typeface="微软雅黑" panose="020B0503020204020204" pitchFamily="34" charset="-122"/>
                 <a:ea typeface="微软雅黑" panose="020B0503020204020204" pitchFamily="34" charset="-122"/>
               </a:rPr>
-              <a:t>确认收款</a:t>
+              <a:t>挂买单</a:t>
             </a:r>
             <a:endParaRPr lang="en-US" altLang="zh-CN" sz="1600" b="1">
               <a:solidFill>
@@ -10733,7 +10668,7 @@
                 <a:latin typeface="微软雅黑" panose="020B0503020204020204" pitchFamily="34" charset="-122"/>
                 <a:ea typeface="微软雅黑" panose="020B0503020204020204" pitchFamily="34" charset="-122"/>
               </a:rPr>
-              <a:t>confirm_buy</a:t>
+              <a:t>hang_buy</a:t>
             </a:r>
             <a:endParaRPr lang="zh-CN" altLang="en-US" sz="1600" b="1">
               <a:solidFill>
@@ -10747,24 +10682,24 @@
       </p:sp>
       <p:cxnSp>
         <p:nvCxnSpPr>
-          <p:cNvPr id="59" name="直接箭头连接符 58">
-            <a:extLst>
-              <a:ext uri="{FF2B5EF4-FFF2-40B4-BE49-F238E27FC236}">
-                <a16:creationId xmlns:a16="http://schemas.microsoft.com/office/drawing/2014/main" id="{E8CE606D-E7F8-4193-A90B-32217CC6FE96}"/>
+          <p:cNvPr id="27" name="直接箭头连接符 26">
+            <a:extLst>
+              <a:ext uri="{FF2B5EF4-FFF2-40B4-BE49-F238E27FC236}">
+                <a16:creationId xmlns:a16="http://schemas.microsoft.com/office/drawing/2014/main" id="{820FAF8E-FA0D-4C91-A61B-8A61F5509F1F}"/>
               </a:ext>
             </a:extLst>
           </p:cNvPr>
           <p:cNvCxnSpPr>
             <a:cxnSpLocks/>
-            <a:stCxn id="58" idx="3"/>
-            <a:endCxn id="60" idx="1"/>
+            <a:stCxn id="21" idx="3"/>
+            <a:endCxn id="22" idx="1"/>
           </p:cNvCxnSpPr>
           <p:nvPr/>
         </p:nvCxnSpPr>
         <p:spPr>
           <a:xfrm>
-            <a:off x="4159295" y="3958544"/>
-            <a:ext cx="927896" cy="0"/>
+            <a:off x="1895343" y="1804432"/>
+            <a:ext cx="953374" cy="0"/>
           </a:xfrm>
           <a:prstGeom prst="straightConnector1">
             <a:avLst/>
@@ -10791,380 +10726,26 @@
           </a:fontRef>
         </p:style>
       </p:cxnSp>
-      <p:sp>
-        <p:nvSpPr>
-          <p:cNvPr id="60" name="矩形: 圆角 59">
-            <a:extLst>
-              <a:ext uri="{FF2B5EF4-FFF2-40B4-BE49-F238E27FC236}">
-                <a16:creationId xmlns:a16="http://schemas.microsoft.com/office/drawing/2014/main" id="{439E5E02-6BA2-41DE-AC3B-ECEDEFD1F385}"/>
-              </a:ext>
-            </a:extLst>
-          </p:cNvPr>
-          <p:cNvSpPr/>
-          <p:nvPr/>
-        </p:nvSpPr>
-        <p:spPr>
-          <a:xfrm>
-            <a:off x="5087191" y="3670544"/>
-            <a:ext cx="1620000" cy="576000"/>
-          </a:xfrm>
-          <a:prstGeom prst="roundRect">
-            <a:avLst/>
-          </a:prstGeom>
-          <a:solidFill>
-            <a:schemeClr val="bg1"/>
-          </a:solidFill>
-          <a:ln>
-            <a:solidFill>
-              <a:schemeClr val="tx1"/>
-            </a:solidFill>
-          </a:ln>
-        </p:spPr>
-        <p:style>
-          <a:lnRef idx="2">
-            <a:schemeClr val="accent1">
-              <a:shade val="50000"/>
-            </a:schemeClr>
-          </a:lnRef>
-          <a:fillRef idx="1">
-            <a:schemeClr val="accent1"/>
-          </a:fillRef>
-          <a:effectRef idx="0">
-            <a:schemeClr val="accent1"/>
-          </a:effectRef>
-          <a:fontRef idx="minor">
-            <a:schemeClr val="lt1"/>
-          </a:fontRef>
-        </p:style>
-        <p:txBody>
-          <a:bodyPr wrap="none" lIns="36000" tIns="36000" rIns="36000" bIns="36000" rtlCol="0" anchor="ctr" anchorCtr="0"/>
-          <a:lstStyle/>
-          <a:p>
-            <a:pPr algn="ctr"/>
-            <a:r>
-              <a:rPr lang="zh-CN" altLang="en-US" sz="1600" b="1">
-                <a:solidFill>
-                  <a:schemeClr val="tx1"/>
-                </a:solidFill>
-                <a:latin typeface="微软雅黑" panose="020B0503020204020204" pitchFamily="34" charset="-122"/>
-                <a:ea typeface="微软雅黑" panose="020B0503020204020204" pitchFamily="34" charset="-122"/>
-              </a:rPr>
-              <a:t>合约账户转账</a:t>
-            </a:r>
-          </a:p>
-        </p:txBody>
-      </p:sp>
       <p:cxnSp>
         <p:nvCxnSpPr>
-          <p:cNvPr id="62" name="直接箭头连接符 61">
-            <a:extLst>
-              <a:ext uri="{FF2B5EF4-FFF2-40B4-BE49-F238E27FC236}">
-                <a16:creationId xmlns:a16="http://schemas.microsoft.com/office/drawing/2014/main" id="{5E333993-C0A6-4C5E-86E9-7F2027329CE7}"/>
+          <p:cNvPr id="28" name="直接箭头连接符 27">
+            <a:extLst>
+              <a:ext uri="{FF2B5EF4-FFF2-40B4-BE49-F238E27FC236}">
+                <a16:creationId xmlns:a16="http://schemas.microsoft.com/office/drawing/2014/main" id="{7EB14E1C-9F99-4973-A3DA-7DE3ECE33B6E}"/>
               </a:ext>
             </a:extLst>
           </p:cNvPr>
           <p:cNvCxnSpPr>
             <a:cxnSpLocks/>
-            <a:stCxn id="57" idx="3"/>
-            <a:endCxn id="58" idx="1"/>
+            <a:stCxn id="22" idx="3"/>
+            <a:endCxn id="29" idx="1"/>
           </p:cNvCxnSpPr>
           <p:nvPr/>
         </p:nvCxnSpPr>
         <p:spPr>
           <a:xfrm>
-            <a:off x="1884989" y="3958544"/>
-            <a:ext cx="762306" cy="0"/>
-          </a:xfrm>
-          <a:prstGeom prst="straightConnector1">
-            <a:avLst/>
-          </a:prstGeom>
-          <a:ln w="31750">
-            <a:solidFill>
-              <a:schemeClr val="tx1"/>
-            </a:solidFill>
-            <a:tailEnd type="triangle"/>
-          </a:ln>
-        </p:spPr>
-        <p:style>
-          <a:lnRef idx="1">
-            <a:schemeClr val="accent1"/>
-          </a:lnRef>
-          <a:fillRef idx="0">
-            <a:schemeClr val="accent1"/>
-          </a:fillRef>
-          <a:effectRef idx="0">
-            <a:schemeClr val="accent1"/>
-          </a:effectRef>
-          <a:fontRef idx="minor">
-            <a:schemeClr val="tx1"/>
-          </a:fontRef>
-        </p:style>
-      </p:cxnSp>
-      <p:sp>
-        <p:nvSpPr>
-          <p:cNvPr id="63" name="矩形: 圆角 62">
-            <a:extLst>
-              <a:ext uri="{FF2B5EF4-FFF2-40B4-BE49-F238E27FC236}">
-                <a16:creationId xmlns:a16="http://schemas.microsoft.com/office/drawing/2014/main" id="{277DE9D7-2400-47B2-8AB5-32DC77E2F2B6}"/>
-              </a:ext>
-            </a:extLst>
-          </p:cNvPr>
-          <p:cNvSpPr/>
-          <p:nvPr/>
-        </p:nvSpPr>
-        <p:spPr>
-          <a:xfrm>
-            <a:off x="7734284" y="3222644"/>
-            <a:ext cx="1080000" cy="432000"/>
-          </a:xfrm>
-          <a:prstGeom prst="roundRect">
-            <a:avLst/>
-          </a:prstGeom>
-          <a:solidFill>
-            <a:srgbClr val="00B0F0"/>
-          </a:solidFill>
-          <a:ln>
-            <a:solidFill>
-              <a:schemeClr val="tx1"/>
-            </a:solidFill>
-          </a:ln>
-        </p:spPr>
-        <p:style>
-          <a:lnRef idx="2">
-            <a:schemeClr val="accent1">
-              <a:shade val="50000"/>
-            </a:schemeClr>
-          </a:lnRef>
-          <a:fillRef idx="1">
-            <a:schemeClr val="accent1"/>
-          </a:fillRef>
-          <a:effectRef idx="0">
-            <a:schemeClr val="accent1"/>
-          </a:effectRef>
-          <a:fontRef idx="minor">
-            <a:schemeClr val="lt1"/>
-          </a:fontRef>
-        </p:style>
-        <p:txBody>
-          <a:bodyPr wrap="none" lIns="36000" tIns="36000" rIns="36000" bIns="36000" rtlCol="0" anchor="ctr" anchorCtr="0"/>
-          <a:lstStyle/>
-          <a:p>
-            <a:pPr algn="ctr"/>
-            <a:r>
-              <a:rPr lang="zh-CN" altLang="en-US" sz="1600" b="1">
-                <a:solidFill>
-                  <a:schemeClr val="tx1"/>
-                </a:solidFill>
-                <a:latin typeface="微软雅黑" panose="020B0503020204020204" pitchFamily="34" charset="-122"/>
-                <a:ea typeface="微软雅黑" panose="020B0503020204020204" pitchFamily="34" charset="-122"/>
-              </a:rPr>
-              <a:t>客户</a:t>
-            </a:r>
-          </a:p>
-        </p:txBody>
-      </p:sp>
-      <p:cxnSp>
-        <p:nvCxnSpPr>
-          <p:cNvPr id="64" name="直接箭头连接符 63">
-            <a:extLst>
-              <a:ext uri="{FF2B5EF4-FFF2-40B4-BE49-F238E27FC236}">
-                <a16:creationId xmlns:a16="http://schemas.microsoft.com/office/drawing/2014/main" id="{5E3981A5-3200-4516-8486-750739C1C0F0}"/>
-              </a:ext>
-            </a:extLst>
-          </p:cNvPr>
-          <p:cNvCxnSpPr>
-            <a:cxnSpLocks/>
-            <a:stCxn id="60" idx="3"/>
-            <a:endCxn id="63" idx="1"/>
-          </p:cNvCxnSpPr>
-          <p:nvPr/>
-        </p:nvCxnSpPr>
-        <p:spPr>
-          <a:xfrm flipV="1">
-            <a:off x="6707191" y="3438644"/>
-            <a:ext cx="1027093" cy="519900"/>
-          </a:xfrm>
-          <a:prstGeom prst="straightConnector1">
-            <a:avLst/>
-          </a:prstGeom>
-          <a:ln w="31750">
-            <a:solidFill>
-              <a:schemeClr val="tx1"/>
-            </a:solidFill>
-            <a:tailEnd type="triangle"/>
-          </a:ln>
-        </p:spPr>
-        <p:style>
-          <a:lnRef idx="1">
-            <a:schemeClr val="accent1"/>
-          </a:lnRef>
-          <a:fillRef idx="0">
-            <a:schemeClr val="accent1"/>
-          </a:fillRef>
-          <a:effectRef idx="0">
-            <a:schemeClr val="accent1"/>
-          </a:effectRef>
-          <a:fontRef idx="minor">
-            <a:schemeClr val="tx1"/>
-          </a:fontRef>
-        </p:style>
-      </p:cxnSp>
-      <p:sp>
-        <p:nvSpPr>
-          <p:cNvPr id="34" name="矩形: 圆角 33">
-            <a:extLst>
-              <a:ext uri="{FF2B5EF4-FFF2-40B4-BE49-F238E27FC236}">
-                <a16:creationId xmlns:a16="http://schemas.microsoft.com/office/drawing/2014/main" id="{8868123B-109E-4A9F-8E31-973B05EF89EF}"/>
-              </a:ext>
-            </a:extLst>
-          </p:cNvPr>
-          <p:cNvSpPr/>
-          <p:nvPr/>
-        </p:nvSpPr>
-        <p:spPr>
-          <a:xfrm>
-            <a:off x="2647295" y="1803176"/>
-            <a:ext cx="1512000" cy="648000"/>
-          </a:xfrm>
-          <a:prstGeom prst="roundRect">
-            <a:avLst/>
-          </a:prstGeom>
-          <a:solidFill>
-            <a:srgbClr val="00B050"/>
-          </a:solidFill>
-          <a:ln>
-            <a:solidFill>
-              <a:schemeClr val="tx1"/>
-            </a:solidFill>
-          </a:ln>
-        </p:spPr>
-        <p:style>
-          <a:lnRef idx="2">
-            <a:schemeClr val="accent1">
-              <a:shade val="50000"/>
-            </a:schemeClr>
-          </a:lnRef>
-          <a:fillRef idx="1">
-            <a:schemeClr val="accent1"/>
-          </a:fillRef>
-          <a:effectRef idx="0">
-            <a:schemeClr val="accent1"/>
-          </a:effectRef>
-          <a:fontRef idx="minor">
-            <a:schemeClr val="lt1"/>
-          </a:fontRef>
-        </p:style>
-        <p:txBody>
-          <a:bodyPr wrap="none" lIns="36000" tIns="36000" rIns="36000" bIns="36000" rtlCol="0" anchor="ctr" anchorCtr="0"/>
-          <a:lstStyle/>
-          <a:p>
-            <a:pPr algn="ctr"/>
-            <a:r>
-              <a:rPr lang="zh-CN" altLang="en-US" sz="1600" b="1">
-                <a:solidFill>
-                  <a:schemeClr val="tx1"/>
-                </a:solidFill>
-                <a:latin typeface="微软雅黑" panose="020B0503020204020204" pitchFamily="34" charset="-122"/>
-                <a:ea typeface="微软雅黑" panose="020B0503020204020204" pitchFamily="34" charset="-122"/>
-              </a:rPr>
-              <a:t>购买</a:t>
-            </a:r>
-            <a:endParaRPr lang="en-US" altLang="zh-CN" sz="1600" b="1">
-              <a:solidFill>
-                <a:schemeClr val="tx1"/>
-              </a:solidFill>
-              <a:latin typeface="微软雅黑" panose="020B0503020204020204" pitchFamily="34" charset="-122"/>
-              <a:ea typeface="微软雅黑" panose="020B0503020204020204" pitchFamily="34" charset="-122"/>
-            </a:endParaRPr>
-          </a:p>
-          <a:p>
-            <a:pPr algn="ctr"/>
-            <a:r>
-              <a:rPr lang="en-US" altLang="zh-CN" sz="1600" b="1">
-                <a:solidFill>
-                  <a:schemeClr val="tx1"/>
-                </a:solidFill>
-                <a:latin typeface="微软雅黑" panose="020B0503020204020204" pitchFamily="34" charset="-122"/>
-                <a:ea typeface="微软雅黑" panose="020B0503020204020204" pitchFamily="34" charset="-122"/>
-              </a:rPr>
-              <a:t>buy</a:t>
-            </a:r>
-            <a:endParaRPr lang="zh-CN" altLang="en-US" sz="1600" b="1">
-              <a:solidFill>
-                <a:schemeClr val="tx1"/>
-              </a:solidFill>
-              <a:latin typeface="微软雅黑" panose="020B0503020204020204" pitchFamily="34" charset="-122"/>
-              <a:ea typeface="微软雅黑" panose="020B0503020204020204" pitchFamily="34" charset="-122"/>
-            </a:endParaRPr>
-          </a:p>
-        </p:txBody>
-      </p:sp>
-      <p:cxnSp>
-        <p:nvCxnSpPr>
-          <p:cNvPr id="35" name="直接箭头连接符 34">
-            <a:extLst>
-              <a:ext uri="{FF2B5EF4-FFF2-40B4-BE49-F238E27FC236}">
-                <a16:creationId xmlns:a16="http://schemas.microsoft.com/office/drawing/2014/main" id="{DD8FB0D5-3E4D-4843-B59D-8853752077EA}"/>
-              </a:ext>
-            </a:extLst>
-          </p:cNvPr>
-          <p:cNvCxnSpPr>
-            <a:cxnSpLocks/>
-            <a:stCxn id="52" idx="3"/>
-            <a:endCxn id="55" idx="1"/>
-          </p:cNvCxnSpPr>
-          <p:nvPr/>
-        </p:nvCxnSpPr>
-        <p:spPr>
-          <a:xfrm>
-            <a:off x="6707191" y="1869722"/>
-            <a:ext cx="1027093" cy="0"/>
-          </a:xfrm>
-          <a:prstGeom prst="straightConnector1">
-            <a:avLst/>
-          </a:prstGeom>
-          <a:ln w="31750">
-            <a:solidFill>
-              <a:schemeClr val="tx1"/>
-            </a:solidFill>
-            <a:tailEnd type="triangle"/>
-          </a:ln>
-        </p:spPr>
-        <p:style>
-          <a:lnRef idx="1">
-            <a:schemeClr val="accent1"/>
-          </a:lnRef>
-          <a:fillRef idx="0">
-            <a:schemeClr val="accent1"/>
-          </a:fillRef>
-          <a:effectRef idx="0">
-            <a:schemeClr val="accent1"/>
-          </a:effectRef>
-          <a:fontRef idx="minor">
-            <a:schemeClr val="tx1"/>
-          </a:fontRef>
-        </p:style>
-      </p:cxnSp>
-      <p:cxnSp>
-        <p:nvCxnSpPr>
-          <p:cNvPr id="27" name="直接箭头连接符 26">
-            <a:extLst>
-              <a:ext uri="{FF2B5EF4-FFF2-40B4-BE49-F238E27FC236}">
-                <a16:creationId xmlns:a16="http://schemas.microsoft.com/office/drawing/2014/main" id="{848F891A-B509-4AB0-B91A-D6F52D2CCEB6}"/>
-              </a:ext>
-            </a:extLst>
-          </p:cNvPr>
-          <p:cNvCxnSpPr>
-            <a:cxnSpLocks/>
-            <a:stCxn id="60" idx="3"/>
-            <a:endCxn id="28" idx="1"/>
-          </p:cNvCxnSpPr>
-          <p:nvPr/>
-        </p:nvCxnSpPr>
-        <p:spPr>
-          <a:xfrm>
-            <a:off x="6707191" y="3958544"/>
-            <a:ext cx="1027093" cy="0"/>
+            <a:off x="4360717" y="1804432"/>
+            <a:ext cx="5533138" cy="0"/>
           </a:xfrm>
           <a:prstGeom prst="straightConnector1">
             <a:avLst/>
@@ -11191,58 +10772,12 @@
           </a:fontRef>
         </p:style>
       </p:cxnSp>
-      <p:cxnSp>
-        <p:nvCxnSpPr>
-          <p:cNvPr id="29" name="直接箭头连接符 28">
-            <a:extLst>
-              <a:ext uri="{FF2B5EF4-FFF2-40B4-BE49-F238E27FC236}">
-                <a16:creationId xmlns:a16="http://schemas.microsoft.com/office/drawing/2014/main" id="{F37CC6C4-2015-45DA-B730-929041DEC6E9}"/>
-              </a:ext>
-            </a:extLst>
-          </p:cNvPr>
-          <p:cNvCxnSpPr>
-            <a:cxnSpLocks/>
-            <a:stCxn id="34" idx="3"/>
-            <a:endCxn id="30" idx="1"/>
-          </p:cNvCxnSpPr>
-          <p:nvPr/>
-        </p:nvCxnSpPr>
-        <p:spPr>
-          <a:xfrm>
-            <a:off x="4159295" y="2127176"/>
-            <a:ext cx="927896" cy="331308"/>
-          </a:xfrm>
-          <a:prstGeom prst="straightConnector1">
-            <a:avLst/>
-          </a:prstGeom>
-          <a:ln w="57150">
-            <a:solidFill>
-              <a:srgbClr val="FFC000"/>
-            </a:solidFill>
-            <a:tailEnd type="triangle"/>
-          </a:ln>
-        </p:spPr>
-        <p:style>
-          <a:lnRef idx="1">
-            <a:schemeClr val="accent1"/>
-          </a:lnRef>
-          <a:fillRef idx="0">
-            <a:schemeClr val="accent1"/>
-          </a:fillRef>
-          <a:effectRef idx="0">
-            <a:schemeClr val="accent1"/>
-          </a:effectRef>
-          <a:fontRef idx="minor">
-            <a:schemeClr val="tx1"/>
-          </a:fontRef>
-        </p:style>
-      </p:cxnSp>
-      <p:sp>
-        <p:nvSpPr>
-          <p:cNvPr id="30" name="矩形: 圆角 29">
-            <a:extLst>
-              <a:ext uri="{FF2B5EF4-FFF2-40B4-BE49-F238E27FC236}">
-                <a16:creationId xmlns:a16="http://schemas.microsoft.com/office/drawing/2014/main" id="{91506958-E49E-4576-BFCF-9A8F00E73CA4}"/>
+      <p:sp>
+        <p:nvSpPr>
+          <p:cNvPr id="29" name="矩形: 圆角 28">
+            <a:extLst>
+              <a:ext uri="{FF2B5EF4-FFF2-40B4-BE49-F238E27FC236}">
+                <a16:creationId xmlns:a16="http://schemas.microsoft.com/office/drawing/2014/main" id="{C205B937-C85A-4FC5-844F-BE1BB50E1A0E}"/>
               </a:ext>
             </a:extLst>
           </p:cNvPr>
@@ -11251,7 +10786,7 @@
         </p:nvSpPr>
         <p:spPr>
           <a:xfrm>
-            <a:off x="5087191" y="2242484"/>
+            <a:off x="9893855" y="1588432"/>
             <a:ext cx="1728000" cy="432000"/>
           </a:xfrm>
           <a:prstGeom prst="roundRect">
@@ -11297,7 +10832,7 @@
                 <a:latin typeface="微软雅黑" panose="020B0503020204020204" pitchFamily="34" charset="-122"/>
                 <a:ea typeface="微软雅黑" panose="020B0503020204020204" pitchFamily="34" charset="-122"/>
               </a:rPr>
-              <a:t>购买订单表</a:t>
+              <a:t>买单表</a:t>
             </a:r>
             <a:endParaRPr lang="en-US" altLang="zh-CN" sz="1600" b="1">
               <a:solidFill>
@@ -11309,26 +10844,225 @@
           </a:p>
         </p:txBody>
       </p:sp>
+      <p:sp>
+        <p:nvSpPr>
+          <p:cNvPr id="30" name="矩形: 圆角 29">
+            <a:extLst>
+              <a:ext uri="{FF2B5EF4-FFF2-40B4-BE49-F238E27FC236}">
+                <a16:creationId xmlns:a16="http://schemas.microsoft.com/office/drawing/2014/main" id="{982D07C1-243F-4440-B29C-8471022D2805}"/>
+              </a:ext>
+            </a:extLst>
+          </p:cNvPr>
+          <p:cNvSpPr/>
+          <p:nvPr/>
+        </p:nvSpPr>
+        <p:spPr>
+          <a:xfrm>
+            <a:off x="838143" y="2894764"/>
+            <a:ext cx="1080000" cy="432000"/>
+          </a:xfrm>
+          <a:prstGeom prst="roundRect">
+            <a:avLst/>
+          </a:prstGeom>
+          <a:solidFill>
+            <a:srgbClr val="00B0F0"/>
+          </a:solidFill>
+          <a:ln>
+            <a:solidFill>
+              <a:schemeClr val="tx1"/>
+            </a:solidFill>
+          </a:ln>
+        </p:spPr>
+        <p:style>
+          <a:lnRef idx="2">
+            <a:schemeClr val="accent1">
+              <a:shade val="50000"/>
+            </a:schemeClr>
+          </a:lnRef>
+          <a:fillRef idx="1">
+            <a:schemeClr val="accent1"/>
+          </a:fillRef>
+          <a:effectRef idx="0">
+            <a:schemeClr val="accent1"/>
+          </a:effectRef>
+          <a:fontRef idx="minor">
+            <a:schemeClr val="lt1"/>
+          </a:fontRef>
+        </p:style>
+        <p:txBody>
+          <a:bodyPr wrap="none" lIns="36000" tIns="36000" rIns="36000" bIns="36000" rtlCol="0" anchor="ctr" anchorCtr="0"/>
+          <a:lstStyle/>
+          <a:p>
+            <a:pPr algn="ctr"/>
+            <a:r>
+              <a:rPr lang="zh-CN" altLang="en-US" sz="1600" b="1">
+                <a:solidFill>
+                  <a:schemeClr val="tx1"/>
+                </a:solidFill>
+                <a:latin typeface="微软雅黑" panose="020B0503020204020204" pitchFamily="34" charset="-122"/>
+                <a:ea typeface="微软雅黑" panose="020B0503020204020204" pitchFamily="34" charset="-122"/>
+              </a:rPr>
+              <a:t>买家</a:t>
+            </a:r>
+          </a:p>
+        </p:txBody>
+      </p:sp>
+      <p:sp>
+        <p:nvSpPr>
+          <p:cNvPr id="31" name="矩形: 圆角 30">
+            <a:extLst>
+              <a:ext uri="{FF2B5EF4-FFF2-40B4-BE49-F238E27FC236}">
+                <a16:creationId xmlns:a16="http://schemas.microsoft.com/office/drawing/2014/main" id="{1C611FFC-953D-4802-B6F9-3D12F19B44CA}"/>
+              </a:ext>
+            </a:extLst>
+          </p:cNvPr>
+          <p:cNvSpPr/>
+          <p:nvPr/>
+        </p:nvSpPr>
+        <p:spPr>
+          <a:xfrm>
+            <a:off x="2848717" y="2786764"/>
+            <a:ext cx="1512000" cy="648000"/>
+          </a:xfrm>
+          <a:prstGeom prst="roundRect">
+            <a:avLst/>
+          </a:prstGeom>
+          <a:solidFill>
+            <a:srgbClr val="00B050"/>
+          </a:solidFill>
+          <a:ln>
+            <a:solidFill>
+              <a:schemeClr val="tx1"/>
+            </a:solidFill>
+          </a:ln>
+        </p:spPr>
+        <p:style>
+          <a:lnRef idx="2">
+            <a:schemeClr val="accent1">
+              <a:shade val="50000"/>
+            </a:schemeClr>
+          </a:lnRef>
+          <a:fillRef idx="1">
+            <a:schemeClr val="accent1"/>
+          </a:fillRef>
+          <a:effectRef idx="0">
+            <a:schemeClr val="accent1"/>
+          </a:effectRef>
+          <a:fontRef idx="minor">
+            <a:schemeClr val="lt1"/>
+          </a:fontRef>
+        </p:style>
+        <p:txBody>
+          <a:bodyPr wrap="none" lIns="36000" tIns="36000" rIns="36000" bIns="36000" rtlCol="0" anchor="ctr" anchorCtr="0"/>
+          <a:lstStyle/>
+          <a:p>
+            <a:pPr algn="ctr"/>
+            <a:r>
+              <a:rPr lang="zh-CN" altLang="en-US" sz="1600" b="1">
+                <a:solidFill>
+                  <a:schemeClr val="tx1"/>
+                </a:solidFill>
+                <a:latin typeface="微软雅黑" panose="020B0503020204020204" pitchFamily="34" charset="-122"/>
+                <a:ea typeface="微软雅黑" panose="020B0503020204020204" pitchFamily="34" charset="-122"/>
+              </a:rPr>
+              <a:t>撤销买单</a:t>
+            </a:r>
+            <a:endParaRPr lang="en-US" altLang="zh-CN" sz="1600" b="1">
+              <a:solidFill>
+                <a:schemeClr val="tx1"/>
+              </a:solidFill>
+              <a:latin typeface="微软雅黑" panose="020B0503020204020204" pitchFamily="34" charset="-122"/>
+              <a:ea typeface="微软雅黑" panose="020B0503020204020204" pitchFamily="34" charset="-122"/>
+            </a:endParaRPr>
+          </a:p>
+          <a:p>
+            <a:pPr algn="ctr"/>
+            <a:r>
+              <a:rPr lang="en-US" altLang="zh-CN" sz="1600" b="1">
+                <a:solidFill>
+                  <a:schemeClr val="tx1"/>
+                </a:solidFill>
+                <a:latin typeface="微软雅黑" panose="020B0503020204020204" pitchFamily="34" charset="-122"/>
+                <a:ea typeface="微软雅黑" panose="020B0503020204020204" pitchFamily="34" charset="-122"/>
+              </a:rPr>
+              <a:t>recusal_buy</a:t>
+            </a:r>
+            <a:endParaRPr lang="zh-CN" altLang="en-US" sz="1600" b="1">
+              <a:solidFill>
+                <a:schemeClr val="tx1"/>
+              </a:solidFill>
+              <a:latin typeface="微软雅黑" panose="020B0503020204020204" pitchFamily="34" charset="-122"/>
+              <a:ea typeface="微软雅黑" panose="020B0503020204020204" pitchFamily="34" charset="-122"/>
+            </a:endParaRPr>
+          </a:p>
+        </p:txBody>
+      </p:sp>
       <p:cxnSp>
         <p:nvCxnSpPr>
-          <p:cNvPr id="36" name="直接箭头连接符 35">
-            <a:extLst>
-              <a:ext uri="{FF2B5EF4-FFF2-40B4-BE49-F238E27FC236}">
-                <a16:creationId xmlns:a16="http://schemas.microsoft.com/office/drawing/2014/main" id="{BF60387A-F6EE-4893-B8F0-0EFE87190D14}"/>
+          <p:cNvPr id="35" name="直接箭头连接符 34">
+            <a:extLst>
+              <a:ext uri="{FF2B5EF4-FFF2-40B4-BE49-F238E27FC236}">
+                <a16:creationId xmlns:a16="http://schemas.microsoft.com/office/drawing/2014/main" id="{9CA9B3C7-4AE1-410F-8653-50A2E8B5FF2C}"/>
               </a:ext>
             </a:extLst>
           </p:cNvPr>
           <p:cNvCxnSpPr>
             <a:cxnSpLocks/>
-            <a:stCxn id="60" idx="3"/>
-            <a:endCxn id="37" idx="1"/>
+            <a:stCxn id="30" idx="3"/>
+            <a:endCxn id="31" idx="1"/>
           </p:cNvCxnSpPr>
           <p:nvPr/>
         </p:nvCxnSpPr>
         <p:spPr>
           <a:xfrm>
-            <a:off x="6707191" y="3958544"/>
-            <a:ext cx="1027093" cy="517770"/>
+            <a:off x="1918143" y="3110764"/>
+            <a:ext cx="930574" cy="0"/>
+          </a:xfrm>
+          <a:prstGeom prst="straightConnector1">
+            <a:avLst/>
+          </a:prstGeom>
+          <a:ln w="31750">
+            <a:solidFill>
+              <a:schemeClr val="tx1"/>
+            </a:solidFill>
+            <a:tailEnd type="triangle"/>
+          </a:ln>
+        </p:spPr>
+        <p:style>
+          <a:lnRef idx="1">
+            <a:schemeClr val="accent1"/>
+          </a:lnRef>
+          <a:fillRef idx="0">
+            <a:schemeClr val="accent1"/>
+          </a:fillRef>
+          <a:effectRef idx="0">
+            <a:schemeClr val="accent1"/>
+          </a:effectRef>
+          <a:fontRef idx="minor">
+            <a:schemeClr val="tx1"/>
+          </a:fontRef>
+        </p:style>
+      </p:cxnSp>
+      <p:cxnSp>
+        <p:nvCxnSpPr>
+          <p:cNvPr id="38" name="直接箭头连接符 37">
+            <a:extLst>
+              <a:ext uri="{FF2B5EF4-FFF2-40B4-BE49-F238E27FC236}">
+                <a16:creationId xmlns:a16="http://schemas.microsoft.com/office/drawing/2014/main" id="{A9E686A2-D51D-48CC-AB92-C0B46BB45032}"/>
+              </a:ext>
+            </a:extLst>
+          </p:cNvPr>
+          <p:cNvCxnSpPr>
+            <a:cxnSpLocks/>
+            <a:stCxn id="31" idx="3"/>
+            <a:endCxn id="39" idx="1"/>
+          </p:cNvCxnSpPr>
+          <p:nvPr/>
+        </p:nvCxnSpPr>
+        <p:spPr>
+          <a:xfrm>
+            <a:off x="4360717" y="3110764"/>
+            <a:ext cx="5533138" cy="0"/>
           </a:xfrm>
           <a:prstGeom prst="straightConnector1">
             <a:avLst/>
@@ -11357,10 +11091,10 @@
       </p:cxnSp>
       <p:sp>
         <p:nvSpPr>
-          <p:cNvPr id="28" name="矩形: 圆角 27">
-            <a:extLst>
-              <a:ext uri="{FF2B5EF4-FFF2-40B4-BE49-F238E27FC236}">
-                <a16:creationId xmlns:a16="http://schemas.microsoft.com/office/drawing/2014/main" id="{827DBB4E-F9A3-4DE7-8CDA-BBACBCB1E162}"/>
+          <p:cNvPr id="39" name="矩形: 圆角 38">
+            <a:extLst>
+              <a:ext uri="{FF2B5EF4-FFF2-40B4-BE49-F238E27FC236}">
+                <a16:creationId xmlns:a16="http://schemas.microsoft.com/office/drawing/2014/main" id="{28D927E2-C332-428B-BEAD-1C7C20A07141}"/>
               </a:ext>
             </a:extLst>
           </p:cNvPr>
@@ -11369,7 +11103,7 @@
         </p:nvSpPr>
         <p:spPr>
           <a:xfrm>
-            <a:off x="7734284" y="3742544"/>
+            <a:off x="9893855" y="2894764"/>
             <a:ext cx="1728000" cy="432000"/>
           </a:xfrm>
           <a:prstGeom prst="roundRect">
@@ -11415,7 +11149,7 @@
                 <a:latin typeface="微软雅黑" panose="020B0503020204020204" pitchFamily="34" charset="-122"/>
                 <a:ea typeface="微软雅黑" panose="020B0503020204020204" pitchFamily="34" charset="-122"/>
               </a:rPr>
-              <a:t>卖单表</a:t>
+              <a:t>撤销买单表</a:t>
             </a:r>
             <a:endParaRPr lang="en-US" altLang="zh-CN" sz="1600" b="1">
               <a:solidFill>
@@ -11427,399 +11161,10 @@
           </a:p>
         </p:txBody>
       </p:sp>
-      <p:sp>
-        <p:nvSpPr>
-          <p:cNvPr id="37" name="矩形: 圆角 36">
-            <a:extLst>
-              <a:ext uri="{FF2B5EF4-FFF2-40B4-BE49-F238E27FC236}">
-                <a16:creationId xmlns:a16="http://schemas.microsoft.com/office/drawing/2014/main" id="{AA3F2E7A-C257-4797-A65E-719DB4B6551B}"/>
-              </a:ext>
-            </a:extLst>
-          </p:cNvPr>
-          <p:cNvSpPr/>
-          <p:nvPr/>
-        </p:nvSpPr>
-        <p:spPr>
-          <a:xfrm>
-            <a:off x="7734284" y="4260314"/>
-            <a:ext cx="1728000" cy="432000"/>
-          </a:xfrm>
-          <a:prstGeom prst="roundRect">
-            <a:avLst/>
-          </a:prstGeom>
-          <a:solidFill>
-            <a:schemeClr val="bg1">
-              <a:lumMod val="95000"/>
-            </a:schemeClr>
-          </a:solidFill>
-          <a:ln>
-            <a:solidFill>
-              <a:schemeClr val="tx1"/>
-            </a:solidFill>
-          </a:ln>
-        </p:spPr>
-        <p:style>
-          <a:lnRef idx="2">
-            <a:schemeClr val="accent1">
-              <a:shade val="50000"/>
-            </a:schemeClr>
-          </a:lnRef>
-          <a:fillRef idx="1">
-            <a:schemeClr val="accent1"/>
-          </a:fillRef>
-          <a:effectRef idx="0">
-            <a:schemeClr val="accent1"/>
-          </a:effectRef>
-          <a:fontRef idx="minor">
-            <a:schemeClr val="lt1"/>
-          </a:fontRef>
-        </p:style>
-        <p:txBody>
-          <a:bodyPr wrap="none" lIns="36000" tIns="36000" rIns="36000" bIns="36000" rtlCol="0" anchor="ctr" anchorCtr="0"/>
-          <a:lstStyle/>
-          <a:p>
-            <a:pPr algn="ctr"/>
-            <a:r>
-              <a:rPr lang="zh-CN" altLang="en-US" sz="1600" b="1">
-                <a:solidFill>
-                  <a:schemeClr val="tx1"/>
-                </a:solidFill>
-                <a:latin typeface="微软雅黑" panose="020B0503020204020204" pitchFamily="34" charset="-122"/>
-                <a:ea typeface="微软雅黑" panose="020B0503020204020204" pitchFamily="34" charset="-122"/>
-              </a:rPr>
-              <a:t>购买订单表</a:t>
-            </a:r>
-            <a:endParaRPr lang="en-US" altLang="zh-CN" sz="1600" b="1">
-              <a:solidFill>
-                <a:schemeClr val="tx1"/>
-              </a:solidFill>
-              <a:latin typeface="微软雅黑" panose="020B0503020204020204" pitchFamily="34" charset="-122"/>
-              <a:ea typeface="微软雅黑" panose="020B0503020204020204" pitchFamily="34" charset="-122"/>
-            </a:endParaRPr>
-          </a:p>
-        </p:txBody>
-      </p:sp>
-      <p:sp>
-        <p:nvSpPr>
-          <p:cNvPr id="50" name="矩形: 圆角 49">
-            <a:extLst>
-              <a:ext uri="{FF2B5EF4-FFF2-40B4-BE49-F238E27FC236}">
-                <a16:creationId xmlns:a16="http://schemas.microsoft.com/office/drawing/2014/main" id="{6130C7D6-A3FA-4543-A899-92B0D56889FE}"/>
-              </a:ext>
-            </a:extLst>
-          </p:cNvPr>
-          <p:cNvSpPr/>
-          <p:nvPr/>
-        </p:nvSpPr>
-        <p:spPr>
-          <a:xfrm>
-            <a:off x="806466" y="5588019"/>
-            <a:ext cx="1080000" cy="432000"/>
-          </a:xfrm>
-          <a:prstGeom prst="roundRect">
-            <a:avLst/>
-          </a:prstGeom>
-          <a:solidFill>
-            <a:srgbClr val="00B0F0"/>
-          </a:solidFill>
-          <a:ln>
-            <a:solidFill>
-              <a:schemeClr val="tx1"/>
-            </a:solidFill>
-          </a:ln>
-        </p:spPr>
-        <p:style>
-          <a:lnRef idx="2">
-            <a:schemeClr val="accent1">
-              <a:shade val="50000"/>
-            </a:schemeClr>
-          </a:lnRef>
-          <a:fillRef idx="1">
-            <a:schemeClr val="accent1"/>
-          </a:fillRef>
-          <a:effectRef idx="0">
-            <a:schemeClr val="accent1"/>
-          </a:effectRef>
-          <a:fontRef idx="minor">
-            <a:schemeClr val="lt1"/>
-          </a:fontRef>
-        </p:style>
-        <p:txBody>
-          <a:bodyPr wrap="none" lIns="36000" tIns="36000" rIns="36000" bIns="36000" rtlCol="0" anchor="ctr" anchorCtr="0"/>
-          <a:lstStyle/>
-          <a:p>
-            <a:pPr algn="ctr"/>
-            <a:r>
-              <a:rPr lang="zh-CN" altLang="en-US" sz="1600" b="1">
-                <a:solidFill>
-                  <a:schemeClr val="tx1"/>
-                </a:solidFill>
-                <a:latin typeface="微软雅黑" panose="020B0503020204020204" pitchFamily="34" charset="-122"/>
-                <a:ea typeface="微软雅黑" panose="020B0503020204020204" pitchFamily="34" charset="-122"/>
-              </a:rPr>
-              <a:t>客户</a:t>
-            </a:r>
-          </a:p>
-        </p:txBody>
-      </p:sp>
-      <p:cxnSp>
-        <p:nvCxnSpPr>
-          <p:cNvPr id="61" name="直接箭头连接符 60">
-            <a:extLst>
-              <a:ext uri="{FF2B5EF4-FFF2-40B4-BE49-F238E27FC236}">
-                <a16:creationId xmlns:a16="http://schemas.microsoft.com/office/drawing/2014/main" id="{D685CF36-64DC-42C2-8C0B-E39435EE251B}"/>
-              </a:ext>
-            </a:extLst>
-          </p:cNvPr>
-          <p:cNvCxnSpPr>
-            <a:cxnSpLocks/>
-            <a:stCxn id="50" idx="3"/>
-            <a:endCxn id="66" idx="1"/>
-          </p:cNvCxnSpPr>
-          <p:nvPr/>
-        </p:nvCxnSpPr>
-        <p:spPr>
-          <a:xfrm>
-            <a:off x="1886466" y="5804019"/>
-            <a:ext cx="762306" cy="0"/>
-          </a:xfrm>
-          <a:prstGeom prst="straightConnector1">
-            <a:avLst/>
-          </a:prstGeom>
-          <a:ln w="31750">
-            <a:solidFill>
-              <a:schemeClr val="tx1"/>
-            </a:solidFill>
-            <a:tailEnd type="triangle"/>
-          </a:ln>
-        </p:spPr>
-        <p:style>
-          <a:lnRef idx="1">
-            <a:schemeClr val="accent1"/>
-          </a:lnRef>
-          <a:fillRef idx="0">
-            <a:schemeClr val="accent1"/>
-          </a:fillRef>
-          <a:effectRef idx="0">
-            <a:schemeClr val="accent1"/>
-          </a:effectRef>
-          <a:fontRef idx="minor">
-            <a:schemeClr val="tx1"/>
-          </a:fontRef>
-        </p:style>
-      </p:cxnSp>
-      <p:sp>
-        <p:nvSpPr>
-          <p:cNvPr id="66" name="矩形: 圆角 65">
-            <a:extLst>
-              <a:ext uri="{FF2B5EF4-FFF2-40B4-BE49-F238E27FC236}">
-                <a16:creationId xmlns:a16="http://schemas.microsoft.com/office/drawing/2014/main" id="{7081A539-2533-4186-B820-DDBF919C0B23}"/>
-              </a:ext>
-            </a:extLst>
-          </p:cNvPr>
-          <p:cNvSpPr/>
-          <p:nvPr/>
-        </p:nvSpPr>
-        <p:spPr>
-          <a:xfrm>
-            <a:off x="2648772" y="5480019"/>
-            <a:ext cx="1512000" cy="648000"/>
-          </a:xfrm>
-          <a:prstGeom prst="roundRect">
-            <a:avLst/>
-          </a:prstGeom>
-          <a:solidFill>
-            <a:srgbClr val="00B050"/>
-          </a:solidFill>
-          <a:ln>
-            <a:solidFill>
-              <a:schemeClr val="tx1"/>
-            </a:solidFill>
-          </a:ln>
-        </p:spPr>
-        <p:style>
-          <a:lnRef idx="2">
-            <a:schemeClr val="accent1">
-              <a:shade val="50000"/>
-            </a:schemeClr>
-          </a:lnRef>
-          <a:fillRef idx="1">
-            <a:schemeClr val="accent1"/>
-          </a:fillRef>
-          <a:effectRef idx="0">
-            <a:schemeClr val="accent1"/>
-          </a:effectRef>
-          <a:fontRef idx="minor">
-            <a:schemeClr val="lt1"/>
-          </a:fontRef>
-        </p:style>
-        <p:txBody>
-          <a:bodyPr wrap="none" lIns="36000" tIns="36000" rIns="36000" bIns="36000" rtlCol="0" anchor="ctr" anchorCtr="0"/>
-          <a:lstStyle/>
-          <a:p>
-            <a:pPr algn="ctr"/>
-            <a:r>
-              <a:rPr lang="zh-CN" altLang="en-US" sz="1600" b="1">
-                <a:solidFill>
-                  <a:schemeClr val="tx1"/>
-                </a:solidFill>
-                <a:latin typeface="微软雅黑" panose="020B0503020204020204" pitchFamily="34" charset="-122"/>
-                <a:ea typeface="微软雅黑" panose="020B0503020204020204" pitchFamily="34" charset="-122"/>
-              </a:rPr>
-              <a:t>撤销购买</a:t>
-            </a:r>
-            <a:endParaRPr lang="en-US" altLang="zh-CN" sz="1600" b="1">
-              <a:solidFill>
-                <a:schemeClr val="tx1"/>
-              </a:solidFill>
-              <a:latin typeface="微软雅黑" panose="020B0503020204020204" pitchFamily="34" charset="-122"/>
-              <a:ea typeface="微软雅黑" panose="020B0503020204020204" pitchFamily="34" charset="-122"/>
-            </a:endParaRPr>
-          </a:p>
-          <a:p>
-            <a:pPr algn="ctr"/>
-            <a:r>
-              <a:rPr lang="en-US" altLang="zh-CN" sz="1600" b="1">
-                <a:solidFill>
-                  <a:schemeClr val="tx1"/>
-                </a:solidFill>
-                <a:latin typeface="微软雅黑" panose="020B0503020204020204" pitchFamily="34" charset="-122"/>
-                <a:ea typeface="微软雅黑" panose="020B0503020204020204" pitchFamily="34" charset="-122"/>
-              </a:rPr>
-              <a:t>recusal_buy</a:t>
-            </a:r>
-            <a:endParaRPr lang="zh-CN" altLang="en-US" sz="1600" b="1">
-              <a:solidFill>
-                <a:schemeClr val="tx1"/>
-              </a:solidFill>
-              <a:latin typeface="微软雅黑" panose="020B0503020204020204" pitchFamily="34" charset="-122"/>
-              <a:ea typeface="微软雅黑" panose="020B0503020204020204" pitchFamily="34" charset="-122"/>
-            </a:endParaRPr>
-          </a:p>
-        </p:txBody>
-      </p:sp>
-      <p:cxnSp>
-        <p:nvCxnSpPr>
-          <p:cNvPr id="68" name="直接箭头连接符 67">
-            <a:extLst>
-              <a:ext uri="{FF2B5EF4-FFF2-40B4-BE49-F238E27FC236}">
-                <a16:creationId xmlns:a16="http://schemas.microsoft.com/office/drawing/2014/main" id="{27CAAD24-D643-47AC-ABD0-ACB1D5D11BF3}"/>
-              </a:ext>
-            </a:extLst>
-          </p:cNvPr>
-          <p:cNvCxnSpPr>
-            <a:cxnSpLocks/>
-            <a:stCxn id="66" idx="3"/>
-            <a:endCxn id="69" idx="1"/>
-          </p:cNvCxnSpPr>
-          <p:nvPr/>
-        </p:nvCxnSpPr>
-        <p:spPr>
-          <a:xfrm>
-            <a:off x="4160772" y="5804019"/>
-            <a:ext cx="927896" cy="0"/>
-          </a:xfrm>
-          <a:prstGeom prst="straightConnector1">
-            <a:avLst/>
-          </a:prstGeom>
-          <a:ln w="57150">
-            <a:solidFill>
-              <a:srgbClr val="FFC000"/>
-            </a:solidFill>
-            <a:tailEnd type="triangle"/>
-          </a:ln>
-        </p:spPr>
-        <p:style>
-          <a:lnRef idx="1">
-            <a:schemeClr val="accent1"/>
-          </a:lnRef>
-          <a:fillRef idx="0">
-            <a:schemeClr val="accent1"/>
-          </a:fillRef>
-          <a:effectRef idx="0">
-            <a:schemeClr val="accent1"/>
-          </a:effectRef>
-          <a:fontRef idx="minor">
-            <a:schemeClr val="tx1"/>
-          </a:fontRef>
-        </p:style>
-      </p:cxnSp>
-      <p:sp>
-        <p:nvSpPr>
-          <p:cNvPr id="69" name="矩形: 圆角 68">
-            <a:extLst>
-              <a:ext uri="{FF2B5EF4-FFF2-40B4-BE49-F238E27FC236}">
-                <a16:creationId xmlns:a16="http://schemas.microsoft.com/office/drawing/2014/main" id="{3BB3007E-EA44-4270-BF0C-35C8059CB221}"/>
-              </a:ext>
-            </a:extLst>
-          </p:cNvPr>
-          <p:cNvSpPr/>
-          <p:nvPr/>
-        </p:nvSpPr>
-        <p:spPr>
-          <a:xfrm>
-            <a:off x="5088668" y="5588019"/>
-            <a:ext cx="1728000" cy="432000"/>
-          </a:xfrm>
-          <a:prstGeom prst="roundRect">
-            <a:avLst/>
-          </a:prstGeom>
-          <a:solidFill>
-            <a:schemeClr val="bg1">
-              <a:lumMod val="95000"/>
-            </a:schemeClr>
-          </a:solidFill>
-          <a:ln>
-            <a:solidFill>
-              <a:schemeClr val="tx1"/>
-            </a:solidFill>
-          </a:ln>
-        </p:spPr>
-        <p:style>
-          <a:lnRef idx="2">
-            <a:schemeClr val="accent1">
-              <a:shade val="50000"/>
-            </a:schemeClr>
-          </a:lnRef>
-          <a:fillRef idx="1">
-            <a:schemeClr val="accent1"/>
-          </a:fillRef>
-          <a:effectRef idx="0">
-            <a:schemeClr val="accent1"/>
-          </a:effectRef>
-          <a:fontRef idx="minor">
-            <a:schemeClr val="lt1"/>
-          </a:fontRef>
-        </p:style>
-        <p:txBody>
-          <a:bodyPr wrap="none" lIns="36000" tIns="36000" rIns="36000" bIns="36000" rtlCol="0" anchor="ctr" anchorCtr="0"/>
-          <a:lstStyle/>
-          <a:p>
-            <a:pPr algn="ctr"/>
-            <a:r>
-              <a:rPr lang="zh-CN" altLang="en-US" sz="1600" b="1">
-                <a:solidFill>
-                  <a:schemeClr val="tx1"/>
-                </a:solidFill>
-                <a:latin typeface="微软雅黑" panose="020B0503020204020204" pitchFamily="34" charset="-122"/>
-                <a:ea typeface="微软雅黑" panose="020B0503020204020204" pitchFamily="34" charset="-122"/>
-              </a:rPr>
-              <a:t>购买订单表</a:t>
-            </a:r>
-            <a:endParaRPr lang="en-US" altLang="zh-CN" sz="1600" b="1">
-              <a:solidFill>
-                <a:schemeClr val="tx1"/>
-              </a:solidFill>
-              <a:latin typeface="微软雅黑" panose="020B0503020204020204" pitchFamily="34" charset="-122"/>
-              <a:ea typeface="微软雅黑" panose="020B0503020204020204" pitchFamily="34" charset="-122"/>
-            </a:endParaRPr>
-          </a:p>
-        </p:txBody>
-      </p:sp>
     </p:spTree>
     <p:extLst>
       <p:ext uri="{BB962C8B-B14F-4D97-AF65-F5344CB8AC3E}">
-        <p14:creationId xmlns:p14="http://schemas.microsoft.com/office/powerpoint/2010/main" val="3940676795"/>
+        <p14:creationId xmlns:p14="http://schemas.microsoft.com/office/powerpoint/2010/main" val="173027265"/>
       </p:ext>
     </p:extLst>
   </p:cSld>
@@ -11962,7 +11307,7 @@
         <p:spPr>
           <a:xfrm>
             <a:off x="712379" y="173975"/>
-            <a:ext cx="2236510" cy="584775"/>
+            <a:ext cx="1826141" cy="584775"/>
           </a:xfrm>
           <a:prstGeom prst="rect">
             <a:avLst/>
@@ -11980,7 +11325,7 @@
                 <a:latin typeface="Consolas" panose="020B0609020204030204" pitchFamily="49" charset="0"/>
                 <a:ea typeface="微软雅黑" panose="020B0503020204020204" pitchFamily="34" charset="-122"/>
               </a:rPr>
-              <a:t>出售及撤销</a:t>
+              <a:t>客户出售</a:t>
             </a:r>
           </a:p>
         </p:txBody>
@@ -13194,432 +12539,6 @@
           </p:txBody>
         </p:sp>
       </p:grpSp>
-      <p:sp>
-        <p:nvSpPr>
-          <p:cNvPr id="61" name="矩形: 圆角 60">
-            <a:extLst>
-              <a:ext uri="{FF2B5EF4-FFF2-40B4-BE49-F238E27FC236}">
-                <a16:creationId xmlns:a16="http://schemas.microsoft.com/office/drawing/2014/main" id="{CE1B17F8-3BA4-4A3F-A0AC-76B0A16CEC93}"/>
-              </a:ext>
-            </a:extLst>
-          </p:cNvPr>
-          <p:cNvSpPr/>
-          <p:nvPr/>
-        </p:nvSpPr>
-        <p:spPr>
-          <a:xfrm>
-            <a:off x="804989" y="5961967"/>
-            <a:ext cx="1080000" cy="432000"/>
-          </a:xfrm>
-          <a:prstGeom prst="roundRect">
-            <a:avLst/>
-          </a:prstGeom>
-          <a:solidFill>
-            <a:srgbClr val="00B0F0"/>
-          </a:solidFill>
-          <a:ln>
-            <a:solidFill>
-              <a:schemeClr val="tx1"/>
-            </a:solidFill>
-          </a:ln>
-        </p:spPr>
-        <p:style>
-          <a:lnRef idx="2">
-            <a:schemeClr val="accent1">
-              <a:shade val="50000"/>
-            </a:schemeClr>
-          </a:lnRef>
-          <a:fillRef idx="1">
-            <a:schemeClr val="accent1"/>
-          </a:fillRef>
-          <a:effectRef idx="0">
-            <a:schemeClr val="accent1"/>
-          </a:effectRef>
-          <a:fontRef idx="minor">
-            <a:schemeClr val="lt1"/>
-          </a:fontRef>
-        </p:style>
-        <p:txBody>
-          <a:bodyPr wrap="none" lIns="36000" tIns="36000" rIns="36000" bIns="36000" rtlCol="0" anchor="ctr" anchorCtr="0"/>
-          <a:lstStyle/>
-          <a:p>
-            <a:pPr algn="ctr"/>
-            <a:r>
-              <a:rPr lang="zh-CN" altLang="en-US" sz="1600" b="1">
-                <a:solidFill>
-                  <a:schemeClr val="tx1"/>
-                </a:solidFill>
-                <a:latin typeface="微软雅黑" panose="020B0503020204020204" pitchFamily="34" charset="-122"/>
-                <a:ea typeface="微软雅黑" panose="020B0503020204020204" pitchFamily="34" charset="-122"/>
-              </a:rPr>
-              <a:t>客户</a:t>
-            </a:r>
-          </a:p>
-        </p:txBody>
-      </p:sp>
-      <p:sp>
-        <p:nvSpPr>
-          <p:cNvPr id="65" name="矩形: 圆角 64">
-            <a:extLst>
-              <a:ext uri="{FF2B5EF4-FFF2-40B4-BE49-F238E27FC236}">
-                <a16:creationId xmlns:a16="http://schemas.microsoft.com/office/drawing/2014/main" id="{F359B19E-1CBA-4E01-96D0-37BAE0D9CD08}"/>
-              </a:ext>
-            </a:extLst>
-          </p:cNvPr>
-          <p:cNvSpPr/>
-          <p:nvPr/>
-        </p:nvSpPr>
-        <p:spPr>
-          <a:xfrm>
-            <a:off x="2868428" y="5853967"/>
-            <a:ext cx="1512000" cy="648000"/>
-          </a:xfrm>
-          <a:prstGeom prst="roundRect">
-            <a:avLst/>
-          </a:prstGeom>
-          <a:solidFill>
-            <a:srgbClr val="00B050"/>
-          </a:solidFill>
-          <a:ln>
-            <a:solidFill>
-              <a:schemeClr val="tx1"/>
-            </a:solidFill>
-          </a:ln>
-        </p:spPr>
-        <p:style>
-          <a:lnRef idx="2">
-            <a:schemeClr val="accent1">
-              <a:shade val="50000"/>
-            </a:schemeClr>
-          </a:lnRef>
-          <a:fillRef idx="1">
-            <a:schemeClr val="accent1"/>
-          </a:fillRef>
-          <a:effectRef idx="0">
-            <a:schemeClr val="accent1"/>
-          </a:effectRef>
-          <a:fontRef idx="minor">
-            <a:schemeClr val="lt1"/>
-          </a:fontRef>
-        </p:style>
-        <p:txBody>
-          <a:bodyPr wrap="none" lIns="36000" tIns="36000" rIns="36000" bIns="36000" rtlCol="0" anchor="ctr" anchorCtr="0"/>
-          <a:lstStyle/>
-          <a:p>
-            <a:pPr algn="ctr"/>
-            <a:r>
-              <a:rPr lang="zh-CN" altLang="en-US" sz="1600" b="1">
-                <a:solidFill>
-                  <a:schemeClr val="tx1"/>
-                </a:solidFill>
-                <a:latin typeface="微软雅黑" panose="020B0503020204020204" pitchFamily="34" charset="-122"/>
-                <a:ea typeface="微软雅黑" panose="020B0503020204020204" pitchFamily="34" charset="-122"/>
-              </a:rPr>
-              <a:t>撤销出售</a:t>
-            </a:r>
-            <a:endParaRPr lang="en-US" altLang="zh-CN" sz="1600" b="1">
-              <a:solidFill>
-                <a:schemeClr val="tx1"/>
-              </a:solidFill>
-              <a:latin typeface="微软雅黑" panose="020B0503020204020204" pitchFamily="34" charset="-122"/>
-              <a:ea typeface="微软雅黑" panose="020B0503020204020204" pitchFamily="34" charset="-122"/>
-            </a:endParaRPr>
-          </a:p>
-          <a:p>
-            <a:pPr algn="ctr"/>
-            <a:r>
-              <a:rPr lang="en-US" altLang="zh-CN" sz="1600" b="1">
-                <a:solidFill>
-                  <a:schemeClr val="tx1"/>
-                </a:solidFill>
-                <a:latin typeface="微软雅黑" panose="020B0503020204020204" pitchFamily="34" charset="-122"/>
-                <a:ea typeface="微软雅黑" panose="020B0503020204020204" pitchFamily="34" charset="-122"/>
-              </a:rPr>
-              <a:t>recusal_sell</a:t>
-            </a:r>
-            <a:endParaRPr lang="zh-CN" altLang="en-US" sz="1600" b="1">
-              <a:solidFill>
-                <a:schemeClr val="tx1"/>
-              </a:solidFill>
-              <a:latin typeface="微软雅黑" panose="020B0503020204020204" pitchFamily="34" charset="-122"/>
-              <a:ea typeface="微软雅黑" panose="020B0503020204020204" pitchFamily="34" charset="-122"/>
-            </a:endParaRPr>
-          </a:p>
-        </p:txBody>
-      </p:sp>
-      <p:cxnSp>
-        <p:nvCxnSpPr>
-          <p:cNvPr id="66" name="直接箭头连接符 65">
-            <a:extLst>
-              <a:ext uri="{FF2B5EF4-FFF2-40B4-BE49-F238E27FC236}">
-                <a16:creationId xmlns:a16="http://schemas.microsoft.com/office/drawing/2014/main" id="{BD06416B-D957-4726-8E1A-B6157CC9232C}"/>
-              </a:ext>
-            </a:extLst>
-          </p:cNvPr>
-          <p:cNvCxnSpPr>
-            <a:cxnSpLocks/>
-            <a:stCxn id="65" idx="3"/>
-            <a:endCxn id="67" idx="1"/>
-          </p:cNvCxnSpPr>
-          <p:nvPr/>
-        </p:nvCxnSpPr>
-        <p:spPr>
-          <a:xfrm>
-            <a:off x="4380428" y="6177967"/>
-            <a:ext cx="2482297" cy="0"/>
-          </a:xfrm>
-          <a:prstGeom prst="straightConnector1">
-            <a:avLst/>
-          </a:prstGeom>
-          <a:ln w="31750">
-            <a:solidFill>
-              <a:schemeClr val="tx1"/>
-            </a:solidFill>
-            <a:tailEnd type="triangle"/>
-          </a:ln>
-        </p:spPr>
-        <p:style>
-          <a:lnRef idx="1">
-            <a:schemeClr val="accent1"/>
-          </a:lnRef>
-          <a:fillRef idx="0">
-            <a:schemeClr val="accent1"/>
-          </a:fillRef>
-          <a:effectRef idx="0">
-            <a:schemeClr val="accent1"/>
-          </a:effectRef>
-          <a:fontRef idx="minor">
-            <a:schemeClr val="tx1"/>
-          </a:fontRef>
-        </p:style>
-      </p:cxnSp>
-      <p:sp>
-        <p:nvSpPr>
-          <p:cNvPr id="67" name="矩形: 圆角 66">
-            <a:extLst>
-              <a:ext uri="{FF2B5EF4-FFF2-40B4-BE49-F238E27FC236}">
-                <a16:creationId xmlns:a16="http://schemas.microsoft.com/office/drawing/2014/main" id="{25724046-1FBB-4BDE-97C9-05F2FEEAB541}"/>
-              </a:ext>
-            </a:extLst>
-          </p:cNvPr>
-          <p:cNvSpPr/>
-          <p:nvPr/>
-        </p:nvSpPr>
-        <p:spPr>
-          <a:xfrm>
-            <a:off x="6862725" y="5889967"/>
-            <a:ext cx="1620000" cy="576000"/>
-          </a:xfrm>
-          <a:prstGeom prst="roundRect">
-            <a:avLst/>
-          </a:prstGeom>
-          <a:solidFill>
-            <a:schemeClr val="bg1"/>
-          </a:solidFill>
-          <a:ln>
-            <a:solidFill>
-              <a:schemeClr val="tx1"/>
-            </a:solidFill>
-          </a:ln>
-        </p:spPr>
-        <p:style>
-          <a:lnRef idx="2">
-            <a:schemeClr val="accent1">
-              <a:shade val="50000"/>
-            </a:schemeClr>
-          </a:lnRef>
-          <a:fillRef idx="1">
-            <a:schemeClr val="accent1"/>
-          </a:fillRef>
-          <a:effectRef idx="0">
-            <a:schemeClr val="accent1"/>
-          </a:effectRef>
-          <a:fontRef idx="minor">
-            <a:schemeClr val="lt1"/>
-          </a:fontRef>
-        </p:style>
-        <p:txBody>
-          <a:bodyPr wrap="none" lIns="36000" tIns="36000" rIns="36000" bIns="36000" rtlCol="0" anchor="ctr" anchorCtr="0"/>
-          <a:lstStyle/>
-          <a:p>
-            <a:pPr algn="ctr"/>
-            <a:r>
-              <a:rPr lang="zh-CN" altLang="en-US" sz="1600" b="1">
-                <a:solidFill>
-                  <a:schemeClr val="tx1"/>
-                </a:solidFill>
-                <a:latin typeface="微软雅黑" panose="020B0503020204020204" pitchFamily="34" charset="-122"/>
-                <a:ea typeface="微软雅黑" panose="020B0503020204020204" pitchFamily="34" charset="-122"/>
-              </a:rPr>
-              <a:t>转账给合约账户</a:t>
-            </a:r>
-          </a:p>
-        </p:txBody>
-      </p:sp>
-      <p:cxnSp>
-        <p:nvCxnSpPr>
-          <p:cNvPr id="68" name="直接箭头连接符 67">
-            <a:extLst>
-              <a:ext uri="{FF2B5EF4-FFF2-40B4-BE49-F238E27FC236}">
-                <a16:creationId xmlns:a16="http://schemas.microsoft.com/office/drawing/2014/main" id="{72C1418D-AE4B-4589-A579-A43B18D2E48B}"/>
-              </a:ext>
-            </a:extLst>
-          </p:cNvPr>
-          <p:cNvCxnSpPr>
-            <a:cxnSpLocks/>
-            <a:stCxn id="61" idx="3"/>
-            <a:endCxn id="65" idx="1"/>
-          </p:cNvCxnSpPr>
-          <p:nvPr/>
-        </p:nvCxnSpPr>
-        <p:spPr>
-          <a:xfrm>
-            <a:off x="1884989" y="6177967"/>
-            <a:ext cx="983439" cy="0"/>
-          </a:xfrm>
-          <a:prstGeom prst="straightConnector1">
-            <a:avLst/>
-          </a:prstGeom>
-          <a:ln w="31750">
-            <a:solidFill>
-              <a:schemeClr val="tx1"/>
-            </a:solidFill>
-            <a:tailEnd type="triangle"/>
-          </a:ln>
-        </p:spPr>
-        <p:style>
-          <a:lnRef idx="1">
-            <a:schemeClr val="accent1"/>
-          </a:lnRef>
-          <a:fillRef idx="0">
-            <a:schemeClr val="accent1"/>
-          </a:fillRef>
-          <a:effectRef idx="0">
-            <a:schemeClr val="accent1"/>
-          </a:effectRef>
-          <a:fontRef idx="minor">
-            <a:schemeClr val="tx1"/>
-          </a:fontRef>
-        </p:style>
-      </p:cxnSp>
-      <p:cxnSp>
-        <p:nvCxnSpPr>
-          <p:cNvPr id="69" name="直接箭头连接符 68">
-            <a:extLst>
-              <a:ext uri="{FF2B5EF4-FFF2-40B4-BE49-F238E27FC236}">
-                <a16:creationId xmlns:a16="http://schemas.microsoft.com/office/drawing/2014/main" id="{3A260A32-AD35-4CE6-93B0-099F1297E93D}"/>
-              </a:ext>
-            </a:extLst>
-          </p:cNvPr>
-          <p:cNvCxnSpPr>
-            <a:cxnSpLocks/>
-            <a:stCxn id="67" idx="3"/>
-            <a:endCxn id="70" idx="1"/>
-          </p:cNvCxnSpPr>
-          <p:nvPr/>
-        </p:nvCxnSpPr>
-        <p:spPr>
-          <a:xfrm>
-            <a:off x="8482725" y="6177967"/>
-            <a:ext cx="1332021" cy="0"/>
-          </a:xfrm>
-          <a:prstGeom prst="straightConnector1">
-            <a:avLst/>
-          </a:prstGeom>
-          <a:ln w="57150">
-            <a:solidFill>
-              <a:srgbClr val="FFC000"/>
-            </a:solidFill>
-            <a:tailEnd type="triangle"/>
-          </a:ln>
-        </p:spPr>
-        <p:style>
-          <a:lnRef idx="1">
-            <a:schemeClr val="accent1"/>
-          </a:lnRef>
-          <a:fillRef idx="0">
-            <a:schemeClr val="accent1"/>
-          </a:fillRef>
-          <a:effectRef idx="0">
-            <a:schemeClr val="accent1"/>
-          </a:effectRef>
-          <a:fontRef idx="minor">
-            <a:schemeClr val="tx1"/>
-          </a:fontRef>
-        </p:style>
-      </p:cxnSp>
-      <p:sp>
-        <p:nvSpPr>
-          <p:cNvPr id="70" name="矩形: 圆角 69">
-            <a:extLst>
-              <a:ext uri="{FF2B5EF4-FFF2-40B4-BE49-F238E27FC236}">
-                <a16:creationId xmlns:a16="http://schemas.microsoft.com/office/drawing/2014/main" id="{4BF0A0DD-9801-45E4-99AD-B517E3BAE7C2}"/>
-              </a:ext>
-            </a:extLst>
-          </p:cNvPr>
-          <p:cNvSpPr/>
-          <p:nvPr/>
-        </p:nvSpPr>
-        <p:spPr>
-          <a:xfrm>
-            <a:off x="9814746" y="5961967"/>
-            <a:ext cx="1728000" cy="432000"/>
-          </a:xfrm>
-          <a:prstGeom prst="roundRect">
-            <a:avLst/>
-          </a:prstGeom>
-          <a:solidFill>
-            <a:schemeClr val="bg1">
-              <a:lumMod val="95000"/>
-            </a:schemeClr>
-          </a:solidFill>
-          <a:ln>
-            <a:solidFill>
-              <a:schemeClr val="tx1"/>
-            </a:solidFill>
-          </a:ln>
-        </p:spPr>
-        <p:style>
-          <a:lnRef idx="2">
-            <a:schemeClr val="accent1">
-              <a:shade val="50000"/>
-            </a:schemeClr>
-          </a:lnRef>
-          <a:fillRef idx="1">
-            <a:schemeClr val="accent1"/>
-          </a:fillRef>
-          <a:effectRef idx="0">
-            <a:schemeClr val="accent1"/>
-          </a:effectRef>
-          <a:fontRef idx="minor">
-            <a:schemeClr val="lt1"/>
-          </a:fontRef>
-        </p:style>
-        <p:txBody>
-          <a:bodyPr wrap="none" lIns="36000" tIns="36000" rIns="36000" bIns="36000" rtlCol="0" anchor="ctr" anchorCtr="0"/>
-          <a:lstStyle/>
-          <a:p>
-            <a:pPr algn="ctr"/>
-            <a:r>
-              <a:rPr lang="zh-CN" altLang="en-US" sz="1600" b="1">
-                <a:solidFill>
-                  <a:schemeClr val="tx1"/>
-                </a:solidFill>
-                <a:latin typeface="微软雅黑" panose="020B0503020204020204" pitchFamily="34" charset="-122"/>
-                <a:ea typeface="微软雅黑" panose="020B0503020204020204" pitchFamily="34" charset="-122"/>
-              </a:rPr>
-              <a:t>出售订单表</a:t>
-            </a:r>
-            <a:endParaRPr lang="en-US" altLang="zh-CN" sz="1600" b="1">
-              <a:solidFill>
-                <a:schemeClr val="tx1"/>
-              </a:solidFill>
-              <a:latin typeface="微软雅黑" panose="020B0503020204020204" pitchFamily="34" charset="-122"/>
-              <a:ea typeface="微软雅黑" panose="020B0503020204020204" pitchFamily="34" charset="-122"/>
-            </a:endParaRPr>
-          </a:p>
-        </p:txBody>
-      </p:sp>
     </p:spTree>
     <p:extLst>
       <p:ext uri="{BB962C8B-B14F-4D97-AF65-F5344CB8AC3E}">
